--- a/libraries/Diagramm Robot v2.pptx
+++ b/libraries/Diagramm Robot v2.pptx
@@ -267,7 +267,7 @@
           <a:p>
             <a:fld id="{0717AEF8-1597-4679-8926-916E82E12B07}" type="datetimeFigureOut">
               <a:rPr lang="fr-FR" smtClean="0"/>
-              <a:t>17/12/2018</a:t>
+              <a:t>18/12/2018</a:t>
             </a:fld>
             <a:endParaRPr lang="fr-FR"/>
           </a:p>
@@ -465,7 +465,7 @@
           <a:p>
             <a:fld id="{0717AEF8-1597-4679-8926-916E82E12B07}" type="datetimeFigureOut">
               <a:rPr lang="fr-FR" smtClean="0"/>
-              <a:t>17/12/2018</a:t>
+              <a:t>18/12/2018</a:t>
             </a:fld>
             <a:endParaRPr lang="fr-FR"/>
           </a:p>
@@ -673,7 +673,7 @@
           <a:p>
             <a:fld id="{0717AEF8-1597-4679-8926-916E82E12B07}" type="datetimeFigureOut">
               <a:rPr lang="fr-FR" smtClean="0"/>
-              <a:t>17/12/2018</a:t>
+              <a:t>18/12/2018</a:t>
             </a:fld>
             <a:endParaRPr lang="fr-FR"/>
           </a:p>
@@ -871,7 +871,7 @@
           <a:p>
             <a:fld id="{0717AEF8-1597-4679-8926-916E82E12B07}" type="datetimeFigureOut">
               <a:rPr lang="fr-FR" smtClean="0"/>
-              <a:t>17/12/2018</a:t>
+              <a:t>18/12/2018</a:t>
             </a:fld>
             <a:endParaRPr lang="fr-FR"/>
           </a:p>
@@ -1146,7 +1146,7 @@
           <a:p>
             <a:fld id="{0717AEF8-1597-4679-8926-916E82E12B07}" type="datetimeFigureOut">
               <a:rPr lang="fr-FR" smtClean="0"/>
-              <a:t>17/12/2018</a:t>
+              <a:t>18/12/2018</a:t>
             </a:fld>
             <a:endParaRPr lang="fr-FR"/>
           </a:p>
@@ -1411,7 +1411,7 @@
           <a:p>
             <a:fld id="{0717AEF8-1597-4679-8926-916E82E12B07}" type="datetimeFigureOut">
               <a:rPr lang="fr-FR" smtClean="0"/>
-              <a:t>17/12/2018</a:t>
+              <a:t>18/12/2018</a:t>
             </a:fld>
             <a:endParaRPr lang="fr-FR"/>
           </a:p>
@@ -1823,7 +1823,7 @@
           <a:p>
             <a:fld id="{0717AEF8-1597-4679-8926-916E82E12B07}" type="datetimeFigureOut">
               <a:rPr lang="fr-FR" smtClean="0"/>
-              <a:t>17/12/2018</a:t>
+              <a:t>18/12/2018</a:t>
             </a:fld>
             <a:endParaRPr lang="fr-FR"/>
           </a:p>
@@ -1964,7 +1964,7 @@
           <a:p>
             <a:fld id="{0717AEF8-1597-4679-8926-916E82E12B07}" type="datetimeFigureOut">
               <a:rPr lang="fr-FR" smtClean="0"/>
-              <a:t>17/12/2018</a:t>
+              <a:t>18/12/2018</a:t>
             </a:fld>
             <a:endParaRPr lang="fr-FR"/>
           </a:p>
@@ -2077,7 +2077,7 @@
           <a:p>
             <a:fld id="{0717AEF8-1597-4679-8926-916E82E12B07}" type="datetimeFigureOut">
               <a:rPr lang="fr-FR" smtClean="0"/>
-              <a:t>17/12/2018</a:t>
+              <a:t>18/12/2018</a:t>
             </a:fld>
             <a:endParaRPr lang="fr-FR"/>
           </a:p>
@@ -2388,7 +2388,7 @@
           <a:p>
             <a:fld id="{0717AEF8-1597-4679-8926-916E82E12B07}" type="datetimeFigureOut">
               <a:rPr lang="fr-FR" smtClean="0"/>
-              <a:t>17/12/2018</a:t>
+              <a:t>18/12/2018</a:t>
             </a:fld>
             <a:endParaRPr lang="fr-FR"/>
           </a:p>
@@ -2676,7 +2676,7 @@
           <a:p>
             <a:fld id="{0717AEF8-1597-4679-8926-916E82E12B07}" type="datetimeFigureOut">
               <a:rPr lang="fr-FR" smtClean="0"/>
-              <a:t>17/12/2018</a:t>
+              <a:t>18/12/2018</a:t>
             </a:fld>
             <a:endParaRPr lang="fr-FR"/>
           </a:p>
@@ -2917,7 +2917,7 @@
           <a:p>
             <a:fld id="{0717AEF8-1597-4679-8926-916E82E12B07}" type="datetimeFigureOut">
               <a:rPr lang="fr-FR" smtClean="0"/>
-              <a:t>17/12/2018</a:t>
+              <a:t>18/12/2018</a:t>
             </a:fld>
             <a:endParaRPr lang="fr-FR"/>
           </a:p>
@@ -3444,24 +3444,24 @@
           </a:p>
           <a:p>
             <a:r>
-              <a:rPr lang="fr-FR" sz="1000" i="1" dirty="0"/>
+              <a:rPr lang="fr-FR" sz="900" i="1" dirty="0"/>
               <a:t>MAC: </a:t>
             </a:r>
             <a:r>
-              <a:rPr lang="en-US" sz="1000" i="1" dirty="0"/>
+              <a:rPr lang="en-US" sz="900" i="1" dirty="0"/>
               <a:t>F7:C9:5B:7F:CF:5C</a:t>
             </a:r>
           </a:p>
           <a:p>
             <a:r>
-              <a:rPr lang="en-US" sz="1000" i="1" dirty="0"/>
+              <a:rPr lang="en-US" sz="900" i="1" dirty="0"/>
               <a:t>IP Fixe: </a:t>
             </a:r>
             <a:r>
-              <a:rPr lang="fr-FR" sz="1000" dirty="0"/>
+              <a:rPr lang="fr-FR" sz="900" i="1" dirty="0"/>
               <a:t>192.168.0.30</a:t>
             </a:r>
-            <a:endParaRPr lang="en-US" sz="1000" i="1" dirty="0"/>
+            <a:endParaRPr lang="en-US" sz="900" i="1" dirty="0"/>
           </a:p>
           <a:p>
             <a:endParaRPr lang="fr-FR" i="1" dirty="0"/>
@@ -4213,7 +4213,7 @@
             </a:r>
             <a:r>
               <a:rPr lang="en-US" sz="900" i="1" dirty="0"/>
-              <a:t>F7:C9:5B:7F:CF:5C</a:t>
+              <a:t>18:FE:34:F1:75:BE</a:t>
             </a:r>
           </a:p>
           <a:p>
@@ -4222,7 +4222,7 @@
               <a:t>IP Fixe: </a:t>
             </a:r>
             <a:r>
-              <a:rPr lang="fr-FR" sz="900" dirty="0"/>
+              <a:rPr lang="fr-FR" sz="900" i="1" dirty="0"/>
               <a:t>192.168.0.31</a:t>
             </a:r>
             <a:endParaRPr lang="en-US" sz="900" i="1" dirty="0"/>
@@ -4588,6 +4588,18 @@
             </a:r>
           </a:p>
           <a:p>
+            <a:r>
+              <a:rPr lang="fr-FR" sz="900" dirty="0"/>
+              <a:t>MAC: 00:0f:13:37:1b:c8</a:t>
+            </a:r>
+          </a:p>
+          <a:p>
+            <a:r>
+              <a:rPr lang="fr-FR" sz="900" dirty="0"/>
+              <a:t>IP Fixe: 192.168.0.18</a:t>
+            </a:r>
+          </a:p>
+          <a:p>
             <a:pPr algn="ctr"/>
             <a:endParaRPr lang="fr-FR" dirty="0"/>
           </a:p>
@@ -4738,7 +4750,7 @@
         </p:nvSpPr>
         <p:spPr>
           <a:xfrm>
-            <a:off x="2162699" y="3550036"/>
+            <a:off x="2100521" y="3230798"/>
             <a:ext cx="1558290" cy="646331"/>
           </a:xfrm>
           <a:prstGeom prst="rect">

--- a/libraries/Diagramm Robot v2.pptx
+++ b/libraries/Diagramm Robot v2.pptx
@@ -267,7 +267,7 @@
           <a:p>
             <a:fld id="{0717AEF8-1597-4679-8926-916E82E12B07}" type="datetimeFigureOut">
               <a:rPr lang="fr-FR" smtClean="0"/>
-              <a:t>18/12/2018</a:t>
+              <a:t>19/12/2018</a:t>
             </a:fld>
             <a:endParaRPr lang="fr-FR"/>
           </a:p>
@@ -465,7 +465,7 @@
           <a:p>
             <a:fld id="{0717AEF8-1597-4679-8926-916E82E12B07}" type="datetimeFigureOut">
               <a:rPr lang="fr-FR" smtClean="0"/>
-              <a:t>18/12/2018</a:t>
+              <a:t>19/12/2018</a:t>
             </a:fld>
             <a:endParaRPr lang="fr-FR"/>
           </a:p>
@@ -673,7 +673,7 @@
           <a:p>
             <a:fld id="{0717AEF8-1597-4679-8926-916E82E12B07}" type="datetimeFigureOut">
               <a:rPr lang="fr-FR" smtClean="0"/>
-              <a:t>18/12/2018</a:t>
+              <a:t>19/12/2018</a:t>
             </a:fld>
             <a:endParaRPr lang="fr-FR"/>
           </a:p>
@@ -871,7 +871,7 @@
           <a:p>
             <a:fld id="{0717AEF8-1597-4679-8926-916E82E12B07}" type="datetimeFigureOut">
               <a:rPr lang="fr-FR" smtClean="0"/>
-              <a:t>18/12/2018</a:t>
+              <a:t>19/12/2018</a:t>
             </a:fld>
             <a:endParaRPr lang="fr-FR"/>
           </a:p>
@@ -1146,7 +1146,7 @@
           <a:p>
             <a:fld id="{0717AEF8-1597-4679-8926-916E82E12B07}" type="datetimeFigureOut">
               <a:rPr lang="fr-FR" smtClean="0"/>
-              <a:t>18/12/2018</a:t>
+              <a:t>19/12/2018</a:t>
             </a:fld>
             <a:endParaRPr lang="fr-FR"/>
           </a:p>
@@ -1411,7 +1411,7 @@
           <a:p>
             <a:fld id="{0717AEF8-1597-4679-8926-916E82E12B07}" type="datetimeFigureOut">
               <a:rPr lang="fr-FR" smtClean="0"/>
-              <a:t>18/12/2018</a:t>
+              <a:t>19/12/2018</a:t>
             </a:fld>
             <a:endParaRPr lang="fr-FR"/>
           </a:p>
@@ -1823,7 +1823,7 @@
           <a:p>
             <a:fld id="{0717AEF8-1597-4679-8926-916E82E12B07}" type="datetimeFigureOut">
               <a:rPr lang="fr-FR" smtClean="0"/>
-              <a:t>18/12/2018</a:t>
+              <a:t>19/12/2018</a:t>
             </a:fld>
             <a:endParaRPr lang="fr-FR"/>
           </a:p>
@@ -1964,7 +1964,7 @@
           <a:p>
             <a:fld id="{0717AEF8-1597-4679-8926-916E82E12B07}" type="datetimeFigureOut">
               <a:rPr lang="fr-FR" smtClean="0"/>
-              <a:t>18/12/2018</a:t>
+              <a:t>19/12/2018</a:t>
             </a:fld>
             <a:endParaRPr lang="fr-FR"/>
           </a:p>
@@ -2077,7 +2077,7 @@
           <a:p>
             <a:fld id="{0717AEF8-1597-4679-8926-916E82E12B07}" type="datetimeFigureOut">
               <a:rPr lang="fr-FR" smtClean="0"/>
-              <a:t>18/12/2018</a:t>
+              <a:t>19/12/2018</a:t>
             </a:fld>
             <a:endParaRPr lang="fr-FR"/>
           </a:p>
@@ -2388,7 +2388,7 @@
           <a:p>
             <a:fld id="{0717AEF8-1597-4679-8926-916E82E12B07}" type="datetimeFigureOut">
               <a:rPr lang="fr-FR" smtClean="0"/>
-              <a:t>18/12/2018</a:t>
+              <a:t>19/12/2018</a:t>
             </a:fld>
             <a:endParaRPr lang="fr-FR"/>
           </a:p>
@@ -2676,7 +2676,7 @@
           <a:p>
             <a:fld id="{0717AEF8-1597-4679-8926-916E82E12B07}" type="datetimeFigureOut">
               <a:rPr lang="fr-FR" smtClean="0"/>
-              <a:t>18/12/2018</a:t>
+              <a:t>19/12/2018</a:t>
             </a:fld>
             <a:endParaRPr lang="fr-FR"/>
           </a:p>
@@ -2917,7 +2917,7 @@
           <a:p>
             <a:fld id="{0717AEF8-1597-4679-8926-916E82E12B07}" type="datetimeFigureOut">
               <a:rPr lang="fr-FR" smtClean="0"/>
-              <a:t>18/12/2018</a:t>
+              <a:t>19/12/2018</a:t>
             </a:fld>
             <a:endParaRPr lang="fr-FR"/>
           </a:p>
@@ -3482,8 +3482,8 @@
         </p:nvSpPr>
         <p:spPr>
           <a:xfrm>
-            <a:off x="2846595" y="281350"/>
-            <a:ext cx="1868878" cy="4300205"/>
+            <a:off x="4059133" y="138499"/>
+            <a:ext cx="1613465" cy="1562212"/>
           </a:xfrm>
           <a:prstGeom prst="cloud">
             <a:avLst/>
@@ -5421,7 +5421,7 @@
         </p:nvSpPr>
         <p:spPr>
           <a:xfrm>
-            <a:off x="2422039" y="5269091"/>
+            <a:off x="2438088" y="5635539"/>
             <a:ext cx="3531736" cy="261610"/>
           </a:xfrm>
           <a:prstGeom prst="rect">
@@ -5460,7 +5460,7 @@
         </p:nvSpPr>
         <p:spPr>
           <a:xfrm>
-            <a:off x="2393367" y="5553956"/>
+            <a:off x="2446077" y="5811837"/>
             <a:ext cx="3849131" cy="261610"/>
           </a:xfrm>
           <a:prstGeom prst="rect">
@@ -5494,7 +5494,7 @@
         </p:nvSpPr>
         <p:spPr>
           <a:xfrm>
-            <a:off x="2906830" y="5690519"/>
+            <a:off x="3711826" y="5982460"/>
             <a:ext cx="2283681" cy="600164"/>
           </a:xfrm>
           <a:prstGeom prst="rect">
@@ -5540,7 +5540,7 @@
         </p:nvSpPr>
         <p:spPr>
           <a:xfrm>
-            <a:off x="4086827" y="4795073"/>
+            <a:off x="4370642" y="5407389"/>
             <a:ext cx="990449" cy="369332"/>
           </a:xfrm>
           <a:prstGeom prst="rect">
@@ -5933,6 +5933,131 @@
               <a:rPr lang="en-US" dirty="0"/>
               <a:t>Mail pictures</a:t>
             </a:r>
+          </a:p>
+        </p:txBody>
+      </p:sp>
+      <p:sp>
+        <p:nvSpPr>
+          <p:cNvPr id="50" name="Nuage 49">
+            <a:extLst>
+              <a:ext uri="{FF2B5EF4-FFF2-40B4-BE49-F238E27FC236}">
+                <a16:creationId xmlns:a16="http://schemas.microsoft.com/office/drawing/2014/main" id="{C4AA5520-5B3C-4CE1-92C1-93A8C3D830BE}"/>
+              </a:ext>
+            </a:extLst>
+          </p:cNvPr>
+          <p:cNvSpPr/>
+          <p:nvPr/>
+        </p:nvSpPr>
+        <p:spPr>
+          <a:xfrm>
+            <a:off x="3706709" y="4437721"/>
+            <a:ext cx="1792296" cy="1039716"/>
+          </a:xfrm>
+          <a:prstGeom prst="cloud">
+            <a:avLst/>
+          </a:prstGeom>
+          <a:solidFill>
+            <a:schemeClr val="accent4">
+              <a:lumMod val="60000"/>
+              <a:lumOff val="40000"/>
+            </a:schemeClr>
+          </a:solidFill>
+        </p:spPr>
+        <p:style>
+          <a:lnRef idx="2">
+            <a:schemeClr val="accent1">
+              <a:shade val="50000"/>
+            </a:schemeClr>
+          </a:lnRef>
+          <a:fillRef idx="1">
+            <a:schemeClr val="accent1"/>
+          </a:fillRef>
+          <a:effectRef idx="0">
+            <a:schemeClr val="accent1"/>
+          </a:effectRef>
+          <a:fontRef idx="minor">
+            <a:schemeClr val="lt1"/>
+          </a:fontRef>
+        </p:style>
+        <p:txBody>
+          <a:bodyPr rtlCol="0" anchor="ctr"/>
+          <a:lstStyle/>
+          <a:p>
+            <a:pPr algn="ctr"/>
+            <a:r>
+              <a:rPr lang="fr-FR" sz="1200" dirty="0"/>
+              <a:t>SSID:</a:t>
+            </a:r>
+          </a:p>
+          <a:p>
+            <a:pPr algn="ctr"/>
+            <a:r>
+              <a:rPr lang="fr-FR" sz="1200" dirty="0"/>
+              <a:t>WIFICOTEAU</a:t>
+            </a:r>
+          </a:p>
+        </p:txBody>
+      </p:sp>
+      <p:sp>
+        <p:nvSpPr>
+          <p:cNvPr id="56" name="Nuage 55">
+            <a:extLst>
+              <a:ext uri="{FF2B5EF4-FFF2-40B4-BE49-F238E27FC236}">
+                <a16:creationId xmlns:a16="http://schemas.microsoft.com/office/drawing/2014/main" id="{EBD23622-97AE-43B3-A20A-C70C5CFE819E}"/>
+              </a:ext>
+            </a:extLst>
+          </p:cNvPr>
+          <p:cNvSpPr/>
+          <p:nvPr/>
+        </p:nvSpPr>
+        <p:spPr>
+          <a:xfrm>
+            <a:off x="2837354" y="3746512"/>
+            <a:ext cx="1792296" cy="1039716"/>
+          </a:xfrm>
+          <a:prstGeom prst="cloud">
+            <a:avLst/>
+          </a:prstGeom>
+          <a:solidFill>
+            <a:schemeClr val="accent4">
+              <a:lumMod val="60000"/>
+              <a:lumOff val="40000"/>
+            </a:schemeClr>
+          </a:solidFill>
+        </p:spPr>
+        <p:style>
+          <a:lnRef idx="2">
+            <a:schemeClr val="accent1">
+              <a:shade val="50000"/>
+            </a:schemeClr>
+          </a:lnRef>
+          <a:fillRef idx="1">
+            <a:schemeClr val="accent1"/>
+          </a:fillRef>
+          <a:effectRef idx="0">
+            <a:schemeClr val="accent1"/>
+          </a:effectRef>
+          <a:fontRef idx="minor">
+            <a:schemeClr val="lt1"/>
+          </a:fontRef>
+        </p:style>
+        <p:txBody>
+          <a:bodyPr rtlCol="0" anchor="ctr"/>
+          <a:lstStyle/>
+          <a:p>
+            <a:pPr algn="ctr"/>
+            <a:r>
+              <a:rPr lang="fr-FR" sz="1200" dirty="0"/>
+              <a:t>SSID:</a:t>
+            </a:r>
+          </a:p>
+          <a:p>
+            <a:pPr algn="ctr"/>
+            <a:r>
+              <a:rPr lang="fr-FR" sz="1200"/>
+              <a:t>WIFICOTEAU2</a:t>
+            </a:r>
+            <a:endParaRPr lang="fr-FR" sz="1200" dirty="0"/>
           </a:p>
         </p:txBody>
       </p:sp>

--- a/libraries/Diagramm Robot v2.pptx
+++ b/libraries/Diagramm Robot v2.pptx
@@ -267,7 +267,7 @@
           <a:p>
             <a:fld id="{0717AEF8-1597-4679-8926-916E82E12B07}" type="datetimeFigureOut">
               <a:rPr lang="fr-FR" smtClean="0"/>
-              <a:t>19/12/2018</a:t>
+              <a:t>20/12/2018</a:t>
             </a:fld>
             <a:endParaRPr lang="fr-FR"/>
           </a:p>
@@ -465,7 +465,7 @@
           <a:p>
             <a:fld id="{0717AEF8-1597-4679-8926-916E82E12B07}" type="datetimeFigureOut">
               <a:rPr lang="fr-FR" smtClean="0"/>
-              <a:t>19/12/2018</a:t>
+              <a:t>20/12/2018</a:t>
             </a:fld>
             <a:endParaRPr lang="fr-FR"/>
           </a:p>
@@ -673,7 +673,7 @@
           <a:p>
             <a:fld id="{0717AEF8-1597-4679-8926-916E82E12B07}" type="datetimeFigureOut">
               <a:rPr lang="fr-FR" smtClean="0"/>
-              <a:t>19/12/2018</a:t>
+              <a:t>20/12/2018</a:t>
             </a:fld>
             <a:endParaRPr lang="fr-FR"/>
           </a:p>
@@ -871,7 +871,7 @@
           <a:p>
             <a:fld id="{0717AEF8-1597-4679-8926-916E82E12B07}" type="datetimeFigureOut">
               <a:rPr lang="fr-FR" smtClean="0"/>
-              <a:t>19/12/2018</a:t>
+              <a:t>20/12/2018</a:t>
             </a:fld>
             <a:endParaRPr lang="fr-FR"/>
           </a:p>
@@ -1146,7 +1146,7 @@
           <a:p>
             <a:fld id="{0717AEF8-1597-4679-8926-916E82E12B07}" type="datetimeFigureOut">
               <a:rPr lang="fr-FR" smtClean="0"/>
-              <a:t>19/12/2018</a:t>
+              <a:t>20/12/2018</a:t>
             </a:fld>
             <a:endParaRPr lang="fr-FR"/>
           </a:p>
@@ -1411,7 +1411,7 @@
           <a:p>
             <a:fld id="{0717AEF8-1597-4679-8926-916E82E12B07}" type="datetimeFigureOut">
               <a:rPr lang="fr-FR" smtClean="0"/>
-              <a:t>19/12/2018</a:t>
+              <a:t>20/12/2018</a:t>
             </a:fld>
             <a:endParaRPr lang="fr-FR"/>
           </a:p>
@@ -1823,7 +1823,7 @@
           <a:p>
             <a:fld id="{0717AEF8-1597-4679-8926-916E82E12B07}" type="datetimeFigureOut">
               <a:rPr lang="fr-FR" smtClean="0"/>
-              <a:t>19/12/2018</a:t>
+              <a:t>20/12/2018</a:t>
             </a:fld>
             <a:endParaRPr lang="fr-FR"/>
           </a:p>
@@ -1964,7 +1964,7 @@
           <a:p>
             <a:fld id="{0717AEF8-1597-4679-8926-916E82E12B07}" type="datetimeFigureOut">
               <a:rPr lang="fr-FR" smtClean="0"/>
-              <a:t>19/12/2018</a:t>
+              <a:t>20/12/2018</a:t>
             </a:fld>
             <a:endParaRPr lang="fr-FR"/>
           </a:p>
@@ -2077,7 +2077,7 @@
           <a:p>
             <a:fld id="{0717AEF8-1597-4679-8926-916E82E12B07}" type="datetimeFigureOut">
               <a:rPr lang="fr-FR" smtClean="0"/>
-              <a:t>19/12/2018</a:t>
+              <a:t>20/12/2018</a:t>
             </a:fld>
             <a:endParaRPr lang="fr-FR"/>
           </a:p>
@@ -2388,7 +2388,7 @@
           <a:p>
             <a:fld id="{0717AEF8-1597-4679-8926-916E82E12B07}" type="datetimeFigureOut">
               <a:rPr lang="fr-FR" smtClean="0"/>
-              <a:t>19/12/2018</a:t>
+              <a:t>20/12/2018</a:t>
             </a:fld>
             <a:endParaRPr lang="fr-FR"/>
           </a:p>
@@ -2676,7 +2676,7 @@
           <a:p>
             <a:fld id="{0717AEF8-1597-4679-8926-916E82E12B07}" type="datetimeFigureOut">
               <a:rPr lang="fr-FR" smtClean="0"/>
-              <a:t>19/12/2018</a:t>
+              <a:t>20/12/2018</a:t>
             </a:fld>
             <a:endParaRPr lang="fr-FR"/>
           </a:p>
@@ -2917,7 +2917,7 @@
           <a:p>
             <a:fld id="{0717AEF8-1597-4679-8926-916E82E12B07}" type="datetimeFigureOut">
               <a:rPr lang="fr-FR" smtClean="0"/>
-              <a:t>19/12/2018</a:t>
+              <a:t>20/12/2018</a:t>
             </a:fld>
             <a:endParaRPr lang="fr-FR"/>
           </a:p>
@@ -3336,10 +3336,10 @@
       </p:grpSpPr>
       <p:sp>
         <p:nvSpPr>
-          <p:cNvPr id="4" name="Rectangle 3">
-            <a:extLst>
-              <a:ext uri="{FF2B5EF4-FFF2-40B4-BE49-F238E27FC236}">
-                <a16:creationId xmlns:a16="http://schemas.microsoft.com/office/drawing/2014/main" id="{D6A19F59-DE5C-47E6-918B-27D303F45183}"/>
+          <p:cNvPr id="50" name="Nuage 49">
+            <a:extLst>
+              <a:ext uri="{FF2B5EF4-FFF2-40B4-BE49-F238E27FC236}">
+                <a16:creationId xmlns:a16="http://schemas.microsoft.com/office/drawing/2014/main" id="{C4AA5520-5B3C-4CE1-92C1-93A8C3D830BE}"/>
               </a:ext>
             </a:extLst>
           </p:cNvPr>
@@ -3348,12 +3348,18 @@
         </p:nvSpPr>
         <p:spPr>
           <a:xfrm>
-            <a:off x="4658175" y="3230798"/>
-            <a:ext cx="4969601" cy="1083076"/>
-          </a:xfrm>
-          <a:prstGeom prst="rect">
-            <a:avLst/>
-          </a:prstGeom>
+            <a:off x="3875970" y="4429419"/>
+            <a:ext cx="1792296" cy="1039716"/>
+          </a:xfrm>
+          <a:prstGeom prst="cloud">
+            <a:avLst/>
+          </a:prstGeom>
+          <a:solidFill>
+            <a:schemeClr val="accent4">
+              <a:lumMod val="60000"/>
+              <a:lumOff val="40000"/>
+            </a:schemeClr>
+          </a:solidFill>
         </p:spPr>
         <p:style>
           <a:lnRef idx="2">
@@ -3377,18 +3383,25 @@
           <a:p>
             <a:pPr algn="ctr"/>
             <a:r>
-              <a:rPr lang="fr-FR" dirty="0"/>
-              <a:t>Arduino</a:t>
-            </a:r>
-          </a:p>
-        </p:txBody>
-      </p:sp>
-      <p:sp>
-        <p:nvSpPr>
-          <p:cNvPr id="5" name="Rectangle 4">
-            <a:extLst>
-              <a:ext uri="{FF2B5EF4-FFF2-40B4-BE49-F238E27FC236}">
-                <a16:creationId xmlns:a16="http://schemas.microsoft.com/office/drawing/2014/main" id="{0CB519F8-5C43-49C5-B4E7-9718D5910344}"/>
+              <a:rPr lang="fr-FR" sz="1200" dirty="0"/>
+              <a:t>SSID:</a:t>
+            </a:r>
+          </a:p>
+          <a:p>
+            <a:pPr algn="ctr"/>
+            <a:r>
+              <a:rPr lang="fr-FR" sz="1200" dirty="0"/>
+              <a:t>WIFICOTEAU</a:t>
+            </a:r>
+          </a:p>
+        </p:txBody>
+      </p:sp>
+      <p:sp>
+        <p:nvSpPr>
+          <p:cNvPr id="56" name="Nuage 55">
+            <a:extLst>
+              <a:ext uri="{FF2B5EF4-FFF2-40B4-BE49-F238E27FC236}">
+                <a16:creationId xmlns:a16="http://schemas.microsoft.com/office/drawing/2014/main" id="{EBD23622-97AE-43B3-A20A-C70C5CFE819E}"/>
               </a:ext>
             </a:extLst>
           </p:cNvPr>
@@ -3397,14 +3410,14 @@
         </p:nvSpPr>
         <p:spPr>
           <a:xfrm>
-            <a:off x="6241003" y="844780"/>
-            <a:ext cx="3147072" cy="1168912"/>
-          </a:xfrm>
-          <a:prstGeom prst="rect">
+            <a:off x="2670047" y="3772336"/>
+            <a:ext cx="1792296" cy="1039716"/>
+          </a:xfrm>
+          <a:prstGeom prst="cloud">
             <a:avLst/>
           </a:prstGeom>
           <a:solidFill>
-            <a:schemeClr val="accent1">
+            <a:schemeClr val="accent4">
               <a:lumMod val="60000"/>
               <a:lumOff val="40000"/>
             </a:schemeClr>
@@ -3430,6 +3443,179 @@
           <a:bodyPr rtlCol="0" anchor="ctr"/>
           <a:lstStyle/>
           <a:p>
+            <a:pPr algn="ctr"/>
+            <a:r>
+              <a:rPr lang="fr-FR" sz="1200" dirty="0"/>
+              <a:t>SSID:</a:t>
+            </a:r>
+          </a:p>
+          <a:p>
+            <a:pPr algn="ctr"/>
+            <a:r>
+              <a:rPr lang="fr-FR" sz="1200" dirty="0"/>
+              <a:t>WIFICOTEAU2</a:t>
+            </a:r>
+          </a:p>
+        </p:txBody>
+      </p:sp>
+      <p:sp>
+        <p:nvSpPr>
+          <p:cNvPr id="57" name="Nuage 56">
+            <a:extLst>
+              <a:ext uri="{FF2B5EF4-FFF2-40B4-BE49-F238E27FC236}">
+                <a16:creationId xmlns:a16="http://schemas.microsoft.com/office/drawing/2014/main" id="{C1D8CE25-B978-4BF3-AD79-63C2D32567B7}"/>
+              </a:ext>
+            </a:extLst>
+          </p:cNvPr>
+          <p:cNvSpPr/>
+          <p:nvPr/>
+        </p:nvSpPr>
+        <p:spPr>
+          <a:xfrm>
+            <a:off x="2508919" y="1708426"/>
+            <a:ext cx="1792296" cy="1039716"/>
+          </a:xfrm>
+          <a:prstGeom prst="cloud">
+            <a:avLst/>
+          </a:prstGeom>
+          <a:solidFill>
+            <a:schemeClr val="accent4">
+              <a:lumMod val="60000"/>
+              <a:lumOff val="40000"/>
+            </a:schemeClr>
+          </a:solidFill>
+        </p:spPr>
+        <p:style>
+          <a:lnRef idx="2">
+            <a:schemeClr val="accent1">
+              <a:shade val="50000"/>
+            </a:schemeClr>
+          </a:lnRef>
+          <a:fillRef idx="1">
+            <a:schemeClr val="accent1"/>
+          </a:fillRef>
+          <a:effectRef idx="0">
+            <a:schemeClr val="accent1"/>
+          </a:effectRef>
+          <a:fontRef idx="minor">
+            <a:schemeClr val="lt1"/>
+          </a:fontRef>
+        </p:style>
+        <p:txBody>
+          <a:bodyPr rtlCol="0" anchor="ctr"/>
+          <a:lstStyle/>
+          <a:p>
+            <a:pPr algn="ctr"/>
+            <a:r>
+              <a:rPr lang="fr-FR" sz="1200" dirty="0"/>
+              <a:t>SSID:</a:t>
+            </a:r>
+          </a:p>
+          <a:p>
+            <a:pPr algn="ctr"/>
+            <a:r>
+              <a:rPr lang="fr-FR" sz="1200" dirty="0"/>
+              <a:t>WIFICOTEAU2</a:t>
+            </a:r>
+          </a:p>
+        </p:txBody>
+      </p:sp>
+      <p:sp>
+        <p:nvSpPr>
+          <p:cNvPr id="4" name="Rectangle 3">
+            <a:extLst>
+              <a:ext uri="{FF2B5EF4-FFF2-40B4-BE49-F238E27FC236}">
+                <a16:creationId xmlns:a16="http://schemas.microsoft.com/office/drawing/2014/main" id="{D6A19F59-DE5C-47E6-918B-27D303F45183}"/>
+              </a:ext>
+            </a:extLst>
+          </p:cNvPr>
+          <p:cNvSpPr/>
+          <p:nvPr/>
+        </p:nvSpPr>
+        <p:spPr>
+          <a:xfrm>
+            <a:off x="4658175" y="3230798"/>
+            <a:ext cx="4969601" cy="1083076"/>
+          </a:xfrm>
+          <a:prstGeom prst="rect">
+            <a:avLst/>
+          </a:prstGeom>
+        </p:spPr>
+        <p:style>
+          <a:lnRef idx="2">
+            <a:schemeClr val="accent1">
+              <a:shade val="50000"/>
+            </a:schemeClr>
+          </a:lnRef>
+          <a:fillRef idx="1">
+            <a:schemeClr val="accent1"/>
+          </a:fillRef>
+          <a:effectRef idx="0">
+            <a:schemeClr val="accent1"/>
+          </a:effectRef>
+          <a:fontRef idx="minor">
+            <a:schemeClr val="lt1"/>
+          </a:fontRef>
+        </p:style>
+        <p:txBody>
+          <a:bodyPr rtlCol="0" anchor="ctr"/>
+          <a:lstStyle/>
+          <a:p>
+            <a:pPr algn="ctr"/>
+            <a:r>
+              <a:rPr lang="fr-FR" dirty="0"/>
+              <a:t>Arduino</a:t>
+            </a:r>
+          </a:p>
+        </p:txBody>
+      </p:sp>
+      <p:sp>
+        <p:nvSpPr>
+          <p:cNvPr id="5" name="Rectangle 4">
+            <a:extLst>
+              <a:ext uri="{FF2B5EF4-FFF2-40B4-BE49-F238E27FC236}">
+                <a16:creationId xmlns:a16="http://schemas.microsoft.com/office/drawing/2014/main" id="{0CB519F8-5C43-49C5-B4E7-9718D5910344}"/>
+              </a:ext>
+            </a:extLst>
+          </p:cNvPr>
+          <p:cNvSpPr/>
+          <p:nvPr/>
+        </p:nvSpPr>
+        <p:spPr>
+          <a:xfrm>
+            <a:off x="6241003" y="844780"/>
+            <a:ext cx="3147072" cy="1168912"/>
+          </a:xfrm>
+          <a:prstGeom prst="rect">
+            <a:avLst/>
+          </a:prstGeom>
+          <a:solidFill>
+            <a:schemeClr val="accent1">
+              <a:lumMod val="60000"/>
+              <a:lumOff val="40000"/>
+            </a:schemeClr>
+          </a:solidFill>
+        </p:spPr>
+        <p:style>
+          <a:lnRef idx="2">
+            <a:schemeClr val="accent1">
+              <a:shade val="50000"/>
+            </a:schemeClr>
+          </a:lnRef>
+          <a:fillRef idx="1">
+            <a:schemeClr val="accent1"/>
+          </a:fillRef>
+          <a:effectRef idx="0">
+            <a:schemeClr val="accent1"/>
+          </a:effectRef>
+          <a:fontRef idx="minor">
+            <a:schemeClr val="lt1"/>
+          </a:fontRef>
+        </p:style>
+        <p:txBody>
+          <a:bodyPr rtlCol="0" anchor="ctr"/>
+          <a:lstStyle/>
+          <a:p>
             <a:r>
               <a:rPr lang="fr-FR" dirty="0"/>
               <a:t>ESP8266</a:t>
@@ -3482,7 +3668,7 @@
         </p:nvSpPr>
         <p:spPr>
           <a:xfrm>
-            <a:off x="4059133" y="138499"/>
+            <a:off x="4059133" y="151811"/>
             <a:ext cx="1613465" cy="1562212"/>
           </a:xfrm>
           <a:prstGeom prst="cloud">
@@ -4750,7 +4936,7 @@
         </p:nvSpPr>
         <p:spPr>
           <a:xfrm>
-            <a:off x="2100521" y="3230798"/>
+            <a:off x="2112705" y="3237335"/>
             <a:ext cx="1558290" cy="646331"/>
           </a:xfrm>
           <a:prstGeom prst="rect">
@@ -5901,7 +6087,7 @@
         </p:nvSpPr>
         <p:spPr>
           <a:xfrm>
-            <a:off x="1048960" y="704098"/>
+            <a:off x="1641541" y="1163661"/>
             <a:ext cx="2285540" cy="646331"/>
           </a:xfrm>
           <a:prstGeom prst="rect">
@@ -5933,131 +6119,6 @@
               <a:rPr lang="en-US" dirty="0"/>
               <a:t>Mail pictures</a:t>
             </a:r>
-          </a:p>
-        </p:txBody>
-      </p:sp>
-      <p:sp>
-        <p:nvSpPr>
-          <p:cNvPr id="50" name="Nuage 49">
-            <a:extLst>
-              <a:ext uri="{FF2B5EF4-FFF2-40B4-BE49-F238E27FC236}">
-                <a16:creationId xmlns:a16="http://schemas.microsoft.com/office/drawing/2014/main" id="{C4AA5520-5B3C-4CE1-92C1-93A8C3D830BE}"/>
-              </a:ext>
-            </a:extLst>
-          </p:cNvPr>
-          <p:cNvSpPr/>
-          <p:nvPr/>
-        </p:nvSpPr>
-        <p:spPr>
-          <a:xfrm>
-            <a:off x="3706709" y="4437721"/>
-            <a:ext cx="1792296" cy="1039716"/>
-          </a:xfrm>
-          <a:prstGeom prst="cloud">
-            <a:avLst/>
-          </a:prstGeom>
-          <a:solidFill>
-            <a:schemeClr val="accent4">
-              <a:lumMod val="60000"/>
-              <a:lumOff val="40000"/>
-            </a:schemeClr>
-          </a:solidFill>
-        </p:spPr>
-        <p:style>
-          <a:lnRef idx="2">
-            <a:schemeClr val="accent1">
-              <a:shade val="50000"/>
-            </a:schemeClr>
-          </a:lnRef>
-          <a:fillRef idx="1">
-            <a:schemeClr val="accent1"/>
-          </a:fillRef>
-          <a:effectRef idx="0">
-            <a:schemeClr val="accent1"/>
-          </a:effectRef>
-          <a:fontRef idx="minor">
-            <a:schemeClr val="lt1"/>
-          </a:fontRef>
-        </p:style>
-        <p:txBody>
-          <a:bodyPr rtlCol="0" anchor="ctr"/>
-          <a:lstStyle/>
-          <a:p>
-            <a:pPr algn="ctr"/>
-            <a:r>
-              <a:rPr lang="fr-FR" sz="1200" dirty="0"/>
-              <a:t>SSID:</a:t>
-            </a:r>
-          </a:p>
-          <a:p>
-            <a:pPr algn="ctr"/>
-            <a:r>
-              <a:rPr lang="fr-FR" sz="1200" dirty="0"/>
-              <a:t>WIFICOTEAU</a:t>
-            </a:r>
-          </a:p>
-        </p:txBody>
-      </p:sp>
-      <p:sp>
-        <p:nvSpPr>
-          <p:cNvPr id="56" name="Nuage 55">
-            <a:extLst>
-              <a:ext uri="{FF2B5EF4-FFF2-40B4-BE49-F238E27FC236}">
-                <a16:creationId xmlns:a16="http://schemas.microsoft.com/office/drawing/2014/main" id="{EBD23622-97AE-43B3-A20A-C70C5CFE819E}"/>
-              </a:ext>
-            </a:extLst>
-          </p:cNvPr>
-          <p:cNvSpPr/>
-          <p:nvPr/>
-        </p:nvSpPr>
-        <p:spPr>
-          <a:xfrm>
-            <a:off x="2837354" y="3746512"/>
-            <a:ext cx="1792296" cy="1039716"/>
-          </a:xfrm>
-          <a:prstGeom prst="cloud">
-            <a:avLst/>
-          </a:prstGeom>
-          <a:solidFill>
-            <a:schemeClr val="accent4">
-              <a:lumMod val="60000"/>
-              <a:lumOff val="40000"/>
-            </a:schemeClr>
-          </a:solidFill>
-        </p:spPr>
-        <p:style>
-          <a:lnRef idx="2">
-            <a:schemeClr val="accent1">
-              <a:shade val="50000"/>
-            </a:schemeClr>
-          </a:lnRef>
-          <a:fillRef idx="1">
-            <a:schemeClr val="accent1"/>
-          </a:fillRef>
-          <a:effectRef idx="0">
-            <a:schemeClr val="accent1"/>
-          </a:effectRef>
-          <a:fontRef idx="minor">
-            <a:schemeClr val="lt1"/>
-          </a:fontRef>
-        </p:style>
-        <p:txBody>
-          <a:bodyPr rtlCol="0" anchor="ctr"/>
-          <a:lstStyle/>
-          <a:p>
-            <a:pPr algn="ctr"/>
-            <a:r>
-              <a:rPr lang="fr-FR" sz="1200" dirty="0"/>
-              <a:t>SSID:</a:t>
-            </a:r>
-          </a:p>
-          <a:p>
-            <a:pPr algn="ctr"/>
-            <a:r>
-              <a:rPr lang="fr-FR" sz="1200"/>
-              <a:t>WIFICOTEAU2</a:t>
-            </a:r>
-            <a:endParaRPr lang="fr-FR" sz="1200" dirty="0"/>
           </a:p>
         </p:txBody>
       </p:sp>
@@ -13481,6 +13542,246 @@
           </a:p>
         </p:txBody>
       </p:sp>
+      <p:sp>
+        <p:nvSpPr>
+          <p:cNvPr id="157" name="Ellipse 156">
+            <a:extLst>
+              <a:ext uri="{FF2B5EF4-FFF2-40B4-BE49-F238E27FC236}">
+                <a16:creationId xmlns:a16="http://schemas.microsoft.com/office/drawing/2014/main" id="{434E2A6D-080F-4DEF-A105-B7909FF73023}"/>
+              </a:ext>
+            </a:extLst>
+          </p:cNvPr>
+          <p:cNvSpPr/>
+          <p:nvPr/>
+        </p:nvSpPr>
+        <p:spPr>
+          <a:xfrm>
+            <a:off x="3312968" y="5435785"/>
+            <a:ext cx="479833" cy="220039"/>
+          </a:xfrm>
+          <a:prstGeom prst="ellipse">
+            <a:avLst/>
+          </a:prstGeom>
+          <a:solidFill>
+            <a:schemeClr val="bg2">
+              <a:lumMod val="90000"/>
+            </a:schemeClr>
+          </a:solidFill>
+        </p:spPr>
+        <p:style>
+          <a:lnRef idx="2">
+            <a:schemeClr val="accent1">
+              <a:shade val="50000"/>
+            </a:schemeClr>
+          </a:lnRef>
+          <a:fillRef idx="1">
+            <a:schemeClr val="accent1"/>
+          </a:fillRef>
+          <a:effectRef idx="0">
+            <a:schemeClr val="accent1"/>
+          </a:effectRef>
+          <a:fontRef idx="minor">
+            <a:schemeClr val="lt1"/>
+          </a:fontRef>
+        </p:style>
+        <p:txBody>
+          <a:bodyPr rtlCol="0" anchor="ctr"/>
+          <a:lstStyle/>
+          <a:p>
+            <a:pPr algn="ctr"/>
+            <a:r>
+              <a:rPr lang="fr-FR" sz="900" dirty="0">
+                <a:solidFill>
+                  <a:schemeClr val="tx1"/>
+                </a:solidFill>
+              </a:rPr>
+              <a:t>A3</a:t>
+            </a:r>
+          </a:p>
+        </p:txBody>
+      </p:sp>
+      <p:sp>
+        <p:nvSpPr>
+          <p:cNvPr id="158" name="Rectangle 157">
+            <a:extLst>
+              <a:ext uri="{FF2B5EF4-FFF2-40B4-BE49-F238E27FC236}">
+                <a16:creationId xmlns:a16="http://schemas.microsoft.com/office/drawing/2014/main" id="{EB329884-2119-4C1F-B60F-6649C6BFD24C}"/>
+              </a:ext>
+            </a:extLst>
+          </p:cNvPr>
+          <p:cNvSpPr/>
+          <p:nvPr/>
+        </p:nvSpPr>
+        <p:spPr>
+          <a:xfrm>
+            <a:off x="3055470" y="5936242"/>
+            <a:ext cx="955048" cy="390849"/>
+          </a:xfrm>
+          <a:prstGeom prst="rect">
+            <a:avLst/>
+          </a:prstGeom>
+        </p:spPr>
+        <p:style>
+          <a:lnRef idx="1">
+            <a:schemeClr val="accent4"/>
+          </a:lnRef>
+          <a:fillRef idx="2">
+            <a:schemeClr val="accent4"/>
+          </a:fillRef>
+          <a:effectRef idx="1">
+            <a:schemeClr val="accent4"/>
+          </a:effectRef>
+          <a:fontRef idx="minor">
+            <a:schemeClr val="dk1"/>
+          </a:fontRef>
+        </p:style>
+        <p:txBody>
+          <a:bodyPr rtlCol="0" anchor="t"/>
+          <a:lstStyle/>
+          <a:p>
+            <a:pPr algn="ctr"/>
+            <a:r>
+              <a:rPr lang="fr-FR" sz="1200" dirty="0"/>
+              <a:t>Sound Detector</a:t>
+            </a:r>
+          </a:p>
+          <a:p>
+            <a:pPr algn="ctr"/>
+            <a:endParaRPr lang="fr-FR" dirty="0"/>
+          </a:p>
+        </p:txBody>
+      </p:sp>
+      <p:cxnSp>
+        <p:nvCxnSpPr>
+          <p:cNvPr id="163" name="Connecteur droit avec flèche 162">
+            <a:extLst>
+              <a:ext uri="{FF2B5EF4-FFF2-40B4-BE49-F238E27FC236}">
+                <a16:creationId xmlns:a16="http://schemas.microsoft.com/office/drawing/2014/main" id="{476BBA58-B76E-4D3E-AD8A-6172AD9A0622}"/>
+              </a:ext>
+            </a:extLst>
+          </p:cNvPr>
+          <p:cNvCxnSpPr>
+            <a:cxnSpLocks/>
+          </p:cNvCxnSpPr>
+          <p:nvPr/>
+        </p:nvCxnSpPr>
+        <p:spPr>
+          <a:xfrm>
+            <a:off x="3554243" y="5666710"/>
+            <a:ext cx="0" cy="269532"/>
+          </a:xfrm>
+          <a:prstGeom prst="straightConnector1">
+            <a:avLst/>
+          </a:prstGeom>
+          <a:ln w="38100" cap="flat" cmpd="sng" algn="ctr">
+            <a:solidFill>
+              <a:srgbClr val="0070C0"/>
+            </a:solidFill>
+            <a:prstDash val="solid"/>
+            <a:round/>
+            <a:headEnd type="triangle" w="med" len="med"/>
+            <a:tailEnd type="none" w="med" len="med"/>
+          </a:ln>
+        </p:spPr>
+        <p:style>
+          <a:lnRef idx="0">
+            <a:scrgbClr r="0" g="0" b="0"/>
+          </a:lnRef>
+          <a:fillRef idx="0">
+            <a:scrgbClr r="0" g="0" b="0"/>
+          </a:fillRef>
+          <a:effectRef idx="0">
+            <a:scrgbClr r="0" g="0" b="0"/>
+          </a:effectRef>
+          <a:fontRef idx="minor">
+            <a:schemeClr val="tx1"/>
+          </a:fontRef>
+        </p:style>
+      </p:cxnSp>
+      <p:cxnSp>
+        <p:nvCxnSpPr>
+          <p:cNvPr id="164" name="Connecteur droit 163">
+            <a:extLst>
+              <a:ext uri="{FF2B5EF4-FFF2-40B4-BE49-F238E27FC236}">
+                <a16:creationId xmlns:a16="http://schemas.microsoft.com/office/drawing/2014/main" id="{2EE00829-9734-404E-98F7-0AAC0A5F0DF1}"/>
+              </a:ext>
+            </a:extLst>
+          </p:cNvPr>
+          <p:cNvCxnSpPr>
+            <a:cxnSpLocks/>
+          </p:cNvCxnSpPr>
+          <p:nvPr/>
+        </p:nvCxnSpPr>
+        <p:spPr>
+          <a:xfrm flipV="1">
+            <a:off x="3669640" y="6324595"/>
+            <a:ext cx="0" cy="405781"/>
+          </a:xfrm>
+          <a:prstGeom prst="line">
+            <a:avLst/>
+          </a:prstGeom>
+          <a:ln w="19050">
+            <a:solidFill>
+              <a:schemeClr val="tx1"/>
+            </a:solidFill>
+          </a:ln>
+        </p:spPr>
+        <p:style>
+          <a:lnRef idx="1">
+            <a:schemeClr val="accent1"/>
+          </a:lnRef>
+          <a:fillRef idx="0">
+            <a:schemeClr val="accent1"/>
+          </a:fillRef>
+          <a:effectRef idx="0">
+            <a:schemeClr val="accent1"/>
+          </a:effectRef>
+          <a:fontRef idx="minor">
+            <a:schemeClr val="tx1"/>
+          </a:fontRef>
+        </p:style>
+      </p:cxnSp>
+      <p:cxnSp>
+        <p:nvCxnSpPr>
+          <p:cNvPr id="168" name="Connecteur droit 167">
+            <a:extLst>
+              <a:ext uri="{FF2B5EF4-FFF2-40B4-BE49-F238E27FC236}">
+                <a16:creationId xmlns:a16="http://schemas.microsoft.com/office/drawing/2014/main" id="{E280CB5D-8E5A-4C30-869A-E6B7974C8491}"/>
+              </a:ext>
+            </a:extLst>
+          </p:cNvPr>
+          <p:cNvCxnSpPr/>
+          <p:nvPr/>
+        </p:nvCxnSpPr>
+        <p:spPr>
+          <a:xfrm flipV="1">
+            <a:off x="3477155" y="6341142"/>
+            <a:ext cx="0" cy="291876"/>
+          </a:xfrm>
+          <a:prstGeom prst="line">
+            <a:avLst/>
+          </a:prstGeom>
+          <a:ln w="19050">
+            <a:solidFill>
+              <a:srgbClr val="FF0000"/>
+            </a:solidFill>
+          </a:ln>
+        </p:spPr>
+        <p:style>
+          <a:lnRef idx="1">
+            <a:schemeClr val="accent1"/>
+          </a:lnRef>
+          <a:fillRef idx="0">
+            <a:schemeClr val="accent1"/>
+          </a:fillRef>
+          <a:effectRef idx="0">
+            <a:schemeClr val="accent1"/>
+          </a:effectRef>
+          <a:fontRef idx="minor">
+            <a:schemeClr val="tx1"/>
+          </a:fontRef>
+        </p:style>
+      </p:cxnSp>
     </p:spTree>
     <p:extLst>
       <p:ext uri="{BB962C8B-B14F-4D97-AF65-F5344CB8AC3E}">

--- a/libraries/Diagramm Robot v2.pptx
+++ b/libraries/Diagramm Robot v2.pptx
@@ -267,7 +267,7 @@
           <a:p>
             <a:fld id="{0717AEF8-1597-4679-8926-916E82E12B07}" type="datetimeFigureOut">
               <a:rPr lang="fr-FR" smtClean="0"/>
-              <a:t>20/12/2018</a:t>
+              <a:t>22/12/2018</a:t>
             </a:fld>
             <a:endParaRPr lang="fr-FR"/>
           </a:p>
@@ -465,7 +465,7 @@
           <a:p>
             <a:fld id="{0717AEF8-1597-4679-8926-916E82E12B07}" type="datetimeFigureOut">
               <a:rPr lang="fr-FR" smtClean="0"/>
-              <a:t>20/12/2018</a:t>
+              <a:t>22/12/2018</a:t>
             </a:fld>
             <a:endParaRPr lang="fr-FR"/>
           </a:p>
@@ -673,7 +673,7 @@
           <a:p>
             <a:fld id="{0717AEF8-1597-4679-8926-916E82E12B07}" type="datetimeFigureOut">
               <a:rPr lang="fr-FR" smtClean="0"/>
-              <a:t>20/12/2018</a:t>
+              <a:t>22/12/2018</a:t>
             </a:fld>
             <a:endParaRPr lang="fr-FR"/>
           </a:p>
@@ -871,7 +871,7 @@
           <a:p>
             <a:fld id="{0717AEF8-1597-4679-8926-916E82E12B07}" type="datetimeFigureOut">
               <a:rPr lang="fr-FR" smtClean="0"/>
-              <a:t>20/12/2018</a:t>
+              <a:t>22/12/2018</a:t>
             </a:fld>
             <a:endParaRPr lang="fr-FR"/>
           </a:p>
@@ -1146,7 +1146,7 @@
           <a:p>
             <a:fld id="{0717AEF8-1597-4679-8926-916E82E12B07}" type="datetimeFigureOut">
               <a:rPr lang="fr-FR" smtClean="0"/>
-              <a:t>20/12/2018</a:t>
+              <a:t>22/12/2018</a:t>
             </a:fld>
             <a:endParaRPr lang="fr-FR"/>
           </a:p>
@@ -1411,7 +1411,7 @@
           <a:p>
             <a:fld id="{0717AEF8-1597-4679-8926-916E82E12B07}" type="datetimeFigureOut">
               <a:rPr lang="fr-FR" smtClean="0"/>
-              <a:t>20/12/2018</a:t>
+              <a:t>22/12/2018</a:t>
             </a:fld>
             <a:endParaRPr lang="fr-FR"/>
           </a:p>
@@ -1823,7 +1823,7 @@
           <a:p>
             <a:fld id="{0717AEF8-1597-4679-8926-916E82E12B07}" type="datetimeFigureOut">
               <a:rPr lang="fr-FR" smtClean="0"/>
-              <a:t>20/12/2018</a:t>
+              <a:t>22/12/2018</a:t>
             </a:fld>
             <a:endParaRPr lang="fr-FR"/>
           </a:p>
@@ -1964,7 +1964,7 @@
           <a:p>
             <a:fld id="{0717AEF8-1597-4679-8926-916E82E12B07}" type="datetimeFigureOut">
               <a:rPr lang="fr-FR" smtClean="0"/>
-              <a:t>20/12/2018</a:t>
+              <a:t>22/12/2018</a:t>
             </a:fld>
             <a:endParaRPr lang="fr-FR"/>
           </a:p>
@@ -2077,7 +2077,7 @@
           <a:p>
             <a:fld id="{0717AEF8-1597-4679-8926-916E82E12B07}" type="datetimeFigureOut">
               <a:rPr lang="fr-FR" smtClean="0"/>
-              <a:t>20/12/2018</a:t>
+              <a:t>22/12/2018</a:t>
             </a:fld>
             <a:endParaRPr lang="fr-FR"/>
           </a:p>
@@ -2388,7 +2388,7 @@
           <a:p>
             <a:fld id="{0717AEF8-1597-4679-8926-916E82E12B07}" type="datetimeFigureOut">
               <a:rPr lang="fr-FR" smtClean="0"/>
-              <a:t>20/12/2018</a:t>
+              <a:t>22/12/2018</a:t>
             </a:fld>
             <a:endParaRPr lang="fr-FR"/>
           </a:p>
@@ -2676,7 +2676,7 @@
           <a:p>
             <a:fld id="{0717AEF8-1597-4679-8926-916E82E12B07}" type="datetimeFigureOut">
               <a:rPr lang="fr-FR" smtClean="0"/>
-              <a:t>20/12/2018</a:t>
+              <a:t>22/12/2018</a:t>
             </a:fld>
             <a:endParaRPr lang="fr-FR"/>
           </a:p>
@@ -2917,7 +2917,7 @@
           <a:p>
             <a:fld id="{0717AEF8-1597-4679-8926-916E82E12B07}" type="datetimeFigureOut">
               <a:rPr lang="fr-FR" smtClean="0"/>
-              <a:t>20/12/2018</a:t>
+              <a:t>22/12/2018</a:t>
             </a:fld>
             <a:endParaRPr lang="fr-FR"/>
           </a:p>
@@ -9674,7 +9674,7 @@
         </p:nvSpPr>
         <p:spPr>
           <a:xfrm>
-            <a:off x="11839565" y="2033988"/>
+            <a:off x="11865547" y="2033988"/>
             <a:ext cx="590765" cy="369332"/>
           </a:xfrm>
           <a:prstGeom prst="rect">
@@ -10603,29 +10603,27 @@
       </p:cxnSp>
       <p:cxnSp>
         <p:nvCxnSpPr>
-          <p:cNvPr id="183" name="Connecteur droit 182">
-            <a:extLst>
-              <a:ext uri="{FF2B5EF4-FFF2-40B4-BE49-F238E27FC236}">
-                <a16:creationId xmlns:a16="http://schemas.microsoft.com/office/drawing/2014/main" id="{AFD1A32F-9FC4-41C2-9AB5-79859057D466}"/>
-              </a:ext>
-            </a:extLst>
-          </p:cNvPr>
-          <p:cNvCxnSpPr>
-            <a:cxnSpLocks/>
-          </p:cNvCxnSpPr>
+          <p:cNvPr id="184" name="Connecteur droit 183">
+            <a:extLst>
+              <a:ext uri="{FF2B5EF4-FFF2-40B4-BE49-F238E27FC236}">
+                <a16:creationId xmlns:a16="http://schemas.microsoft.com/office/drawing/2014/main" id="{925E38CE-3F66-4D02-BE9A-AE1BF229C114}"/>
+              </a:ext>
+            </a:extLst>
+          </p:cNvPr>
+          <p:cNvCxnSpPr/>
           <p:nvPr/>
         </p:nvCxnSpPr>
         <p:spPr>
           <a:xfrm>
-            <a:off x="490775" y="6626365"/>
-            <a:ext cx="736903" cy="0"/>
+            <a:off x="490775" y="6740270"/>
+            <a:ext cx="4036667" cy="0"/>
           </a:xfrm>
           <a:prstGeom prst="line">
             <a:avLst/>
           </a:prstGeom>
           <a:ln w="19050">
             <a:solidFill>
-              <a:srgbClr val="FF0000"/>
+              <a:schemeClr val="tx1"/>
             </a:solidFill>
           </a:ln>
         </p:spPr>
@@ -10644,125 +10642,6 @@
           </a:fontRef>
         </p:style>
       </p:cxnSp>
-      <p:cxnSp>
-        <p:nvCxnSpPr>
-          <p:cNvPr id="184" name="Connecteur droit 183">
-            <a:extLst>
-              <a:ext uri="{FF2B5EF4-FFF2-40B4-BE49-F238E27FC236}">
-                <a16:creationId xmlns:a16="http://schemas.microsoft.com/office/drawing/2014/main" id="{925E38CE-3F66-4D02-BE9A-AE1BF229C114}"/>
-              </a:ext>
-            </a:extLst>
-          </p:cNvPr>
-          <p:cNvCxnSpPr/>
-          <p:nvPr/>
-        </p:nvCxnSpPr>
-        <p:spPr>
-          <a:xfrm>
-            <a:off x="490775" y="6740270"/>
-            <a:ext cx="4036667" cy="0"/>
-          </a:xfrm>
-          <a:prstGeom prst="line">
-            <a:avLst/>
-          </a:prstGeom>
-          <a:ln w="19050">
-            <a:solidFill>
-              <a:schemeClr val="tx1"/>
-            </a:solidFill>
-          </a:ln>
-        </p:spPr>
-        <p:style>
-          <a:lnRef idx="1">
-            <a:schemeClr val="accent1"/>
-          </a:lnRef>
-          <a:fillRef idx="0">
-            <a:schemeClr val="accent1"/>
-          </a:fillRef>
-          <a:effectRef idx="0">
-            <a:schemeClr val="accent1"/>
-          </a:effectRef>
-          <a:fontRef idx="minor">
-            <a:schemeClr val="tx1"/>
-          </a:fontRef>
-        </p:style>
-      </p:cxnSp>
-      <p:sp>
-        <p:nvSpPr>
-          <p:cNvPr id="185" name="ZoneTexte 184">
-            <a:extLst>
-              <a:ext uri="{FF2B5EF4-FFF2-40B4-BE49-F238E27FC236}">
-                <a16:creationId xmlns:a16="http://schemas.microsoft.com/office/drawing/2014/main" id="{FA178DB8-ED99-4C36-A589-EE1A75535BE3}"/>
-              </a:ext>
-            </a:extLst>
-          </p:cNvPr>
-          <p:cNvSpPr txBox="1"/>
-          <p:nvPr/>
-        </p:nvSpPr>
-        <p:spPr>
-          <a:xfrm>
-            <a:off x="-9969" y="6370938"/>
-            <a:ext cx="590765" cy="369332"/>
-          </a:xfrm>
-          <a:prstGeom prst="rect">
-            <a:avLst/>
-          </a:prstGeom>
-          <a:noFill/>
-        </p:spPr>
-        <p:txBody>
-          <a:bodyPr wrap="square" rtlCol="0">
-            <a:spAutoFit/>
-          </a:bodyPr>
-          <a:lstStyle/>
-          <a:p>
-            <a:r>
-              <a:rPr lang="fr-FR" dirty="0"/>
-              <a:t>+3</a:t>
-            </a:r>
-            <a:r>
-              <a:rPr lang="fr-FR" sz="1200" dirty="0"/>
-              <a:t>V</a:t>
-            </a:r>
-          </a:p>
-        </p:txBody>
-      </p:sp>
-      <p:sp>
-        <p:nvSpPr>
-          <p:cNvPr id="186" name="ZoneTexte 185">
-            <a:extLst>
-              <a:ext uri="{FF2B5EF4-FFF2-40B4-BE49-F238E27FC236}">
-                <a16:creationId xmlns:a16="http://schemas.microsoft.com/office/drawing/2014/main" id="{213395EC-5471-4AD6-81CE-88177984AD83}"/>
-              </a:ext>
-            </a:extLst>
-          </p:cNvPr>
-          <p:cNvSpPr txBox="1"/>
-          <p:nvPr/>
-        </p:nvSpPr>
-        <p:spPr>
-          <a:xfrm>
-            <a:off x="105377" y="6566293"/>
-            <a:ext cx="590765" cy="369332"/>
-          </a:xfrm>
-          <a:prstGeom prst="rect">
-            <a:avLst/>
-          </a:prstGeom>
-          <a:noFill/>
-        </p:spPr>
-        <p:txBody>
-          <a:bodyPr wrap="square" rtlCol="0">
-            <a:spAutoFit/>
-          </a:bodyPr>
-          <a:lstStyle/>
-          <a:p>
-            <a:r>
-              <a:rPr lang="fr-FR" dirty="0"/>
-              <a:t>0</a:t>
-            </a:r>
-            <a:r>
-              <a:rPr lang="fr-FR" sz="1200" dirty="0"/>
-              <a:t>V</a:t>
-            </a:r>
-          </a:p>
-        </p:txBody>
-      </p:sp>
       <p:cxnSp>
         <p:nvCxnSpPr>
           <p:cNvPr id="187" name="Connecteur droit 186">
@@ -11450,27 +11329,16 @@
           <a:p>
             <a:pPr algn="ctr"/>
             <a:r>
-              <a:rPr lang="fr-FR" sz="1200" dirty="0">
-                <a:highlight>
-                  <a:srgbClr val="FFFF00"/>
-                </a:highlight>
-              </a:rPr>
-              <a:t>IR</a:t>
+              <a:rPr lang="fr-FR" sz="1200" dirty="0"/>
+              <a:t>IR Sharp</a:t>
             </a:r>
           </a:p>
           <a:p>
             <a:pPr algn="ctr"/>
             <a:r>
-              <a:rPr lang="fr-FR" sz="1200" dirty="0">
-                <a:highlight>
-                  <a:srgbClr val="FFFF00"/>
-                </a:highlight>
-              </a:rPr>
-              <a:t>GP2Y0A21YK</a:t>
-            </a:r>
-          </a:p>
-          <a:p>
-            <a:pPr algn="ctr"/>
+              <a:rPr lang="fr-FR" sz="1200" dirty="0"/>
+              <a:t>GP2Y0A21Y</a:t>
+            </a:r>
             <a:endParaRPr lang="fr-FR" dirty="0"/>
           </a:p>
         </p:txBody>
@@ -11744,12 +11612,12 @@
           </a:xfrm>
           <a:prstGeom prst="bentConnector3">
             <a:avLst>
-              <a:gd name="adj1" fmla="val 50000"/>
+              <a:gd name="adj1" fmla="val 50001"/>
             </a:avLst>
           </a:prstGeom>
           <a:ln w="19050">
             <a:solidFill>
-              <a:srgbClr val="00B050"/>
+              <a:srgbClr val="FFFF00"/>
             </a:solidFill>
             <a:tailEnd type="triangle"/>
           </a:ln>
@@ -11993,7 +11861,7 @@
           </a:prstGeom>
           <a:ln w="19050">
             <a:solidFill>
-              <a:schemeClr val="tx1"/>
+              <a:srgbClr val="00B050"/>
             </a:solidFill>
             <a:tailEnd type="triangle"/>
           </a:ln>
@@ -12113,7 +11981,7 @@
         </p:nvSpPr>
         <p:spPr>
           <a:xfrm>
-            <a:off x="1719683" y="6325502"/>
+            <a:off x="26728" y="6380602"/>
             <a:ext cx="590765" cy="369332"/>
           </a:xfrm>
           <a:prstGeom prst="rect">
@@ -12154,8 +12022,8 @@
         </p:nvCxnSpPr>
         <p:spPr>
           <a:xfrm>
-            <a:off x="1898044" y="6626365"/>
-            <a:ext cx="2628830" cy="0"/>
+            <a:off x="490775" y="6626365"/>
+            <a:ext cx="4036099" cy="0"/>
           </a:xfrm>
           <a:prstGeom prst="line">
             <a:avLst/>
@@ -13675,7 +13543,7 @@
           </a:prstGeom>
           <a:ln w="38100" cap="flat" cmpd="sng" algn="ctr">
             <a:solidFill>
-              <a:srgbClr val="0070C0"/>
+              <a:srgbClr val="FFFF00"/>
             </a:solidFill>
             <a:prstDash val="solid"/>
             <a:round/>
@@ -13782,6 +13650,45 @@
           </a:fontRef>
         </p:style>
       </p:cxnSp>
+      <p:sp>
+        <p:nvSpPr>
+          <p:cNvPr id="169" name="ZoneTexte 168">
+            <a:extLst>
+              <a:ext uri="{FF2B5EF4-FFF2-40B4-BE49-F238E27FC236}">
+                <a16:creationId xmlns:a16="http://schemas.microsoft.com/office/drawing/2014/main" id="{54B8D76F-DE9C-4089-BBAE-BD1A8FF2B020}"/>
+              </a:ext>
+            </a:extLst>
+          </p:cNvPr>
+          <p:cNvSpPr txBox="1"/>
+          <p:nvPr/>
+        </p:nvSpPr>
+        <p:spPr>
+          <a:xfrm>
+            <a:off x="149483" y="6545710"/>
+            <a:ext cx="590765" cy="369332"/>
+          </a:xfrm>
+          <a:prstGeom prst="rect">
+            <a:avLst/>
+          </a:prstGeom>
+          <a:noFill/>
+        </p:spPr>
+        <p:txBody>
+          <a:bodyPr wrap="square" rtlCol="0">
+            <a:spAutoFit/>
+          </a:bodyPr>
+          <a:lstStyle/>
+          <a:p>
+            <a:r>
+              <a:rPr lang="fr-FR" dirty="0"/>
+              <a:t>0</a:t>
+            </a:r>
+            <a:r>
+              <a:rPr lang="fr-FR" sz="1200" dirty="0"/>
+              <a:t>V</a:t>
+            </a:r>
+          </a:p>
+        </p:txBody>
+      </p:sp>
     </p:spTree>
     <p:extLst>
       <p:ext uri="{BB962C8B-B14F-4D97-AF65-F5344CB8AC3E}">
@@ -17059,14 +16966,14 @@
             <p:ph idx="1"/>
             <p:extLst>
               <p:ext uri="{D42A27DB-BD31-4B8C-83A1-F6EECF244321}">
-                <p14:modId xmlns:p14="http://schemas.microsoft.com/office/powerpoint/2010/main" val="3881719614"/>
+                <p14:modId xmlns:p14="http://schemas.microsoft.com/office/powerpoint/2010/main" val="1739806181"/>
               </p:ext>
             </p:extLst>
           </p:nvPr>
         </p:nvGraphicFramePr>
         <p:xfrm>
           <a:off x="838200" y="1825625"/>
-          <a:ext cx="10515600" cy="5054600"/>
+          <a:ext cx="10515600" cy="4785360"/>
         </p:xfrm>
         <a:graphic>
           <a:graphicData uri="http://schemas.openxmlformats.org/drawingml/2006/table">
@@ -17089,14 +16996,14 @@
                     </a:ext>
                   </a:extLst>
                 </a:gridCol>
-                <a:gridCol w="4800600">
+                <a:gridCol w="4809067">
                   <a:extLst>
                     <a:ext uri="{9D8B030D-6E8A-4147-A177-3AD203B41FA5}">
                       <a16:colId xmlns:a16="http://schemas.microsoft.com/office/drawing/2014/main" val="295038499"/>
                     </a:ext>
                   </a:extLst>
                 </a:gridCol>
-                <a:gridCol w="457200">
+                <a:gridCol w="448733">
                   <a:extLst>
                     <a:ext uri="{9D8B030D-6E8A-4147-A177-3AD203B41FA5}">
                       <a16:colId xmlns:a16="http://schemas.microsoft.com/office/drawing/2014/main" val="3592764086"/>
@@ -18276,20 +18183,23 @@
                         <a:tabLst/>
                         <a:defRPr/>
                       </a:pPr>
-                      <a:endParaRPr kumimoji="0" lang="en-US" sz="1800" b="0" i="0" u="none" strike="noStrike" kern="1200" cap="none" spc="0" normalizeH="0" baseline="0" noProof="0" dirty="0">
-                        <a:ln>
-                          <a:noFill/>
-                        </a:ln>
-                        <a:solidFill>
-                          <a:srgbClr val="00B050"/>
-                        </a:solidFill>
-                        <a:effectLst/>
-                        <a:uLnTx/>
-                        <a:uFillTx/>
-                        <a:latin typeface="Calibri" panose="020F0502020204030204"/>
-                        <a:ea typeface="+mn-ea"/>
-                        <a:cs typeface="+mn-cs"/>
-                      </a:endParaRPr>
+                      <a:r>
+                        <a:rPr kumimoji="0" lang="en-US" sz="1800" b="0" i="0" u="none" strike="noStrike" kern="1200" cap="none" spc="0" normalizeH="0" baseline="0" noProof="0" dirty="0">
+                          <a:ln>
+                            <a:noFill/>
+                          </a:ln>
+                          <a:solidFill>
+                            <a:srgbClr val="00B050"/>
+                          </a:solidFill>
+                          <a:effectLst/>
+                          <a:uLnTx/>
+                          <a:uFillTx/>
+                          <a:latin typeface="+mn-lt"/>
+                          <a:ea typeface="+mn-ea"/>
+                          <a:cs typeface="+mn-cs"/>
+                        </a:rPr>
+                        <a:t> </a:t>
+                      </a:r>
                     </a:p>
                   </a:txBody>
                   <a:tcPr/>
@@ -18396,20 +18306,23 @@
                         <a:tabLst/>
                         <a:defRPr/>
                       </a:pPr>
-                      <a:endParaRPr kumimoji="0" lang="en-US" sz="1800" b="0" i="0" u="none" strike="noStrike" kern="1200" cap="none" spc="0" normalizeH="0" baseline="0" noProof="0" dirty="0">
-                        <a:ln>
-                          <a:noFill/>
-                        </a:ln>
-                        <a:solidFill>
-                          <a:srgbClr val="00B050"/>
-                        </a:solidFill>
-                        <a:effectLst/>
-                        <a:uLnTx/>
-                        <a:uFillTx/>
-                        <a:latin typeface="Calibri" panose="020F0502020204030204"/>
-                        <a:ea typeface="+mn-ea"/>
-                        <a:cs typeface="+mn-cs"/>
-                      </a:endParaRPr>
+                      <a:r>
+                        <a:rPr kumimoji="0" lang="en-US" sz="1800" b="0" i="0" u="none" strike="noStrike" kern="1200" cap="none" spc="0" normalizeH="0" baseline="0" noProof="0" dirty="0">
+                          <a:ln>
+                            <a:noFill/>
+                          </a:ln>
+                          <a:solidFill>
+                            <a:srgbClr val="00B050"/>
+                          </a:solidFill>
+                          <a:effectLst/>
+                          <a:uLnTx/>
+                          <a:uFillTx/>
+                          <a:latin typeface="+mn-lt"/>
+                          <a:ea typeface="+mn-ea"/>
+                          <a:cs typeface="+mn-cs"/>
+                        </a:rPr>
+                        <a:t> </a:t>
+                      </a:r>
                     </a:p>
                   </a:txBody>
                   <a:tcPr/>
@@ -18488,7 +18401,7 @@
                       </a:pPr>
                       <a:r>
                         <a:rPr lang="fr-FR" dirty="0"/>
-                        <a:t>I2C</a:t>
+                        <a:t>I2C 0x60</a:t>
                       </a:r>
                     </a:p>
                   </a:txBody>
@@ -18534,39 +18447,6 @@
                         <a:t> </a:t>
                       </a:r>
                     </a:p>
-                    <a:p>
-                      <a:pPr marL="285750" marR="0" lvl="0" indent="-285750" algn="l" defTabSz="914400" rtl="0" eaLnBrk="1" fontAlgn="auto" latinLnBrk="0" hangingPunct="1">
-                        <a:lnSpc>
-                          <a:spcPct val="100000"/>
-                        </a:lnSpc>
-                        <a:spcBef>
-                          <a:spcPts val="0"/>
-                        </a:spcBef>
-                        <a:spcAft>
-                          <a:spcPts val="0"/>
-                        </a:spcAft>
-                        <a:buClrTx/>
-                        <a:buSzTx/>
-                        <a:buFont typeface="Wingdings" panose="05000000000000000000" pitchFamily="2" charset="2"/>
-                        <a:buChar char="ü"/>
-                        <a:tabLst/>
-                        <a:defRPr/>
-                      </a:pPr>
-                      <a:endParaRPr kumimoji="0" lang="en-US" sz="1800" b="0" i="0" u="none" strike="noStrike" kern="1200" cap="none" spc="0" normalizeH="0" baseline="0" noProof="0" dirty="0">
-                        <a:ln>
-                          <a:noFill/>
-                        </a:ln>
-                        <a:solidFill>
-                          <a:srgbClr val="00B050"/>
-                        </a:solidFill>
-                        <a:effectLst/>
-                        <a:uLnTx/>
-                        <a:uFillTx/>
-                        <a:latin typeface="Calibri" panose="020F0502020204030204"/>
-                        <a:ea typeface="+mn-ea"/>
-                        <a:cs typeface="+mn-cs"/>
-                      </a:endParaRPr>
-                    </a:p>
                   </a:txBody>
                   <a:tcPr/>
                 </a:tc>
@@ -18654,14 +18534,14 @@
             <p:ph idx="1"/>
             <p:extLst>
               <p:ext uri="{D42A27DB-BD31-4B8C-83A1-F6EECF244321}">
-                <p14:modId xmlns:p14="http://schemas.microsoft.com/office/powerpoint/2010/main" val="1947235567"/>
+                <p14:modId xmlns:p14="http://schemas.microsoft.com/office/powerpoint/2010/main" val="3851156257"/>
               </p:ext>
             </p:extLst>
           </p:nvPr>
         </p:nvGraphicFramePr>
         <p:xfrm>
           <a:off x="838200" y="1825625"/>
-          <a:ext cx="10523220" cy="4445000"/>
+          <a:ext cx="10523220" cy="4810760"/>
         </p:xfrm>
         <a:graphic>
           <a:graphicData uri="http://schemas.openxmlformats.org/drawingml/2006/table">
@@ -18789,7 +18669,7 @@
                     <a:p>
                       <a:r>
                         <a:rPr lang="en-US" noProof="0" dirty="0"/>
-                        <a:t>I2C</a:t>
+                        <a:t>I2C 0x20</a:t>
                       </a:r>
                     </a:p>
                   </a:txBody>
@@ -19353,7 +19233,7 @@
                       </a:pPr>
                       <a:r>
                         <a:rPr lang="en-US" noProof="0" dirty="0"/>
-                        <a:t>I2C</a:t>
+                        <a:t>Serial3</a:t>
                       </a:r>
                     </a:p>
                   </a:txBody>
@@ -19760,7 +19640,7 @@
                       </a:pPr>
                       <a:r>
                         <a:rPr lang="en-US" noProof="0" dirty="0"/>
-                        <a:t>I2C</a:t>
+                        <a:t>I2C 0x48</a:t>
                       </a:r>
                     </a:p>
                   </a:txBody>
@@ -19835,7 +19715,7 @@
                     <a:lstStyle/>
                     <a:p>
                       <a:r>
-                        <a:rPr lang="en-US" noProof="0"/>
+                        <a:rPr lang="en-US" noProof="0" dirty="0"/>
                         <a:t>Detect</a:t>
                       </a:r>
                     </a:p>
@@ -19918,6 +19798,127 @@
                 <a:extLst>
                   <a:ext uri="{0D108BD9-81ED-4DB2-BD59-A6C34878D82A}">
                     <a16:rowId xmlns:a16="http://schemas.microsoft.com/office/drawing/2014/main" val="1703739092"/>
+                  </a:ext>
+                </a:extLst>
+              </a:tr>
+              <a:tr h="0">
+                <a:tc>
+                  <a:txBody>
+                    <a:bodyPr/>
+                    <a:lstStyle/>
+                    <a:p>
+                      <a:r>
+                        <a:rPr lang="en-US" noProof="0" dirty="0"/>
+                        <a:t>Sound sensor</a:t>
+                      </a:r>
+                    </a:p>
+                  </a:txBody>
+                  <a:tcPr/>
+                </a:tc>
+                <a:tc>
+                  <a:txBody>
+                    <a:bodyPr/>
+                    <a:lstStyle/>
+                    <a:p>
+                      <a:pPr marL="0" marR="0" lvl="0" indent="0" algn="l" defTabSz="914400" rtl="0" eaLnBrk="1" fontAlgn="auto" latinLnBrk="0" hangingPunct="1">
+                        <a:lnSpc>
+                          <a:spcPct val="100000"/>
+                        </a:lnSpc>
+                        <a:spcBef>
+                          <a:spcPts val="0"/>
+                        </a:spcBef>
+                        <a:spcAft>
+                          <a:spcPts val="0"/>
+                        </a:spcAft>
+                        <a:buClrTx/>
+                        <a:buSzTx/>
+                        <a:buFontTx/>
+                        <a:buNone/>
+                        <a:tabLst/>
+                        <a:defRPr/>
+                      </a:pPr>
+                      <a:r>
+                        <a:rPr lang="en-US" noProof="0"/>
+                        <a:t>Detect</a:t>
+                      </a:r>
+                      <a:endParaRPr lang="en-US" noProof="0" dirty="0"/>
+                    </a:p>
+                  </a:txBody>
+                  <a:tcPr/>
+                </a:tc>
+                <a:tc>
+                  <a:txBody>
+                    <a:bodyPr/>
+                    <a:lstStyle/>
+                    <a:p>
+                      <a:pPr marL="0" marR="0" lvl="0" indent="0" algn="l" defTabSz="914400" rtl="0" eaLnBrk="1" fontAlgn="auto" latinLnBrk="0" hangingPunct="1">
+                        <a:lnSpc>
+                          <a:spcPct val="100000"/>
+                        </a:lnSpc>
+                        <a:spcBef>
+                          <a:spcPts val="0"/>
+                        </a:spcBef>
+                        <a:spcAft>
+                          <a:spcPts val="0"/>
+                        </a:spcAft>
+                        <a:buClrTx/>
+                        <a:buSzTx/>
+                        <a:buFontTx/>
+                        <a:buNone/>
+                        <a:tabLst/>
+                        <a:defRPr/>
+                      </a:pPr>
+                      <a:r>
+                        <a:rPr lang="en-US" noProof="0" dirty="0"/>
+                        <a:t>Analogic pin A3</a:t>
+                      </a:r>
+                    </a:p>
+                  </a:txBody>
+                  <a:tcPr/>
+                </a:tc>
+                <a:tc>
+                  <a:txBody>
+                    <a:bodyPr/>
+                    <a:lstStyle/>
+                    <a:p>
+                      <a:pPr marL="0" marR="0" lvl="0" indent="0" algn="l" defTabSz="914400" rtl="0" eaLnBrk="1" fontAlgn="auto" latinLnBrk="0" hangingPunct="1">
+                        <a:lnSpc>
+                          <a:spcPct val="100000"/>
+                        </a:lnSpc>
+                        <a:spcBef>
+                          <a:spcPts val="0"/>
+                        </a:spcBef>
+                        <a:spcAft>
+                          <a:spcPts val="0"/>
+                        </a:spcAft>
+                        <a:buClrTx/>
+                        <a:buSzTx/>
+                        <a:buFont typeface="Wingdings" panose="05000000000000000000" pitchFamily="2" charset="2"/>
+                        <a:buNone/>
+                        <a:tabLst/>
+                        <a:defRPr/>
+                      </a:pPr>
+                      <a:endParaRPr kumimoji="0" lang="en-US" sz="1800" b="0" i="0" u="none" strike="noStrike" kern="1200" cap="none" spc="0" normalizeH="0" baseline="0" noProof="0" dirty="0">
+                        <a:ln>
+                          <a:noFill/>
+                        </a:ln>
+                        <a:solidFill>
+                          <a:srgbClr val="00B050"/>
+                        </a:solidFill>
+                        <a:effectLst/>
+                        <a:uLnTx/>
+                        <a:uFillTx/>
+                        <a:latin typeface="Calibri" panose="020F0502020204030204"/>
+                        <a:ea typeface="+mn-ea"/>
+                        <a:cs typeface="+mn-cs"/>
+                      </a:endParaRPr>
+                    </a:p>
+                  </a:txBody>
+                  <a:tcPr/>
+                </a:tc>
+                <a:extLst>
+                  <a:ext uri="{0D108BD9-81ED-4DB2-BD59-A6C34878D82A}">
+                    <a16:rowId xmlns:a16="http://schemas.microsoft.com/office/drawing/2014/main" val="914964665"/>
                   </a:ext>
                 </a:extLst>
               </a:tr>

--- a/libraries/Diagramm Robot v2.pptx
+++ b/libraries/Diagramm Robot v2.pptx
@@ -267,7 +267,7 @@
           <a:p>
             <a:fld id="{0717AEF8-1597-4679-8926-916E82E12B07}" type="datetimeFigureOut">
               <a:rPr lang="fr-FR" smtClean="0"/>
-              <a:t>22/12/2018</a:t>
+              <a:t>31/12/2018</a:t>
             </a:fld>
             <a:endParaRPr lang="fr-FR"/>
           </a:p>
@@ -465,7 +465,7 @@
           <a:p>
             <a:fld id="{0717AEF8-1597-4679-8926-916E82E12B07}" type="datetimeFigureOut">
               <a:rPr lang="fr-FR" smtClean="0"/>
-              <a:t>22/12/2018</a:t>
+              <a:t>31/12/2018</a:t>
             </a:fld>
             <a:endParaRPr lang="fr-FR"/>
           </a:p>
@@ -673,7 +673,7 @@
           <a:p>
             <a:fld id="{0717AEF8-1597-4679-8926-916E82E12B07}" type="datetimeFigureOut">
               <a:rPr lang="fr-FR" smtClean="0"/>
-              <a:t>22/12/2018</a:t>
+              <a:t>31/12/2018</a:t>
             </a:fld>
             <a:endParaRPr lang="fr-FR"/>
           </a:p>
@@ -871,7 +871,7 @@
           <a:p>
             <a:fld id="{0717AEF8-1597-4679-8926-916E82E12B07}" type="datetimeFigureOut">
               <a:rPr lang="fr-FR" smtClean="0"/>
-              <a:t>22/12/2018</a:t>
+              <a:t>31/12/2018</a:t>
             </a:fld>
             <a:endParaRPr lang="fr-FR"/>
           </a:p>
@@ -1146,7 +1146,7 @@
           <a:p>
             <a:fld id="{0717AEF8-1597-4679-8926-916E82E12B07}" type="datetimeFigureOut">
               <a:rPr lang="fr-FR" smtClean="0"/>
-              <a:t>22/12/2018</a:t>
+              <a:t>31/12/2018</a:t>
             </a:fld>
             <a:endParaRPr lang="fr-FR"/>
           </a:p>
@@ -1411,7 +1411,7 @@
           <a:p>
             <a:fld id="{0717AEF8-1597-4679-8926-916E82E12B07}" type="datetimeFigureOut">
               <a:rPr lang="fr-FR" smtClean="0"/>
-              <a:t>22/12/2018</a:t>
+              <a:t>31/12/2018</a:t>
             </a:fld>
             <a:endParaRPr lang="fr-FR"/>
           </a:p>
@@ -1823,7 +1823,7 @@
           <a:p>
             <a:fld id="{0717AEF8-1597-4679-8926-916E82E12B07}" type="datetimeFigureOut">
               <a:rPr lang="fr-FR" smtClean="0"/>
-              <a:t>22/12/2018</a:t>
+              <a:t>31/12/2018</a:t>
             </a:fld>
             <a:endParaRPr lang="fr-FR"/>
           </a:p>
@@ -1964,7 +1964,7 @@
           <a:p>
             <a:fld id="{0717AEF8-1597-4679-8926-916E82E12B07}" type="datetimeFigureOut">
               <a:rPr lang="fr-FR" smtClean="0"/>
-              <a:t>22/12/2018</a:t>
+              <a:t>31/12/2018</a:t>
             </a:fld>
             <a:endParaRPr lang="fr-FR"/>
           </a:p>
@@ -2077,7 +2077,7 @@
           <a:p>
             <a:fld id="{0717AEF8-1597-4679-8926-916E82E12B07}" type="datetimeFigureOut">
               <a:rPr lang="fr-FR" smtClean="0"/>
-              <a:t>22/12/2018</a:t>
+              <a:t>31/12/2018</a:t>
             </a:fld>
             <a:endParaRPr lang="fr-FR"/>
           </a:p>
@@ -2388,7 +2388,7 @@
           <a:p>
             <a:fld id="{0717AEF8-1597-4679-8926-916E82E12B07}" type="datetimeFigureOut">
               <a:rPr lang="fr-FR" smtClean="0"/>
-              <a:t>22/12/2018</a:t>
+              <a:t>31/12/2018</a:t>
             </a:fld>
             <a:endParaRPr lang="fr-FR"/>
           </a:p>
@@ -2676,7 +2676,7 @@
           <a:p>
             <a:fld id="{0717AEF8-1597-4679-8926-916E82E12B07}" type="datetimeFigureOut">
               <a:rPr lang="fr-FR" smtClean="0"/>
-              <a:t>22/12/2018</a:t>
+              <a:t>31/12/2018</a:t>
             </a:fld>
             <a:endParaRPr lang="fr-FR"/>
           </a:p>
@@ -2917,7 +2917,7 @@
           <a:p>
             <a:fld id="{0717AEF8-1597-4679-8926-916E82E12B07}" type="datetimeFigureOut">
               <a:rPr lang="fr-FR" smtClean="0"/>
-              <a:t>22/12/2018</a:t>
+              <a:t>31/12/2018</a:t>
             </a:fld>
             <a:endParaRPr lang="fr-FR"/>
           </a:p>
@@ -6166,8 +6166,8 @@
         </p:nvSpPr>
         <p:spPr>
           <a:xfrm>
-            <a:off x="186346" y="2119412"/>
-            <a:ext cx="9453251" cy="3583547"/>
+            <a:off x="186346" y="1916126"/>
+            <a:ext cx="9453251" cy="3972742"/>
           </a:xfrm>
           <a:prstGeom prst="rect">
             <a:avLst/>
@@ -6217,7 +6217,7 @@
         </p:nvCxnSpPr>
         <p:spPr>
           <a:xfrm flipH="1">
-            <a:off x="7265956" y="1323647"/>
+            <a:off x="7265956" y="1110579"/>
             <a:ext cx="5342" cy="508151"/>
           </a:xfrm>
           <a:prstGeom prst="straightConnector1">
@@ -6262,7 +6262,7 @@
         </p:nvSpPr>
         <p:spPr>
           <a:xfrm>
-            <a:off x="7745978" y="996305"/>
+            <a:off x="7745978" y="783237"/>
             <a:ext cx="928972" cy="338554"/>
           </a:xfrm>
           <a:prstGeom prst="rect">
@@ -6307,7 +6307,7 @@
         </p:nvCxnSpPr>
         <p:spPr>
           <a:xfrm>
-            <a:off x="6688526" y="1314907"/>
+            <a:off x="6688526" y="1101839"/>
             <a:ext cx="1" cy="523424"/>
           </a:xfrm>
           <a:prstGeom prst="straightConnector1">
@@ -6354,7 +6354,7 @@
         </p:nvCxnSpPr>
         <p:spPr>
           <a:xfrm flipH="1">
-            <a:off x="3505508" y="1352717"/>
+            <a:off x="3505508" y="1139649"/>
             <a:ext cx="5765" cy="492554"/>
           </a:xfrm>
           <a:prstGeom prst="straightConnector1">
@@ -6399,7 +6399,7 @@
         </p:nvSpPr>
         <p:spPr>
           <a:xfrm>
-            <a:off x="5971301" y="2120876"/>
+            <a:off x="5971301" y="1907808"/>
             <a:ext cx="880291" cy="276999"/>
           </a:xfrm>
           <a:prstGeom prst="rect">
@@ -6440,7 +6440,7 @@
         </p:nvSpPr>
         <p:spPr>
           <a:xfrm>
-            <a:off x="9632868" y="2029310"/>
+            <a:off x="9632868" y="1816242"/>
             <a:ext cx="458109" cy="204847"/>
           </a:xfrm>
           <a:prstGeom prst="ellipse">
@@ -6498,7 +6498,7 @@
         </p:nvSpPr>
         <p:spPr>
           <a:xfrm>
-            <a:off x="9643419" y="2263863"/>
+            <a:off x="9643419" y="2050795"/>
             <a:ext cx="447558" cy="220039"/>
           </a:xfrm>
           <a:prstGeom prst="ellipse">
@@ -6556,7 +6556,7 @@
         </p:nvSpPr>
         <p:spPr>
           <a:xfrm>
-            <a:off x="9641822" y="2509070"/>
+            <a:off x="9641822" y="2296002"/>
             <a:ext cx="479833" cy="220039"/>
           </a:xfrm>
           <a:prstGeom prst="ellipse">
@@ -6614,7 +6614,7 @@
         </p:nvSpPr>
         <p:spPr>
           <a:xfrm>
-            <a:off x="6443122" y="1838331"/>
+            <a:off x="6443122" y="1625263"/>
             <a:ext cx="490809" cy="286308"/>
           </a:xfrm>
           <a:prstGeom prst="ellipse">
@@ -6683,7 +6683,7 @@
         </p:nvSpPr>
         <p:spPr>
           <a:xfrm>
-            <a:off x="5907696" y="1831798"/>
+            <a:off x="5907696" y="1618730"/>
             <a:ext cx="490809" cy="286308"/>
           </a:xfrm>
           <a:prstGeom prst="ellipse">
@@ -6752,7 +6752,7 @@
         </p:nvSpPr>
         <p:spPr>
           <a:xfrm>
-            <a:off x="363736" y="559516"/>
+            <a:off x="363736" y="346448"/>
             <a:ext cx="1609220" cy="997921"/>
           </a:xfrm>
           <a:prstGeom prst="foldedCorner">
@@ -6824,7 +6824,7 @@
         </p:nvSpPr>
         <p:spPr>
           <a:xfrm>
-            <a:off x="8929266" y="4804060"/>
+            <a:off x="8929576" y="4973551"/>
             <a:ext cx="447558" cy="220039"/>
           </a:xfrm>
           <a:prstGeom prst="ellipse">
@@ -6882,7 +6882,7 @@
         </p:nvSpPr>
         <p:spPr>
           <a:xfrm>
-            <a:off x="8920336" y="5030503"/>
+            <a:off x="8920960" y="5206489"/>
             <a:ext cx="479833" cy="220039"/>
           </a:xfrm>
           <a:prstGeom prst="ellipse">
@@ -6940,7 +6940,7 @@
         </p:nvSpPr>
         <p:spPr>
           <a:xfrm>
-            <a:off x="8909449" y="5264780"/>
+            <a:off x="8933864" y="5450391"/>
             <a:ext cx="479833" cy="220039"/>
           </a:xfrm>
           <a:prstGeom prst="ellipse">
@@ -6998,7 +6998,7 @@
         </p:nvSpPr>
         <p:spPr>
           <a:xfrm>
-            <a:off x="10834617" y="1724449"/>
+            <a:off x="10834617" y="1511381"/>
             <a:ext cx="352991" cy="304861"/>
           </a:xfrm>
           <a:prstGeom prst="flowChartSummingJunction">
@@ -7047,7 +7047,7 @@
         </p:nvSpPr>
         <p:spPr>
           <a:xfrm>
-            <a:off x="10834618" y="2049396"/>
+            <a:off x="10834618" y="1836328"/>
             <a:ext cx="352991" cy="304861"/>
           </a:xfrm>
           <a:prstGeom prst="flowChartSummingJunction">
@@ -7096,7 +7096,7 @@
         </p:nvSpPr>
         <p:spPr>
           <a:xfrm>
-            <a:off x="10834617" y="2396246"/>
+            <a:off x="10834617" y="2183178"/>
             <a:ext cx="352991" cy="304861"/>
           </a:xfrm>
           <a:prstGeom prst="flowChartSummingJunction">
@@ -7142,7 +7142,7 @@
         </p:nvSpPr>
         <p:spPr>
           <a:xfrm>
-            <a:off x="10287026" y="2102570"/>
+            <a:off x="10287026" y="1889502"/>
             <a:ext cx="292654" cy="45719"/>
           </a:xfrm>
           <a:prstGeom prst="rect">
@@ -7194,7 +7194,7 @@
         </p:nvSpPr>
         <p:spPr>
           <a:xfrm>
-            <a:off x="10279328" y="2347448"/>
+            <a:off x="10279328" y="2134380"/>
             <a:ext cx="292654" cy="45719"/>
           </a:xfrm>
           <a:prstGeom prst="rect">
@@ -7246,7 +7246,7 @@
         </p:nvSpPr>
         <p:spPr>
           <a:xfrm>
-            <a:off x="10287026" y="2602586"/>
+            <a:off x="10287026" y="2389518"/>
             <a:ext cx="292654" cy="45719"/>
           </a:xfrm>
           <a:prstGeom prst="rect">
@@ -7300,7 +7300,7 @@
         </p:nvCxnSpPr>
         <p:spPr>
           <a:xfrm flipV="1">
-            <a:off x="10090977" y="1876880"/>
+            <a:off x="10090977" y="1663812"/>
             <a:ext cx="743640" cy="254854"/>
           </a:xfrm>
           <a:prstGeom prst="bentConnector3">
@@ -7347,7 +7347,7 @@
         </p:nvCxnSpPr>
         <p:spPr>
           <a:xfrm flipV="1">
-            <a:off x="10121654" y="2548677"/>
+            <a:off x="10121654" y="2335609"/>
             <a:ext cx="712963" cy="74726"/>
           </a:xfrm>
           <a:prstGeom prst="bentConnector3">
@@ -7395,7 +7395,7 @@
         </p:nvCxnSpPr>
         <p:spPr>
           <a:xfrm flipV="1">
-            <a:off x="10090977" y="2201827"/>
+            <a:off x="10090977" y="1988759"/>
             <a:ext cx="743641" cy="172056"/>
           </a:xfrm>
           <a:prstGeom prst="bentConnector3">
@@ -7439,8 +7439,8 @@
         </p:nvSpPr>
         <p:spPr>
           <a:xfrm>
-            <a:off x="9458305" y="2116509"/>
-            <a:ext cx="177162" cy="1938992"/>
+            <a:off x="9365035" y="1921847"/>
+            <a:ext cx="279420" cy="2308324"/>
           </a:xfrm>
           <a:prstGeom prst="rect">
             <a:avLst/>
@@ -7463,10 +7463,23 @@
           </a:p>
           <a:p>
             <a:pPr algn="ctr"/>
-            <a:r>
-              <a:rPr lang="fr-FR" sz="1200" dirty="0"/>
-              <a:t>Digital</a:t>
-            </a:r>
+            <a:endParaRPr lang="fr-FR" sz="1200" dirty="0"/>
+          </a:p>
+          <a:p>
+            <a:pPr algn="ctr"/>
+            <a:r>
+              <a:rPr lang="fr-FR" sz="1200" dirty="0" err="1"/>
+              <a:t>Digi</a:t>
+            </a:r>
+            <a:endParaRPr lang="fr-FR" sz="1200" dirty="0"/>
+          </a:p>
+          <a:p>
+            <a:pPr algn="ctr"/>
+            <a:r>
+              <a:rPr lang="fr-FR" sz="1200" dirty="0" err="1"/>
+              <a:t>tal</a:t>
+            </a:r>
+            <a:endParaRPr lang="fr-FR" sz="1200" dirty="0"/>
           </a:p>
           <a:p>
             <a:pPr algn="ctr"/>
@@ -7474,6 +7487,10 @@
           </a:p>
           <a:p>
             <a:pPr algn="ctr"/>
+            <a:endParaRPr lang="fr-FR" sz="1200" dirty="0"/>
+          </a:p>
+          <a:p>
+            <a:pPr algn="ctr"/>
             <a:r>
               <a:rPr lang="fr-FR" sz="1200" dirty="0"/>
               <a:t> </a:t>
@@ -7495,7 +7512,7 @@
         </p:nvSpPr>
         <p:spPr>
           <a:xfrm>
-            <a:off x="6993112" y="2118039"/>
+            <a:off x="6993112" y="1904971"/>
             <a:ext cx="524916" cy="276999"/>
           </a:xfrm>
           <a:prstGeom prst="rect">
@@ -7536,7 +7553,7 @@
         </p:nvSpPr>
         <p:spPr>
           <a:xfrm>
-            <a:off x="6959402" y="1829007"/>
+            <a:off x="6959402" y="1615939"/>
             <a:ext cx="573656" cy="279569"/>
           </a:xfrm>
           <a:prstGeom prst="ellipse">
@@ -7605,7 +7622,7 @@
         </p:nvSpPr>
         <p:spPr>
           <a:xfrm>
-            <a:off x="2130762" y="5443183"/>
+            <a:off x="2130762" y="5611859"/>
             <a:ext cx="479833" cy="220039"/>
           </a:xfrm>
           <a:prstGeom prst="ellipse">
@@ -7663,7 +7680,7 @@
         </p:nvSpPr>
         <p:spPr>
           <a:xfrm>
-            <a:off x="1873264" y="5943640"/>
+            <a:off x="1873264" y="6112316"/>
             <a:ext cx="955048" cy="390849"/>
           </a:xfrm>
           <a:prstGeom prst="rect">
@@ -7724,7 +7741,7 @@
         </p:nvCxnSpPr>
         <p:spPr>
           <a:xfrm>
-            <a:off x="2372037" y="5674108"/>
+            <a:off x="2372037" y="5842784"/>
             <a:ext cx="0" cy="269532"/>
           </a:xfrm>
           <a:prstGeom prst="straightConnector1">
@@ -7771,7 +7788,7 @@
         </p:nvCxnSpPr>
         <p:spPr>
           <a:xfrm>
-            <a:off x="8289775" y="1358617"/>
+            <a:off x="8289775" y="1145549"/>
             <a:ext cx="15625" cy="442446"/>
           </a:xfrm>
           <a:prstGeom prst="straightConnector1">
@@ -7818,7 +7835,7 @@
         </p:nvCxnSpPr>
         <p:spPr>
           <a:xfrm>
-            <a:off x="9092678" y="1427070"/>
+            <a:off x="9092678" y="1214002"/>
             <a:ext cx="0" cy="388732"/>
           </a:xfrm>
           <a:prstGeom prst="straightConnector1">
@@ -7863,7 +7880,7 @@
         </p:nvSpPr>
         <p:spPr>
           <a:xfrm>
-            <a:off x="8057616" y="2131176"/>
+            <a:off x="8057616" y="1918108"/>
             <a:ext cx="1268029" cy="276999"/>
           </a:xfrm>
           <a:prstGeom prst="rect">
@@ -7904,7 +7921,7 @@
         </p:nvSpPr>
         <p:spPr>
           <a:xfrm>
-            <a:off x="8033413" y="1814986"/>
+            <a:off x="8033413" y="1601918"/>
             <a:ext cx="557168" cy="312108"/>
           </a:xfrm>
           <a:prstGeom prst="ellipse">
@@ -7973,7 +7990,7 @@
         </p:nvSpPr>
         <p:spPr>
           <a:xfrm>
-            <a:off x="8793932" y="1829008"/>
+            <a:off x="8793932" y="1615940"/>
             <a:ext cx="597492" cy="295833"/>
           </a:xfrm>
           <a:prstGeom prst="ellipse">
@@ -8042,7 +8059,7 @@
         </p:nvSpPr>
         <p:spPr>
           <a:xfrm>
-            <a:off x="8727934" y="596108"/>
+            <a:off x="8727934" y="383040"/>
             <a:ext cx="1095554" cy="390849"/>
           </a:xfrm>
           <a:prstGeom prst="rect">
@@ -8068,19 +8085,8 @@
           <a:lstStyle/>
           <a:p>
             <a:pPr algn="ctr"/>
-            <a:r>
-              <a:rPr lang="fr-FR" sz="1200" dirty="0" err="1"/>
-              <a:t>Temperature</a:t>
-            </a:r>
             <a:endParaRPr lang="fr-FR" sz="1200" dirty="0"/>
           </a:p>
-          <a:p>
-            <a:pPr algn="ctr"/>
-            <a:r>
-              <a:rPr lang="fr-FR" sz="1200" dirty="0"/>
-              <a:t>TMP102</a:t>
-            </a:r>
-          </a:p>
         </p:txBody>
       </p:sp>
       <p:sp>
@@ -8097,7 +8103,7 @@
         </p:nvSpPr>
         <p:spPr>
           <a:xfrm>
-            <a:off x="7831349" y="587518"/>
+            <a:off x="7831349" y="374450"/>
             <a:ext cx="881437" cy="402134"/>
           </a:xfrm>
           <a:prstGeom prst="rect">
@@ -8159,7 +8165,7 @@
         </p:nvSpPr>
         <p:spPr>
           <a:xfrm>
-            <a:off x="9003909" y="995869"/>
+            <a:off x="9003909" y="782801"/>
             <a:ext cx="1003584" cy="338554"/>
           </a:xfrm>
           <a:prstGeom prst="rect">
@@ -8201,7 +8207,7 @@
         </p:nvSpPr>
         <p:spPr>
           <a:xfrm>
-            <a:off x="9365035" y="4888160"/>
+            <a:off x="9365035" y="5047962"/>
             <a:ext cx="294784" cy="830997"/>
           </a:xfrm>
           <a:prstGeom prst="rect">
@@ -8248,7 +8254,7 @@
         </p:nvCxnSpPr>
         <p:spPr>
           <a:xfrm flipH="1">
-            <a:off x="2948837" y="1377180"/>
+            <a:off x="2948837" y="1164112"/>
             <a:ext cx="8230" cy="468246"/>
           </a:xfrm>
           <a:prstGeom prst="straightConnector1">
@@ -8295,7 +8301,7 @@
         </p:nvCxnSpPr>
         <p:spPr>
           <a:xfrm flipH="1">
-            <a:off x="6164259" y="1319202"/>
+            <a:off x="6164259" y="1106134"/>
             <a:ext cx="5765" cy="492554"/>
           </a:xfrm>
           <a:prstGeom prst="straightConnector1">
@@ -8340,7 +8346,7 @@
         </p:nvSpPr>
         <p:spPr>
           <a:xfrm>
-            <a:off x="2691786" y="2129195"/>
+            <a:off x="2691786" y="1916127"/>
             <a:ext cx="1094468" cy="276999"/>
           </a:xfrm>
           <a:prstGeom prst="rect">
@@ -8381,7 +8387,7 @@
         </p:nvSpPr>
         <p:spPr>
           <a:xfrm>
-            <a:off x="3282315" y="1845272"/>
+            <a:off x="3282315" y="1632204"/>
             <a:ext cx="490809" cy="286308"/>
           </a:xfrm>
           <a:prstGeom prst="ellipse">
@@ -8450,7 +8456,7 @@
         </p:nvSpPr>
         <p:spPr>
           <a:xfrm>
-            <a:off x="2708842" y="1838331"/>
+            <a:off x="2708842" y="1625263"/>
             <a:ext cx="490809" cy="286308"/>
           </a:xfrm>
           <a:prstGeom prst="ellipse">
@@ -8519,7 +8525,7 @@
         </p:nvSpPr>
         <p:spPr>
           <a:xfrm>
-            <a:off x="10299135" y="2756791"/>
+            <a:off x="10299135" y="2570366"/>
             <a:ext cx="1207065" cy="273425"/>
           </a:xfrm>
           <a:prstGeom prst="rect">
@@ -8579,7 +8585,7 @@
         </p:nvSpPr>
         <p:spPr>
           <a:xfrm>
-            <a:off x="6018901" y="943602"/>
+            <a:off x="6018901" y="730534"/>
             <a:ext cx="1331202" cy="390849"/>
           </a:xfrm>
           <a:prstGeom prst="rect">
@@ -8642,7 +8648,7 @@
         </p:nvSpPr>
         <p:spPr>
           <a:xfrm>
-            <a:off x="9850198" y="590769"/>
+            <a:off x="9850198" y="377701"/>
             <a:ext cx="1095554" cy="390849"/>
           </a:xfrm>
           <a:prstGeom prst="rect">
@@ -8690,7 +8696,7 @@
         </p:nvSpPr>
         <p:spPr>
           <a:xfrm>
-            <a:off x="9834649" y="995864"/>
+            <a:off x="9834649" y="782796"/>
             <a:ext cx="928972" cy="338554"/>
           </a:xfrm>
           <a:prstGeom prst="rect">
@@ -8732,7 +8738,7 @@
         </p:nvSpPr>
         <p:spPr>
           <a:xfrm>
-            <a:off x="244280" y="2126321"/>
+            <a:off x="244280" y="1913253"/>
             <a:ext cx="1849324" cy="276999"/>
           </a:xfrm>
           <a:prstGeom prst="rect">
@@ -8777,8 +8783,8 @@
         </p:nvCxnSpPr>
         <p:spPr>
           <a:xfrm rot="16200000" flipH="1">
-            <a:off x="3767128" y="-248058"/>
-            <a:ext cx="2280752" cy="8043523"/>
+            <a:off x="3576004" y="-270002"/>
+            <a:ext cx="2663311" cy="8043833"/>
           </a:xfrm>
           <a:prstGeom prst="bentConnector2">
             <a:avLst/>
@@ -8822,7 +8828,7 @@
         </p:nvSpPr>
         <p:spPr>
           <a:xfrm>
-            <a:off x="3502163" y="1390667"/>
+            <a:off x="3502163" y="1177599"/>
             <a:ext cx="389850" cy="215444"/>
           </a:xfrm>
           <a:prstGeom prst="rect">
@@ -8860,7 +8866,7 @@
         </p:nvSpPr>
         <p:spPr>
           <a:xfrm>
-            <a:off x="2769234" y="1382927"/>
+            <a:off x="2769234" y="1169859"/>
             <a:ext cx="401072" cy="215444"/>
           </a:xfrm>
           <a:prstGeom prst="rect">
@@ -8898,7 +8904,7 @@
         </p:nvSpPr>
         <p:spPr>
           <a:xfrm rot="16049897">
-            <a:off x="596450" y="1850129"/>
+            <a:off x="596450" y="1637061"/>
             <a:ext cx="447558" cy="215444"/>
           </a:xfrm>
           <a:prstGeom prst="rect">
@@ -8936,7 +8942,7 @@
         </p:nvSpPr>
         <p:spPr>
           <a:xfrm rot="16200000" flipH="1">
-            <a:off x="1115053" y="1820929"/>
+            <a:off x="1115053" y="1607861"/>
             <a:ext cx="487067" cy="215444"/>
           </a:xfrm>
           <a:prstGeom prst="rect">
@@ -8974,7 +8980,7 @@
         </p:nvSpPr>
         <p:spPr>
           <a:xfrm>
-            <a:off x="1176421" y="2425450"/>
+            <a:off x="1176421" y="2212382"/>
             <a:ext cx="447558" cy="222395"/>
           </a:xfrm>
           <a:prstGeom prst="ellipse">
@@ -9032,7 +9038,7 @@
         </p:nvSpPr>
         <p:spPr>
           <a:xfrm rot="16200000">
-            <a:off x="86900" y="1791105"/>
+            <a:off x="86900" y="1578037"/>
             <a:ext cx="558068" cy="215444"/>
           </a:xfrm>
           <a:prstGeom prst="rect">
@@ -9070,7 +9076,7 @@
         </p:nvSpPr>
         <p:spPr>
           <a:xfrm>
-            <a:off x="661964" y="2410933"/>
+            <a:off x="661964" y="2197865"/>
             <a:ext cx="447558" cy="222395"/>
           </a:xfrm>
           <a:prstGeom prst="ellipse">
@@ -9128,7 +9134,7 @@
         </p:nvSpPr>
         <p:spPr>
           <a:xfrm>
-            <a:off x="175598" y="2411879"/>
+            <a:off x="175598" y="2198811"/>
             <a:ext cx="447558" cy="222395"/>
           </a:xfrm>
           <a:prstGeom prst="ellipse">
@@ -9186,7 +9192,7 @@
         </p:nvSpPr>
         <p:spPr>
           <a:xfrm>
-            <a:off x="1641611" y="2425450"/>
+            <a:off x="1641611" y="2212382"/>
             <a:ext cx="447558" cy="222395"/>
           </a:xfrm>
           <a:prstGeom prst="ellipse">
@@ -9246,7 +9252,7 @@
         </p:nvCxnSpPr>
         <p:spPr>
           <a:xfrm flipH="1" flipV="1">
-            <a:off x="883520" y="1557437"/>
+            <a:off x="883520" y="1344369"/>
             <a:ext cx="2223" cy="853496"/>
           </a:xfrm>
           <a:prstGeom prst="straightConnector1">
@@ -9285,7 +9291,7 @@
         </p:nvCxnSpPr>
         <p:spPr>
           <a:xfrm flipH="1" flipV="1">
-            <a:off x="392863" y="1565156"/>
+            <a:off x="392863" y="1352088"/>
             <a:ext cx="2223" cy="853496"/>
           </a:xfrm>
           <a:prstGeom prst="straightConnector1">
@@ -9324,7 +9330,7 @@
         </p:nvCxnSpPr>
         <p:spPr>
           <a:xfrm flipH="1" flipV="1">
-            <a:off x="1404297" y="1550916"/>
+            <a:off x="1404297" y="1337848"/>
             <a:ext cx="2223" cy="853496"/>
           </a:xfrm>
           <a:prstGeom prst="straightConnector1">
@@ -9363,7 +9369,7 @@
         </p:nvCxnSpPr>
         <p:spPr>
           <a:xfrm flipH="1" flipV="1">
-            <a:off x="1845234" y="1567525"/>
+            <a:off x="1845234" y="1354457"/>
             <a:ext cx="2223" cy="853496"/>
           </a:xfrm>
           <a:prstGeom prst="straightConnector1">
@@ -9404,12 +9410,12 @@
         </p:nvCxnSpPr>
         <p:spPr>
           <a:xfrm>
-            <a:off x="1402748" y="2634061"/>
-            <a:ext cx="7510850" cy="2457798"/>
+            <a:off x="1400200" y="2462997"/>
+            <a:ext cx="7512477" cy="2836114"/>
           </a:xfrm>
           <a:prstGeom prst="bentConnector3">
             <a:avLst>
-              <a:gd name="adj1" fmla="val 186"/>
+              <a:gd name="adj1" fmla="val 13"/>
             </a:avLst>
           </a:prstGeom>
           <a:ln w="38100" cap="flat" cmpd="sng" algn="ctr">
@@ -9455,8 +9461,8 @@
         </p:nvCxnSpPr>
         <p:spPr>
           <a:xfrm rot="16200000" flipH="1">
-            <a:off x="3284150" y="-250499"/>
-            <a:ext cx="2740526" cy="8510072"/>
+            <a:off x="3097018" y="-276436"/>
+            <a:ext cx="3139205" cy="8534487"/>
           </a:xfrm>
           <a:prstGeom prst="bentConnector2">
             <a:avLst/>
@@ -9503,7 +9509,7 @@
         </p:nvSpPr>
         <p:spPr>
           <a:xfrm rot="16200000">
-            <a:off x="1506114" y="1742273"/>
+            <a:off x="1506114" y="1529205"/>
             <a:ext cx="558068" cy="215444"/>
           </a:xfrm>
           <a:prstGeom prst="rect">
@@ -9544,7 +9550,7 @@
         </p:nvCxnSpPr>
         <p:spPr>
           <a:xfrm>
-            <a:off x="11187608" y="1876880"/>
+            <a:off x="11187608" y="1663812"/>
             <a:ext cx="587648" cy="325800"/>
           </a:xfrm>
           <a:prstGeom prst="bentConnector3">
@@ -9590,7 +9596,7 @@
         </p:nvCxnSpPr>
         <p:spPr>
           <a:xfrm flipV="1">
-            <a:off x="11186259" y="2201826"/>
+            <a:off x="11186259" y="1988758"/>
             <a:ext cx="553734" cy="359648"/>
           </a:xfrm>
           <a:prstGeom prst="bentConnector3">
@@ -9633,7 +9639,7 @@
         </p:nvCxnSpPr>
         <p:spPr>
           <a:xfrm flipV="1">
-            <a:off x="11186260" y="2201832"/>
+            <a:off x="11186260" y="1988764"/>
             <a:ext cx="658560" cy="1"/>
           </a:xfrm>
           <a:prstGeom prst="line">
@@ -9674,7 +9680,7 @@
         </p:nvSpPr>
         <p:spPr>
           <a:xfrm>
-            <a:off x="11865547" y="2033988"/>
+            <a:off x="11802319" y="1796645"/>
             <a:ext cx="590765" cy="369332"/>
           </a:xfrm>
           <a:prstGeom prst="rect">
@@ -9699,45 +9705,6 @@
           </a:p>
         </p:txBody>
       </p:sp>
-      <p:sp>
-        <p:nvSpPr>
-          <p:cNvPr id="136" name="ZoneTexte 135">
-            <a:extLst>
-              <a:ext uri="{FF2B5EF4-FFF2-40B4-BE49-F238E27FC236}">
-                <a16:creationId xmlns:a16="http://schemas.microsoft.com/office/drawing/2014/main" id="{9C305AA0-5485-48E8-9625-2974BE0A5574}"/>
-              </a:ext>
-            </a:extLst>
-          </p:cNvPr>
-          <p:cNvSpPr txBox="1"/>
-          <p:nvPr/>
-        </p:nvSpPr>
-        <p:spPr>
-          <a:xfrm>
-            <a:off x="11682933" y="1055750"/>
-            <a:ext cx="590765" cy="369332"/>
-          </a:xfrm>
-          <a:prstGeom prst="rect">
-            <a:avLst/>
-          </a:prstGeom>
-          <a:noFill/>
-        </p:spPr>
-        <p:txBody>
-          <a:bodyPr wrap="square" rtlCol="0">
-            <a:spAutoFit/>
-          </a:bodyPr>
-          <a:lstStyle/>
-          <a:p>
-            <a:r>
-              <a:rPr lang="fr-FR" dirty="0"/>
-              <a:t>+5</a:t>
-            </a:r>
-            <a:r>
-              <a:rPr lang="fr-FR" sz="1200" dirty="0"/>
-              <a:t>V</a:t>
-            </a:r>
-          </a:p>
-        </p:txBody>
-      </p:sp>
       <p:cxnSp>
         <p:nvCxnSpPr>
           <p:cNvPr id="54" name="Connecteur droit 53">
@@ -9747,13 +9714,15 @@
               </a:ext>
             </a:extLst>
           </p:cNvPr>
-          <p:cNvCxnSpPr/>
+          <p:cNvCxnSpPr>
+            <a:cxnSpLocks/>
+          </p:cNvCxnSpPr>
           <p:nvPr/>
         </p:nvCxnSpPr>
         <p:spPr>
           <a:xfrm>
-            <a:off x="8289775" y="1353864"/>
-            <a:ext cx="3549790" cy="0"/>
+            <a:off x="8289775" y="1140796"/>
+            <a:ext cx="2711123" cy="9538"/>
           </a:xfrm>
           <a:prstGeom prst="line">
             <a:avLst/>
@@ -9795,7 +9764,7 @@
         </p:nvCxnSpPr>
         <p:spPr>
           <a:xfrm>
-            <a:off x="9078521" y="1456616"/>
+            <a:off x="9078521" y="1243548"/>
             <a:ext cx="2787351" cy="0"/>
           </a:xfrm>
           <a:prstGeom prst="line">
@@ -9822,104 +9791,6 @@
           </a:fontRef>
         </p:style>
       </p:cxnSp>
-      <p:sp>
-        <p:nvSpPr>
-          <p:cNvPr id="139" name="Rectangle 138">
-            <a:extLst>
-              <a:ext uri="{FF2B5EF4-FFF2-40B4-BE49-F238E27FC236}">
-                <a16:creationId xmlns:a16="http://schemas.microsoft.com/office/drawing/2014/main" id="{6DF22C77-9572-4E48-98D5-27D2FA9BDE25}"/>
-              </a:ext>
-            </a:extLst>
-          </p:cNvPr>
-          <p:cNvSpPr/>
-          <p:nvPr/>
-        </p:nvSpPr>
-        <p:spPr>
-          <a:xfrm>
-            <a:off x="11106029" y="1416229"/>
-            <a:ext cx="551504" cy="80736"/>
-          </a:xfrm>
-          <a:prstGeom prst="rect">
-            <a:avLst/>
-          </a:prstGeom>
-          <a:solidFill>
-            <a:schemeClr val="tx1"/>
-          </a:solidFill>
-        </p:spPr>
-        <p:style>
-          <a:lnRef idx="2">
-            <a:schemeClr val="accent1">
-              <a:shade val="50000"/>
-            </a:schemeClr>
-          </a:lnRef>
-          <a:fillRef idx="1">
-            <a:schemeClr val="accent1"/>
-          </a:fillRef>
-          <a:effectRef idx="0">
-            <a:schemeClr val="accent1"/>
-          </a:effectRef>
-          <a:fontRef idx="minor">
-            <a:schemeClr val="lt1"/>
-          </a:fontRef>
-        </p:style>
-        <p:txBody>
-          <a:bodyPr rtlCol="0" anchor="ctr"/>
-          <a:lstStyle/>
-          <a:p>
-            <a:pPr algn="ctr"/>
-            <a:endParaRPr lang="fr-FR"/>
-          </a:p>
-        </p:txBody>
-      </p:sp>
-      <p:sp>
-        <p:nvSpPr>
-          <p:cNvPr id="140" name="Rectangle 139">
-            <a:extLst>
-              <a:ext uri="{FF2B5EF4-FFF2-40B4-BE49-F238E27FC236}">
-                <a16:creationId xmlns:a16="http://schemas.microsoft.com/office/drawing/2014/main" id="{587969CD-5ABE-4C81-A38E-58548C926278}"/>
-              </a:ext>
-            </a:extLst>
-          </p:cNvPr>
-          <p:cNvSpPr/>
-          <p:nvPr/>
-        </p:nvSpPr>
-        <p:spPr>
-          <a:xfrm>
-            <a:off x="11103215" y="1314907"/>
-            <a:ext cx="551504" cy="80736"/>
-          </a:xfrm>
-          <a:prstGeom prst="rect">
-            <a:avLst/>
-          </a:prstGeom>
-          <a:solidFill>
-            <a:schemeClr val="tx1"/>
-          </a:solidFill>
-        </p:spPr>
-        <p:style>
-          <a:lnRef idx="2">
-            <a:schemeClr val="accent1">
-              <a:shade val="50000"/>
-            </a:schemeClr>
-          </a:lnRef>
-          <a:fillRef idx="1">
-            <a:schemeClr val="accent1"/>
-          </a:fillRef>
-          <a:effectRef idx="0">
-            <a:schemeClr val="accent1"/>
-          </a:effectRef>
-          <a:fontRef idx="minor">
-            <a:schemeClr val="lt1"/>
-          </a:fontRef>
-        </p:style>
-        <p:txBody>
-          <a:bodyPr rtlCol="0" anchor="ctr"/>
-          <a:lstStyle/>
-          <a:p>
-            <a:pPr algn="ctr"/>
-            <a:endParaRPr lang="fr-FR"/>
-          </a:p>
-        </p:txBody>
-      </p:sp>
       <p:cxnSp>
         <p:nvCxnSpPr>
           <p:cNvPr id="58" name="Connecteur : en angle 57">
@@ -9936,7 +9807,7 @@
         </p:nvCxnSpPr>
         <p:spPr>
           <a:xfrm rot="16200000" flipH="1">
-            <a:off x="10290089" y="1014285"/>
+            <a:off x="10290089" y="801217"/>
             <a:ext cx="364215" cy="291992"/>
           </a:xfrm>
           <a:prstGeom prst="bentConnector3">
@@ -9979,7 +9850,7 @@
         </p:nvCxnSpPr>
         <p:spPr>
           <a:xfrm rot="16200000" flipH="1">
-            <a:off x="9018933" y="1013018"/>
+            <a:off x="9018933" y="799950"/>
             <a:ext cx="364215" cy="291992"/>
           </a:xfrm>
           <a:prstGeom prst="bentConnector3">
@@ -10023,7 +9894,7 @@
         </p:nvCxnSpPr>
         <p:spPr>
           <a:xfrm rot="16200000" flipH="1">
-            <a:off x="8199533" y="1062186"/>
+            <a:off x="8199533" y="849118"/>
             <a:ext cx="373750" cy="228681"/>
           </a:xfrm>
           <a:prstGeom prst="bentConnector3">
@@ -10066,7 +9937,7 @@
         </p:nvCxnSpPr>
         <p:spPr>
           <a:xfrm>
-            <a:off x="8567432" y="993298"/>
+            <a:off x="8567432" y="780230"/>
             <a:ext cx="625036" cy="463318"/>
           </a:xfrm>
           <a:prstGeom prst="bentConnector3">
@@ -10111,7 +9982,7 @@
         </p:nvCxnSpPr>
         <p:spPr>
           <a:xfrm>
-            <a:off x="9549311" y="995864"/>
+            <a:off x="9549311" y="782796"/>
             <a:ext cx="601287" cy="463318"/>
           </a:xfrm>
           <a:prstGeom prst="bentConnector3">
@@ -10156,7 +10027,7 @@
         </p:nvCxnSpPr>
         <p:spPr>
           <a:xfrm rot="16200000" flipH="1">
-            <a:off x="10617310" y="1089481"/>
+            <a:off x="10617310" y="876413"/>
             <a:ext cx="488722" cy="278454"/>
           </a:xfrm>
           <a:prstGeom prst="bentConnector3">
@@ -10201,7 +10072,7 @@
         </p:nvCxnSpPr>
         <p:spPr>
           <a:xfrm flipV="1">
-            <a:off x="105377" y="295642"/>
+            <a:off x="105377" y="82574"/>
             <a:ext cx="11564255" cy="7123"/>
           </a:xfrm>
           <a:prstGeom prst="line">
@@ -10242,7 +10113,7 @@
         </p:nvSpPr>
         <p:spPr>
           <a:xfrm>
-            <a:off x="11601235" y="120635"/>
+            <a:off x="11601235" y="-92433"/>
             <a:ext cx="590765" cy="369332"/>
           </a:xfrm>
           <a:prstGeom prst="rect">
@@ -10281,7 +10152,7 @@
         </p:nvSpPr>
         <p:spPr>
           <a:xfrm>
-            <a:off x="11706827" y="321068"/>
+            <a:off x="11706827" y="108000"/>
             <a:ext cx="590765" cy="369332"/>
           </a:xfrm>
           <a:prstGeom prst="rect">
@@ -10322,7 +10193,7 @@
         </p:nvCxnSpPr>
         <p:spPr>
           <a:xfrm>
-            <a:off x="105377" y="470097"/>
+            <a:off x="105377" y="257029"/>
             <a:ext cx="11601450" cy="35042"/>
           </a:xfrm>
           <a:prstGeom prst="line">
@@ -10363,7 +10234,7 @@
         </p:nvCxnSpPr>
         <p:spPr>
           <a:xfrm flipV="1">
-            <a:off x="10402941" y="295642"/>
+            <a:off x="10402941" y="82574"/>
             <a:ext cx="0" cy="291876"/>
           </a:xfrm>
           <a:prstGeom prst="line">
@@ -10404,7 +10275,7 @@
         </p:nvCxnSpPr>
         <p:spPr>
           <a:xfrm flipV="1">
-            <a:off x="9234172" y="304232"/>
+            <a:off x="9234172" y="91164"/>
             <a:ext cx="0" cy="291876"/>
           </a:xfrm>
           <a:prstGeom prst="line">
@@ -10445,7 +10316,7 @@
         </p:nvCxnSpPr>
         <p:spPr>
           <a:xfrm flipV="1">
-            <a:off x="8271168" y="304232"/>
+            <a:off x="8271168" y="91164"/>
             <a:ext cx="0" cy="291876"/>
           </a:xfrm>
           <a:prstGeom prst="line">
@@ -10488,7 +10359,7 @@
         </p:nvCxnSpPr>
         <p:spPr>
           <a:xfrm flipV="1">
-            <a:off x="10279328" y="489967"/>
+            <a:off x="10279328" y="276899"/>
             <a:ext cx="0" cy="106141"/>
           </a:xfrm>
           <a:prstGeom prst="line">
@@ -10531,7 +10402,7 @@
         </p:nvCxnSpPr>
         <p:spPr>
           <a:xfrm flipV="1">
-            <a:off x="9078521" y="502144"/>
+            <a:off x="9078521" y="289076"/>
             <a:ext cx="0" cy="106141"/>
           </a:xfrm>
           <a:prstGeom prst="line">
@@ -10574,7 +10445,7 @@
         </p:nvCxnSpPr>
         <p:spPr>
           <a:xfrm flipV="1">
-            <a:off x="8132683" y="489967"/>
+            <a:off x="8132683" y="276899"/>
             <a:ext cx="0" cy="97552"/>
           </a:xfrm>
           <a:prstGeom prst="line">
@@ -10742,7 +10613,7 @@
         </p:nvCxnSpPr>
         <p:spPr>
           <a:xfrm flipV="1">
-            <a:off x="3252897" y="304232"/>
+            <a:off x="3252897" y="91164"/>
             <a:ext cx="0" cy="672674"/>
           </a:xfrm>
           <a:prstGeom prst="line">
@@ -10785,7 +10656,7 @@
         </p:nvCxnSpPr>
         <p:spPr>
           <a:xfrm flipV="1">
-            <a:off x="3115904" y="481825"/>
+            <a:off x="3115904" y="268757"/>
             <a:ext cx="0" cy="488154"/>
           </a:xfrm>
           <a:prstGeom prst="line">
@@ -10826,7 +10697,7 @@
         </p:nvSpPr>
         <p:spPr>
           <a:xfrm>
-            <a:off x="2788203" y="977100"/>
+            <a:off x="2788203" y="764032"/>
             <a:ext cx="881437" cy="390849"/>
           </a:xfrm>
           <a:prstGeom prst="rect">
@@ -10888,7 +10759,7 @@
         </p:nvSpPr>
         <p:spPr>
           <a:xfrm>
-            <a:off x="9662787" y="2785608"/>
+            <a:off x="9662787" y="2599183"/>
             <a:ext cx="479833" cy="220039"/>
           </a:xfrm>
           <a:prstGeom prst="ellipse">
@@ -10943,14 +10814,12 @@
           </p:cNvPr>
           <p:cNvCxnSpPr>
             <a:cxnSpLocks/>
-            <a:stCxn id="200" idx="6"/>
-            <a:endCxn id="143" idx="1"/>
           </p:cNvCxnSpPr>
           <p:nvPr/>
         </p:nvCxnSpPr>
         <p:spPr>
           <a:xfrm flipV="1">
-            <a:off x="10142620" y="2893504"/>
+            <a:off x="10142620" y="2494011"/>
             <a:ext cx="156515" cy="2124"/>
           </a:xfrm>
           <a:prstGeom prst="bentConnector3">
@@ -11160,7 +11029,7 @@
         </p:nvCxnSpPr>
         <p:spPr>
           <a:xfrm flipV="1">
-            <a:off x="11506200" y="2862333"/>
+            <a:off x="11506200" y="2755799"/>
             <a:ext cx="229670" cy="1"/>
           </a:xfrm>
           <a:prstGeom prst="line">
@@ -11203,7 +11072,7 @@
         </p:nvCxnSpPr>
         <p:spPr>
           <a:xfrm flipV="1">
-            <a:off x="11506200" y="2947048"/>
+            <a:off x="11506200" y="2689601"/>
             <a:ext cx="496009" cy="2"/>
           </a:xfrm>
           <a:prstGeom prst="line">
@@ -11244,7 +11113,7 @@
         </p:nvSpPr>
         <p:spPr>
           <a:xfrm>
-            <a:off x="885705" y="5454069"/>
+            <a:off x="885705" y="5622745"/>
             <a:ext cx="479833" cy="220039"/>
           </a:xfrm>
           <a:prstGeom prst="ellipse">
@@ -11302,7 +11171,7 @@
         </p:nvSpPr>
         <p:spPr>
           <a:xfrm>
-            <a:off x="611880" y="5949083"/>
+            <a:off x="611880" y="6117759"/>
             <a:ext cx="1030810" cy="390849"/>
           </a:xfrm>
           <a:prstGeom prst="rect">
@@ -11360,7 +11229,7 @@
         </p:nvCxnSpPr>
         <p:spPr>
           <a:xfrm flipH="1">
-            <a:off x="1116094" y="5674108"/>
+            <a:off x="1116094" y="5842784"/>
             <a:ext cx="9528" cy="275655"/>
           </a:xfrm>
           <a:prstGeom prst="straightConnector1">
@@ -11400,13 +11269,15 @@
               </a:ext>
             </a:extLst>
           </p:cNvPr>
-          <p:cNvCxnSpPr/>
+          <p:cNvCxnSpPr>
+            <a:cxnSpLocks/>
+          </p:cNvCxnSpPr>
           <p:nvPr/>
         </p:nvCxnSpPr>
         <p:spPr>
           <a:xfrm flipV="1">
-            <a:off x="2228435" y="6339932"/>
-            <a:ext cx="0" cy="291876"/>
+            <a:off x="2228435" y="6503165"/>
+            <a:ext cx="0" cy="128643"/>
           </a:xfrm>
           <a:prstGeom prst="line">
             <a:avLst/>
@@ -11448,8 +11319,8 @@
         </p:nvCxnSpPr>
         <p:spPr>
           <a:xfrm flipV="1">
-            <a:off x="2442062" y="6341142"/>
-            <a:ext cx="0" cy="405781"/>
+            <a:off x="2442062" y="6537379"/>
+            <a:ext cx="0" cy="209545"/>
           </a:xfrm>
           <a:prstGeom prst="line">
             <a:avLst/>
@@ -11489,7 +11360,7 @@
         </p:nvSpPr>
         <p:spPr>
           <a:xfrm>
-            <a:off x="10299129" y="3094248"/>
+            <a:off x="10299129" y="2907823"/>
             <a:ext cx="1207065" cy="273425"/>
           </a:xfrm>
           <a:prstGeom prst="rect">
@@ -11545,7 +11416,7 @@
         </p:nvSpPr>
         <p:spPr>
           <a:xfrm>
-            <a:off x="9662781" y="3123065"/>
+            <a:off x="9662781" y="2936640"/>
             <a:ext cx="479833" cy="220039"/>
           </a:xfrm>
           <a:prstGeom prst="ellipse">
@@ -11607,7 +11478,7 @@
         </p:nvCxnSpPr>
         <p:spPr>
           <a:xfrm flipV="1">
-            <a:off x="10142614" y="3230961"/>
+            <a:off x="10142614" y="3044536"/>
             <a:ext cx="156515" cy="2124"/>
           </a:xfrm>
           <a:prstGeom prst="bentConnector3">
@@ -11653,7 +11524,7 @@
         </p:nvCxnSpPr>
         <p:spPr>
           <a:xfrm flipV="1">
-            <a:off x="11506194" y="3187090"/>
+            <a:off x="11506194" y="3000665"/>
             <a:ext cx="229670" cy="1"/>
           </a:xfrm>
           <a:prstGeom prst="line">
@@ -11696,7 +11567,7 @@
         </p:nvCxnSpPr>
         <p:spPr>
           <a:xfrm flipV="1">
-            <a:off x="11506194" y="3284505"/>
+            <a:off x="11506194" y="3098080"/>
             <a:ext cx="496009" cy="2"/>
           </a:xfrm>
           <a:prstGeom prst="line">
@@ -11737,7 +11608,7 @@
         </p:nvSpPr>
         <p:spPr>
           <a:xfrm>
-            <a:off x="10320911" y="3442592"/>
+            <a:off x="10320911" y="3256167"/>
             <a:ext cx="1207065" cy="273425"/>
           </a:xfrm>
           <a:prstGeom prst="rect">
@@ -11789,7 +11660,7 @@
         </p:nvSpPr>
         <p:spPr>
           <a:xfrm>
-            <a:off x="9684563" y="3471409"/>
+            <a:off x="9684563" y="3284984"/>
             <a:ext cx="479833" cy="220039"/>
           </a:xfrm>
           <a:prstGeom prst="ellipse">
@@ -11851,7 +11722,7 @@
         </p:nvCxnSpPr>
         <p:spPr>
           <a:xfrm flipV="1">
-            <a:off x="10164396" y="3579305"/>
+            <a:off x="10164396" y="3392880"/>
             <a:ext cx="156515" cy="2124"/>
           </a:xfrm>
           <a:prstGeom prst="bentConnector3">
@@ -11897,7 +11768,7 @@
         </p:nvCxnSpPr>
         <p:spPr>
           <a:xfrm flipV="1">
-            <a:off x="11527976" y="3529084"/>
+            <a:off x="11527976" y="3342659"/>
             <a:ext cx="229670" cy="1"/>
           </a:xfrm>
           <a:prstGeom prst="line">
@@ -11940,7 +11811,7 @@
         </p:nvCxnSpPr>
         <p:spPr>
           <a:xfrm flipV="1">
-            <a:off x="11527976" y="3621962"/>
+            <a:off x="11527976" y="3435537"/>
             <a:ext cx="466151" cy="10889"/>
           </a:xfrm>
           <a:prstGeom prst="line">
@@ -12063,7 +11934,7 @@
         </p:nvSpPr>
         <p:spPr>
           <a:xfrm>
-            <a:off x="9372846" y="4216939"/>
+            <a:off x="9372846" y="4350109"/>
             <a:ext cx="294784" cy="646331"/>
           </a:xfrm>
           <a:prstGeom prst="rect">
@@ -12104,7 +11975,7 @@
         </p:nvSpPr>
         <p:spPr>
           <a:xfrm>
-            <a:off x="10299129" y="4069636"/>
+            <a:off x="10299129" y="4149538"/>
             <a:ext cx="1207065" cy="273425"/>
           </a:xfrm>
           <a:prstGeom prst="rect">
@@ -12160,7 +12031,7 @@
         </p:nvSpPr>
         <p:spPr>
           <a:xfrm>
-            <a:off x="9662781" y="4106920"/>
+            <a:off x="9662781" y="4186822"/>
             <a:ext cx="479833" cy="220039"/>
           </a:xfrm>
           <a:prstGeom prst="ellipse">
@@ -12222,7 +12093,7 @@
         </p:nvCxnSpPr>
         <p:spPr>
           <a:xfrm flipV="1">
-            <a:off x="10142614" y="4206349"/>
+            <a:off x="10142614" y="4286251"/>
             <a:ext cx="156515" cy="10591"/>
           </a:xfrm>
           <a:prstGeom prst="bentConnector3">
@@ -12268,7 +12139,7 @@
         </p:nvCxnSpPr>
         <p:spPr>
           <a:xfrm flipV="1">
-            <a:off x="11506194" y="4168826"/>
+            <a:off x="11506194" y="4248728"/>
             <a:ext cx="229670" cy="1"/>
           </a:xfrm>
           <a:prstGeom prst="line">
@@ -12311,7 +12182,7 @@
         </p:nvCxnSpPr>
         <p:spPr>
           <a:xfrm flipV="1">
-            <a:off x="11506194" y="4266241"/>
+            <a:off x="11506194" y="4346143"/>
             <a:ext cx="496009" cy="2"/>
           </a:xfrm>
           <a:prstGeom prst="line">
@@ -12352,7 +12223,7 @@
         </p:nvSpPr>
         <p:spPr>
           <a:xfrm>
-            <a:off x="10299129" y="4372053"/>
+            <a:off x="10299129" y="4451955"/>
             <a:ext cx="1207065" cy="273425"/>
           </a:xfrm>
           <a:prstGeom prst="rect">
@@ -12408,7 +12279,7 @@
         </p:nvSpPr>
         <p:spPr>
           <a:xfrm>
-            <a:off x="9662781" y="4400870"/>
+            <a:off x="9662781" y="4480772"/>
             <a:ext cx="479833" cy="220039"/>
           </a:xfrm>
           <a:prstGeom prst="ellipse">
@@ -12470,7 +12341,7 @@
         </p:nvCxnSpPr>
         <p:spPr>
           <a:xfrm flipV="1">
-            <a:off x="10142614" y="4508766"/>
+            <a:off x="10142614" y="4588668"/>
             <a:ext cx="156515" cy="2124"/>
           </a:xfrm>
           <a:prstGeom prst="bentConnector3">
@@ -12516,7 +12387,7 @@
         </p:nvCxnSpPr>
         <p:spPr>
           <a:xfrm flipV="1">
-            <a:off x="11506194" y="4458545"/>
+            <a:off x="11506194" y="4538447"/>
             <a:ext cx="229670" cy="1"/>
           </a:xfrm>
           <a:prstGeom prst="line">
@@ -12559,7 +12430,7 @@
         </p:nvCxnSpPr>
         <p:spPr>
           <a:xfrm flipV="1">
-            <a:off x="11506194" y="4562310"/>
+            <a:off x="11506194" y="4642212"/>
             <a:ext cx="496009" cy="2"/>
           </a:xfrm>
           <a:prstGeom prst="line">
@@ -12600,7 +12471,7 @@
         </p:nvSpPr>
         <p:spPr>
           <a:xfrm>
-            <a:off x="10291053" y="4699504"/>
+            <a:off x="10291053" y="4779406"/>
             <a:ext cx="1207065" cy="273425"/>
           </a:xfrm>
           <a:prstGeom prst="rect">
@@ -12647,7 +12518,7 @@
         </p:nvSpPr>
         <p:spPr>
           <a:xfrm>
-            <a:off x="9654705" y="4728321"/>
+            <a:off x="9654705" y="4808223"/>
             <a:ext cx="479833" cy="220039"/>
           </a:xfrm>
           <a:prstGeom prst="ellipse">
@@ -12709,7 +12580,7 @@
         </p:nvCxnSpPr>
         <p:spPr>
           <a:xfrm flipV="1">
-            <a:off x="10134538" y="4836217"/>
+            <a:off x="10134538" y="4916119"/>
             <a:ext cx="156515" cy="2124"/>
           </a:xfrm>
           <a:prstGeom prst="bentConnector3">
@@ -12755,7 +12626,7 @@
         </p:nvCxnSpPr>
         <p:spPr>
           <a:xfrm flipV="1">
-            <a:off x="11498118" y="4830446"/>
+            <a:off x="11498118" y="4910348"/>
             <a:ext cx="229670" cy="1"/>
           </a:xfrm>
           <a:prstGeom prst="line">
@@ -12798,7 +12669,7 @@
         </p:nvCxnSpPr>
         <p:spPr>
           <a:xfrm flipV="1">
-            <a:off x="11498118" y="4927861"/>
+            <a:off x="11498118" y="5007763"/>
             <a:ext cx="496009" cy="2"/>
           </a:xfrm>
           <a:prstGeom prst="line">
@@ -12839,7 +12710,7 @@
         </p:nvSpPr>
         <p:spPr>
           <a:xfrm>
-            <a:off x="10316926" y="3761845"/>
+            <a:off x="10316926" y="3575420"/>
             <a:ext cx="1207065" cy="273425"/>
           </a:xfrm>
           <a:prstGeom prst="rect">
@@ -12895,7 +12766,7 @@
         </p:nvSpPr>
         <p:spPr>
           <a:xfrm>
-            <a:off x="9680578" y="3790662"/>
+            <a:off x="9680578" y="3604237"/>
             <a:ext cx="479833" cy="220039"/>
           </a:xfrm>
           <a:prstGeom prst="ellipse">
@@ -12957,7 +12828,7 @@
         </p:nvCxnSpPr>
         <p:spPr>
           <a:xfrm flipV="1">
-            <a:off x="10160411" y="3898558"/>
+            <a:off x="10160411" y="3712133"/>
             <a:ext cx="156515" cy="2124"/>
           </a:xfrm>
           <a:prstGeom prst="bentConnector3">
@@ -13003,7 +12874,7 @@
         </p:nvCxnSpPr>
         <p:spPr>
           <a:xfrm flipV="1">
-            <a:off x="11523991" y="3854687"/>
+            <a:off x="11523991" y="3668262"/>
             <a:ext cx="229670" cy="1"/>
           </a:xfrm>
           <a:prstGeom prst="line">
@@ -13046,7 +12917,7 @@
         </p:nvCxnSpPr>
         <p:spPr>
           <a:xfrm>
-            <a:off x="11523991" y="3952104"/>
+            <a:off x="11523991" y="3765679"/>
             <a:ext cx="478212" cy="3940"/>
           </a:xfrm>
           <a:prstGeom prst="line">
@@ -13090,7 +12961,7 @@
         </p:nvCxnSpPr>
         <p:spPr>
           <a:xfrm>
-            <a:off x="4935920" y="1323370"/>
+            <a:off x="4935920" y="1110302"/>
             <a:ext cx="1" cy="523424"/>
           </a:xfrm>
           <a:prstGeom prst="straightConnector1">
@@ -13135,7 +13006,7 @@
         </p:nvSpPr>
         <p:spPr>
           <a:xfrm>
-            <a:off x="4218695" y="2129339"/>
+            <a:off x="4218695" y="1916271"/>
             <a:ext cx="880291" cy="276999"/>
           </a:xfrm>
           <a:prstGeom prst="rect">
@@ -13176,7 +13047,7 @@
         </p:nvSpPr>
         <p:spPr>
           <a:xfrm>
-            <a:off x="4690516" y="1846794"/>
+            <a:off x="4690516" y="1633726"/>
             <a:ext cx="490809" cy="286308"/>
           </a:xfrm>
           <a:prstGeom prst="ellipse">
@@ -13245,7 +13116,7 @@
         </p:nvSpPr>
         <p:spPr>
           <a:xfrm>
-            <a:off x="4155090" y="1840261"/>
+            <a:off x="4155090" y="1627193"/>
             <a:ext cx="490809" cy="286308"/>
           </a:xfrm>
           <a:prstGeom prst="ellipse">
@@ -13316,7 +13187,7 @@
         </p:nvCxnSpPr>
         <p:spPr>
           <a:xfrm flipH="1">
-            <a:off x="4402687" y="1328843"/>
+            <a:off x="4402687" y="1115775"/>
             <a:ext cx="5765" cy="492554"/>
           </a:xfrm>
           <a:prstGeom prst="straightConnector1">
@@ -13361,7 +13232,7 @@
         </p:nvSpPr>
         <p:spPr>
           <a:xfrm>
-            <a:off x="4063090" y="952065"/>
+            <a:off x="4063090" y="738997"/>
             <a:ext cx="1331202" cy="390849"/>
           </a:xfrm>
           <a:prstGeom prst="rect">
@@ -13424,7 +13295,7 @@
         </p:nvSpPr>
         <p:spPr>
           <a:xfrm>
-            <a:off x="3312968" y="5435785"/>
+            <a:off x="3312968" y="5604461"/>
             <a:ext cx="479833" cy="220039"/>
           </a:xfrm>
           <a:prstGeom prst="ellipse">
@@ -13482,7 +13353,7 @@
         </p:nvSpPr>
         <p:spPr>
           <a:xfrm>
-            <a:off x="3055470" y="5936242"/>
+            <a:off x="3055470" y="6104918"/>
             <a:ext cx="955048" cy="390849"/>
           </a:xfrm>
           <a:prstGeom prst="rect">
@@ -13535,7 +13406,7 @@
         </p:nvCxnSpPr>
         <p:spPr>
           <a:xfrm>
-            <a:off x="3554243" y="5666710"/>
+            <a:off x="3554243" y="5835386"/>
             <a:ext cx="0" cy="269532"/>
           </a:xfrm>
           <a:prstGeom prst="straightConnector1">
@@ -13582,8 +13453,8 @@
         </p:nvCxnSpPr>
         <p:spPr>
           <a:xfrm flipV="1">
-            <a:off x="3669640" y="6324595"/>
-            <a:ext cx="0" cy="405781"/>
+            <a:off x="3669640" y="6495767"/>
+            <a:ext cx="0" cy="234610"/>
           </a:xfrm>
           <a:prstGeom prst="line">
             <a:avLst/>
@@ -13618,13 +13489,15 @@
               </a:ext>
             </a:extLst>
           </p:cNvPr>
-          <p:cNvCxnSpPr/>
+          <p:cNvCxnSpPr>
+            <a:cxnSpLocks/>
+          </p:cNvCxnSpPr>
           <p:nvPr/>
         </p:nvCxnSpPr>
         <p:spPr>
           <a:xfrm flipV="1">
-            <a:off x="3477155" y="6341142"/>
-            <a:ext cx="0" cy="291876"/>
+            <a:off x="3477155" y="6503165"/>
+            <a:ext cx="0" cy="129853"/>
           </a:xfrm>
           <a:prstGeom prst="line">
             <a:avLst/>
@@ -13689,6 +13562,246 @@
           </a:p>
         </p:txBody>
       </p:sp>
+      <p:sp>
+        <p:nvSpPr>
+          <p:cNvPr id="173" name="Rectangle 172">
+            <a:extLst>
+              <a:ext uri="{FF2B5EF4-FFF2-40B4-BE49-F238E27FC236}">
+                <a16:creationId xmlns:a16="http://schemas.microsoft.com/office/drawing/2014/main" id="{00E3B060-22D5-44DE-99AD-4242E6589F3B}"/>
+              </a:ext>
+            </a:extLst>
+          </p:cNvPr>
+          <p:cNvSpPr/>
+          <p:nvPr/>
+        </p:nvSpPr>
+        <p:spPr>
+          <a:xfrm>
+            <a:off x="10309524" y="3860990"/>
+            <a:ext cx="1207065" cy="273425"/>
+          </a:xfrm>
+          <a:prstGeom prst="rect">
+            <a:avLst/>
+          </a:prstGeom>
+        </p:spPr>
+        <p:style>
+          <a:lnRef idx="1">
+            <a:schemeClr val="accent4"/>
+          </a:lnRef>
+          <a:fillRef idx="2">
+            <a:schemeClr val="accent4"/>
+          </a:fillRef>
+          <a:effectRef idx="1">
+            <a:schemeClr val="accent4"/>
+          </a:effectRef>
+          <a:fontRef idx="minor">
+            <a:schemeClr val="dk1"/>
+          </a:fontRef>
+        </p:style>
+        <p:txBody>
+          <a:bodyPr rtlCol="0" anchor="t"/>
+          <a:lstStyle/>
+          <a:p>
+            <a:pPr algn="ctr"/>
+            <a:r>
+              <a:rPr lang="fr-FR" sz="1200" dirty="0"/>
+              <a:t>°C &amp; %H DHT22</a:t>
+            </a:r>
+            <a:endParaRPr lang="fr-FR" dirty="0"/>
+          </a:p>
+        </p:txBody>
+      </p:sp>
+      <p:sp>
+        <p:nvSpPr>
+          <p:cNvPr id="178" name="Ellipse 177">
+            <a:extLst>
+              <a:ext uri="{FF2B5EF4-FFF2-40B4-BE49-F238E27FC236}">
+                <a16:creationId xmlns:a16="http://schemas.microsoft.com/office/drawing/2014/main" id="{17AFDD0D-9766-4D19-844B-8EBE8BD06F8F}"/>
+              </a:ext>
+            </a:extLst>
+          </p:cNvPr>
+          <p:cNvSpPr/>
+          <p:nvPr/>
+        </p:nvSpPr>
+        <p:spPr>
+          <a:xfrm>
+            <a:off x="9673176" y="3889807"/>
+            <a:ext cx="479833" cy="220039"/>
+          </a:xfrm>
+          <a:prstGeom prst="ellipse">
+            <a:avLst/>
+          </a:prstGeom>
+          <a:solidFill>
+            <a:schemeClr val="bg2">
+              <a:lumMod val="90000"/>
+            </a:schemeClr>
+          </a:solidFill>
+        </p:spPr>
+        <p:style>
+          <a:lnRef idx="2">
+            <a:schemeClr val="accent1">
+              <a:shade val="50000"/>
+            </a:schemeClr>
+          </a:lnRef>
+          <a:fillRef idx="1">
+            <a:schemeClr val="accent1"/>
+          </a:fillRef>
+          <a:effectRef idx="0">
+            <a:schemeClr val="accent1"/>
+          </a:effectRef>
+          <a:fontRef idx="minor">
+            <a:schemeClr val="lt1"/>
+          </a:fontRef>
+        </p:style>
+        <p:txBody>
+          <a:bodyPr rtlCol="0" anchor="ctr"/>
+          <a:lstStyle/>
+          <a:p>
+            <a:pPr algn="ctr"/>
+            <a:r>
+              <a:rPr lang="fr-FR" sz="900" dirty="0">
+                <a:solidFill>
+                  <a:schemeClr val="tx1"/>
+                </a:solidFill>
+              </a:rPr>
+              <a:t>29</a:t>
+            </a:r>
+          </a:p>
+        </p:txBody>
+      </p:sp>
+      <p:cxnSp>
+        <p:nvCxnSpPr>
+          <p:cNvPr id="179" name="Connecteur : en angle 178">
+            <a:extLst>
+              <a:ext uri="{FF2B5EF4-FFF2-40B4-BE49-F238E27FC236}">
+                <a16:creationId xmlns:a16="http://schemas.microsoft.com/office/drawing/2014/main" id="{DD7498D2-2A01-408D-8300-4D83530BF18D}"/>
+              </a:ext>
+            </a:extLst>
+          </p:cNvPr>
+          <p:cNvCxnSpPr>
+            <a:cxnSpLocks/>
+            <a:stCxn id="178" idx="6"/>
+            <a:endCxn id="173" idx="1"/>
+          </p:cNvCxnSpPr>
+          <p:nvPr/>
+        </p:nvCxnSpPr>
+        <p:spPr>
+          <a:xfrm flipV="1">
+            <a:off x="10153009" y="3997703"/>
+            <a:ext cx="156515" cy="2124"/>
+          </a:xfrm>
+          <a:prstGeom prst="bentConnector3">
+            <a:avLst>
+              <a:gd name="adj1" fmla="val 50000"/>
+            </a:avLst>
+          </a:prstGeom>
+          <a:ln w="19050">
+            <a:solidFill>
+              <a:schemeClr val="tx1"/>
+            </a:solidFill>
+            <a:tailEnd type="triangle"/>
+          </a:ln>
+        </p:spPr>
+        <p:style>
+          <a:lnRef idx="1">
+            <a:schemeClr val="accent1"/>
+          </a:lnRef>
+          <a:fillRef idx="0">
+            <a:schemeClr val="accent1"/>
+          </a:fillRef>
+          <a:effectRef idx="0">
+            <a:schemeClr val="accent1"/>
+          </a:effectRef>
+          <a:fontRef idx="minor">
+            <a:schemeClr val="tx1"/>
+          </a:fontRef>
+        </p:style>
+      </p:cxnSp>
+      <p:cxnSp>
+        <p:nvCxnSpPr>
+          <p:cNvPr id="182" name="Connecteur droit 181">
+            <a:extLst>
+              <a:ext uri="{FF2B5EF4-FFF2-40B4-BE49-F238E27FC236}">
+                <a16:creationId xmlns:a16="http://schemas.microsoft.com/office/drawing/2014/main" id="{9993923D-F2CC-4064-84C3-2FC49326B4BB}"/>
+              </a:ext>
+            </a:extLst>
+          </p:cNvPr>
+          <p:cNvCxnSpPr>
+            <a:cxnSpLocks/>
+          </p:cNvCxnSpPr>
+          <p:nvPr/>
+        </p:nvCxnSpPr>
+        <p:spPr>
+          <a:xfrm flipV="1">
+            <a:off x="11516589" y="3953832"/>
+            <a:ext cx="229670" cy="1"/>
+          </a:xfrm>
+          <a:prstGeom prst="line">
+            <a:avLst/>
+          </a:prstGeom>
+          <a:ln w="19050">
+            <a:solidFill>
+              <a:schemeClr val="tx1"/>
+            </a:solidFill>
+          </a:ln>
+        </p:spPr>
+        <p:style>
+          <a:lnRef idx="1">
+            <a:schemeClr val="accent1"/>
+          </a:lnRef>
+          <a:fillRef idx="0">
+            <a:schemeClr val="accent1"/>
+          </a:fillRef>
+          <a:effectRef idx="0">
+            <a:schemeClr val="accent1"/>
+          </a:effectRef>
+          <a:fontRef idx="minor">
+            <a:schemeClr val="tx1"/>
+          </a:fontRef>
+        </p:style>
+      </p:cxnSp>
+      <p:cxnSp>
+        <p:nvCxnSpPr>
+          <p:cNvPr id="183" name="Connecteur droit 182">
+            <a:extLst>
+              <a:ext uri="{FF2B5EF4-FFF2-40B4-BE49-F238E27FC236}">
+                <a16:creationId xmlns:a16="http://schemas.microsoft.com/office/drawing/2014/main" id="{D0781954-AE7E-4115-9A2F-4CD1512055F8}"/>
+              </a:ext>
+            </a:extLst>
+          </p:cNvPr>
+          <p:cNvCxnSpPr>
+            <a:cxnSpLocks/>
+          </p:cNvCxnSpPr>
+          <p:nvPr/>
+        </p:nvCxnSpPr>
+        <p:spPr>
+          <a:xfrm>
+            <a:off x="11516589" y="4051249"/>
+            <a:ext cx="478212" cy="3940"/>
+          </a:xfrm>
+          <a:prstGeom prst="line">
+            <a:avLst/>
+          </a:prstGeom>
+          <a:ln w="19050">
+            <a:solidFill>
+              <a:srgbClr val="FF0000"/>
+            </a:solidFill>
+          </a:ln>
+        </p:spPr>
+        <p:style>
+          <a:lnRef idx="1">
+            <a:schemeClr val="accent1"/>
+          </a:lnRef>
+          <a:fillRef idx="0">
+            <a:schemeClr val="accent1"/>
+          </a:fillRef>
+          <a:effectRef idx="0">
+            <a:schemeClr val="accent1"/>
+          </a:effectRef>
+          <a:fontRef idx="minor">
+            <a:schemeClr val="tx1"/>
+          </a:fontRef>
+        </p:style>
+      </p:cxnSp>
     </p:spTree>
     <p:extLst>
       <p:ext uri="{BB962C8B-B14F-4D97-AF65-F5344CB8AC3E}">

--- a/libraries/Diagramm Robot v2.pptx
+++ b/libraries/Diagramm Robot v2.pptx
@@ -267,7 +267,7 @@
           <a:p>
             <a:fld id="{0717AEF8-1597-4679-8926-916E82E12B07}" type="datetimeFigureOut">
               <a:rPr lang="fr-FR" smtClean="0"/>
-              <a:t>31/12/2018</a:t>
+              <a:t>07/01/2019</a:t>
             </a:fld>
             <a:endParaRPr lang="fr-FR"/>
           </a:p>
@@ -465,7 +465,7 @@
           <a:p>
             <a:fld id="{0717AEF8-1597-4679-8926-916E82E12B07}" type="datetimeFigureOut">
               <a:rPr lang="fr-FR" smtClean="0"/>
-              <a:t>31/12/2018</a:t>
+              <a:t>07/01/2019</a:t>
             </a:fld>
             <a:endParaRPr lang="fr-FR"/>
           </a:p>
@@ -673,7 +673,7 @@
           <a:p>
             <a:fld id="{0717AEF8-1597-4679-8926-916E82E12B07}" type="datetimeFigureOut">
               <a:rPr lang="fr-FR" smtClean="0"/>
-              <a:t>31/12/2018</a:t>
+              <a:t>07/01/2019</a:t>
             </a:fld>
             <a:endParaRPr lang="fr-FR"/>
           </a:p>
@@ -871,7 +871,7 @@
           <a:p>
             <a:fld id="{0717AEF8-1597-4679-8926-916E82E12B07}" type="datetimeFigureOut">
               <a:rPr lang="fr-FR" smtClean="0"/>
-              <a:t>31/12/2018</a:t>
+              <a:t>07/01/2019</a:t>
             </a:fld>
             <a:endParaRPr lang="fr-FR"/>
           </a:p>
@@ -1146,7 +1146,7 @@
           <a:p>
             <a:fld id="{0717AEF8-1597-4679-8926-916E82E12B07}" type="datetimeFigureOut">
               <a:rPr lang="fr-FR" smtClean="0"/>
-              <a:t>31/12/2018</a:t>
+              <a:t>07/01/2019</a:t>
             </a:fld>
             <a:endParaRPr lang="fr-FR"/>
           </a:p>
@@ -1411,7 +1411,7 @@
           <a:p>
             <a:fld id="{0717AEF8-1597-4679-8926-916E82E12B07}" type="datetimeFigureOut">
               <a:rPr lang="fr-FR" smtClean="0"/>
-              <a:t>31/12/2018</a:t>
+              <a:t>07/01/2019</a:t>
             </a:fld>
             <a:endParaRPr lang="fr-FR"/>
           </a:p>
@@ -1823,7 +1823,7 @@
           <a:p>
             <a:fld id="{0717AEF8-1597-4679-8926-916E82E12B07}" type="datetimeFigureOut">
               <a:rPr lang="fr-FR" smtClean="0"/>
-              <a:t>31/12/2018</a:t>
+              <a:t>07/01/2019</a:t>
             </a:fld>
             <a:endParaRPr lang="fr-FR"/>
           </a:p>
@@ -1964,7 +1964,7 @@
           <a:p>
             <a:fld id="{0717AEF8-1597-4679-8926-916E82E12B07}" type="datetimeFigureOut">
               <a:rPr lang="fr-FR" smtClean="0"/>
-              <a:t>31/12/2018</a:t>
+              <a:t>07/01/2019</a:t>
             </a:fld>
             <a:endParaRPr lang="fr-FR"/>
           </a:p>
@@ -2077,7 +2077,7 @@
           <a:p>
             <a:fld id="{0717AEF8-1597-4679-8926-916E82E12B07}" type="datetimeFigureOut">
               <a:rPr lang="fr-FR" smtClean="0"/>
-              <a:t>31/12/2018</a:t>
+              <a:t>07/01/2019</a:t>
             </a:fld>
             <a:endParaRPr lang="fr-FR"/>
           </a:p>
@@ -2388,7 +2388,7 @@
           <a:p>
             <a:fld id="{0717AEF8-1597-4679-8926-916E82E12B07}" type="datetimeFigureOut">
               <a:rPr lang="fr-FR" smtClean="0"/>
-              <a:t>31/12/2018</a:t>
+              <a:t>07/01/2019</a:t>
             </a:fld>
             <a:endParaRPr lang="fr-FR"/>
           </a:p>
@@ -2676,7 +2676,7 @@
           <a:p>
             <a:fld id="{0717AEF8-1597-4679-8926-916E82E12B07}" type="datetimeFigureOut">
               <a:rPr lang="fr-FR" smtClean="0"/>
-              <a:t>31/12/2018</a:t>
+              <a:t>07/01/2019</a:t>
             </a:fld>
             <a:endParaRPr lang="fr-FR"/>
           </a:p>
@@ -2917,7 +2917,7 @@
           <a:p>
             <a:fld id="{0717AEF8-1597-4679-8926-916E82E12B07}" type="datetimeFigureOut">
               <a:rPr lang="fr-FR" smtClean="0"/>
-              <a:t>31/12/2018</a:t>
+              <a:t>07/01/2019</a:t>
             </a:fld>
             <a:endParaRPr lang="fr-FR"/>
           </a:p>
@@ -6166,7 +6166,7 @@
         </p:nvSpPr>
         <p:spPr>
           <a:xfrm>
-            <a:off x="186346" y="1916126"/>
+            <a:off x="215730" y="1916126"/>
             <a:ext cx="9453251" cy="3972742"/>
           </a:xfrm>
           <a:prstGeom prst="rect">
@@ -6248,48 +6248,6 @@
           </a:fontRef>
         </p:style>
       </p:cxnSp>
-      <p:sp>
-        <p:nvSpPr>
-          <p:cNvPr id="14" name="ZoneTexte 13">
-            <a:extLst>
-              <a:ext uri="{FF2B5EF4-FFF2-40B4-BE49-F238E27FC236}">
-                <a16:creationId xmlns:a16="http://schemas.microsoft.com/office/drawing/2014/main" id="{360EDDEA-2E66-401D-B69B-3B598E604E73}"/>
-              </a:ext>
-            </a:extLst>
-          </p:cNvPr>
-          <p:cNvSpPr txBox="1"/>
-          <p:nvPr/>
-        </p:nvSpPr>
-        <p:spPr>
-          <a:xfrm>
-            <a:off x="7745978" y="783237"/>
-            <a:ext cx="928972" cy="338554"/>
-          </a:xfrm>
-          <a:prstGeom prst="rect">
-            <a:avLst/>
-          </a:prstGeom>
-          <a:noFill/>
-        </p:spPr>
-        <p:txBody>
-          <a:bodyPr wrap="square" rtlCol="0">
-            <a:spAutoFit/>
-          </a:bodyPr>
-          <a:lstStyle/>
-          <a:p>
-            <a:r>
-              <a:rPr lang="fr-FR" sz="800" dirty="0" err="1"/>
-              <a:t>Address</a:t>
-            </a:r>
-            <a:endParaRPr lang="fr-FR" sz="800" dirty="0"/>
-          </a:p>
-          <a:p>
-            <a:r>
-              <a:rPr lang="fr-FR" sz="800" dirty="0"/>
-              <a:t>0x60 </a:t>
-            </a:r>
-          </a:p>
-        </p:txBody>
-      </p:sp>
       <p:cxnSp>
         <p:nvCxnSpPr>
           <p:cNvPr id="16" name="Connecteur droit avec flèche 15">
@@ -7706,21 +7664,6 @@
           <a:lstStyle/>
           <a:p>
             <a:pPr algn="ctr"/>
-            <a:r>
-              <a:rPr lang="fr-FR" sz="1200" dirty="0" err="1"/>
-              <a:t>Brightness</a:t>
-            </a:r>
-            <a:endParaRPr lang="fr-FR" sz="1200" dirty="0"/>
-          </a:p>
-          <a:p>
-            <a:pPr algn="ctr"/>
-            <a:r>
-              <a:rPr lang="fr-FR" sz="1200" dirty="0"/>
-              <a:t>TEMT6000</a:t>
-            </a:r>
-          </a:p>
-          <a:p>
-            <a:pPr algn="ctr"/>
             <a:endParaRPr lang="fr-FR" dirty="0"/>
           </a:p>
         </p:txBody>
@@ -8085,7 +8028,18 @@
           <a:lstStyle/>
           <a:p>
             <a:pPr algn="ctr"/>
+            <a:r>
+              <a:rPr lang="fr-FR" sz="1200" dirty="0" err="1"/>
+              <a:t>ToF</a:t>
+            </a:r>
             <a:endParaRPr lang="fr-FR" sz="1200" dirty="0"/>
+          </a:p>
+          <a:p>
+            <a:pPr algn="ctr"/>
+            <a:r>
+              <a:rPr lang="fr-FR" sz="1200" dirty="0"/>
+              <a:t>VL530LX</a:t>
+            </a:r>
           </a:p>
         </p:txBody>
       </p:sp>
@@ -8129,20 +8083,6 @@
           <a:lstStyle/>
           <a:p>
             <a:pPr algn="ctr"/>
-            <a:r>
-              <a:rPr lang="fr-FR" sz="1200" dirty="0"/>
-              <a:t>Compass</a:t>
-            </a:r>
-          </a:p>
-          <a:p>
-            <a:pPr algn="ctr"/>
-            <a:r>
-              <a:rPr lang="fr-FR" sz="1200" dirty="0"/>
-              <a:t>CMPS03</a:t>
-            </a:r>
-          </a:p>
-          <a:p>
-            <a:pPr algn="ctr"/>
             <a:endParaRPr lang="fr-FR" dirty="0"/>
           </a:p>
           <a:p>
@@ -8188,7 +8128,7 @@
           <a:p>
             <a:r>
               <a:rPr lang="fr-FR" sz="800" dirty="0"/>
-              <a:t>0x48 </a:t>
+              <a:t>0x29 </a:t>
             </a:r>
           </a:p>
         </p:txBody>
@@ -8675,6 +8615,13 @@
           <a:p>
             <a:pPr algn="ctr"/>
             <a:r>
+              <a:rPr lang="fr-FR" sz="1200" dirty="0"/>
+              <a:t>LCD</a:t>
+            </a:r>
+          </a:p>
+          <a:p>
+            <a:pPr algn="ctr"/>
+            <a:r>
               <a:rPr lang="fr-FR" sz="1200" dirty="0" err="1"/>
               <a:t>LiquidCrystal</a:t>
             </a:r>
@@ -9231,7 +9178,7 @@
                   <a:schemeClr val="tx1"/>
                 </a:solidFill>
               </a:rPr>
-              <a:t>8</a:t>
+              <a:t>10</a:t>
             </a:r>
           </a:p>
         </p:txBody>
@@ -10819,12 +10766,12 @@
         </p:nvCxnSpPr>
         <p:spPr>
           <a:xfrm flipV="1">
-            <a:off x="10142620" y="2494011"/>
+            <a:off x="10148797" y="2707078"/>
             <a:ext cx="156515" cy="2124"/>
           </a:xfrm>
           <a:prstGeom prst="bentConnector3">
             <a:avLst>
-              <a:gd name="adj1" fmla="val 50000"/>
+              <a:gd name="adj1" fmla="val 72130"/>
             </a:avLst>
           </a:prstGeom>
           <a:ln w="19050">
@@ -13379,13 +13326,6 @@
           <a:lstStyle/>
           <a:p>
             <a:pPr algn="ctr"/>
-            <a:r>
-              <a:rPr lang="fr-FR" sz="1200" dirty="0"/>
-              <a:t>Sound Detector</a:t>
-            </a:r>
-          </a:p>
-          <a:p>
-            <a:pPr algn="ctr"/>
             <a:endParaRPr lang="fr-FR" dirty="0"/>
           </a:p>
         </p:txBody>
@@ -13663,7 +13603,7 @@
                   <a:schemeClr val="tx1"/>
                 </a:solidFill>
               </a:rPr>
-              <a:t>29</a:t>
+              <a:t>34</a:t>
             </a:r>
           </a:p>
         </p:txBody>
@@ -13802,6 +13742,492 @@
           </a:fontRef>
         </p:style>
       </p:cxnSp>
+      <p:sp>
+        <p:nvSpPr>
+          <p:cNvPr id="185" name="ZoneTexte 184">
+            <a:extLst>
+              <a:ext uri="{FF2B5EF4-FFF2-40B4-BE49-F238E27FC236}">
+                <a16:creationId xmlns:a16="http://schemas.microsoft.com/office/drawing/2014/main" id="{62CA3368-DB00-4BDF-9964-BC8FCF6751B4}"/>
+              </a:ext>
+            </a:extLst>
+          </p:cNvPr>
+          <p:cNvSpPr txBox="1"/>
+          <p:nvPr/>
+        </p:nvSpPr>
+        <p:spPr>
+          <a:xfrm>
+            <a:off x="10212689" y="1700340"/>
+            <a:ext cx="590765" cy="246221"/>
+          </a:xfrm>
+          <a:prstGeom prst="rect">
+            <a:avLst/>
+          </a:prstGeom>
+          <a:noFill/>
+        </p:spPr>
+        <p:txBody>
+          <a:bodyPr wrap="square" rtlCol="0">
+            <a:spAutoFit/>
+          </a:bodyPr>
+          <a:lstStyle/>
+          <a:p>
+            <a:r>
+              <a:rPr lang="fr-FR" sz="1000" dirty="0"/>
+              <a:t>220 Ω</a:t>
+            </a:r>
+          </a:p>
+        </p:txBody>
+      </p:sp>
+      <p:sp>
+        <p:nvSpPr>
+          <p:cNvPr id="186" name="ZoneTexte 185">
+            <a:extLst>
+              <a:ext uri="{FF2B5EF4-FFF2-40B4-BE49-F238E27FC236}">
+                <a16:creationId xmlns:a16="http://schemas.microsoft.com/office/drawing/2014/main" id="{62BBF7AB-2F2C-44A2-84A6-9B429C441613}"/>
+              </a:ext>
+            </a:extLst>
+          </p:cNvPr>
+          <p:cNvSpPr txBox="1"/>
+          <p:nvPr/>
+        </p:nvSpPr>
+        <p:spPr>
+          <a:xfrm>
+            <a:off x="10193003" y="1941080"/>
+            <a:ext cx="590765" cy="246221"/>
+          </a:xfrm>
+          <a:prstGeom prst="rect">
+            <a:avLst/>
+          </a:prstGeom>
+          <a:noFill/>
+        </p:spPr>
+        <p:txBody>
+          <a:bodyPr wrap="square" rtlCol="0">
+            <a:spAutoFit/>
+          </a:bodyPr>
+          <a:lstStyle/>
+          <a:p>
+            <a:r>
+              <a:rPr lang="fr-FR" sz="1000" dirty="0"/>
+              <a:t>220 Ω</a:t>
+            </a:r>
+          </a:p>
+        </p:txBody>
+      </p:sp>
+      <p:sp>
+        <p:nvSpPr>
+          <p:cNvPr id="189" name="ZoneTexte 188">
+            <a:extLst>
+              <a:ext uri="{FF2B5EF4-FFF2-40B4-BE49-F238E27FC236}">
+                <a16:creationId xmlns:a16="http://schemas.microsoft.com/office/drawing/2014/main" id="{AF3EC4F1-2834-4931-93A6-EF98CFDC303C}"/>
+              </a:ext>
+            </a:extLst>
+          </p:cNvPr>
+          <p:cNvSpPr txBox="1"/>
+          <p:nvPr/>
+        </p:nvSpPr>
+        <p:spPr>
+          <a:xfrm>
+            <a:off x="10208589" y="2216776"/>
+            <a:ext cx="590765" cy="246221"/>
+          </a:xfrm>
+          <a:prstGeom prst="rect">
+            <a:avLst/>
+          </a:prstGeom>
+          <a:noFill/>
+        </p:spPr>
+        <p:txBody>
+          <a:bodyPr wrap="square" rtlCol="0">
+            <a:spAutoFit/>
+          </a:bodyPr>
+          <a:lstStyle/>
+          <a:p>
+            <a:r>
+              <a:rPr lang="fr-FR" sz="1000" dirty="0"/>
+              <a:t>220 Ω</a:t>
+            </a:r>
+          </a:p>
+        </p:txBody>
+      </p:sp>
+      <p:sp>
+        <p:nvSpPr>
+          <p:cNvPr id="190" name="Ellipse 189">
+            <a:extLst>
+              <a:ext uri="{FF2B5EF4-FFF2-40B4-BE49-F238E27FC236}">
+                <a16:creationId xmlns:a16="http://schemas.microsoft.com/office/drawing/2014/main" id="{7CB799CF-F9B6-4A8A-99A5-62031BA23683}"/>
+              </a:ext>
+            </a:extLst>
+          </p:cNvPr>
+          <p:cNvSpPr/>
+          <p:nvPr/>
+        </p:nvSpPr>
+        <p:spPr>
+          <a:xfrm>
+            <a:off x="4094562" y="5614835"/>
+            <a:ext cx="479833" cy="220039"/>
+          </a:xfrm>
+          <a:prstGeom prst="ellipse">
+            <a:avLst/>
+          </a:prstGeom>
+          <a:solidFill>
+            <a:schemeClr val="bg2">
+              <a:lumMod val="90000"/>
+            </a:schemeClr>
+          </a:solidFill>
+        </p:spPr>
+        <p:style>
+          <a:lnRef idx="2">
+            <a:schemeClr val="accent1">
+              <a:shade val="50000"/>
+            </a:schemeClr>
+          </a:lnRef>
+          <a:fillRef idx="1">
+            <a:schemeClr val="accent1"/>
+          </a:fillRef>
+          <a:effectRef idx="0">
+            <a:schemeClr val="accent1"/>
+          </a:effectRef>
+          <a:fontRef idx="minor">
+            <a:schemeClr val="lt1"/>
+          </a:fontRef>
+        </p:style>
+        <p:txBody>
+          <a:bodyPr rtlCol="0" anchor="ctr"/>
+          <a:lstStyle/>
+          <a:p>
+            <a:pPr algn="ctr"/>
+            <a:r>
+              <a:rPr lang="fr-FR" sz="900" dirty="0">
+                <a:solidFill>
+                  <a:schemeClr val="tx1"/>
+                </a:solidFill>
+              </a:rPr>
+              <a:t>A4</a:t>
+            </a:r>
+          </a:p>
+        </p:txBody>
+      </p:sp>
+      <p:sp>
+        <p:nvSpPr>
+          <p:cNvPr id="191" name="Ellipse 190">
+            <a:extLst>
+              <a:ext uri="{FF2B5EF4-FFF2-40B4-BE49-F238E27FC236}">
+                <a16:creationId xmlns:a16="http://schemas.microsoft.com/office/drawing/2014/main" id="{8EDDAE58-BEDF-44AE-BA4E-BE96BE126CF9}"/>
+              </a:ext>
+            </a:extLst>
+          </p:cNvPr>
+          <p:cNvSpPr/>
+          <p:nvPr/>
+        </p:nvSpPr>
+        <p:spPr>
+          <a:xfrm>
+            <a:off x="4728691" y="5614204"/>
+            <a:ext cx="479833" cy="220039"/>
+          </a:xfrm>
+          <a:prstGeom prst="ellipse">
+            <a:avLst/>
+          </a:prstGeom>
+          <a:solidFill>
+            <a:schemeClr val="bg2">
+              <a:lumMod val="90000"/>
+            </a:schemeClr>
+          </a:solidFill>
+        </p:spPr>
+        <p:style>
+          <a:lnRef idx="2">
+            <a:schemeClr val="accent1">
+              <a:shade val="50000"/>
+            </a:schemeClr>
+          </a:lnRef>
+          <a:fillRef idx="1">
+            <a:schemeClr val="accent1"/>
+          </a:fillRef>
+          <a:effectRef idx="0">
+            <a:schemeClr val="accent1"/>
+          </a:effectRef>
+          <a:fontRef idx="minor">
+            <a:schemeClr val="lt1"/>
+          </a:fontRef>
+        </p:style>
+        <p:txBody>
+          <a:bodyPr rtlCol="0" anchor="ctr"/>
+          <a:lstStyle/>
+          <a:p>
+            <a:pPr algn="ctr"/>
+            <a:r>
+              <a:rPr lang="fr-FR" sz="900" dirty="0">
+                <a:solidFill>
+                  <a:schemeClr val="tx1"/>
+                </a:solidFill>
+              </a:rPr>
+              <a:t>A5</a:t>
+            </a:r>
+          </a:p>
+        </p:txBody>
+      </p:sp>
+      <p:cxnSp>
+        <p:nvCxnSpPr>
+          <p:cNvPr id="194" name="Connecteur droit avec flèche 193">
+            <a:extLst>
+              <a:ext uri="{FF2B5EF4-FFF2-40B4-BE49-F238E27FC236}">
+                <a16:creationId xmlns:a16="http://schemas.microsoft.com/office/drawing/2014/main" id="{B84946B0-A863-470B-916B-8F7E26EAD3BC}"/>
+              </a:ext>
+            </a:extLst>
+          </p:cNvPr>
+          <p:cNvCxnSpPr>
+            <a:cxnSpLocks/>
+            <a:endCxn id="191" idx="0"/>
+          </p:cNvCxnSpPr>
+          <p:nvPr/>
+        </p:nvCxnSpPr>
+        <p:spPr>
+          <a:xfrm>
+            <a:off x="4968515" y="4520843"/>
+            <a:ext cx="93" cy="1093361"/>
+          </a:xfrm>
+          <a:prstGeom prst="straightConnector1">
+            <a:avLst/>
+          </a:prstGeom>
+          <a:ln w="38100" cap="flat" cmpd="sng" algn="ctr">
+            <a:solidFill>
+              <a:srgbClr val="FFFF00"/>
+            </a:solidFill>
+            <a:prstDash val="solid"/>
+            <a:round/>
+            <a:headEnd type="triangle" w="med" len="med"/>
+            <a:tailEnd type="triangle" w="med" len="med"/>
+          </a:ln>
+        </p:spPr>
+        <p:style>
+          <a:lnRef idx="0">
+            <a:scrgbClr r="0" g="0" b="0"/>
+          </a:lnRef>
+          <a:fillRef idx="0">
+            <a:scrgbClr r="0" g="0" b="0"/>
+          </a:fillRef>
+          <a:effectRef idx="0">
+            <a:scrgbClr r="0" g="0" b="0"/>
+          </a:effectRef>
+          <a:fontRef idx="minor">
+            <a:schemeClr val="tx1"/>
+          </a:fontRef>
+        </p:style>
+      </p:cxnSp>
+      <p:sp>
+        <p:nvSpPr>
+          <p:cNvPr id="202" name="Rectangle 201">
+            <a:extLst>
+              <a:ext uri="{FF2B5EF4-FFF2-40B4-BE49-F238E27FC236}">
+                <a16:creationId xmlns:a16="http://schemas.microsoft.com/office/drawing/2014/main" id="{695128D4-DEA0-4499-96A2-401622C9BA92}"/>
+              </a:ext>
+            </a:extLst>
+          </p:cNvPr>
+          <p:cNvSpPr/>
+          <p:nvPr/>
+        </p:nvSpPr>
+        <p:spPr>
+          <a:xfrm>
+            <a:off x="4024915" y="4149538"/>
+            <a:ext cx="1331202" cy="390849"/>
+          </a:xfrm>
+          <a:prstGeom prst="rect">
+            <a:avLst/>
+          </a:prstGeom>
+        </p:spPr>
+        <p:style>
+          <a:lnRef idx="1">
+            <a:schemeClr val="accent4"/>
+          </a:lnRef>
+          <a:fillRef idx="2">
+            <a:schemeClr val="accent4"/>
+          </a:fillRef>
+          <a:effectRef idx="1">
+            <a:schemeClr val="accent4"/>
+          </a:effectRef>
+          <a:fontRef idx="minor">
+            <a:schemeClr val="dk1"/>
+          </a:fontRef>
+        </p:style>
+        <p:txBody>
+          <a:bodyPr rtlCol="0" anchor="t"/>
+          <a:lstStyle/>
+          <a:p>
+            <a:pPr algn="ctr"/>
+            <a:r>
+              <a:rPr lang="fr-FR" sz="1200" dirty="0"/>
+              <a:t>RTC</a:t>
+            </a:r>
+          </a:p>
+          <a:p>
+            <a:pPr algn="ctr"/>
+            <a:r>
+              <a:rPr lang="fr-FR" sz="1200" dirty="0"/>
+              <a:t>DS1307</a:t>
+            </a:r>
+          </a:p>
+          <a:p>
+            <a:pPr algn="ctr"/>
+            <a:endParaRPr lang="fr-FR" sz="1200" dirty="0"/>
+          </a:p>
+        </p:txBody>
+      </p:sp>
+      <p:cxnSp>
+        <p:nvCxnSpPr>
+          <p:cNvPr id="203" name="Connecteur droit avec flèche 202">
+            <a:extLst>
+              <a:ext uri="{FF2B5EF4-FFF2-40B4-BE49-F238E27FC236}">
+                <a16:creationId xmlns:a16="http://schemas.microsoft.com/office/drawing/2014/main" id="{20A76E23-665E-4E89-A56B-1BF6F02365B5}"/>
+              </a:ext>
+            </a:extLst>
+          </p:cNvPr>
+          <p:cNvCxnSpPr>
+            <a:cxnSpLocks/>
+          </p:cNvCxnSpPr>
+          <p:nvPr/>
+        </p:nvCxnSpPr>
+        <p:spPr>
+          <a:xfrm>
+            <a:off x="4333026" y="4546766"/>
+            <a:ext cx="93" cy="1093361"/>
+          </a:xfrm>
+          <a:prstGeom prst="straightConnector1">
+            <a:avLst/>
+          </a:prstGeom>
+          <a:ln w="38100" cap="flat" cmpd="sng" algn="ctr">
+            <a:solidFill>
+              <a:srgbClr val="FFC000"/>
+            </a:solidFill>
+            <a:prstDash val="solid"/>
+            <a:round/>
+            <a:headEnd type="triangle" w="med" len="med"/>
+            <a:tailEnd type="triangle" w="med" len="med"/>
+          </a:ln>
+        </p:spPr>
+        <p:style>
+          <a:lnRef idx="0">
+            <a:scrgbClr r="0" g="0" b="0"/>
+          </a:lnRef>
+          <a:fillRef idx="0">
+            <a:scrgbClr r="0" g="0" b="0"/>
+          </a:fillRef>
+          <a:effectRef idx="0">
+            <a:scrgbClr r="0" g="0" b="0"/>
+          </a:effectRef>
+          <a:fontRef idx="minor">
+            <a:schemeClr val="tx1"/>
+          </a:fontRef>
+        </p:style>
+      </p:cxnSp>
+      <p:sp>
+        <p:nvSpPr>
+          <p:cNvPr id="204" name="ZoneTexte 203">
+            <a:extLst>
+              <a:ext uri="{FF2B5EF4-FFF2-40B4-BE49-F238E27FC236}">
+                <a16:creationId xmlns:a16="http://schemas.microsoft.com/office/drawing/2014/main" id="{F26AA089-304E-4D4E-8A3C-1525E7661437}"/>
+              </a:ext>
+            </a:extLst>
+          </p:cNvPr>
+          <p:cNvSpPr txBox="1"/>
+          <p:nvPr/>
+        </p:nvSpPr>
+        <p:spPr>
+          <a:xfrm>
+            <a:off x="4929323" y="4719866"/>
+            <a:ext cx="590765" cy="246221"/>
+          </a:xfrm>
+          <a:prstGeom prst="rect">
+            <a:avLst/>
+          </a:prstGeom>
+          <a:noFill/>
+        </p:spPr>
+        <p:txBody>
+          <a:bodyPr wrap="square" rtlCol="0">
+            <a:spAutoFit/>
+          </a:bodyPr>
+          <a:lstStyle/>
+          <a:p>
+            <a:r>
+              <a:rPr lang="fr-FR" sz="1000" dirty="0"/>
+              <a:t>SCL</a:t>
+            </a:r>
+          </a:p>
+        </p:txBody>
+      </p:sp>
+      <p:sp>
+        <p:nvSpPr>
+          <p:cNvPr id="207" name="ZoneTexte 206">
+            <a:extLst>
+              <a:ext uri="{FF2B5EF4-FFF2-40B4-BE49-F238E27FC236}">
+                <a16:creationId xmlns:a16="http://schemas.microsoft.com/office/drawing/2014/main" id="{AC3F41CA-CE5A-4195-BB4A-A0A7A71DB0BC}"/>
+              </a:ext>
+            </a:extLst>
+          </p:cNvPr>
+          <p:cNvSpPr txBox="1"/>
+          <p:nvPr/>
+        </p:nvSpPr>
+        <p:spPr>
+          <a:xfrm>
+            <a:off x="3973457" y="4737629"/>
+            <a:ext cx="590765" cy="246221"/>
+          </a:xfrm>
+          <a:prstGeom prst="rect">
+            <a:avLst/>
+          </a:prstGeom>
+          <a:noFill/>
+        </p:spPr>
+        <p:txBody>
+          <a:bodyPr wrap="square" rtlCol="0">
+            <a:spAutoFit/>
+          </a:bodyPr>
+          <a:lstStyle/>
+          <a:p>
+            <a:r>
+              <a:rPr lang="fr-FR" sz="1000" dirty="0"/>
+              <a:t>SDA</a:t>
+            </a:r>
+          </a:p>
+        </p:txBody>
+      </p:sp>
+      <p:sp>
+        <p:nvSpPr>
+          <p:cNvPr id="192" name="ZoneTexte 191">
+            <a:extLst>
+              <a:ext uri="{FF2B5EF4-FFF2-40B4-BE49-F238E27FC236}">
+                <a16:creationId xmlns:a16="http://schemas.microsoft.com/office/drawing/2014/main" id="{F5631320-CDB1-4D41-92D4-168177CC2A48}"/>
+              </a:ext>
+            </a:extLst>
+          </p:cNvPr>
+          <p:cNvSpPr txBox="1"/>
+          <p:nvPr/>
+        </p:nvSpPr>
+        <p:spPr>
+          <a:xfrm>
+            <a:off x="4434859" y="4539588"/>
+            <a:ext cx="1003584" cy="338554"/>
+          </a:xfrm>
+          <a:prstGeom prst="rect">
+            <a:avLst/>
+          </a:prstGeom>
+          <a:noFill/>
+        </p:spPr>
+        <p:txBody>
+          <a:bodyPr wrap="square" rtlCol="0">
+            <a:spAutoFit/>
+          </a:bodyPr>
+          <a:lstStyle/>
+          <a:p>
+            <a:r>
+              <a:rPr lang="fr-FR" sz="800" dirty="0" err="1"/>
+              <a:t>Address</a:t>
+            </a:r>
+            <a:endParaRPr lang="fr-FR" sz="800" dirty="0"/>
+          </a:p>
+          <a:p>
+            <a:r>
+              <a:rPr lang="fr-FR" sz="800" dirty="0"/>
+              <a:t>0x68 </a:t>
+            </a:r>
+          </a:p>
+        </p:txBody>
+      </p:sp>
     </p:spTree>
     <p:extLst>
       <p:ext uri="{BB962C8B-B14F-4D97-AF65-F5344CB8AC3E}">
@@ -17079,14 +17505,14 @@
             <p:ph idx="1"/>
             <p:extLst>
               <p:ext uri="{D42A27DB-BD31-4B8C-83A1-F6EECF244321}">
-                <p14:modId xmlns:p14="http://schemas.microsoft.com/office/powerpoint/2010/main" val="1739806181"/>
+                <p14:modId xmlns:p14="http://schemas.microsoft.com/office/powerpoint/2010/main" val="3761397974"/>
               </p:ext>
             </p:extLst>
           </p:nvPr>
         </p:nvGraphicFramePr>
         <p:xfrm>
-          <a:off x="838200" y="1825625"/>
-          <a:ext cx="10515600" cy="4785360"/>
+          <a:off x="897467" y="1464733"/>
+          <a:ext cx="10524066" cy="5151120"/>
         </p:xfrm>
         <a:graphic>
           <a:graphicData uri="http://schemas.openxmlformats.org/drawingml/2006/table">
@@ -17116,7 +17542,7 @@
                     </a:ext>
                   </a:extLst>
                 </a:gridCol>
-                <a:gridCol w="448733">
+                <a:gridCol w="457199">
                   <a:extLst>
                     <a:ext uri="{9D8B030D-6E8A-4147-A177-3AD203B41FA5}">
                       <a16:colId xmlns:a16="http://schemas.microsoft.com/office/drawing/2014/main" val="3592764086"/>
@@ -17124,7 +17550,7 @@
                   </a:extLst>
                 </a:gridCol>
               </a:tblGrid>
-              <a:tr h="370840">
+              <a:tr h="147531">
                 <a:tc>
                   <a:txBody>
                     <a:bodyPr/>
@@ -17994,215 +18420,6 @@
                     <a:p>
                       <a:r>
                         <a:rPr lang="fr-FR" dirty="0"/>
-                        <a:t>IR</a:t>
-                      </a:r>
-                    </a:p>
-                  </a:txBody>
-                  <a:tcPr/>
-                </a:tc>
-                <a:tc>
-                  <a:txBody>
-                    <a:bodyPr/>
-                    <a:lstStyle/>
-                    <a:p>
-                      <a:r>
-                        <a:rPr lang="fr-FR" dirty="0"/>
-                        <a:t>Run</a:t>
-                      </a:r>
-                    </a:p>
-                  </a:txBody>
-                  <a:tcPr/>
-                </a:tc>
-                <a:tc>
-                  <a:txBody>
-                    <a:bodyPr/>
-                    <a:lstStyle/>
-                    <a:p>
-                      <a:pPr marL="0" marR="0" lvl="0" indent="0" algn="l" defTabSz="914400" rtl="0" eaLnBrk="1" fontAlgn="auto" latinLnBrk="0" hangingPunct="1">
-                        <a:lnSpc>
-                          <a:spcPct val="100000"/>
-                        </a:lnSpc>
-                        <a:spcBef>
-                          <a:spcPts val="0"/>
-                        </a:spcBef>
-                        <a:spcAft>
-                          <a:spcPts val="0"/>
-                        </a:spcAft>
-                        <a:buClrTx/>
-                        <a:buSzTx/>
-                        <a:buFontTx/>
-                        <a:buNone/>
-                        <a:tabLst/>
-                        <a:defRPr/>
-                      </a:pPr>
-                      <a:r>
-                        <a:rPr lang="en-US" noProof="0" dirty="0"/>
-                        <a:t>Analogic pin A1</a:t>
-                      </a:r>
-                    </a:p>
-                  </a:txBody>
-                  <a:tcPr/>
-                </a:tc>
-                <a:tc>
-                  <a:txBody>
-                    <a:bodyPr/>
-                    <a:lstStyle/>
-                    <a:p>
-                      <a:pPr marL="285750" marR="0" lvl="0" indent="-285750" algn="l" defTabSz="914400" rtl="0" eaLnBrk="1" fontAlgn="auto" latinLnBrk="0" hangingPunct="1">
-                        <a:lnSpc>
-                          <a:spcPct val="100000"/>
-                        </a:lnSpc>
-                        <a:spcBef>
-                          <a:spcPts val="0"/>
-                        </a:spcBef>
-                        <a:spcAft>
-                          <a:spcPts val="0"/>
-                        </a:spcAft>
-                        <a:buClrTx/>
-                        <a:buSzTx/>
-                        <a:buFont typeface="Wingdings" panose="05000000000000000000" pitchFamily="2" charset="2"/>
-                        <a:buChar char="ü"/>
-                        <a:tabLst/>
-                        <a:defRPr/>
-                      </a:pPr>
-                      <a:endParaRPr kumimoji="0" lang="en-US" sz="1800" b="0" i="0" u="none" strike="noStrike" kern="1200" cap="none" spc="0" normalizeH="0" baseline="0" noProof="0" dirty="0">
-                        <a:ln>
-                          <a:noFill/>
-                        </a:ln>
-                        <a:solidFill>
-                          <a:srgbClr val="00B050"/>
-                        </a:solidFill>
-                        <a:effectLst/>
-                        <a:uLnTx/>
-                        <a:uFillTx/>
-                        <a:latin typeface="Calibri" panose="020F0502020204030204"/>
-                        <a:ea typeface="+mn-ea"/>
-                        <a:cs typeface="+mn-cs"/>
-                      </a:endParaRPr>
-                    </a:p>
-                  </a:txBody>
-                  <a:tcPr/>
-                </a:tc>
-                <a:extLst>
-                  <a:ext uri="{0D108BD9-81ED-4DB2-BD59-A6C34878D82A}">
-                    <a16:rowId xmlns:a16="http://schemas.microsoft.com/office/drawing/2014/main" val="3810878265"/>
-                  </a:ext>
-                </a:extLst>
-              </a:tr>
-              <a:tr h="370840">
-                <a:tc>
-                  <a:txBody>
-                    <a:bodyPr/>
-                    <a:lstStyle/>
-                    <a:p>
-                      <a:r>
-                        <a:rPr lang="fr-FR" dirty="0"/>
-                        <a:t>Servo for IR</a:t>
-                      </a:r>
-                    </a:p>
-                  </a:txBody>
-                  <a:tcPr/>
-                </a:tc>
-                <a:tc>
-                  <a:txBody>
-                    <a:bodyPr/>
-                    <a:lstStyle/>
-                    <a:p>
-                      <a:pPr marL="0" marR="0" lvl="0" indent="0" algn="l" defTabSz="914400" rtl="0" eaLnBrk="1" fontAlgn="auto" latinLnBrk="0" hangingPunct="1">
-                        <a:lnSpc>
-                          <a:spcPct val="100000"/>
-                        </a:lnSpc>
-                        <a:spcBef>
-                          <a:spcPts val="0"/>
-                        </a:spcBef>
-                        <a:spcAft>
-                          <a:spcPts val="0"/>
-                        </a:spcAft>
-                        <a:buClrTx/>
-                        <a:buSzTx/>
-                        <a:buFontTx/>
-                        <a:buNone/>
-                        <a:tabLst/>
-                        <a:defRPr/>
-                      </a:pPr>
-                      <a:r>
-                        <a:rPr lang="fr-FR" dirty="0"/>
-                        <a:t>Run</a:t>
-                      </a:r>
-                    </a:p>
-                  </a:txBody>
-                  <a:tcPr/>
-                </a:tc>
-                <a:tc>
-                  <a:txBody>
-                    <a:bodyPr/>
-                    <a:lstStyle/>
-                    <a:p>
-                      <a:r>
-                        <a:rPr lang="fr-FR" dirty="0"/>
-                        <a:t>PWM pin 46</a:t>
-                      </a:r>
-                    </a:p>
-                  </a:txBody>
-                  <a:tcPr/>
-                </a:tc>
-                <a:tc>
-                  <a:txBody>
-                    <a:bodyPr/>
-                    <a:lstStyle/>
-                    <a:p>
-                      <a:pPr marL="285750" marR="0" lvl="0" indent="-285750" algn="l" defTabSz="914400" rtl="0" eaLnBrk="1" fontAlgn="auto" latinLnBrk="0" hangingPunct="1">
-                        <a:lnSpc>
-                          <a:spcPct val="100000"/>
-                        </a:lnSpc>
-                        <a:spcBef>
-                          <a:spcPts val="0"/>
-                        </a:spcBef>
-                        <a:spcAft>
-                          <a:spcPts val="0"/>
-                        </a:spcAft>
-                        <a:buClrTx/>
-                        <a:buSzTx/>
-                        <a:buFont typeface="Wingdings" panose="05000000000000000000" pitchFamily="2" charset="2"/>
-                        <a:buChar char="ü"/>
-                        <a:tabLst/>
-                        <a:defRPr/>
-                      </a:pPr>
-                      <a:r>
-                        <a:rPr kumimoji="0" lang="en-US" sz="1800" b="0" i="0" u="none" strike="noStrike" kern="1200" cap="none" spc="0" normalizeH="0" baseline="0" noProof="0" dirty="0">
-                          <a:ln>
-                            <a:noFill/>
-                          </a:ln>
-                          <a:solidFill>
-                            <a:srgbClr val="00B050"/>
-                          </a:solidFill>
-                          <a:effectLst/>
-                          <a:uLnTx/>
-                          <a:uFillTx/>
-                          <a:latin typeface="+mn-lt"/>
-                          <a:ea typeface="+mn-ea"/>
-                          <a:cs typeface="+mn-cs"/>
-                        </a:rPr>
-                        <a:t> </a:t>
-                      </a:r>
-                    </a:p>
-                  </a:txBody>
-                  <a:tcPr/>
-                </a:tc>
-                <a:extLst>
-                  <a:ext uri="{0D108BD9-81ED-4DB2-BD59-A6C34878D82A}">
-                    <a16:rowId xmlns:a16="http://schemas.microsoft.com/office/drawing/2014/main" val="3452581991"/>
-                  </a:ext>
-                </a:extLst>
-              </a:tr>
-              <a:tr h="370840">
-                <a:tc>
-                  <a:txBody>
-                    <a:bodyPr/>
-                    <a:lstStyle/>
-                    <a:p>
-                      <a:r>
-                        <a:rPr lang="fr-FR" dirty="0"/>
                         <a:t>Contact </a:t>
                       </a:r>
                       <a:r>
@@ -18319,7 +18536,7 @@
                 </a:tc>
                 <a:extLst>
                   <a:ext uri="{0D108BD9-81ED-4DB2-BD59-A6C34878D82A}">
-                    <a16:rowId xmlns:a16="http://schemas.microsoft.com/office/drawing/2014/main" val="2574950784"/>
+                    <a16:rowId xmlns:a16="http://schemas.microsoft.com/office/drawing/2014/main" val="3810878265"/>
                   </a:ext>
                 </a:extLst>
               </a:tr>
@@ -18442,6 +18659,218 @@
                 </a:tc>
                 <a:extLst>
                   <a:ext uri="{0D108BD9-81ED-4DB2-BD59-A6C34878D82A}">
+                    <a16:rowId xmlns:a16="http://schemas.microsoft.com/office/drawing/2014/main" val="3452581991"/>
+                  </a:ext>
+                </a:extLst>
+              </a:tr>
+              <a:tr h="370840">
+                <a:tc>
+                  <a:txBody>
+                    <a:bodyPr/>
+                    <a:lstStyle/>
+                    <a:p>
+                      <a:r>
+                        <a:rPr lang="fr-FR" dirty="0"/>
+                        <a:t>Sharp IR</a:t>
+                      </a:r>
+                    </a:p>
+                  </a:txBody>
+                  <a:tcPr/>
+                </a:tc>
+                <a:tc>
+                  <a:txBody>
+                    <a:bodyPr/>
+                    <a:lstStyle/>
+                    <a:p>
+                      <a:r>
+                        <a:rPr lang="fr-FR" dirty="0"/>
+                        <a:t>Run</a:t>
+                      </a:r>
+                    </a:p>
+                  </a:txBody>
+                  <a:tcPr/>
+                </a:tc>
+                <a:tc>
+                  <a:txBody>
+                    <a:bodyPr/>
+                    <a:lstStyle/>
+                    <a:p>
+                      <a:pPr marL="0" marR="0" lvl="0" indent="0" algn="l" defTabSz="914400" rtl="0" eaLnBrk="1" fontAlgn="auto" latinLnBrk="0" hangingPunct="1">
+                        <a:lnSpc>
+                          <a:spcPct val="100000"/>
+                        </a:lnSpc>
+                        <a:spcBef>
+                          <a:spcPts val="0"/>
+                        </a:spcBef>
+                        <a:spcAft>
+                          <a:spcPts val="0"/>
+                        </a:spcAft>
+                        <a:buClrTx/>
+                        <a:buSzTx/>
+                        <a:buFontTx/>
+                        <a:buNone/>
+                        <a:tabLst/>
+                        <a:defRPr/>
+                      </a:pPr>
+                      <a:r>
+                        <a:rPr lang="en-US" noProof="0" dirty="0"/>
+                        <a:t>Analogic pin A1</a:t>
+                      </a:r>
+                    </a:p>
+                  </a:txBody>
+                  <a:tcPr/>
+                </a:tc>
+                <a:tc>
+                  <a:txBody>
+                    <a:bodyPr/>
+                    <a:lstStyle/>
+                    <a:p>
+                      <a:pPr marL="285750" marR="0" lvl="0" indent="-285750" algn="l" defTabSz="914400" rtl="0" eaLnBrk="1" fontAlgn="auto" latinLnBrk="0" hangingPunct="1">
+                        <a:lnSpc>
+                          <a:spcPct val="100000"/>
+                        </a:lnSpc>
+                        <a:spcBef>
+                          <a:spcPts val="0"/>
+                        </a:spcBef>
+                        <a:spcAft>
+                          <a:spcPts val="0"/>
+                        </a:spcAft>
+                        <a:buClrTx/>
+                        <a:buSzTx/>
+                        <a:buFont typeface="Wingdings" panose="05000000000000000000" pitchFamily="2" charset="2"/>
+                        <a:buChar char="ü"/>
+                        <a:tabLst/>
+                        <a:defRPr/>
+                      </a:pPr>
+                      <a:r>
+                        <a:rPr kumimoji="0" lang="en-US" sz="1800" b="0" i="0" u="none" strike="noStrike" kern="1200" cap="none" spc="0" normalizeH="0" baseline="0" noProof="0" dirty="0">
+                          <a:ln>
+                            <a:noFill/>
+                          </a:ln>
+                          <a:solidFill>
+                            <a:srgbClr val="00B050"/>
+                          </a:solidFill>
+                          <a:effectLst/>
+                          <a:uLnTx/>
+                          <a:uFillTx/>
+                          <a:latin typeface="+mn-lt"/>
+                          <a:ea typeface="+mn-ea"/>
+                          <a:cs typeface="+mn-cs"/>
+                        </a:rPr>
+                        <a:t> </a:t>
+                      </a:r>
+                    </a:p>
+                  </a:txBody>
+                  <a:tcPr/>
+                </a:tc>
+                <a:extLst>
+                  <a:ext uri="{0D108BD9-81ED-4DB2-BD59-A6C34878D82A}">
+                    <a16:rowId xmlns:a16="http://schemas.microsoft.com/office/drawing/2014/main" val="2574950784"/>
+                  </a:ext>
+                </a:extLst>
+              </a:tr>
+              <a:tr h="370840">
+                <a:tc>
+                  <a:txBody>
+                    <a:bodyPr/>
+                    <a:lstStyle/>
+                    <a:p>
+                      <a:r>
+                        <a:rPr lang="fr-FR" dirty="0"/>
+                        <a:t>Servo for IR</a:t>
+                      </a:r>
+                    </a:p>
+                  </a:txBody>
+                  <a:tcPr/>
+                </a:tc>
+                <a:tc>
+                  <a:txBody>
+                    <a:bodyPr/>
+                    <a:lstStyle/>
+                    <a:p>
+                      <a:pPr marL="0" marR="0" lvl="0" indent="0" algn="l" defTabSz="914400" rtl="0" eaLnBrk="1" fontAlgn="auto" latinLnBrk="0" hangingPunct="1">
+                        <a:lnSpc>
+                          <a:spcPct val="100000"/>
+                        </a:lnSpc>
+                        <a:spcBef>
+                          <a:spcPts val="0"/>
+                        </a:spcBef>
+                        <a:spcAft>
+                          <a:spcPts val="0"/>
+                        </a:spcAft>
+                        <a:buClrTx/>
+                        <a:buSzTx/>
+                        <a:buFontTx/>
+                        <a:buNone/>
+                        <a:tabLst/>
+                        <a:defRPr/>
+                      </a:pPr>
+                      <a:r>
+                        <a:rPr lang="fr-FR" dirty="0"/>
+                        <a:t>Run</a:t>
+                      </a:r>
+                    </a:p>
+                  </a:txBody>
+                  <a:tcPr/>
+                </a:tc>
+                <a:tc>
+                  <a:txBody>
+                    <a:bodyPr/>
+                    <a:lstStyle/>
+                    <a:p>
+                      <a:r>
+                        <a:rPr lang="fr-FR" dirty="0"/>
+                        <a:t>PWM pin 46</a:t>
+                      </a:r>
+                    </a:p>
+                  </a:txBody>
+                  <a:tcPr/>
+                </a:tc>
+                <a:tc>
+                  <a:txBody>
+                    <a:bodyPr/>
+                    <a:lstStyle/>
+                    <a:p>
+                      <a:pPr marL="285750" marR="0" lvl="0" indent="-285750" algn="l" defTabSz="914400" rtl="0" eaLnBrk="1" fontAlgn="auto" latinLnBrk="0" hangingPunct="1">
+                        <a:lnSpc>
+                          <a:spcPct val="100000"/>
+                        </a:lnSpc>
+                        <a:spcBef>
+                          <a:spcPts val="0"/>
+                        </a:spcBef>
+                        <a:spcAft>
+                          <a:spcPts val="0"/>
+                        </a:spcAft>
+                        <a:buClrTx/>
+                        <a:buSzTx/>
+                        <a:buFont typeface="Wingdings" panose="05000000000000000000" pitchFamily="2" charset="2"/>
+                        <a:buChar char="ü"/>
+                        <a:tabLst/>
+                        <a:defRPr/>
+                      </a:pPr>
+                      <a:r>
+                        <a:rPr kumimoji="0" lang="en-US" sz="1800" b="0" i="0" u="none" strike="noStrike" kern="1200" cap="none" spc="0" normalizeH="0" baseline="0" noProof="0" dirty="0">
+                          <a:ln>
+                            <a:noFill/>
+                          </a:ln>
+                          <a:solidFill>
+                            <a:srgbClr val="00B050"/>
+                          </a:solidFill>
+                          <a:effectLst/>
+                          <a:uLnTx/>
+                          <a:uFillTx/>
+                          <a:latin typeface="+mn-lt"/>
+                          <a:ea typeface="+mn-ea"/>
+                          <a:cs typeface="+mn-cs"/>
+                        </a:rPr>
+                        <a:t> </a:t>
+                      </a:r>
+                    </a:p>
+                  </a:txBody>
+                  <a:tcPr/>
+                </a:tc>
+                <a:extLst>
+                  <a:ext uri="{0D108BD9-81ED-4DB2-BD59-A6C34878D82A}">
                     <a16:rowId xmlns:a16="http://schemas.microsoft.com/office/drawing/2014/main" val="330511159"/>
                   </a:ext>
                 </a:extLst>
@@ -18453,9 +18882,10 @@
                     <a:lstStyle/>
                     <a:p>
                       <a:r>
-                        <a:rPr lang="fr-FR" dirty="0"/>
-                        <a:t>Compas</a:t>
+                        <a:rPr lang="fr-FR" dirty="0" err="1"/>
+                        <a:t>ToF</a:t>
                       </a:r>
+                      <a:endParaRPr lang="fr-FR" dirty="0"/>
                     </a:p>
                   </a:txBody>
                   <a:tcPr/>
@@ -18514,7 +18944,7 @@
                       </a:pPr>
                       <a:r>
                         <a:rPr lang="fr-FR" dirty="0"/>
-                        <a:t>I2C 0x60</a:t>
+                        <a:t>I2C 0x29</a:t>
                       </a:r>
                     </a:p>
                   </a:txBody>
@@ -18569,6 +18999,130 @@
                   </a:ext>
                 </a:extLst>
               </a:tr>
+              <a:tr h="370840">
+                <a:tc>
+                  <a:txBody>
+                    <a:bodyPr/>
+                    <a:lstStyle/>
+                    <a:p>
+                      <a:r>
+                        <a:rPr lang="fr-FR" dirty="0">
+                          <a:solidFill>
+                            <a:srgbClr val="FF0000"/>
+                          </a:solidFill>
+                        </a:rPr>
+                        <a:t>Compass</a:t>
+                      </a:r>
+                    </a:p>
+                  </a:txBody>
+                  <a:tcPr/>
+                </a:tc>
+                <a:tc>
+                  <a:txBody>
+                    <a:bodyPr/>
+                    <a:lstStyle/>
+                    <a:p>
+                      <a:pPr marL="0" marR="0" lvl="0" indent="0" algn="l" defTabSz="914400" rtl="0" eaLnBrk="1" fontAlgn="auto" latinLnBrk="0" hangingPunct="1">
+                        <a:lnSpc>
+                          <a:spcPct val="100000"/>
+                        </a:lnSpc>
+                        <a:spcBef>
+                          <a:spcPts val="0"/>
+                        </a:spcBef>
+                        <a:spcAft>
+                          <a:spcPts val="0"/>
+                        </a:spcAft>
+                        <a:buClrTx/>
+                        <a:buSzTx/>
+                        <a:buFontTx/>
+                        <a:buNone/>
+                        <a:tabLst/>
+                        <a:defRPr/>
+                      </a:pPr>
+                      <a:r>
+                        <a:rPr lang="fr-FR" dirty="0"/>
+                        <a:t>Run</a:t>
+                      </a:r>
+                    </a:p>
+                  </a:txBody>
+                  <a:tcPr/>
+                </a:tc>
+                <a:tc>
+                  <a:txBody>
+                    <a:bodyPr/>
+                    <a:lstStyle/>
+                    <a:p>
+                      <a:pPr marL="0" marR="0" lvl="0" indent="0" algn="l" defTabSz="914400" rtl="0" eaLnBrk="1" fontAlgn="auto" latinLnBrk="0" hangingPunct="1">
+                        <a:lnSpc>
+                          <a:spcPct val="100000"/>
+                        </a:lnSpc>
+                        <a:spcBef>
+                          <a:spcPts val="0"/>
+                        </a:spcBef>
+                        <a:spcAft>
+                          <a:spcPts val="0"/>
+                        </a:spcAft>
+                        <a:buClrTx/>
+                        <a:buSzTx/>
+                        <a:buFontTx/>
+                        <a:buNone/>
+                        <a:tabLst/>
+                        <a:defRPr/>
+                      </a:pPr>
+                      <a:endParaRPr lang="fr-FR" dirty="0"/>
+                    </a:p>
+                  </a:txBody>
+                  <a:tcPr/>
+                </a:tc>
+                <a:tc>
+                  <a:txBody>
+                    <a:bodyPr/>
+                    <a:lstStyle/>
+                    <a:p>
+                      <a:pPr marL="0" marR="0" lvl="0" indent="0" algn="l" defTabSz="914400" rtl="0" eaLnBrk="1" fontAlgn="auto" latinLnBrk="0" hangingPunct="1">
+                        <a:lnSpc>
+                          <a:spcPct val="100000"/>
+                        </a:lnSpc>
+                        <a:spcBef>
+                          <a:spcPts val="0"/>
+                        </a:spcBef>
+                        <a:spcAft>
+                          <a:spcPts val="0"/>
+                        </a:spcAft>
+                        <a:buClrTx/>
+                        <a:buSzTx/>
+                        <a:buFont typeface="Wingdings" panose="05000000000000000000" pitchFamily="2" charset="2"/>
+                        <a:buNone/>
+                        <a:tabLst/>
+                        <a:defRPr/>
+                      </a:pPr>
+                      <a:r>
+                        <a:rPr kumimoji="0" lang="en-US" sz="1800" b="0" i="0" u="none" strike="noStrike" kern="1200" cap="none" spc="0" normalizeH="0" baseline="0" noProof="0" dirty="0">
+                          <a:ln>
+                            <a:noFill/>
+                          </a:ln>
+                          <a:solidFill>
+                            <a:srgbClr val="00B050"/>
+                          </a:solidFill>
+                          <a:effectLst/>
+                          <a:uLnTx/>
+                          <a:uFillTx/>
+                          <a:latin typeface="+mn-lt"/>
+                          <a:ea typeface="+mn-ea"/>
+                          <a:cs typeface="+mn-cs"/>
+                        </a:rPr>
+                        <a:t> </a:t>
+                      </a:r>
+                    </a:p>
+                  </a:txBody>
+                  <a:tcPr/>
+                </a:tc>
+                <a:extLst>
+                  <a:ext uri="{0D108BD9-81ED-4DB2-BD59-A6C34878D82A}">
+                    <a16:rowId xmlns:a16="http://schemas.microsoft.com/office/drawing/2014/main" val="2498999652"/>
+                  </a:ext>
+                </a:extLst>
+              </a:tr>
             </a:tbl>
           </a:graphicData>
         </a:graphic>
@@ -18647,14 +19201,14 @@
             <p:ph idx="1"/>
             <p:extLst>
               <p:ext uri="{D42A27DB-BD31-4B8C-83A1-F6EECF244321}">
-                <p14:modId xmlns:p14="http://schemas.microsoft.com/office/powerpoint/2010/main" val="3851156257"/>
+                <p14:modId xmlns:p14="http://schemas.microsoft.com/office/powerpoint/2010/main" val="3260360952"/>
               </p:ext>
             </p:extLst>
           </p:nvPr>
         </p:nvGraphicFramePr>
         <p:xfrm>
-          <a:off x="838200" y="1825625"/>
-          <a:ext cx="10523220" cy="4810760"/>
+          <a:off x="838200" y="1410759"/>
+          <a:ext cx="10523220" cy="5176520"/>
         </p:xfrm>
         <a:graphic>
           <a:graphicData uri="http://schemas.openxmlformats.org/drawingml/2006/table">
@@ -19603,8 +20157,8 @@
                     <a:lstStyle/>
                     <a:p>
                       <a:r>
-                        <a:rPr lang="en-US" noProof="0"/>
-                        <a:t>Brightness sensor </a:t>
+                        <a:rPr lang="en-US" noProof="0" dirty="0"/>
+                        <a:t>RTC</a:t>
                       </a:r>
                     </a:p>
                   </a:txBody>
@@ -19616,8 +20170,8 @@
                     <a:lstStyle/>
                     <a:p>
                       <a:r>
-                        <a:rPr lang="en-US" noProof="0"/>
-                        <a:t>Detect</a:t>
+                        <a:rPr lang="en-US" noProof="0" dirty="0"/>
+                        <a:t>Alert</a:t>
                       </a:r>
                     </a:p>
                   </a:txBody>
@@ -19647,7 +20201,7 @@
                       </a:pPr>
                       <a:r>
                         <a:rPr lang="en-US" noProof="0" dirty="0"/>
-                        <a:t>Analogic pin A2</a:t>
+                        <a:t>I2C 0x68</a:t>
                       </a:r>
                     </a:p>
                   </a:txBody>
@@ -19709,8 +20263,12 @@
                     <a:lstStyle/>
                     <a:p>
                       <a:r>
-                        <a:rPr lang="en-US" noProof="0"/>
-                        <a:t>Temperature sensor </a:t>
+                        <a:rPr lang="en-US" noProof="0" dirty="0">
+                          <a:solidFill>
+                            <a:srgbClr val="FF0000"/>
+                          </a:solidFill>
+                        </a:rPr>
+                        <a:t>Brightness sensor </a:t>
                       </a:r>
                     </a:p>
                   </a:txBody>
@@ -19722,7 +20280,110 @@
                     <a:lstStyle/>
                     <a:p>
                       <a:r>
-                        <a:rPr lang="en-US" noProof="0"/>
+                        <a:rPr lang="en-US" noProof="0" dirty="0"/>
+                        <a:t>Detect</a:t>
+                      </a:r>
+                    </a:p>
+                  </a:txBody>
+                  <a:tcPr/>
+                </a:tc>
+                <a:tc>
+                  <a:txBody>
+                    <a:bodyPr/>
+                    <a:lstStyle/>
+                    <a:p>
+                      <a:pPr marL="0" marR="0" lvl="0" indent="0" algn="l" defTabSz="914400" rtl="0" eaLnBrk="1" fontAlgn="auto" latinLnBrk="0" hangingPunct="1">
+                        <a:lnSpc>
+                          <a:spcPct val="100000"/>
+                        </a:lnSpc>
+                        <a:spcBef>
+                          <a:spcPts val="0"/>
+                        </a:spcBef>
+                        <a:spcAft>
+                          <a:spcPts val="0"/>
+                        </a:spcAft>
+                        <a:buClrTx/>
+                        <a:buSzTx/>
+                        <a:buFontTx/>
+                        <a:buNone/>
+                        <a:tabLst/>
+                        <a:defRPr/>
+                      </a:pPr>
+                      <a:endParaRPr lang="en-US" noProof="0" dirty="0"/>
+                    </a:p>
+                  </a:txBody>
+                  <a:tcPr/>
+                </a:tc>
+                <a:tc>
+                  <a:txBody>
+                    <a:bodyPr/>
+                    <a:lstStyle/>
+                    <a:p>
+                      <a:pPr marL="0" marR="0" lvl="0" indent="0" algn="l" defTabSz="914400" rtl="0" eaLnBrk="1" fontAlgn="auto" latinLnBrk="0" hangingPunct="1">
+                        <a:lnSpc>
+                          <a:spcPct val="100000"/>
+                        </a:lnSpc>
+                        <a:spcBef>
+                          <a:spcPts val="0"/>
+                        </a:spcBef>
+                        <a:spcAft>
+                          <a:spcPts val="0"/>
+                        </a:spcAft>
+                        <a:buClrTx/>
+                        <a:buSzTx/>
+                        <a:buFont typeface="Wingdings" panose="05000000000000000000" pitchFamily="2" charset="2"/>
+                        <a:buNone/>
+                        <a:tabLst/>
+                        <a:defRPr/>
+                      </a:pPr>
+                      <a:r>
+                        <a:rPr kumimoji="0" lang="en-US" sz="1800" b="0" i="0" u="none" strike="noStrike" kern="1200" cap="none" spc="0" normalizeH="0" baseline="0" noProof="0" dirty="0">
+                          <a:ln>
+                            <a:noFill/>
+                          </a:ln>
+                          <a:solidFill>
+                            <a:srgbClr val="00B050"/>
+                          </a:solidFill>
+                          <a:effectLst/>
+                          <a:uLnTx/>
+                          <a:uFillTx/>
+                          <a:latin typeface="+mn-lt"/>
+                          <a:ea typeface="+mn-ea"/>
+                          <a:cs typeface="+mn-cs"/>
+                        </a:rPr>
+                        <a:t> </a:t>
+                      </a:r>
+                    </a:p>
+                  </a:txBody>
+                  <a:tcPr/>
+                </a:tc>
+                <a:extLst>
+                  <a:ext uri="{0D108BD9-81ED-4DB2-BD59-A6C34878D82A}">
+                    <a16:rowId xmlns:a16="http://schemas.microsoft.com/office/drawing/2014/main" val="2702079324"/>
+                  </a:ext>
+                </a:extLst>
+              </a:tr>
+              <a:tr h="0">
+                <a:tc>
+                  <a:txBody>
+                    <a:bodyPr/>
+                    <a:lstStyle/>
+                    <a:p>
+                      <a:r>
+                        <a:rPr lang="en-US" noProof="0" dirty="0"/>
+                        <a:t>Temperature &amp; Humidity sensor </a:t>
+                      </a:r>
+                    </a:p>
+                  </a:txBody>
+                  <a:tcPr/>
+                </a:tc>
+                <a:tc>
+                  <a:txBody>
+                    <a:bodyPr/>
+                    <a:lstStyle/>
+                    <a:p>
+                      <a:r>
+                        <a:rPr lang="en-US" noProof="0" dirty="0"/>
                         <a:t>Detect</a:t>
                       </a:r>
                     </a:p>
@@ -19752,8 +20413,8 @@
                         <a:defRPr/>
                       </a:pPr>
                       <a:r>
-                        <a:rPr lang="en-US" noProof="0" dirty="0"/>
-                        <a:t>I2C 0x48</a:t>
+                        <a:rPr lang="fr-FR" dirty="0"/>
+                        <a:t>Digital pin 34</a:t>
                       </a:r>
                     </a:p>
                   </a:txBody>
@@ -19804,7 +20465,7 @@
                 </a:tc>
                 <a:extLst>
                   <a:ext uri="{0D108BD9-81ED-4DB2-BD59-A6C34878D82A}">
-                    <a16:rowId xmlns:a16="http://schemas.microsoft.com/office/drawing/2014/main" val="2702079324"/>
+                    <a16:rowId xmlns:a16="http://schemas.microsoft.com/office/drawing/2014/main" val="1703739092"/>
                   </a:ext>
                 </a:extLst>
               </a:tr>
@@ -19870,7 +20531,7 @@
                     <a:bodyPr/>
                     <a:lstStyle/>
                     <a:p>
-                      <a:pPr marL="0" marR="0" lvl="0" indent="0" algn="l" defTabSz="914400" rtl="0" eaLnBrk="1" fontAlgn="auto" latinLnBrk="0" hangingPunct="1">
+                      <a:pPr marL="285750" marR="0" lvl="0" indent="-285750" algn="l" defTabSz="914400" rtl="0" eaLnBrk="1" fontAlgn="auto" latinLnBrk="0" hangingPunct="1">
                         <a:lnSpc>
                           <a:spcPct val="100000"/>
                         </a:lnSpc>
@@ -19883,7 +20544,7 @@
                         <a:buClrTx/>
                         <a:buSzTx/>
                         <a:buFont typeface="Wingdings" panose="05000000000000000000" pitchFamily="2" charset="2"/>
-                        <a:buNone/>
+                        <a:buChar char="ü"/>
                         <a:tabLst/>
                         <a:defRPr/>
                       </a:pPr>
@@ -19898,7 +20559,7 @@
                           <a:effectLst/>
                           <a:uLnTx/>
                           <a:uFillTx/>
-                          <a:latin typeface="Calibri" panose="020F0502020204030204"/>
+                          <a:latin typeface="+mn-lt"/>
                           <a:ea typeface="+mn-ea"/>
                           <a:cs typeface="+mn-cs"/>
                         </a:rPr>
@@ -19910,7 +20571,7 @@
                 </a:tc>
                 <a:extLst>
                   <a:ext uri="{0D108BD9-81ED-4DB2-BD59-A6C34878D82A}">
-                    <a16:rowId xmlns:a16="http://schemas.microsoft.com/office/drawing/2014/main" val="1703739092"/>
+                    <a16:rowId xmlns:a16="http://schemas.microsoft.com/office/drawing/2014/main" val="914964665"/>
                   </a:ext>
                 </a:extLst>
               </a:tr>
@@ -19921,7 +20582,11 @@
                     <a:lstStyle/>
                     <a:p>
                       <a:r>
-                        <a:rPr lang="en-US" noProof="0" dirty="0"/>
+                        <a:rPr lang="en-US" noProof="0" dirty="0">
+                          <a:solidFill>
+                            <a:srgbClr val="FF0000"/>
+                          </a:solidFill>
+                        </a:rPr>
                         <a:t>Sound sensor</a:t>
                       </a:r>
                     </a:p>
@@ -19981,10 +20646,7 @@
                         <a:tabLst/>
                         <a:defRPr/>
                       </a:pPr>
-                      <a:r>
-                        <a:rPr lang="en-US" noProof="0" dirty="0"/>
-                        <a:t>Analogic pin A3</a:t>
-                      </a:r>
+                      <a:endParaRPr lang="en-US" noProof="0" dirty="0"/>
                     </a:p>
                   </a:txBody>
                   <a:tcPr/>
@@ -20031,7 +20693,7 @@
                 </a:tc>
                 <a:extLst>
                   <a:ext uri="{0D108BD9-81ED-4DB2-BD59-A6C34878D82A}">
-                    <a16:rowId xmlns:a16="http://schemas.microsoft.com/office/drawing/2014/main" val="914964665"/>
+                    <a16:rowId xmlns:a16="http://schemas.microsoft.com/office/drawing/2014/main" val="802458752"/>
                   </a:ext>
                 </a:extLst>
               </a:tr>
@@ -21245,7 +21907,12 @@
             <p:ph type="title"/>
           </p:nvPr>
         </p:nvSpPr>
-        <p:spPr/>
+        <p:spPr>
+          <a:xfrm>
+            <a:off x="723900" y="190500"/>
+            <a:ext cx="10515600" cy="750888"/>
+          </a:xfrm>
+        </p:spPr>
         <p:txBody>
           <a:bodyPr/>
           <a:lstStyle/>
@@ -21254,10 +21921,7 @@
               <a:rPr lang="en-US" dirty="0" err="1"/>
               <a:t>Commandes</a:t>
             </a:r>
-            <a:r>
-              <a:rPr lang="en-US" dirty="0"/>
-              <a:t> (1/2)</a:t>
-            </a:r>
+            <a:endParaRPr lang="en-US" dirty="0"/>
           </a:p>
         </p:txBody>
       </p:sp>
@@ -21277,14 +21941,14 @@
             <p:ph idx="1"/>
             <p:extLst>
               <p:ext uri="{D42A27DB-BD31-4B8C-83A1-F6EECF244321}">
-                <p14:modId xmlns:p14="http://schemas.microsoft.com/office/powerpoint/2010/main" val="4130766500"/>
+                <p14:modId xmlns:p14="http://schemas.microsoft.com/office/powerpoint/2010/main" val="3175664207"/>
               </p:ext>
             </p:extLst>
           </p:nvPr>
         </p:nvGraphicFramePr>
         <p:xfrm>
-          <a:off x="771524" y="1549400"/>
-          <a:ext cx="10515599" cy="6609055"/>
+          <a:off x="723901" y="829734"/>
+          <a:ext cx="10515599" cy="5936810"/>
         </p:xfrm>
         <a:graphic>
           <a:graphicData uri="http://schemas.openxmlformats.org/drawingml/2006/table">
@@ -22461,90 +23125,6 @@
                   </a:ext>
                 </a:extLst>
               </a:tr>
-              <a:tr h="672245">
-                <a:tc>
-                  <a:txBody>
-                    <a:bodyPr/>
-                    <a:lstStyle/>
-                    <a:p>
-                      <a:endParaRPr lang="fr-FR" dirty="0"/>
-                    </a:p>
-                  </a:txBody>
-                  <a:tcPr/>
-                </a:tc>
-                <a:tc>
-                  <a:txBody>
-                    <a:bodyPr/>
-                    <a:lstStyle/>
-                    <a:p>
-                      <a:pPr marL="0" marR="0" lvl="0" indent="0" algn="l" defTabSz="914400" rtl="0" eaLnBrk="1" fontAlgn="auto" latinLnBrk="0" hangingPunct="1">
-                        <a:lnSpc>
-                          <a:spcPct val="100000"/>
-                        </a:lnSpc>
-                        <a:spcBef>
-                          <a:spcPts val="0"/>
-                        </a:spcBef>
-                        <a:spcAft>
-                          <a:spcPts val="0"/>
-                        </a:spcAft>
-                        <a:buClrTx/>
-                        <a:buSzTx/>
-                        <a:buFontTx/>
-                        <a:buNone/>
-                        <a:tabLst/>
-                        <a:defRPr/>
-                      </a:pPr>
-                      <a:endParaRPr lang="fr-FR" dirty="0"/>
-                    </a:p>
-                  </a:txBody>
-                  <a:tcPr/>
-                </a:tc>
-                <a:tc>
-                  <a:txBody>
-                    <a:bodyPr/>
-                    <a:lstStyle/>
-                    <a:p>
-                      <a:pPr marL="285750" marR="0" lvl="0" indent="-285750" algn="l" defTabSz="914400" rtl="0" eaLnBrk="1" fontAlgn="auto" latinLnBrk="0" hangingPunct="1">
-                        <a:lnSpc>
-                          <a:spcPct val="100000"/>
-                        </a:lnSpc>
-                        <a:spcBef>
-                          <a:spcPts val="0"/>
-                        </a:spcBef>
-                        <a:spcAft>
-                          <a:spcPts val="0"/>
-                        </a:spcAft>
-                        <a:buClrTx/>
-                        <a:buSzTx/>
-                        <a:buFont typeface="Wingdings" panose="05000000000000000000" pitchFamily="2" charset="2"/>
-                        <a:buChar char="ü"/>
-                        <a:tabLst/>
-                        <a:defRPr/>
-                      </a:pPr>
-                      <a:endParaRPr kumimoji="0" lang="en-US" sz="1800" b="0" i="0" u="none" strike="noStrike" kern="1200" cap="none" spc="0" normalizeH="0" baseline="0" noProof="0" dirty="0">
-                        <a:ln>
-                          <a:noFill/>
-                        </a:ln>
-                        <a:solidFill>
-                          <a:srgbClr val="00B050"/>
-                        </a:solidFill>
-                        <a:effectLst/>
-                        <a:uLnTx/>
-                        <a:uFillTx/>
-                        <a:latin typeface="Calibri" panose="020F0502020204030204"/>
-                        <a:ea typeface="+mn-ea"/>
-                        <a:cs typeface="+mn-cs"/>
-                      </a:endParaRPr>
-                    </a:p>
-                  </a:txBody>
-                  <a:tcPr/>
-                </a:tc>
-                <a:extLst>
-                  <a:ext uri="{0D108BD9-81ED-4DB2-BD59-A6C34878D82A}">
-                    <a16:rowId xmlns:a16="http://schemas.microsoft.com/office/drawing/2014/main" val="1577479907"/>
-                  </a:ext>
-                </a:extLst>
-              </a:tr>
             </a:tbl>
           </a:graphicData>
         </a:graphic>

--- a/libraries/Diagramm Robot v2.pptx
+++ b/libraries/Diagramm Robot v2.pptx
@@ -267,7 +267,7 @@
           <a:p>
             <a:fld id="{0717AEF8-1597-4679-8926-916E82E12B07}" type="datetimeFigureOut">
               <a:rPr lang="fr-FR" smtClean="0"/>
-              <a:t>07/01/2019</a:t>
+              <a:t>13/01/2019</a:t>
             </a:fld>
             <a:endParaRPr lang="fr-FR"/>
           </a:p>
@@ -465,7 +465,7 @@
           <a:p>
             <a:fld id="{0717AEF8-1597-4679-8926-916E82E12B07}" type="datetimeFigureOut">
               <a:rPr lang="fr-FR" smtClean="0"/>
-              <a:t>07/01/2019</a:t>
+              <a:t>13/01/2019</a:t>
             </a:fld>
             <a:endParaRPr lang="fr-FR"/>
           </a:p>
@@ -673,7 +673,7 @@
           <a:p>
             <a:fld id="{0717AEF8-1597-4679-8926-916E82E12B07}" type="datetimeFigureOut">
               <a:rPr lang="fr-FR" smtClean="0"/>
-              <a:t>07/01/2019</a:t>
+              <a:t>13/01/2019</a:t>
             </a:fld>
             <a:endParaRPr lang="fr-FR"/>
           </a:p>
@@ -871,7 +871,7 @@
           <a:p>
             <a:fld id="{0717AEF8-1597-4679-8926-916E82E12B07}" type="datetimeFigureOut">
               <a:rPr lang="fr-FR" smtClean="0"/>
-              <a:t>07/01/2019</a:t>
+              <a:t>13/01/2019</a:t>
             </a:fld>
             <a:endParaRPr lang="fr-FR"/>
           </a:p>
@@ -1146,7 +1146,7 @@
           <a:p>
             <a:fld id="{0717AEF8-1597-4679-8926-916E82E12B07}" type="datetimeFigureOut">
               <a:rPr lang="fr-FR" smtClean="0"/>
-              <a:t>07/01/2019</a:t>
+              <a:t>13/01/2019</a:t>
             </a:fld>
             <a:endParaRPr lang="fr-FR"/>
           </a:p>
@@ -1411,7 +1411,7 @@
           <a:p>
             <a:fld id="{0717AEF8-1597-4679-8926-916E82E12B07}" type="datetimeFigureOut">
               <a:rPr lang="fr-FR" smtClean="0"/>
-              <a:t>07/01/2019</a:t>
+              <a:t>13/01/2019</a:t>
             </a:fld>
             <a:endParaRPr lang="fr-FR"/>
           </a:p>
@@ -1823,7 +1823,7 @@
           <a:p>
             <a:fld id="{0717AEF8-1597-4679-8926-916E82E12B07}" type="datetimeFigureOut">
               <a:rPr lang="fr-FR" smtClean="0"/>
-              <a:t>07/01/2019</a:t>
+              <a:t>13/01/2019</a:t>
             </a:fld>
             <a:endParaRPr lang="fr-FR"/>
           </a:p>
@@ -1964,7 +1964,7 @@
           <a:p>
             <a:fld id="{0717AEF8-1597-4679-8926-916E82E12B07}" type="datetimeFigureOut">
               <a:rPr lang="fr-FR" smtClean="0"/>
-              <a:t>07/01/2019</a:t>
+              <a:t>13/01/2019</a:t>
             </a:fld>
             <a:endParaRPr lang="fr-FR"/>
           </a:p>
@@ -2077,7 +2077,7 @@
           <a:p>
             <a:fld id="{0717AEF8-1597-4679-8926-916E82E12B07}" type="datetimeFigureOut">
               <a:rPr lang="fr-FR" smtClean="0"/>
-              <a:t>07/01/2019</a:t>
+              <a:t>13/01/2019</a:t>
             </a:fld>
             <a:endParaRPr lang="fr-FR"/>
           </a:p>
@@ -2388,7 +2388,7 @@
           <a:p>
             <a:fld id="{0717AEF8-1597-4679-8926-916E82E12B07}" type="datetimeFigureOut">
               <a:rPr lang="fr-FR" smtClean="0"/>
-              <a:t>07/01/2019</a:t>
+              <a:t>13/01/2019</a:t>
             </a:fld>
             <a:endParaRPr lang="fr-FR"/>
           </a:p>
@@ -2676,7 +2676,7 @@
           <a:p>
             <a:fld id="{0717AEF8-1597-4679-8926-916E82E12B07}" type="datetimeFigureOut">
               <a:rPr lang="fr-FR" smtClean="0"/>
-              <a:t>07/01/2019</a:t>
+              <a:t>13/01/2019</a:t>
             </a:fld>
             <a:endParaRPr lang="fr-FR"/>
           </a:p>
@@ -2917,7 +2917,7 @@
           <a:p>
             <a:fld id="{0717AEF8-1597-4679-8926-916E82E12B07}" type="datetimeFigureOut">
               <a:rPr lang="fr-FR" smtClean="0"/>
-              <a:t>07/01/2019</a:t>
+              <a:t>13/01/2019</a:t>
             </a:fld>
             <a:endParaRPr lang="fr-FR"/>
           </a:p>
@@ -3874,7 +3874,7 @@
           </a:prstGeom>
           <a:ln w="38100" cap="flat" cmpd="sng" algn="ctr">
             <a:solidFill>
-              <a:schemeClr val="tx1"/>
+              <a:srgbClr val="0070C0"/>
             </a:solidFill>
             <a:prstDash val="solid"/>
             <a:round/>
@@ -4239,7 +4239,9 @@
             <a:avLst/>
           </a:prstGeom>
           <a:solidFill>
-            <a:schemeClr val="tx1"/>
+            <a:schemeClr val="bg2">
+              <a:lumMod val="90000"/>
+            </a:schemeClr>
           </a:solidFill>
         </p:spPr>
         <p:style>
@@ -4298,7 +4300,9 @@
             <a:avLst/>
           </a:prstGeom>
           <a:solidFill>
-            <a:srgbClr val="00B050"/>
+            <a:schemeClr val="bg2">
+              <a:lumMod val="90000"/>
+            </a:schemeClr>
           </a:solidFill>
         </p:spPr>
         <p:style>
@@ -4442,7 +4446,7 @@
           </a:prstGeom>
           <a:ln w="38100" cap="flat" cmpd="sng" algn="ctr">
             <a:solidFill>
-              <a:srgbClr val="FFFF00"/>
+              <a:srgbClr val="00B050"/>
             </a:solidFill>
             <a:prstDash val="solid"/>
             <a:round/>
@@ -4491,7 +4495,7 @@
           </a:prstGeom>
           <a:ln w="38100" cap="flat" cmpd="sng" algn="ctr">
             <a:solidFill>
-              <a:schemeClr val="tx1"/>
+              <a:srgbClr val="0070C0"/>
             </a:solidFill>
             <a:prstDash val="solid"/>
             <a:round/>
@@ -4622,7 +4626,9 @@
             <a:avLst/>
           </a:prstGeom>
           <a:solidFill>
-            <a:schemeClr val="accent2"/>
+            <a:schemeClr val="bg2">
+              <a:lumMod val="90000"/>
+            </a:schemeClr>
           </a:solidFill>
         </p:spPr>
         <p:style>
@@ -4681,15 +4687,10 @@
             <a:avLst/>
           </a:prstGeom>
           <a:solidFill>
-            <a:srgbClr val="FF0000"/>
+            <a:schemeClr val="bg2">
+              <a:lumMod val="90000"/>
+            </a:schemeClr>
           </a:solidFill>
-          <a:ln>
-            <a:solidFill>
-              <a:schemeClr val="accent2">
-                <a:lumMod val="75000"/>
-              </a:schemeClr>
-            </a:solidFill>
-          </a:ln>
         </p:spPr>
         <p:style>
           <a:lnRef idx="2">
@@ -6217,7 +6218,7 @@
         </p:nvCxnSpPr>
         <p:spPr>
           <a:xfrm flipH="1">
-            <a:off x="7265956" y="1110579"/>
+            <a:off x="4405143" y="1099179"/>
             <a:ext cx="5342" cy="508151"/>
           </a:xfrm>
           <a:prstGeom prst="straightConnector1">
@@ -6265,7 +6266,7 @@
         </p:nvCxnSpPr>
         <p:spPr>
           <a:xfrm>
-            <a:off x="6688526" y="1101839"/>
+            <a:off x="6853898" y="1101839"/>
             <a:ext cx="1" cy="523424"/>
           </a:xfrm>
           <a:prstGeom prst="straightConnector1">
@@ -6320,7 +6321,7 @@
           </a:prstGeom>
           <a:ln w="38100" cap="flat" cmpd="sng" algn="ctr">
             <a:solidFill>
-              <a:srgbClr val="00B0F0"/>
+              <a:srgbClr val="00B050"/>
             </a:solidFill>
             <a:prstDash val="solid"/>
             <a:round/>
@@ -6357,7 +6358,7 @@
         </p:nvSpPr>
         <p:spPr>
           <a:xfrm>
-            <a:off x="5971301" y="1907808"/>
+            <a:off x="6136671" y="1907808"/>
             <a:ext cx="880291" cy="276999"/>
           </a:xfrm>
           <a:prstGeom prst="rect">
@@ -6379,7 +6380,7 @@
             <a:pPr algn="ctr"/>
             <a:r>
               <a:rPr lang="fr-FR" sz="1200" dirty="0"/>
-              <a:t>Serial 2 </a:t>
+              <a:t>Serial 1 </a:t>
             </a:r>
           </a:p>
         </p:txBody>
@@ -6572,7 +6573,7 @@
         </p:nvSpPr>
         <p:spPr>
           <a:xfrm>
-            <a:off x="6443122" y="1625263"/>
+            <a:off x="6608494" y="1625263"/>
             <a:ext cx="490809" cy="286308"/>
           </a:xfrm>
           <a:prstGeom prst="ellipse">
@@ -6611,7 +6612,7 @@
                   <a:schemeClr val="tx1"/>
                 </a:solidFill>
               </a:rPr>
-              <a:t>17</a:t>
+              <a:t>19</a:t>
             </a:r>
           </a:p>
           <a:p>
@@ -6641,7 +6642,7 @@
         </p:nvSpPr>
         <p:spPr>
           <a:xfrm>
-            <a:off x="5907696" y="1618730"/>
+            <a:off x="6034157" y="1618730"/>
             <a:ext cx="490809" cy="286308"/>
           </a:xfrm>
           <a:prstGeom prst="ellipse">
@@ -6680,7 +6681,7 @@
                   <a:schemeClr val="tx1"/>
                 </a:solidFill>
               </a:rPr>
-              <a:t>16</a:t>
+              <a:t>18</a:t>
             </a:r>
           </a:p>
           <a:p>
@@ -7470,8 +7471,8 @@
         </p:nvSpPr>
         <p:spPr>
           <a:xfrm>
-            <a:off x="6993112" y="1904971"/>
-            <a:ext cx="524916" cy="276999"/>
+            <a:off x="4155281" y="1913536"/>
+            <a:ext cx="524086" cy="276999"/>
           </a:xfrm>
           <a:prstGeom prst="rect">
             <a:avLst/>
@@ -7511,7 +7512,7 @@
         </p:nvSpPr>
         <p:spPr>
           <a:xfrm>
-            <a:off x="6959402" y="1615939"/>
+            <a:off x="4110158" y="1598465"/>
             <a:ext cx="573656" cy="279569"/>
           </a:xfrm>
           <a:prstGeom prst="ellipse">
@@ -8083,11 +8084,17 @@
           <a:lstStyle/>
           <a:p>
             <a:pPr algn="ctr"/>
-            <a:endParaRPr lang="fr-FR" dirty="0"/>
+            <a:r>
+              <a:rPr lang="fr-FR" sz="1200" dirty="0"/>
+              <a:t>Compass</a:t>
+            </a:r>
           </a:p>
           <a:p>
             <a:pPr algn="ctr"/>
-            <a:endParaRPr lang="fr-FR" dirty="0"/>
+            <a:r>
+              <a:rPr lang="fr-FR" sz="1200" dirty="0"/>
+              <a:t>CMPS12</a:t>
+            </a:r>
           </a:p>
         </p:txBody>
       </p:sp>
@@ -8202,7 +8209,7 @@
           </a:prstGeom>
           <a:ln w="38100" cap="flat" cmpd="sng" algn="ctr">
             <a:solidFill>
-              <a:schemeClr val="accent4"/>
+              <a:srgbClr val="0070C0"/>
             </a:solidFill>
             <a:prstDash val="solid"/>
             <a:round/>
@@ -8241,7 +8248,7 @@
         </p:nvCxnSpPr>
         <p:spPr>
           <a:xfrm flipH="1">
-            <a:off x="6164259" y="1106134"/>
+            <a:off x="6251811" y="1106134"/>
             <a:ext cx="5765" cy="492554"/>
           </a:xfrm>
           <a:prstGeom prst="straightConnector1">
@@ -8249,7 +8256,7 @@
           </a:prstGeom>
           <a:ln w="38100" cap="flat" cmpd="sng" algn="ctr">
             <a:solidFill>
-              <a:schemeClr val="tx1"/>
+              <a:srgbClr val="0070C0"/>
             </a:solidFill>
             <a:prstDash val="solid"/>
             <a:round/>
@@ -8526,7 +8533,7 @@
         <p:spPr>
           <a:xfrm>
             <a:off x="6018901" y="730534"/>
-            <a:ext cx="1331202" cy="390849"/>
+            <a:ext cx="1109029" cy="390849"/>
           </a:xfrm>
           <a:prstGeom prst="rect">
             <a:avLst/>
@@ -9762,7 +9769,7 @@
           </a:prstGeom>
           <a:ln w="19050">
             <a:solidFill>
-              <a:srgbClr val="FFC000"/>
+              <a:srgbClr val="FF0000"/>
             </a:solidFill>
           </a:ln>
         </p:spPr>
@@ -9797,7 +9804,7 @@
         </p:nvCxnSpPr>
         <p:spPr>
           <a:xfrm rot="16200000" flipH="1">
-            <a:off x="9018933" y="799950"/>
+            <a:off x="9061914" y="799951"/>
             <a:ext cx="364215" cy="291992"/>
           </a:xfrm>
           <a:prstGeom prst="bentConnector3">
@@ -9805,7 +9812,7 @@
           </a:prstGeom>
           <a:ln w="19050">
             <a:solidFill>
-              <a:srgbClr val="FFC000"/>
+              <a:srgbClr val="0070C0"/>
             </a:solidFill>
           </a:ln>
         </p:spPr>
@@ -12785,7 +12792,7 @@
           </a:prstGeom>
           <a:ln w="19050">
             <a:solidFill>
-              <a:schemeClr val="tx1"/>
+              <a:srgbClr val="00B050"/>
             </a:solidFill>
             <a:tailEnd type="triangle"/>
           </a:ln>
@@ -12908,7 +12915,7 @@
         </p:nvCxnSpPr>
         <p:spPr>
           <a:xfrm>
-            <a:off x="4935920" y="1110302"/>
+            <a:off x="5498164" y="1119466"/>
             <a:ext cx="1" cy="523424"/>
           </a:xfrm>
           <a:prstGeom prst="straightConnector1">
@@ -12916,7 +12923,7 @@
           </a:prstGeom>
           <a:ln w="38100" cap="flat" cmpd="sng" algn="ctr">
             <a:solidFill>
-              <a:srgbClr val="FFFF00"/>
+              <a:srgbClr val="00B050"/>
             </a:solidFill>
             <a:prstDash val="solid"/>
             <a:round/>
@@ -12953,7 +12960,7 @@
         </p:nvSpPr>
         <p:spPr>
           <a:xfrm>
-            <a:off x="4218695" y="1916271"/>
+            <a:off x="4831602" y="1905248"/>
             <a:ext cx="880291" cy="276999"/>
           </a:xfrm>
           <a:prstGeom prst="rect">
@@ -12975,7 +12982,7 @@
             <a:pPr algn="ctr"/>
             <a:r>
               <a:rPr lang="fr-FR" sz="1200" dirty="0"/>
-              <a:t>Serial 1 </a:t>
+              <a:t>Serial 2 </a:t>
             </a:r>
           </a:p>
         </p:txBody>
@@ -12994,7 +13001,7 @@
         </p:nvSpPr>
         <p:spPr>
           <a:xfrm>
-            <a:off x="4690516" y="1633726"/>
+            <a:off x="5252760" y="1642890"/>
             <a:ext cx="490809" cy="286308"/>
           </a:xfrm>
           <a:prstGeom prst="ellipse">
@@ -13033,7 +13040,7 @@
                   <a:schemeClr val="tx1"/>
                 </a:solidFill>
               </a:rPr>
-              <a:t>19</a:t>
+              <a:t>17</a:t>
             </a:r>
           </a:p>
           <a:p>
@@ -13063,7 +13070,7 @@
         </p:nvSpPr>
         <p:spPr>
           <a:xfrm>
-            <a:off x="4155090" y="1627193"/>
+            <a:off x="4717334" y="1608329"/>
             <a:ext cx="490809" cy="286308"/>
           </a:xfrm>
           <a:prstGeom prst="ellipse">
@@ -13102,7 +13109,7 @@
                   <a:schemeClr val="tx1"/>
                 </a:solidFill>
               </a:rPr>
-              <a:t>18</a:t>
+              <a:t>16</a:t>
             </a:r>
           </a:p>
           <a:p>
@@ -13134,7 +13141,7 @@
         </p:nvCxnSpPr>
         <p:spPr>
           <a:xfrm flipH="1">
-            <a:off x="4402687" y="1115775"/>
+            <a:off x="4986043" y="1098092"/>
             <a:ext cx="5765" cy="492554"/>
           </a:xfrm>
           <a:prstGeom prst="straightConnector1">
@@ -13142,7 +13149,7 @@
           </a:prstGeom>
           <a:ln w="38100" cap="flat" cmpd="sng" algn="ctr">
             <a:solidFill>
-              <a:schemeClr val="tx1"/>
+              <a:srgbClr val="0070C0"/>
             </a:solidFill>
             <a:prstDash val="solid"/>
             <a:round/>
@@ -13179,8 +13186,8 @@
         </p:nvSpPr>
         <p:spPr>
           <a:xfrm>
-            <a:off x="4063090" y="738997"/>
-            <a:ext cx="1331202" cy="390849"/>
+            <a:off x="4063089" y="738997"/>
+            <a:ext cx="1694051" cy="390849"/>
           </a:xfrm>
           <a:prstGeom prst="rect">
             <a:avLst/>
@@ -13211,7 +13218,7 @@
             </a:r>
             <a:r>
               <a:rPr lang="fr-FR" sz="1200" dirty="0" err="1"/>
-              <a:t>WIFClient</a:t>
+              <a:t>WIFIServer</a:t>
             </a:r>
             <a:endParaRPr lang="fr-FR" sz="1200" dirty="0"/>
           </a:p>
@@ -14224,6 +14231,48 @@
             <a:r>
               <a:rPr lang="fr-FR" sz="800" dirty="0"/>
               <a:t>0x68 </a:t>
+            </a:r>
+          </a:p>
+        </p:txBody>
+      </p:sp>
+      <p:sp>
+        <p:nvSpPr>
+          <p:cNvPr id="196" name="ZoneTexte 195">
+            <a:extLst>
+              <a:ext uri="{FF2B5EF4-FFF2-40B4-BE49-F238E27FC236}">
+                <a16:creationId xmlns:a16="http://schemas.microsoft.com/office/drawing/2014/main" id="{52938325-F99A-47EF-95B0-0AA75A8F758B}"/>
+              </a:ext>
+            </a:extLst>
+          </p:cNvPr>
+          <p:cNvSpPr txBox="1"/>
+          <p:nvPr/>
+        </p:nvSpPr>
+        <p:spPr>
+          <a:xfrm>
+            <a:off x="7798322" y="779551"/>
+            <a:ext cx="928972" cy="338554"/>
+          </a:xfrm>
+          <a:prstGeom prst="rect">
+            <a:avLst/>
+          </a:prstGeom>
+          <a:noFill/>
+        </p:spPr>
+        <p:txBody>
+          <a:bodyPr wrap="square" rtlCol="0">
+            <a:spAutoFit/>
+          </a:bodyPr>
+          <a:lstStyle/>
+          <a:p>
+            <a:r>
+              <a:rPr lang="fr-FR" sz="800" dirty="0" err="1"/>
+              <a:t>Address</a:t>
+            </a:r>
+            <a:endParaRPr lang="fr-FR" sz="800" dirty="0"/>
+          </a:p>
+          <a:p>
+            <a:r>
+              <a:rPr lang="fr-FR" sz="800" dirty="0"/>
+              <a:t>0x60 </a:t>
             </a:r>
           </a:p>
         </p:txBody>
@@ -17505,7 +17554,7 @@
             <p:ph idx="1"/>
             <p:extLst>
               <p:ext uri="{D42A27DB-BD31-4B8C-83A1-F6EECF244321}">
-                <p14:modId xmlns:p14="http://schemas.microsoft.com/office/powerpoint/2010/main" val="3761397974"/>
+                <p14:modId xmlns:p14="http://schemas.microsoft.com/office/powerpoint/2010/main" val="3755233980"/>
               </p:ext>
             </p:extLst>
           </p:nvPr>
@@ -19008,7 +19057,7 @@
                       <a:r>
                         <a:rPr lang="fr-FR" dirty="0">
                           <a:solidFill>
-                            <a:srgbClr val="FF0000"/>
+                            <a:schemeClr val="tx1"/>
                           </a:solidFill>
                         </a:rPr>
                         <a:t>Compass</a:t>
@@ -19069,7 +19118,10 @@
                         <a:tabLst/>
                         <a:defRPr/>
                       </a:pPr>
-                      <a:endParaRPr lang="fr-FR" dirty="0"/>
+                      <a:r>
+                        <a:rPr lang="fr-FR" dirty="0"/>
+                        <a:t>I2C 0x60</a:t>
+                      </a:r>
                     </a:p>
                   </a:txBody>
                   <a:tcPr/>

--- a/libraries/Diagramm Robot v2.pptx
+++ b/libraries/Diagramm Robot v2.pptx
@@ -267,7 +267,7 @@
           <a:p>
             <a:fld id="{0717AEF8-1597-4679-8926-916E82E12B07}" type="datetimeFigureOut">
               <a:rPr lang="fr-FR" smtClean="0"/>
-              <a:t>13/01/2019</a:t>
+              <a:t>14/01/2019</a:t>
             </a:fld>
             <a:endParaRPr lang="fr-FR"/>
           </a:p>
@@ -465,7 +465,7 @@
           <a:p>
             <a:fld id="{0717AEF8-1597-4679-8926-916E82E12B07}" type="datetimeFigureOut">
               <a:rPr lang="fr-FR" smtClean="0"/>
-              <a:t>13/01/2019</a:t>
+              <a:t>14/01/2019</a:t>
             </a:fld>
             <a:endParaRPr lang="fr-FR"/>
           </a:p>
@@ -673,7 +673,7 @@
           <a:p>
             <a:fld id="{0717AEF8-1597-4679-8926-916E82E12B07}" type="datetimeFigureOut">
               <a:rPr lang="fr-FR" smtClean="0"/>
-              <a:t>13/01/2019</a:t>
+              <a:t>14/01/2019</a:t>
             </a:fld>
             <a:endParaRPr lang="fr-FR"/>
           </a:p>
@@ -871,7 +871,7 @@
           <a:p>
             <a:fld id="{0717AEF8-1597-4679-8926-916E82E12B07}" type="datetimeFigureOut">
               <a:rPr lang="fr-FR" smtClean="0"/>
-              <a:t>13/01/2019</a:t>
+              <a:t>14/01/2019</a:t>
             </a:fld>
             <a:endParaRPr lang="fr-FR"/>
           </a:p>
@@ -1146,7 +1146,7 @@
           <a:p>
             <a:fld id="{0717AEF8-1597-4679-8926-916E82E12B07}" type="datetimeFigureOut">
               <a:rPr lang="fr-FR" smtClean="0"/>
-              <a:t>13/01/2019</a:t>
+              <a:t>14/01/2019</a:t>
             </a:fld>
             <a:endParaRPr lang="fr-FR"/>
           </a:p>
@@ -1411,7 +1411,7 @@
           <a:p>
             <a:fld id="{0717AEF8-1597-4679-8926-916E82E12B07}" type="datetimeFigureOut">
               <a:rPr lang="fr-FR" smtClean="0"/>
-              <a:t>13/01/2019</a:t>
+              <a:t>14/01/2019</a:t>
             </a:fld>
             <a:endParaRPr lang="fr-FR"/>
           </a:p>
@@ -1823,7 +1823,7 @@
           <a:p>
             <a:fld id="{0717AEF8-1597-4679-8926-916E82E12B07}" type="datetimeFigureOut">
               <a:rPr lang="fr-FR" smtClean="0"/>
-              <a:t>13/01/2019</a:t>
+              <a:t>14/01/2019</a:t>
             </a:fld>
             <a:endParaRPr lang="fr-FR"/>
           </a:p>
@@ -1964,7 +1964,7 @@
           <a:p>
             <a:fld id="{0717AEF8-1597-4679-8926-916E82E12B07}" type="datetimeFigureOut">
               <a:rPr lang="fr-FR" smtClean="0"/>
-              <a:t>13/01/2019</a:t>
+              <a:t>14/01/2019</a:t>
             </a:fld>
             <a:endParaRPr lang="fr-FR"/>
           </a:p>
@@ -2077,7 +2077,7 @@
           <a:p>
             <a:fld id="{0717AEF8-1597-4679-8926-916E82E12B07}" type="datetimeFigureOut">
               <a:rPr lang="fr-FR" smtClean="0"/>
-              <a:t>13/01/2019</a:t>
+              <a:t>14/01/2019</a:t>
             </a:fld>
             <a:endParaRPr lang="fr-FR"/>
           </a:p>
@@ -2388,7 +2388,7 @@
           <a:p>
             <a:fld id="{0717AEF8-1597-4679-8926-916E82E12B07}" type="datetimeFigureOut">
               <a:rPr lang="fr-FR" smtClean="0"/>
-              <a:t>13/01/2019</a:t>
+              <a:t>14/01/2019</a:t>
             </a:fld>
             <a:endParaRPr lang="fr-FR"/>
           </a:p>
@@ -2676,7 +2676,7 @@
           <a:p>
             <a:fld id="{0717AEF8-1597-4679-8926-916E82E12B07}" type="datetimeFigureOut">
               <a:rPr lang="fr-FR" smtClean="0"/>
-              <a:t>13/01/2019</a:t>
+              <a:t>14/01/2019</a:t>
             </a:fld>
             <a:endParaRPr lang="fr-FR"/>
           </a:p>
@@ -2917,7 +2917,7 @@
           <a:p>
             <a:fld id="{0717AEF8-1597-4679-8926-916E82E12B07}" type="datetimeFigureOut">
               <a:rPr lang="fr-FR" smtClean="0"/>
-              <a:t>13/01/2019</a:t>
+              <a:t>14/01/2019</a:t>
             </a:fld>
             <a:endParaRPr lang="fr-FR"/>
           </a:p>
@@ -20963,8 +20963,12 @@
           <a:p>
             <a:pPr lvl="1" fontAlgn="t"/>
             <a:r>
+              <a:rPr lang="fr-FR" sz="4000"/>
+              <a:t>TAGPARAM </a:t>
+            </a:r>
+            <a:r>
               <a:rPr lang="fr-FR" sz="4000" dirty="0"/>
-              <a:t>TAGSYMBOL (0x50 - ‘P’)</a:t>
+              <a:t>(0x50 - ‘P’)</a:t>
             </a:r>
           </a:p>
           <a:p>

--- a/libraries/Diagramm Robot v2.pptx
+++ b/libraries/Diagramm Robot v2.pptx
@@ -267,7 +267,7 @@
           <a:p>
             <a:fld id="{0717AEF8-1597-4679-8926-916E82E12B07}" type="datetimeFigureOut">
               <a:rPr lang="fr-FR" smtClean="0"/>
-              <a:t>14/01/2019</a:t>
+              <a:t>15/01/2019</a:t>
             </a:fld>
             <a:endParaRPr lang="fr-FR"/>
           </a:p>
@@ -465,7 +465,7 @@
           <a:p>
             <a:fld id="{0717AEF8-1597-4679-8926-916E82E12B07}" type="datetimeFigureOut">
               <a:rPr lang="fr-FR" smtClean="0"/>
-              <a:t>14/01/2019</a:t>
+              <a:t>15/01/2019</a:t>
             </a:fld>
             <a:endParaRPr lang="fr-FR"/>
           </a:p>
@@ -673,7 +673,7 @@
           <a:p>
             <a:fld id="{0717AEF8-1597-4679-8926-916E82E12B07}" type="datetimeFigureOut">
               <a:rPr lang="fr-FR" smtClean="0"/>
-              <a:t>14/01/2019</a:t>
+              <a:t>15/01/2019</a:t>
             </a:fld>
             <a:endParaRPr lang="fr-FR"/>
           </a:p>
@@ -871,7 +871,7 @@
           <a:p>
             <a:fld id="{0717AEF8-1597-4679-8926-916E82E12B07}" type="datetimeFigureOut">
               <a:rPr lang="fr-FR" smtClean="0"/>
-              <a:t>14/01/2019</a:t>
+              <a:t>15/01/2019</a:t>
             </a:fld>
             <a:endParaRPr lang="fr-FR"/>
           </a:p>
@@ -1146,7 +1146,7 @@
           <a:p>
             <a:fld id="{0717AEF8-1597-4679-8926-916E82E12B07}" type="datetimeFigureOut">
               <a:rPr lang="fr-FR" smtClean="0"/>
-              <a:t>14/01/2019</a:t>
+              <a:t>15/01/2019</a:t>
             </a:fld>
             <a:endParaRPr lang="fr-FR"/>
           </a:p>
@@ -1411,7 +1411,7 @@
           <a:p>
             <a:fld id="{0717AEF8-1597-4679-8926-916E82E12B07}" type="datetimeFigureOut">
               <a:rPr lang="fr-FR" smtClean="0"/>
-              <a:t>14/01/2019</a:t>
+              <a:t>15/01/2019</a:t>
             </a:fld>
             <a:endParaRPr lang="fr-FR"/>
           </a:p>
@@ -1823,7 +1823,7 @@
           <a:p>
             <a:fld id="{0717AEF8-1597-4679-8926-916E82E12B07}" type="datetimeFigureOut">
               <a:rPr lang="fr-FR" smtClean="0"/>
-              <a:t>14/01/2019</a:t>
+              <a:t>15/01/2019</a:t>
             </a:fld>
             <a:endParaRPr lang="fr-FR"/>
           </a:p>
@@ -1964,7 +1964,7 @@
           <a:p>
             <a:fld id="{0717AEF8-1597-4679-8926-916E82E12B07}" type="datetimeFigureOut">
               <a:rPr lang="fr-FR" smtClean="0"/>
-              <a:t>14/01/2019</a:t>
+              <a:t>15/01/2019</a:t>
             </a:fld>
             <a:endParaRPr lang="fr-FR"/>
           </a:p>
@@ -2077,7 +2077,7 @@
           <a:p>
             <a:fld id="{0717AEF8-1597-4679-8926-916E82E12B07}" type="datetimeFigureOut">
               <a:rPr lang="fr-FR" smtClean="0"/>
-              <a:t>14/01/2019</a:t>
+              <a:t>15/01/2019</a:t>
             </a:fld>
             <a:endParaRPr lang="fr-FR"/>
           </a:p>
@@ -2388,7 +2388,7 @@
           <a:p>
             <a:fld id="{0717AEF8-1597-4679-8926-916E82E12B07}" type="datetimeFigureOut">
               <a:rPr lang="fr-FR" smtClean="0"/>
-              <a:t>14/01/2019</a:t>
+              <a:t>15/01/2019</a:t>
             </a:fld>
             <a:endParaRPr lang="fr-FR"/>
           </a:p>
@@ -2676,7 +2676,7 @@
           <a:p>
             <a:fld id="{0717AEF8-1597-4679-8926-916E82E12B07}" type="datetimeFigureOut">
               <a:rPr lang="fr-FR" smtClean="0"/>
-              <a:t>14/01/2019</a:t>
+              <a:t>15/01/2019</a:t>
             </a:fld>
             <a:endParaRPr lang="fr-FR"/>
           </a:p>
@@ -2917,7 +2917,7 @@
           <a:p>
             <a:fld id="{0717AEF8-1597-4679-8926-916E82E12B07}" type="datetimeFigureOut">
               <a:rPr lang="fr-FR" smtClean="0"/>
-              <a:t>14/01/2019</a:t>
+              <a:t>15/01/2019</a:t>
             </a:fld>
             <a:endParaRPr lang="fr-FR"/>
           </a:p>
@@ -20801,7 +20801,7 @@
         </p:nvSpPr>
         <p:spPr>
           <a:xfrm>
-            <a:off x="838200" y="365125"/>
+            <a:off x="855955" y="237550"/>
             <a:ext cx="10515600" cy="450215"/>
           </a:xfrm>
         </p:spPr>
@@ -20837,8 +20837,8 @@
         </p:nvSpPr>
         <p:spPr>
           <a:xfrm>
-            <a:off x="579120" y="957897"/>
-            <a:ext cx="10515600" cy="5832370"/>
+            <a:off x="596875" y="770324"/>
+            <a:ext cx="10515600" cy="6087675"/>
           </a:xfrm>
         </p:spPr>
         <p:txBody>
@@ -20854,6 +20854,24 @@
           </a:p>
           <a:p>
             <a:r>
+              <a:rPr lang="fr-FR" sz="4000" dirty="0" err="1"/>
+              <a:t>Length</a:t>
+            </a:r>
+            <a:r>
+              <a:rPr lang="fr-FR" sz="4000" dirty="0"/>
+              <a:t> = 8+(4*</a:t>
+            </a:r>
+            <a:r>
+              <a:rPr lang="fr-FR" sz="4000" dirty="0" err="1"/>
+              <a:t>paramlen</a:t>
+            </a:r>
+            <a:r>
+              <a:rPr lang="fr-FR" sz="4000" dirty="0"/>
+              <a:t>)</a:t>
+            </a:r>
+          </a:p>
+          <a:p>
+            <a:r>
               <a:rPr lang="fr-FR" sz="4000" dirty="0"/>
               <a:t>SBN2 (0xFB)</a:t>
             </a:r>
@@ -20883,7 +20901,23 @@
             </a:r>
             <a:r>
               <a:rPr lang="fr-FR" sz="4000" dirty="0"/>
-              <a:t> : id of the commande (1,2,3….)</a:t>
+              <a:t> : id of the command (1,2,3….) </a:t>
+            </a:r>
+            <a:r>
+              <a:rPr lang="fr-FR" sz="4000" dirty="0" err="1"/>
+              <a:t>provided</a:t>
+            </a:r>
+            <a:r>
+              <a:rPr lang="fr-FR" sz="4000" dirty="0"/>
+              <a:t> </a:t>
+            </a:r>
+            <a:r>
+              <a:rPr lang="fr-FR" sz="4000" dirty="0" err="1"/>
+              <a:t>only</a:t>
+            </a:r>
+            <a:r>
+              <a:rPr lang="fr-FR" sz="4000" dirty="0"/>
+              <a:t> for CMD and RESP_OK.	</a:t>
             </a:r>
           </a:p>
           <a:p>
@@ -20963,12 +20997,8 @@
           <a:p>
             <a:pPr lvl="1" fontAlgn="t"/>
             <a:r>
-              <a:rPr lang="fr-FR" sz="4000"/>
-              <a:t>TAGPARAM </a:t>
-            </a:r>
-            <a:r>
               <a:rPr lang="fr-FR" sz="4000" dirty="0"/>
-              <a:t>(0x50 - ‘P’)</a:t>
+              <a:t>TAGPARAM (0x50 - ‘P’)</a:t>
             </a:r>
           </a:p>
           <a:p>
@@ -21033,14 +21063,14 @@
           <p:nvPr>
             <p:extLst>
               <p:ext uri="{D42A27DB-BD31-4B8C-83A1-F6EECF244321}">
-                <p14:modId xmlns:p14="http://schemas.microsoft.com/office/powerpoint/2010/main" val="1944306168"/>
+                <p14:modId xmlns:p14="http://schemas.microsoft.com/office/powerpoint/2010/main" val="1665823121"/>
               </p:ext>
             </p:extLst>
           </p:nvPr>
         </p:nvGraphicFramePr>
         <p:xfrm>
-          <a:off x="655320" y="2548202"/>
-          <a:ext cx="8920480" cy="2651760"/>
+          <a:off x="673075" y="2614630"/>
+          <a:ext cx="8920480" cy="2804160"/>
         </p:xfrm>
         <a:graphic>
           <a:graphicData uri="http://schemas.openxmlformats.org/drawingml/2006/table">
@@ -21361,7 +21391,7 @@
                         <a:rPr lang="fr-FR" sz="1000" dirty="0">
                           <a:latin typeface="+mn-lt"/>
                         </a:rPr>
-                        <a:t>CMD_GET_INFOS                   0x03</a:t>
+                        <a:t>CMD_GET_INFOS                0x03</a:t>
                       </a:r>
                     </a:p>
                     <a:p>
@@ -21426,6 +21456,14 @@
                           <a:latin typeface="+mn-lt"/>
                         </a:rPr>
                         <a:t>CMD_PI                                 0x0B</a:t>
+                      </a:r>
+                    </a:p>
+                    <a:p>
+                      <a:r>
+                        <a:rPr lang="fr-FR" sz="1000" dirty="0">
+                          <a:latin typeface="+mn-lt"/>
+                        </a:rPr>
+                        <a:t>CMD_TEST                            0x0C</a:t>
                       </a:r>
                     </a:p>
                   </a:txBody>
@@ -21501,6 +21539,106 @@
       </p:grpSpPr>
       <p:sp>
         <p:nvSpPr>
+          <p:cNvPr id="5" name="Rectangle 4">
+            <a:extLst>
+              <a:ext uri="{FF2B5EF4-FFF2-40B4-BE49-F238E27FC236}">
+                <a16:creationId xmlns:a16="http://schemas.microsoft.com/office/drawing/2014/main" id="{0F1268BC-C444-44ED-8A77-4D9E86E97815}"/>
+              </a:ext>
+            </a:extLst>
+          </p:cNvPr>
+          <p:cNvSpPr/>
+          <p:nvPr/>
+        </p:nvSpPr>
+        <p:spPr>
+          <a:xfrm>
+            <a:off x="579120" y="3876474"/>
+            <a:ext cx="11317808" cy="2728607"/>
+          </a:xfrm>
+          <a:prstGeom prst="rect">
+            <a:avLst/>
+          </a:prstGeom>
+          <a:blipFill>
+            <a:blip r:embed="rId2"/>
+            <a:tile tx="0" ty="0" sx="100000" sy="100000" flip="none" algn="tl"/>
+          </a:blipFill>
+        </p:spPr>
+        <p:style>
+          <a:lnRef idx="2">
+            <a:schemeClr val="accent1">
+              <a:shade val="50000"/>
+            </a:schemeClr>
+          </a:lnRef>
+          <a:fillRef idx="1">
+            <a:schemeClr val="accent1"/>
+          </a:fillRef>
+          <a:effectRef idx="0">
+            <a:schemeClr val="accent1"/>
+          </a:effectRef>
+          <a:fontRef idx="minor">
+            <a:schemeClr val="lt1"/>
+          </a:fontRef>
+        </p:style>
+        <p:txBody>
+          <a:bodyPr rtlCol="0" anchor="ctr"/>
+          <a:lstStyle/>
+          <a:p>
+            <a:pPr algn="ctr"/>
+            <a:endParaRPr lang="en-US"/>
+          </a:p>
+        </p:txBody>
+      </p:sp>
+      <p:sp>
+        <p:nvSpPr>
+          <p:cNvPr id="4" name="Rectangle 3">
+            <a:extLst>
+              <a:ext uri="{FF2B5EF4-FFF2-40B4-BE49-F238E27FC236}">
+                <a16:creationId xmlns:a16="http://schemas.microsoft.com/office/drawing/2014/main" id="{E15AF5CA-93FD-41AD-BF8E-15E7F94493E4}"/>
+              </a:ext>
+            </a:extLst>
+          </p:cNvPr>
+          <p:cNvSpPr/>
+          <p:nvPr/>
+        </p:nvSpPr>
+        <p:spPr>
+          <a:xfrm>
+            <a:off x="579120" y="957897"/>
+            <a:ext cx="11317808" cy="2918577"/>
+          </a:xfrm>
+          <a:prstGeom prst="rect">
+            <a:avLst/>
+          </a:prstGeom>
+          <a:blipFill>
+            <a:blip r:embed="rId3"/>
+            <a:tile tx="0" ty="0" sx="100000" sy="100000" flip="none" algn="tl"/>
+          </a:blipFill>
+        </p:spPr>
+        <p:style>
+          <a:lnRef idx="2">
+            <a:schemeClr val="accent1">
+              <a:shade val="50000"/>
+            </a:schemeClr>
+          </a:lnRef>
+          <a:fillRef idx="1">
+            <a:schemeClr val="accent1"/>
+          </a:fillRef>
+          <a:effectRef idx="0">
+            <a:schemeClr val="accent1"/>
+          </a:effectRef>
+          <a:fontRef idx="minor">
+            <a:schemeClr val="lt1"/>
+          </a:fontRef>
+        </p:style>
+        <p:txBody>
+          <a:bodyPr rtlCol="0" anchor="ctr"/>
+          <a:lstStyle/>
+          <a:p>
+            <a:pPr algn="ctr"/>
+            <a:endParaRPr lang="en-US"/>
+          </a:p>
+        </p:txBody>
+      </p:sp>
+      <p:sp>
+        <p:nvSpPr>
           <p:cNvPr id="2" name="Titre 1">
             <a:extLst>
               <a:ext uri="{FF2B5EF4-FFF2-40B4-BE49-F238E27FC236}">
@@ -21517,8 +21655,8 @@
         </p:nvSpPr>
         <p:spPr>
           <a:xfrm>
-            <a:off x="838200" y="365125"/>
-            <a:ext cx="10515600" cy="450215"/>
+            <a:off x="838199" y="365125"/>
+            <a:ext cx="10786309" cy="450215"/>
           </a:xfrm>
         </p:spPr>
         <p:txBody>
@@ -21554,7 +21692,7 @@
         <p:spPr>
           <a:xfrm>
             <a:off x="579120" y="957897"/>
-            <a:ext cx="10515600" cy="5832370"/>
+            <a:ext cx="11317808" cy="5832370"/>
           </a:xfrm>
         </p:spPr>
         <p:txBody>
@@ -21573,7 +21711,7 @@
             </a:r>
             <a:r>
               <a:rPr lang="fr-FR" sz="3000" dirty="0"/>
-              <a:t> CMD to the Robot</a:t>
+              <a:t> the command (CMD) to the Robot</a:t>
             </a:r>
           </a:p>
           <a:p>
@@ -21624,7 +21762,7 @@
             </a:r>
             <a:r>
               <a:rPr lang="fr-FR" sz="3000" dirty="0"/>
-              <a:t> RESP to the Server </a:t>
+              <a:t> (RESP) to the Server </a:t>
             </a:r>
             <a:r>
               <a:rPr lang="fr-FR" sz="3000" dirty="0" err="1"/>
@@ -21632,7 +21770,7 @@
             </a:r>
             <a:r>
               <a:rPr lang="fr-FR" sz="3000" dirty="0"/>
-              <a:t> </a:t>
+              <a:t> the </a:t>
             </a:r>
             <a:r>
               <a:rPr lang="fr-FR" sz="3000" dirty="0" err="1"/>
@@ -21640,7 +21778,7 @@
             </a:r>
             <a:r>
               <a:rPr lang="fr-FR" sz="3000" dirty="0"/>
-              <a:t> CMD</a:t>
+              <a:t> of the command (CMD)</a:t>
             </a:r>
           </a:p>
           <a:p>
@@ -21721,6 +21859,19 @@
               <a:rPr lang="en-US" sz="1200" dirty="0"/>
               <a:t>); </a:t>
             </a:r>
+            <a:r>
+              <a:rPr lang="fr-FR" sz="1200" dirty="0"/>
+              <a:t>the </a:t>
+            </a:r>
+            <a:r>
+              <a:rPr lang="fr-FR" sz="1200" dirty="0" err="1"/>
+              <a:t>response</a:t>
+            </a:r>
+            <a:r>
+              <a:rPr lang="fr-FR" sz="1200" dirty="0"/>
+              <a:t> </a:t>
+            </a:r>
+            <a:endParaRPr lang="en-US" sz="1200" dirty="0"/>
           </a:p>
           <a:p>
             <a:r>
@@ -21757,7 +21908,15 @@
             </a:r>
             <a:r>
               <a:rPr lang="fr-FR" dirty="0"/>
-              <a:t> RESP to the Robot </a:t>
+              <a:t> the </a:t>
+            </a:r>
+            <a:r>
+              <a:rPr lang="fr-FR" dirty="0" err="1"/>
+              <a:t>response</a:t>
+            </a:r>
+            <a:r>
+              <a:rPr lang="fr-FR" dirty="0"/>
+              <a:t> (RESP) to the Robot </a:t>
             </a:r>
             <a:r>
               <a:rPr lang="fr-FR" dirty="0" err="1"/>
@@ -21765,7 +21924,7 @@
             </a:r>
             <a:r>
               <a:rPr lang="fr-FR" dirty="0"/>
-              <a:t> </a:t>
+              <a:t> the </a:t>
             </a:r>
             <a:r>
               <a:rPr lang="fr-FR" dirty="0" err="1"/>
@@ -21773,7 +21932,7 @@
             </a:r>
             <a:r>
               <a:rPr lang="fr-FR" dirty="0"/>
-              <a:t> PICTURE</a:t>
+              <a:t> of the PICTURE</a:t>
             </a:r>
           </a:p>
           <a:p>

--- a/libraries/Diagramm Robot v2.pptx
+++ b/libraries/Diagramm Robot v2.pptx
@@ -12,8 +12,8 @@
     <p:sldId id="262" r:id="rId6"/>
     <p:sldId id="257" r:id="rId7"/>
     <p:sldId id="264" r:id="rId8"/>
-    <p:sldId id="260" r:id="rId9"/>
-    <p:sldId id="266" r:id="rId10"/>
+    <p:sldId id="266" r:id="rId9"/>
+    <p:sldId id="260" r:id="rId10"/>
   </p:sldIdLst>
   <p:sldSz cx="12192000" cy="6858000"/>
   <p:notesSz cx="6888163" cy="10020300"/>
@@ -267,7 +267,7 @@
           <a:p>
             <a:fld id="{0717AEF8-1597-4679-8926-916E82E12B07}" type="datetimeFigureOut">
               <a:rPr lang="fr-FR" smtClean="0"/>
-              <a:t>15/01/2019</a:t>
+              <a:t>20/01/2019</a:t>
             </a:fld>
             <a:endParaRPr lang="fr-FR"/>
           </a:p>
@@ -465,7 +465,7 @@
           <a:p>
             <a:fld id="{0717AEF8-1597-4679-8926-916E82E12B07}" type="datetimeFigureOut">
               <a:rPr lang="fr-FR" smtClean="0"/>
-              <a:t>15/01/2019</a:t>
+              <a:t>20/01/2019</a:t>
             </a:fld>
             <a:endParaRPr lang="fr-FR"/>
           </a:p>
@@ -673,7 +673,7 @@
           <a:p>
             <a:fld id="{0717AEF8-1597-4679-8926-916E82E12B07}" type="datetimeFigureOut">
               <a:rPr lang="fr-FR" smtClean="0"/>
-              <a:t>15/01/2019</a:t>
+              <a:t>20/01/2019</a:t>
             </a:fld>
             <a:endParaRPr lang="fr-FR"/>
           </a:p>
@@ -871,7 +871,7 @@
           <a:p>
             <a:fld id="{0717AEF8-1597-4679-8926-916E82E12B07}" type="datetimeFigureOut">
               <a:rPr lang="fr-FR" smtClean="0"/>
-              <a:t>15/01/2019</a:t>
+              <a:t>20/01/2019</a:t>
             </a:fld>
             <a:endParaRPr lang="fr-FR"/>
           </a:p>
@@ -1146,7 +1146,7 @@
           <a:p>
             <a:fld id="{0717AEF8-1597-4679-8926-916E82E12B07}" type="datetimeFigureOut">
               <a:rPr lang="fr-FR" smtClean="0"/>
-              <a:t>15/01/2019</a:t>
+              <a:t>20/01/2019</a:t>
             </a:fld>
             <a:endParaRPr lang="fr-FR"/>
           </a:p>
@@ -1411,7 +1411,7 @@
           <a:p>
             <a:fld id="{0717AEF8-1597-4679-8926-916E82E12B07}" type="datetimeFigureOut">
               <a:rPr lang="fr-FR" smtClean="0"/>
-              <a:t>15/01/2019</a:t>
+              <a:t>20/01/2019</a:t>
             </a:fld>
             <a:endParaRPr lang="fr-FR"/>
           </a:p>
@@ -1823,7 +1823,7 @@
           <a:p>
             <a:fld id="{0717AEF8-1597-4679-8926-916E82E12B07}" type="datetimeFigureOut">
               <a:rPr lang="fr-FR" smtClean="0"/>
-              <a:t>15/01/2019</a:t>
+              <a:t>20/01/2019</a:t>
             </a:fld>
             <a:endParaRPr lang="fr-FR"/>
           </a:p>
@@ -1964,7 +1964,7 @@
           <a:p>
             <a:fld id="{0717AEF8-1597-4679-8926-916E82E12B07}" type="datetimeFigureOut">
               <a:rPr lang="fr-FR" smtClean="0"/>
-              <a:t>15/01/2019</a:t>
+              <a:t>20/01/2019</a:t>
             </a:fld>
             <a:endParaRPr lang="fr-FR"/>
           </a:p>
@@ -2077,7 +2077,7 @@
           <a:p>
             <a:fld id="{0717AEF8-1597-4679-8926-916E82E12B07}" type="datetimeFigureOut">
               <a:rPr lang="fr-FR" smtClean="0"/>
-              <a:t>15/01/2019</a:t>
+              <a:t>20/01/2019</a:t>
             </a:fld>
             <a:endParaRPr lang="fr-FR"/>
           </a:p>
@@ -2388,7 +2388,7 @@
           <a:p>
             <a:fld id="{0717AEF8-1597-4679-8926-916E82E12B07}" type="datetimeFigureOut">
               <a:rPr lang="fr-FR" smtClean="0"/>
-              <a:t>15/01/2019</a:t>
+              <a:t>20/01/2019</a:t>
             </a:fld>
             <a:endParaRPr lang="fr-FR"/>
           </a:p>
@@ -2676,7 +2676,7 @@
           <a:p>
             <a:fld id="{0717AEF8-1597-4679-8926-916E82E12B07}" type="datetimeFigureOut">
               <a:rPr lang="fr-FR" smtClean="0"/>
-              <a:t>15/01/2019</a:t>
+              <a:t>20/01/2019</a:t>
             </a:fld>
             <a:endParaRPr lang="fr-FR"/>
           </a:p>
@@ -2917,7 +2917,7 @@
           <a:p>
             <a:fld id="{0717AEF8-1597-4679-8926-916E82E12B07}" type="datetimeFigureOut">
               <a:rPr lang="fr-FR" smtClean="0"/>
-              <a:t>15/01/2019</a:t>
+              <a:t>20/01/2019</a:t>
             </a:fld>
             <a:endParaRPr lang="fr-FR"/>
           </a:p>
@@ -6123,6 +6123,318 @@
           </a:p>
         </p:txBody>
       </p:sp>
+      <p:sp>
+        <p:nvSpPr>
+          <p:cNvPr id="61" name="Ellipse 60">
+            <a:extLst>
+              <a:ext uri="{FF2B5EF4-FFF2-40B4-BE49-F238E27FC236}">
+                <a16:creationId xmlns:a16="http://schemas.microsoft.com/office/drawing/2014/main" id="{8E289A0F-9200-43E0-AEED-593A04FDD16C}"/>
+              </a:ext>
+            </a:extLst>
+          </p:cNvPr>
+          <p:cNvSpPr/>
+          <p:nvPr/>
+        </p:nvSpPr>
+        <p:spPr>
+          <a:xfrm>
+            <a:off x="6105728" y="3009668"/>
+            <a:ext cx="817389" cy="416421"/>
+          </a:xfrm>
+          <a:prstGeom prst="ellipse">
+            <a:avLst/>
+          </a:prstGeom>
+          <a:solidFill>
+            <a:schemeClr val="bg2">
+              <a:lumMod val="90000"/>
+            </a:schemeClr>
+          </a:solidFill>
+        </p:spPr>
+        <p:style>
+          <a:lnRef idx="2">
+            <a:schemeClr val="accent1">
+              <a:shade val="50000"/>
+            </a:schemeClr>
+          </a:lnRef>
+          <a:fillRef idx="1">
+            <a:schemeClr val="accent1"/>
+          </a:fillRef>
+          <a:effectRef idx="0">
+            <a:schemeClr val="accent1"/>
+          </a:effectRef>
+          <a:fontRef idx="minor">
+            <a:schemeClr val="lt1"/>
+          </a:fontRef>
+        </p:style>
+        <p:txBody>
+          <a:bodyPr rtlCol="0" anchor="ctr"/>
+          <a:lstStyle/>
+          <a:p>
+            <a:pPr algn="ctr"/>
+            <a:r>
+              <a:rPr lang="fr-FR" sz="900" dirty="0"/>
+              <a:t>Ground</a:t>
+            </a:r>
+          </a:p>
+        </p:txBody>
+      </p:sp>
+      <p:sp>
+        <p:nvSpPr>
+          <p:cNvPr id="63" name="Ellipse 62">
+            <a:extLst>
+              <a:ext uri="{FF2B5EF4-FFF2-40B4-BE49-F238E27FC236}">
+                <a16:creationId xmlns:a16="http://schemas.microsoft.com/office/drawing/2014/main" id="{19A59928-5456-4AA0-A506-480736AA66BD}"/>
+              </a:ext>
+            </a:extLst>
+          </p:cNvPr>
+          <p:cNvSpPr/>
+          <p:nvPr/>
+        </p:nvSpPr>
+        <p:spPr>
+          <a:xfrm>
+            <a:off x="6092687" y="2009080"/>
+            <a:ext cx="817389" cy="416421"/>
+          </a:xfrm>
+          <a:prstGeom prst="ellipse">
+            <a:avLst/>
+          </a:prstGeom>
+          <a:solidFill>
+            <a:schemeClr val="bg2">
+              <a:lumMod val="90000"/>
+            </a:schemeClr>
+          </a:solidFill>
+        </p:spPr>
+        <p:style>
+          <a:lnRef idx="2">
+            <a:schemeClr val="accent1">
+              <a:shade val="50000"/>
+            </a:schemeClr>
+          </a:lnRef>
+          <a:fillRef idx="1">
+            <a:schemeClr val="accent1"/>
+          </a:fillRef>
+          <a:effectRef idx="0">
+            <a:schemeClr val="accent1"/>
+          </a:effectRef>
+          <a:fontRef idx="minor">
+            <a:schemeClr val="lt1"/>
+          </a:fontRef>
+        </p:style>
+        <p:txBody>
+          <a:bodyPr rtlCol="0" anchor="ctr"/>
+          <a:lstStyle/>
+          <a:p>
+            <a:pPr algn="ctr"/>
+            <a:r>
+              <a:rPr lang="fr-FR" sz="900" dirty="0"/>
+              <a:t>Ground</a:t>
+            </a:r>
+          </a:p>
+        </p:txBody>
+      </p:sp>
+      <p:cxnSp>
+        <p:nvCxnSpPr>
+          <p:cNvPr id="66" name="Connecteur droit avec flèche 65">
+            <a:extLst>
+              <a:ext uri="{FF2B5EF4-FFF2-40B4-BE49-F238E27FC236}">
+                <a16:creationId xmlns:a16="http://schemas.microsoft.com/office/drawing/2014/main" id="{A83F199E-2F2D-4ED8-9FBD-633F7EF884E7}"/>
+              </a:ext>
+            </a:extLst>
+          </p:cNvPr>
+          <p:cNvCxnSpPr>
+            <a:cxnSpLocks/>
+            <a:endCxn id="61" idx="0"/>
+          </p:cNvCxnSpPr>
+          <p:nvPr/>
+        </p:nvCxnSpPr>
+        <p:spPr>
+          <a:xfrm>
+            <a:off x="6514422" y="2436651"/>
+            <a:ext cx="1" cy="573017"/>
+          </a:xfrm>
+          <a:prstGeom prst="straightConnector1">
+            <a:avLst/>
+          </a:prstGeom>
+          <a:ln w="38100" cap="flat" cmpd="sng" algn="ctr">
+            <a:solidFill>
+              <a:schemeClr val="tx1"/>
+            </a:solidFill>
+            <a:prstDash val="solid"/>
+            <a:round/>
+            <a:headEnd type="none" w="med" len="med"/>
+            <a:tailEnd type="none" w="med" len="med"/>
+          </a:ln>
+        </p:spPr>
+        <p:style>
+          <a:lnRef idx="0">
+            <a:scrgbClr r="0" g="0" b="0"/>
+          </a:lnRef>
+          <a:fillRef idx="0">
+            <a:scrgbClr r="0" g="0" b="0"/>
+          </a:fillRef>
+          <a:effectRef idx="0">
+            <a:scrgbClr r="0" g="0" b="0"/>
+          </a:effectRef>
+          <a:fontRef idx="minor">
+            <a:schemeClr val="tx1"/>
+          </a:fontRef>
+        </p:style>
+      </p:cxnSp>
+      <p:sp>
+        <p:nvSpPr>
+          <p:cNvPr id="67" name="Ellipse 66">
+            <a:extLst>
+              <a:ext uri="{FF2B5EF4-FFF2-40B4-BE49-F238E27FC236}">
+                <a16:creationId xmlns:a16="http://schemas.microsoft.com/office/drawing/2014/main" id="{387A33D0-2738-4A70-8FE1-01710365AD92}"/>
+              </a:ext>
+            </a:extLst>
+          </p:cNvPr>
+          <p:cNvSpPr/>
+          <p:nvPr/>
+        </p:nvSpPr>
+        <p:spPr>
+          <a:xfrm>
+            <a:off x="6103641" y="5058750"/>
+            <a:ext cx="817389" cy="416421"/>
+          </a:xfrm>
+          <a:prstGeom prst="ellipse">
+            <a:avLst/>
+          </a:prstGeom>
+          <a:solidFill>
+            <a:schemeClr val="bg2">
+              <a:lumMod val="90000"/>
+            </a:schemeClr>
+          </a:solidFill>
+        </p:spPr>
+        <p:style>
+          <a:lnRef idx="2">
+            <a:schemeClr val="accent1">
+              <a:shade val="50000"/>
+            </a:schemeClr>
+          </a:lnRef>
+          <a:fillRef idx="1">
+            <a:schemeClr val="accent1"/>
+          </a:fillRef>
+          <a:effectRef idx="0">
+            <a:schemeClr val="accent1"/>
+          </a:effectRef>
+          <a:fontRef idx="minor">
+            <a:schemeClr val="lt1"/>
+          </a:fontRef>
+        </p:style>
+        <p:txBody>
+          <a:bodyPr rtlCol="0" anchor="ctr"/>
+          <a:lstStyle/>
+          <a:p>
+            <a:pPr algn="ctr"/>
+            <a:r>
+              <a:rPr lang="fr-FR" sz="900" dirty="0"/>
+              <a:t>Ground</a:t>
+            </a:r>
+          </a:p>
+        </p:txBody>
+      </p:sp>
+      <p:sp>
+        <p:nvSpPr>
+          <p:cNvPr id="73" name="Ellipse 72">
+            <a:extLst>
+              <a:ext uri="{FF2B5EF4-FFF2-40B4-BE49-F238E27FC236}">
+                <a16:creationId xmlns:a16="http://schemas.microsoft.com/office/drawing/2014/main" id="{43DFBE12-FDA6-4DF3-BCF8-6AFEA935D1BF}"/>
+              </a:ext>
+            </a:extLst>
+          </p:cNvPr>
+          <p:cNvSpPr/>
+          <p:nvPr/>
+        </p:nvSpPr>
+        <p:spPr>
+          <a:xfrm>
+            <a:off x="6090600" y="4058162"/>
+            <a:ext cx="817389" cy="416421"/>
+          </a:xfrm>
+          <a:prstGeom prst="ellipse">
+            <a:avLst/>
+          </a:prstGeom>
+          <a:solidFill>
+            <a:schemeClr val="bg2">
+              <a:lumMod val="90000"/>
+            </a:schemeClr>
+          </a:solidFill>
+        </p:spPr>
+        <p:style>
+          <a:lnRef idx="2">
+            <a:schemeClr val="accent1">
+              <a:shade val="50000"/>
+            </a:schemeClr>
+          </a:lnRef>
+          <a:fillRef idx="1">
+            <a:schemeClr val="accent1"/>
+          </a:fillRef>
+          <a:effectRef idx="0">
+            <a:schemeClr val="accent1"/>
+          </a:effectRef>
+          <a:fontRef idx="minor">
+            <a:schemeClr val="lt1"/>
+          </a:fontRef>
+        </p:style>
+        <p:txBody>
+          <a:bodyPr rtlCol="0" anchor="ctr"/>
+          <a:lstStyle/>
+          <a:p>
+            <a:pPr algn="ctr"/>
+            <a:r>
+              <a:rPr lang="fr-FR" sz="900" dirty="0"/>
+              <a:t>Ground</a:t>
+            </a:r>
+          </a:p>
+        </p:txBody>
+      </p:sp>
+      <p:cxnSp>
+        <p:nvCxnSpPr>
+          <p:cNvPr id="76" name="Connecteur droit avec flèche 75">
+            <a:extLst>
+              <a:ext uri="{FF2B5EF4-FFF2-40B4-BE49-F238E27FC236}">
+                <a16:creationId xmlns:a16="http://schemas.microsoft.com/office/drawing/2014/main" id="{462611AD-AAC8-4195-AF05-603BAC929CBA}"/>
+              </a:ext>
+            </a:extLst>
+          </p:cNvPr>
+          <p:cNvCxnSpPr>
+            <a:cxnSpLocks/>
+            <a:endCxn id="67" idx="0"/>
+          </p:cNvCxnSpPr>
+          <p:nvPr/>
+        </p:nvCxnSpPr>
+        <p:spPr>
+          <a:xfrm>
+            <a:off x="6512335" y="4485733"/>
+            <a:ext cx="1" cy="573017"/>
+          </a:xfrm>
+          <a:prstGeom prst="straightConnector1">
+            <a:avLst/>
+          </a:prstGeom>
+          <a:ln w="38100" cap="flat" cmpd="sng" algn="ctr">
+            <a:solidFill>
+              <a:schemeClr val="tx1"/>
+            </a:solidFill>
+            <a:prstDash val="solid"/>
+            <a:round/>
+            <a:headEnd type="none" w="med" len="med"/>
+            <a:tailEnd type="none" w="med" len="med"/>
+          </a:ln>
+        </p:spPr>
+        <p:style>
+          <a:lnRef idx="0">
+            <a:scrgbClr r="0" g="0" b="0"/>
+          </a:lnRef>
+          <a:fillRef idx="0">
+            <a:scrgbClr r="0" g="0" b="0"/>
+          </a:fillRef>
+          <a:effectRef idx="0">
+            <a:scrgbClr r="0" g="0" b="0"/>
+          </a:effectRef>
+          <a:fontRef idx="minor">
+            <a:schemeClr val="tx1"/>
+          </a:fontRef>
+        </p:style>
+      </p:cxnSp>
     </p:spTree>
     <p:extLst>
       <p:ext uri="{BB962C8B-B14F-4D97-AF65-F5344CB8AC3E}">
@@ -7567,155 +7879,6 @@
           </a:p>
         </p:txBody>
       </p:sp>
-      <p:sp>
-        <p:nvSpPr>
-          <p:cNvPr id="112" name="Ellipse 111">
-            <a:extLst>
-              <a:ext uri="{FF2B5EF4-FFF2-40B4-BE49-F238E27FC236}">
-                <a16:creationId xmlns:a16="http://schemas.microsoft.com/office/drawing/2014/main" id="{6065B0CF-7D83-4DD4-BCEF-775D10F05C10}"/>
-              </a:ext>
-            </a:extLst>
-          </p:cNvPr>
-          <p:cNvSpPr/>
-          <p:nvPr/>
-        </p:nvSpPr>
-        <p:spPr>
-          <a:xfrm>
-            <a:off x="2130762" y="5611859"/>
-            <a:ext cx="479833" cy="220039"/>
-          </a:xfrm>
-          <a:prstGeom prst="ellipse">
-            <a:avLst/>
-          </a:prstGeom>
-          <a:solidFill>
-            <a:schemeClr val="bg2">
-              <a:lumMod val="90000"/>
-            </a:schemeClr>
-          </a:solidFill>
-        </p:spPr>
-        <p:style>
-          <a:lnRef idx="2">
-            <a:schemeClr val="accent1">
-              <a:shade val="50000"/>
-            </a:schemeClr>
-          </a:lnRef>
-          <a:fillRef idx="1">
-            <a:schemeClr val="accent1"/>
-          </a:fillRef>
-          <a:effectRef idx="0">
-            <a:schemeClr val="accent1"/>
-          </a:effectRef>
-          <a:fontRef idx="minor">
-            <a:schemeClr val="lt1"/>
-          </a:fontRef>
-        </p:style>
-        <p:txBody>
-          <a:bodyPr rtlCol="0" anchor="ctr"/>
-          <a:lstStyle/>
-          <a:p>
-            <a:pPr algn="ctr"/>
-            <a:r>
-              <a:rPr lang="fr-FR" sz="900" dirty="0">
-                <a:solidFill>
-                  <a:schemeClr val="tx1"/>
-                </a:solidFill>
-              </a:rPr>
-              <a:t>A2</a:t>
-            </a:r>
-          </a:p>
-        </p:txBody>
-      </p:sp>
-      <p:sp>
-        <p:nvSpPr>
-          <p:cNvPr id="31" name="Rectangle 30">
-            <a:extLst>
-              <a:ext uri="{FF2B5EF4-FFF2-40B4-BE49-F238E27FC236}">
-                <a16:creationId xmlns:a16="http://schemas.microsoft.com/office/drawing/2014/main" id="{8057CA45-DB59-4D07-856B-C24F6EF2ED1B}"/>
-              </a:ext>
-            </a:extLst>
-          </p:cNvPr>
-          <p:cNvSpPr/>
-          <p:nvPr/>
-        </p:nvSpPr>
-        <p:spPr>
-          <a:xfrm>
-            <a:off x="1873264" y="6112316"/>
-            <a:ext cx="955048" cy="390849"/>
-          </a:xfrm>
-          <a:prstGeom prst="rect">
-            <a:avLst/>
-          </a:prstGeom>
-        </p:spPr>
-        <p:style>
-          <a:lnRef idx="1">
-            <a:schemeClr val="accent4"/>
-          </a:lnRef>
-          <a:fillRef idx="2">
-            <a:schemeClr val="accent4"/>
-          </a:fillRef>
-          <a:effectRef idx="1">
-            <a:schemeClr val="accent4"/>
-          </a:effectRef>
-          <a:fontRef idx="minor">
-            <a:schemeClr val="dk1"/>
-          </a:fontRef>
-        </p:style>
-        <p:txBody>
-          <a:bodyPr rtlCol="0" anchor="t"/>
-          <a:lstStyle/>
-          <a:p>
-            <a:pPr algn="ctr"/>
-            <a:endParaRPr lang="fr-FR" dirty="0"/>
-          </a:p>
-        </p:txBody>
-      </p:sp>
-      <p:cxnSp>
-        <p:nvCxnSpPr>
-          <p:cNvPr id="113" name="Connecteur droit avec flèche 112">
-            <a:extLst>
-              <a:ext uri="{FF2B5EF4-FFF2-40B4-BE49-F238E27FC236}">
-                <a16:creationId xmlns:a16="http://schemas.microsoft.com/office/drawing/2014/main" id="{84B92465-D9B5-4254-B88D-DF6D29053AA6}"/>
-              </a:ext>
-            </a:extLst>
-          </p:cNvPr>
-          <p:cNvCxnSpPr>
-            <a:cxnSpLocks/>
-          </p:cNvCxnSpPr>
-          <p:nvPr/>
-        </p:nvCxnSpPr>
-        <p:spPr>
-          <a:xfrm>
-            <a:off x="2372037" y="5842784"/>
-            <a:ext cx="0" cy="269532"/>
-          </a:xfrm>
-          <a:prstGeom prst="straightConnector1">
-            <a:avLst/>
-          </a:prstGeom>
-          <a:ln w="38100" cap="flat" cmpd="sng" algn="ctr">
-            <a:solidFill>
-              <a:srgbClr val="0070C0"/>
-            </a:solidFill>
-            <a:prstDash val="solid"/>
-            <a:round/>
-            <a:headEnd type="triangle" w="med" len="med"/>
-            <a:tailEnd type="none" w="med" len="med"/>
-          </a:ln>
-        </p:spPr>
-        <p:style>
-          <a:lnRef idx="0">
-            <a:scrgbClr r="0" g="0" b="0"/>
-          </a:lnRef>
-          <a:fillRef idx="0">
-            <a:scrgbClr r="0" g="0" b="0"/>
-          </a:fillRef>
-          <a:effectRef idx="0">
-            <a:scrgbClr r="0" g="0" b="0"/>
-          </a:effectRef>
-          <a:fontRef idx="minor">
-            <a:schemeClr val="tx1"/>
-          </a:fontRef>
-        </p:style>
-      </p:cxnSp>
       <p:cxnSp>
         <p:nvCxnSpPr>
           <p:cNvPr id="114" name="Connecteur droit avec flèche 113">
@@ -8650,7 +8813,7 @@
         </p:nvSpPr>
         <p:spPr>
           <a:xfrm>
-            <a:off x="9834649" y="782796"/>
+            <a:off x="9890065" y="782796"/>
             <a:ext cx="928972" cy="338554"/>
           </a:xfrm>
           <a:prstGeom prst="rect">
@@ -9674,9 +9837,9 @@
           <p:nvPr/>
         </p:nvCxnSpPr>
         <p:spPr>
-          <a:xfrm>
-            <a:off x="8289775" y="1140796"/>
-            <a:ext cx="2711123" cy="9538"/>
+          <a:xfrm flipV="1">
+            <a:off x="8289775" y="1137805"/>
+            <a:ext cx="3512544" cy="2992"/>
           </a:xfrm>
           <a:prstGeom prst="line">
             <a:avLst/>
@@ -9719,7 +9882,7 @@
         <p:spPr>
           <a:xfrm>
             <a:off x="9078521" y="1243548"/>
-            <a:ext cx="2787351" cy="0"/>
+            <a:ext cx="3058448" cy="16453"/>
           </a:xfrm>
           <a:prstGeom prst="line">
             <a:avLst/>
@@ -10435,13 +10598,15 @@
               </a:ext>
             </a:extLst>
           </p:cNvPr>
-          <p:cNvCxnSpPr/>
+          <p:cNvCxnSpPr>
+            <a:cxnSpLocks/>
+          </p:cNvCxnSpPr>
           <p:nvPr/>
         </p:nvCxnSpPr>
         <p:spPr>
-          <a:xfrm>
-            <a:off x="490775" y="6740270"/>
-            <a:ext cx="4036667" cy="0"/>
+          <a:xfrm flipV="1">
+            <a:off x="490775" y="6730376"/>
+            <a:ext cx="1598394" cy="9894"/>
           </a:xfrm>
           <a:prstGeom prst="line">
             <a:avLst/>
@@ -11106,7 +11271,7 @@
                   <a:schemeClr val="tx1"/>
                 </a:solidFill>
               </a:rPr>
-              <a:t>A1</a:t>
+              <a:t>A0</a:t>
             </a:r>
           </a:p>
         </p:txBody>
@@ -11214,92 +11379,6 @@
           </a:fontRef>
         </p:style>
       </p:cxnSp>
-      <p:cxnSp>
-        <p:nvCxnSpPr>
-          <p:cNvPr id="233" name="Connecteur droit 232">
-            <a:extLst>
-              <a:ext uri="{FF2B5EF4-FFF2-40B4-BE49-F238E27FC236}">
-                <a16:creationId xmlns:a16="http://schemas.microsoft.com/office/drawing/2014/main" id="{DEC9ADF2-9AD4-47B8-B3B9-753395E7881C}"/>
-              </a:ext>
-            </a:extLst>
-          </p:cNvPr>
-          <p:cNvCxnSpPr>
-            <a:cxnSpLocks/>
-          </p:cNvCxnSpPr>
-          <p:nvPr/>
-        </p:nvCxnSpPr>
-        <p:spPr>
-          <a:xfrm flipV="1">
-            <a:off x="2228435" y="6503165"/>
-            <a:ext cx="0" cy="128643"/>
-          </a:xfrm>
-          <a:prstGeom prst="line">
-            <a:avLst/>
-          </a:prstGeom>
-          <a:ln w="19050">
-            <a:solidFill>
-              <a:srgbClr val="FF0000"/>
-            </a:solidFill>
-          </a:ln>
-        </p:spPr>
-        <p:style>
-          <a:lnRef idx="1">
-            <a:schemeClr val="accent1"/>
-          </a:lnRef>
-          <a:fillRef idx="0">
-            <a:schemeClr val="accent1"/>
-          </a:fillRef>
-          <a:effectRef idx="0">
-            <a:schemeClr val="accent1"/>
-          </a:effectRef>
-          <a:fontRef idx="minor">
-            <a:schemeClr val="tx1"/>
-          </a:fontRef>
-        </p:style>
-      </p:cxnSp>
-      <p:cxnSp>
-        <p:nvCxnSpPr>
-          <p:cNvPr id="234" name="Connecteur droit 233">
-            <a:extLst>
-              <a:ext uri="{FF2B5EF4-FFF2-40B4-BE49-F238E27FC236}">
-                <a16:creationId xmlns:a16="http://schemas.microsoft.com/office/drawing/2014/main" id="{5CA34531-DAC1-4B1C-AF64-44F833901AA9}"/>
-              </a:ext>
-            </a:extLst>
-          </p:cNvPr>
-          <p:cNvCxnSpPr>
-            <a:cxnSpLocks/>
-          </p:cNvCxnSpPr>
-          <p:nvPr/>
-        </p:nvCxnSpPr>
-        <p:spPr>
-          <a:xfrm flipV="1">
-            <a:off x="2442062" y="6537379"/>
-            <a:ext cx="0" cy="209545"/>
-          </a:xfrm>
-          <a:prstGeom prst="line">
-            <a:avLst/>
-          </a:prstGeom>
-          <a:ln w="19050">
-            <a:solidFill>
-              <a:schemeClr val="tx1"/>
-            </a:solidFill>
-          </a:ln>
-        </p:spPr>
-        <p:style>
-          <a:lnRef idx="1">
-            <a:schemeClr val="accent1"/>
-          </a:lnRef>
-          <a:fillRef idx="0">
-            <a:schemeClr val="accent1"/>
-          </a:fillRef>
-          <a:effectRef idx="0">
-            <a:schemeClr val="accent1"/>
-          </a:effectRef>
-          <a:fontRef idx="minor">
-            <a:schemeClr val="tx1"/>
-          </a:fontRef>
-        </p:style>
-      </p:cxnSp>
       <p:sp>
         <p:nvSpPr>
           <p:cNvPr id="236" name="Rectangle 235">
@@ -11848,7 +11927,7 @@
         <p:spPr>
           <a:xfrm>
             <a:off x="490775" y="6626365"/>
-            <a:ext cx="4036099" cy="0"/>
+            <a:ext cx="1598394" cy="0"/>
           </a:xfrm>
           <a:prstGeom prst="line">
             <a:avLst/>
@@ -13237,10 +13316,49 @@
       </p:sp>
       <p:sp>
         <p:nvSpPr>
-          <p:cNvPr id="157" name="Ellipse 156">
-            <a:extLst>
-              <a:ext uri="{FF2B5EF4-FFF2-40B4-BE49-F238E27FC236}">
-                <a16:creationId xmlns:a16="http://schemas.microsoft.com/office/drawing/2014/main" id="{434E2A6D-080F-4DEF-A105-B7909FF73023}"/>
+          <p:cNvPr id="169" name="ZoneTexte 168">
+            <a:extLst>
+              <a:ext uri="{FF2B5EF4-FFF2-40B4-BE49-F238E27FC236}">
+                <a16:creationId xmlns:a16="http://schemas.microsoft.com/office/drawing/2014/main" id="{54B8D76F-DE9C-4089-BBAE-BD1A8FF2B020}"/>
+              </a:ext>
+            </a:extLst>
+          </p:cNvPr>
+          <p:cNvSpPr txBox="1"/>
+          <p:nvPr/>
+        </p:nvSpPr>
+        <p:spPr>
+          <a:xfrm>
+            <a:off x="149483" y="6545710"/>
+            <a:ext cx="590765" cy="369332"/>
+          </a:xfrm>
+          <a:prstGeom prst="rect">
+            <a:avLst/>
+          </a:prstGeom>
+          <a:noFill/>
+        </p:spPr>
+        <p:txBody>
+          <a:bodyPr wrap="square" rtlCol="0">
+            <a:spAutoFit/>
+          </a:bodyPr>
+          <a:lstStyle/>
+          <a:p>
+            <a:r>
+              <a:rPr lang="fr-FR" dirty="0"/>
+              <a:t>0</a:t>
+            </a:r>
+            <a:r>
+              <a:rPr lang="fr-FR" sz="1200" dirty="0"/>
+              <a:t>V</a:t>
+            </a:r>
+          </a:p>
+        </p:txBody>
+      </p:sp>
+      <p:sp>
+        <p:nvSpPr>
+          <p:cNvPr id="173" name="Rectangle 172">
+            <a:extLst>
+              <a:ext uri="{FF2B5EF4-FFF2-40B4-BE49-F238E27FC236}">
+                <a16:creationId xmlns:a16="http://schemas.microsoft.com/office/drawing/2014/main" id="{00E3B060-22D5-44DE-99AD-4242E6589F3B}"/>
               </a:ext>
             </a:extLst>
           </p:cNvPr>
@@ -13249,66 +13367,8 @@
         </p:nvSpPr>
         <p:spPr>
           <a:xfrm>
-            <a:off x="3312968" y="5604461"/>
-            <a:ext cx="479833" cy="220039"/>
-          </a:xfrm>
-          <a:prstGeom prst="ellipse">
-            <a:avLst/>
-          </a:prstGeom>
-          <a:solidFill>
-            <a:schemeClr val="bg2">
-              <a:lumMod val="90000"/>
-            </a:schemeClr>
-          </a:solidFill>
-        </p:spPr>
-        <p:style>
-          <a:lnRef idx="2">
-            <a:schemeClr val="accent1">
-              <a:shade val="50000"/>
-            </a:schemeClr>
-          </a:lnRef>
-          <a:fillRef idx="1">
-            <a:schemeClr val="accent1"/>
-          </a:fillRef>
-          <a:effectRef idx="0">
-            <a:schemeClr val="accent1"/>
-          </a:effectRef>
-          <a:fontRef idx="minor">
-            <a:schemeClr val="lt1"/>
-          </a:fontRef>
-        </p:style>
-        <p:txBody>
-          <a:bodyPr rtlCol="0" anchor="ctr"/>
-          <a:lstStyle/>
-          <a:p>
-            <a:pPr algn="ctr"/>
-            <a:r>
-              <a:rPr lang="fr-FR" sz="900" dirty="0">
-                <a:solidFill>
-                  <a:schemeClr val="tx1"/>
-                </a:solidFill>
-              </a:rPr>
-              <a:t>A3</a:t>
-            </a:r>
-          </a:p>
-        </p:txBody>
-      </p:sp>
-      <p:sp>
-        <p:nvSpPr>
-          <p:cNvPr id="158" name="Rectangle 157">
-            <a:extLst>
-              <a:ext uri="{FF2B5EF4-FFF2-40B4-BE49-F238E27FC236}">
-                <a16:creationId xmlns:a16="http://schemas.microsoft.com/office/drawing/2014/main" id="{EB329884-2119-4C1F-B60F-6649C6BFD24C}"/>
-              </a:ext>
-            </a:extLst>
-          </p:cNvPr>
-          <p:cNvSpPr/>
-          <p:nvPr/>
-        </p:nvSpPr>
-        <p:spPr>
-          <a:xfrm>
-            <a:off x="3055470" y="6104918"/>
-            <a:ext cx="955048" cy="390849"/>
+            <a:off x="10309524" y="3860990"/>
+            <a:ext cx="1207065" cy="273425"/>
           </a:xfrm>
           <a:prstGeom prst="rect">
             <a:avLst/>
@@ -13333,16 +13393,126 @@
           <a:lstStyle/>
           <a:p>
             <a:pPr algn="ctr"/>
+            <a:r>
+              <a:rPr lang="fr-FR" sz="1200" dirty="0"/>
+              <a:t>°C &amp; %H DHT22</a:t>
+            </a:r>
             <a:endParaRPr lang="fr-FR" dirty="0"/>
+          </a:p>
+        </p:txBody>
+      </p:sp>
+      <p:sp>
+        <p:nvSpPr>
+          <p:cNvPr id="178" name="Ellipse 177">
+            <a:extLst>
+              <a:ext uri="{FF2B5EF4-FFF2-40B4-BE49-F238E27FC236}">
+                <a16:creationId xmlns:a16="http://schemas.microsoft.com/office/drawing/2014/main" id="{17AFDD0D-9766-4D19-844B-8EBE8BD06F8F}"/>
+              </a:ext>
+            </a:extLst>
+          </p:cNvPr>
+          <p:cNvSpPr/>
+          <p:nvPr/>
+        </p:nvSpPr>
+        <p:spPr>
+          <a:xfrm>
+            <a:off x="9673176" y="3889807"/>
+            <a:ext cx="479833" cy="220039"/>
+          </a:xfrm>
+          <a:prstGeom prst="ellipse">
+            <a:avLst/>
+          </a:prstGeom>
+          <a:solidFill>
+            <a:schemeClr val="bg2">
+              <a:lumMod val="90000"/>
+            </a:schemeClr>
+          </a:solidFill>
+        </p:spPr>
+        <p:style>
+          <a:lnRef idx="2">
+            <a:schemeClr val="accent1">
+              <a:shade val="50000"/>
+            </a:schemeClr>
+          </a:lnRef>
+          <a:fillRef idx="1">
+            <a:schemeClr val="accent1"/>
+          </a:fillRef>
+          <a:effectRef idx="0">
+            <a:schemeClr val="accent1"/>
+          </a:effectRef>
+          <a:fontRef idx="minor">
+            <a:schemeClr val="lt1"/>
+          </a:fontRef>
+        </p:style>
+        <p:txBody>
+          <a:bodyPr rtlCol="0" anchor="ctr"/>
+          <a:lstStyle/>
+          <a:p>
+            <a:pPr algn="ctr"/>
+            <a:r>
+              <a:rPr lang="fr-FR" sz="900" dirty="0">
+                <a:solidFill>
+                  <a:schemeClr val="tx1"/>
+                </a:solidFill>
+              </a:rPr>
+              <a:t>34</a:t>
+            </a:r>
           </a:p>
         </p:txBody>
       </p:sp>
       <p:cxnSp>
         <p:nvCxnSpPr>
-          <p:cNvPr id="163" name="Connecteur droit avec flèche 162">
-            <a:extLst>
-              <a:ext uri="{FF2B5EF4-FFF2-40B4-BE49-F238E27FC236}">
-                <a16:creationId xmlns:a16="http://schemas.microsoft.com/office/drawing/2014/main" id="{476BBA58-B76E-4D3E-AD8A-6172AD9A0622}"/>
+          <p:cNvPr id="179" name="Connecteur : en angle 178">
+            <a:extLst>
+              <a:ext uri="{FF2B5EF4-FFF2-40B4-BE49-F238E27FC236}">
+                <a16:creationId xmlns:a16="http://schemas.microsoft.com/office/drawing/2014/main" id="{DD7498D2-2A01-408D-8300-4D83530BF18D}"/>
+              </a:ext>
+            </a:extLst>
+          </p:cNvPr>
+          <p:cNvCxnSpPr>
+            <a:cxnSpLocks/>
+            <a:stCxn id="178" idx="6"/>
+            <a:endCxn id="173" idx="1"/>
+          </p:cNvCxnSpPr>
+          <p:nvPr/>
+        </p:nvCxnSpPr>
+        <p:spPr>
+          <a:xfrm flipV="1">
+            <a:off x="10153009" y="3997703"/>
+            <a:ext cx="156515" cy="2124"/>
+          </a:xfrm>
+          <a:prstGeom prst="bentConnector3">
+            <a:avLst>
+              <a:gd name="adj1" fmla="val 50000"/>
+            </a:avLst>
+          </a:prstGeom>
+          <a:ln w="19050">
+            <a:solidFill>
+              <a:schemeClr val="tx1"/>
+            </a:solidFill>
+            <a:tailEnd type="triangle"/>
+          </a:ln>
+        </p:spPr>
+        <p:style>
+          <a:lnRef idx="1">
+            <a:schemeClr val="accent1"/>
+          </a:lnRef>
+          <a:fillRef idx="0">
+            <a:schemeClr val="accent1"/>
+          </a:fillRef>
+          <a:effectRef idx="0">
+            <a:schemeClr val="accent1"/>
+          </a:effectRef>
+          <a:fontRef idx="minor">
+            <a:schemeClr val="tx1"/>
+          </a:fontRef>
+        </p:style>
+      </p:cxnSp>
+      <p:cxnSp>
+        <p:nvCxnSpPr>
+          <p:cNvPr id="182" name="Connecteur droit 181">
+            <a:extLst>
+              <a:ext uri="{FF2B5EF4-FFF2-40B4-BE49-F238E27FC236}">
+                <a16:creationId xmlns:a16="http://schemas.microsoft.com/office/drawing/2014/main" id="{9993923D-F2CC-4064-84C3-2FC49326B4BB}"/>
               </a:ext>
             </a:extLst>
           </p:cNvPr>
@@ -13352,9 +13522,317 @@
           <p:nvPr/>
         </p:nvCxnSpPr>
         <p:spPr>
+          <a:xfrm flipV="1">
+            <a:off x="11516589" y="3953832"/>
+            <a:ext cx="229670" cy="1"/>
+          </a:xfrm>
+          <a:prstGeom prst="line">
+            <a:avLst/>
+          </a:prstGeom>
+          <a:ln w="19050">
+            <a:solidFill>
+              <a:schemeClr val="tx1"/>
+            </a:solidFill>
+          </a:ln>
+        </p:spPr>
+        <p:style>
+          <a:lnRef idx="1">
+            <a:schemeClr val="accent1"/>
+          </a:lnRef>
+          <a:fillRef idx="0">
+            <a:schemeClr val="accent1"/>
+          </a:fillRef>
+          <a:effectRef idx="0">
+            <a:schemeClr val="accent1"/>
+          </a:effectRef>
+          <a:fontRef idx="minor">
+            <a:schemeClr val="tx1"/>
+          </a:fontRef>
+        </p:style>
+      </p:cxnSp>
+      <p:cxnSp>
+        <p:nvCxnSpPr>
+          <p:cNvPr id="183" name="Connecteur droit 182">
+            <a:extLst>
+              <a:ext uri="{FF2B5EF4-FFF2-40B4-BE49-F238E27FC236}">
+                <a16:creationId xmlns:a16="http://schemas.microsoft.com/office/drawing/2014/main" id="{D0781954-AE7E-4115-9A2F-4CD1512055F8}"/>
+              </a:ext>
+            </a:extLst>
+          </p:cNvPr>
+          <p:cNvCxnSpPr>
+            <a:cxnSpLocks/>
+          </p:cNvCxnSpPr>
+          <p:nvPr/>
+        </p:nvCxnSpPr>
+        <p:spPr>
           <a:xfrm>
-            <a:off x="3554243" y="5835386"/>
-            <a:ext cx="0" cy="269532"/>
+            <a:off x="11516589" y="4051249"/>
+            <a:ext cx="478212" cy="3940"/>
+          </a:xfrm>
+          <a:prstGeom prst="line">
+            <a:avLst/>
+          </a:prstGeom>
+          <a:ln w="19050">
+            <a:solidFill>
+              <a:srgbClr val="FF0000"/>
+            </a:solidFill>
+          </a:ln>
+        </p:spPr>
+        <p:style>
+          <a:lnRef idx="1">
+            <a:schemeClr val="accent1"/>
+          </a:lnRef>
+          <a:fillRef idx="0">
+            <a:schemeClr val="accent1"/>
+          </a:fillRef>
+          <a:effectRef idx="0">
+            <a:schemeClr val="accent1"/>
+          </a:effectRef>
+          <a:fontRef idx="minor">
+            <a:schemeClr val="tx1"/>
+          </a:fontRef>
+        </p:style>
+      </p:cxnSp>
+      <p:sp>
+        <p:nvSpPr>
+          <p:cNvPr id="185" name="ZoneTexte 184">
+            <a:extLst>
+              <a:ext uri="{FF2B5EF4-FFF2-40B4-BE49-F238E27FC236}">
+                <a16:creationId xmlns:a16="http://schemas.microsoft.com/office/drawing/2014/main" id="{62CA3368-DB00-4BDF-9964-BC8FCF6751B4}"/>
+              </a:ext>
+            </a:extLst>
+          </p:cNvPr>
+          <p:cNvSpPr txBox="1"/>
+          <p:nvPr/>
+        </p:nvSpPr>
+        <p:spPr>
+          <a:xfrm>
+            <a:off x="10212689" y="1700340"/>
+            <a:ext cx="590765" cy="246221"/>
+          </a:xfrm>
+          <a:prstGeom prst="rect">
+            <a:avLst/>
+          </a:prstGeom>
+          <a:noFill/>
+        </p:spPr>
+        <p:txBody>
+          <a:bodyPr wrap="square" rtlCol="0">
+            <a:spAutoFit/>
+          </a:bodyPr>
+          <a:lstStyle/>
+          <a:p>
+            <a:r>
+              <a:rPr lang="fr-FR" sz="1000" dirty="0"/>
+              <a:t>220 Ω</a:t>
+            </a:r>
+          </a:p>
+        </p:txBody>
+      </p:sp>
+      <p:sp>
+        <p:nvSpPr>
+          <p:cNvPr id="186" name="ZoneTexte 185">
+            <a:extLst>
+              <a:ext uri="{FF2B5EF4-FFF2-40B4-BE49-F238E27FC236}">
+                <a16:creationId xmlns:a16="http://schemas.microsoft.com/office/drawing/2014/main" id="{62BBF7AB-2F2C-44A2-84A6-9B429C441613}"/>
+              </a:ext>
+            </a:extLst>
+          </p:cNvPr>
+          <p:cNvSpPr txBox="1"/>
+          <p:nvPr/>
+        </p:nvSpPr>
+        <p:spPr>
+          <a:xfrm>
+            <a:off x="10193003" y="1941080"/>
+            <a:ext cx="590765" cy="246221"/>
+          </a:xfrm>
+          <a:prstGeom prst="rect">
+            <a:avLst/>
+          </a:prstGeom>
+          <a:noFill/>
+        </p:spPr>
+        <p:txBody>
+          <a:bodyPr wrap="square" rtlCol="0">
+            <a:spAutoFit/>
+          </a:bodyPr>
+          <a:lstStyle/>
+          <a:p>
+            <a:r>
+              <a:rPr lang="fr-FR" sz="1000" dirty="0"/>
+              <a:t>220 Ω</a:t>
+            </a:r>
+          </a:p>
+        </p:txBody>
+      </p:sp>
+      <p:sp>
+        <p:nvSpPr>
+          <p:cNvPr id="189" name="ZoneTexte 188">
+            <a:extLst>
+              <a:ext uri="{FF2B5EF4-FFF2-40B4-BE49-F238E27FC236}">
+                <a16:creationId xmlns:a16="http://schemas.microsoft.com/office/drawing/2014/main" id="{AF3EC4F1-2834-4931-93A6-EF98CFDC303C}"/>
+              </a:ext>
+            </a:extLst>
+          </p:cNvPr>
+          <p:cNvSpPr txBox="1"/>
+          <p:nvPr/>
+        </p:nvSpPr>
+        <p:spPr>
+          <a:xfrm>
+            <a:off x="10208589" y="2216776"/>
+            <a:ext cx="590765" cy="246221"/>
+          </a:xfrm>
+          <a:prstGeom prst="rect">
+            <a:avLst/>
+          </a:prstGeom>
+          <a:noFill/>
+        </p:spPr>
+        <p:txBody>
+          <a:bodyPr wrap="square" rtlCol="0">
+            <a:spAutoFit/>
+          </a:bodyPr>
+          <a:lstStyle/>
+          <a:p>
+            <a:r>
+              <a:rPr lang="fr-FR" sz="1000" dirty="0"/>
+              <a:t>220 Ω</a:t>
+            </a:r>
+          </a:p>
+        </p:txBody>
+      </p:sp>
+      <p:sp>
+        <p:nvSpPr>
+          <p:cNvPr id="190" name="Ellipse 189">
+            <a:extLst>
+              <a:ext uri="{FF2B5EF4-FFF2-40B4-BE49-F238E27FC236}">
+                <a16:creationId xmlns:a16="http://schemas.microsoft.com/office/drawing/2014/main" id="{7CB799CF-F9B6-4A8A-99A5-62031BA23683}"/>
+              </a:ext>
+            </a:extLst>
+          </p:cNvPr>
+          <p:cNvSpPr/>
+          <p:nvPr/>
+        </p:nvSpPr>
+        <p:spPr>
+          <a:xfrm>
+            <a:off x="4094562" y="5614835"/>
+            <a:ext cx="479833" cy="220039"/>
+          </a:xfrm>
+          <a:prstGeom prst="ellipse">
+            <a:avLst/>
+          </a:prstGeom>
+          <a:solidFill>
+            <a:schemeClr val="bg2">
+              <a:lumMod val="90000"/>
+            </a:schemeClr>
+          </a:solidFill>
+        </p:spPr>
+        <p:style>
+          <a:lnRef idx="2">
+            <a:schemeClr val="accent1">
+              <a:shade val="50000"/>
+            </a:schemeClr>
+          </a:lnRef>
+          <a:fillRef idx="1">
+            <a:schemeClr val="accent1"/>
+          </a:fillRef>
+          <a:effectRef idx="0">
+            <a:schemeClr val="accent1"/>
+          </a:effectRef>
+          <a:fontRef idx="minor">
+            <a:schemeClr val="lt1"/>
+          </a:fontRef>
+        </p:style>
+        <p:txBody>
+          <a:bodyPr rtlCol="0" anchor="ctr"/>
+          <a:lstStyle/>
+          <a:p>
+            <a:pPr algn="ctr"/>
+            <a:r>
+              <a:rPr lang="fr-FR" sz="900" dirty="0">
+                <a:solidFill>
+                  <a:schemeClr val="tx1"/>
+                </a:solidFill>
+              </a:rPr>
+              <a:t>A4</a:t>
+            </a:r>
+          </a:p>
+        </p:txBody>
+      </p:sp>
+      <p:sp>
+        <p:nvSpPr>
+          <p:cNvPr id="191" name="Ellipse 190">
+            <a:extLst>
+              <a:ext uri="{FF2B5EF4-FFF2-40B4-BE49-F238E27FC236}">
+                <a16:creationId xmlns:a16="http://schemas.microsoft.com/office/drawing/2014/main" id="{8EDDAE58-BEDF-44AE-BA4E-BE96BE126CF9}"/>
+              </a:ext>
+            </a:extLst>
+          </p:cNvPr>
+          <p:cNvSpPr/>
+          <p:nvPr/>
+        </p:nvSpPr>
+        <p:spPr>
+          <a:xfrm>
+            <a:off x="4728691" y="5614204"/>
+            <a:ext cx="479833" cy="220039"/>
+          </a:xfrm>
+          <a:prstGeom prst="ellipse">
+            <a:avLst/>
+          </a:prstGeom>
+          <a:solidFill>
+            <a:schemeClr val="bg2">
+              <a:lumMod val="90000"/>
+            </a:schemeClr>
+          </a:solidFill>
+        </p:spPr>
+        <p:style>
+          <a:lnRef idx="2">
+            <a:schemeClr val="accent1">
+              <a:shade val="50000"/>
+            </a:schemeClr>
+          </a:lnRef>
+          <a:fillRef idx="1">
+            <a:schemeClr val="accent1"/>
+          </a:fillRef>
+          <a:effectRef idx="0">
+            <a:schemeClr val="accent1"/>
+          </a:effectRef>
+          <a:fontRef idx="minor">
+            <a:schemeClr val="lt1"/>
+          </a:fontRef>
+        </p:style>
+        <p:txBody>
+          <a:bodyPr rtlCol="0" anchor="ctr"/>
+          <a:lstStyle/>
+          <a:p>
+            <a:pPr algn="ctr"/>
+            <a:r>
+              <a:rPr lang="fr-FR" sz="900" dirty="0">
+                <a:solidFill>
+                  <a:schemeClr val="tx1"/>
+                </a:solidFill>
+              </a:rPr>
+              <a:t>A5</a:t>
+            </a:r>
+          </a:p>
+        </p:txBody>
+      </p:sp>
+      <p:cxnSp>
+        <p:nvCxnSpPr>
+          <p:cNvPr id="194" name="Connecteur droit avec flèche 193">
+            <a:extLst>
+              <a:ext uri="{FF2B5EF4-FFF2-40B4-BE49-F238E27FC236}">
+                <a16:creationId xmlns:a16="http://schemas.microsoft.com/office/drawing/2014/main" id="{B84946B0-A863-470B-916B-8F7E26EAD3BC}"/>
+              </a:ext>
+            </a:extLst>
+          </p:cNvPr>
+          <p:cNvCxnSpPr>
+            <a:cxnSpLocks/>
+            <a:endCxn id="191" idx="0"/>
+          </p:cNvCxnSpPr>
+          <p:nvPr/>
+        </p:nvCxnSpPr>
+        <p:spPr>
+          <a:xfrm>
+            <a:off x="4968515" y="4520843"/>
+            <a:ext cx="93" cy="1093361"/>
           </a:xfrm>
           <a:prstGeom prst="straightConnector1">
             <a:avLst/>
@@ -13366,7 +13844,7 @@
             <a:prstDash val="solid"/>
             <a:round/>
             <a:headEnd type="triangle" w="med" len="med"/>
-            <a:tailEnd type="none" w="med" len="med"/>
+            <a:tailEnd type="triangle" w="med" len="med"/>
           </a:ln>
         </p:spPr>
         <p:style>
@@ -13384,147 +13862,22 @@
           </a:fontRef>
         </p:style>
       </p:cxnSp>
-      <p:cxnSp>
-        <p:nvCxnSpPr>
-          <p:cNvPr id="164" name="Connecteur droit 163">
-            <a:extLst>
-              <a:ext uri="{FF2B5EF4-FFF2-40B4-BE49-F238E27FC236}">
-                <a16:creationId xmlns:a16="http://schemas.microsoft.com/office/drawing/2014/main" id="{2EE00829-9734-404E-98F7-0AAC0A5F0DF1}"/>
-              </a:ext>
-            </a:extLst>
-          </p:cNvPr>
-          <p:cNvCxnSpPr>
-            <a:cxnSpLocks/>
-          </p:cNvCxnSpPr>
-          <p:nvPr/>
-        </p:nvCxnSpPr>
-        <p:spPr>
-          <a:xfrm flipV="1">
-            <a:off x="3669640" y="6495767"/>
-            <a:ext cx="0" cy="234610"/>
-          </a:xfrm>
-          <a:prstGeom prst="line">
-            <a:avLst/>
-          </a:prstGeom>
-          <a:ln w="19050">
-            <a:solidFill>
-              <a:schemeClr val="tx1"/>
-            </a:solidFill>
-          </a:ln>
-        </p:spPr>
-        <p:style>
-          <a:lnRef idx="1">
-            <a:schemeClr val="accent1"/>
-          </a:lnRef>
-          <a:fillRef idx="0">
-            <a:schemeClr val="accent1"/>
-          </a:fillRef>
-          <a:effectRef idx="0">
-            <a:schemeClr val="accent1"/>
-          </a:effectRef>
-          <a:fontRef idx="minor">
-            <a:schemeClr val="tx1"/>
-          </a:fontRef>
-        </p:style>
-      </p:cxnSp>
-      <p:cxnSp>
-        <p:nvCxnSpPr>
-          <p:cNvPr id="168" name="Connecteur droit 167">
-            <a:extLst>
-              <a:ext uri="{FF2B5EF4-FFF2-40B4-BE49-F238E27FC236}">
-                <a16:creationId xmlns:a16="http://schemas.microsoft.com/office/drawing/2014/main" id="{E280CB5D-8E5A-4C30-869A-E6B7974C8491}"/>
-              </a:ext>
-            </a:extLst>
-          </p:cNvPr>
-          <p:cNvCxnSpPr>
-            <a:cxnSpLocks/>
-          </p:cNvCxnSpPr>
-          <p:nvPr/>
-        </p:nvCxnSpPr>
-        <p:spPr>
-          <a:xfrm flipV="1">
-            <a:off x="3477155" y="6503165"/>
-            <a:ext cx="0" cy="129853"/>
-          </a:xfrm>
-          <a:prstGeom prst="line">
-            <a:avLst/>
-          </a:prstGeom>
-          <a:ln w="19050">
-            <a:solidFill>
-              <a:srgbClr val="FF0000"/>
-            </a:solidFill>
-          </a:ln>
-        </p:spPr>
-        <p:style>
-          <a:lnRef idx="1">
-            <a:schemeClr val="accent1"/>
-          </a:lnRef>
-          <a:fillRef idx="0">
-            <a:schemeClr val="accent1"/>
-          </a:fillRef>
-          <a:effectRef idx="0">
-            <a:schemeClr val="accent1"/>
-          </a:effectRef>
-          <a:fontRef idx="minor">
-            <a:schemeClr val="tx1"/>
-          </a:fontRef>
-        </p:style>
-      </p:cxnSp>
-      <p:sp>
-        <p:nvSpPr>
-          <p:cNvPr id="169" name="ZoneTexte 168">
-            <a:extLst>
-              <a:ext uri="{FF2B5EF4-FFF2-40B4-BE49-F238E27FC236}">
-                <a16:creationId xmlns:a16="http://schemas.microsoft.com/office/drawing/2014/main" id="{54B8D76F-DE9C-4089-BBAE-BD1A8FF2B020}"/>
-              </a:ext>
-            </a:extLst>
-          </p:cNvPr>
-          <p:cNvSpPr txBox="1"/>
+      <p:sp>
+        <p:nvSpPr>
+          <p:cNvPr id="202" name="Rectangle 201">
+            <a:extLst>
+              <a:ext uri="{FF2B5EF4-FFF2-40B4-BE49-F238E27FC236}">
+                <a16:creationId xmlns:a16="http://schemas.microsoft.com/office/drawing/2014/main" id="{695128D4-DEA0-4499-96A2-401622C9BA92}"/>
+              </a:ext>
+            </a:extLst>
+          </p:cNvPr>
+          <p:cNvSpPr/>
           <p:nvPr/>
         </p:nvSpPr>
         <p:spPr>
           <a:xfrm>
-            <a:off x="149483" y="6545710"/>
-            <a:ext cx="590765" cy="369332"/>
-          </a:xfrm>
-          <a:prstGeom prst="rect">
-            <a:avLst/>
-          </a:prstGeom>
-          <a:noFill/>
-        </p:spPr>
-        <p:txBody>
-          <a:bodyPr wrap="square" rtlCol="0">
-            <a:spAutoFit/>
-          </a:bodyPr>
-          <a:lstStyle/>
-          <a:p>
-            <a:r>
-              <a:rPr lang="fr-FR" dirty="0"/>
-              <a:t>0</a:t>
-            </a:r>
-            <a:r>
-              <a:rPr lang="fr-FR" sz="1200" dirty="0"/>
-              <a:t>V</a:t>
-            </a:r>
-          </a:p>
-        </p:txBody>
-      </p:sp>
-      <p:sp>
-        <p:nvSpPr>
-          <p:cNvPr id="173" name="Rectangle 172">
-            <a:extLst>
-              <a:ext uri="{FF2B5EF4-FFF2-40B4-BE49-F238E27FC236}">
-                <a16:creationId xmlns:a16="http://schemas.microsoft.com/office/drawing/2014/main" id="{00E3B060-22D5-44DE-99AD-4242E6589F3B}"/>
-              </a:ext>
-            </a:extLst>
-          </p:cNvPr>
-          <p:cNvSpPr/>
-          <p:nvPr/>
-        </p:nvSpPr>
-        <p:spPr>
-          <a:xfrm>
-            <a:off x="10309524" y="3860990"/>
-            <a:ext cx="1207065" cy="273425"/>
+            <a:off x="4024915" y="4149538"/>
+            <a:ext cx="1331202" cy="390849"/>
           </a:xfrm>
           <a:prstGeom prst="rect">
             <a:avLst/>
@@ -13551,124 +13904,28 @@
             <a:pPr algn="ctr"/>
             <a:r>
               <a:rPr lang="fr-FR" sz="1200" dirty="0"/>
-              <a:t>°C &amp; %H DHT22</a:t>
-            </a:r>
-            <a:endParaRPr lang="fr-FR" dirty="0"/>
-          </a:p>
-        </p:txBody>
-      </p:sp>
-      <p:sp>
-        <p:nvSpPr>
-          <p:cNvPr id="178" name="Ellipse 177">
-            <a:extLst>
-              <a:ext uri="{FF2B5EF4-FFF2-40B4-BE49-F238E27FC236}">
-                <a16:creationId xmlns:a16="http://schemas.microsoft.com/office/drawing/2014/main" id="{17AFDD0D-9766-4D19-844B-8EBE8BD06F8F}"/>
-              </a:ext>
-            </a:extLst>
-          </p:cNvPr>
-          <p:cNvSpPr/>
-          <p:nvPr/>
-        </p:nvSpPr>
-        <p:spPr>
-          <a:xfrm>
-            <a:off x="9673176" y="3889807"/>
-            <a:ext cx="479833" cy="220039"/>
-          </a:xfrm>
-          <a:prstGeom prst="ellipse">
-            <a:avLst/>
-          </a:prstGeom>
-          <a:solidFill>
-            <a:schemeClr val="bg2">
-              <a:lumMod val="90000"/>
-            </a:schemeClr>
-          </a:solidFill>
-        </p:spPr>
-        <p:style>
-          <a:lnRef idx="2">
-            <a:schemeClr val="accent1">
-              <a:shade val="50000"/>
-            </a:schemeClr>
-          </a:lnRef>
-          <a:fillRef idx="1">
-            <a:schemeClr val="accent1"/>
-          </a:fillRef>
-          <a:effectRef idx="0">
-            <a:schemeClr val="accent1"/>
-          </a:effectRef>
-          <a:fontRef idx="minor">
-            <a:schemeClr val="lt1"/>
-          </a:fontRef>
-        </p:style>
-        <p:txBody>
-          <a:bodyPr rtlCol="0" anchor="ctr"/>
-          <a:lstStyle/>
+              <a:t>RTC</a:t>
+            </a:r>
+          </a:p>
           <a:p>
             <a:pPr algn="ctr"/>
             <a:r>
-              <a:rPr lang="fr-FR" sz="900" dirty="0">
-                <a:solidFill>
-                  <a:schemeClr val="tx1"/>
-                </a:solidFill>
-              </a:rPr>
-              <a:t>34</a:t>
-            </a:r>
+              <a:rPr lang="fr-FR" sz="1200" dirty="0"/>
+              <a:t>DS1307</a:t>
+            </a:r>
+          </a:p>
+          <a:p>
+            <a:pPr algn="ctr"/>
+            <a:endParaRPr lang="fr-FR" sz="1200" dirty="0"/>
           </a:p>
         </p:txBody>
       </p:sp>
       <p:cxnSp>
         <p:nvCxnSpPr>
-          <p:cNvPr id="179" name="Connecteur : en angle 178">
-            <a:extLst>
-              <a:ext uri="{FF2B5EF4-FFF2-40B4-BE49-F238E27FC236}">
-                <a16:creationId xmlns:a16="http://schemas.microsoft.com/office/drawing/2014/main" id="{DD7498D2-2A01-408D-8300-4D83530BF18D}"/>
-              </a:ext>
-            </a:extLst>
-          </p:cNvPr>
-          <p:cNvCxnSpPr>
-            <a:cxnSpLocks/>
-            <a:stCxn id="178" idx="6"/>
-            <a:endCxn id="173" idx="1"/>
-          </p:cNvCxnSpPr>
-          <p:nvPr/>
-        </p:nvCxnSpPr>
-        <p:spPr>
-          <a:xfrm flipV="1">
-            <a:off x="10153009" y="3997703"/>
-            <a:ext cx="156515" cy="2124"/>
-          </a:xfrm>
-          <a:prstGeom prst="bentConnector3">
-            <a:avLst>
-              <a:gd name="adj1" fmla="val 50000"/>
-            </a:avLst>
-          </a:prstGeom>
-          <a:ln w="19050">
-            <a:solidFill>
-              <a:schemeClr val="tx1"/>
-            </a:solidFill>
-            <a:tailEnd type="triangle"/>
-          </a:ln>
-        </p:spPr>
-        <p:style>
-          <a:lnRef idx="1">
-            <a:schemeClr val="accent1"/>
-          </a:lnRef>
-          <a:fillRef idx="0">
-            <a:schemeClr val="accent1"/>
-          </a:fillRef>
-          <a:effectRef idx="0">
-            <a:schemeClr val="accent1"/>
-          </a:effectRef>
-          <a:fontRef idx="minor">
-            <a:schemeClr val="tx1"/>
-          </a:fontRef>
-        </p:style>
-      </p:cxnSp>
-      <p:cxnSp>
-        <p:nvCxnSpPr>
-          <p:cNvPr id="182" name="Connecteur droit 181">
-            <a:extLst>
-              <a:ext uri="{FF2B5EF4-FFF2-40B4-BE49-F238E27FC236}">
-                <a16:creationId xmlns:a16="http://schemas.microsoft.com/office/drawing/2014/main" id="{9993923D-F2CC-4064-84C3-2FC49326B4BB}"/>
+          <p:cNvPr id="203" name="Connecteur droit avec flèche 202">
+            <a:extLst>
+              <a:ext uri="{FF2B5EF4-FFF2-40B4-BE49-F238E27FC236}">
+                <a16:creationId xmlns:a16="http://schemas.microsoft.com/office/drawing/2014/main" id="{20A76E23-665E-4E89-A56B-1BF6F02365B5}"/>
               </a:ext>
             </a:extLst>
           </p:cNvPr>
@@ -13678,316 +13935,8 @@
           <p:nvPr/>
         </p:nvCxnSpPr>
         <p:spPr>
-          <a:xfrm flipV="1">
-            <a:off x="11516589" y="3953832"/>
-            <a:ext cx="229670" cy="1"/>
-          </a:xfrm>
-          <a:prstGeom prst="line">
-            <a:avLst/>
-          </a:prstGeom>
-          <a:ln w="19050">
-            <a:solidFill>
-              <a:schemeClr val="tx1"/>
-            </a:solidFill>
-          </a:ln>
-        </p:spPr>
-        <p:style>
-          <a:lnRef idx="1">
-            <a:schemeClr val="accent1"/>
-          </a:lnRef>
-          <a:fillRef idx="0">
-            <a:schemeClr val="accent1"/>
-          </a:fillRef>
-          <a:effectRef idx="0">
-            <a:schemeClr val="accent1"/>
-          </a:effectRef>
-          <a:fontRef idx="minor">
-            <a:schemeClr val="tx1"/>
-          </a:fontRef>
-        </p:style>
-      </p:cxnSp>
-      <p:cxnSp>
-        <p:nvCxnSpPr>
-          <p:cNvPr id="183" name="Connecteur droit 182">
-            <a:extLst>
-              <a:ext uri="{FF2B5EF4-FFF2-40B4-BE49-F238E27FC236}">
-                <a16:creationId xmlns:a16="http://schemas.microsoft.com/office/drawing/2014/main" id="{D0781954-AE7E-4115-9A2F-4CD1512055F8}"/>
-              </a:ext>
-            </a:extLst>
-          </p:cNvPr>
-          <p:cNvCxnSpPr>
-            <a:cxnSpLocks/>
-          </p:cNvCxnSpPr>
-          <p:nvPr/>
-        </p:nvCxnSpPr>
-        <p:spPr>
           <a:xfrm>
-            <a:off x="11516589" y="4051249"/>
-            <a:ext cx="478212" cy="3940"/>
-          </a:xfrm>
-          <a:prstGeom prst="line">
-            <a:avLst/>
-          </a:prstGeom>
-          <a:ln w="19050">
-            <a:solidFill>
-              <a:srgbClr val="FF0000"/>
-            </a:solidFill>
-          </a:ln>
-        </p:spPr>
-        <p:style>
-          <a:lnRef idx="1">
-            <a:schemeClr val="accent1"/>
-          </a:lnRef>
-          <a:fillRef idx="0">
-            <a:schemeClr val="accent1"/>
-          </a:fillRef>
-          <a:effectRef idx="0">
-            <a:schemeClr val="accent1"/>
-          </a:effectRef>
-          <a:fontRef idx="minor">
-            <a:schemeClr val="tx1"/>
-          </a:fontRef>
-        </p:style>
-      </p:cxnSp>
-      <p:sp>
-        <p:nvSpPr>
-          <p:cNvPr id="185" name="ZoneTexte 184">
-            <a:extLst>
-              <a:ext uri="{FF2B5EF4-FFF2-40B4-BE49-F238E27FC236}">
-                <a16:creationId xmlns:a16="http://schemas.microsoft.com/office/drawing/2014/main" id="{62CA3368-DB00-4BDF-9964-BC8FCF6751B4}"/>
-              </a:ext>
-            </a:extLst>
-          </p:cNvPr>
-          <p:cNvSpPr txBox="1"/>
-          <p:nvPr/>
-        </p:nvSpPr>
-        <p:spPr>
-          <a:xfrm>
-            <a:off x="10212689" y="1700340"/>
-            <a:ext cx="590765" cy="246221"/>
-          </a:xfrm>
-          <a:prstGeom prst="rect">
-            <a:avLst/>
-          </a:prstGeom>
-          <a:noFill/>
-        </p:spPr>
-        <p:txBody>
-          <a:bodyPr wrap="square" rtlCol="0">
-            <a:spAutoFit/>
-          </a:bodyPr>
-          <a:lstStyle/>
-          <a:p>
-            <a:r>
-              <a:rPr lang="fr-FR" sz="1000" dirty="0"/>
-              <a:t>220 Ω</a:t>
-            </a:r>
-          </a:p>
-        </p:txBody>
-      </p:sp>
-      <p:sp>
-        <p:nvSpPr>
-          <p:cNvPr id="186" name="ZoneTexte 185">
-            <a:extLst>
-              <a:ext uri="{FF2B5EF4-FFF2-40B4-BE49-F238E27FC236}">
-                <a16:creationId xmlns:a16="http://schemas.microsoft.com/office/drawing/2014/main" id="{62BBF7AB-2F2C-44A2-84A6-9B429C441613}"/>
-              </a:ext>
-            </a:extLst>
-          </p:cNvPr>
-          <p:cNvSpPr txBox="1"/>
-          <p:nvPr/>
-        </p:nvSpPr>
-        <p:spPr>
-          <a:xfrm>
-            <a:off x="10193003" y="1941080"/>
-            <a:ext cx="590765" cy="246221"/>
-          </a:xfrm>
-          <a:prstGeom prst="rect">
-            <a:avLst/>
-          </a:prstGeom>
-          <a:noFill/>
-        </p:spPr>
-        <p:txBody>
-          <a:bodyPr wrap="square" rtlCol="0">
-            <a:spAutoFit/>
-          </a:bodyPr>
-          <a:lstStyle/>
-          <a:p>
-            <a:r>
-              <a:rPr lang="fr-FR" sz="1000" dirty="0"/>
-              <a:t>220 Ω</a:t>
-            </a:r>
-          </a:p>
-        </p:txBody>
-      </p:sp>
-      <p:sp>
-        <p:nvSpPr>
-          <p:cNvPr id="189" name="ZoneTexte 188">
-            <a:extLst>
-              <a:ext uri="{FF2B5EF4-FFF2-40B4-BE49-F238E27FC236}">
-                <a16:creationId xmlns:a16="http://schemas.microsoft.com/office/drawing/2014/main" id="{AF3EC4F1-2834-4931-93A6-EF98CFDC303C}"/>
-              </a:ext>
-            </a:extLst>
-          </p:cNvPr>
-          <p:cNvSpPr txBox="1"/>
-          <p:nvPr/>
-        </p:nvSpPr>
-        <p:spPr>
-          <a:xfrm>
-            <a:off x="10208589" y="2216776"/>
-            <a:ext cx="590765" cy="246221"/>
-          </a:xfrm>
-          <a:prstGeom prst="rect">
-            <a:avLst/>
-          </a:prstGeom>
-          <a:noFill/>
-        </p:spPr>
-        <p:txBody>
-          <a:bodyPr wrap="square" rtlCol="0">
-            <a:spAutoFit/>
-          </a:bodyPr>
-          <a:lstStyle/>
-          <a:p>
-            <a:r>
-              <a:rPr lang="fr-FR" sz="1000" dirty="0"/>
-              <a:t>220 Ω</a:t>
-            </a:r>
-          </a:p>
-        </p:txBody>
-      </p:sp>
-      <p:sp>
-        <p:nvSpPr>
-          <p:cNvPr id="190" name="Ellipse 189">
-            <a:extLst>
-              <a:ext uri="{FF2B5EF4-FFF2-40B4-BE49-F238E27FC236}">
-                <a16:creationId xmlns:a16="http://schemas.microsoft.com/office/drawing/2014/main" id="{7CB799CF-F9B6-4A8A-99A5-62031BA23683}"/>
-              </a:ext>
-            </a:extLst>
-          </p:cNvPr>
-          <p:cNvSpPr/>
-          <p:nvPr/>
-        </p:nvSpPr>
-        <p:spPr>
-          <a:xfrm>
-            <a:off x="4094562" y="5614835"/>
-            <a:ext cx="479833" cy="220039"/>
-          </a:xfrm>
-          <a:prstGeom prst="ellipse">
-            <a:avLst/>
-          </a:prstGeom>
-          <a:solidFill>
-            <a:schemeClr val="bg2">
-              <a:lumMod val="90000"/>
-            </a:schemeClr>
-          </a:solidFill>
-        </p:spPr>
-        <p:style>
-          <a:lnRef idx="2">
-            <a:schemeClr val="accent1">
-              <a:shade val="50000"/>
-            </a:schemeClr>
-          </a:lnRef>
-          <a:fillRef idx="1">
-            <a:schemeClr val="accent1"/>
-          </a:fillRef>
-          <a:effectRef idx="0">
-            <a:schemeClr val="accent1"/>
-          </a:effectRef>
-          <a:fontRef idx="minor">
-            <a:schemeClr val="lt1"/>
-          </a:fontRef>
-        </p:style>
-        <p:txBody>
-          <a:bodyPr rtlCol="0" anchor="ctr"/>
-          <a:lstStyle/>
-          <a:p>
-            <a:pPr algn="ctr"/>
-            <a:r>
-              <a:rPr lang="fr-FR" sz="900" dirty="0">
-                <a:solidFill>
-                  <a:schemeClr val="tx1"/>
-                </a:solidFill>
-              </a:rPr>
-              <a:t>A4</a:t>
-            </a:r>
-          </a:p>
-        </p:txBody>
-      </p:sp>
-      <p:sp>
-        <p:nvSpPr>
-          <p:cNvPr id="191" name="Ellipse 190">
-            <a:extLst>
-              <a:ext uri="{FF2B5EF4-FFF2-40B4-BE49-F238E27FC236}">
-                <a16:creationId xmlns:a16="http://schemas.microsoft.com/office/drawing/2014/main" id="{8EDDAE58-BEDF-44AE-BA4E-BE96BE126CF9}"/>
-              </a:ext>
-            </a:extLst>
-          </p:cNvPr>
-          <p:cNvSpPr/>
-          <p:nvPr/>
-        </p:nvSpPr>
-        <p:spPr>
-          <a:xfrm>
-            <a:off x="4728691" y="5614204"/>
-            <a:ext cx="479833" cy="220039"/>
-          </a:xfrm>
-          <a:prstGeom prst="ellipse">
-            <a:avLst/>
-          </a:prstGeom>
-          <a:solidFill>
-            <a:schemeClr val="bg2">
-              <a:lumMod val="90000"/>
-            </a:schemeClr>
-          </a:solidFill>
-        </p:spPr>
-        <p:style>
-          <a:lnRef idx="2">
-            <a:schemeClr val="accent1">
-              <a:shade val="50000"/>
-            </a:schemeClr>
-          </a:lnRef>
-          <a:fillRef idx="1">
-            <a:schemeClr val="accent1"/>
-          </a:fillRef>
-          <a:effectRef idx="0">
-            <a:schemeClr val="accent1"/>
-          </a:effectRef>
-          <a:fontRef idx="minor">
-            <a:schemeClr val="lt1"/>
-          </a:fontRef>
-        </p:style>
-        <p:txBody>
-          <a:bodyPr rtlCol="0" anchor="ctr"/>
-          <a:lstStyle/>
-          <a:p>
-            <a:pPr algn="ctr"/>
-            <a:r>
-              <a:rPr lang="fr-FR" sz="900" dirty="0">
-                <a:solidFill>
-                  <a:schemeClr val="tx1"/>
-                </a:solidFill>
-              </a:rPr>
-              <a:t>A5</a:t>
-            </a:r>
-          </a:p>
-        </p:txBody>
-      </p:sp>
-      <p:cxnSp>
-        <p:nvCxnSpPr>
-          <p:cNvPr id="194" name="Connecteur droit avec flèche 193">
-            <a:extLst>
-              <a:ext uri="{FF2B5EF4-FFF2-40B4-BE49-F238E27FC236}">
-                <a16:creationId xmlns:a16="http://schemas.microsoft.com/office/drawing/2014/main" id="{B84946B0-A863-470B-916B-8F7E26EAD3BC}"/>
-              </a:ext>
-            </a:extLst>
-          </p:cNvPr>
-          <p:cNvCxnSpPr>
-            <a:cxnSpLocks/>
-            <a:endCxn id="191" idx="0"/>
-          </p:cNvCxnSpPr>
-          <p:nvPr/>
-        </p:nvCxnSpPr>
-        <p:spPr>
-          <a:xfrm>
-            <a:off x="4968515" y="4520843"/>
+            <a:off x="4333026" y="4546766"/>
             <a:ext cx="93" cy="1093361"/>
           </a:xfrm>
           <a:prstGeom prst="straightConnector1">
@@ -13995,7 +13944,7 @@
           </a:prstGeom>
           <a:ln w="38100" cap="flat" cmpd="sng" algn="ctr">
             <a:solidFill>
-              <a:srgbClr val="FFFF00"/>
+              <a:srgbClr val="FFC000"/>
             </a:solidFill>
             <a:prstDash val="solid"/>
             <a:round/>
@@ -14020,10 +13969,164 @@
       </p:cxnSp>
       <p:sp>
         <p:nvSpPr>
-          <p:cNvPr id="202" name="Rectangle 201">
-            <a:extLst>
-              <a:ext uri="{FF2B5EF4-FFF2-40B4-BE49-F238E27FC236}">
-                <a16:creationId xmlns:a16="http://schemas.microsoft.com/office/drawing/2014/main" id="{695128D4-DEA0-4499-96A2-401622C9BA92}"/>
+          <p:cNvPr id="204" name="ZoneTexte 203">
+            <a:extLst>
+              <a:ext uri="{FF2B5EF4-FFF2-40B4-BE49-F238E27FC236}">
+                <a16:creationId xmlns:a16="http://schemas.microsoft.com/office/drawing/2014/main" id="{F26AA089-304E-4D4E-8A3C-1525E7661437}"/>
+              </a:ext>
+            </a:extLst>
+          </p:cNvPr>
+          <p:cNvSpPr txBox="1"/>
+          <p:nvPr/>
+        </p:nvSpPr>
+        <p:spPr>
+          <a:xfrm>
+            <a:off x="4929323" y="4719866"/>
+            <a:ext cx="590765" cy="246221"/>
+          </a:xfrm>
+          <a:prstGeom prst="rect">
+            <a:avLst/>
+          </a:prstGeom>
+          <a:noFill/>
+        </p:spPr>
+        <p:txBody>
+          <a:bodyPr wrap="square" rtlCol="0">
+            <a:spAutoFit/>
+          </a:bodyPr>
+          <a:lstStyle/>
+          <a:p>
+            <a:r>
+              <a:rPr lang="fr-FR" sz="1000" dirty="0"/>
+              <a:t>SCL</a:t>
+            </a:r>
+          </a:p>
+        </p:txBody>
+      </p:sp>
+      <p:sp>
+        <p:nvSpPr>
+          <p:cNvPr id="207" name="ZoneTexte 206">
+            <a:extLst>
+              <a:ext uri="{FF2B5EF4-FFF2-40B4-BE49-F238E27FC236}">
+                <a16:creationId xmlns:a16="http://schemas.microsoft.com/office/drawing/2014/main" id="{AC3F41CA-CE5A-4195-BB4A-A0A7A71DB0BC}"/>
+              </a:ext>
+            </a:extLst>
+          </p:cNvPr>
+          <p:cNvSpPr txBox="1"/>
+          <p:nvPr/>
+        </p:nvSpPr>
+        <p:spPr>
+          <a:xfrm>
+            <a:off x="3973457" y="4737629"/>
+            <a:ext cx="590765" cy="246221"/>
+          </a:xfrm>
+          <a:prstGeom prst="rect">
+            <a:avLst/>
+          </a:prstGeom>
+          <a:noFill/>
+        </p:spPr>
+        <p:txBody>
+          <a:bodyPr wrap="square" rtlCol="0">
+            <a:spAutoFit/>
+          </a:bodyPr>
+          <a:lstStyle/>
+          <a:p>
+            <a:r>
+              <a:rPr lang="fr-FR" sz="1000" dirty="0"/>
+              <a:t>SDA</a:t>
+            </a:r>
+          </a:p>
+        </p:txBody>
+      </p:sp>
+      <p:sp>
+        <p:nvSpPr>
+          <p:cNvPr id="192" name="ZoneTexte 191">
+            <a:extLst>
+              <a:ext uri="{FF2B5EF4-FFF2-40B4-BE49-F238E27FC236}">
+                <a16:creationId xmlns:a16="http://schemas.microsoft.com/office/drawing/2014/main" id="{F5631320-CDB1-4D41-92D4-168177CC2A48}"/>
+              </a:ext>
+            </a:extLst>
+          </p:cNvPr>
+          <p:cNvSpPr txBox="1"/>
+          <p:nvPr/>
+        </p:nvSpPr>
+        <p:spPr>
+          <a:xfrm>
+            <a:off x="4434859" y="4539588"/>
+            <a:ext cx="1003584" cy="338554"/>
+          </a:xfrm>
+          <a:prstGeom prst="rect">
+            <a:avLst/>
+          </a:prstGeom>
+          <a:noFill/>
+        </p:spPr>
+        <p:txBody>
+          <a:bodyPr wrap="square" rtlCol="0">
+            <a:spAutoFit/>
+          </a:bodyPr>
+          <a:lstStyle/>
+          <a:p>
+            <a:r>
+              <a:rPr lang="fr-FR" sz="800" dirty="0" err="1"/>
+              <a:t>Address</a:t>
+            </a:r>
+            <a:endParaRPr lang="fr-FR" sz="800" dirty="0"/>
+          </a:p>
+          <a:p>
+            <a:r>
+              <a:rPr lang="fr-FR" sz="800" dirty="0"/>
+              <a:t>0x68 </a:t>
+            </a:r>
+          </a:p>
+        </p:txBody>
+      </p:sp>
+      <p:sp>
+        <p:nvSpPr>
+          <p:cNvPr id="196" name="ZoneTexte 195">
+            <a:extLst>
+              <a:ext uri="{FF2B5EF4-FFF2-40B4-BE49-F238E27FC236}">
+                <a16:creationId xmlns:a16="http://schemas.microsoft.com/office/drawing/2014/main" id="{52938325-F99A-47EF-95B0-0AA75A8F758B}"/>
+              </a:ext>
+            </a:extLst>
+          </p:cNvPr>
+          <p:cNvSpPr txBox="1"/>
+          <p:nvPr/>
+        </p:nvSpPr>
+        <p:spPr>
+          <a:xfrm>
+            <a:off x="7826030" y="779551"/>
+            <a:ext cx="928972" cy="338554"/>
+          </a:xfrm>
+          <a:prstGeom prst="rect">
+            <a:avLst/>
+          </a:prstGeom>
+          <a:noFill/>
+        </p:spPr>
+        <p:txBody>
+          <a:bodyPr wrap="square" rtlCol="0">
+            <a:spAutoFit/>
+          </a:bodyPr>
+          <a:lstStyle/>
+          <a:p>
+            <a:r>
+              <a:rPr lang="fr-FR" sz="800" dirty="0" err="1"/>
+              <a:t>Address</a:t>
+            </a:r>
+            <a:endParaRPr lang="fr-FR" sz="800" dirty="0"/>
+          </a:p>
+          <a:p>
+            <a:r>
+              <a:rPr lang="fr-FR" sz="800" dirty="0"/>
+              <a:t>0x60 </a:t>
+            </a:r>
+          </a:p>
+        </p:txBody>
+      </p:sp>
+      <p:sp>
+        <p:nvSpPr>
+          <p:cNvPr id="197" name="Rectangle 196">
+            <a:extLst>
+              <a:ext uri="{FF2B5EF4-FFF2-40B4-BE49-F238E27FC236}">
+                <a16:creationId xmlns:a16="http://schemas.microsoft.com/office/drawing/2014/main" id="{39BC33D0-E6BE-4471-A727-3CC4811ABE1A}"/>
               </a:ext>
             </a:extLst>
           </p:cNvPr>
@@ -14032,8 +14135,8 @@
         </p:nvSpPr>
         <p:spPr>
           <a:xfrm>
-            <a:off x="4024915" y="4149538"/>
-            <a:ext cx="1331202" cy="390849"/>
+            <a:off x="10986269" y="384630"/>
+            <a:ext cx="1095554" cy="390849"/>
           </a:xfrm>
           <a:prstGeom prst="rect">
             <a:avLst/>
@@ -14059,29 +14162,68 @@
           <a:p>
             <a:pPr algn="ctr"/>
             <a:r>
+              <a:rPr lang="fr-FR" sz="1200" dirty="0" err="1"/>
+              <a:t>Brightness</a:t>
+            </a:r>
+            <a:endParaRPr lang="fr-FR" sz="1200" dirty="0"/>
+          </a:p>
+          <a:p>
+            <a:pPr algn="ctr"/>
+            <a:r>
               <a:rPr lang="fr-FR" sz="1200" dirty="0"/>
-              <a:t>RTC</a:t>
-            </a:r>
-          </a:p>
-          <a:p>
-            <a:pPr algn="ctr"/>
-            <a:r>
-              <a:rPr lang="fr-FR" sz="1200" dirty="0"/>
-              <a:t>DS1307</a:t>
-            </a:r>
-          </a:p>
-          <a:p>
-            <a:pPr algn="ctr"/>
-            <a:endParaRPr lang="fr-FR" sz="1200" dirty="0"/>
+              <a:t>BH1720</a:t>
+            </a:r>
+          </a:p>
+        </p:txBody>
+      </p:sp>
+      <p:sp>
+        <p:nvSpPr>
+          <p:cNvPr id="198" name="ZoneTexte 197">
+            <a:extLst>
+              <a:ext uri="{FF2B5EF4-FFF2-40B4-BE49-F238E27FC236}">
+                <a16:creationId xmlns:a16="http://schemas.microsoft.com/office/drawing/2014/main" id="{C0302400-9FE1-400A-92E9-44A4E6EB9FF8}"/>
+              </a:ext>
+            </a:extLst>
+          </p:cNvPr>
+          <p:cNvSpPr txBox="1"/>
+          <p:nvPr/>
+        </p:nvSpPr>
+        <p:spPr>
+          <a:xfrm>
+            <a:off x="11060771" y="789725"/>
+            <a:ext cx="928972" cy="338554"/>
+          </a:xfrm>
+          <a:prstGeom prst="rect">
+            <a:avLst/>
+          </a:prstGeom>
+          <a:noFill/>
+        </p:spPr>
+        <p:txBody>
+          <a:bodyPr wrap="square" rtlCol="0">
+            <a:spAutoFit/>
+          </a:bodyPr>
+          <a:lstStyle/>
+          <a:p>
+            <a:r>
+              <a:rPr lang="fr-FR" sz="800" dirty="0" err="1"/>
+              <a:t>Address</a:t>
+            </a:r>
+            <a:endParaRPr lang="fr-FR" sz="800" dirty="0"/>
+          </a:p>
+          <a:p>
+            <a:r>
+              <a:rPr lang="fr-FR" sz="800" dirty="0"/>
+              <a:t>0x23 </a:t>
+            </a:r>
           </a:p>
         </p:txBody>
       </p:sp>
       <p:cxnSp>
         <p:nvCxnSpPr>
-          <p:cNvPr id="203" name="Connecteur droit avec flèche 202">
-            <a:extLst>
-              <a:ext uri="{FF2B5EF4-FFF2-40B4-BE49-F238E27FC236}">
-                <a16:creationId xmlns:a16="http://schemas.microsoft.com/office/drawing/2014/main" id="{20A76E23-665E-4E89-A56B-1BF6F02365B5}"/>
+          <p:cNvPr id="210" name="Connecteur : en angle 209">
+            <a:extLst>
+              <a:ext uri="{FF2B5EF4-FFF2-40B4-BE49-F238E27FC236}">
+                <a16:creationId xmlns:a16="http://schemas.microsoft.com/office/drawing/2014/main" id="{5D825FE8-20FE-4828-A6D0-1DDE12A91141}"/>
               </a:ext>
             </a:extLst>
           </p:cNvPr>
@@ -14091,192 +14233,163 @@
           <p:nvPr/>
         </p:nvCxnSpPr>
         <p:spPr>
-          <a:xfrm>
-            <a:off x="4333026" y="4546766"/>
-            <a:ext cx="93" cy="1093361"/>
-          </a:xfrm>
-          <a:prstGeom prst="straightConnector1">
-            <a:avLst/>
-          </a:prstGeom>
-          <a:ln w="38100" cap="flat" cmpd="sng" algn="ctr">
+          <a:xfrm rot="16200000" flipH="1">
+            <a:off x="11460795" y="808146"/>
+            <a:ext cx="364215" cy="291992"/>
+          </a:xfrm>
+          <a:prstGeom prst="bentConnector3">
+            <a:avLst/>
+          </a:prstGeom>
+          <a:ln w="19050">
             <a:solidFill>
-              <a:srgbClr val="FFC000"/>
+              <a:srgbClr val="0070C0"/>
             </a:solidFill>
-            <a:prstDash val="solid"/>
-            <a:round/>
-            <a:headEnd type="triangle" w="med" len="med"/>
-            <a:tailEnd type="triangle" w="med" len="med"/>
           </a:ln>
         </p:spPr>
         <p:style>
-          <a:lnRef idx="0">
-            <a:scrgbClr r="0" g="0" b="0"/>
+          <a:lnRef idx="1">
+            <a:schemeClr val="accent1"/>
           </a:lnRef>
           <a:fillRef idx="0">
-            <a:scrgbClr r="0" g="0" b="0"/>
+            <a:schemeClr val="accent1"/>
           </a:fillRef>
           <a:effectRef idx="0">
-            <a:scrgbClr r="0" g="0" b="0"/>
+            <a:schemeClr val="accent1"/>
           </a:effectRef>
           <a:fontRef idx="minor">
             <a:schemeClr val="tx1"/>
           </a:fontRef>
         </p:style>
       </p:cxnSp>
-      <p:sp>
-        <p:nvSpPr>
-          <p:cNvPr id="204" name="ZoneTexte 203">
-            <a:extLst>
-              <a:ext uri="{FF2B5EF4-FFF2-40B4-BE49-F238E27FC236}">
-                <a16:creationId xmlns:a16="http://schemas.microsoft.com/office/drawing/2014/main" id="{F26AA089-304E-4D4E-8A3C-1525E7661437}"/>
-              </a:ext>
-            </a:extLst>
-          </p:cNvPr>
-          <p:cNvSpPr txBox="1"/>
-          <p:nvPr/>
-        </p:nvSpPr>
-        <p:spPr>
-          <a:xfrm>
-            <a:off x="4929323" y="4719866"/>
-            <a:ext cx="590765" cy="246221"/>
-          </a:xfrm>
-          <a:prstGeom prst="rect">
-            <a:avLst/>
-          </a:prstGeom>
-          <a:noFill/>
-        </p:spPr>
-        <p:txBody>
-          <a:bodyPr wrap="square" rtlCol="0">
-            <a:spAutoFit/>
-          </a:bodyPr>
-          <a:lstStyle/>
-          <a:p>
-            <a:r>
-              <a:rPr lang="fr-FR" sz="1000" dirty="0"/>
-              <a:t>SCL</a:t>
-            </a:r>
-          </a:p>
-        </p:txBody>
-      </p:sp>
-      <p:sp>
-        <p:nvSpPr>
-          <p:cNvPr id="207" name="ZoneTexte 206">
-            <a:extLst>
-              <a:ext uri="{FF2B5EF4-FFF2-40B4-BE49-F238E27FC236}">
-                <a16:creationId xmlns:a16="http://schemas.microsoft.com/office/drawing/2014/main" id="{AC3F41CA-CE5A-4195-BB4A-A0A7A71DB0BC}"/>
-              </a:ext>
-            </a:extLst>
-          </p:cNvPr>
-          <p:cNvSpPr txBox="1"/>
-          <p:nvPr/>
-        </p:nvSpPr>
-        <p:spPr>
-          <a:xfrm>
-            <a:off x="3973457" y="4737629"/>
-            <a:ext cx="590765" cy="246221"/>
-          </a:xfrm>
-          <a:prstGeom prst="rect">
-            <a:avLst/>
-          </a:prstGeom>
-          <a:noFill/>
-        </p:spPr>
-        <p:txBody>
-          <a:bodyPr wrap="square" rtlCol="0">
-            <a:spAutoFit/>
-          </a:bodyPr>
-          <a:lstStyle/>
-          <a:p>
-            <a:r>
-              <a:rPr lang="fr-FR" sz="1000" dirty="0"/>
-              <a:t>SDA</a:t>
-            </a:r>
-          </a:p>
-        </p:txBody>
-      </p:sp>
-      <p:sp>
-        <p:nvSpPr>
-          <p:cNvPr id="192" name="ZoneTexte 191">
-            <a:extLst>
-              <a:ext uri="{FF2B5EF4-FFF2-40B4-BE49-F238E27FC236}">
-                <a16:creationId xmlns:a16="http://schemas.microsoft.com/office/drawing/2014/main" id="{F5631320-CDB1-4D41-92D4-168177CC2A48}"/>
-              </a:ext>
-            </a:extLst>
-          </p:cNvPr>
-          <p:cNvSpPr txBox="1"/>
-          <p:nvPr/>
-        </p:nvSpPr>
-        <p:spPr>
-          <a:xfrm>
-            <a:off x="4434859" y="4539588"/>
-            <a:ext cx="1003584" cy="338554"/>
-          </a:xfrm>
-          <a:prstGeom prst="rect">
-            <a:avLst/>
-          </a:prstGeom>
-          <a:noFill/>
-        </p:spPr>
-        <p:txBody>
-          <a:bodyPr wrap="square" rtlCol="0">
-            <a:spAutoFit/>
-          </a:bodyPr>
-          <a:lstStyle/>
-          <a:p>
-            <a:r>
-              <a:rPr lang="fr-FR" sz="800" dirty="0" err="1"/>
-              <a:t>Address</a:t>
-            </a:r>
-            <a:endParaRPr lang="fr-FR" sz="800" dirty="0"/>
-          </a:p>
-          <a:p>
-            <a:r>
-              <a:rPr lang="fr-FR" sz="800" dirty="0"/>
-              <a:t>0x68 </a:t>
-            </a:r>
-          </a:p>
-        </p:txBody>
-      </p:sp>
-      <p:sp>
-        <p:nvSpPr>
-          <p:cNvPr id="196" name="ZoneTexte 195">
-            <a:extLst>
-              <a:ext uri="{FF2B5EF4-FFF2-40B4-BE49-F238E27FC236}">
-                <a16:creationId xmlns:a16="http://schemas.microsoft.com/office/drawing/2014/main" id="{52938325-F99A-47EF-95B0-0AA75A8F758B}"/>
-              </a:ext>
-            </a:extLst>
-          </p:cNvPr>
-          <p:cNvSpPr txBox="1"/>
-          <p:nvPr/>
-        </p:nvSpPr>
-        <p:spPr>
-          <a:xfrm>
-            <a:off x="7798322" y="779551"/>
-            <a:ext cx="928972" cy="338554"/>
-          </a:xfrm>
-          <a:prstGeom prst="rect">
-            <a:avLst/>
-          </a:prstGeom>
-          <a:noFill/>
-        </p:spPr>
-        <p:txBody>
-          <a:bodyPr wrap="square" rtlCol="0">
-            <a:spAutoFit/>
-          </a:bodyPr>
-          <a:lstStyle/>
-          <a:p>
-            <a:r>
-              <a:rPr lang="fr-FR" sz="800" dirty="0" err="1"/>
-              <a:t>Address</a:t>
-            </a:r>
-            <a:endParaRPr lang="fr-FR" sz="800" dirty="0"/>
-          </a:p>
-          <a:p>
-            <a:r>
-              <a:rPr lang="fr-FR" sz="800" dirty="0"/>
-              <a:t>0x60 </a:t>
-            </a:r>
-          </a:p>
-        </p:txBody>
-      </p:sp>
+      <p:cxnSp>
+        <p:nvCxnSpPr>
+          <p:cNvPr id="212" name="Connecteur : en angle 211">
+            <a:extLst>
+              <a:ext uri="{FF2B5EF4-FFF2-40B4-BE49-F238E27FC236}">
+                <a16:creationId xmlns:a16="http://schemas.microsoft.com/office/drawing/2014/main" id="{13FBC4E8-BCDA-40D9-A744-E78D9DC2510A}"/>
+              </a:ext>
+            </a:extLst>
+          </p:cNvPr>
+          <p:cNvCxnSpPr>
+            <a:cxnSpLocks/>
+          </p:cNvCxnSpPr>
+          <p:nvPr/>
+        </p:nvCxnSpPr>
+        <p:spPr>
+          <a:xfrm rot="16200000" flipH="1">
+            <a:off x="11753381" y="883342"/>
+            <a:ext cx="488722" cy="278454"/>
+          </a:xfrm>
+          <a:prstGeom prst="bentConnector3">
+            <a:avLst>
+              <a:gd name="adj1" fmla="val 50000"/>
+            </a:avLst>
+          </a:prstGeom>
+          <a:ln w="19050">
+            <a:solidFill>
+              <a:srgbClr val="FFFF00"/>
+            </a:solidFill>
+          </a:ln>
+        </p:spPr>
+        <p:style>
+          <a:lnRef idx="1">
+            <a:schemeClr val="accent1"/>
+          </a:lnRef>
+          <a:fillRef idx="0">
+            <a:schemeClr val="accent1"/>
+          </a:fillRef>
+          <a:effectRef idx="0">
+            <a:schemeClr val="accent1"/>
+          </a:effectRef>
+          <a:fontRef idx="minor">
+            <a:schemeClr val="tx1"/>
+          </a:fontRef>
+        </p:style>
+      </p:cxnSp>
+      <p:cxnSp>
+        <p:nvCxnSpPr>
+          <p:cNvPr id="215" name="Connecteur droit 214">
+            <a:extLst>
+              <a:ext uri="{FF2B5EF4-FFF2-40B4-BE49-F238E27FC236}">
+                <a16:creationId xmlns:a16="http://schemas.microsoft.com/office/drawing/2014/main" id="{28F3DF8C-E4A1-40A3-A99D-830C1D7FC4F2}"/>
+              </a:ext>
+            </a:extLst>
+          </p:cNvPr>
+          <p:cNvCxnSpPr/>
+          <p:nvPr/>
+        </p:nvCxnSpPr>
+        <p:spPr>
+          <a:xfrm flipV="1">
+            <a:off x="11539012" y="89503"/>
+            <a:ext cx="0" cy="291876"/>
+          </a:xfrm>
+          <a:prstGeom prst="line">
+            <a:avLst/>
+          </a:prstGeom>
+          <a:ln w="19050">
+            <a:solidFill>
+              <a:srgbClr val="FF0000"/>
+            </a:solidFill>
+          </a:ln>
+        </p:spPr>
+        <p:style>
+          <a:lnRef idx="1">
+            <a:schemeClr val="accent1"/>
+          </a:lnRef>
+          <a:fillRef idx="0">
+            <a:schemeClr val="accent1"/>
+          </a:fillRef>
+          <a:effectRef idx="0">
+            <a:schemeClr val="accent1"/>
+          </a:effectRef>
+          <a:fontRef idx="minor">
+            <a:schemeClr val="tx1"/>
+          </a:fontRef>
+        </p:style>
+      </p:cxnSp>
+      <p:cxnSp>
+        <p:nvCxnSpPr>
+          <p:cNvPr id="216" name="Connecteur droit 215">
+            <a:extLst>
+              <a:ext uri="{FF2B5EF4-FFF2-40B4-BE49-F238E27FC236}">
+                <a16:creationId xmlns:a16="http://schemas.microsoft.com/office/drawing/2014/main" id="{5194439E-4C55-40E2-B6F7-2B654FF2A1EB}"/>
+              </a:ext>
+            </a:extLst>
+          </p:cNvPr>
+          <p:cNvCxnSpPr>
+            <a:cxnSpLocks/>
+          </p:cNvCxnSpPr>
+          <p:nvPr/>
+        </p:nvCxnSpPr>
+        <p:spPr>
+          <a:xfrm flipV="1">
+            <a:off x="11415399" y="283828"/>
+            <a:ext cx="0" cy="106141"/>
+          </a:xfrm>
+          <a:prstGeom prst="line">
+            <a:avLst/>
+          </a:prstGeom>
+          <a:ln w="19050">
+            <a:solidFill>
+              <a:schemeClr val="tx1"/>
+            </a:solidFill>
+          </a:ln>
+        </p:spPr>
+        <p:style>
+          <a:lnRef idx="1">
+            <a:schemeClr val="accent1"/>
+          </a:lnRef>
+          <a:fillRef idx="0">
+            <a:schemeClr val="accent1"/>
+          </a:fillRef>
+          <a:effectRef idx="0">
+            <a:schemeClr val="accent1"/>
+          </a:effectRef>
+          <a:fontRef idx="minor">
+            <a:schemeClr val="tx1"/>
+          </a:fontRef>
+        </p:style>
+      </p:cxnSp>
     </p:spTree>
     <p:extLst>
       <p:ext uri="{BB962C8B-B14F-4D97-AF65-F5344CB8AC3E}">
@@ -17554,7 +17667,7 @@
             <p:ph idx="1"/>
             <p:extLst>
               <p:ext uri="{D42A27DB-BD31-4B8C-83A1-F6EECF244321}">
-                <p14:modId xmlns:p14="http://schemas.microsoft.com/office/powerpoint/2010/main" val="3755233980"/>
+                <p14:modId xmlns:p14="http://schemas.microsoft.com/office/powerpoint/2010/main" val="1956596015"/>
               </p:ext>
             </p:extLst>
           </p:nvPr>
@@ -18763,7 +18876,7 @@
                       </a:pPr>
                       <a:r>
                         <a:rPr lang="en-US" noProof="0" dirty="0"/>
-                        <a:t>Analogic pin A1</a:t>
+                        <a:t>Analogic pin A0</a:t>
                       </a:r>
                     </a:p>
                   </a:txBody>
@@ -19253,7 +19366,7 @@
             <p:ph idx="1"/>
             <p:extLst>
               <p:ext uri="{D42A27DB-BD31-4B8C-83A1-F6EECF244321}">
-                <p14:modId xmlns:p14="http://schemas.microsoft.com/office/powerpoint/2010/main" val="3260360952"/>
+                <p14:modId xmlns:p14="http://schemas.microsoft.com/office/powerpoint/2010/main" val="3375212756"/>
               </p:ext>
             </p:extLst>
           </p:nvPr>
@@ -20317,7 +20430,7 @@
                       <a:r>
                         <a:rPr lang="en-US" noProof="0" dirty="0">
                           <a:solidFill>
-                            <a:srgbClr val="FF0000"/>
+                            <a:schemeClr val="tx1"/>
                           </a:solidFill>
                         </a:rPr>
                         <a:t>Brightness sensor </a:t>
@@ -20361,7 +20474,10 @@
                         <a:tabLst/>
                         <a:defRPr/>
                       </a:pPr>
-                      <a:endParaRPr lang="en-US" noProof="0" dirty="0"/>
+                      <a:r>
+                        <a:rPr lang="en-US" noProof="0" dirty="0"/>
+                        <a:t>I2C 0x23</a:t>
+                      </a:r>
                     </a:p>
                   </a:txBody>
                   <a:tcPr/>
@@ -20371,7 +20487,7 @@
                     <a:bodyPr/>
                     <a:lstStyle/>
                     <a:p>
-                      <a:pPr marL="0" marR="0" lvl="0" indent="0" algn="l" defTabSz="914400" rtl="0" eaLnBrk="1" fontAlgn="auto" latinLnBrk="0" hangingPunct="1">
+                      <a:pPr marL="285750" marR="0" lvl="0" indent="-285750" algn="l" defTabSz="914400" rtl="0" eaLnBrk="1" fontAlgn="auto" latinLnBrk="0" hangingPunct="1">
                         <a:lnSpc>
                           <a:spcPct val="100000"/>
                         </a:lnSpc>
@@ -20384,7 +20500,7 @@
                         <a:buClrTx/>
                         <a:buSzTx/>
                         <a:buFont typeface="Wingdings" panose="05000000000000000000" pitchFamily="2" charset="2"/>
-                        <a:buNone/>
+                        <a:buChar char="ü"/>
                         <a:tabLst/>
                         <a:defRPr/>
                       </a:pPr>
@@ -20837,8 +20953,8 @@
         </p:nvSpPr>
         <p:spPr>
           <a:xfrm>
-            <a:off x="596875" y="770324"/>
-            <a:ext cx="10515600" cy="6087675"/>
+            <a:off x="570242" y="629806"/>
+            <a:ext cx="10515600" cy="5612721"/>
           </a:xfrm>
         </p:spPr>
         <p:txBody>
@@ -20867,8 +20983,53 @@
             </a:r>
             <a:r>
               <a:rPr lang="fr-FR" sz="4000" dirty="0"/>
-              <a:t>)</a:t>
-            </a:r>
+              <a:t>). NOTA: Arduino </a:t>
+            </a:r>
+            <a:r>
+              <a:rPr lang="fr-FR" sz="4000" dirty="0" err="1"/>
+              <a:t>HardwareSerial.h</a:t>
+            </a:r>
+            <a:r>
+              <a:rPr lang="fr-FR" sz="4000" dirty="0"/>
+              <a:t> has been </a:t>
+            </a:r>
+            <a:r>
+              <a:rPr lang="fr-FR" sz="4000" dirty="0" err="1"/>
+              <a:t>changed</a:t>
+            </a:r>
+            <a:r>
+              <a:rPr lang="fr-FR" sz="4000" dirty="0"/>
+              <a:t> in </a:t>
+            </a:r>
+            <a:r>
+              <a:rPr lang="fr-FR" sz="4000" dirty="0" err="1"/>
+              <a:t>order</a:t>
+            </a:r>
+            <a:r>
+              <a:rPr lang="fr-FR" sz="4000" dirty="0"/>
+              <a:t> to </a:t>
+            </a:r>
+            <a:r>
+              <a:rPr lang="fr-FR" sz="4000" dirty="0" err="1"/>
+              <a:t>increase</a:t>
+            </a:r>
+            <a:r>
+              <a:rPr lang="fr-FR" sz="4000" dirty="0"/>
+              <a:t> the buffers </a:t>
+            </a:r>
+            <a:r>
+              <a:rPr lang="en-US" sz="4000" dirty="0"/>
+              <a:t>SERIAL_TX_BUFFER_SIZE and SERIAL_RX_BUFFER_SIZE  from 64 to </a:t>
+            </a:r>
+            <a:r>
+              <a:rPr lang="en-US" sz="4000" b="1" dirty="0"/>
+              <a:t>128 (</a:t>
+            </a:r>
+            <a:r>
+              <a:rPr lang="en-US" sz="4000" dirty="0"/>
+              <a:t>same as ESP8266). The serial messages greater than 128 bytes fail.</a:t>
+            </a:r>
+            <a:endParaRPr lang="fr-FR" sz="4000" dirty="0"/>
           </a:p>
           <a:p>
             <a:r>
@@ -21063,7 +21224,7 @@
           <p:nvPr>
             <p:extLst>
               <p:ext uri="{D42A27DB-BD31-4B8C-83A1-F6EECF244321}">
-                <p14:modId xmlns:p14="http://schemas.microsoft.com/office/powerpoint/2010/main" val="1665823121"/>
+                <p14:modId xmlns:p14="http://schemas.microsoft.com/office/powerpoint/2010/main" val="1611915875"/>
               </p:ext>
             </p:extLst>
           </p:nvPr>
@@ -21343,7 +21504,7 @@
                   </a:ext>
                 </a:extLst>
               </a:tr>
-              <a:tr h="181264">
+              <a:tr h="0">
                 <a:tc>
                   <a:txBody>
                     <a:bodyPr/>
@@ -21962,134 +22123,6 @@
 </file>
 
 <file path=ppt/slides/slide8.xml><?xml version="1.0" encoding="utf-8"?>
-<p:sld xmlns:a="http://schemas.openxmlformats.org/drawingml/2006/main" xmlns:r="http://schemas.openxmlformats.org/officeDocument/2006/relationships" xmlns:p="http://schemas.openxmlformats.org/presentationml/2006/main">
-  <p:cSld>
-    <p:spTree>
-      <p:nvGrpSpPr>
-        <p:cNvPr id="1" name=""/>
-        <p:cNvGrpSpPr/>
-        <p:nvPr/>
-      </p:nvGrpSpPr>
-      <p:grpSpPr>
-        <a:xfrm>
-          <a:off x="0" y="0"/>
-          <a:ext cx="0" cy="0"/>
-          <a:chOff x="0" y="0"/>
-          <a:chExt cx="0" cy="0"/>
-        </a:xfrm>
-      </p:grpSpPr>
-      <p:sp>
-        <p:nvSpPr>
-          <p:cNvPr id="2" name="Titre 1">
-            <a:extLst>
-              <a:ext uri="{FF2B5EF4-FFF2-40B4-BE49-F238E27FC236}">
-                <a16:creationId xmlns:a16="http://schemas.microsoft.com/office/drawing/2014/main" id="{7D7887D6-7566-47C9-A25C-3F4F54D9EBDC}"/>
-              </a:ext>
-            </a:extLst>
-          </p:cNvPr>
-          <p:cNvSpPr>
-            <a:spLocks noGrp="1"/>
-          </p:cNvSpPr>
-          <p:nvPr>
-            <p:ph type="title"/>
-          </p:nvPr>
-        </p:nvSpPr>
-        <p:spPr/>
-        <p:txBody>
-          <a:bodyPr/>
-          <a:lstStyle/>
-          <a:p>
-            <a:r>
-              <a:rPr lang="fr-FR" dirty="0" err="1"/>
-              <a:t>Interuptions</a:t>
-            </a:r>
-            <a:r>
-              <a:rPr lang="fr-FR" dirty="0"/>
-              <a:t> Arduino MEG2560</a:t>
-            </a:r>
-          </a:p>
-        </p:txBody>
-      </p:sp>
-      <p:sp>
-        <p:nvSpPr>
-          <p:cNvPr id="3" name="Espace réservé du contenu 2">
-            <a:extLst>
-              <a:ext uri="{FF2B5EF4-FFF2-40B4-BE49-F238E27FC236}">
-                <a16:creationId xmlns:a16="http://schemas.microsoft.com/office/drawing/2014/main" id="{570C9186-32F7-45DB-A01D-E527B032981A}"/>
-              </a:ext>
-            </a:extLst>
-          </p:cNvPr>
-          <p:cNvSpPr>
-            <a:spLocks noGrp="1"/>
-          </p:cNvSpPr>
-          <p:nvPr>
-            <p:ph idx="1"/>
-          </p:nvPr>
-        </p:nvSpPr>
-        <p:spPr/>
-        <p:txBody>
-          <a:bodyPr/>
-          <a:lstStyle/>
-          <a:p>
-            <a:pPr marL="0" indent="0">
-              <a:buNone/>
-            </a:pPr>
-            <a:r>
-              <a:rPr lang="fr-FR" dirty="0"/>
-              <a:t>Pin #2 = interruption #0</a:t>
-            </a:r>
-            <a:br>
-              <a:rPr lang="fr-FR" dirty="0"/>
-            </a:br>
-            <a:r>
-              <a:rPr lang="fr-FR" dirty="0"/>
-              <a:t>Pin #3 = interruption #1</a:t>
-            </a:r>
-            <a:br>
-              <a:rPr lang="fr-FR" dirty="0"/>
-            </a:br>
-            <a:r>
-              <a:rPr lang="fr-FR" dirty="0"/>
-              <a:t>Pin #18 = interruption #5</a:t>
-            </a:r>
-            <a:br>
-              <a:rPr lang="fr-FR" dirty="0"/>
-            </a:br>
-            <a:r>
-              <a:rPr lang="fr-FR" dirty="0"/>
-              <a:t>Pin #19 = interruption #4</a:t>
-            </a:r>
-            <a:br>
-              <a:rPr lang="fr-FR" dirty="0"/>
-            </a:br>
-            <a:r>
-              <a:rPr lang="fr-FR" dirty="0"/>
-              <a:t>Pin #20 = interruption #3</a:t>
-            </a:r>
-            <a:br>
-              <a:rPr lang="fr-FR" dirty="0"/>
-            </a:br>
-            <a:r>
-              <a:rPr lang="fr-FR" dirty="0"/>
-              <a:t>Pin #21 = interruption #2</a:t>
-            </a:r>
-          </a:p>
-        </p:txBody>
-      </p:sp>
-    </p:spTree>
-    <p:extLst>
-      <p:ext uri="{BB962C8B-B14F-4D97-AF65-F5344CB8AC3E}">
-        <p14:creationId xmlns:p14="http://schemas.microsoft.com/office/powerpoint/2010/main" val="3722056244"/>
-      </p:ext>
-    </p:extLst>
-  </p:cSld>
-  <p:clrMapOvr>
-    <a:masterClrMapping/>
-  </p:clrMapOvr>
-</p:sld>
-</file>
-
-<file path=ppt/slides/slide9.xml><?xml version="1.0" encoding="utf-8"?>
 <p:sld xmlns:a="http://schemas.openxmlformats.org/drawingml/2006/main" xmlns:r="http://schemas.openxmlformats.org/officeDocument/2006/relationships" xmlns:p="http://schemas.openxmlformats.org/presentationml/2006/main">
   <p:cSld>
     <p:spTree>
@@ -23357,6 +23390,258 @@
 </p:sld>
 </file>
 
+<file path=ppt/slides/slide9.xml><?xml version="1.0" encoding="utf-8"?>
+<p:sld xmlns:a="http://schemas.openxmlformats.org/drawingml/2006/main" xmlns:r="http://schemas.openxmlformats.org/officeDocument/2006/relationships" xmlns:p="http://schemas.openxmlformats.org/presentationml/2006/main">
+  <p:cSld>
+    <p:spTree>
+      <p:nvGrpSpPr>
+        <p:cNvPr id="1" name=""/>
+        <p:cNvGrpSpPr/>
+        <p:nvPr/>
+      </p:nvGrpSpPr>
+      <p:grpSpPr>
+        <a:xfrm>
+          <a:off x="0" y="0"/>
+          <a:ext cx="0" cy="0"/>
+          <a:chOff x="0" y="0"/>
+          <a:chExt cx="0" cy="0"/>
+        </a:xfrm>
+      </p:grpSpPr>
+      <p:sp>
+        <p:nvSpPr>
+          <p:cNvPr id="2" name="Titre 1">
+            <a:extLst>
+              <a:ext uri="{FF2B5EF4-FFF2-40B4-BE49-F238E27FC236}">
+                <a16:creationId xmlns:a16="http://schemas.microsoft.com/office/drawing/2014/main" id="{7D7887D6-7566-47C9-A25C-3F4F54D9EBDC}"/>
+              </a:ext>
+            </a:extLst>
+          </p:cNvPr>
+          <p:cNvSpPr>
+            <a:spLocks noGrp="1"/>
+          </p:cNvSpPr>
+          <p:nvPr>
+            <p:ph type="title"/>
+          </p:nvPr>
+        </p:nvSpPr>
+        <p:spPr/>
+        <p:txBody>
+          <a:bodyPr/>
+          <a:lstStyle/>
+          <a:p>
+            <a:r>
+              <a:rPr lang="fr-FR" dirty="0" err="1"/>
+              <a:t>Special</a:t>
+            </a:r>
+            <a:r>
+              <a:rPr lang="fr-FR" dirty="0"/>
+              <a:t> pins Arduino MEGA2560</a:t>
+            </a:r>
+          </a:p>
+        </p:txBody>
+      </p:sp>
+      <p:sp>
+        <p:nvSpPr>
+          <p:cNvPr id="3" name="Espace réservé du contenu 2">
+            <a:extLst>
+              <a:ext uri="{FF2B5EF4-FFF2-40B4-BE49-F238E27FC236}">
+                <a16:creationId xmlns:a16="http://schemas.microsoft.com/office/drawing/2014/main" id="{570C9186-32F7-45DB-A01D-E527B032981A}"/>
+              </a:ext>
+            </a:extLst>
+          </p:cNvPr>
+          <p:cNvSpPr>
+            <a:spLocks noGrp="1"/>
+          </p:cNvSpPr>
+          <p:nvPr>
+            <p:ph idx="1"/>
+          </p:nvPr>
+        </p:nvSpPr>
+        <p:spPr/>
+        <p:txBody>
+          <a:bodyPr>
+            <a:normAutofit fontScale="77500" lnSpcReduction="20000"/>
+          </a:bodyPr>
+          <a:lstStyle/>
+          <a:p>
+            <a:pPr marL="0" indent="0">
+              <a:buNone/>
+            </a:pPr>
+            <a:r>
+              <a:rPr lang="fr-FR" sz="3500" u="sng" dirty="0"/>
+              <a:t>Interruptions</a:t>
+            </a:r>
+          </a:p>
+          <a:p>
+            <a:pPr marL="0" indent="0">
+              <a:buNone/>
+            </a:pPr>
+            <a:r>
+              <a:rPr lang="fr-FR" dirty="0"/>
+              <a:t>Pin #2 = interruption #0</a:t>
+            </a:r>
+            <a:br>
+              <a:rPr lang="fr-FR" dirty="0"/>
+            </a:br>
+            <a:r>
+              <a:rPr lang="fr-FR" dirty="0"/>
+              <a:t>Pin #3 = interruption #1</a:t>
+            </a:r>
+            <a:br>
+              <a:rPr lang="fr-FR" dirty="0"/>
+            </a:br>
+            <a:r>
+              <a:rPr lang="fr-FR" dirty="0"/>
+              <a:t>Pin #18 = interruption #5</a:t>
+            </a:r>
+            <a:br>
+              <a:rPr lang="fr-FR" dirty="0"/>
+            </a:br>
+            <a:r>
+              <a:rPr lang="fr-FR" dirty="0"/>
+              <a:t>Pin #19 = interruption #4</a:t>
+            </a:r>
+            <a:br>
+              <a:rPr lang="fr-FR" dirty="0"/>
+            </a:br>
+            <a:r>
+              <a:rPr lang="fr-FR" dirty="0"/>
+              <a:t>Pin #20 = interruption #3</a:t>
+            </a:r>
+            <a:br>
+              <a:rPr lang="fr-FR" dirty="0"/>
+            </a:br>
+            <a:r>
+              <a:rPr lang="fr-FR" dirty="0"/>
+              <a:t>Pin #21 = interruption </a:t>
+            </a:r>
+            <a:r>
+              <a:rPr lang="fr-FR"/>
+              <a:t>#2</a:t>
+            </a:r>
+          </a:p>
+          <a:p>
+            <a:pPr marL="0" indent="0">
+              <a:buNone/>
+            </a:pPr>
+            <a:endParaRPr lang="fr-FR" dirty="0"/>
+          </a:p>
+          <a:p>
+            <a:pPr marL="0" indent="0">
+              <a:buNone/>
+            </a:pPr>
+            <a:r>
+              <a:rPr lang="fr-FR" sz="3500" u="sng" dirty="0"/>
+              <a:t>SPI</a:t>
+            </a:r>
+          </a:p>
+          <a:p>
+            <a:pPr marL="0" indent="0">
+              <a:buNone/>
+            </a:pPr>
+            <a:r>
+              <a:rPr lang="fi-FI" dirty="0"/>
+              <a:t>Pin</a:t>
+            </a:r>
+            <a:r>
+              <a:rPr lang="fr-FR" dirty="0"/>
+              <a:t> #</a:t>
+            </a:r>
+            <a:r>
+              <a:rPr lang="fi-FI" dirty="0"/>
+              <a:t>10: CS</a:t>
+            </a:r>
+            <a:endParaRPr lang="fr-FR" dirty="0"/>
+          </a:p>
+          <a:p>
+            <a:pPr marL="0" indent="0">
+              <a:buNone/>
+            </a:pPr>
+            <a:r>
+              <a:rPr lang="fi-FI" dirty="0"/>
+              <a:t>pin</a:t>
+            </a:r>
+            <a:r>
+              <a:rPr lang="fr-FR" dirty="0"/>
+              <a:t> #</a:t>
+            </a:r>
+            <a:r>
+              <a:rPr lang="fi-FI" dirty="0"/>
+              <a:t>11-&gt;pin</a:t>
+            </a:r>
+            <a:r>
+              <a:rPr lang="fr-FR" dirty="0"/>
+              <a:t> #</a:t>
+            </a:r>
+            <a:r>
+              <a:rPr lang="fi-FI" dirty="0"/>
+              <a:t>51</a:t>
+            </a:r>
+          </a:p>
+          <a:p>
+            <a:pPr marL="0" indent="0">
+              <a:buNone/>
+            </a:pPr>
+            <a:r>
+              <a:rPr lang="fi-FI" dirty="0"/>
+              <a:t>pin</a:t>
+            </a:r>
+            <a:r>
+              <a:rPr lang="fr-FR" dirty="0"/>
+              <a:t> #</a:t>
+            </a:r>
+            <a:r>
+              <a:rPr lang="fi-FI" dirty="0"/>
+              <a:t>12-&gt;pin</a:t>
+            </a:r>
+            <a:r>
+              <a:rPr lang="fr-FR" dirty="0"/>
+              <a:t> #</a:t>
+            </a:r>
+            <a:r>
+              <a:rPr lang="fi-FI" dirty="0"/>
+              <a:t>50</a:t>
+            </a:r>
+          </a:p>
+          <a:p>
+            <a:pPr marL="0" indent="0">
+              <a:buNone/>
+            </a:pPr>
+            <a:r>
+              <a:rPr lang="fi-FI" dirty="0"/>
+              <a:t>pin</a:t>
+            </a:r>
+            <a:r>
+              <a:rPr lang="fr-FR" dirty="0"/>
+              <a:t> #</a:t>
+            </a:r>
+            <a:r>
+              <a:rPr lang="fi-FI" dirty="0"/>
+              <a:t>13-&gt;pin</a:t>
+            </a:r>
+            <a:r>
+              <a:rPr lang="fr-FR" dirty="0"/>
+              <a:t> #</a:t>
+            </a:r>
+            <a:r>
+              <a:rPr lang="fi-FI" dirty="0"/>
+              <a:t>52</a:t>
+            </a:r>
+            <a:endParaRPr lang="fr-FR" dirty="0"/>
+          </a:p>
+        </p:txBody>
+      </p:sp>
+    </p:spTree>
+    <p:extLst>
+      <p:ext uri="{BB962C8B-B14F-4D97-AF65-F5344CB8AC3E}">
+        <p14:creationId xmlns:p14="http://schemas.microsoft.com/office/powerpoint/2010/main" val="3722056244"/>
+      </p:ext>
+    </p:extLst>
+  </p:cSld>
+  <p:clrMapOvr>
+    <a:masterClrMapping/>
+  </p:clrMapOvr>
+</p:sld>
+</file>
+
 <file path=ppt/theme/theme1.xml><?xml version="1.0" encoding="utf-8"?>
 <a:theme xmlns:a="http://schemas.openxmlformats.org/drawingml/2006/main" name="Thème Office">
   <a:themeElements>

--- a/libraries/Diagramm Robot v2.pptx
+++ b/libraries/Diagramm Robot v2.pptx
@@ -267,7 +267,7 @@
           <a:p>
             <a:fld id="{0717AEF8-1597-4679-8926-916E82E12B07}" type="datetimeFigureOut">
               <a:rPr lang="fr-FR" smtClean="0"/>
-              <a:t>20/01/2019</a:t>
+              <a:t>23/01/2019</a:t>
             </a:fld>
             <a:endParaRPr lang="fr-FR"/>
           </a:p>
@@ -465,7 +465,7 @@
           <a:p>
             <a:fld id="{0717AEF8-1597-4679-8926-916E82E12B07}" type="datetimeFigureOut">
               <a:rPr lang="fr-FR" smtClean="0"/>
-              <a:t>20/01/2019</a:t>
+              <a:t>23/01/2019</a:t>
             </a:fld>
             <a:endParaRPr lang="fr-FR"/>
           </a:p>
@@ -673,7 +673,7 @@
           <a:p>
             <a:fld id="{0717AEF8-1597-4679-8926-916E82E12B07}" type="datetimeFigureOut">
               <a:rPr lang="fr-FR" smtClean="0"/>
-              <a:t>20/01/2019</a:t>
+              <a:t>23/01/2019</a:t>
             </a:fld>
             <a:endParaRPr lang="fr-FR"/>
           </a:p>
@@ -871,7 +871,7 @@
           <a:p>
             <a:fld id="{0717AEF8-1597-4679-8926-916E82E12B07}" type="datetimeFigureOut">
               <a:rPr lang="fr-FR" smtClean="0"/>
-              <a:t>20/01/2019</a:t>
+              <a:t>23/01/2019</a:t>
             </a:fld>
             <a:endParaRPr lang="fr-FR"/>
           </a:p>
@@ -1146,7 +1146,7 @@
           <a:p>
             <a:fld id="{0717AEF8-1597-4679-8926-916E82E12B07}" type="datetimeFigureOut">
               <a:rPr lang="fr-FR" smtClean="0"/>
-              <a:t>20/01/2019</a:t>
+              <a:t>23/01/2019</a:t>
             </a:fld>
             <a:endParaRPr lang="fr-FR"/>
           </a:p>
@@ -1411,7 +1411,7 @@
           <a:p>
             <a:fld id="{0717AEF8-1597-4679-8926-916E82E12B07}" type="datetimeFigureOut">
               <a:rPr lang="fr-FR" smtClean="0"/>
-              <a:t>20/01/2019</a:t>
+              <a:t>23/01/2019</a:t>
             </a:fld>
             <a:endParaRPr lang="fr-FR"/>
           </a:p>
@@ -1823,7 +1823,7 @@
           <a:p>
             <a:fld id="{0717AEF8-1597-4679-8926-916E82E12B07}" type="datetimeFigureOut">
               <a:rPr lang="fr-FR" smtClean="0"/>
-              <a:t>20/01/2019</a:t>
+              <a:t>23/01/2019</a:t>
             </a:fld>
             <a:endParaRPr lang="fr-FR"/>
           </a:p>
@@ -1964,7 +1964,7 @@
           <a:p>
             <a:fld id="{0717AEF8-1597-4679-8926-916E82E12B07}" type="datetimeFigureOut">
               <a:rPr lang="fr-FR" smtClean="0"/>
-              <a:t>20/01/2019</a:t>
+              <a:t>23/01/2019</a:t>
             </a:fld>
             <a:endParaRPr lang="fr-FR"/>
           </a:p>
@@ -2077,7 +2077,7 @@
           <a:p>
             <a:fld id="{0717AEF8-1597-4679-8926-916E82E12B07}" type="datetimeFigureOut">
               <a:rPr lang="fr-FR" smtClean="0"/>
-              <a:t>20/01/2019</a:t>
+              <a:t>23/01/2019</a:t>
             </a:fld>
             <a:endParaRPr lang="fr-FR"/>
           </a:p>
@@ -2388,7 +2388,7 @@
           <a:p>
             <a:fld id="{0717AEF8-1597-4679-8926-916E82E12B07}" type="datetimeFigureOut">
               <a:rPr lang="fr-FR" smtClean="0"/>
-              <a:t>20/01/2019</a:t>
+              <a:t>23/01/2019</a:t>
             </a:fld>
             <a:endParaRPr lang="fr-FR"/>
           </a:p>
@@ -2676,7 +2676,7 @@
           <a:p>
             <a:fld id="{0717AEF8-1597-4679-8926-916E82E12B07}" type="datetimeFigureOut">
               <a:rPr lang="fr-FR" smtClean="0"/>
-              <a:t>20/01/2019</a:t>
+              <a:t>23/01/2019</a:t>
             </a:fld>
             <a:endParaRPr lang="fr-FR"/>
           </a:p>
@@ -2917,7 +2917,7 @@
           <a:p>
             <a:fld id="{0717AEF8-1597-4679-8926-916E82E12B07}" type="datetimeFigureOut">
               <a:rPr lang="fr-FR" smtClean="0"/>
-              <a:t>20/01/2019</a:t>
+              <a:t>23/01/2019</a:t>
             </a:fld>
             <a:endParaRPr lang="fr-FR"/>
           </a:p>
@@ -6435,6 +6435,163 @@
           </a:fontRef>
         </p:style>
       </p:cxnSp>
+      <p:sp>
+        <p:nvSpPr>
+          <p:cNvPr id="89" name="Ellipse 88">
+            <a:extLst>
+              <a:ext uri="{FF2B5EF4-FFF2-40B4-BE49-F238E27FC236}">
+                <a16:creationId xmlns:a16="http://schemas.microsoft.com/office/drawing/2014/main" id="{29A2AEED-4115-40C7-A841-AF24B15AB343}"/>
+              </a:ext>
+            </a:extLst>
+          </p:cNvPr>
+          <p:cNvSpPr/>
+          <p:nvPr/>
+        </p:nvSpPr>
+        <p:spPr>
+          <a:xfrm>
+            <a:off x="7033000" y="4058162"/>
+            <a:ext cx="594107" cy="416421"/>
+          </a:xfrm>
+          <a:prstGeom prst="ellipse">
+            <a:avLst/>
+          </a:prstGeom>
+          <a:solidFill>
+            <a:schemeClr val="bg2">
+              <a:lumMod val="90000"/>
+            </a:schemeClr>
+          </a:solidFill>
+        </p:spPr>
+        <p:style>
+          <a:lnRef idx="2">
+            <a:schemeClr val="accent1">
+              <a:shade val="50000"/>
+            </a:schemeClr>
+          </a:lnRef>
+          <a:fillRef idx="1">
+            <a:schemeClr val="accent1"/>
+          </a:fillRef>
+          <a:effectRef idx="0">
+            <a:schemeClr val="accent1"/>
+          </a:effectRef>
+          <a:fontRef idx="minor">
+            <a:schemeClr val="lt1"/>
+          </a:fontRef>
+        </p:style>
+        <p:txBody>
+          <a:bodyPr rtlCol="0" anchor="ctr"/>
+          <a:lstStyle/>
+          <a:p>
+            <a:pPr algn="ctr"/>
+            <a:r>
+              <a:rPr lang="fr-FR" sz="900" dirty="0"/>
+              <a:t>36</a:t>
+            </a:r>
+          </a:p>
+        </p:txBody>
+      </p:sp>
+      <p:sp>
+        <p:nvSpPr>
+          <p:cNvPr id="93" name="Ellipse 92">
+            <a:extLst>
+              <a:ext uri="{FF2B5EF4-FFF2-40B4-BE49-F238E27FC236}">
+                <a16:creationId xmlns:a16="http://schemas.microsoft.com/office/drawing/2014/main" id="{D56FC545-5DE1-459C-BFBF-A5794193E5EF}"/>
+              </a:ext>
+            </a:extLst>
+          </p:cNvPr>
+          <p:cNvSpPr/>
+          <p:nvPr/>
+        </p:nvSpPr>
+        <p:spPr>
+          <a:xfrm>
+            <a:off x="7050760" y="5044639"/>
+            <a:ext cx="536619" cy="416420"/>
+          </a:xfrm>
+          <a:prstGeom prst="ellipse">
+            <a:avLst/>
+          </a:prstGeom>
+          <a:solidFill>
+            <a:schemeClr val="bg2">
+              <a:lumMod val="90000"/>
+            </a:schemeClr>
+          </a:solidFill>
+        </p:spPr>
+        <p:style>
+          <a:lnRef idx="2">
+            <a:schemeClr val="accent1">
+              <a:shade val="50000"/>
+            </a:schemeClr>
+          </a:lnRef>
+          <a:fillRef idx="1">
+            <a:schemeClr val="accent1"/>
+          </a:fillRef>
+          <a:effectRef idx="0">
+            <a:schemeClr val="accent1"/>
+          </a:effectRef>
+          <a:fontRef idx="minor">
+            <a:schemeClr val="lt1"/>
+          </a:fontRef>
+        </p:style>
+        <p:txBody>
+          <a:bodyPr rtlCol="0" anchor="ctr"/>
+          <a:lstStyle/>
+          <a:p>
+            <a:pPr algn="ctr"/>
+            <a:r>
+              <a:rPr lang="fr-FR" sz="900" dirty="0"/>
+              <a:t>DTR / RST</a:t>
+            </a:r>
+          </a:p>
+        </p:txBody>
+      </p:sp>
+      <p:cxnSp>
+        <p:nvCxnSpPr>
+          <p:cNvPr id="94" name="Connecteur droit avec flèche 93">
+            <a:extLst>
+              <a:ext uri="{FF2B5EF4-FFF2-40B4-BE49-F238E27FC236}">
+                <a16:creationId xmlns:a16="http://schemas.microsoft.com/office/drawing/2014/main" id="{2FA5F74A-46A4-43C6-A76A-DB1881CA592C}"/>
+              </a:ext>
+            </a:extLst>
+          </p:cNvPr>
+          <p:cNvCxnSpPr>
+            <a:cxnSpLocks/>
+            <a:stCxn id="89" idx="4"/>
+            <a:endCxn id="93" idx="0"/>
+          </p:cNvCxnSpPr>
+          <p:nvPr/>
+        </p:nvCxnSpPr>
+        <p:spPr>
+          <a:xfrm flipH="1">
+            <a:off x="7319070" y="4474583"/>
+            <a:ext cx="10984" cy="570056"/>
+          </a:xfrm>
+          <a:prstGeom prst="straightConnector1">
+            <a:avLst/>
+          </a:prstGeom>
+          <a:ln w="38100" cap="flat" cmpd="sng" algn="ctr">
+            <a:solidFill>
+              <a:srgbClr val="FFFF00"/>
+            </a:solidFill>
+            <a:prstDash val="solid"/>
+            <a:round/>
+            <a:headEnd type="none" w="med" len="med"/>
+            <a:tailEnd type="triangle" w="med" len="med"/>
+          </a:ln>
+        </p:spPr>
+        <p:style>
+          <a:lnRef idx="0">
+            <a:scrgbClr r="0" g="0" b="0"/>
+          </a:lnRef>
+          <a:fillRef idx="0">
+            <a:scrgbClr r="0" g="0" b="0"/>
+          </a:fillRef>
+          <a:effectRef idx="0">
+            <a:scrgbClr r="0" g="0" b="0"/>
+          </a:effectRef>
+          <a:fontRef idx="minor">
+            <a:schemeClr val="tx1"/>
+          </a:fontRef>
+        </p:style>
+      </p:cxnSp>
     </p:spTree>
     <p:extLst>
       <p:ext uri="{BB962C8B-B14F-4D97-AF65-F5344CB8AC3E}">
@@ -6479,7 +6636,7 @@
         </p:nvSpPr>
         <p:spPr>
           <a:xfrm>
-            <a:off x="215730" y="1916126"/>
+            <a:off x="215730" y="1907248"/>
             <a:ext cx="9453251" cy="3972742"/>
           </a:xfrm>
           <a:prstGeom prst="rect">
@@ -6530,7 +6687,7 @@
         </p:nvCxnSpPr>
         <p:spPr>
           <a:xfrm flipH="1">
-            <a:off x="4405143" y="1099179"/>
+            <a:off x="5008077" y="1097388"/>
             <a:ext cx="5342" cy="508151"/>
           </a:xfrm>
           <a:prstGeom prst="straightConnector1">
@@ -6578,7 +6735,7 @@
         </p:nvCxnSpPr>
         <p:spPr>
           <a:xfrm>
-            <a:off x="6853898" y="1101839"/>
+            <a:off x="7228232" y="1100048"/>
             <a:ext cx="1" cy="523424"/>
           </a:xfrm>
           <a:prstGeom prst="straightConnector1">
@@ -6625,7 +6782,7 @@
         </p:nvCxnSpPr>
         <p:spPr>
           <a:xfrm flipH="1">
-            <a:off x="3505508" y="1139649"/>
+            <a:off x="3281771" y="1139649"/>
             <a:ext cx="5765" cy="492554"/>
           </a:xfrm>
           <a:prstGeom prst="straightConnector1">
@@ -6670,7 +6827,7 @@
         </p:nvSpPr>
         <p:spPr>
           <a:xfrm>
-            <a:off x="6136671" y="1907808"/>
+            <a:off x="6511005" y="1906017"/>
             <a:ext cx="880291" cy="276999"/>
           </a:xfrm>
           <a:prstGeom prst="rect">
@@ -6885,7 +7042,7 @@
         </p:nvSpPr>
         <p:spPr>
           <a:xfrm>
-            <a:off x="6608494" y="1625263"/>
+            <a:off x="6982828" y="1623472"/>
             <a:ext cx="490809" cy="286308"/>
           </a:xfrm>
           <a:prstGeom prst="ellipse">
@@ -6954,7 +7111,7 @@
         </p:nvSpPr>
         <p:spPr>
           <a:xfrm>
-            <a:off x="6034157" y="1618730"/>
+            <a:off x="6408491" y="1616939"/>
             <a:ext cx="490809" cy="286308"/>
           </a:xfrm>
           <a:prstGeom prst="ellipse">
@@ -7710,8 +7867,8 @@
         </p:nvSpPr>
         <p:spPr>
           <a:xfrm>
-            <a:off x="9365035" y="1921847"/>
-            <a:ext cx="279420" cy="2308324"/>
+            <a:off x="9399378" y="1921847"/>
+            <a:ext cx="281515" cy="2123658"/>
           </a:xfrm>
           <a:prstGeom prst="rect">
             <a:avLst/>
@@ -7747,10 +7904,9 @@
           <a:p>
             <a:pPr algn="ctr"/>
             <a:r>
-              <a:rPr lang="fr-FR" sz="1200" dirty="0" err="1"/>
-              <a:t>tal</a:t>
-            </a:r>
-            <a:endParaRPr lang="fr-FR" sz="1200" dirty="0"/>
+              <a:rPr lang="fr-FR" sz="1200" dirty="0"/>
+              <a:t>Tal</a:t>
+            </a:r>
           </a:p>
           <a:p>
             <a:pPr algn="ctr"/>
@@ -7758,10 +7914,6 @@
           </a:p>
           <a:p>
             <a:pPr algn="ctr"/>
-            <a:endParaRPr lang="fr-FR" sz="1200" dirty="0"/>
-          </a:p>
-          <a:p>
-            <a:pPr algn="ctr"/>
             <a:r>
               <a:rPr lang="fr-FR" sz="1200" dirty="0"/>
               <a:t> </a:t>
@@ -7783,7 +7935,7 @@
         </p:nvSpPr>
         <p:spPr>
           <a:xfrm>
-            <a:off x="4155281" y="1913536"/>
+            <a:off x="4758215" y="1911745"/>
             <a:ext cx="524086" cy="276999"/>
           </a:xfrm>
           <a:prstGeom prst="rect">
@@ -7824,7 +7976,7 @@
         </p:nvSpPr>
         <p:spPr>
           <a:xfrm>
-            <a:off x="4110158" y="1598465"/>
+            <a:off x="4713092" y="1596674"/>
             <a:ext cx="573656" cy="279569"/>
           </a:xfrm>
           <a:prstGeom prst="ellipse">
@@ -8364,7 +8516,7 @@
         </p:nvCxnSpPr>
         <p:spPr>
           <a:xfrm flipH="1">
-            <a:off x="2948837" y="1164112"/>
+            <a:off x="2725100" y="1164112"/>
             <a:ext cx="8230" cy="468246"/>
           </a:xfrm>
           <a:prstGeom prst="straightConnector1">
@@ -8411,7 +8563,7 @@
         </p:nvCxnSpPr>
         <p:spPr>
           <a:xfrm flipH="1">
-            <a:off x="6251811" y="1106134"/>
+            <a:off x="6626145" y="1104343"/>
             <a:ext cx="5765" cy="492554"/>
           </a:xfrm>
           <a:prstGeom prst="straightConnector1">
@@ -8456,7 +8608,7 @@
         </p:nvSpPr>
         <p:spPr>
           <a:xfrm>
-            <a:off x="2691786" y="1916127"/>
+            <a:off x="2468049" y="1916127"/>
             <a:ext cx="1094468" cy="276999"/>
           </a:xfrm>
           <a:prstGeom prst="rect">
@@ -8497,7 +8649,7 @@
         </p:nvSpPr>
         <p:spPr>
           <a:xfrm>
-            <a:off x="3282315" y="1632204"/>
+            <a:off x="3058578" y="1632204"/>
             <a:ext cx="490809" cy="286308"/>
           </a:xfrm>
           <a:prstGeom prst="ellipse">
@@ -8566,7 +8718,7 @@
         </p:nvSpPr>
         <p:spPr>
           <a:xfrm>
-            <a:off x="2708842" y="1625263"/>
+            <a:off x="2485105" y="1625263"/>
             <a:ext cx="490809" cy="286308"/>
           </a:xfrm>
           <a:prstGeom prst="ellipse">
@@ -8695,8 +8847,8 @@
         </p:nvSpPr>
         <p:spPr>
           <a:xfrm>
-            <a:off x="6018901" y="730534"/>
-            <a:ext cx="1109029" cy="390849"/>
+            <a:off x="6429691" y="728743"/>
+            <a:ext cx="1301174" cy="390849"/>
           </a:xfrm>
           <a:prstGeom prst="rect">
             <a:avLst/>
@@ -8727,7 +8879,7 @@
             </a:r>
             <a:r>
               <a:rPr lang="fr-FR" sz="1200" dirty="0" err="1"/>
-              <a:t>WIFIServer</a:t>
+              <a:t>WIFIClient</a:t>
             </a:r>
             <a:endParaRPr lang="fr-FR" sz="1200" dirty="0"/>
           </a:p>
@@ -8945,7 +9097,7 @@
         </p:nvSpPr>
         <p:spPr>
           <a:xfrm>
-            <a:off x="3502163" y="1177599"/>
+            <a:off x="3278426" y="1177599"/>
             <a:ext cx="389850" cy="215444"/>
           </a:xfrm>
           <a:prstGeom prst="rect">
@@ -8983,7 +9135,7 @@
         </p:nvSpPr>
         <p:spPr>
           <a:xfrm>
-            <a:off x="2769234" y="1169859"/>
+            <a:off x="2545497" y="1169859"/>
             <a:ext cx="401072" cy="215444"/>
           </a:xfrm>
           <a:prstGeom prst="rect">
@@ -10732,7 +10884,7 @@
         </p:nvCxnSpPr>
         <p:spPr>
           <a:xfrm flipV="1">
-            <a:off x="3252897" y="91164"/>
+            <a:off x="3155617" y="91164"/>
             <a:ext cx="0" cy="672674"/>
           </a:xfrm>
           <a:prstGeom prst="line">
@@ -10775,7 +10927,7 @@
         </p:nvCxnSpPr>
         <p:spPr>
           <a:xfrm flipV="1">
-            <a:off x="3115904" y="268757"/>
+            <a:off x="2950531" y="268757"/>
             <a:ext cx="0" cy="488154"/>
           </a:xfrm>
           <a:prstGeom prst="line">
@@ -10816,7 +10968,7 @@
         </p:nvSpPr>
         <p:spPr>
           <a:xfrm>
-            <a:off x="2788203" y="764032"/>
+            <a:off x="2564466" y="764032"/>
             <a:ext cx="881437" cy="390849"/>
           </a:xfrm>
           <a:prstGeom prst="rect">
@@ -11967,8 +12119,8 @@
         </p:nvSpPr>
         <p:spPr>
           <a:xfrm>
-            <a:off x="9372846" y="4350109"/>
-            <a:ext cx="294784" cy="646331"/>
+            <a:off x="9365035" y="4124967"/>
+            <a:ext cx="302595" cy="830997"/>
           </a:xfrm>
           <a:prstGeom prst="rect">
             <a:avLst/>
@@ -11988,9 +12140,13 @@
           <a:p>
             <a:pPr algn="ctr"/>
             <a:r>
-              <a:rPr lang="fr-FR" sz="1200" dirty="0"/>
+              <a:rPr lang="fr-FR" sz="1200"/>
               <a:t>PWM</a:t>
             </a:r>
+          </a:p>
+          <a:p>
+            <a:pPr algn="ctr"/>
+            <a:endParaRPr lang="fr-FR" sz="1200" dirty="0"/>
           </a:p>
         </p:txBody>
       </p:sp>
@@ -12729,254 +12885,6 @@
           </a:fontRef>
         </p:style>
       </p:cxnSp>
-      <p:sp>
-        <p:nvSpPr>
-          <p:cNvPr id="152" name="Rectangle 151">
-            <a:extLst>
-              <a:ext uri="{FF2B5EF4-FFF2-40B4-BE49-F238E27FC236}">
-                <a16:creationId xmlns:a16="http://schemas.microsoft.com/office/drawing/2014/main" id="{5700205C-2AE1-4EDC-8ED1-B218F99E7971}"/>
-              </a:ext>
-            </a:extLst>
-          </p:cNvPr>
-          <p:cNvSpPr/>
-          <p:nvPr/>
-        </p:nvSpPr>
-        <p:spPr>
-          <a:xfrm>
-            <a:off x="10316926" y="3575420"/>
-            <a:ext cx="1207065" cy="273425"/>
-          </a:xfrm>
-          <a:prstGeom prst="rect">
-            <a:avLst/>
-          </a:prstGeom>
-        </p:spPr>
-        <p:style>
-          <a:lnRef idx="1">
-            <a:schemeClr val="accent4"/>
-          </a:lnRef>
-          <a:fillRef idx="2">
-            <a:schemeClr val="accent4"/>
-          </a:fillRef>
-          <a:effectRef idx="1">
-            <a:schemeClr val="accent4"/>
-          </a:effectRef>
-          <a:fontRef idx="minor">
-            <a:schemeClr val="dk1"/>
-          </a:fontRef>
-        </p:style>
-        <p:txBody>
-          <a:bodyPr rtlCol="0" anchor="t"/>
-          <a:lstStyle/>
-          <a:p>
-            <a:pPr algn="ctr"/>
-            <a:r>
-              <a:rPr lang="fr-FR" sz="1200" dirty="0"/>
-              <a:t>Motion</a:t>
-            </a:r>
-            <a:r>
-              <a:rPr lang="af-ZA" sz="1200" dirty="0"/>
-              <a:t>SEN0018</a:t>
-            </a:r>
-            <a:endParaRPr lang="fr-FR" sz="1200" dirty="0"/>
-          </a:p>
-          <a:p>
-            <a:pPr algn="ctr"/>
-            <a:endParaRPr lang="fr-FR" dirty="0"/>
-          </a:p>
-        </p:txBody>
-      </p:sp>
-      <p:sp>
-        <p:nvSpPr>
-          <p:cNvPr id="153" name="Ellipse 152">
-            <a:extLst>
-              <a:ext uri="{FF2B5EF4-FFF2-40B4-BE49-F238E27FC236}">
-                <a16:creationId xmlns:a16="http://schemas.microsoft.com/office/drawing/2014/main" id="{2532AA1D-074A-4D6C-A26E-8299CAE75729}"/>
-              </a:ext>
-            </a:extLst>
-          </p:cNvPr>
-          <p:cNvSpPr/>
-          <p:nvPr/>
-        </p:nvSpPr>
-        <p:spPr>
-          <a:xfrm>
-            <a:off x="9680578" y="3604237"/>
-            <a:ext cx="479833" cy="220039"/>
-          </a:xfrm>
-          <a:prstGeom prst="ellipse">
-            <a:avLst/>
-          </a:prstGeom>
-          <a:solidFill>
-            <a:schemeClr val="bg2">
-              <a:lumMod val="90000"/>
-            </a:schemeClr>
-          </a:solidFill>
-        </p:spPr>
-        <p:style>
-          <a:lnRef idx="2">
-            <a:schemeClr val="accent1">
-              <a:shade val="50000"/>
-            </a:schemeClr>
-          </a:lnRef>
-          <a:fillRef idx="1">
-            <a:schemeClr val="accent1"/>
-          </a:fillRef>
-          <a:effectRef idx="0">
-            <a:schemeClr val="accent1"/>
-          </a:effectRef>
-          <a:fontRef idx="minor">
-            <a:schemeClr val="lt1"/>
-          </a:fontRef>
-        </p:style>
-        <p:txBody>
-          <a:bodyPr rtlCol="0" anchor="ctr"/>
-          <a:lstStyle/>
-          <a:p>
-            <a:pPr algn="ctr"/>
-            <a:r>
-              <a:rPr lang="fr-FR" sz="900" dirty="0">
-                <a:solidFill>
-                  <a:schemeClr val="tx1"/>
-                </a:solidFill>
-              </a:rPr>
-              <a:t>28</a:t>
-            </a:r>
-          </a:p>
-        </p:txBody>
-      </p:sp>
-      <p:cxnSp>
-        <p:nvCxnSpPr>
-          <p:cNvPr id="154" name="Connecteur : en angle 153">
-            <a:extLst>
-              <a:ext uri="{FF2B5EF4-FFF2-40B4-BE49-F238E27FC236}">
-                <a16:creationId xmlns:a16="http://schemas.microsoft.com/office/drawing/2014/main" id="{FB79B680-35BC-43FA-AA85-A4E2BDBFDE78}"/>
-              </a:ext>
-            </a:extLst>
-          </p:cNvPr>
-          <p:cNvCxnSpPr>
-            <a:cxnSpLocks/>
-            <a:stCxn id="153" idx="6"/>
-            <a:endCxn id="152" idx="1"/>
-          </p:cNvCxnSpPr>
-          <p:nvPr/>
-        </p:nvCxnSpPr>
-        <p:spPr>
-          <a:xfrm flipV="1">
-            <a:off x="10160411" y="3712133"/>
-            <a:ext cx="156515" cy="2124"/>
-          </a:xfrm>
-          <a:prstGeom prst="bentConnector3">
-            <a:avLst>
-              <a:gd name="adj1" fmla="val 50000"/>
-            </a:avLst>
-          </a:prstGeom>
-          <a:ln w="19050">
-            <a:solidFill>
-              <a:srgbClr val="00B050"/>
-            </a:solidFill>
-            <a:tailEnd type="triangle"/>
-          </a:ln>
-        </p:spPr>
-        <p:style>
-          <a:lnRef idx="1">
-            <a:schemeClr val="accent1"/>
-          </a:lnRef>
-          <a:fillRef idx="0">
-            <a:schemeClr val="accent1"/>
-          </a:fillRef>
-          <a:effectRef idx="0">
-            <a:schemeClr val="accent1"/>
-          </a:effectRef>
-          <a:fontRef idx="minor">
-            <a:schemeClr val="tx1"/>
-          </a:fontRef>
-        </p:style>
-      </p:cxnSp>
-      <p:cxnSp>
-        <p:nvCxnSpPr>
-          <p:cNvPr id="155" name="Connecteur droit 154">
-            <a:extLst>
-              <a:ext uri="{FF2B5EF4-FFF2-40B4-BE49-F238E27FC236}">
-                <a16:creationId xmlns:a16="http://schemas.microsoft.com/office/drawing/2014/main" id="{39945714-179F-4178-91BF-5CB8D4A22835}"/>
-              </a:ext>
-            </a:extLst>
-          </p:cNvPr>
-          <p:cNvCxnSpPr>
-            <a:cxnSpLocks/>
-          </p:cNvCxnSpPr>
-          <p:nvPr/>
-        </p:nvCxnSpPr>
-        <p:spPr>
-          <a:xfrm flipV="1">
-            <a:off x="11523991" y="3668262"/>
-            <a:ext cx="229670" cy="1"/>
-          </a:xfrm>
-          <a:prstGeom prst="line">
-            <a:avLst/>
-          </a:prstGeom>
-          <a:ln w="19050">
-            <a:solidFill>
-              <a:schemeClr val="tx1"/>
-            </a:solidFill>
-          </a:ln>
-        </p:spPr>
-        <p:style>
-          <a:lnRef idx="1">
-            <a:schemeClr val="accent1"/>
-          </a:lnRef>
-          <a:fillRef idx="0">
-            <a:schemeClr val="accent1"/>
-          </a:fillRef>
-          <a:effectRef idx="0">
-            <a:schemeClr val="accent1"/>
-          </a:effectRef>
-          <a:fontRef idx="minor">
-            <a:schemeClr val="tx1"/>
-          </a:fontRef>
-        </p:style>
-      </p:cxnSp>
-      <p:cxnSp>
-        <p:nvCxnSpPr>
-          <p:cNvPr id="156" name="Connecteur droit 155">
-            <a:extLst>
-              <a:ext uri="{FF2B5EF4-FFF2-40B4-BE49-F238E27FC236}">
-                <a16:creationId xmlns:a16="http://schemas.microsoft.com/office/drawing/2014/main" id="{E6CE3DB1-F532-4E46-8102-9BC104159647}"/>
-              </a:ext>
-            </a:extLst>
-          </p:cNvPr>
-          <p:cNvCxnSpPr>
-            <a:cxnSpLocks/>
-          </p:cNvCxnSpPr>
-          <p:nvPr/>
-        </p:nvCxnSpPr>
-        <p:spPr>
-          <a:xfrm>
-            <a:off x="11523991" y="3765679"/>
-            <a:ext cx="478212" cy="3940"/>
-          </a:xfrm>
-          <a:prstGeom prst="line">
-            <a:avLst/>
-          </a:prstGeom>
-          <a:ln w="19050">
-            <a:solidFill>
-              <a:srgbClr val="FF0000"/>
-            </a:solidFill>
-          </a:ln>
-        </p:spPr>
-        <p:style>
-          <a:lnRef idx="1">
-            <a:schemeClr val="accent1"/>
-          </a:lnRef>
-          <a:fillRef idx="0">
-            <a:schemeClr val="accent1"/>
-          </a:fillRef>
-          <a:effectRef idx="0">
-            <a:schemeClr val="accent1"/>
-          </a:effectRef>
-          <a:fontRef idx="minor">
-            <a:schemeClr val="tx1"/>
-          </a:fontRef>
-        </p:style>
-      </p:cxnSp>
       <p:cxnSp>
         <p:nvCxnSpPr>
           <p:cNvPr id="159" name="Connecteur droit avec flèche 158">
@@ -12994,7 +12902,7 @@
         </p:nvCxnSpPr>
         <p:spPr>
           <a:xfrm>
-            <a:off x="5498164" y="1119466"/>
+            <a:off x="6101098" y="1117675"/>
             <a:ext cx="1" cy="523424"/>
           </a:xfrm>
           <a:prstGeom prst="straightConnector1">
@@ -13039,7 +12947,7 @@
         </p:nvSpPr>
         <p:spPr>
           <a:xfrm>
-            <a:off x="4831602" y="1905248"/>
+            <a:off x="5434536" y="1903457"/>
             <a:ext cx="880291" cy="276999"/>
           </a:xfrm>
           <a:prstGeom prst="rect">
@@ -13080,7 +12988,7 @@
         </p:nvSpPr>
         <p:spPr>
           <a:xfrm>
-            <a:off x="5252760" y="1642890"/>
+            <a:off x="5855694" y="1641099"/>
             <a:ext cx="490809" cy="286308"/>
           </a:xfrm>
           <a:prstGeom prst="ellipse">
@@ -13149,7 +13057,7 @@
         </p:nvSpPr>
         <p:spPr>
           <a:xfrm>
-            <a:off x="4717334" y="1608329"/>
+            <a:off x="5320268" y="1606538"/>
             <a:ext cx="490809" cy="286308"/>
           </a:xfrm>
           <a:prstGeom prst="ellipse">
@@ -13220,7 +13128,7 @@
         </p:nvCxnSpPr>
         <p:spPr>
           <a:xfrm flipH="1">
-            <a:off x="4986043" y="1098092"/>
+            <a:off x="5588977" y="1096301"/>
             <a:ext cx="5765" cy="492554"/>
           </a:xfrm>
           <a:prstGeom prst="straightConnector1">
@@ -13265,7 +13173,7 @@
         </p:nvSpPr>
         <p:spPr>
           <a:xfrm>
-            <a:off x="4063089" y="738997"/>
+            <a:off x="4666023" y="737206"/>
             <a:ext cx="1694051" cy="390849"/>
           </a:xfrm>
           <a:prstGeom prst="rect">
@@ -13367,7 +13275,7 @@
         </p:nvSpPr>
         <p:spPr>
           <a:xfrm>
-            <a:off x="10309524" y="3860990"/>
+            <a:off x="10309524" y="3596256"/>
             <a:ext cx="1207065" cy="273425"/>
           </a:xfrm>
           <a:prstGeom prst="rect">
@@ -13415,7 +13323,7 @@
         </p:nvSpPr>
         <p:spPr>
           <a:xfrm>
-            <a:off x="9673176" y="3889807"/>
+            <a:off x="9673176" y="3625073"/>
             <a:ext cx="479833" cy="220039"/>
           </a:xfrm>
           <a:prstGeom prst="ellipse">
@@ -13477,7 +13385,7 @@
         </p:nvCxnSpPr>
         <p:spPr>
           <a:xfrm flipV="1">
-            <a:off x="10153009" y="3997703"/>
+            <a:off x="10153009" y="3732969"/>
             <a:ext cx="156515" cy="2124"/>
           </a:xfrm>
           <a:prstGeom prst="bentConnector3">
@@ -13487,7 +13395,7 @@
           </a:prstGeom>
           <a:ln w="19050">
             <a:solidFill>
-              <a:schemeClr val="tx1"/>
+              <a:srgbClr val="00B050"/>
             </a:solidFill>
             <a:tailEnd type="triangle"/>
           </a:ln>
@@ -13523,7 +13431,7 @@
         </p:nvCxnSpPr>
         <p:spPr>
           <a:xfrm flipV="1">
-            <a:off x="11516589" y="3953832"/>
+            <a:off x="11516589" y="3689098"/>
             <a:ext cx="229670" cy="1"/>
           </a:xfrm>
           <a:prstGeom prst="line">
@@ -13566,7 +13474,7 @@
         </p:nvCxnSpPr>
         <p:spPr>
           <a:xfrm>
-            <a:off x="11516589" y="4051249"/>
+            <a:off x="11516589" y="3786515"/>
             <a:ext cx="478212" cy="3940"/>
           </a:xfrm>
           <a:prstGeom prst="line">
@@ -14390,6 +14298,534 @@
           </a:fontRef>
         </p:style>
       </p:cxnSp>
+      <p:cxnSp>
+        <p:nvCxnSpPr>
+          <p:cNvPr id="168" name="Connecteur droit avec flèche 167">
+            <a:extLst>
+              <a:ext uri="{FF2B5EF4-FFF2-40B4-BE49-F238E27FC236}">
+                <a16:creationId xmlns:a16="http://schemas.microsoft.com/office/drawing/2014/main" id="{C43B6E4F-92BE-47C3-A642-98CC7980C9F9}"/>
+              </a:ext>
+            </a:extLst>
+          </p:cNvPr>
+          <p:cNvCxnSpPr>
+            <a:cxnSpLocks/>
+          </p:cNvCxnSpPr>
+          <p:nvPr/>
+        </p:nvCxnSpPr>
+        <p:spPr>
+          <a:xfrm flipH="1">
+            <a:off x="4177165" y="1113544"/>
+            <a:ext cx="5342" cy="508151"/>
+          </a:xfrm>
+          <a:prstGeom prst="straightConnector1">
+            <a:avLst/>
+          </a:prstGeom>
+          <a:ln w="38100" cap="flat" cmpd="sng" algn="ctr">
+            <a:solidFill>
+              <a:srgbClr val="00B050"/>
+            </a:solidFill>
+            <a:prstDash val="solid"/>
+            <a:round/>
+            <a:headEnd type="none" w="med" len="med"/>
+            <a:tailEnd type="triangle" w="med" len="med"/>
+          </a:ln>
+        </p:spPr>
+        <p:style>
+          <a:lnRef idx="0">
+            <a:scrgbClr r="0" g="0" b="0"/>
+          </a:lnRef>
+          <a:fillRef idx="0">
+            <a:scrgbClr r="0" g="0" b="0"/>
+          </a:fillRef>
+          <a:effectRef idx="0">
+            <a:scrgbClr r="0" g="0" b="0"/>
+          </a:effectRef>
+          <a:fontRef idx="minor">
+            <a:schemeClr val="tx1"/>
+          </a:fontRef>
+        </p:style>
+      </p:cxnSp>
+      <p:sp>
+        <p:nvSpPr>
+          <p:cNvPr id="211" name="Rectangle 210">
+            <a:extLst>
+              <a:ext uri="{FF2B5EF4-FFF2-40B4-BE49-F238E27FC236}">
+                <a16:creationId xmlns:a16="http://schemas.microsoft.com/office/drawing/2014/main" id="{4528C32F-1FA5-43DF-992B-576426DDC041}"/>
+              </a:ext>
+            </a:extLst>
+          </p:cNvPr>
+          <p:cNvSpPr/>
+          <p:nvPr/>
+        </p:nvSpPr>
+        <p:spPr>
+          <a:xfrm>
+            <a:off x="3926955" y="1925690"/>
+            <a:ext cx="524086" cy="276999"/>
+          </a:xfrm>
+          <a:prstGeom prst="rect">
+            <a:avLst/>
+          </a:prstGeom>
+          <a:solidFill>
+            <a:schemeClr val="accent2">
+              <a:lumMod val="60000"/>
+              <a:lumOff val="40000"/>
+            </a:schemeClr>
+          </a:solidFill>
+        </p:spPr>
+        <p:txBody>
+          <a:bodyPr wrap="square">
+            <a:spAutoFit/>
+          </a:bodyPr>
+          <a:lstStyle/>
+          <a:p>
+            <a:pPr algn="ctr"/>
+            <a:r>
+              <a:rPr lang="fr-FR" sz="1200" dirty="0"/>
+              <a:t>Int 0</a:t>
+            </a:r>
+          </a:p>
+        </p:txBody>
+      </p:sp>
+      <p:sp>
+        <p:nvSpPr>
+          <p:cNvPr id="218" name="Ellipse 217">
+            <a:extLst>
+              <a:ext uri="{FF2B5EF4-FFF2-40B4-BE49-F238E27FC236}">
+                <a16:creationId xmlns:a16="http://schemas.microsoft.com/office/drawing/2014/main" id="{75B1A509-D7BC-4E8E-899B-A08EE21C22FA}"/>
+              </a:ext>
+            </a:extLst>
+          </p:cNvPr>
+          <p:cNvSpPr/>
+          <p:nvPr/>
+        </p:nvSpPr>
+        <p:spPr>
+          <a:xfrm>
+            <a:off x="3881167" y="1615267"/>
+            <a:ext cx="573656" cy="279569"/>
+          </a:xfrm>
+          <a:prstGeom prst="ellipse">
+            <a:avLst/>
+          </a:prstGeom>
+          <a:solidFill>
+            <a:schemeClr val="bg2">
+              <a:lumMod val="90000"/>
+            </a:schemeClr>
+          </a:solidFill>
+        </p:spPr>
+        <p:style>
+          <a:lnRef idx="2">
+            <a:schemeClr val="accent1">
+              <a:shade val="50000"/>
+            </a:schemeClr>
+          </a:lnRef>
+          <a:fillRef idx="1">
+            <a:schemeClr val="accent1"/>
+          </a:fillRef>
+          <a:effectRef idx="0">
+            <a:schemeClr val="accent1"/>
+          </a:effectRef>
+          <a:fontRef idx="minor">
+            <a:schemeClr val="lt1"/>
+          </a:fontRef>
+        </p:style>
+        <p:txBody>
+          <a:bodyPr rtlCol="0" anchor="ctr"/>
+          <a:lstStyle/>
+          <a:p>
+            <a:pPr algn="ctr"/>
+            <a:r>
+              <a:rPr lang="fr-FR" sz="900" dirty="0">
+                <a:solidFill>
+                  <a:schemeClr val="tx1"/>
+                </a:solidFill>
+              </a:rPr>
+              <a:t>2</a:t>
+            </a:r>
+          </a:p>
+          <a:p>
+            <a:pPr algn="ctr"/>
+            <a:r>
+              <a:rPr lang="fr-FR" sz="900" dirty="0">
+                <a:solidFill>
+                  <a:schemeClr val="tx1"/>
+                </a:solidFill>
+              </a:rPr>
+              <a:t>Int0</a:t>
+            </a:r>
+          </a:p>
+        </p:txBody>
+      </p:sp>
+      <p:sp>
+        <p:nvSpPr>
+          <p:cNvPr id="219" name="Rectangle 218">
+            <a:extLst>
+              <a:ext uri="{FF2B5EF4-FFF2-40B4-BE49-F238E27FC236}">
+                <a16:creationId xmlns:a16="http://schemas.microsoft.com/office/drawing/2014/main" id="{87E757E5-F0C7-467D-907D-4527810FD7E3}"/>
+              </a:ext>
+            </a:extLst>
+          </p:cNvPr>
+          <p:cNvSpPr/>
+          <p:nvPr/>
+        </p:nvSpPr>
+        <p:spPr>
+          <a:xfrm>
+            <a:off x="3699075" y="742505"/>
+            <a:ext cx="881437" cy="390849"/>
+          </a:xfrm>
+          <a:prstGeom prst="rect">
+            <a:avLst/>
+          </a:prstGeom>
+        </p:spPr>
+        <p:style>
+          <a:lnRef idx="1">
+            <a:schemeClr val="accent4"/>
+          </a:lnRef>
+          <a:fillRef idx="2">
+            <a:schemeClr val="accent4"/>
+          </a:fillRef>
+          <a:effectRef idx="1">
+            <a:schemeClr val="accent4"/>
+          </a:effectRef>
+          <a:fontRef idx="minor">
+            <a:schemeClr val="dk1"/>
+          </a:fontRef>
+        </p:style>
+        <p:txBody>
+          <a:bodyPr rtlCol="0" anchor="t"/>
+          <a:lstStyle/>
+          <a:p>
+            <a:pPr algn="ctr"/>
+            <a:r>
+              <a:rPr lang="fr-FR" sz="1200" dirty="0"/>
+              <a:t>Motion</a:t>
+            </a:r>
+          </a:p>
+          <a:p>
+            <a:pPr algn="ctr"/>
+            <a:r>
+              <a:rPr lang="af-ZA" sz="1200" dirty="0"/>
+              <a:t>SEN0018</a:t>
+            </a:r>
+            <a:endParaRPr lang="fr-FR" sz="1200" dirty="0"/>
+          </a:p>
+        </p:txBody>
+      </p:sp>
+      <p:cxnSp>
+        <p:nvCxnSpPr>
+          <p:cNvPr id="220" name="Connecteur droit 219">
+            <a:extLst>
+              <a:ext uri="{FF2B5EF4-FFF2-40B4-BE49-F238E27FC236}">
+                <a16:creationId xmlns:a16="http://schemas.microsoft.com/office/drawing/2014/main" id="{5C325E3F-F365-4428-B465-3A41B2014821}"/>
+              </a:ext>
+            </a:extLst>
+          </p:cNvPr>
+          <p:cNvCxnSpPr>
+            <a:cxnSpLocks/>
+          </p:cNvCxnSpPr>
+          <p:nvPr/>
+        </p:nvCxnSpPr>
+        <p:spPr>
+          <a:xfrm flipV="1">
+            <a:off x="3973457" y="257029"/>
+            <a:ext cx="0" cy="488154"/>
+          </a:xfrm>
+          <a:prstGeom prst="line">
+            <a:avLst/>
+          </a:prstGeom>
+          <a:ln w="19050">
+            <a:solidFill>
+              <a:schemeClr val="tx1"/>
+            </a:solidFill>
+          </a:ln>
+        </p:spPr>
+        <p:style>
+          <a:lnRef idx="1">
+            <a:schemeClr val="accent1"/>
+          </a:lnRef>
+          <a:fillRef idx="0">
+            <a:schemeClr val="accent1"/>
+          </a:fillRef>
+          <a:effectRef idx="0">
+            <a:schemeClr val="accent1"/>
+          </a:effectRef>
+          <a:fontRef idx="minor">
+            <a:schemeClr val="tx1"/>
+          </a:fontRef>
+        </p:style>
+      </p:cxnSp>
+      <p:cxnSp>
+        <p:nvCxnSpPr>
+          <p:cNvPr id="221" name="Connecteur droit 220">
+            <a:extLst>
+              <a:ext uri="{FF2B5EF4-FFF2-40B4-BE49-F238E27FC236}">
+                <a16:creationId xmlns:a16="http://schemas.microsoft.com/office/drawing/2014/main" id="{4C530E5C-D5DA-49FF-BC33-63EAC83BBEC5}"/>
+              </a:ext>
+            </a:extLst>
+          </p:cNvPr>
+          <p:cNvCxnSpPr>
+            <a:cxnSpLocks/>
+          </p:cNvCxnSpPr>
+          <p:nvPr/>
+        </p:nvCxnSpPr>
+        <p:spPr>
+          <a:xfrm flipV="1">
+            <a:off x="5321019" y="268757"/>
+            <a:ext cx="0" cy="459986"/>
+          </a:xfrm>
+          <a:prstGeom prst="line">
+            <a:avLst/>
+          </a:prstGeom>
+          <a:ln w="19050">
+            <a:solidFill>
+              <a:schemeClr val="tx1"/>
+            </a:solidFill>
+          </a:ln>
+        </p:spPr>
+        <p:style>
+          <a:lnRef idx="1">
+            <a:schemeClr val="accent1"/>
+          </a:lnRef>
+          <a:fillRef idx="0">
+            <a:schemeClr val="accent1"/>
+          </a:fillRef>
+          <a:effectRef idx="0">
+            <a:schemeClr val="accent1"/>
+          </a:effectRef>
+          <a:fontRef idx="minor">
+            <a:schemeClr val="tx1"/>
+          </a:fontRef>
+        </p:style>
+      </p:cxnSp>
+      <p:cxnSp>
+        <p:nvCxnSpPr>
+          <p:cNvPr id="222" name="Connecteur droit 221">
+            <a:extLst>
+              <a:ext uri="{FF2B5EF4-FFF2-40B4-BE49-F238E27FC236}">
+                <a16:creationId xmlns:a16="http://schemas.microsoft.com/office/drawing/2014/main" id="{A9B2751E-18F9-4215-BE3B-FDD0DC5C3743}"/>
+              </a:ext>
+            </a:extLst>
+          </p:cNvPr>
+          <p:cNvCxnSpPr>
+            <a:cxnSpLocks/>
+          </p:cNvCxnSpPr>
+          <p:nvPr/>
+        </p:nvCxnSpPr>
+        <p:spPr>
+          <a:xfrm flipH="1" flipV="1">
+            <a:off x="7127708" y="275684"/>
+            <a:ext cx="192" cy="453059"/>
+          </a:xfrm>
+          <a:prstGeom prst="line">
+            <a:avLst/>
+          </a:prstGeom>
+          <a:ln w="19050">
+            <a:solidFill>
+              <a:schemeClr val="tx1"/>
+            </a:solidFill>
+          </a:ln>
+        </p:spPr>
+        <p:style>
+          <a:lnRef idx="1">
+            <a:schemeClr val="accent1"/>
+          </a:lnRef>
+          <a:fillRef idx="0">
+            <a:schemeClr val="accent1"/>
+          </a:fillRef>
+          <a:effectRef idx="0">
+            <a:schemeClr val="accent1"/>
+          </a:effectRef>
+          <a:fontRef idx="minor">
+            <a:schemeClr val="tx1"/>
+          </a:fontRef>
+        </p:style>
+      </p:cxnSp>
+      <p:cxnSp>
+        <p:nvCxnSpPr>
+          <p:cNvPr id="223" name="Connecteur droit 222">
+            <a:extLst>
+              <a:ext uri="{FF2B5EF4-FFF2-40B4-BE49-F238E27FC236}">
+                <a16:creationId xmlns:a16="http://schemas.microsoft.com/office/drawing/2014/main" id="{4B67FA3F-1E15-436B-8BCD-7170B497D627}"/>
+              </a:ext>
+            </a:extLst>
+          </p:cNvPr>
+          <p:cNvCxnSpPr>
+            <a:cxnSpLocks/>
+          </p:cNvCxnSpPr>
+          <p:nvPr/>
+        </p:nvCxnSpPr>
+        <p:spPr>
+          <a:xfrm flipV="1">
+            <a:off x="4130678" y="64718"/>
+            <a:ext cx="0" cy="672674"/>
+          </a:xfrm>
+          <a:prstGeom prst="line">
+            <a:avLst/>
+          </a:prstGeom>
+          <a:ln w="19050">
+            <a:solidFill>
+              <a:srgbClr val="FF0000"/>
+            </a:solidFill>
+          </a:ln>
+        </p:spPr>
+        <p:style>
+          <a:lnRef idx="1">
+            <a:schemeClr val="accent1"/>
+          </a:lnRef>
+          <a:fillRef idx="0">
+            <a:schemeClr val="accent1"/>
+          </a:fillRef>
+          <a:effectRef idx="0">
+            <a:schemeClr val="accent1"/>
+          </a:effectRef>
+          <a:fontRef idx="minor">
+            <a:schemeClr val="tx1"/>
+          </a:fontRef>
+        </p:style>
+      </p:cxnSp>
+      <p:sp>
+        <p:nvSpPr>
+          <p:cNvPr id="224" name="Ellipse 223">
+            <a:extLst>
+              <a:ext uri="{FF2B5EF4-FFF2-40B4-BE49-F238E27FC236}">
+                <a16:creationId xmlns:a16="http://schemas.microsoft.com/office/drawing/2014/main" id="{9E51B75A-75FB-40AC-86CC-C101C9FC18B7}"/>
+              </a:ext>
+            </a:extLst>
+          </p:cNvPr>
+          <p:cNvSpPr/>
+          <p:nvPr/>
+        </p:nvSpPr>
+        <p:spPr>
+          <a:xfrm>
+            <a:off x="8911591" y="3838289"/>
+            <a:ext cx="479833" cy="220039"/>
+          </a:xfrm>
+          <a:prstGeom prst="ellipse">
+            <a:avLst/>
+          </a:prstGeom>
+          <a:solidFill>
+            <a:schemeClr val="bg2">
+              <a:lumMod val="90000"/>
+            </a:schemeClr>
+          </a:solidFill>
+        </p:spPr>
+        <p:style>
+          <a:lnRef idx="2">
+            <a:schemeClr val="accent1">
+              <a:shade val="50000"/>
+            </a:schemeClr>
+          </a:lnRef>
+          <a:fillRef idx="1">
+            <a:schemeClr val="accent1"/>
+          </a:fillRef>
+          <a:effectRef idx="0">
+            <a:schemeClr val="accent1"/>
+          </a:effectRef>
+          <a:fontRef idx="minor">
+            <a:schemeClr val="lt1"/>
+          </a:fontRef>
+        </p:style>
+        <p:txBody>
+          <a:bodyPr rtlCol="0" anchor="ctr"/>
+          <a:lstStyle/>
+          <a:p>
+            <a:pPr algn="ctr"/>
+            <a:r>
+              <a:rPr lang="fr-FR" sz="900" dirty="0">
+                <a:solidFill>
+                  <a:schemeClr val="tx1"/>
+                </a:solidFill>
+              </a:rPr>
+              <a:t>36</a:t>
+            </a:r>
+          </a:p>
+        </p:txBody>
+      </p:sp>
+      <p:cxnSp>
+        <p:nvCxnSpPr>
+          <p:cNvPr id="225" name="Connecteur : en angle 224">
+            <a:extLst>
+              <a:ext uri="{FF2B5EF4-FFF2-40B4-BE49-F238E27FC236}">
+                <a16:creationId xmlns:a16="http://schemas.microsoft.com/office/drawing/2014/main" id="{B89FF9D8-CD62-42D9-90BD-5DB29F288F61}"/>
+              </a:ext>
+            </a:extLst>
+          </p:cNvPr>
+          <p:cNvCxnSpPr>
+            <a:cxnSpLocks/>
+            <a:endCxn id="224" idx="2"/>
+          </p:cNvCxnSpPr>
+          <p:nvPr/>
+        </p:nvCxnSpPr>
+        <p:spPr>
+          <a:xfrm rot="16200000" flipH="1">
+            <a:off x="6799357" y="1836074"/>
+            <a:ext cx="2872839" cy="1351629"/>
+          </a:xfrm>
+          <a:prstGeom prst="bentConnector2">
+            <a:avLst/>
+          </a:prstGeom>
+          <a:ln w="38100" cap="flat" cmpd="sng" algn="ctr">
+            <a:solidFill>
+              <a:srgbClr val="FFFF00"/>
+            </a:solidFill>
+            <a:prstDash val="solid"/>
+            <a:round/>
+            <a:headEnd type="triangle" w="med" len="med"/>
+            <a:tailEnd type="none" w="med" len="med"/>
+          </a:ln>
+        </p:spPr>
+        <p:style>
+          <a:lnRef idx="0">
+            <a:scrgbClr r="0" g="0" b="0"/>
+          </a:lnRef>
+          <a:fillRef idx="0">
+            <a:scrgbClr r="0" g="0" b="0"/>
+          </a:fillRef>
+          <a:effectRef idx="0">
+            <a:scrgbClr r="0" g="0" b="0"/>
+          </a:effectRef>
+          <a:fontRef idx="minor">
+            <a:schemeClr val="tx1"/>
+          </a:fontRef>
+        </p:style>
+      </p:cxnSp>
+      <p:sp>
+        <p:nvSpPr>
+          <p:cNvPr id="226" name="ZoneTexte 225">
+            <a:extLst>
+              <a:ext uri="{FF2B5EF4-FFF2-40B4-BE49-F238E27FC236}">
+                <a16:creationId xmlns:a16="http://schemas.microsoft.com/office/drawing/2014/main" id="{78F758B1-F5B0-45CE-AA47-BD07E2A53DF0}"/>
+              </a:ext>
+            </a:extLst>
+          </p:cNvPr>
+          <p:cNvSpPr txBox="1"/>
+          <p:nvPr/>
+        </p:nvSpPr>
+        <p:spPr>
+          <a:xfrm rot="16200000">
+            <a:off x="7306372" y="1522347"/>
+            <a:ext cx="694067" cy="215444"/>
+          </a:xfrm>
+          <a:prstGeom prst="rect">
+            <a:avLst/>
+          </a:prstGeom>
+          <a:noFill/>
+        </p:spPr>
+        <p:txBody>
+          <a:bodyPr wrap="square" rtlCol="0">
+            <a:spAutoFit/>
+          </a:bodyPr>
+          <a:lstStyle/>
+          <a:p>
+            <a:r>
+              <a:rPr lang="fr-FR" sz="800" dirty="0">
+                <a:latin typeface="Arial" panose="020B0604020202020204" pitchFamily="34" charset="0"/>
+                <a:cs typeface="Arial" panose="020B0604020202020204" pitchFamily="34" charset="0"/>
+              </a:rPr>
+              <a:t>DTR / RST</a:t>
+            </a:r>
+          </a:p>
+        </p:txBody>
+      </p:sp>
     </p:spTree>
     <p:extLst>
       <p:ext uri="{BB962C8B-B14F-4D97-AF65-F5344CB8AC3E}">
@@ -19366,7 +19802,7 @@
             <p:ph idx="1"/>
             <p:extLst>
               <p:ext uri="{D42A27DB-BD31-4B8C-83A1-F6EECF244321}">
-                <p14:modId xmlns:p14="http://schemas.microsoft.com/office/powerpoint/2010/main" val="3375212756"/>
+                <p14:modId xmlns:p14="http://schemas.microsoft.com/office/powerpoint/2010/main" val="76896583"/>
               </p:ext>
             </p:extLst>
           </p:nvPr>
@@ -20688,7 +21124,7 @@
                       </a:pPr>
                       <a:r>
                         <a:rPr lang="en-US" noProof="0" dirty="0"/>
-                        <a:t>Digital pin 28</a:t>
+                        <a:t>Interrupt #0 pin 2</a:t>
                       </a:r>
                     </a:p>
                   </a:txBody>
@@ -23511,11 +23947,7 @@
             </a:br>
             <a:r>
               <a:rPr lang="fr-FR" dirty="0"/>
-              <a:t>Pin #21 = interruption </a:t>
-            </a:r>
-            <a:r>
-              <a:rPr lang="fr-FR"/>
-              <a:t>#2</a:t>
+              <a:t>Pin #21 = interruption #2</a:t>
             </a:r>
           </a:p>
           <a:p>

--- a/libraries/Diagramm Robot v2.pptx
+++ b/libraries/Diagramm Robot v2.pptx
@@ -267,7 +267,7 @@
           <a:p>
             <a:fld id="{0717AEF8-1597-4679-8926-916E82E12B07}" type="datetimeFigureOut">
               <a:rPr lang="fr-FR" smtClean="0"/>
-              <a:t>23/01/2019</a:t>
+              <a:t>24/01/2019</a:t>
             </a:fld>
             <a:endParaRPr lang="fr-FR"/>
           </a:p>
@@ -465,7 +465,7 @@
           <a:p>
             <a:fld id="{0717AEF8-1597-4679-8926-916E82E12B07}" type="datetimeFigureOut">
               <a:rPr lang="fr-FR" smtClean="0"/>
-              <a:t>23/01/2019</a:t>
+              <a:t>24/01/2019</a:t>
             </a:fld>
             <a:endParaRPr lang="fr-FR"/>
           </a:p>
@@ -673,7 +673,7 @@
           <a:p>
             <a:fld id="{0717AEF8-1597-4679-8926-916E82E12B07}" type="datetimeFigureOut">
               <a:rPr lang="fr-FR" smtClean="0"/>
-              <a:t>23/01/2019</a:t>
+              <a:t>24/01/2019</a:t>
             </a:fld>
             <a:endParaRPr lang="fr-FR"/>
           </a:p>
@@ -871,7 +871,7 @@
           <a:p>
             <a:fld id="{0717AEF8-1597-4679-8926-916E82E12B07}" type="datetimeFigureOut">
               <a:rPr lang="fr-FR" smtClean="0"/>
-              <a:t>23/01/2019</a:t>
+              <a:t>24/01/2019</a:t>
             </a:fld>
             <a:endParaRPr lang="fr-FR"/>
           </a:p>
@@ -1146,7 +1146,7 @@
           <a:p>
             <a:fld id="{0717AEF8-1597-4679-8926-916E82E12B07}" type="datetimeFigureOut">
               <a:rPr lang="fr-FR" smtClean="0"/>
-              <a:t>23/01/2019</a:t>
+              <a:t>24/01/2019</a:t>
             </a:fld>
             <a:endParaRPr lang="fr-FR"/>
           </a:p>
@@ -1411,7 +1411,7 @@
           <a:p>
             <a:fld id="{0717AEF8-1597-4679-8926-916E82E12B07}" type="datetimeFigureOut">
               <a:rPr lang="fr-FR" smtClean="0"/>
-              <a:t>23/01/2019</a:t>
+              <a:t>24/01/2019</a:t>
             </a:fld>
             <a:endParaRPr lang="fr-FR"/>
           </a:p>
@@ -1823,7 +1823,7 @@
           <a:p>
             <a:fld id="{0717AEF8-1597-4679-8926-916E82E12B07}" type="datetimeFigureOut">
               <a:rPr lang="fr-FR" smtClean="0"/>
-              <a:t>23/01/2019</a:t>
+              <a:t>24/01/2019</a:t>
             </a:fld>
             <a:endParaRPr lang="fr-FR"/>
           </a:p>
@@ -1964,7 +1964,7 @@
           <a:p>
             <a:fld id="{0717AEF8-1597-4679-8926-916E82E12B07}" type="datetimeFigureOut">
               <a:rPr lang="fr-FR" smtClean="0"/>
-              <a:t>23/01/2019</a:t>
+              <a:t>24/01/2019</a:t>
             </a:fld>
             <a:endParaRPr lang="fr-FR"/>
           </a:p>
@@ -2077,7 +2077,7 @@
           <a:p>
             <a:fld id="{0717AEF8-1597-4679-8926-916E82E12B07}" type="datetimeFigureOut">
               <a:rPr lang="fr-FR" smtClean="0"/>
-              <a:t>23/01/2019</a:t>
+              <a:t>24/01/2019</a:t>
             </a:fld>
             <a:endParaRPr lang="fr-FR"/>
           </a:p>
@@ -2388,7 +2388,7 @@
           <a:p>
             <a:fld id="{0717AEF8-1597-4679-8926-916E82E12B07}" type="datetimeFigureOut">
               <a:rPr lang="fr-FR" smtClean="0"/>
-              <a:t>23/01/2019</a:t>
+              <a:t>24/01/2019</a:t>
             </a:fld>
             <a:endParaRPr lang="fr-FR"/>
           </a:p>
@@ -2676,7 +2676,7 @@
           <a:p>
             <a:fld id="{0717AEF8-1597-4679-8926-916E82E12B07}" type="datetimeFigureOut">
               <a:rPr lang="fr-FR" smtClean="0"/>
-              <a:t>23/01/2019</a:t>
+              <a:t>24/01/2019</a:t>
             </a:fld>
             <a:endParaRPr lang="fr-FR"/>
           </a:p>
@@ -2917,7 +2917,7 @@
           <a:p>
             <a:fld id="{0717AEF8-1597-4679-8926-916E82E12B07}" type="datetimeFigureOut">
               <a:rPr lang="fr-FR" smtClean="0"/>
-              <a:t>23/01/2019</a:t>
+              <a:t>24/01/2019</a:t>
             </a:fld>
             <a:endParaRPr lang="fr-FR"/>
           </a:p>
@@ -13275,7 +13275,7 @@
         </p:nvSpPr>
         <p:spPr>
           <a:xfrm>
-            <a:off x="10309524" y="3596256"/>
+            <a:off x="10286361" y="3693338"/>
             <a:ext cx="1207065" cy="273425"/>
           </a:xfrm>
           <a:prstGeom prst="rect">
@@ -13323,7 +13323,7 @@
         </p:nvSpPr>
         <p:spPr>
           <a:xfrm>
-            <a:off x="9673176" y="3625073"/>
+            <a:off x="9673803" y="3730704"/>
             <a:ext cx="479833" cy="220039"/>
           </a:xfrm>
           <a:prstGeom prst="ellipse">
@@ -13362,7 +13362,7 @@
                   <a:schemeClr val="tx1"/>
                 </a:solidFill>
               </a:rPr>
-              <a:t>34</a:t>
+              <a:t>38</a:t>
             </a:r>
           </a:p>
         </p:txBody>
@@ -13385,8 +13385,8 @@
         </p:nvCxnSpPr>
         <p:spPr>
           <a:xfrm flipV="1">
-            <a:off x="10153009" y="3732969"/>
-            <a:ext cx="156515" cy="2124"/>
+            <a:off x="10153636" y="3830051"/>
+            <a:ext cx="132725" cy="10673"/>
           </a:xfrm>
           <a:prstGeom prst="bentConnector3">
             <a:avLst>
@@ -13431,7 +13431,7 @@
         </p:nvCxnSpPr>
         <p:spPr>
           <a:xfrm flipV="1">
-            <a:off x="11516589" y="3689098"/>
+            <a:off x="11525257" y="3742400"/>
             <a:ext cx="229670" cy="1"/>
           </a:xfrm>
           <a:prstGeom prst="line">
@@ -13474,7 +13474,7 @@
         </p:nvCxnSpPr>
         <p:spPr>
           <a:xfrm>
-            <a:off x="11516589" y="3786515"/>
+            <a:off x="11517548" y="3856925"/>
             <a:ext cx="478212" cy="3940"/>
           </a:xfrm>
           <a:prstGeom prst="line">
@@ -14696,7 +14696,7 @@
         </p:nvSpPr>
         <p:spPr>
           <a:xfrm>
-            <a:off x="8911591" y="3838289"/>
+            <a:off x="8902646" y="3599542"/>
             <a:ext cx="479833" cy="220039"/>
           </a:xfrm>
           <a:prstGeom prst="ellipse">
@@ -14757,8 +14757,8 @@
         </p:nvCxnSpPr>
         <p:spPr>
           <a:xfrm rot="16200000" flipH="1">
-            <a:off x="6799357" y="1836074"/>
-            <a:ext cx="2872839" cy="1351629"/>
+            <a:off x="6927076" y="1733992"/>
+            <a:ext cx="2589556" cy="1361583"/>
           </a:xfrm>
           <a:prstGeom prst="bentConnector2">
             <a:avLst/>

--- a/libraries/Diagramm Robot v2.pptx
+++ b/libraries/Diagramm Robot v2.pptx
@@ -267,7 +267,7 @@
           <a:p>
             <a:fld id="{0717AEF8-1597-4679-8926-916E82E12B07}" type="datetimeFigureOut">
               <a:rPr lang="fr-FR" smtClean="0"/>
-              <a:t>24/01/2019</a:t>
+              <a:t>29/01/2019</a:t>
             </a:fld>
             <a:endParaRPr lang="fr-FR"/>
           </a:p>
@@ -465,7 +465,7 @@
           <a:p>
             <a:fld id="{0717AEF8-1597-4679-8926-916E82E12B07}" type="datetimeFigureOut">
               <a:rPr lang="fr-FR" smtClean="0"/>
-              <a:t>24/01/2019</a:t>
+              <a:t>29/01/2019</a:t>
             </a:fld>
             <a:endParaRPr lang="fr-FR"/>
           </a:p>
@@ -673,7 +673,7 @@
           <a:p>
             <a:fld id="{0717AEF8-1597-4679-8926-916E82E12B07}" type="datetimeFigureOut">
               <a:rPr lang="fr-FR" smtClean="0"/>
-              <a:t>24/01/2019</a:t>
+              <a:t>29/01/2019</a:t>
             </a:fld>
             <a:endParaRPr lang="fr-FR"/>
           </a:p>
@@ -871,7 +871,7 @@
           <a:p>
             <a:fld id="{0717AEF8-1597-4679-8926-916E82E12B07}" type="datetimeFigureOut">
               <a:rPr lang="fr-FR" smtClean="0"/>
-              <a:t>24/01/2019</a:t>
+              <a:t>29/01/2019</a:t>
             </a:fld>
             <a:endParaRPr lang="fr-FR"/>
           </a:p>
@@ -1146,7 +1146,7 @@
           <a:p>
             <a:fld id="{0717AEF8-1597-4679-8926-916E82E12B07}" type="datetimeFigureOut">
               <a:rPr lang="fr-FR" smtClean="0"/>
-              <a:t>24/01/2019</a:t>
+              <a:t>29/01/2019</a:t>
             </a:fld>
             <a:endParaRPr lang="fr-FR"/>
           </a:p>
@@ -1411,7 +1411,7 @@
           <a:p>
             <a:fld id="{0717AEF8-1597-4679-8926-916E82E12B07}" type="datetimeFigureOut">
               <a:rPr lang="fr-FR" smtClean="0"/>
-              <a:t>24/01/2019</a:t>
+              <a:t>29/01/2019</a:t>
             </a:fld>
             <a:endParaRPr lang="fr-FR"/>
           </a:p>
@@ -1823,7 +1823,7 @@
           <a:p>
             <a:fld id="{0717AEF8-1597-4679-8926-916E82E12B07}" type="datetimeFigureOut">
               <a:rPr lang="fr-FR" smtClean="0"/>
-              <a:t>24/01/2019</a:t>
+              <a:t>29/01/2019</a:t>
             </a:fld>
             <a:endParaRPr lang="fr-FR"/>
           </a:p>
@@ -1964,7 +1964,7 @@
           <a:p>
             <a:fld id="{0717AEF8-1597-4679-8926-916E82E12B07}" type="datetimeFigureOut">
               <a:rPr lang="fr-FR" smtClean="0"/>
-              <a:t>24/01/2019</a:t>
+              <a:t>29/01/2019</a:t>
             </a:fld>
             <a:endParaRPr lang="fr-FR"/>
           </a:p>
@@ -2077,7 +2077,7 @@
           <a:p>
             <a:fld id="{0717AEF8-1597-4679-8926-916E82E12B07}" type="datetimeFigureOut">
               <a:rPr lang="fr-FR" smtClean="0"/>
-              <a:t>24/01/2019</a:t>
+              <a:t>29/01/2019</a:t>
             </a:fld>
             <a:endParaRPr lang="fr-FR"/>
           </a:p>
@@ -2388,7 +2388,7 @@
           <a:p>
             <a:fld id="{0717AEF8-1597-4679-8926-916E82E12B07}" type="datetimeFigureOut">
               <a:rPr lang="fr-FR" smtClean="0"/>
-              <a:t>24/01/2019</a:t>
+              <a:t>29/01/2019</a:t>
             </a:fld>
             <a:endParaRPr lang="fr-FR"/>
           </a:p>
@@ -2676,7 +2676,7 @@
           <a:p>
             <a:fld id="{0717AEF8-1597-4679-8926-916E82E12B07}" type="datetimeFigureOut">
               <a:rPr lang="fr-FR" smtClean="0"/>
-              <a:t>24/01/2019</a:t>
+              <a:t>29/01/2019</a:t>
             </a:fld>
             <a:endParaRPr lang="fr-FR"/>
           </a:p>
@@ -2917,7 +2917,7 @@
           <a:p>
             <a:fld id="{0717AEF8-1597-4679-8926-916E82E12B07}" type="datetimeFigureOut">
               <a:rPr lang="fr-FR" smtClean="0"/>
-              <a:t>24/01/2019</a:t>
+              <a:t>29/01/2019</a:t>
             </a:fld>
             <a:endParaRPr lang="fr-FR"/>
           </a:p>
@@ -4274,7 +4274,7 @@
             <a:pPr algn="ctr"/>
             <a:r>
               <a:rPr lang="fr-FR" sz="900" dirty="0"/>
-              <a:t>RXI</a:t>
+              <a:t>RX0</a:t>
             </a:r>
           </a:p>
         </p:txBody>
@@ -4424,34 +4424,36 @@
       </p:sp>
       <p:cxnSp>
         <p:nvCxnSpPr>
-          <p:cNvPr id="58" name="Connecteur droit avec flèche 57">
-            <a:extLst>
-              <a:ext uri="{FF2B5EF4-FFF2-40B4-BE49-F238E27FC236}">
-                <a16:creationId xmlns:a16="http://schemas.microsoft.com/office/drawing/2014/main" id="{7EFAC3E2-E794-4CD7-9896-CE7CECB3F13E}"/>
+          <p:cNvPr id="59" name="Connecteur droit avec flèche 58">
+            <a:extLst>
+              <a:ext uri="{FF2B5EF4-FFF2-40B4-BE49-F238E27FC236}">
+                <a16:creationId xmlns:a16="http://schemas.microsoft.com/office/drawing/2014/main" id="{337FCCCC-DC1E-4CC6-9BDD-F75E3851A8A1}"/>
               </a:ext>
             </a:extLst>
           </p:cNvPr>
           <p:cNvCxnSpPr>
             <a:cxnSpLocks/>
+            <a:stCxn id="69" idx="4"/>
+            <a:endCxn id="64" idx="0"/>
           </p:cNvCxnSpPr>
           <p:nvPr/>
         </p:nvCxnSpPr>
         <p:spPr>
-          <a:xfrm>
-            <a:off x="8221684" y="4627725"/>
-            <a:ext cx="3142" cy="372601"/>
+          <a:xfrm flipH="1">
+            <a:off x="9023436" y="4670964"/>
+            <a:ext cx="1" cy="361870"/>
           </a:xfrm>
           <a:prstGeom prst="straightConnector1">
             <a:avLst/>
           </a:prstGeom>
           <a:ln w="38100" cap="flat" cmpd="sng" algn="ctr">
             <a:solidFill>
-              <a:srgbClr val="00B050"/>
+              <a:srgbClr val="0070C0"/>
             </a:solidFill>
             <a:prstDash val="solid"/>
             <a:round/>
-            <a:headEnd type="triangle" w="med" len="med"/>
-            <a:tailEnd type="none" w="med" len="med"/>
+            <a:headEnd type="none" w="med" len="med"/>
+            <a:tailEnd type="triangle" w="med" len="med"/>
           </a:ln>
         </p:spPr>
         <p:style>
@@ -4469,55 +4471,6 @@
           </a:fontRef>
         </p:style>
       </p:cxnSp>
-      <p:cxnSp>
-        <p:nvCxnSpPr>
-          <p:cNvPr id="59" name="Connecteur droit avec flèche 58">
-            <a:extLst>
-              <a:ext uri="{FF2B5EF4-FFF2-40B4-BE49-F238E27FC236}">
-                <a16:creationId xmlns:a16="http://schemas.microsoft.com/office/drawing/2014/main" id="{337FCCCC-DC1E-4CC6-9BDD-F75E3851A8A1}"/>
-              </a:ext>
-            </a:extLst>
-          </p:cNvPr>
-          <p:cNvCxnSpPr>
-            <a:cxnSpLocks/>
-            <a:stCxn id="69" idx="4"/>
-            <a:endCxn id="64" idx="0"/>
-          </p:cNvCxnSpPr>
-          <p:nvPr/>
-        </p:nvCxnSpPr>
-        <p:spPr>
-          <a:xfrm flipH="1">
-            <a:off x="9023436" y="4670964"/>
-            <a:ext cx="1" cy="361870"/>
-          </a:xfrm>
-          <a:prstGeom prst="straightConnector1">
-            <a:avLst/>
-          </a:prstGeom>
-          <a:ln w="38100" cap="flat" cmpd="sng" algn="ctr">
-            <a:solidFill>
-              <a:srgbClr val="0070C0"/>
-            </a:solidFill>
-            <a:prstDash val="solid"/>
-            <a:round/>
-            <a:headEnd type="none" w="med" len="med"/>
-            <a:tailEnd type="triangle" w="med" len="med"/>
-          </a:ln>
-        </p:spPr>
-        <p:style>
-          <a:lnRef idx="0">
-            <a:scrgbClr r="0" g="0" b="0"/>
-          </a:lnRef>
-          <a:fillRef idx="0">
-            <a:scrgbClr r="0" g="0" b="0"/>
-          </a:fillRef>
-          <a:effectRef idx="0">
-            <a:scrgbClr r="0" g="0" b="0"/>
-          </a:effectRef>
-          <a:fontRef idx="minor">
-            <a:schemeClr val="tx1"/>
-          </a:fontRef>
-        </p:style>
-      </p:cxnSp>
       <p:sp>
         <p:nvSpPr>
           <p:cNvPr id="60" name="ZoneTexte 59">
@@ -4654,24 +4607,24 @@
             <a:pPr algn="ctr"/>
             <a:r>
               <a:rPr lang="fr-FR" sz="900" dirty="0"/>
-              <a:t>8</a:t>
+              <a:t>13</a:t>
             </a:r>
           </a:p>
           <a:p>
             <a:pPr algn="ctr"/>
             <a:r>
               <a:rPr lang="fr-FR" sz="900" dirty="0"/>
-              <a:t>RXI</a:t>
-            </a:r>
-          </a:p>
-        </p:txBody>
-      </p:sp>
-      <p:sp>
-        <p:nvSpPr>
-          <p:cNvPr id="65" name="Ellipse 64">
-            <a:extLst>
-              <a:ext uri="{FF2B5EF4-FFF2-40B4-BE49-F238E27FC236}">
-                <a16:creationId xmlns:a16="http://schemas.microsoft.com/office/drawing/2014/main" id="{A75B80BB-01EC-4774-A8B8-412464BFD850}"/>
+              <a:t>RX0</a:t>
+            </a:r>
+          </a:p>
+        </p:txBody>
+      </p:sp>
+      <p:sp>
+        <p:nvSpPr>
+          <p:cNvPr id="68" name="Rectangle 67">
+            <a:extLst>
+              <a:ext uri="{FF2B5EF4-FFF2-40B4-BE49-F238E27FC236}">
+                <a16:creationId xmlns:a16="http://schemas.microsoft.com/office/drawing/2014/main" id="{53E6885B-A742-4143-B2E4-FE1E6E8BF2F5}"/>
               </a:ext>
             </a:extLst>
           </p:cNvPr>
@@ -4680,17 +4633,12 @@
         </p:nvSpPr>
         <p:spPr>
           <a:xfrm>
-            <a:off x="7873809" y="5020709"/>
-            <a:ext cx="674552" cy="428994"/>
-          </a:xfrm>
-          <a:prstGeom prst="ellipse">
-            <a:avLst/>
-          </a:prstGeom>
-          <a:solidFill>
-            <a:schemeClr val="bg2">
-              <a:lumMod val="90000"/>
-            </a:schemeClr>
-          </a:solidFill>
+            <a:off x="192853" y="1770449"/>
+            <a:ext cx="1974057" cy="3453347"/>
+          </a:xfrm>
+          <a:prstGeom prst="rect">
+            <a:avLst/>
+          </a:prstGeom>
         </p:spPr>
         <p:style>
           <a:lnRef idx="2">
@@ -4714,25 +4662,225 @@
           <a:p>
             <a:pPr algn="ctr"/>
             <a:r>
+              <a:rPr lang="fr-FR" dirty="0"/>
+              <a:t>PI</a:t>
+            </a:r>
+          </a:p>
+          <a:p>
+            <a:r>
               <a:rPr lang="fr-FR" sz="900" dirty="0"/>
-              <a:t>7</a:t>
+              <a:t>MAC: 00:0f:13:37:1b:c8</a:t>
+            </a:r>
+          </a:p>
+          <a:p>
+            <a:r>
+              <a:rPr lang="fr-FR" sz="900" dirty="0"/>
+              <a:t>IP Fixe: 192.168.0.18</a:t>
             </a:r>
           </a:p>
           <a:p>
             <a:pPr algn="ctr"/>
-            <a:r>
-              <a:rPr lang="fr-FR" sz="900" dirty="0"/>
-              <a:t>TXO</a:t>
-            </a:r>
-          </a:p>
-        </p:txBody>
-      </p:sp>
-      <p:sp>
-        <p:nvSpPr>
-          <p:cNvPr id="68" name="Rectangle 67">
-            <a:extLst>
-              <a:ext uri="{FF2B5EF4-FFF2-40B4-BE49-F238E27FC236}">
-                <a16:creationId xmlns:a16="http://schemas.microsoft.com/office/drawing/2014/main" id="{53E6885B-A742-4143-B2E4-FE1E6E8BF2F5}"/>
+            <a:endParaRPr lang="fr-FR" dirty="0"/>
+          </a:p>
+          <a:p>
+            <a:pPr algn="ctr"/>
+            <a:r>
+              <a:rPr lang="fr-FR" sz="1200" dirty="0"/>
+              <a:t>/var/www/html/</a:t>
+            </a:r>
+          </a:p>
+          <a:p>
+            <a:pPr algn="ctr"/>
+            <a:r>
+              <a:rPr lang="fr-FR" sz="1200" dirty="0" err="1"/>
+              <a:t>robotInfos.php</a:t>
+            </a:r>
+            <a:r>
+              <a:rPr lang="fr-FR" sz="1200" dirty="0"/>
+              <a:t>,</a:t>
+            </a:r>
+          </a:p>
+          <a:p>
+            <a:pPr algn="ctr"/>
+            <a:r>
+              <a:rPr lang="fr-FR" sz="1200" dirty="0"/>
+              <a:t>robotInfos.txt,</a:t>
+            </a:r>
+          </a:p>
+          <a:p>
+            <a:pPr algn="ctr"/>
+            <a:r>
+              <a:rPr lang="fr-FR" sz="1200" dirty="0"/>
+              <a:t>robotInfos.log</a:t>
+            </a:r>
+          </a:p>
+          <a:p>
+            <a:pPr algn="ctr"/>
+            <a:endParaRPr lang="fr-FR" dirty="0"/>
+          </a:p>
+          <a:p>
+            <a:pPr algn="ctr"/>
+            <a:r>
+              <a:rPr lang="fr-FR" sz="1200" dirty="0"/>
+              <a:t>/var/www/html/</a:t>
+            </a:r>
+          </a:p>
+          <a:p>
+            <a:pPr algn="ctr"/>
+            <a:r>
+              <a:rPr lang="fr-FR" sz="1200" dirty="0" err="1"/>
+              <a:t>robotPicture.php</a:t>
+            </a:r>
+            <a:r>
+              <a:rPr lang="fr-FR" sz="1200" dirty="0"/>
+              <a:t>,</a:t>
+            </a:r>
+          </a:p>
+          <a:p>
+            <a:pPr algn="ctr"/>
+            <a:r>
+              <a:rPr lang="fr-FR" sz="1200" dirty="0"/>
+              <a:t>robotPicture.log</a:t>
+            </a:r>
+          </a:p>
+          <a:p>
+            <a:pPr algn="ctr"/>
+            <a:endParaRPr lang="fr-FR" sz="1200" dirty="0"/>
+          </a:p>
+          <a:p>
+            <a:pPr algn="ctr"/>
+            <a:r>
+              <a:rPr lang="fr-FR" sz="1200" dirty="0"/>
+              <a:t>/var/log/apache2/</a:t>
+            </a:r>
+          </a:p>
+          <a:p>
+            <a:pPr algn="ctr"/>
+            <a:r>
+              <a:rPr lang="fr-FR" sz="1200" dirty="0"/>
+              <a:t>error.log</a:t>
+            </a:r>
+          </a:p>
+          <a:p>
+            <a:pPr algn="ctr"/>
+            <a:endParaRPr lang="fr-FR" dirty="0"/>
+          </a:p>
+        </p:txBody>
+      </p:sp>
+      <p:cxnSp>
+        <p:nvCxnSpPr>
+          <p:cNvPr id="70" name="Connecteur : en arc 69">
+            <a:extLst>
+              <a:ext uri="{FF2B5EF4-FFF2-40B4-BE49-F238E27FC236}">
+                <a16:creationId xmlns:a16="http://schemas.microsoft.com/office/drawing/2014/main" id="{14B04061-7318-4D03-A1E8-AC224D48BEBD}"/>
+              </a:ext>
+            </a:extLst>
+          </p:cNvPr>
+          <p:cNvCxnSpPr>
+            <a:cxnSpLocks/>
+            <a:stCxn id="55" idx="1"/>
+            <a:endCxn id="68" idx="3"/>
+          </p:cNvCxnSpPr>
+          <p:nvPr/>
+        </p:nvCxnSpPr>
+        <p:spPr>
+          <a:xfrm rot="10800000">
+            <a:off x="2166910" y="3497123"/>
+            <a:ext cx="4074094" cy="2556468"/>
+          </a:xfrm>
+          <a:prstGeom prst="curvedConnector3">
+            <a:avLst>
+              <a:gd name="adj1" fmla="val 50000"/>
+            </a:avLst>
+          </a:prstGeom>
+          <a:ln w="38100">
+            <a:solidFill>
+              <a:srgbClr val="FFC000"/>
+            </a:solidFill>
+            <a:tailEnd type="triangle"/>
+          </a:ln>
+        </p:spPr>
+        <p:style>
+          <a:lnRef idx="1">
+            <a:schemeClr val="accent1"/>
+          </a:lnRef>
+          <a:fillRef idx="0">
+            <a:schemeClr val="accent1"/>
+          </a:fillRef>
+          <a:effectRef idx="0">
+            <a:schemeClr val="accent1"/>
+          </a:effectRef>
+          <a:fontRef idx="minor">
+            <a:schemeClr val="tx1"/>
+          </a:fontRef>
+        </p:style>
+      </p:cxnSp>
+      <p:sp>
+        <p:nvSpPr>
+          <p:cNvPr id="85" name="ZoneTexte 84">
+            <a:extLst>
+              <a:ext uri="{FF2B5EF4-FFF2-40B4-BE49-F238E27FC236}">
+                <a16:creationId xmlns:a16="http://schemas.microsoft.com/office/drawing/2014/main" id="{CFE996FC-41B0-4468-8057-90AC36952DA5}"/>
+              </a:ext>
+            </a:extLst>
+          </p:cNvPr>
+          <p:cNvSpPr txBox="1"/>
+          <p:nvPr/>
+        </p:nvSpPr>
+        <p:spPr>
+          <a:xfrm>
+            <a:off x="2112705" y="3237335"/>
+            <a:ext cx="1558290" cy="646331"/>
+          </a:xfrm>
+          <a:prstGeom prst="rect">
+            <a:avLst/>
+          </a:prstGeom>
+          <a:noFill/>
+        </p:spPr>
+        <p:txBody>
+          <a:bodyPr wrap="square" rtlCol="0">
+            <a:spAutoFit/>
+          </a:bodyPr>
+          <a:lstStyle/>
+          <a:p>
+            <a:r>
+              <a:rPr lang="fr-FR" sz="1200" dirty="0"/>
+              <a:t>192.168.0.18:8080</a:t>
+            </a:r>
+          </a:p>
+          <a:p>
+            <a:r>
+              <a:rPr lang="fr-FR" sz="1200" dirty="0"/>
+              <a:t>/</a:t>
+            </a:r>
+            <a:r>
+              <a:rPr lang="fr-FR" sz="1200" dirty="0" err="1"/>
+              <a:t>robotInfos.php</a:t>
+            </a:r>
+            <a:r>
+              <a:rPr lang="fr-FR" sz="1200" dirty="0"/>
+              <a:t> or</a:t>
+            </a:r>
+          </a:p>
+          <a:p>
+            <a:r>
+              <a:rPr lang="fr-FR" sz="1200" dirty="0"/>
+              <a:t>/</a:t>
+            </a:r>
+            <a:r>
+              <a:rPr lang="fr-FR" sz="1200" dirty="0" err="1"/>
+              <a:t>robotPicture.php</a:t>
+            </a:r>
+            <a:endParaRPr lang="fr-FR" sz="1200" dirty="0"/>
+          </a:p>
+        </p:txBody>
+      </p:sp>
+      <p:sp>
+        <p:nvSpPr>
+          <p:cNvPr id="90" name="Rectangle 89">
+            <a:extLst>
+              <a:ext uri="{FF2B5EF4-FFF2-40B4-BE49-F238E27FC236}">
+                <a16:creationId xmlns:a16="http://schemas.microsoft.com/office/drawing/2014/main" id="{EBDABEE6-29B7-4D63-B73F-35FFDA445D8C}"/>
               </a:ext>
             </a:extLst>
           </p:cNvPr>
@@ -4741,12 +4889,149 @@
         </p:nvSpPr>
         <p:spPr>
           <a:xfrm>
-            <a:off x="192853" y="1770449"/>
-            <a:ext cx="1974057" cy="3453347"/>
+            <a:off x="7748735" y="3161887"/>
+            <a:ext cx="783676" cy="276999"/>
           </a:xfrm>
           <a:prstGeom prst="rect">
             <a:avLst/>
           </a:prstGeom>
+          <a:solidFill>
+            <a:schemeClr val="accent2">
+              <a:lumMod val="60000"/>
+              <a:lumOff val="40000"/>
+            </a:schemeClr>
+          </a:solidFill>
+        </p:spPr>
+        <p:txBody>
+          <a:bodyPr wrap="none">
+            <a:spAutoFit/>
+          </a:bodyPr>
+          <a:lstStyle/>
+          <a:p>
+            <a:r>
+              <a:rPr lang="fr-FR" sz="1200" dirty="0" err="1"/>
+              <a:t>IOTSread</a:t>
+            </a:r>
+            <a:r>
+              <a:rPr lang="fr-FR" sz="1200" dirty="0"/>
+              <a:t> </a:t>
+            </a:r>
+          </a:p>
+        </p:txBody>
+      </p:sp>
+      <p:sp>
+        <p:nvSpPr>
+          <p:cNvPr id="91" name="Rectangle 90">
+            <a:extLst>
+              <a:ext uri="{FF2B5EF4-FFF2-40B4-BE49-F238E27FC236}">
+                <a16:creationId xmlns:a16="http://schemas.microsoft.com/office/drawing/2014/main" id="{422616E7-728E-46A2-A70A-295412E11D63}"/>
+              </a:ext>
+            </a:extLst>
+          </p:cNvPr>
+          <p:cNvSpPr/>
+          <p:nvPr/>
+        </p:nvSpPr>
+        <p:spPr>
+          <a:xfrm>
+            <a:off x="8564951" y="3164795"/>
+            <a:ext cx="800155" cy="276999"/>
+          </a:xfrm>
+          <a:prstGeom prst="rect">
+            <a:avLst/>
+          </a:prstGeom>
+          <a:solidFill>
+            <a:schemeClr val="accent2">
+              <a:lumMod val="60000"/>
+              <a:lumOff val="40000"/>
+            </a:schemeClr>
+          </a:solidFill>
+        </p:spPr>
+        <p:txBody>
+          <a:bodyPr wrap="none">
+            <a:spAutoFit/>
+          </a:bodyPr>
+          <a:lstStyle/>
+          <a:p>
+            <a:r>
+              <a:rPr lang="fr-FR" sz="1200" dirty="0" err="1"/>
+              <a:t>IOTSsend</a:t>
+            </a:r>
+            <a:r>
+              <a:rPr lang="fr-FR" sz="1200" dirty="0"/>
+              <a:t> </a:t>
+            </a:r>
+          </a:p>
+        </p:txBody>
+      </p:sp>
+      <p:sp>
+        <p:nvSpPr>
+          <p:cNvPr id="92" name="Rectangle 91">
+            <a:extLst>
+              <a:ext uri="{FF2B5EF4-FFF2-40B4-BE49-F238E27FC236}">
+                <a16:creationId xmlns:a16="http://schemas.microsoft.com/office/drawing/2014/main" id="{B661B734-C38F-47EF-8BC1-072E434A77DA}"/>
+              </a:ext>
+            </a:extLst>
+          </p:cNvPr>
+          <p:cNvSpPr/>
+          <p:nvPr/>
+        </p:nvSpPr>
+        <p:spPr>
+          <a:xfrm>
+            <a:off x="8626772" y="4046942"/>
+            <a:ext cx="800155" cy="276999"/>
+          </a:xfrm>
+          <a:prstGeom prst="rect">
+            <a:avLst/>
+          </a:prstGeom>
+          <a:solidFill>
+            <a:schemeClr val="accent2">
+              <a:lumMod val="60000"/>
+              <a:lumOff val="40000"/>
+            </a:schemeClr>
+          </a:solidFill>
+        </p:spPr>
+        <p:txBody>
+          <a:bodyPr wrap="none">
+            <a:spAutoFit/>
+          </a:bodyPr>
+          <a:lstStyle/>
+          <a:p>
+            <a:r>
+              <a:rPr lang="fr-FR" sz="1200" dirty="0" err="1"/>
+              <a:t>IOTSsend</a:t>
+            </a:r>
+            <a:r>
+              <a:rPr lang="fr-FR" sz="1200" dirty="0"/>
+              <a:t> </a:t>
+            </a:r>
+          </a:p>
+        </p:txBody>
+      </p:sp>
+      <p:sp>
+        <p:nvSpPr>
+          <p:cNvPr id="72" name="Ellipse 71">
+            <a:extLst>
+              <a:ext uri="{FF2B5EF4-FFF2-40B4-BE49-F238E27FC236}">
+                <a16:creationId xmlns:a16="http://schemas.microsoft.com/office/drawing/2014/main" id="{957AAF98-6743-456A-97A2-F748827C0E65}"/>
+              </a:ext>
+            </a:extLst>
+          </p:cNvPr>
+          <p:cNvSpPr/>
+          <p:nvPr/>
+        </p:nvSpPr>
+        <p:spPr>
+          <a:xfrm>
+            <a:off x="6963707" y="3012579"/>
+            <a:ext cx="594107" cy="416421"/>
+          </a:xfrm>
+          <a:prstGeom prst="ellipse">
+            <a:avLst/>
+          </a:prstGeom>
+          <a:solidFill>
+            <a:schemeClr val="bg2">
+              <a:lumMod val="90000"/>
+            </a:schemeClr>
+          </a:solidFill>
         </p:spPr>
         <p:style>
           <a:lnRef idx="2">
@@ -4770,367 +5055,35 @@
           <a:p>
             <a:pPr algn="ctr"/>
             <a:r>
-              <a:rPr lang="fr-FR" dirty="0"/>
-              <a:t>PI</a:t>
-            </a:r>
-          </a:p>
-          <a:p>
-            <a:r>
               <a:rPr lang="fr-FR" sz="900" dirty="0"/>
-              <a:t>MAC: 00:0f:13:37:1b:c8</a:t>
-            </a:r>
-          </a:p>
-          <a:p>
+              <a:t>3</a:t>
+            </a:r>
+          </a:p>
+          <a:p>
+            <a:pPr algn="ctr"/>
             <a:r>
               <a:rPr lang="fr-FR" sz="900" dirty="0"/>
-              <a:t>IP Fixe: 192.168.0.18</a:t>
-            </a:r>
-          </a:p>
-          <a:p>
-            <a:pPr algn="ctr"/>
-            <a:endParaRPr lang="fr-FR" dirty="0"/>
-          </a:p>
-          <a:p>
-            <a:pPr algn="ctr"/>
-            <a:r>
-              <a:rPr lang="fr-FR" sz="1200" dirty="0"/>
-              <a:t>/var/www/html/</a:t>
-            </a:r>
-          </a:p>
-          <a:p>
-            <a:pPr algn="ctr"/>
-            <a:r>
-              <a:rPr lang="fr-FR" sz="1200" dirty="0" err="1"/>
-              <a:t>robotInfos.php</a:t>
-            </a:r>
-            <a:r>
-              <a:rPr lang="fr-FR" sz="1200" dirty="0"/>
-              <a:t>,</a:t>
-            </a:r>
-          </a:p>
-          <a:p>
-            <a:pPr algn="ctr"/>
-            <a:r>
-              <a:rPr lang="fr-FR" sz="1200" dirty="0"/>
-              <a:t>robotInfos.txt,</a:t>
-            </a:r>
-          </a:p>
-          <a:p>
-            <a:pPr algn="ctr"/>
-            <a:r>
-              <a:rPr lang="fr-FR" sz="1200" dirty="0"/>
-              <a:t>robotInfos.log</a:t>
-            </a:r>
-          </a:p>
-          <a:p>
-            <a:pPr algn="ctr"/>
-            <a:endParaRPr lang="fr-FR" dirty="0"/>
-          </a:p>
-          <a:p>
-            <a:pPr algn="ctr"/>
-            <a:r>
-              <a:rPr lang="fr-FR" sz="1200" dirty="0"/>
-              <a:t>/var/www/html/</a:t>
-            </a:r>
-          </a:p>
-          <a:p>
-            <a:pPr algn="ctr"/>
-            <a:r>
-              <a:rPr lang="fr-FR" sz="1200" dirty="0" err="1"/>
-              <a:t>robotPicture.php</a:t>
-            </a:r>
-            <a:r>
-              <a:rPr lang="fr-FR" sz="1200" dirty="0"/>
-              <a:t>,</a:t>
-            </a:r>
-          </a:p>
-          <a:p>
-            <a:pPr algn="ctr"/>
-            <a:r>
-              <a:rPr lang="fr-FR" sz="1200" dirty="0"/>
-              <a:t>robotPicture.log</a:t>
-            </a:r>
-          </a:p>
-          <a:p>
-            <a:pPr algn="ctr"/>
-            <a:endParaRPr lang="fr-FR" sz="1200" dirty="0"/>
-          </a:p>
-          <a:p>
-            <a:pPr algn="ctr"/>
-            <a:r>
-              <a:rPr lang="fr-FR" sz="1200" dirty="0"/>
-              <a:t>/var/log/apache2/</a:t>
-            </a:r>
-          </a:p>
-          <a:p>
-            <a:pPr algn="ctr"/>
-            <a:r>
-              <a:rPr lang="fr-FR" sz="1200" dirty="0"/>
-              <a:t>error.log</a:t>
-            </a:r>
-          </a:p>
-          <a:p>
-            <a:pPr algn="ctr"/>
-            <a:endParaRPr lang="fr-FR" dirty="0"/>
-          </a:p>
-        </p:txBody>
-      </p:sp>
-      <p:cxnSp>
-        <p:nvCxnSpPr>
-          <p:cNvPr id="70" name="Connecteur : en arc 69">
-            <a:extLst>
-              <a:ext uri="{FF2B5EF4-FFF2-40B4-BE49-F238E27FC236}">
-                <a16:creationId xmlns:a16="http://schemas.microsoft.com/office/drawing/2014/main" id="{14B04061-7318-4D03-A1E8-AC224D48BEBD}"/>
-              </a:ext>
-            </a:extLst>
-          </p:cNvPr>
-          <p:cNvCxnSpPr>
-            <a:cxnSpLocks/>
-            <a:stCxn id="55" idx="1"/>
-            <a:endCxn id="68" idx="3"/>
-          </p:cNvCxnSpPr>
-          <p:nvPr/>
-        </p:nvCxnSpPr>
-        <p:spPr>
-          <a:xfrm rot="10800000">
-            <a:off x="2166910" y="3497123"/>
-            <a:ext cx="4074094" cy="2556468"/>
-          </a:xfrm>
-          <a:prstGeom prst="curvedConnector3">
-            <a:avLst>
-              <a:gd name="adj1" fmla="val 50000"/>
-            </a:avLst>
-          </a:prstGeom>
-          <a:ln w="38100">
-            <a:solidFill>
-              <a:srgbClr val="FFC000"/>
-            </a:solidFill>
-            <a:tailEnd type="triangle"/>
-          </a:ln>
-        </p:spPr>
-        <p:style>
-          <a:lnRef idx="1">
-            <a:schemeClr val="accent1"/>
-          </a:lnRef>
-          <a:fillRef idx="0">
-            <a:schemeClr val="accent1"/>
-          </a:fillRef>
-          <a:effectRef idx="0">
-            <a:schemeClr val="accent1"/>
-          </a:effectRef>
-          <a:fontRef idx="minor">
-            <a:schemeClr val="tx1"/>
-          </a:fontRef>
-        </p:style>
-      </p:cxnSp>
-      <p:sp>
-        <p:nvSpPr>
-          <p:cNvPr id="85" name="ZoneTexte 84">
-            <a:extLst>
-              <a:ext uri="{FF2B5EF4-FFF2-40B4-BE49-F238E27FC236}">
-                <a16:creationId xmlns:a16="http://schemas.microsoft.com/office/drawing/2014/main" id="{CFE996FC-41B0-4468-8057-90AC36952DA5}"/>
-              </a:ext>
-            </a:extLst>
-          </p:cNvPr>
-          <p:cNvSpPr txBox="1"/>
+              <a:t>int1</a:t>
+            </a:r>
+          </a:p>
+        </p:txBody>
+      </p:sp>
+      <p:sp>
+        <p:nvSpPr>
+          <p:cNvPr id="74" name="Ellipse 73">
+            <a:extLst>
+              <a:ext uri="{FF2B5EF4-FFF2-40B4-BE49-F238E27FC236}">
+                <a16:creationId xmlns:a16="http://schemas.microsoft.com/office/drawing/2014/main" id="{5C450E3D-A8E2-49DA-B0FA-4D3C22FCA5F4}"/>
+              </a:ext>
+            </a:extLst>
+          </p:cNvPr>
+          <p:cNvSpPr/>
           <p:nvPr/>
         </p:nvSpPr>
         <p:spPr>
           <a:xfrm>
-            <a:off x="2112705" y="3237335"/>
-            <a:ext cx="1558290" cy="646331"/>
-          </a:xfrm>
-          <a:prstGeom prst="rect">
-            <a:avLst/>
-          </a:prstGeom>
-          <a:noFill/>
-        </p:spPr>
-        <p:txBody>
-          <a:bodyPr wrap="square" rtlCol="0">
-            <a:spAutoFit/>
-          </a:bodyPr>
-          <a:lstStyle/>
-          <a:p>
-            <a:r>
-              <a:rPr lang="fr-FR" sz="1200" dirty="0"/>
-              <a:t>192.168.0.18:8080</a:t>
-            </a:r>
-          </a:p>
-          <a:p>
-            <a:r>
-              <a:rPr lang="fr-FR" sz="1200" dirty="0"/>
-              <a:t>/</a:t>
-            </a:r>
-            <a:r>
-              <a:rPr lang="fr-FR" sz="1200" dirty="0" err="1"/>
-              <a:t>robotInfos.php</a:t>
-            </a:r>
-            <a:r>
-              <a:rPr lang="fr-FR" sz="1200" dirty="0"/>
-              <a:t> or</a:t>
-            </a:r>
-          </a:p>
-          <a:p>
-            <a:r>
-              <a:rPr lang="fr-FR" sz="1200" dirty="0"/>
-              <a:t>/</a:t>
-            </a:r>
-            <a:r>
-              <a:rPr lang="fr-FR" sz="1200" dirty="0" err="1"/>
-              <a:t>robotPicture.php</a:t>
-            </a:r>
-            <a:endParaRPr lang="fr-FR" sz="1200" dirty="0"/>
-          </a:p>
-        </p:txBody>
-      </p:sp>
-      <p:sp>
-        <p:nvSpPr>
-          <p:cNvPr id="90" name="Rectangle 89">
-            <a:extLst>
-              <a:ext uri="{FF2B5EF4-FFF2-40B4-BE49-F238E27FC236}">
-                <a16:creationId xmlns:a16="http://schemas.microsoft.com/office/drawing/2014/main" id="{EBDABEE6-29B7-4D63-B73F-35FFDA445D8C}"/>
-              </a:ext>
-            </a:extLst>
-          </p:cNvPr>
-          <p:cNvSpPr/>
-          <p:nvPr/>
-        </p:nvSpPr>
-        <p:spPr>
-          <a:xfrm>
-            <a:off x="7748735" y="3161887"/>
-            <a:ext cx="783676" cy="276999"/>
-          </a:xfrm>
-          <a:prstGeom prst="rect">
-            <a:avLst/>
-          </a:prstGeom>
-          <a:solidFill>
-            <a:schemeClr val="accent2">
-              <a:lumMod val="60000"/>
-              <a:lumOff val="40000"/>
-            </a:schemeClr>
-          </a:solidFill>
-        </p:spPr>
-        <p:txBody>
-          <a:bodyPr wrap="none">
-            <a:spAutoFit/>
-          </a:bodyPr>
-          <a:lstStyle/>
-          <a:p>
-            <a:r>
-              <a:rPr lang="fr-FR" sz="1200" dirty="0" err="1"/>
-              <a:t>IOTSread</a:t>
-            </a:r>
-            <a:r>
-              <a:rPr lang="fr-FR" sz="1200" dirty="0"/>
-              <a:t> </a:t>
-            </a:r>
-          </a:p>
-        </p:txBody>
-      </p:sp>
-      <p:sp>
-        <p:nvSpPr>
-          <p:cNvPr id="91" name="Rectangle 90">
-            <a:extLst>
-              <a:ext uri="{FF2B5EF4-FFF2-40B4-BE49-F238E27FC236}">
-                <a16:creationId xmlns:a16="http://schemas.microsoft.com/office/drawing/2014/main" id="{422616E7-728E-46A2-A70A-295412E11D63}"/>
-              </a:ext>
-            </a:extLst>
-          </p:cNvPr>
-          <p:cNvSpPr/>
-          <p:nvPr/>
-        </p:nvSpPr>
-        <p:spPr>
-          <a:xfrm>
-            <a:off x="8564951" y="3164795"/>
-            <a:ext cx="800155" cy="276999"/>
-          </a:xfrm>
-          <a:prstGeom prst="rect">
-            <a:avLst/>
-          </a:prstGeom>
-          <a:solidFill>
-            <a:schemeClr val="accent2">
-              <a:lumMod val="60000"/>
-              <a:lumOff val="40000"/>
-            </a:schemeClr>
-          </a:solidFill>
-        </p:spPr>
-        <p:txBody>
-          <a:bodyPr wrap="none">
-            <a:spAutoFit/>
-          </a:bodyPr>
-          <a:lstStyle/>
-          <a:p>
-            <a:r>
-              <a:rPr lang="fr-FR" sz="1200" dirty="0" err="1"/>
-              <a:t>IOTSsend</a:t>
-            </a:r>
-            <a:r>
-              <a:rPr lang="fr-FR" sz="1200" dirty="0"/>
-              <a:t> </a:t>
-            </a:r>
-          </a:p>
-        </p:txBody>
-      </p:sp>
-      <p:sp>
-        <p:nvSpPr>
-          <p:cNvPr id="92" name="Rectangle 91">
-            <a:extLst>
-              <a:ext uri="{FF2B5EF4-FFF2-40B4-BE49-F238E27FC236}">
-                <a16:creationId xmlns:a16="http://schemas.microsoft.com/office/drawing/2014/main" id="{B661B734-C38F-47EF-8BC1-072E434A77DA}"/>
-              </a:ext>
-            </a:extLst>
-          </p:cNvPr>
-          <p:cNvSpPr/>
-          <p:nvPr/>
-        </p:nvSpPr>
-        <p:spPr>
-          <a:xfrm>
-            <a:off x="8626772" y="4046942"/>
-            <a:ext cx="800155" cy="276999"/>
-          </a:xfrm>
-          <a:prstGeom prst="rect">
-            <a:avLst/>
-          </a:prstGeom>
-          <a:solidFill>
-            <a:schemeClr val="accent2">
-              <a:lumMod val="60000"/>
-              <a:lumOff val="40000"/>
-            </a:schemeClr>
-          </a:solidFill>
-        </p:spPr>
-        <p:txBody>
-          <a:bodyPr wrap="none">
-            <a:spAutoFit/>
-          </a:bodyPr>
-          <a:lstStyle/>
-          <a:p>
-            <a:r>
-              <a:rPr lang="fr-FR" sz="1200" dirty="0" err="1"/>
-              <a:t>IOTSsend</a:t>
-            </a:r>
-            <a:r>
-              <a:rPr lang="fr-FR" sz="1200" dirty="0"/>
-              <a:t> </a:t>
-            </a:r>
-          </a:p>
-        </p:txBody>
-      </p:sp>
-      <p:sp>
-        <p:nvSpPr>
-          <p:cNvPr id="72" name="Ellipse 71">
-            <a:extLst>
-              <a:ext uri="{FF2B5EF4-FFF2-40B4-BE49-F238E27FC236}">
-                <a16:creationId xmlns:a16="http://schemas.microsoft.com/office/drawing/2014/main" id="{957AAF98-6743-456A-97A2-F748827C0E65}"/>
-              </a:ext>
-            </a:extLst>
-          </p:cNvPr>
-          <p:cNvSpPr/>
-          <p:nvPr/>
-        </p:nvSpPr>
-        <p:spPr>
-          <a:xfrm>
-            <a:off x="6963707" y="3012579"/>
-            <a:ext cx="594107" cy="416421"/>
+            <a:off x="7900400" y="2872552"/>
+            <a:ext cx="458109" cy="348179"/>
           </a:xfrm>
           <a:prstGeom prst="ellipse">
             <a:avLst/>
@@ -5164,24 +5117,24 @@
             <a:pPr algn="ctr"/>
             <a:r>
               <a:rPr lang="fr-FR" sz="900" dirty="0"/>
-              <a:t>3</a:t>
+              <a:t>17</a:t>
             </a:r>
           </a:p>
           <a:p>
             <a:pPr algn="ctr"/>
             <a:r>
               <a:rPr lang="fr-FR" sz="900" dirty="0"/>
-              <a:t>int1</a:t>
-            </a:r>
-          </a:p>
-        </p:txBody>
-      </p:sp>
-      <p:sp>
-        <p:nvSpPr>
-          <p:cNvPr id="74" name="Ellipse 73">
-            <a:extLst>
-              <a:ext uri="{FF2B5EF4-FFF2-40B4-BE49-F238E27FC236}">
-                <a16:creationId xmlns:a16="http://schemas.microsoft.com/office/drawing/2014/main" id="{5C450E3D-A8E2-49DA-B0FA-4D3C22FCA5F4}"/>
+              <a:t>RX</a:t>
+            </a:r>
+          </a:p>
+        </p:txBody>
+      </p:sp>
+      <p:sp>
+        <p:nvSpPr>
+          <p:cNvPr id="75" name="Ellipse 74">
+            <a:extLst>
+              <a:ext uri="{FF2B5EF4-FFF2-40B4-BE49-F238E27FC236}">
+                <a16:creationId xmlns:a16="http://schemas.microsoft.com/office/drawing/2014/main" id="{406130E7-3E0D-431A-B050-99D176D9FB0C}"/>
               </a:ext>
             </a:extLst>
           </p:cNvPr>
@@ -5190,8 +5143,8 @@
         </p:nvSpPr>
         <p:spPr>
           <a:xfrm>
-            <a:off x="7900400" y="2872552"/>
-            <a:ext cx="458109" cy="348179"/>
+            <a:off x="8731551" y="2847516"/>
+            <a:ext cx="508204" cy="348179"/>
           </a:xfrm>
           <a:prstGeom prst="ellipse">
             <a:avLst/>
@@ -5225,24 +5178,24 @@
             <a:pPr algn="ctr"/>
             <a:r>
               <a:rPr lang="fr-FR" sz="900" dirty="0"/>
-              <a:t>17</a:t>
+              <a:t>16</a:t>
             </a:r>
           </a:p>
           <a:p>
             <a:pPr algn="ctr"/>
             <a:r>
               <a:rPr lang="fr-FR" sz="900" dirty="0"/>
-              <a:t>RX</a:t>
-            </a:r>
-          </a:p>
-        </p:txBody>
-      </p:sp>
-      <p:sp>
-        <p:nvSpPr>
-          <p:cNvPr id="75" name="Ellipse 74">
-            <a:extLst>
-              <a:ext uri="{FF2B5EF4-FFF2-40B4-BE49-F238E27FC236}">
-                <a16:creationId xmlns:a16="http://schemas.microsoft.com/office/drawing/2014/main" id="{406130E7-3E0D-431A-B050-99D176D9FB0C}"/>
+              <a:t>TX</a:t>
+            </a:r>
+          </a:p>
+        </p:txBody>
+      </p:sp>
+      <p:sp>
+        <p:nvSpPr>
+          <p:cNvPr id="69" name="Ellipse 68">
+            <a:extLst>
+              <a:ext uri="{FF2B5EF4-FFF2-40B4-BE49-F238E27FC236}">
+                <a16:creationId xmlns:a16="http://schemas.microsoft.com/office/drawing/2014/main" id="{FC7513EB-0BBE-4C77-BF1E-A6854048C89A}"/>
               </a:ext>
             </a:extLst>
           </p:cNvPr>
@@ -5251,8 +5204,8 @@
         </p:nvSpPr>
         <p:spPr>
           <a:xfrm>
-            <a:off x="8731551" y="2847516"/>
-            <a:ext cx="508204" cy="348179"/>
+            <a:off x="8733701" y="4322785"/>
+            <a:ext cx="579471" cy="348179"/>
           </a:xfrm>
           <a:prstGeom prst="ellipse">
             <a:avLst/>
@@ -5286,7 +5239,7 @@
             <a:pPr algn="ctr"/>
             <a:r>
               <a:rPr lang="fr-FR" sz="900" dirty="0"/>
-              <a:t>16</a:t>
+              <a:t>18</a:t>
             </a:r>
           </a:p>
           <a:p>
@@ -5294,216 +5247,6 @@
             <a:r>
               <a:rPr lang="fr-FR" sz="900" dirty="0"/>
               <a:t>TX</a:t>
-            </a:r>
-          </a:p>
-        </p:txBody>
-      </p:sp>
-      <p:sp>
-        <p:nvSpPr>
-          <p:cNvPr id="69" name="Ellipse 68">
-            <a:extLst>
-              <a:ext uri="{FF2B5EF4-FFF2-40B4-BE49-F238E27FC236}">
-                <a16:creationId xmlns:a16="http://schemas.microsoft.com/office/drawing/2014/main" id="{FC7513EB-0BBE-4C77-BF1E-A6854048C89A}"/>
-              </a:ext>
-            </a:extLst>
-          </p:cNvPr>
-          <p:cNvSpPr/>
-          <p:nvPr/>
-        </p:nvSpPr>
-        <p:spPr>
-          <a:xfrm>
-            <a:off x="8733701" y="4322785"/>
-            <a:ext cx="579471" cy="348179"/>
-          </a:xfrm>
-          <a:prstGeom prst="ellipse">
-            <a:avLst/>
-          </a:prstGeom>
-          <a:solidFill>
-            <a:schemeClr val="bg2">
-              <a:lumMod val="90000"/>
-            </a:schemeClr>
-          </a:solidFill>
-        </p:spPr>
-        <p:style>
-          <a:lnRef idx="2">
-            <a:schemeClr val="accent1">
-              <a:shade val="50000"/>
-            </a:schemeClr>
-          </a:lnRef>
-          <a:fillRef idx="1">
-            <a:schemeClr val="accent1"/>
-          </a:fillRef>
-          <a:effectRef idx="0">
-            <a:schemeClr val="accent1"/>
-          </a:effectRef>
-          <a:fontRef idx="minor">
-            <a:schemeClr val="lt1"/>
-          </a:fontRef>
-        </p:style>
-        <p:txBody>
-          <a:bodyPr rtlCol="0" anchor="ctr"/>
-          <a:lstStyle/>
-          <a:p>
-            <a:pPr algn="ctr"/>
-            <a:r>
-              <a:rPr lang="fr-FR" sz="900" dirty="0"/>
-              <a:t>18</a:t>
-            </a:r>
-          </a:p>
-          <a:p>
-            <a:pPr algn="ctr"/>
-            <a:r>
-              <a:rPr lang="fr-FR" sz="900" dirty="0"/>
-              <a:t>TX</a:t>
-            </a:r>
-          </a:p>
-        </p:txBody>
-      </p:sp>
-      <p:sp>
-        <p:nvSpPr>
-          <p:cNvPr id="77" name="Ellipse 76">
-            <a:extLst>
-              <a:ext uri="{FF2B5EF4-FFF2-40B4-BE49-F238E27FC236}">
-                <a16:creationId xmlns:a16="http://schemas.microsoft.com/office/drawing/2014/main" id="{3D60928F-B8BF-40B1-9461-60E9C908379E}"/>
-              </a:ext>
-            </a:extLst>
-          </p:cNvPr>
-          <p:cNvSpPr/>
-          <p:nvPr/>
-        </p:nvSpPr>
-        <p:spPr>
-          <a:xfrm>
-            <a:off x="7963393" y="4312331"/>
-            <a:ext cx="522865" cy="348179"/>
-          </a:xfrm>
-          <a:prstGeom prst="ellipse">
-            <a:avLst/>
-          </a:prstGeom>
-          <a:solidFill>
-            <a:schemeClr val="bg2">
-              <a:lumMod val="90000"/>
-            </a:schemeClr>
-          </a:solidFill>
-        </p:spPr>
-        <p:style>
-          <a:lnRef idx="2">
-            <a:schemeClr val="accent1">
-              <a:shade val="50000"/>
-            </a:schemeClr>
-          </a:lnRef>
-          <a:fillRef idx="1">
-            <a:schemeClr val="accent1"/>
-          </a:fillRef>
-          <a:effectRef idx="0">
-            <a:schemeClr val="accent1"/>
-          </a:effectRef>
-          <a:fontRef idx="minor">
-            <a:schemeClr val="lt1"/>
-          </a:fontRef>
-        </p:style>
-        <p:txBody>
-          <a:bodyPr rtlCol="0" anchor="ctr"/>
-          <a:lstStyle/>
-          <a:p>
-            <a:pPr algn="ctr"/>
-            <a:r>
-              <a:rPr lang="fr-FR" sz="900" dirty="0"/>
-              <a:t>19</a:t>
-            </a:r>
-          </a:p>
-          <a:p>
-            <a:pPr algn="ctr"/>
-            <a:r>
-              <a:rPr lang="fr-FR" sz="900" dirty="0"/>
-              <a:t>RX</a:t>
-            </a:r>
-          </a:p>
-        </p:txBody>
-      </p:sp>
-      <p:sp>
-        <p:nvSpPr>
-          <p:cNvPr id="78" name="Rectangle 77">
-            <a:extLst>
-              <a:ext uri="{FF2B5EF4-FFF2-40B4-BE49-F238E27FC236}">
-                <a16:creationId xmlns:a16="http://schemas.microsoft.com/office/drawing/2014/main" id="{60294361-EB7B-444C-A8C9-ECC2CB12DB81}"/>
-              </a:ext>
-            </a:extLst>
-          </p:cNvPr>
-          <p:cNvSpPr/>
-          <p:nvPr/>
-        </p:nvSpPr>
-        <p:spPr>
-          <a:xfrm>
-            <a:off x="7789510" y="4034955"/>
-            <a:ext cx="783676" cy="276999"/>
-          </a:xfrm>
-          <a:prstGeom prst="rect">
-            <a:avLst/>
-          </a:prstGeom>
-          <a:solidFill>
-            <a:schemeClr val="accent2">
-              <a:lumMod val="60000"/>
-              <a:lumOff val="40000"/>
-            </a:schemeClr>
-          </a:solidFill>
-        </p:spPr>
-        <p:txBody>
-          <a:bodyPr wrap="none">
-            <a:spAutoFit/>
-          </a:bodyPr>
-          <a:lstStyle/>
-          <a:p>
-            <a:r>
-              <a:rPr lang="fr-FR" sz="1200" dirty="0" err="1"/>
-              <a:t>IOTSread</a:t>
-            </a:r>
-            <a:r>
-              <a:rPr lang="fr-FR" sz="1200" dirty="0"/>
-              <a:t> </a:t>
-            </a:r>
-          </a:p>
-        </p:txBody>
-      </p:sp>
-      <p:sp>
-        <p:nvSpPr>
-          <p:cNvPr id="80" name="Rectangle 79">
-            <a:extLst>
-              <a:ext uri="{FF2B5EF4-FFF2-40B4-BE49-F238E27FC236}">
-                <a16:creationId xmlns:a16="http://schemas.microsoft.com/office/drawing/2014/main" id="{5A292FA5-5327-42B8-A90F-7F7491B26544}"/>
-              </a:ext>
-            </a:extLst>
-          </p:cNvPr>
-          <p:cNvSpPr/>
-          <p:nvPr/>
-        </p:nvSpPr>
-        <p:spPr>
-          <a:xfrm>
-            <a:off x="7769160" y="5477437"/>
-            <a:ext cx="800155" cy="276999"/>
-          </a:xfrm>
-          <a:prstGeom prst="rect">
-            <a:avLst/>
-          </a:prstGeom>
-          <a:solidFill>
-            <a:schemeClr val="accent2">
-              <a:lumMod val="60000"/>
-              <a:lumOff val="40000"/>
-            </a:schemeClr>
-          </a:solidFill>
-        </p:spPr>
-        <p:txBody>
-          <a:bodyPr wrap="none">
-            <a:spAutoFit/>
-          </a:bodyPr>
-          <a:lstStyle/>
-          <a:p>
-            <a:r>
-              <a:rPr lang="fr-FR" sz="1200" dirty="0" err="1"/>
-              <a:t>IOTSsend</a:t>
-            </a:r>
-            <a:r>
-              <a:rPr lang="fr-FR" sz="1200" dirty="0"/>
-              <a:t> </a:t>
             </a:r>
           </a:p>
         </p:txBody>
@@ -5566,7 +5309,7 @@
         <p:spPr>
           <a:xfrm>
             <a:off x="9112421" y="5083260"/>
-            <a:ext cx="1705208" cy="523220"/>
+            <a:ext cx="1705208" cy="954107"/>
           </a:xfrm>
           <a:prstGeom prst="rect">
             <a:avLst/>
@@ -5590,6 +5333,32 @@
             <a:r>
               <a:rPr lang="fr-FR" sz="1400" dirty="0"/>
               <a:t> 38400 bauds</a:t>
+            </a:r>
+          </a:p>
+          <a:p>
+            <a:pPr algn="ctr"/>
+            <a:r>
+              <a:rPr lang="fr-FR" sz="1400" dirty="0" err="1"/>
+              <a:t>Only</a:t>
+            </a:r>
+            <a:r>
+              <a:rPr lang="fr-FR" sz="1400" dirty="0"/>
+              <a:t> RX</a:t>
+            </a:r>
+          </a:p>
+          <a:p>
+            <a:pPr algn="ctr"/>
+            <a:r>
+              <a:rPr lang="fr-FR" sz="1400" dirty="0"/>
+              <a:t>(</a:t>
+            </a:r>
+            <a:r>
+              <a:rPr lang="fr-FR" sz="1400" dirty="0" err="1"/>
+              <a:t>swapped</a:t>
+            </a:r>
+            <a:r>
+              <a:rPr lang="fr-FR" sz="1400" dirty="0"/>
+              <a:t>)</a:t>
             </a:r>
           </a:p>
         </p:txBody>
@@ -6720,23 +6489,22 @@
       </p:cxnSp>
       <p:cxnSp>
         <p:nvCxnSpPr>
-          <p:cNvPr id="16" name="Connecteur droit avec flèche 15">
-            <a:extLst>
-              <a:ext uri="{FF2B5EF4-FFF2-40B4-BE49-F238E27FC236}">
-                <a16:creationId xmlns:a16="http://schemas.microsoft.com/office/drawing/2014/main" id="{4942CECB-711B-4F9F-9B43-521D7C684761}"/>
+          <p:cNvPr id="17" name="Connecteur droit avec flèche 16">
+            <a:extLst>
+              <a:ext uri="{FF2B5EF4-FFF2-40B4-BE49-F238E27FC236}">
+                <a16:creationId xmlns:a16="http://schemas.microsoft.com/office/drawing/2014/main" id="{8491FF6A-E7B4-4501-8D7D-A7CC206AB55F}"/>
               </a:ext>
             </a:extLst>
           </p:cNvPr>
           <p:cNvCxnSpPr>
             <a:cxnSpLocks/>
-            <a:endCxn id="74" idx="0"/>
           </p:cNvCxnSpPr>
           <p:nvPr/>
         </p:nvCxnSpPr>
         <p:spPr>
-          <a:xfrm>
-            <a:off x="7228232" y="1100048"/>
-            <a:ext cx="1" cy="523424"/>
+          <a:xfrm flipH="1">
+            <a:off x="3281771" y="1139649"/>
+            <a:ext cx="5765" cy="492554"/>
           </a:xfrm>
           <a:prstGeom prst="straightConnector1">
             <a:avLst/>
@@ -6747,8 +6515,8 @@
             </a:solidFill>
             <a:prstDash val="solid"/>
             <a:round/>
-            <a:headEnd type="none" w="med" len="med"/>
-            <a:tailEnd type="triangle" w="med" len="med"/>
+            <a:headEnd type="triangle" w="med" len="med"/>
+            <a:tailEnd type="none" w="med" len="med"/>
           </a:ln>
         </p:spPr>
         <p:style>
@@ -6766,53 +6534,6 @@
           </a:fontRef>
         </p:style>
       </p:cxnSp>
-      <p:cxnSp>
-        <p:nvCxnSpPr>
-          <p:cNvPr id="17" name="Connecteur droit avec flèche 16">
-            <a:extLst>
-              <a:ext uri="{FF2B5EF4-FFF2-40B4-BE49-F238E27FC236}">
-                <a16:creationId xmlns:a16="http://schemas.microsoft.com/office/drawing/2014/main" id="{8491FF6A-E7B4-4501-8D7D-A7CC206AB55F}"/>
-              </a:ext>
-            </a:extLst>
-          </p:cNvPr>
-          <p:cNvCxnSpPr>
-            <a:cxnSpLocks/>
-          </p:cNvCxnSpPr>
-          <p:nvPr/>
-        </p:nvCxnSpPr>
-        <p:spPr>
-          <a:xfrm flipH="1">
-            <a:off x="3281771" y="1139649"/>
-            <a:ext cx="5765" cy="492554"/>
-          </a:xfrm>
-          <a:prstGeom prst="straightConnector1">
-            <a:avLst/>
-          </a:prstGeom>
-          <a:ln w="38100" cap="flat" cmpd="sng" algn="ctr">
-            <a:solidFill>
-              <a:srgbClr val="00B050"/>
-            </a:solidFill>
-            <a:prstDash val="solid"/>
-            <a:round/>
-            <a:headEnd type="triangle" w="med" len="med"/>
-            <a:tailEnd type="none" w="med" len="med"/>
-          </a:ln>
-        </p:spPr>
-        <p:style>
-          <a:lnRef idx="0">
-            <a:scrgbClr r="0" g="0" b="0"/>
-          </a:lnRef>
-          <a:fillRef idx="0">
-            <a:scrgbClr r="0" g="0" b="0"/>
-          </a:fillRef>
-          <a:effectRef idx="0">
-            <a:scrgbClr r="0" g="0" b="0"/>
-          </a:effectRef>
-          <a:fontRef idx="minor">
-            <a:schemeClr val="tx1"/>
-          </a:fontRef>
-        </p:style>
-      </p:cxnSp>
       <p:sp>
         <p:nvSpPr>
           <p:cNvPr id="90" name="Rectangle 89">
@@ -7024,75 +6745,6 @@
                 </a:solidFill>
               </a:rPr>
               <a:t>24</a:t>
-            </a:r>
-          </a:p>
-        </p:txBody>
-      </p:sp>
-      <p:sp>
-        <p:nvSpPr>
-          <p:cNvPr id="74" name="Ellipse 73">
-            <a:extLst>
-              <a:ext uri="{FF2B5EF4-FFF2-40B4-BE49-F238E27FC236}">
-                <a16:creationId xmlns:a16="http://schemas.microsoft.com/office/drawing/2014/main" id="{5C450E3D-A8E2-49DA-B0FA-4D3C22FCA5F4}"/>
-              </a:ext>
-            </a:extLst>
-          </p:cNvPr>
-          <p:cNvSpPr/>
-          <p:nvPr/>
-        </p:nvSpPr>
-        <p:spPr>
-          <a:xfrm>
-            <a:off x="6982828" y="1623472"/>
-            <a:ext cx="490809" cy="286308"/>
-          </a:xfrm>
-          <a:prstGeom prst="ellipse">
-            <a:avLst/>
-          </a:prstGeom>
-          <a:solidFill>
-            <a:schemeClr val="bg2">
-              <a:lumMod val="90000"/>
-            </a:schemeClr>
-          </a:solidFill>
-        </p:spPr>
-        <p:style>
-          <a:lnRef idx="2">
-            <a:schemeClr val="accent1">
-              <a:shade val="50000"/>
-            </a:schemeClr>
-          </a:lnRef>
-          <a:fillRef idx="1">
-            <a:schemeClr val="accent1"/>
-          </a:fillRef>
-          <a:effectRef idx="0">
-            <a:schemeClr val="accent1"/>
-          </a:effectRef>
-          <a:fontRef idx="minor">
-            <a:schemeClr val="lt1"/>
-          </a:fontRef>
-        </p:style>
-        <p:txBody>
-          <a:bodyPr rtlCol="0" anchor="ctr"/>
-          <a:lstStyle/>
-          <a:p>
-            <a:pPr algn="ctr"/>
-            <a:r>
-              <a:rPr lang="fr-FR" sz="900" dirty="0">
-                <a:solidFill>
-                  <a:schemeClr val="tx1"/>
-                </a:solidFill>
-              </a:rPr>
-              <a:t>19</a:t>
-            </a:r>
-          </a:p>
-          <a:p>
-            <a:pPr algn="ctr"/>
-            <a:r>
-              <a:rPr lang="fr-FR" sz="900" dirty="0">
-                <a:solidFill>
-                  <a:schemeClr val="tx1"/>
-                </a:solidFill>
-              </a:rPr>
-              <a:t>RX</a:t>
             </a:r>
           </a:p>
         </p:txBody>
@@ -21660,14 +21312,14 @@
           <p:nvPr>
             <p:extLst>
               <p:ext uri="{D42A27DB-BD31-4B8C-83A1-F6EECF244321}">
-                <p14:modId xmlns:p14="http://schemas.microsoft.com/office/powerpoint/2010/main" val="1611915875"/>
+                <p14:modId xmlns:p14="http://schemas.microsoft.com/office/powerpoint/2010/main" val="2137859877"/>
               </p:ext>
             </p:extLst>
           </p:nvPr>
         </p:nvGraphicFramePr>
         <p:xfrm>
           <a:off x="673075" y="2614630"/>
-          <a:ext cx="8920480" cy="2804160"/>
+          <a:ext cx="9211154" cy="2651760"/>
         </p:xfrm>
         <a:graphic>
           <a:graphicData uri="http://schemas.openxmlformats.org/drawingml/2006/table">
@@ -21676,31 +21328,38 @@
                 <a:tableStyleId>{5C22544A-7EE6-4342-B048-85BDC9FD1C3A}</a:tableStyleId>
               </a:tblPr>
               <a:tblGrid>
-                <a:gridCol w="2369809">
+                <a:gridCol w="1872391">
                   <a:extLst>
                     <a:ext uri="{9D8B030D-6E8A-4147-A177-3AD203B41FA5}">
                       <a16:colId xmlns:a16="http://schemas.microsoft.com/office/drawing/2014/main" val="3246951078"/>
                     </a:ext>
                   </a:extLst>
                 </a:gridCol>
-                <a:gridCol w="1908821">
+                <a:gridCol w="2309563">
                   <a:extLst>
                     <a:ext uri="{9D8B030D-6E8A-4147-A177-3AD203B41FA5}">
                       <a16:colId xmlns:a16="http://schemas.microsoft.com/office/drawing/2014/main" val="4211024026"/>
                     </a:ext>
                   </a:extLst>
                 </a:gridCol>
-                <a:gridCol w="2272041">
+                <a:gridCol w="1491342">
                   <a:extLst>
                     <a:ext uri="{9D8B030D-6E8A-4147-A177-3AD203B41FA5}">
                       <a16:colId xmlns:a16="http://schemas.microsoft.com/office/drawing/2014/main" val="2407025767"/>
                     </a:ext>
                   </a:extLst>
                 </a:gridCol>
-                <a:gridCol w="2369809">
+                <a:gridCol w="1595362">
                   <a:extLst>
                     <a:ext uri="{9D8B030D-6E8A-4147-A177-3AD203B41FA5}">
                       <a16:colId xmlns:a16="http://schemas.microsoft.com/office/drawing/2014/main" val="657158528"/>
+                    </a:ext>
+                  </a:extLst>
+                </a:gridCol>
+                <a:gridCol w="1942496">
+                  <a:extLst>
+                    <a:ext uri="{9D8B030D-6E8A-4147-A177-3AD203B41FA5}">
+                      <a16:colId xmlns:a16="http://schemas.microsoft.com/office/drawing/2014/main" val="1152028134"/>
                     </a:ext>
                   </a:extLst>
                 </a:gridCol>
@@ -21762,6 +21421,20 @@
                   </a:txBody>
                   <a:tcPr/>
                 </a:tc>
+                <a:tc>
+                  <a:txBody>
+                    <a:bodyPr/>
+                    <a:lstStyle/>
+                    <a:p>
+                      <a:pPr algn="ctr"/>
+                      <a:r>
+                        <a:rPr lang="fr-FR" sz="1000" dirty="0"/>
+                        <a:t>SLEEP</a:t>
+                      </a:r>
+                    </a:p>
+                  </a:txBody>
+                  <a:tcPr/>
+                </a:tc>
                 <a:extLst>
                   <a:ext uri="{0D108BD9-81ED-4DB2-BD59-A6C34878D82A}">
                     <a16:rowId xmlns:a16="http://schemas.microsoft.com/office/drawing/2014/main" val="676936176"/>
@@ -21808,9 +21481,6 @@
                         <a:rPr lang="fr-FR" sz="1000" dirty="0"/>
                         <a:t>TAG_CMD (0x43 - ‘C’)</a:t>
                       </a:r>
-                    </a:p>
-                    <a:p>
-                      <a:endParaRPr lang="fr-FR" sz="1000" dirty="0"/>
                     </a:p>
                   </a:txBody>
                   <a:tcPr/>
@@ -21875,6 +21545,41 @@
                   </a:txBody>
                   <a:tcPr/>
                 </a:tc>
+                <a:tc>
+                  <a:txBody>
+                    <a:bodyPr/>
+                    <a:lstStyle/>
+                    <a:p>
+                      <a:pPr marL="0" marR="0" lvl="0" indent="0" algn="l" defTabSz="914400" rtl="0" eaLnBrk="1" fontAlgn="auto" latinLnBrk="0" hangingPunct="1">
+                        <a:lnSpc>
+                          <a:spcPct val="100000"/>
+                        </a:lnSpc>
+                        <a:spcBef>
+                          <a:spcPts val="0"/>
+                        </a:spcBef>
+                        <a:spcAft>
+                          <a:spcPts val="0"/>
+                        </a:spcAft>
+                        <a:buClrTx/>
+                        <a:buSzTx/>
+                        <a:buFontTx/>
+                        <a:buNone/>
+                        <a:tabLst/>
+                        <a:defRPr/>
+                      </a:pPr>
+                      <a:r>
+                        <a:rPr lang="fr-FR" sz="1000" dirty="0"/>
+                        <a:t>TAG_SLEEP (0x53 - ‘</a:t>
+                      </a:r>
+                      <a:r>
+                        <a:rPr lang="fr-FR" sz="1000"/>
+                        <a:t>S’)</a:t>
+                      </a:r>
+                      <a:endParaRPr lang="fr-FR" sz="1000" dirty="0"/>
+                    </a:p>
+                  </a:txBody>
+                  <a:tcPr/>
+                </a:tc>
                 <a:extLst>
                   <a:ext uri="{0D108BD9-81ED-4DB2-BD59-A6C34878D82A}">
                     <a16:rowId xmlns:a16="http://schemas.microsoft.com/office/drawing/2014/main" val="519764766"/>
@@ -21882,6 +21587,19 @@
                 </a:extLst>
               </a:tr>
               <a:tr h="0">
+                <a:tc>
+                  <a:txBody>
+                    <a:bodyPr/>
+                    <a:lstStyle/>
+                    <a:p>
+                      <a:r>
+                        <a:rPr lang="fr-FR" sz="1000" dirty="0"/>
+                        <a:t>0</a:t>
+                      </a:r>
+                    </a:p>
+                  </a:txBody>
+                  <a:tcPr/>
+                </a:tc>
                 <a:tc>
                   <a:txBody>
                     <a:bodyPr/>
@@ -22089,6 +21807,40 @@
                         <a:rPr lang="fr-FR" sz="1000" dirty="0" err="1"/>
                         <a:t>paramlen</a:t>
                       </a:r>
+                      <a:endParaRPr lang="fr-FR" sz="1000" dirty="0"/>
+                    </a:p>
+                  </a:txBody>
+                  <a:tcPr/>
+                </a:tc>
+                <a:tc>
+                  <a:txBody>
+                    <a:bodyPr/>
+                    <a:lstStyle/>
+                    <a:p>
+                      <a:pPr marL="0" marR="0" lvl="0" indent="0" algn="l" defTabSz="914400" rtl="0" eaLnBrk="1" fontAlgn="auto" latinLnBrk="0" hangingPunct="1">
+                        <a:lnSpc>
+                          <a:spcPct val="100000"/>
+                        </a:lnSpc>
+                        <a:spcBef>
+                          <a:spcPts val="0"/>
+                        </a:spcBef>
+                        <a:spcAft>
+                          <a:spcPts val="0"/>
+                        </a:spcAft>
+                        <a:buClrTx/>
+                        <a:buSzTx/>
+                        <a:buFontTx/>
+                        <a:buNone/>
+                        <a:tabLst/>
+                        <a:defRPr/>
+                      </a:pPr>
+                      <a:r>
+                        <a:rPr lang="fr-FR" sz="1000" dirty="0" err="1"/>
+                        <a:t>paramlen</a:t>
+                      </a:r>
+                      <a:endParaRPr lang="fr-FR" sz="1000" dirty="0"/>
+                    </a:p>
+                    <a:p>
                       <a:endParaRPr lang="fr-FR" sz="1000" dirty="0"/>
                     </a:p>
                   </a:txBody>

--- a/libraries/Diagramm Robot v2.pptx
+++ b/libraries/Diagramm Robot v2.pptx
@@ -114,7 +114,18 @@
   </p:defaultTextStyle>
   <p:extLst>
     <p:ext uri="{EFAFB233-063F-42B5-8137-9DF3F51BA10A}">
-      <p15:sldGuideLst xmlns:p15="http://schemas.microsoft.com/office/powerpoint/2012/main"/>
+      <p15:sldGuideLst xmlns:p15="http://schemas.microsoft.com/office/powerpoint/2012/main">
+        <p15:guide id="1" orient="horz" pos="2160">
+          <p15:clr>
+            <a:srgbClr val="A4A3A4"/>
+          </p15:clr>
+        </p15:guide>
+        <p15:guide id="2" pos="3840">
+          <p15:clr>
+            <a:srgbClr val="A4A3A4"/>
+          </p15:clr>
+        </p15:guide>
+      </p15:sldGuideLst>
     </p:ext>
   </p:extLst>
 </p:presentation>
@@ -267,7 +278,7 @@
           <a:p>
             <a:fld id="{0717AEF8-1597-4679-8926-916E82E12B07}" type="datetimeFigureOut">
               <a:rPr lang="fr-FR" smtClean="0"/>
-              <a:t>29/01/2019</a:t>
+              <a:t>14/02/2019</a:t>
             </a:fld>
             <a:endParaRPr lang="fr-FR"/>
           </a:p>
@@ -465,7 +476,7 @@
           <a:p>
             <a:fld id="{0717AEF8-1597-4679-8926-916E82E12B07}" type="datetimeFigureOut">
               <a:rPr lang="fr-FR" smtClean="0"/>
-              <a:t>29/01/2019</a:t>
+              <a:t>14/02/2019</a:t>
             </a:fld>
             <a:endParaRPr lang="fr-FR"/>
           </a:p>
@@ -673,7 +684,7 @@
           <a:p>
             <a:fld id="{0717AEF8-1597-4679-8926-916E82E12B07}" type="datetimeFigureOut">
               <a:rPr lang="fr-FR" smtClean="0"/>
-              <a:t>29/01/2019</a:t>
+              <a:t>14/02/2019</a:t>
             </a:fld>
             <a:endParaRPr lang="fr-FR"/>
           </a:p>
@@ -871,7 +882,7 @@
           <a:p>
             <a:fld id="{0717AEF8-1597-4679-8926-916E82E12B07}" type="datetimeFigureOut">
               <a:rPr lang="fr-FR" smtClean="0"/>
-              <a:t>29/01/2019</a:t>
+              <a:t>14/02/2019</a:t>
             </a:fld>
             <a:endParaRPr lang="fr-FR"/>
           </a:p>
@@ -1146,7 +1157,7 @@
           <a:p>
             <a:fld id="{0717AEF8-1597-4679-8926-916E82E12B07}" type="datetimeFigureOut">
               <a:rPr lang="fr-FR" smtClean="0"/>
-              <a:t>29/01/2019</a:t>
+              <a:t>14/02/2019</a:t>
             </a:fld>
             <a:endParaRPr lang="fr-FR"/>
           </a:p>
@@ -1411,7 +1422,7 @@
           <a:p>
             <a:fld id="{0717AEF8-1597-4679-8926-916E82E12B07}" type="datetimeFigureOut">
               <a:rPr lang="fr-FR" smtClean="0"/>
-              <a:t>29/01/2019</a:t>
+              <a:t>14/02/2019</a:t>
             </a:fld>
             <a:endParaRPr lang="fr-FR"/>
           </a:p>
@@ -1823,7 +1834,7 @@
           <a:p>
             <a:fld id="{0717AEF8-1597-4679-8926-916E82E12B07}" type="datetimeFigureOut">
               <a:rPr lang="fr-FR" smtClean="0"/>
-              <a:t>29/01/2019</a:t>
+              <a:t>14/02/2019</a:t>
             </a:fld>
             <a:endParaRPr lang="fr-FR"/>
           </a:p>
@@ -1964,7 +1975,7 @@
           <a:p>
             <a:fld id="{0717AEF8-1597-4679-8926-916E82E12B07}" type="datetimeFigureOut">
               <a:rPr lang="fr-FR" smtClean="0"/>
-              <a:t>29/01/2019</a:t>
+              <a:t>14/02/2019</a:t>
             </a:fld>
             <a:endParaRPr lang="fr-FR"/>
           </a:p>
@@ -2077,7 +2088,7 @@
           <a:p>
             <a:fld id="{0717AEF8-1597-4679-8926-916E82E12B07}" type="datetimeFigureOut">
               <a:rPr lang="fr-FR" smtClean="0"/>
-              <a:t>29/01/2019</a:t>
+              <a:t>14/02/2019</a:t>
             </a:fld>
             <a:endParaRPr lang="fr-FR"/>
           </a:p>
@@ -2388,7 +2399,7 @@
           <a:p>
             <a:fld id="{0717AEF8-1597-4679-8926-916E82E12B07}" type="datetimeFigureOut">
               <a:rPr lang="fr-FR" smtClean="0"/>
-              <a:t>29/01/2019</a:t>
+              <a:t>14/02/2019</a:t>
             </a:fld>
             <a:endParaRPr lang="fr-FR"/>
           </a:p>
@@ -2676,7 +2687,7 @@
           <a:p>
             <a:fld id="{0717AEF8-1597-4679-8926-916E82E12B07}" type="datetimeFigureOut">
               <a:rPr lang="fr-FR" smtClean="0"/>
-              <a:t>29/01/2019</a:t>
+              <a:t>14/02/2019</a:t>
             </a:fld>
             <a:endParaRPr lang="fr-FR"/>
           </a:p>
@@ -2917,7 +2928,7 @@
           <a:p>
             <a:fld id="{0717AEF8-1597-4679-8926-916E82E12B07}" type="datetimeFigureOut">
               <a:rPr lang="fr-FR" smtClean="0"/>
-              <a:t>29/01/2019</a:t>
+              <a:t>14/02/2019</a:t>
             </a:fld>
             <a:endParaRPr lang="fr-FR"/>
           </a:p>
@@ -3348,7 +3359,7 @@
         </p:nvSpPr>
         <p:spPr>
           <a:xfrm>
-            <a:off x="3875970" y="4429419"/>
+            <a:off x="3875970" y="4269615"/>
             <a:ext cx="1792296" cy="1039716"/>
           </a:xfrm>
           <a:prstGeom prst="cloud">
@@ -3410,7 +3421,7 @@
         </p:nvSpPr>
         <p:spPr>
           <a:xfrm>
-            <a:off x="2670047" y="3772336"/>
+            <a:off x="2670047" y="3612532"/>
             <a:ext cx="1792296" cy="1039716"/>
           </a:xfrm>
           <a:prstGeom prst="cloud">
@@ -3472,7 +3483,7 @@
         </p:nvSpPr>
         <p:spPr>
           <a:xfrm>
-            <a:off x="2508919" y="1708426"/>
+            <a:off x="2508919" y="1548622"/>
             <a:ext cx="1792296" cy="1039716"/>
           </a:xfrm>
           <a:prstGeom prst="cloud">
@@ -3534,7 +3545,7 @@
         </p:nvSpPr>
         <p:spPr>
           <a:xfrm>
-            <a:off x="4658175" y="3230798"/>
+            <a:off x="4658175" y="3070994"/>
             <a:ext cx="4969601" cy="1083076"/>
           </a:xfrm>
           <a:prstGeom prst="rect">
@@ -3583,7 +3594,7 @@
         </p:nvSpPr>
         <p:spPr>
           <a:xfrm>
-            <a:off x="6241003" y="844780"/>
+            <a:off x="6241003" y="684976"/>
             <a:ext cx="3147072" cy="1168912"/>
           </a:xfrm>
           <a:prstGeom prst="rect">
@@ -3668,7 +3679,7 @@
         </p:nvSpPr>
         <p:spPr>
           <a:xfrm>
-            <a:off x="4059133" y="151811"/>
+            <a:off x="4059133" y="-7993"/>
             <a:ext cx="1613465" cy="1562212"/>
           </a:xfrm>
           <a:prstGeom prst="cloud">
@@ -3734,7 +3745,7 @@
         </p:nvCxnSpPr>
         <p:spPr>
           <a:xfrm>
-            <a:off x="7252915" y="2276808"/>
+            <a:off x="7252915" y="2117004"/>
             <a:ext cx="7846" cy="735771"/>
           </a:xfrm>
           <a:prstGeom prst="straightConnector1">
@@ -3779,7 +3790,7 @@
         </p:nvSpPr>
         <p:spPr>
           <a:xfrm>
-            <a:off x="6896515" y="2237306"/>
+            <a:off x="6896515" y="2077502"/>
             <a:ext cx="867079" cy="307777"/>
           </a:xfrm>
           <a:prstGeom prst="rect">
@@ -3818,7 +3829,7 @@
         </p:nvCxnSpPr>
         <p:spPr>
           <a:xfrm flipH="1">
-            <a:off x="8129455" y="2333012"/>
+            <a:off x="8129455" y="2173208"/>
             <a:ext cx="5057" cy="539540"/>
           </a:xfrm>
           <a:prstGeom prst="straightConnector1">
@@ -3866,7 +3877,7 @@
         </p:nvCxnSpPr>
         <p:spPr>
           <a:xfrm>
-            <a:off x="8994071" y="2305226"/>
+            <a:off x="8994071" y="2145422"/>
             <a:ext cx="5057" cy="523220"/>
           </a:xfrm>
           <a:prstGeom prst="straightConnector1">
@@ -3911,7 +3922,7 @@
         </p:nvSpPr>
         <p:spPr>
           <a:xfrm>
-            <a:off x="9108378" y="1842994"/>
+            <a:off x="9108378" y="1683190"/>
             <a:ext cx="1705208" cy="523220"/>
           </a:xfrm>
           <a:prstGeom prst="rect">
@@ -3957,7 +3968,7 @@
         </p:nvCxnSpPr>
         <p:spPr>
           <a:xfrm>
-            <a:off x="926747" y="462631"/>
+            <a:off x="926747" y="302827"/>
             <a:ext cx="6887792" cy="382149"/>
           </a:xfrm>
           <a:prstGeom prst="curvedConnector2">
@@ -4001,7 +4012,7 @@
           <p:nvPr/>
         </p:nvPicPr>
         <p:blipFill>
-          <a:blip r:embed="rId2">
+          <a:blip r:embed="rId2" cstate="print">
             <a:extLst>
               <a:ext uri="{28A0092B-C50C-407E-A947-70E740481C1C}">
                 <a14:useLocalDpi xmlns:a14="http://schemas.microsoft.com/office/drawing/2010/main" val="0"/>
@@ -4017,7 +4028,7 @@
         </p:blipFill>
         <p:spPr>
           <a:xfrm>
-            <a:off x="63757" y="94209"/>
+            <a:off x="63757" y="-65595"/>
             <a:ext cx="1219778" cy="1219778"/>
           </a:xfrm>
           <a:prstGeom prst="rect">
@@ -4039,7 +4050,7 @@
         </p:nvSpPr>
         <p:spPr>
           <a:xfrm>
-            <a:off x="6766438" y="281350"/>
+            <a:off x="6766438" y="121546"/>
             <a:ext cx="1205779" cy="461665"/>
           </a:xfrm>
           <a:prstGeom prst="rect">
@@ -4090,7 +4101,7 @@
         </p:nvSpPr>
         <p:spPr>
           <a:xfrm>
-            <a:off x="7714205" y="1736693"/>
+            <a:off x="7714205" y="1576889"/>
             <a:ext cx="800155" cy="276999"/>
           </a:xfrm>
           <a:prstGeom prst="rect">
@@ -4134,7 +4145,7 @@
         </p:nvSpPr>
         <p:spPr>
           <a:xfrm>
-            <a:off x="8604415" y="1736693"/>
+            <a:off x="8604415" y="1576889"/>
             <a:ext cx="783676" cy="276999"/>
           </a:xfrm>
           <a:prstGeom prst="rect">
@@ -4178,7 +4189,7 @@
         </p:nvSpPr>
         <p:spPr>
           <a:xfrm>
-            <a:off x="7119115" y="2010481"/>
+            <a:off x="7119115" y="1850677"/>
             <a:ext cx="267599" cy="266327"/>
           </a:xfrm>
           <a:prstGeom prst="ellipse">
@@ -4232,7 +4243,7 @@
         </p:nvSpPr>
         <p:spPr>
           <a:xfrm>
-            <a:off x="8734244" y="2010481"/>
+            <a:off x="8734244" y="1850677"/>
             <a:ext cx="519653" cy="294745"/>
           </a:xfrm>
           <a:prstGeom prst="ellipse">
@@ -4293,7 +4304,7 @@
         </p:nvSpPr>
         <p:spPr>
           <a:xfrm>
-            <a:off x="7847859" y="2025235"/>
+            <a:off x="7847859" y="1865431"/>
             <a:ext cx="573305" cy="307777"/>
           </a:xfrm>
           <a:prstGeom prst="ellipse">
@@ -4354,14 +4365,14 @@
         </p:nvSpPr>
         <p:spPr>
           <a:xfrm>
-            <a:off x="6241004" y="5469135"/>
-            <a:ext cx="3190460" cy="1168912"/>
+            <a:off x="6241004" y="5309331"/>
+            <a:ext cx="3190460" cy="1307578"/>
           </a:xfrm>
           <a:prstGeom prst="rect">
             <a:avLst/>
           </a:prstGeom>
           <a:solidFill>
-            <a:srgbClr val="FF0000"/>
+            <a:srgbClr val="00B0F0"/>
           </a:solidFill>
         </p:spPr>
         <p:style>
@@ -4386,7 +4397,13 @@
           <a:p>
             <a:r>
               <a:rPr lang="fr-FR" dirty="0"/>
-              <a:t>ESP8266</a:t>
+              <a:t>ESP8266 </a:t>
+            </a:r>
+          </a:p>
+          <a:p>
+            <a:r>
+              <a:rPr lang="fr-FR" dirty="0"/>
+              <a:t>HUZZAH</a:t>
             </a:r>
           </a:p>
           <a:p>
@@ -4403,7 +4420,7 @@
             </a:r>
             <a:r>
               <a:rPr lang="en-US" sz="900" i="1" dirty="0"/>
-              <a:t>18:FE:34:F1:75:BE</a:t>
+              <a:t>EC:FA:BC:05:65:B8</a:t>
             </a:r>
           </a:p>
           <a:p>
@@ -4413,11 +4430,8 @@
             </a:r>
             <a:r>
               <a:rPr lang="fr-FR" sz="900" i="1" dirty="0"/>
-              <a:t>192.168.0.31</a:t>
-            </a:r>
-            <a:endParaRPr lang="en-US" sz="900" i="1" dirty="0"/>
-          </a:p>
-          <a:p>
+              <a:t>192.168.0.32</a:t>
+            </a:r>
             <a:endParaRPr lang="fr-FR" i="1" dirty="0"/>
           </a:p>
         </p:txBody>
@@ -4440,8 +4454,8 @@
         </p:nvCxnSpPr>
         <p:spPr>
           <a:xfrm flipH="1">
-            <a:off x="9023436" y="4670964"/>
-            <a:ext cx="1" cy="361870"/>
+            <a:off x="9036281" y="4511160"/>
+            <a:ext cx="4912" cy="436190"/>
           </a:xfrm>
           <a:prstGeom prst="straightConnector1">
             <a:avLst/>
@@ -4485,7 +4499,7 @@
         </p:nvSpPr>
         <p:spPr>
           <a:xfrm>
-            <a:off x="9319456" y="4211152"/>
+            <a:off x="9319456" y="4051348"/>
             <a:ext cx="1291138" cy="523220"/>
           </a:xfrm>
           <a:prstGeom prst="rect">
@@ -4528,7 +4542,7 @@
         </p:nvSpPr>
         <p:spPr>
           <a:xfrm>
-            <a:off x="8612035" y="5482141"/>
+            <a:off x="8612035" y="5322337"/>
             <a:ext cx="783676" cy="276999"/>
           </a:xfrm>
           <a:prstGeom prst="rect">
@@ -4572,8 +4586,8 @@
         </p:nvSpPr>
         <p:spPr>
           <a:xfrm>
-            <a:off x="8693277" y="5032834"/>
-            <a:ext cx="660318" cy="404743"/>
+            <a:off x="8746545" y="4947350"/>
+            <a:ext cx="579471" cy="348179"/>
           </a:xfrm>
           <a:prstGeom prst="ellipse">
             <a:avLst/>
@@ -4614,7 +4628,7 @@
             <a:pPr algn="ctr"/>
             <a:r>
               <a:rPr lang="fr-FR" sz="900" dirty="0"/>
-              <a:t>RX0</a:t>
+              <a:t>RX</a:t>
             </a:r>
           </a:p>
         </p:txBody>
@@ -4633,7 +4647,7 @@
         </p:nvSpPr>
         <p:spPr>
           <a:xfrm>
-            <a:off x="192853" y="1770449"/>
+            <a:off x="192853" y="1610645"/>
             <a:ext cx="1974057" cy="3453347"/>
           </a:xfrm>
           <a:prstGeom prst="rect">
@@ -4785,8 +4799,8 @@
         </p:nvCxnSpPr>
         <p:spPr>
           <a:xfrm rot="10800000">
-            <a:off x="2166910" y="3497123"/>
-            <a:ext cx="4074094" cy="2556468"/>
+            <a:off x="2166910" y="3337320"/>
+            <a:ext cx="4074094" cy="2625801"/>
           </a:xfrm>
           <a:prstGeom prst="curvedConnector3">
             <a:avLst>
@@ -4829,7 +4843,7 @@
         </p:nvSpPr>
         <p:spPr>
           <a:xfrm>
-            <a:off x="2112705" y="3237335"/>
+            <a:off x="2112705" y="3077531"/>
             <a:ext cx="1558290" cy="646331"/>
           </a:xfrm>
           <a:prstGeom prst="rect">
@@ -4889,7 +4903,7 @@
         </p:nvSpPr>
         <p:spPr>
           <a:xfrm>
-            <a:off x="7748735" y="3161887"/>
+            <a:off x="7748735" y="3002083"/>
             <a:ext cx="783676" cy="276999"/>
           </a:xfrm>
           <a:prstGeom prst="rect">
@@ -4933,7 +4947,7 @@
         </p:nvSpPr>
         <p:spPr>
           <a:xfrm>
-            <a:off x="8564951" y="3164795"/>
+            <a:off x="8564951" y="3004991"/>
             <a:ext cx="800155" cy="276999"/>
           </a:xfrm>
           <a:prstGeom prst="rect">
@@ -4977,7 +4991,7 @@
         </p:nvSpPr>
         <p:spPr>
           <a:xfrm>
-            <a:off x="8626772" y="4046942"/>
+            <a:off x="8626772" y="3887138"/>
             <a:ext cx="800155" cy="276999"/>
           </a:xfrm>
           <a:prstGeom prst="rect">
@@ -5021,7 +5035,7 @@
         </p:nvSpPr>
         <p:spPr>
           <a:xfrm>
-            <a:off x="6963707" y="3012579"/>
+            <a:off x="6963707" y="2852775"/>
             <a:ext cx="594107" cy="416421"/>
           </a:xfrm>
           <a:prstGeom prst="ellipse">
@@ -5082,7 +5096,7 @@
         </p:nvSpPr>
         <p:spPr>
           <a:xfrm>
-            <a:off x="7900400" y="2872552"/>
+            <a:off x="7900400" y="2712748"/>
             <a:ext cx="458109" cy="348179"/>
           </a:xfrm>
           <a:prstGeom prst="ellipse">
@@ -5143,7 +5157,7 @@
         </p:nvSpPr>
         <p:spPr>
           <a:xfrm>
-            <a:off x="8731551" y="2847516"/>
+            <a:off x="8731551" y="2687712"/>
             <a:ext cx="508204" cy="348179"/>
           </a:xfrm>
           <a:prstGeom prst="ellipse">
@@ -5204,7 +5218,7 @@
         </p:nvSpPr>
         <p:spPr>
           <a:xfrm>
-            <a:off x="8733701" y="4322785"/>
+            <a:off x="8751457" y="4162981"/>
             <a:ext cx="579471" cy="348179"/>
           </a:xfrm>
           <a:prstGeom prst="ellipse">
@@ -5265,7 +5279,7 @@
         </p:nvSpPr>
         <p:spPr>
           <a:xfrm>
-            <a:off x="9085409" y="2735431"/>
+            <a:off x="9085409" y="2575627"/>
             <a:ext cx="1705208" cy="523220"/>
           </a:xfrm>
           <a:prstGeom prst="rect">
@@ -5308,7 +5322,7 @@
         </p:nvSpPr>
         <p:spPr>
           <a:xfrm>
-            <a:off x="9112421" y="5083260"/>
+            <a:off x="9400084" y="4681336"/>
             <a:ext cx="1705208" cy="954107"/>
           </a:xfrm>
           <a:prstGeom prst="rect">
@@ -5338,17 +5352,6 @@
           <a:p>
             <a:pPr algn="ctr"/>
             <a:r>
-              <a:rPr lang="fr-FR" sz="1400" dirty="0" err="1"/>
-              <a:t>Only</a:t>
-            </a:r>
-            <a:r>
-              <a:rPr lang="fr-FR" sz="1400" dirty="0"/>
-              <a:t> RX</a:t>
-            </a:r>
-          </a:p>
-          <a:p>
-            <a:pPr algn="ctr"/>
-            <a:r>
               <a:rPr lang="fr-FR" sz="1400" dirty="0"/>
               <a:t>(</a:t>
             </a:r>
@@ -5358,6 +5361,26 @@
             </a:r>
             <a:r>
               <a:rPr lang="fr-FR" sz="1400" dirty="0"/>
+              <a:t> to </a:t>
+            </a:r>
+            <a:r>
+              <a:rPr lang="fr-FR" sz="1400" dirty="0" err="1"/>
+              <a:t>avoid</a:t>
+            </a:r>
+            <a:endParaRPr lang="fr-FR" sz="1400" dirty="0"/>
+          </a:p>
+          <a:p>
+            <a:pPr algn="ctr"/>
+            <a:r>
+              <a:rPr lang="fr-FR" sz="1400" dirty="0"/>
+              <a:t> init </a:t>
+            </a:r>
+            <a:r>
+              <a:rPr lang="fr-FR" sz="1400" dirty="0" err="1"/>
+              <a:t>logging</a:t>
+            </a:r>
+            <a:r>
+              <a:rPr lang="fr-FR" sz="1400" dirty="0"/>
               <a:t>)</a:t>
             </a:r>
           </a:p>
@@ -5377,7 +5400,7 @@
         </p:nvSpPr>
         <p:spPr>
           <a:xfrm>
-            <a:off x="2438088" y="5635539"/>
+            <a:off x="2438088" y="5475735"/>
             <a:ext cx="3531736" cy="261610"/>
           </a:xfrm>
           <a:prstGeom prst="rect">
@@ -5416,7 +5439,7 @@
         </p:nvSpPr>
         <p:spPr>
           <a:xfrm>
-            <a:off x="2446077" y="5811837"/>
+            <a:off x="2446077" y="5652033"/>
             <a:ext cx="3849131" cy="261610"/>
           </a:xfrm>
           <a:prstGeom prst="rect">
@@ -5450,7 +5473,7 @@
         </p:nvSpPr>
         <p:spPr>
           <a:xfrm>
-            <a:off x="3711826" y="5982460"/>
+            <a:off x="3711826" y="5822656"/>
             <a:ext cx="2283681" cy="600164"/>
           </a:xfrm>
           <a:prstGeom prst="rect">
@@ -5496,7 +5519,7 @@
         </p:nvSpPr>
         <p:spPr>
           <a:xfrm>
-            <a:off x="4370642" y="5407389"/>
+            <a:off x="4370642" y="5247585"/>
             <a:ext cx="990449" cy="369332"/>
           </a:xfrm>
           <a:prstGeom prst="rect">
@@ -5531,7 +5554,7 @@
         </p:nvSpPr>
         <p:spPr>
           <a:xfrm>
-            <a:off x="8781967" y="958545"/>
+            <a:off x="8781967" y="798741"/>
             <a:ext cx="352991" cy="327021"/>
           </a:xfrm>
           <a:prstGeom prst="flowChartSummingJunction">
@@ -5583,8 +5606,8 @@
         </p:nvSpPr>
         <p:spPr>
           <a:xfrm>
-            <a:off x="8817574" y="6151363"/>
-            <a:ext cx="352991" cy="304861"/>
+            <a:off x="7732596" y="5692399"/>
+            <a:ext cx="656524" cy="428838"/>
           </a:xfrm>
           <a:prstGeom prst="flowChartSummingJunction">
             <a:avLst/>
@@ -5616,7 +5639,7 @@
             <a:pPr algn="ctr"/>
             <a:r>
               <a:rPr lang="fr-FR" dirty="0"/>
-              <a:t>5</a:t>
+              <a:t>12</a:t>
             </a:r>
           </a:p>
         </p:txBody>
@@ -5635,7 +5658,7 @@
         </p:nvSpPr>
         <p:spPr>
           <a:xfrm>
-            <a:off x="275208" y="5696690"/>
+            <a:off x="275208" y="5536886"/>
             <a:ext cx="1245457" cy="1080023"/>
           </a:xfrm>
           <a:prstGeom prst="can">
@@ -5703,7 +5726,7 @@
         </p:nvCxnSpPr>
         <p:spPr>
           <a:xfrm rot="5400000">
-            <a:off x="802463" y="5319271"/>
+            <a:off x="802463" y="5159467"/>
             <a:ext cx="472894" cy="281945"/>
           </a:xfrm>
           <a:prstGeom prst="bentConnector3">
@@ -5742,7 +5765,7 @@
         </p:nvSpPr>
         <p:spPr>
           <a:xfrm>
-            <a:off x="926763" y="567317"/>
+            <a:off x="926763" y="407513"/>
             <a:ext cx="2185767" cy="1932692"/>
           </a:xfrm>
           <a:custGeom>
@@ -5857,7 +5880,7 @@
         </p:nvSpPr>
         <p:spPr>
           <a:xfrm>
-            <a:off x="1641541" y="1163661"/>
+            <a:off x="1641541" y="1003857"/>
             <a:ext cx="2285540" cy="646331"/>
           </a:xfrm>
           <a:prstGeom prst="rect">
@@ -5906,7 +5929,7 @@
         </p:nvSpPr>
         <p:spPr>
           <a:xfrm>
-            <a:off x="6105728" y="3009668"/>
+            <a:off x="6105728" y="2849864"/>
             <a:ext cx="817389" cy="416421"/>
           </a:xfrm>
           <a:prstGeom prst="ellipse">
@@ -5960,7 +5983,7 @@
         </p:nvSpPr>
         <p:spPr>
           <a:xfrm>
-            <a:off x="6092687" y="2009080"/>
+            <a:off x="6092687" y="1849276"/>
             <a:ext cx="817389" cy="416421"/>
           </a:xfrm>
           <a:prstGeom prst="ellipse">
@@ -6017,7 +6040,7 @@
         </p:nvCxnSpPr>
         <p:spPr>
           <a:xfrm>
-            <a:off x="6514422" y="2436651"/>
+            <a:off x="6514422" y="2276847"/>
             <a:ext cx="1" cy="573017"/>
           </a:xfrm>
           <a:prstGeom prst="straightConnector1">
@@ -6062,7 +6085,7 @@
         </p:nvSpPr>
         <p:spPr>
           <a:xfrm>
-            <a:off x="6103641" y="5058750"/>
+            <a:off x="6103641" y="4898946"/>
             <a:ext cx="817389" cy="416421"/>
           </a:xfrm>
           <a:prstGeom prst="ellipse">
@@ -6116,7 +6139,7 @@
         </p:nvSpPr>
         <p:spPr>
           <a:xfrm>
-            <a:off x="6090600" y="4058162"/>
+            <a:off x="6090600" y="3898358"/>
             <a:ext cx="817389" cy="416421"/>
           </a:xfrm>
           <a:prstGeom prst="ellipse">
@@ -6173,7 +6196,7 @@
         </p:nvCxnSpPr>
         <p:spPr>
           <a:xfrm>
-            <a:off x="6512335" y="4485733"/>
+            <a:off x="6512335" y="4325929"/>
             <a:ext cx="1" cy="573017"/>
           </a:xfrm>
           <a:prstGeom prst="straightConnector1">
@@ -6218,7 +6241,7 @@
         </p:nvSpPr>
         <p:spPr>
           <a:xfrm>
-            <a:off x="7033000" y="4058162"/>
+            <a:off x="7033000" y="3898358"/>
             <a:ext cx="594107" cy="416421"/>
           </a:xfrm>
           <a:prstGeom prst="ellipse">
@@ -6272,7 +6295,7 @@
         </p:nvSpPr>
         <p:spPr>
           <a:xfrm>
-            <a:off x="7050760" y="5044639"/>
+            <a:off x="7050760" y="4884835"/>
             <a:ext cx="536619" cy="416420"/>
           </a:xfrm>
           <a:prstGeom prst="ellipse">
@@ -6330,7 +6353,7 @@
         </p:nvCxnSpPr>
         <p:spPr>
           <a:xfrm flipH="1">
-            <a:off x="7319070" y="4474583"/>
+            <a:off x="7319070" y="4314779"/>
             <a:ext cx="10984" cy="570056"/>
           </a:xfrm>
           <a:prstGeom prst="straightConnector1">
@@ -6361,6 +6384,633 @@
           </a:fontRef>
         </p:style>
       </p:cxnSp>
+      <p:sp>
+        <p:nvSpPr>
+          <p:cNvPr id="58" name="Rectangle 57">
+            <a:extLst>
+              <a:ext uri="{FF2B5EF4-FFF2-40B4-BE49-F238E27FC236}">
+                <a16:creationId xmlns:a16="http://schemas.microsoft.com/office/drawing/2014/main" id="{9A8EC028-2BAC-436C-8308-B4AA26EED732}"/>
+              </a:ext>
+            </a:extLst>
+          </p:cNvPr>
+          <p:cNvSpPr/>
+          <p:nvPr/>
+        </p:nvSpPr>
+        <p:spPr>
+          <a:xfrm>
+            <a:off x="7804260" y="5314349"/>
+            <a:ext cx="800155" cy="276999"/>
+          </a:xfrm>
+          <a:prstGeom prst="rect">
+            <a:avLst/>
+          </a:prstGeom>
+          <a:solidFill>
+            <a:schemeClr val="accent2">
+              <a:lumMod val="60000"/>
+              <a:lumOff val="40000"/>
+            </a:schemeClr>
+          </a:solidFill>
+        </p:spPr>
+        <p:txBody>
+          <a:bodyPr wrap="none">
+            <a:spAutoFit/>
+          </a:bodyPr>
+          <a:lstStyle/>
+          <a:p>
+            <a:r>
+              <a:rPr lang="fr-FR" sz="1200" dirty="0" err="1"/>
+              <a:t>IOTSsend</a:t>
+            </a:r>
+            <a:r>
+              <a:rPr lang="fr-FR" sz="1200" dirty="0"/>
+              <a:t> </a:t>
+            </a:r>
+          </a:p>
+        </p:txBody>
+      </p:sp>
+      <p:sp>
+        <p:nvSpPr>
+          <p:cNvPr id="65" name="Ellipse 64">
+            <a:extLst>
+              <a:ext uri="{FF2B5EF4-FFF2-40B4-BE49-F238E27FC236}">
+                <a16:creationId xmlns:a16="http://schemas.microsoft.com/office/drawing/2014/main" id="{EFC51614-B164-4D83-9FDD-D47FB5D91F73}"/>
+              </a:ext>
+            </a:extLst>
+          </p:cNvPr>
+          <p:cNvSpPr/>
+          <p:nvPr/>
+        </p:nvSpPr>
+        <p:spPr>
+          <a:xfrm>
+            <a:off x="7942772" y="4947805"/>
+            <a:ext cx="579471" cy="348179"/>
+          </a:xfrm>
+          <a:prstGeom prst="ellipse">
+            <a:avLst/>
+          </a:prstGeom>
+          <a:solidFill>
+            <a:schemeClr val="bg2">
+              <a:lumMod val="90000"/>
+            </a:schemeClr>
+          </a:solidFill>
+        </p:spPr>
+        <p:style>
+          <a:lnRef idx="2">
+            <a:schemeClr val="accent1">
+              <a:shade val="50000"/>
+            </a:schemeClr>
+          </a:lnRef>
+          <a:fillRef idx="1">
+            <a:schemeClr val="accent1"/>
+          </a:fillRef>
+          <a:effectRef idx="0">
+            <a:schemeClr val="accent1"/>
+          </a:effectRef>
+          <a:fontRef idx="minor">
+            <a:schemeClr val="lt1"/>
+          </a:fontRef>
+        </p:style>
+        <p:txBody>
+          <a:bodyPr rtlCol="0" anchor="ctr"/>
+          <a:lstStyle/>
+          <a:p>
+            <a:pPr algn="ctr"/>
+            <a:r>
+              <a:rPr lang="fr-FR" sz="900" dirty="0"/>
+              <a:t>15</a:t>
+            </a:r>
+          </a:p>
+          <a:p>
+            <a:pPr algn="ctr"/>
+            <a:r>
+              <a:rPr lang="fr-FR" sz="900" dirty="0"/>
+              <a:t>TX</a:t>
+            </a:r>
+          </a:p>
+        </p:txBody>
+      </p:sp>
+      <p:sp>
+        <p:nvSpPr>
+          <p:cNvPr id="77" name="Ellipse 76">
+            <a:extLst>
+              <a:ext uri="{FF2B5EF4-FFF2-40B4-BE49-F238E27FC236}">
+                <a16:creationId xmlns:a16="http://schemas.microsoft.com/office/drawing/2014/main" id="{5025FBF9-382D-44B9-B8F0-7AC0483C2FBF}"/>
+              </a:ext>
+            </a:extLst>
+          </p:cNvPr>
+          <p:cNvSpPr/>
+          <p:nvPr/>
+        </p:nvSpPr>
+        <p:spPr>
+          <a:xfrm>
+            <a:off x="7908855" y="4162981"/>
+            <a:ext cx="579471" cy="348179"/>
+          </a:xfrm>
+          <a:prstGeom prst="ellipse">
+            <a:avLst/>
+          </a:prstGeom>
+          <a:solidFill>
+            <a:schemeClr val="bg2">
+              <a:lumMod val="90000"/>
+            </a:schemeClr>
+          </a:solidFill>
+        </p:spPr>
+        <p:style>
+          <a:lnRef idx="2">
+            <a:schemeClr val="accent1">
+              <a:shade val="50000"/>
+            </a:schemeClr>
+          </a:lnRef>
+          <a:fillRef idx="1">
+            <a:schemeClr val="accent1"/>
+          </a:fillRef>
+          <a:effectRef idx="0">
+            <a:schemeClr val="accent1"/>
+          </a:effectRef>
+          <a:fontRef idx="minor">
+            <a:schemeClr val="lt1"/>
+          </a:fontRef>
+        </p:style>
+        <p:txBody>
+          <a:bodyPr rtlCol="0" anchor="ctr"/>
+          <a:lstStyle/>
+          <a:p>
+            <a:pPr algn="ctr"/>
+            <a:r>
+              <a:rPr lang="fr-FR" sz="900" dirty="0"/>
+              <a:t>19</a:t>
+            </a:r>
+          </a:p>
+          <a:p>
+            <a:pPr algn="ctr"/>
+            <a:r>
+              <a:rPr lang="fr-FR" sz="900" dirty="0"/>
+              <a:t>RX</a:t>
+            </a:r>
+          </a:p>
+        </p:txBody>
+      </p:sp>
+      <p:cxnSp>
+        <p:nvCxnSpPr>
+          <p:cNvPr id="79" name="Connecteur droit avec flèche 78">
+            <a:extLst>
+              <a:ext uri="{FF2B5EF4-FFF2-40B4-BE49-F238E27FC236}">
+                <a16:creationId xmlns:a16="http://schemas.microsoft.com/office/drawing/2014/main" id="{608696CE-01E7-4337-BE4D-05F3F007FF08}"/>
+              </a:ext>
+            </a:extLst>
+          </p:cNvPr>
+          <p:cNvCxnSpPr>
+            <a:cxnSpLocks/>
+          </p:cNvCxnSpPr>
+          <p:nvPr/>
+        </p:nvCxnSpPr>
+        <p:spPr>
+          <a:xfrm flipH="1">
+            <a:off x="8230051" y="4511160"/>
+            <a:ext cx="4912" cy="436190"/>
+          </a:xfrm>
+          <a:prstGeom prst="straightConnector1">
+            <a:avLst/>
+          </a:prstGeom>
+          <a:ln w="38100" cap="flat" cmpd="sng" algn="ctr">
+            <a:solidFill>
+              <a:srgbClr val="00B050"/>
+            </a:solidFill>
+            <a:prstDash val="solid"/>
+            <a:round/>
+            <a:headEnd type="triangle" w="med" len="med"/>
+            <a:tailEnd type="none" w="med" len="med"/>
+          </a:ln>
+        </p:spPr>
+        <p:style>
+          <a:lnRef idx="0">
+            <a:scrgbClr r="0" g="0" b="0"/>
+          </a:lnRef>
+          <a:fillRef idx="0">
+            <a:scrgbClr r="0" g="0" b="0"/>
+          </a:fillRef>
+          <a:effectRef idx="0">
+            <a:scrgbClr r="0" g="0" b="0"/>
+          </a:effectRef>
+          <a:fontRef idx="minor">
+            <a:schemeClr val="tx1"/>
+          </a:fontRef>
+        </p:style>
+      </p:cxnSp>
+      <p:sp>
+        <p:nvSpPr>
+          <p:cNvPr id="80" name="Ellipse 79">
+            <a:extLst>
+              <a:ext uri="{FF2B5EF4-FFF2-40B4-BE49-F238E27FC236}">
+                <a16:creationId xmlns:a16="http://schemas.microsoft.com/office/drawing/2014/main" id="{E58749D6-8C4B-44E0-B786-7A867CE9BBC7}"/>
+              </a:ext>
+            </a:extLst>
+          </p:cNvPr>
+          <p:cNvSpPr/>
+          <p:nvPr/>
+        </p:nvSpPr>
+        <p:spPr>
+          <a:xfrm>
+            <a:off x="8830893" y="6266633"/>
+            <a:ext cx="579471" cy="348179"/>
+          </a:xfrm>
+          <a:prstGeom prst="ellipse">
+            <a:avLst/>
+          </a:prstGeom>
+          <a:solidFill>
+            <a:schemeClr val="bg2">
+              <a:lumMod val="90000"/>
+            </a:schemeClr>
+          </a:solidFill>
+        </p:spPr>
+        <p:style>
+          <a:lnRef idx="2">
+            <a:schemeClr val="accent1">
+              <a:shade val="50000"/>
+            </a:schemeClr>
+          </a:lnRef>
+          <a:fillRef idx="1">
+            <a:schemeClr val="accent1"/>
+          </a:fillRef>
+          <a:effectRef idx="0">
+            <a:schemeClr val="accent1"/>
+          </a:effectRef>
+          <a:fontRef idx="minor">
+            <a:schemeClr val="lt1"/>
+          </a:fontRef>
+        </p:style>
+        <p:txBody>
+          <a:bodyPr rtlCol="0" anchor="ctr"/>
+          <a:lstStyle/>
+          <a:p>
+            <a:pPr algn="ctr"/>
+            <a:r>
+              <a:rPr lang="fr-FR" sz="900" dirty="0"/>
+              <a:t>2</a:t>
+            </a:r>
+          </a:p>
+          <a:p>
+            <a:pPr algn="ctr"/>
+            <a:r>
+              <a:rPr lang="fr-FR" sz="900" dirty="0"/>
+              <a:t>TX</a:t>
+            </a:r>
+          </a:p>
+        </p:txBody>
+      </p:sp>
+      <p:sp>
+        <p:nvSpPr>
+          <p:cNvPr id="10" name="Rectangle 9">
+            <a:extLst>
+              <a:ext uri="{FF2B5EF4-FFF2-40B4-BE49-F238E27FC236}">
+                <a16:creationId xmlns:a16="http://schemas.microsoft.com/office/drawing/2014/main" id="{9D6CC7E9-F97B-42FF-9888-D64788C16E56}"/>
+              </a:ext>
+            </a:extLst>
+          </p:cNvPr>
+          <p:cNvSpPr/>
+          <p:nvPr/>
+        </p:nvSpPr>
+        <p:spPr>
+          <a:xfrm>
+            <a:off x="9217747" y="6159865"/>
+            <a:ext cx="1440532" cy="738664"/>
+          </a:xfrm>
+          <a:prstGeom prst="rect">
+            <a:avLst/>
+          </a:prstGeom>
+        </p:spPr>
+        <p:txBody>
+          <a:bodyPr wrap="square">
+            <a:spAutoFit/>
+          </a:bodyPr>
+          <a:lstStyle/>
+          <a:p>
+            <a:pPr algn="ctr"/>
+            <a:r>
+              <a:rPr lang="fr-FR" sz="1400" dirty="0"/>
+              <a:t>Serial1</a:t>
+            </a:r>
+          </a:p>
+          <a:p>
+            <a:pPr algn="ctr"/>
+            <a:r>
+              <a:rPr lang="fr-FR" sz="1400" dirty="0"/>
+              <a:t>9600 bauds</a:t>
+            </a:r>
+          </a:p>
+          <a:p>
+            <a:pPr algn="ctr"/>
+            <a:r>
+              <a:rPr lang="fr-FR" sz="1400" dirty="0"/>
+              <a:t> for </a:t>
+            </a:r>
+            <a:r>
+              <a:rPr lang="fr-FR" sz="1400" dirty="0" err="1"/>
+              <a:t>logging</a:t>
+            </a:r>
+            <a:endParaRPr lang="fr-FR" sz="1400" dirty="0"/>
+          </a:p>
+        </p:txBody>
+      </p:sp>
+      <p:sp>
+        <p:nvSpPr>
+          <p:cNvPr id="86" name="Rectangle : coins arrondis 85">
+            <a:extLst>
+              <a:ext uri="{FF2B5EF4-FFF2-40B4-BE49-F238E27FC236}">
+                <a16:creationId xmlns:a16="http://schemas.microsoft.com/office/drawing/2014/main" id="{A89A3FE5-6DA7-4D55-897D-A82E828207CB}"/>
+              </a:ext>
+            </a:extLst>
+          </p:cNvPr>
+          <p:cNvSpPr/>
+          <p:nvPr/>
+        </p:nvSpPr>
+        <p:spPr>
+          <a:xfrm>
+            <a:off x="10108401" y="5599033"/>
+            <a:ext cx="1203634" cy="726951"/>
+          </a:xfrm>
+          <a:prstGeom prst="roundRect">
+            <a:avLst/>
+          </a:prstGeom>
+          <a:pattFill prst="pct25">
+            <a:fgClr>
+              <a:srgbClr val="FF0000"/>
+            </a:fgClr>
+            <a:bgClr>
+              <a:schemeClr val="bg1"/>
+            </a:bgClr>
+          </a:pattFill>
+        </p:spPr>
+        <p:style>
+          <a:lnRef idx="2">
+            <a:schemeClr val="accent1">
+              <a:shade val="50000"/>
+            </a:schemeClr>
+          </a:lnRef>
+          <a:fillRef idx="1">
+            <a:schemeClr val="accent1"/>
+          </a:fillRef>
+          <a:effectRef idx="0">
+            <a:schemeClr val="accent1"/>
+          </a:effectRef>
+          <a:fontRef idx="minor">
+            <a:schemeClr val="lt1"/>
+          </a:fontRef>
+        </p:style>
+        <p:txBody>
+          <a:bodyPr rtlCol="0" anchor="ctr"/>
+          <a:lstStyle/>
+          <a:p>
+            <a:pPr algn="ctr"/>
+            <a:r>
+              <a:rPr lang="en-US" dirty="0" err="1">
+                <a:solidFill>
+                  <a:schemeClr val="tx1"/>
+                </a:solidFill>
+              </a:rPr>
+              <a:t>Lipo</a:t>
+            </a:r>
+            <a:r>
+              <a:rPr lang="en-US" dirty="0">
+                <a:solidFill>
+                  <a:schemeClr val="tx1"/>
+                </a:solidFill>
+              </a:rPr>
+              <a:t> 1s 780 </a:t>
+            </a:r>
+            <a:r>
+              <a:rPr lang="en-US" dirty="0" err="1">
+                <a:solidFill>
+                  <a:schemeClr val="tx1"/>
+                </a:solidFill>
+              </a:rPr>
+              <a:t>mAh</a:t>
+            </a:r>
+            <a:r>
+              <a:rPr lang="en-US" dirty="0">
+                <a:solidFill>
+                  <a:schemeClr val="tx1"/>
+                </a:solidFill>
+              </a:rPr>
+              <a:t> </a:t>
+            </a:r>
+          </a:p>
+        </p:txBody>
+      </p:sp>
+      <p:cxnSp>
+        <p:nvCxnSpPr>
+          <p:cNvPr id="13" name="Connecteur droit 12">
+            <a:extLst>
+              <a:ext uri="{FF2B5EF4-FFF2-40B4-BE49-F238E27FC236}">
+                <a16:creationId xmlns:a16="http://schemas.microsoft.com/office/drawing/2014/main" id="{3CDCFD7F-2BB4-4CC4-BBA1-9D455315033E}"/>
+              </a:ext>
+            </a:extLst>
+          </p:cNvPr>
+          <p:cNvCxnSpPr>
+            <a:cxnSpLocks/>
+          </p:cNvCxnSpPr>
+          <p:nvPr/>
+        </p:nvCxnSpPr>
+        <p:spPr>
+          <a:xfrm>
+            <a:off x="9426927" y="6076897"/>
+            <a:ext cx="690221" cy="0"/>
+          </a:xfrm>
+          <a:prstGeom prst="line">
+            <a:avLst/>
+          </a:prstGeom>
+          <a:ln w="38100">
+            <a:solidFill>
+              <a:schemeClr val="tx1"/>
+            </a:solidFill>
+          </a:ln>
+        </p:spPr>
+        <p:style>
+          <a:lnRef idx="1">
+            <a:schemeClr val="accent1"/>
+          </a:lnRef>
+          <a:fillRef idx="0">
+            <a:schemeClr val="accent1"/>
+          </a:fillRef>
+          <a:effectRef idx="0">
+            <a:schemeClr val="accent1"/>
+          </a:effectRef>
+          <a:fontRef idx="minor">
+            <a:schemeClr val="tx1"/>
+          </a:fontRef>
+        </p:style>
+      </p:cxnSp>
+      <p:cxnSp>
+        <p:nvCxnSpPr>
+          <p:cNvPr id="88" name="Connecteur droit 87">
+            <a:extLst>
+              <a:ext uri="{FF2B5EF4-FFF2-40B4-BE49-F238E27FC236}">
+                <a16:creationId xmlns:a16="http://schemas.microsoft.com/office/drawing/2014/main" id="{0EE08312-1A95-4831-ADFB-6739BCC0B3AD}"/>
+              </a:ext>
+            </a:extLst>
+          </p:cNvPr>
+          <p:cNvCxnSpPr>
+            <a:cxnSpLocks/>
+          </p:cNvCxnSpPr>
+          <p:nvPr/>
+        </p:nvCxnSpPr>
+        <p:spPr>
+          <a:xfrm>
+            <a:off x="9410364" y="5747141"/>
+            <a:ext cx="690221" cy="0"/>
+          </a:xfrm>
+          <a:prstGeom prst="line">
+            <a:avLst/>
+          </a:prstGeom>
+          <a:ln w="38100">
+            <a:solidFill>
+              <a:srgbClr val="FF0000"/>
+            </a:solidFill>
+          </a:ln>
+        </p:spPr>
+        <p:style>
+          <a:lnRef idx="1">
+            <a:schemeClr val="accent1"/>
+          </a:lnRef>
+          <a:fillRef idx="0">
+            <a:schemeClr val="accent1"/>
+          </a:fillRef>
+          <a:effectRef idx="0">
+            <a:schemeClr val="accent1"/>
+          </a:effectRef>
+          <a:fontRef idx="minor">
+            <a:schemeClr val="tx1"/>
+          </a:fontRef>
+        </p:style>
+      </p:cxnSp>
+      <p:sp>
+        <p:nvSpPr>
+          <p:cNvPr id="26" name="ZoneTexte 25">
+            <a:extLst>
+              <a:ext uri="{FF2B5EF4-FFF2-40B4-BE49-F238E27FC236}">
+                <a16:creationId xmlns:a16="http://schemas.microsoft.com/office/drawing/2014/main" id="{ABC9A63B-7954-4966-8216-5758F6E1660D}"/>
+              </a:ext>
+            </a:extLst>
+          </p:cNvPr>
+          <p:cNvSpPr txBox="1"/>
+          <p:nvPr/>
+        </p:nvSpPr>
+        <p:spPr>
+          <a:xfrm>
+            <a:off x="9435837" y="5432251"/>
+            <a:ext cx="696024" cy="369332"/>
+          </a:xfrm>
+          <a:prstGeom prst="rect">
+            <a:avLst/>
+          </a:prstGeom>
+          <a:noFill/>
+        </p:spPr>
+        <p:txBody>
+          <a:bodyPr wrap="none" rtlCol="0">
+            <a:spAutoFit/>
+          </a:bodyPr>
+          <a:lstStyle/>
+          <a:p>
+            <a:r>
+              <a:rPr lang="en-US" dirty="0">
+                <a:solidFill>
+                  <a:srgbClr val="FF0000"/>
+                </a:solidFill>
+              </a:rPr>
+              <a:t>+3.7v</a:t>
+            </a:r>
+          </a:p>
+        </p:txBody>
+      </p:sp>
+      <p:sp>
+        <p:nvSpPr>
+          <p:cNvPr id="95" name="ZoneTexte 94">
+            <a:extLst>
+              <a:ext uri="{FF2B5EF4-FFF2-40B4-BE49-F238E27FC236}">
+                <a16:creationId xmlns:a16="http://schemas.microsoft.com/office/drawing/2014/main" id="{8CE2AC62-DE88-427C-9D1A-441ABFD9DDF5}"/>
+              </a:ext>
+            </a:extLst>
+          </p:cNvPr>
+          <p:cNvSpPr txBox="1"/>
+          <p:nvPr/>
+        </p:nvSpPr>
+        <p:spPr>
+          <a:xfrm>
+            <a:off x="9569097" y="5778454"/>
+            <a:ext cx="405880" cy="369332"/>
+          </a:xfrm>
+          <a:prstGeom prst="rect">
+            <a:avLst/>
+          </a:prstGeom>
+          <a:noFill/>
+        </p:spPr>
+        <p:txBody>
+          <a:bodyPr wrap="none" rtlCol="0">
+            <a:spAutoFit/>
+          </a:bodyPr>
+          <a:lstStyle/>
+          <a:p>
+            <a:r>
+              <a:rPr lang="en-US" dirty="0"/>
+              <a:t>0v</a:t>
+            </a:r>
+          </a:p>
+        </p:txBody>
+      </p:sp>
+      <p:sp>
+        <p:nvSpPr>
+          <p:cNvPr id="96" name="Ellipse 95">
+            <a:extLst>
+              <a:ext uri="{FF2B5EF4-FFF2-40B4-BE49-F238E27FC236}">
+                <a16:creationId xmlns:a16="http://schemas.microsoft.com/office/drawing/2014/main" id="{5963490C-8A0A-490C-B3FF-ADCDBC74EA6D}"/>
+              </a:ext>
+            </a:extLst>
+          </p:cNvPr>
+          <p:cNvSpPr/>
+          <p:nvPr/>
+        </p:nvSpPr>
+        <p:spPr>
+          <a:xfrm>
+            <a:off x="8015592" y="6205524"/>
+            <a:ext cx="817389" cy="416421"/>
+          </a:xfrm>
+          <a:prstGeom prst="ellipse">
+            <a:avLst/>
+          </a:prstGeom>
+          <a:solidFill>
+            <a:schemeClr val="bg2">
+              <a:lumMod val="90000"/>
+            </a:schemeClr>
+          </a:solidFill>
+        </p:spPr>
+        <p:style>
+          <a:lnRef idx="2">
+            <a:schemeClr val="accent1">
+              <a:shade val="50000"/>
+            </a:schemeClr>
+          </a:lnRef>
+          <a:fillRef idx="1">
+            <a:schemeClr val="accent1"/>
+          </a:fillRef>
+          <a:effectRef idx="0">
+            <a:schemeClr val="accent1"/>
+          </a:effectRef>
+          <a:fontRef idx="minor">
+            <a:schemeClr val="lt1"/>
+          </a:fontRef>
+        </p:style>
+        <p:txBody>
+          <a:bodyPr rtlCol="0" anchor="ctr"/>
+          <a:lstStyle/>
+          <a:p>
+            <a:pPr algn="ctr"/>
+            <a:r>
+              <a:rPr lang="fr-FR" sz="900" dirty="0"/>
+              <a:t>Ground</a:t>
+            </a:r>
+          </a:p>
+        </p:txBody>
+      </p:sp>
     </p:spTree>
     <p:extLst>
       <p:ext uri="{BB962C8B-B14F-4D97-AF65-F5344CB8AC3E}">
@@ -6456,7 +7106,7 @@
         </p:nvCxnSpPr>
         <p:spPr>
           <a:xfrm flipH="1">
-            <a:off x="5008077" y="1097388"/>
+            <a:off x="4803257" y="1097388"/>
             <a:ext cx="5342" cy="508151"/>
           </a:xfrm>
           <a:prstGeom prst="straightConnector1">
@@ -6503,7 +7153,7 @@
         </p:nvCxnSpPr>
         <p:spPr>
           <a:xfrm flipH="1">
-            <a:off x="3281771" y="1139649"/>
+            <a:off x="3076951" y="1139649"/>
             <a:ext cx="5765" cy="492554"/>
           </a:xfrm>
           <a:prstGeom prst="straightConnector1">
@@ -6548,7 +7198,7 @@
         </p:nvSpPr>
         <p:spPr>
           <a:xfrm>
-            <a:off x="6511005" y="1906017"/>
+            <a:off x="6306185" y="1906017"/>
             <a:ext cx="880291" cy="276999"/>
           </a:xfrm>
           <a:prstGeom prst="rect">
@@ -6577,10 +7227,10 @@
       </p:sp>
       <p:sp>
         <p:nvSpPr>
-          <p:cNvPr id="47" name="Ellipse 46">
-            <a:extLst>
-              <a:ext uri="{FF2B5EF4-FFF2-40B4-BE49-F238E27FC236}">
-                <a16:creationId xmlns:a16="http://schemas.microsoft.com/office/drawing/2014/main" id="{9ACF233F-B245-4E2B-8113-4CEFB8D915B7}"/>
+          <p:cNvPr id="75" name="Ellipse 74">
+            <a:extLst>
+              <a:ext uri="{FF2B5EF4-FFF2-40B4-BE49-F238E27FC236}">
+                <a16:creationId xmlns:a16="http://schemas.microsoft.com/office/drawing/2014/main" id="{406130E7-3E0D-431A-B050-99D176D9FB0C}"/>
               </a:ext>
             </a:extLst>
           </p:cNvPr>
@@ -6589,8 +7239,8 @@
         </p:nvSpPr>
         <p:spPr>
           <a:xfrm>
-            <a:off x="9632868" y="1816242"/>
-            <a:ext cx="458109" cy="204847"/>
+            <a:off x="6203671" y="1616939"/>
+            <a:ext cx="490809" cy="286308"/>
           </a:xfrm>
           <a:prstGeom prst="ellipse">
             <a:avLst/>
@@ -6628,17 +7278,28 @@
                   <a:schemeClr val="tx1"/>
                 </a:solidFill>
               </a:rPr>
-              <a:t>22</a:t>
-            </a:r>
-          </a:p>
-        </p:txBody>
-      </p:sp>
-      <p:sp>
-        <p:nvSpPr>
-          <p:cNvPr id="76" name="Ellipse 75">
-            <a:extLst>
-              <a:ext uri="{FF2B5EF4-FFF2-40B4-BE49-F238E27FC236}">
-                <a16:creationId xmlns:a16="http://schemas.microsoft.com/office/drawing/2014/main" id="{D88EEAD2-80A8-4CB1-8BE5-95C744744C6B}"/>
+              <a:t>18</a:t>
+            </a:r>
+          </a:p>
+          <a:p>
+            <a:pPr algn="ctr"/>
+            <a:r>
+              <a:rPr lang="fr-FR" sz="900" dirty="0">
+                <a:solidFill>
+                  <a:schemeClr val="tx1"/>
+                </a:solidFill>
+              </a:rPr>
+              <a:t>TX</a:t>
+            </a:r>
+          </a:p>
+        </p:txBody>
+      </p:sp>
+      <p:sp>
+        <p:nvSpPr>
+          <p:cNvPr id="78" name="Rectangle : carré corné 77">
+            <a:extLst>
+              <a:ext uri="{FF2B5EF4-FFF2-40B4-BE49-F238E27FC236}">
+                <a16:creationId xmlns:a16="http://schemas.microsoft.com/office/drawing/2014/main" id="{2F527EAB-A695-4A0E-903E-433C17D1BC32}"/>
               </a:ext>
             </a:extLst>
           </p:cNvPr>
@@ -6647,15 +7308,16 @@
         </p:nvSpPr>
         <p:spPr>
           <a:xfrm>
-            <a:off x="9643419" y="2050795"/>
-            <a:ext cx="447558" cy="220039"/>
-          </a:xfrm>
-          <a:prstGeom prst="ellipse">
+            <a:off x="363736" y="346448"/>
+            <a:ext cx="1609220" cy="997921"/>
+          </a:xfrm>
+          <a:prstGeom prst="foldedCorner">
             <a:avLst/>
           </a:prstGeom>
           <a:solidFill>
-            <a:schemeClr val="bg2">
-              <a:lumMod val="90000"/>
+            <a:schemeClr val="accent2">
+              <a:lumMod val="60000"/>
+              <a:lumOff val="40000"/>
             </a:schemeClr>
           </a:solidFill>
         </p:spPr>
@@ -6681,22 +7343,35 @@
           <a:p>
             <a:pPr algn="ctr"/>
             <a:r>
-              <a:rPr lang="fr-FR" sz="900" dirty="0">
+              <a:rPr lang="fr-FR" dirty="0">
                 <a:solidFill>
                   <a:schemeClr val="tx1"/>
                 </a:solidFill>
               </a:rPr>
-              <a:t>23</a:t>
-            </a:r>
-          </a:p>
-        </p:txBody>
-      </p:sp>
-      <p:sp>
-        <p:nvSpPr>
-          <p:cNvPr id="79" name="Ellipse 78">
-            <a:extLst>
-              <a:ext uri="{FF2B5EF4-FFF2-40B4-BE49-F238E27FC236}">
-                <a16:creationId xmlns:a16="http://schemas.microsoft.com/office/drawing/2014/main" id="{E5AA28E9-04BB-483C-B939-339E35670AAD}"/>
+              <a:t>SD </a:t>
+            </a:r>
+            <a:r>
+              <a:rPr lang="fr-FR" dirty="0" err="1">
+                <a:solidFill>
+                  <a:schemeClr val="tx1"/>
+                </a:solidFill>
+              </a:rPr>
+              <a:t>card</a:t>
+            </a:r>
+            <a:endParaRPr lang="fr-FR" dirty="0">
+              <a:solidFill>
+                <a:schemeClr val="tx1"/>
+              </a:solidFill>
+            </a:endParaRPr>
+          </a:p>
+        </p:txBody>
+      </p:sp>
+      <p:sp>
+        <p:nvSpPr>
+          <p:cNvPr id="94" name="Ellipse 93">
+            <a:extLst>
+              <a:ext uri="{FF2B5EF4-FFF2-40B4-BE49-F238E27FC236}">
+                <a16:creationId xmlns:a16="http://schemas.microsoft.com/office/drawing/2014/main" id="{EB756666-05BE-4405-9752-D513848A6A45}"/>
               </a:ext>
             </a:extLst>
           </p:cNvPr>
@@ -6705,8 +7380,8 @@
         </p:nvSpPr>
         <p:spPr>
           <a:xfrm>
-            <a:off x="9641822" y="2296002"/>
-            <a:ext cx="479833" cy="220039"/>
+            <a:off x="8929576" y="4973551"/>
+            <a:ext cx="447558" cy="220039"/>
           </a:xfrm>
           <a:prstGeom prst="ellipse">
             <a:avLst/>
@@ -6744,17 +7419,17 @@
                   <a:schemeClr val="tx1"/>
                 </a:solidFill>
               </a:rPr>
-              <a:t>24</a:t>
-            </a:r>
-          </a:p>
-        </p:txBody>
-      </p:sp>
-      <p:sp>
-        <p:nvSpPr>
-          <p:cNvPr id="75" name="Ellipse 74">
-            <a:extLst>
-              <a:ext uri="{FF2B5EF4-FFF2-40B4-BE49-F238E27FC236}">
-                <a16:creationId xmlns:a16="http://schemas.microsoft.com/office/drawing/2014/main" id="{406130E7-3E0D-431A-B050-99D176D9FB0C}"/>
+              <a:t>50</a:t>
+            </a:r>
+          </a:p>
+        </p:txBody>
+      </p:sp>
+      <p:sp>
+        <p:nvSpPr>
+          <p:cNvPr id="95" name="Ellipse 94">
+            <a:extLst>
+              <a:ext uri="{FF2B5EF4-FFF2-40B4-BE49-F238E27FC236}">
+                <a16:creationId xmlns:a16="http://schemas.microsoft.com/office/drawing/2014/main" id="{62D41DE6-E423-4F2A-9635-1894D9255C80}"/>
               </a:ext>
             </a:extLst>
           </p:cNvPr>
@@ -6763,8 +7438,8 @@
         </p:nvSpPr>
         <p:spPr>
           <a:xfrm>
-            <a:off x="6408491" y="1616939"/>
-            <a:ext cx="490809" cy="286308"/>
+            <a:off x="8920960" y="5206489"/>
+            <a:ext cx="479833" cy="220039"/>
           </a:xfrm>
           <a:prstGeom prst="ellipse">
             <a:avLst/>
@@ -6802,28 +7477,17 @@
                   <a:schemeClr val="tx1"/>
                 </a:solidFill>
               </a:rPr>
-              <a:t>18</a:t>
-            </a:r>
-          </a:p>
-          <a:p>
-            <a:pPr algn="ctr"/>
-            <a:r>
-              <a:rPr lang="fr-FR" sz="900" dirty="0">
-                <a:solidFill>
-                  <a:schemeClr val="tx1"/>
-                </a:solidFill>
-              </a:rPr>
-              <a:t>TX</a:t>
-            </a:r>
-          </a:p>
-        </p:txBody>
-      </p:sp>
-      <p:sp>
-        <p:nvSpPr>
-          <p:cNvPr id="78" name="Rectangle : carré corné 77">
-            <a:extLst>
-              <a:ext uri="{FF2B5EF4-FFF2-40B4-BE49-F238E27FC236}">
-                <a16:creationId xmlns:a16="http://schemas.microsoft.com/office/drawing/2014/main" id="{2F527EAB-A695-4A0E-903E-433C17D1BC32}"/>
+              <a:t>51</a:t>
+            </a:r>
+          </a:p>
+        </p:txBody>
+      </p:sp>
+      <p:sp>
+        <p:nvSpPr>
+          <p:cNvPr id="101" name="Ellipse 100">
+            <a:extLst>
+              <a:ext uri="{FF2B5EF4-FFF2-40B4-BE49-F238E27FC236}">
+                <a16:creationId xmlns:a16="http://schemas.microsoft.com/office/drawing/2014/main" id="{43C4EA2C-5B45-4167-880E-CCCC10CC0255}"/>
               </a:ext>
             </a:extLst>
           </p:cNvPr>
@@ -6832,16 +7496,15 @@
         </p:nvSpPr>
         <p:spPr>
           <a:xfrm>
-            <a:off x="363736" y="346448"/>
-            <a:ext cx="1609220" cy="997921"/>
-          </a:xfrm>
-          <a:prstGeom prst="foldedCorner">
+            <a:off x="8933864" y="5450391"/>
+            <a:ext cx="479833" cy="220039"/>
+          </a:xfrm>
+          <a:prstGeom prst="ellipse">
             <a:avLst/>
           </a:prstGeom>
           <a:solidFill>
-            <a:schemeClr val="accent2">
-              <a:lumMod val="60000"/>
-              <a:lumOff val="40000"/>
+            <a:schemeClr val="bg2">
+              <a:lumMod val="90000"/>
             </a:schemeClr>
           </a:solidFill>
         </p:spPr>
@@ -6867,35 +7530,22 @@
           <a:p>
             <a:pPr algn="ctr"/>
             <a:r>
-              <a:rPr lang="fr-FR" dirty="0">
+              <a:rPr lang="fr-FR" sz="900" dirty="0">
                 <a:solidFill>
                   <a:schemeClr val="tx1"/>
                 </a:solidFill>
               </a:rPr>
-              <a:t>SD </a:t>
-            </a:r>
-            <a:r>
-              <a:rPr lang="fr-FR" dirty="0" err="1">
-                <a:solidFill>
-                  <a:schemeClr val="tx1"/>
-                </a:solidFill>
-              </a:rPr>
-              <a:t>card</a:t>
-            </a:r>
-            <a:endParaRPr lang="fr-FR" dirty="0">
-              <a:solidFill>
-                <a:schemeClr val="tx1"/>
-              </a:solidFill>
-            </a:endParaRPr>
-          </a:p>
-        </p:txBody>
-      </p:sp>
-      <p:sp>
-        <p:nvSpPr>
-          <p:cNvPr id="94" name="Ellipse 93">
-            <a:extLst>
-              <a:ext uri="{FF2B5EF4-FFF2-40B4-BE49-F238E27FC236}">
-                <a16:creationId xmlns:a16="http://schemas.microsoft.com/office/drawing/2014/main" id="{EB756666-05BE-4405-9752-D513848A6A45}"/>
+              <a:t>52</a:t>
+            </a:r>
+          </a:p>
+        </p:txBody>
+      </p:sp>
+      <p:sp>
+        <p:nvSpPr>
+          <p:cNvPr id="7" name="Organigramme : Jonction de sommaire 6">
+            <a:extLst>
+              <a:ext uri="{FF2B5EF4-FFF2-40B4-BE49-F238E27FC236}">
+                <a16:creationId xmlns:a16="http://schemas.microsoft.com/office/drawing/2014/main" id="{B00AD11C-3D4E-4399-881B-2842BBE4DB46}"/>
               </a:ext>
             </a:extLst>
           </p:cNvPr>
@@ -6904,16 +7554,14 @@
         </p:nvSpPr>
         <p:spPr>
           <a:xfrm>
-            <a:off x="8929576" y="4973551"/>
-            <a:ext cx="447558" cy="220039"/>
-          </a:xfrm>
-          <a:prstGeom prst="ellipse">
+            <a:off x="10834617" y="1584531"/>
+            <a:ext cx="352991" cy="304861"/>
+          </a:xfrm>
+          <a:prstGeom prst="flowChartSummingJunction">
             <a:avLst/>
           </a:prstGeom>
           <a:solidFill>
-            <a:schemeClr val="bg2">
-              <a:lumMod val="90000"/>
-            </a:schemeClr>
+            <a:srgbClr val="92D050"/>
           </a:solidFill>
         </p:spPr>
         <p:style>
@@ -6937,23 +7585,16 @@
           <a:lstStyle/>
           <a:p>
             <a:pPr algn="ctr"/>
-            <a:r>
-              <a:rPr lang="fr-FR" sz="900" dirty="0">
-                <a:solidFill>
-                  <a:schemeClr val="tx1"/>
-                </a:solidFill>
-              </a:rPr>
-              <a:t>50</a:t>
-            </a:r>
-          </a:p>
-        </p:txBody>
-      </p:sp>
-      <p:sp>
-        <p:nvSpPr>
-          <p:cNvPr id="95" name="Ellipse 94">
-            <a:extLst>
-              <a:ext uri="{FF2B5EF4-FFF2-40B4-BE49-F238E27FC236}">
-                <a16:creationId xmlns:a16="http://schemas.microsoft.com/office/drawing/2014/main" id="{62D41DE6-E423-4F2A-9635-1894D9255C80}"/>
+            <a:endParaRPr lang="fr-FR" dirty="0"/>
+          </a:p>
+        </p:txBody>
+      </p:sp>
+      <p:sp>
+        <p:nvSpPr>
+          <p:cNvPr id="103" name="Organigramme : Jonction de sommaire 102">
+            <a:extLst>
+              <a:ext uri="{FF2B5EF4-FFF2-40B4-BE49-F238E27FC236}">
+                <a16:creationId xmlns:a16="http://schemas.microsoft.com/office/drawing/2014/main" id="{0FDC09D2-F6BD-45AA-B4E9-2910FBA9F489}"/>
               </a:ext>
             </a:extLst>
           </p:cNvPr>
@@ -6962,16 +7603,14 @@
         </p:nvSpPr>
         <p:spPr>
           <a:xfrm>
-            <a:off x="8920960" y="5206489"/>
-            <a:ext cx="479833" cy="220039"/>
-          </a:xfrm>
-          <a:prstGeom prst="ellipse">
+            <a:off x="10834618" y="1909478"/>
+            <a:ext cx="352991" cy="304861"/>
+          </a:xfrm>
+          <a:prstGeom prst="flowChartSummingJunction">
             <a:avLst/>
           </a:prstGeom>
           <a:solidFill>
-            <a:schemeClr val="bg2">
-              <a:lumMod val="90000"/>
-            </a:schemeClr>
+            <a:srgbClr val="FF0000"/>
           </a:solidFill>
         </p:spPr>
         <p:style>
@@ -6995,23 +7634,16 @@
           <a:lstStyle/>
           <a:p>
             <a:pPr algn="ctr"/>
-            <a:r>
-              <a:rPr lang="fr-FR" sz="900" dirty="0">
-                <a:solidFill>
-                  <a:schemeClr val="tx1"/>
-                </a:solidFill>
-              </a:rPr>
-              <a:t>51</a:t>
-            </a:r>
-          </a:p>
-        </p:txBody>
-      </p:sp>
-      <p:sp>
-        <p:nvSpPr>
-          <p:cNvPr id="101" name="Ellipse 100">
-            <a:extLst>
-              <a:ext uri="{FF2B5EF4-FFF2-40B4-BE49-F238E27FC236}">
-                <a16:creationId xmlns:a16="http://schemas.microsoft.com/office/drawing/2014/main" id="{43C4EA2C-5B45-4167-880E-CCCC10CC0255}"/>
+            <a:endParaRPr lang="fr-FR" dirty="0"/>
+          </a:p>
+        </p:txBody>
+      </p:sp>
+      <p:sp>
+        <p:nvSpPr>
+          <p:cNvPr id="104" name="Organigramme : Jonction de sommaire 103">
+            <a:extLst>
+              <a:ext uri="{FF2B5EF4-FFF2-40B4-BE49-F238E27FC236}">
+                <a16:creationId xmlns:a16="http://schemas.microsoft.com/office/drawing/2014/main" id="{951C2B36-3EF8-4196-9D26-4368B3AA44D2}"/>
               </a:ext>
             </a:extLst>
           </p:cNvPr>
@@ -7020,17 +7652,12 @@
         </p:nvSpPr>
         <p:spPr>
           <a:xfrm>
-            <a:off x="8933864" y="5450391"/>
-            <a:ext cx="479833" cy="220039"/>
-          </a:xfrm>
-          <a:prstGeom prst="ellipse">
-            <a:avLst/>
-          </a:prstGeom>
-          <a:solidFill>
-            <a:schemeClr val="bg2">
-              <a:lumMod val="90000"/>
-            </a:schemeClr>
-          </a:solidFill>
+            <a:off x="10834617" y="2256328"/>
+            <a:ext cx="352991" cy="304861"/>
+          </a:xfrm>
+          <a:prstGeom prst="flowChartSummingJunction">
+            <a:avLst/>
+          </a:prstGeom>
         </p:spPr>
         <p:style>
           <a:lnRef idx="2">
@@ -7053,23 +7680,16 @@
           <a:lstStyle/>
           <a:p>
             <a:pPr algn="ctr"/>
-            <a:r>
-              <a:rPr lang="fr-FR" sz="900" dirty="0">
-                <a:solidFill>
-                  <a:schemeClr val="tx1"/>
-                </a:solidFill>
-              </a:rPr>
-              <a:t>52</a:t>
-            </a:r>
-          </a:p>
-        </p:txBody>
-      </p:sp>
-      <p:sp>
-        <p:nvSpPr>
-          <p:cNvPr id="7" name="Organigramme : Jonction de sommaire 6">
-            <a:extLst>
-              <a:ext uri="{FF2B5EF4-FFF2-40B4-BE49-F238E27FC236}">
-                <a16:creationId xmlns:a16="http://schemas.microsoft.com/office/drawing/2014/main" id="{B00AD11C-3D4E-4399-881B-2842BBE4DB46}"/>
+            <a:endParaRPr lang="fr-FR" dirty="0"/>
+          </a:p>
+        </p:txBody>
+      </p:sp>
+      <p:sp>
+        <p:nvSpPr>
+          <p:cNvPr id="18" name="Rectangle 17">
+            <a:extLst>
+              <a:ext uri="{FF2B5EF4-FFF2-40B4-BE49-F238E27FC236}">
+                <a16:creationId xmlns:a16="http://schemas.microsoft.com/office/drawing/2014/main" id="{E1C4E477-3AB6-492F-9E3B-D52B554481E0}"/>
               </a:ext>
             </a:extLst>
           </p:cNvPr>
@@ -7078,14 +7698,17 @@
         </p:nvSpPr>
         <p:spPr>
           <a:xfrm>
-            <a:off x="10834617" y="1511381"/>
-            <a:ext cx="352991" cy="304861"/>
-          </a:xfrm>
-          <a:prstGeom prst="flowChartSummingJunction">
+            <a:off x="10287026" y="1962652"/>
+            <a:ext cx="292654" cy="45719"/>
+          </a:xfrm>
+          <a:prstGeom prst="rect">
             <a:avLst/>
           </a:prstGeom>
           <a:solidFill>
-            <a:srgbClr val="92D050"/>
+            <a:schemeClr val="tx1">
+              <a:lumMod val="75000"/>
+              <a:lumOff val="25000"/>
+            </a:schemeClr>
           </a:solidFill>
         </p:spPr>
         <p:style>
@@ -7109,16 +7732,16 @@
           <a:lstStyle/>
           <a:p>
             <a:pPr algn="ctr"/>
-            <a:endParaRPr lang="fr-FR" dirty="0"/>
-          </a:p>
-        </p:txBody>
-      </p:sp>
-      <p:sp>
-        <p:nvSpPr>
-          <p:cNvPr id="103" name="Organigramme : Jonction de sommaire 102">
-            <a:extLst>
-              <a:ext uri="{FF2B5EF4-FFF2-40B4-BE49-F238E27FC236}">
-                <a16:creationId xmlns:a16="http://schemas.microsoft.com/office/drawing/2014/main" id="{0FDC09D2-F6BD-45AA-B4E9-2910FBA9F489}"/>
+            <a:endParaRPr lang="fr-FR"/>
+          </a:p>
+        </p:txBody>
+      </p:sp>
+      <p:sp>
+        <p:nvSpPr>
+          <p:cNvPr id="105" name="Rectangle 104">
+            <a:extLst>
+              <a:ext uri="{FF2B5EF4-FFF2-40B4-BE49-F238E27FC236}">
+                <a16:creationId xmlns:a16="http://schemas.microsoft.com/office/drawing/2014/main" id="{EEBDCC22-7F33-4D47-A328-E9ABC44EE949}"/>
               </a:ext>
             </a:extLst>
           </p:cNvPr>
@@ -7127,14 +7750,17 @@
         </p:nvSpPr>
         <p:spPr>
           <a:xfrm>
-            <a:off x="10834618" y="1836328"/>
-            <a:ext cx="352991" cy="304861"/>
-          </a:xfrm>
-          <a:prstGeom prst="flowChartSummingJunction">
+            <a:off x="10279328" y="2207530"/>
+            <a:ext cx="292654" cy="45719"/>
+          </a:xfrm>
+          <a:prstGeom prst="rect">
             <a:avLst/>
           </a:prstGeom>
           <a:solidFill>
-            <a:srgbClr val="FF0000"/>
+            <a:schemeClr val="tx1">
+              <a:lumMod val="75000"/>
+              <a:lumOff val="25000"/>
+            </a:schemeClr>
           </a:solidFill>
         </p:spPr>
         <p:style>
@@ -7158,16 +7784,16 @@
           <a:lstStyle/>
           <a:p>
             <a:pPr algn="ctr"/>
-            <a:endParaRPr lang="fr-FR" dirty="0"/>
-          </a:p>
-        </p:txBody>
-      </p:sp>
-      <p:sp>
-        <p:nvSpPr>
-          <p:cNvPr id="104" name="Organigramme : Jonction de sommaire 103">
-            <a:extLst>
-              <a:ext uri="{FF2B5EF4-FFF2-40B4-BE49-F238E27FC236}">
-                <a16:creationId xmlns:a16="http://schemas.microsoft.com/office/drawing/2014/main" id="{951C2B36-3EF8-4196-9D26-4368B3AA44D2}"/>
+            <a:endParaRPr lang="fr-FR"/>
+          </a:p>
+        </p:txBody>
+      </p:sp>
+      <p:sp>
+        <p:nvSpPr>
+          <p:cNvPr id="106" name="Rectangle 105">
+            <a:extLst>
+              <a:ext uri="{FF2B5EF4-FFF2-40B4-BE49-F238E27FC236}">
+                <a16:creationId xmlns:a16="http://schemas.microsoft.com/office/drawing/2014/main" id="{7F552AFC-D093-41F7-BCC3-D51D96F6606B}"/>
               </a:ext>
             </a:extLst>
           </p:cNvPr>
@@ -7176,12 +7802,18 @@
         </p:nvSpPr>
         <p:spPr>
           <a:xfrm>
-            <a:off x="10834617" y="2183178"/>
-            <a:ext cx="352991" cy="304861"/>
-          </a:xfrm>
-          <a:prstGeom prst="flowChartSummingJunction">
-            <a:avLst/>
-          </a:prstGeom>
+            <a:off x="10287026" y="2462668"/>
+            <a:ext cx="292654" cy="45719"/>
+          </a:xfrm>
+          <a:prstGeom prst="rect">
+            <a:avLst/>
+          </a:prstGeom>
+          <a:solidFill>
+            <a:schemeClr val="tx1">
+              <a:lumMod val="75000"/>
+              <a:lumOff val="25000"/>
+            </a:schemeClr>
+          </a:solidFill>
         </p:spPr>
         <p:style>
           <a:lnRef idx="2">
@@ -7204,162 +7836,6 @@
           <a:lstStyle/>
           <a:p>
             <a:pPr algn="ctr"/>
-            <a:endParaRPr lang="fr-FR" dirty="0"/>
-          </a:p>
-        </p:txBody>
-      </p:sp>
-      <p:sp>
-        <p:nvSpPr>
-          <p:cNvPr id="18" name="Rectangle 17">
-            <a:extLst>
-              <a:ext uri="{FF2B5EF4-FFF2-40B4-BE49-F238E27FC236}">
-                <a16:creationId xmlns:a16="http://schemas.microsoft.com/office/drawing/2014/main" id="{E1C4E477-3AB6-492F-9E3B-D52B554481E0}"/>
-              </a:ext>
-            </a:extLst>
-          </p:cNvPr>
-          <p:cNvSpPr/>
-          <p:nvPr/>
-        </p:nvSpPr>
-        <p:spPr>
-          <a:xfrm>
-            <a:off x="10287026" y="1889502"/>
-            <a:ext cx="292654" cy="45719"/>
-          </a:xfrm>
-          <a:prstGeom prst="rect">
-            <a:avLst/>
-          </a:prstGeom>
-          <a:solidFill>
-            <a:schemeClr val="tx1">
-              <a:lumMod val="75000"/>
-              <a:lumOff val="25000"/>
-            </a:schemeClr>
-          </a:solidFill>
-        </p:spPr>
-        <p:style>
-          <a:lnRef idx="2">
-            <a:schemeClr val="accent1">
-              <a:shade val="50000"/>
-            </a:schemeClr>
-          </a:lnRef>
-          <a:fillRef idx="1">
-            <a:schemeClr val="accent1"/>
-          </a:fillRef>
-          <a:effectRef idx="0">
-            <a:schemeClr val="accent1"/>
-          </a:effectRef>
-          <a:fontRef idx="minor">
-            <a:schemeClr val="lt1"/>
-          </a:fontRef>
-        </p:style>
-        <p:txBody>
-          <a:bodyPr rtlCol="0" anchor="ctr"/>
-          <a:lstStyle/>
-          <a:p>
-            <a:pPr algn="ctr"/>
-            <a:endParaRPr lang="fr-FR"/>
-          </a:p>
-        </p:txBody>
-      </p:sp>
-      <p:sp>
-        <p:nvSpPr>
-          <p:cNvPr id="105" name="Rectangle 104">
-            <a:extLst>
-              <a:ext uri="{FF2B5EF4-FFF2-40B4-BE49-F238E27FC236}">
-                <a16:creationId xmlns:a16="http://schemas.microsoft.com/office/drawing/2014/main" id="{EEBDCC22-7F33-4D47-A328-E9ABC44EE949}"/>
-              </a:ext>
-            </a:extLst>
-          </p:cNvPr>
-          <p:cNvSpPr/>
-          <p:nvPr/>
-        </p:nvSpPr>
-        <p:spPr>
-          <a:xfrm>
-            <a:off x="10279328" y="2134380"/>
-            <a:ext cx="292654" cy="45719"/>
-          </a:xfrm>
-          <a:prstGeom prst="rect">
-            <a:avLst/>
-          </a:prstGeom>
-          <a:solidFill>
-            <a:schemeClr val="tx1">
-              <a:lumMod val="75000"/>
-              <a:lumOff val="25000"/>
-            </a:schemeClr>
-          </a:solidFill>
-        </p:spPr>
-        <p:style>
-          <a:lnRef idx="2">
-            <a:schemeClr val="accent1">
-              <a:shade val="50000"/>
-            </a:schemeClr>
-          </a:lnRef>
-          <a:fillRef idx="1">
-            <a:schemeClr val="accent1"/>
-          </a:fillRef>
-          <a:effectRef idx="0">
-            <a:schemeClr val="accent1"/>
-          </a:effectRef>
-          <a:fontRef idx="minor">
-            <a:schemeClr val="lt1"/>
-          </a:fontRef>
-        </p:style>
-        <p:txBody>
-          <a:bodyPr rtlCol="0" anchor="ctr"/>
-          <a:lstStyle/>
-          <a:p>
-            <a:pPr algn="ctr"/>
-            <a:endParaRPr lang="fr-FR"/>
-          </a:p>
-        </p:txBody>
-      </p:sp>
-      <p:sp>
-        <p:nvSpPr>
-          <p:cNvPr id="106" name="Rectangle 105">
-            <a:extLst>
-              <a:ext uri="{FF2B5EF4-FFF2-40B4-BE49-F238E27FC236}">
-                <a16:creationId xmlns:a16="http://schemas.microsoft.com/office/drawing/2014/main" id="{7F552AFC-D093-41F7-BCC3-D51D96F6606B}"/>
-              </a:ext>
-            </a:extLst>
-          </p:cNvPr>
-          <p:cNvSpPr/>
-          <p:nvPr/>
-        </p:nvSpPr>
-        <p:spPr>
-          <a:xfrm>
-            <a:off x="10287026" y="2389518"/>
-            <a:ext cx="292654" cy="45719"/>
-          </a:xfrm>
-          <a:prstGeom prst="rect">
-            <a:avLst/>
-          </a:prstGeom>
-          <a:solidFill>
-            <a:schemeClr val="tx1">
-              <a:lumMod val="75000"/>
-              <a:lumOff val="25000"/>
-            </a:schemeClr>
-          </a:solidFill>
-        </p:spPr>
-        <p:style>
-          <a:lnRef idx="2">
-            <a:schemeClr val="accent1">
-              <a:shade val="50000"/>
-            </a:schemeClr>
-          </a:lnRef>
-          <a:fillRef idx="1">
-            <a:schemeClr val="accent1"/>
-          </a:fillRef>
-          <a:effectRef idx="0">
-            <a:schemeClr val="accent1"/>
-          </a:effectRef>
-          <a:fontRef idx="minor">
-            <a:schemeClr val="lt1"/>
-          </a:fontRef>
-        </p:style>
-        <p:txBody>
-          <a:bodyPr rtlCol="0" anchor="ctr"/>
-          <a:lstStyle/>
-          <a:p>
-            <a:pPr algn="ctr"/>
             <a:endParaRPr lang="fr-FR"/>
           </a:p>
         </p:txBody>
@@ -7380,7 +7856,7 @@
         </p:nvCxnSpPr>
         <p:spPr>
           <a:xfrm flipV="1">
-            <a:off x="10090977" y="1663812"/>
+            <a:off x="10090977" y="1736962"/>
             <a:ext cx="743640" cy="254854"/>
           </a:xfrm>
           <a:prstGeom prst="bentConnector3">
@@ -7427,7 +7903,7 @@
         </p:nvCxnSpPr>
         <p:spPr>
           <a:xfrm flipV="1">
-            <a:off x="10121654" y="2335609"/>
+            <a:off x="10121654" y="2408759"/>
             <a:ext cx="712963" cy="74726"/>
           </a:xfrm>
           <a:prstGeom prst="bentConnector3">
@@ -7475,7 +7951,7 @@
         </p:nvCxnSpPr>
         <p:spPr>
           <a:xfrm flipV="1">
-            <a:off x="10090977" y="1988759"/>
+            <a:off x="10090977" y="2061909"/>
             <a:ext cx="743641" cy="172056"/>
           </a:xfrm>
           <a:prstGeom prst="bentConnector3">
@@ -7519,7 +7995,7 @@
         </p:nvSpPr>
         <p:spPr>
           <a:xfrm>
-            <a:off x="9399378" y="1921847"/>
+            <a:off x="9399378" y="1899902"/>
             <a:ext cx="281515" cy="2123658"/>
           </a:xfrm>
           <a:prstGeom prst="rect">
@@ -7587,7 +8063,7 @@
         </p:nvSpPr>
         <p:spPr>
           <a:xfrm>
-            <a:off x="4758215" y="1911745"/>
+            <a:off x="4553395" y="1911745"/>
             <a:ext cx="524086" cy="276999"/>
           </a:xfrm>
           <a:prstGeom prst="rect">
@@ -7628,7 +8104,7 @@
         </p:nvSpPr>
         <p:spPr>
           <a:xfrm>
-            <a:off x="4713092" y="1596674"/>
+            <a:off x="4508272" y="1596674"/>
             <a:ext cx="573656" cy="279569"/>
           </a:xfrm>
           <a:prstGeom prst="ellipse">
@@ -7699,7 +8175,7 @@
         </p:nvCxnSpPr>
         <p:spPr>
           <a:xfrm>
-            <a:off x="8289775" y="1145549"/>
+            <a:off x="7997175" y="1145549"/>
             <a:ext cx="15625" cy="442446"/>
           </a:xfrm>
           <a:prstGeom prst="straightConnector1">
@@ -7746,7 +8222,7 @@
         </p:nvCxnSpPr>
         <p:spPr>
           <a:xfrm>
-            <a:off x="9092678" y="1214002"/>
+            <a:off x="8595258" y="1214002"/>
             <a:ext cx="0" cy="388732"/>
           </a:xfrm>
           <a:prstGeom prst="straightConnector1">
@@ -7791,8 +8267,8 @@
         </p:nvSpPr>
         <p:spPr>
           <a:xfrm>
-            <a:off x="8057616" y="1918108"/>
-            <a:ext cx="1268029" cy="276999"/>
+            <a:off x="7860112" y="1918108"/>
+            <a:ext cx="876248" cy="276999"/>
           </a:xfrm>
           <a:prstGeom prst="rect">
             <a:avLst/>
@@ -7813,7 +8289,7 @@
             <a:pPr algn="ctr"/>
             <a:r>
               <a:rPr lang="fr-FR" sz="1200" dirty="0"/>
-              <a:t>TWI</a:t>
+              <a:t>I2C</a:t>
             </a:r>
           </a:p>
         </p:txBody>
@@ -7832,7 +8308,7 @@
         </p:nvSpPr>
         <p:spPr>
           <a:xfrm>
-            <a:off x="8033413" y="1601918"/>
+            <a:off x="7733498" y="1601918"/>
             <a:ext cx="557168" cy="312108"/>
           </a:xfrm>
           <a:prstGeom prst="ellipse">
@@ -7901,7 +8377,7 @@
         </p:nvSpPr>
         <p:spPr>
           <a:xfrm>
-            <a:off x="8793932" y="1615940"/>
+            <a:off x="8325772" y="1601310"/>
             <a:ext cx="597492" cy="295833"/>
           </a:xfrm>
           <a:prstGeom prst="ellipse">
@@ -7970,8 +8446,8 @@
         </p:nvSpPr>
         <p:spPr>
           <a:xfrm>
-            <a:off x="8727934" y="383040"/>
-            <a:ext cx="1095554" cy="390849"/>
+            <a:off x="8485632" y="383040"/>
+            <a:ext cx="1337856" cy="390849"/>
           </a:xfrm>
           <a:prstGeom prst="rect">
             <a:avLst/>
@@ -7997,6 +8473,10 @@
           <a:p>
             <a:pPr algn="ctr"/>
             <a:r>
+              <a:rPr lang="fr-FR" sz="1200" dirty="0"/>
+              <a:t>3*</a:t>
+            </a:r>
+            <a:r>
               <a:rPr lang="fr-FR" sz="1200" dirty="0" err="1"/>
               <a:t>ToF</a:t>
             </a:r>
@@ -8025,7 +8505,7 @@
         </p:nvSpPr>
         <p:spPr>
           <a:xfrm>
-            <a:off x="7831349" y="374450"/>
+            <a:off x="7538749" y="374450"/>
             <a:ext cx="881437" cy="402134"/>
           </a:xfrm>
           <a:prstGeom prst="rect">
@@ -8067,61 +8547,19 @@
       </p:sp>
       <p:sp>
         <p:nvSpPr>
-          <p:cNvPr id="123" name="ZoneTexte 122">
-            <a:extLst>
-              <a:ext uri="{FF2B5EF4-FFF2-40B4-BE49-F238E27FC236}">
-                <a16:creationId xmlns:a16="http://schemas.microsoft.com/office/drawing/2014/main" id="{187CEC53-DFFE-46DE-9B7E-78BBD73A5556}"/>
-              </a:ext>
-            </a:extLst>
-          </p:cNvPr>
-          <p:cNvSpPr txBox="1"/>
+          <p:cNvPr id="128" name="Rectangle 127">
+            <a:extLst>
+              <a:ext uri="{FF2B5EF4-FFF2-40B4-BE49-F238E27FC236}">
+                <a16:creationId xmlns:a16="http://schemas.microsoft.com/office/drawing/2014/main" id="{6F4CB3D7-09C5-4B32-9601-5122FA8C1D58}"/>
+              </a:ext>
+            </a:extLst>
+          </p:cNvPr>
+          <p:cNvSpPr/>
           <p:nvPr/>
         </p:nvSpPr>
         <p:spPr>
           <a:xfrm>
-            <a:off x="9003909" y="782801"/>
-            <a:ext cx="1003584" cy="338554"/>
-          </a:xfrm>
-          <a:prstGeom prst="rect">
-            <a:avLst/>
-          </a:prstGeom>
-          <a:noFill/>
-        </p:spPr>
-        <p:txBody>
-          <a:bodyPr wrap="square" rtlCol="0">
-            <a:spAutoFit/>
-          </a:bodyPr>
-          <a:lstStyle/>
-          <a:p>
-            <a:r>
-              <a:rPr lang="fr-FR" sz="800" dirty="0" err="1"/>
-              <a:t>Address</a:t>
-            </a:r>
-            <a:endParaRPr lang="fr-FR" sz="800" dirty="0"/>
-          </a:p>
-          <a:p>
-            <a:r>
-              <a:rPr lang="fr-FR" sz="800" dirty="0"/>
-              <a:t>0x29 </a:t>
-            </a:r>
-          </a:p>
-        </p:txBody>
-      </p:sp>
-      <p:sp>
-        <p:nvSpPr>
-          <p:cNvPr id="128" name="Rectangle 127">
-            <a:extLst>
-              <a:ext uri="{FF2B5EF4-FFF2-40B4-BE49-F238E27FC236}">
-                <a16:creationId xmlns:a16="http://schemas.microsoft.com/office/drawing/2014/main" id="{6F4CB3D7-09C5-4B32-9601-5122FA8C1D58}"/>
-              </a:ext>
-            </a:extLst>
-          </p:cNvPr>
-          <p:cNvSpPr/>
-          <p:nvPr/>
-        </p:nvSpPr>
-        <p:spPr>
-          <a:xfrm>
-            <a:off x="9365035" y="5047962"/>
+            <a:off x="9372350" y="5026017"/>
             <a:ext cx="294784" cy="830997"/>
           </a:xfrm>
           <a:prstGeom prst="rect">
@@ -8168,7 +8606,7 @@
         </p:nvCxnSpPr>
         <p:spPr>
           <a:xfrm flipH="1">
-            <a:off x="2725100" y="1164112"/>
+            <a:off x="2520280" y="1164112"/>
             <a:ext cx="8230" cy="468246"/>
           </a:xfrm>
           <a:prstGeom prst="straightConnector1">
@@ -8215,7 +8653,7 @@
         </p:nvCxnSpPr>
         <p:spPr>
           <a:xfrm flipH="1">
-            <a:off x="6626145" y="1104343"/>
+            <a:off x="6421325" y="1104343"/>
             <a:ext cx="5765" cy="492554"/>
           </a:xfrm>
           <a:prstGeom prst="straightConnector1">
@@ -8260,7 +8698,7 @@
         </p:nvSpPr>
         <p:spPr>
           <a:xfrm>
-            <a:off x="2468049" y="1916127"/>
+            <a:off x="2263229" y="1916127"/>
             <a:ext cx="1094468" cy="276999"/>
           </a:xfrm>
           <a:prstGeom prst="rect">
@@ -8301,7 +8739,7 @@
         </p:nvSpPr>
         <p:spPr>
           <a:xfrm>
-            <a:off x="3058578" y="1632204"/>
+            <a:off x="2853758" y="1632204"/>
             <a:ext cx="490809" cy="286308"/>
           </a:xfrm>
           <a:prstGeom prst="ellipse">
@@ -8370,7 +8808,7 @@
         </p:nvSpPr>
         <p:spPr>
           <a:xfrm>
-            <a:off x="2485105" y="1625263"/>
+            <a:off x="2280285" y="1625263"/>
             <a:ext cx="490809" cy="286308"/>
           </a:xfrm>
           <a:prstGeom prst="ellipse">
@@ -8439,7 +8877,7 @@
         </p:nvSpPr>
         <p:spPr>
           <a:xfrm>
-            <a:off x="10299135" y="2570366"/>
+            <a:off x="10299135" y="2611617"/>
             <a:ext cx="1207065" cy="273425"/>
           </a:xfrm>
           <a:prstGeom prst="rect">
@@ -8499,8 +8937,8 @@
         </p:nvSpPr>
         <p:spPr>
           <a:xfrm>
-            <a:off x="6429691" y="728743"/>
-            <a:ext cx="1301174" cy="390849"/>
+            <a:off x="6224871" y="728743"/>
+            <a:ext cx="1223714" cy="390849"/>
           </a:xfrm>
           <a:prstGeom prst="rect">
             <a:avLst/>
@@ -8749,7 +9187,7 @@
         </p:nvSpPr>
         <p:spPr>
           <a:xfrm>
-            <a:off x="3278426" y="1177599"/>
+            <a:off x="3073606" y="1177599"/>
             <a:ext cx="389850" cy="215444"/>
           </a:xfrm>
           <a:prstGeom prst="rect">
@@ -8787,7 +9225,7 @@
         </p:nvSpPr>
         <p:spPr>
           <a:xfrm>
-            <a:off x="2545497" y="1169859"/>
+            <a:off x="2340677" y="1169859"/>
             <a:ext cx="401072" cy="215444"/>
           </a:xfrm>
           <a:prstGeom prst="rect">
@@ -9471,7 +9909,7 @@
         </p:nvCxnSpPr>
         <p:spPr>
           <a:xfrm>
-            <a:off x="11187608" y="1663812"/>
+            <a:off x="11187608" y="1736962"/>
             <a:ext cx="587648" cy="325800"/>
           </a:xfrm>
           <a:prstGeom prst="bentConnector3">
@@ -9517,7 +9955,7 @@
         </p:nvCxnSpPr>
         <p:spPr>
           <a:xfrm flipV="1">
-            <a:off x="11186259" y="1988758"/>
+            <a:off x="11186259" y="2061908"/>
             <a:ext cx="553734" cy="359648"/>
           </a:xfrm>
           <a:prstGeom prst="bentConnector3">
@@ -9560,7 +9998,7 @@
         </p:nvCxnSpPr>
         <p:spPr>
           <a:xfrm flipV="1">
-            <a:off x="11186260" y="1988764"/>
+            <a:off x="11186260" y="2061914"/>
             <a:ext cx="658560" cy="1"/>
           </a:xfrm>
           <a:prstGeom prst="line">
@@ -9642,8 +10080,8 @@
         </p:nvCxnSpPr>
         <p:spPr>
           <a:xfrm flipV="1">
-            <a:off x="8289775" y="1137805"/>
-            <a:ext cx="3512544" cy="2992"/>
+            <a:off x="7878974" y="1137805"/>
+            <a:ext cx="3923345" cy="18295"/>
           </a:xfrm>
           <a:prstGeom prst="line">
             <a:avLst/>
@@ -9685,8 +10123,8 @@
         </p:nvCxnSpPr>
         <p:spPr>
           <a:xfrm>
-            <a:off x="9078521" y="1243548"/>
-            <a:ext cx="3058448" cy="16453"/>
+            <a:off x="8990741" y="1243548"/>
+            <a:ext cx="3146228" cy="34033"/>
           </a:xfrm>
           <a:prstGeom prst="line">
             <a:avLst/>
@@ -9766,20 +10204,24 @@
           </p:cNvPr>
           <p:cNvCxnSpPr>
             <a:cxnSpLocks/>
+            <a:endCxn id="229" idx="2"/>
           </p:cNvCxnSpPr>
           <p:nvPr/>
         </p:nvCxnSpPr>
         <p:spPr>
-          <a:xfrm rot="16200000" flipH="1">
-            <a:off x="9061914" y="799951"/>
-            <a:ext cx="364215" cy="291992"/>
-          </a:xfrm>
-          <a:prstGeom prst="bentConnector3">
-            <a:avLst/>
+          <a:xfrm rot="5400000">
+            <a:off x="8169267" y="1498022"/>
+            <a:ext cx="2163549" cy="710066"/>
+          </a:xfrm>
+          <a:prstGeom prst="bentConnector4">
+            <a:avLst>
+              <a:gd name="adj1" fmla="val 59629"/>
+              <a:gd name="adj2" fmla="val 113650"/>
+            </a:avLst>
           </a:prstGeom>
           <a:ln w="19050">
             <a:solidFill>
-              <a:srgbClr val="0070C0"/>
+              <a:srgbClr val="00B050"/>
             </a:solidFill>
           </a:ln>
         </p:spPr>
@@ -9809,13 +10251,12 @@
           </p:cNvPr>
           <p:cNvCxnSpPr>
             <a:cxnSpLocks/>
-            <a:stCxn id="122" idx="2"/>
           </p:cNvCxnSpPr>
           <p:nvPr/>
         </p:nvCxnSpPr>
         <p:spPr>
           <a:xfrm rot="16200000" flipH="1">
-            <a:off x="8199533" y="849118"/>
+            <a:off x="7577758" y="849118"/>
             <a:ext cx="373750" cy="228681"/>
           </a:xfrm>
           <a:prstGeom prst="bentConnector3">
@@ -9858,7 +10299,7 @@
         </p:nvCxnSpPr>
         <p:spPr>
           <a:xfrm>
-            <a:off x="8567432" y="780230"/>
+            <a:off x="8369927" y="780230"/>
             <a:ext cx="625036" cy="463318"/>
           </a:xfrm>
           <a:prstGeom prst="bentConnector3">
@@ -9903,7 +10344,7 @@
         </p:nvCxnSpPr>
         <p:spPr>
           <a:xfrm>
-            <a:off x="9549311" y="782796"/>
+            <a:off x="9739501" y="782796"/>
             <a:ext cx="601287" cy="463318"/>
           </a:xfrm>
           <a:prstGeom prst="bentConnector3">
@@ -10237,7 +10678,7 @@
         </p:nvCxnSpPr>
         <p:spPr>
           <a:xfrm flipV="1">
-            <a:off x="8271168" y="91164"/>
+            <a:off x="8000513" y="91164"/>
             <a:ext cx="0" cy="291876"/>
           </a:xfrm>
           <a:prstGeom prst="line">
@@ -10366,7 +10807,7 @@
         </p:nvCxnSpPr>
         <p:spPr>
           <a:xfrm flipV="1">
-            <a:off x="8132683" y="276899"/>
+            <a:off x="7759618" y="276899"/>
             <a:ext cx="0" cy="97552"/>
           </a:xfrm>
           <a:prstGeom prst="line">
@@ -10536,7 +10977,7 @@
         </p:nvCxnSpPr>
         <p:spPr>
           <a:xfrm flipV="1">
-            <a:off x="3155617" y="91164"/>
+            <a:off x="2848387" y="91164"/>
             <a:ext cx="0" cy="672674"/>
           </a:xfrm>
           <a:prstGeom prst="line">
@@ -10579,7 +11020,7 @@
         </p:nvCxnSpPr>
         <p:spPr>
           <a:xfrm flipV="1">
-            <a:off x="2950531" y="268757"/>
+            <a:off x="2701821" y="268757"/>
             <a:ext cx="0" cy="488154"/>
           </a:xfrm>
           <a:prstGeom prst="line">
@@ -10620,7 +11061,7 @@
         </p:nvSpPr>
         <p:spPr>
           <a:xfrm>
-            <a:off x="2564466" y="764032"/>
+            <a:off x="2359646" y="764032"/>
             <a:ext cx="881437" cy="390849"/>
           </a:xfrm>
           <a:prstGeom prst="rect">
@@ -10682,7 +11123,7 @@
         </p:nvSpPr>
         <p:spPr>
           <a:xfrm>
-            <a:off x="9662787" y="2599183"/>
+            <a:off x="9662787" y="2640434"/>
             <a:ext cx="479833" cy="220039"/>
           </a:xfrm>
           <a:prstGeom prst="ellipse">
@@ -10742,7 +11183,7 @@
         </p:nvCxnSpPr>
         <p:spPr>
           <a:xfrm flipV="1">
-            <a:off x="10148797" y="2707078"/>
+            <a:off x="10148797" y="2758962"/>
             <a:ext cx="156515" cy="2124"/>
           </a:xfrm>
           <a:prstGeom prst="bentConnector3">
@@ -10866,8 +11307,8 @@
         </p:nvCxnSpPr>
         <p:spPr>
           <a:xfrm flipH="1">
-            <a:off x="11978315" y="2693450"/>
-            <a:ext cx="23894" cy="3580523"/>
+            <a:off x="11978315" y="2792013"/>
+            <a:ext cx="19427" cy="3401495"/>
           </a:xfrm>
           <a:prstGeom prst="line">
             <a:avLst/>
@@ -10908,9 +11349,9 @@
           <p:nvPr/>
         </p:nvCxnSpPr>
         <p:spPr>
-          <a:xfrm>
-            <a:off x="11735870" y="2717411"/>
-            <a:ext cx="0" cy="3565396"/>
+          <a:xfrm flipH="1">
+            <a:off x="11735871" y="2704595"/>
+            <a:ext cx="4426" cy="3570897"/>
           </a:xfrm>
           <a:prstGeom prst="line">
             <a:avLst/>
@@ -10952,7 +11393,7 @@
         </p:nvCxnSpPr>
         <p:spPr>
           <a:xfrm flipV="1">
-            <a:off x="11506200" y="2755799"/>
+            <a:off x="11506200" y="2711909"/>
             <a:ext cx="229670" cy="1"/>
           </a:xfrm>
           <a:prstGeom prst="line">
@@ -10995,7 +11436,7 @@
         </p:nvCxnSpPr>
         <p:spPr>
           <a:xfrm flipV="1">
-            <a:off x="11506200" y="2689601"/>
+            <a:off x="11506200" y="2792011"/>
             <a:ext cx="496009" cy="2"/>
           </a:xfrm>
           <a:prstGeom prst="line">
@@ -11197,7 +11638,7 @@
         </p:nvSpPr>
         <p:spPr>
           <a:xfrm>
-            <a:off x="10299129" y="2907823"/>
+            <a:off x="10299129" y="2923811"/>
             <a:ext cx="1207065" cy="273425"/>
           </a:xfrm>
           <a:prstGeom prst="rect">
@@ -11253,7 +11694,7 @@
         </p:nvSpPr>
         <p:spPr>
           <a:xfrm>
-            <a:off x="9662781" y="2936640"/>
+            <a:off x="9662781" y="2949989"/>
             <a:ext cx="479833" cy="220039"/>
           </a:xfrm>
           <a:prstGeom prst="ellipse">
@@ -11314,13 +11755,13 @@
           <p:nvPr/>
         </p:nvCxnSpPr>
         <p:spPr>
-          <a:xfrm flipV="1">
-            <a:off x="10142614" y="3044536"/>
-            <a:ext cx="156515" cy="2124"/>
+          <a:xfrm>
+            <a:off x="10142614" y="3060009"/>
+            <a:ext cx="156515" cy="515"/>
           </a:xfrm>
           <a:prstGeom prst="bentConnector3">
             <a:avLst>
-              <a:gd name="adj1" fmla="val 50001"/>
+              <a:gd name="adj1" fmla="val 50000"/>
             </a:avLst>
           </a:prstGeom>
           <a:ln w="19050">
@@ -11361,7 +11802,7 @@
         </p:nvCxnSpPr>
         <p:spPr>
           <a:xfrm flipV="1">
-            <a:off x="11506194" y="3000665"/>
+            <a:off x="11506194" y="3015295"/>
             <a:ext cx="229670" cy="1"/>
           </a:xfrm>
           <a:prstGeom prst="line">
@@ -11404,7 +11845,7 @@
         </p:nvCxnSpPr>
         <p:spPr>
           <a:xfrm flipV="1">
-            <a:off x="11506194" y="3098080"/>
+            <a:off x="11506194" y="3105395"/>
             <a:ext cx="496009" cy="2"/>
           </a:xfrm>
           <a:prstGeom prst="line">
@@ -11445,7 +11886,7 @@
         </p:nvSpPr>
         <p:spPr>
           <a:xfrm>
-            <a:off x="10320911" y="3256167"/>
+            <a:off x="10306281" y="3234222"/>
             <a:ext cx="1207065" cy="273425"/>
           </a:xfrm>
           <a:prstGeom prst="rect">
@@ -11497,7 +11938,7 @@
         </p:nvSpPr>
         <p:spPr>
           <a:xfrm>
-            <a:off x="9684563" y="3284984"/>
+            <a:off x="9684563" y="3255724"/>
             <a:ext cx="479833" cy="220039"/>
           </a:xfrm>
           <a:prstGeom prst="ellipse">
@@ -11558,9 +11999,9 @@
           <p:nvPr/>
         </p:nvCxnSpPr>
         <p:spPr>
-          <a:xfrm flipV="1">
-            <a:off x="10164396" y="3392880"/>
-            <a:ext cx="156515" cy="2124"/>
+          <a:xfrm>
+            <a:off x="10164396" y="3365744"/>
+            <a:ext cx="141885" cy="5191"/>
           </a:xfrm>
           <a:prstGeom prst="bentConnector3">
             <a:avLst>
@@ -11605,7 +12046,7 @@
         </p:nvCxnSpPr>
         <p:spPr>
           <a:xfrm flipV="1">
-            <a:off x="11527976" y="3342659"/>
+            <a:off x="11513346" y="3320714"/>
             <a:ext cx="229670" cy="1"/>
           </a:xfrm>
           <a:prstGeom prst="line">
@@ -11648,7 +12089,7 @@
         </p:nvCxnSpPr>
         <p:spPr>
           <a:xfrm flipV="1">
-            <a:off x="11527976" y="3435537"/>
+            <a:off x="11527976" y="3398962"/>
             <a:ext cx="466151" cy="10889"/>
           </a:xfrm>
           <a:prstGeom prst="line">
@@ -11771,7 +12212,7 @@
         </p:nvSpPr>
         <p:spPr>
           <a:xfrm>
-            <a:off x="9365035" y="4124967"/>
+            <a:off x="9365035" y="4148872"/>
             <a:ext cx="302595" cy="830997"/>
           </a:xfrm>
           <a:prstGeom prst="rect">
@@ -12359,7 +12800,7 @@
         </p:nvSpPr>
         <p:spPr>
           <a:xfrm>
-            <a:off x="9654705" y="4808223"/>
+            <a:off x="9662020" y="4808223"/>
             <a:ext cx="479833" cy="220039"/>
           </a:xfrm>
           <a:prstGeom prst="ellipse">
@@ -12421,8 +12862,8 @@
         </p:nvCxnSpPr>
         <p:spPr>
           <a:xfrm flipV="1">
-            <a:off x="10134538" y="4916119"/>
-            <a:ext cx="156515" cy="2124"/>
+            <a:off x="10141853" y="4916119"/>
+            <a:ext cx="149200" cy="2124"/>
           </a:xfrm>
           <a:prstGeom prst="bentConnector3">
             <a:avLst>
@@ -12554,7 +12995,7 @@
         </p:nvCxnSpPr>
         <p:spPr>
           <a:xfrm>
-            <a:off x="6101098" y="1117675"/>
+            <a:off x="5896278" y="1117675"/>
             <a:ext cx="1" cy="523424"/>
           </a:xfrm>
           <a:prstGeom prst="straightConnector1">
@@ -12599,7 +13040,7 @@
         </p:nvSpPr>
         <p:spPr>
           <a:xfrm>
-            <a:off x="5434536" y="1903457"/>
+            <a:off x="5229716" y="1903457"/>
             <a:ext cx="880291" cy="276999"/>
           </a:xfrm>
           <a:prstGeom prst="rect">
@@ -12640,7 +13081,7 @@
         </p:nvSpPr>
         <p:spPr>
           <a:xfrm>
-            <a:off x="5855694" y="1641099"/>
+            <a:off x="5650874" y="1641099"/>
             <a:ext cx="490809" cy="286308"/>
           </a:xfrm>
           <a:prstGeom prst="ellipse">
@@ -12709,7 +13150,7 @@
         </p:nvSpPr>
         <p:spPr>
           <a:xfrm>
-            <a:off x="5320268" y="1606538"/>
+            <a:off x="5115448" y="1606538"/>
             <a:ext cx="490809" cy="286308"/>
           </a:xfrm>
           <a:prstGeom prst="ellipse">
@@ -12780,7 +13221,7 @@
         </p:nvCxnSpPr>
         <p:spPr>
           <a:xfrm flipH="1">
-            <a:off x="5588977" y="1096301"/>
+            <a:off x="5384157" y="1096301"/>
             <a:ext cx="5765" cy="492554"/>
           </a:xfrm>
           <a:prstGeom prst="straightConnector1">
@@ -12825,7 +13266,7 @@
         </p:nvSpPr>
         <p:spPr>
           <a:xfrm>
-            <a:off x="4666023" y="737206"/>
+            <a:off x="4461203" y="737206"/>
             <a:ext cx="1694051" cy="390849"/>
           </a:xfrm>
           <a:prstGeom prst="rect">
@@ -12927,7 +13368,7 @@
         </p:nvSpPr>
         <p:spPr>
           <a:xfrm>
-            <a:off x="10286361" y="3693338"/>
+            <a:off x="10293676" y="3645374"/>
             <a:ext cx="1207065" cy="273425"/>
           </a:xfrm>
           <a:prstGeom prst="rect">
@@ -12975,7 +13416,7 @@
         </p:nvSpPr>
         <p:spPr>
           <a:xfrm>
-            <a:off x="9673803" y="3730704"/>
+            <a:off x="9673803" y="3679422"/>
             <a:ext cx="479833" cy="220039"/>
           </a:xfrm>
           <a:prstGeom prst="ellipse">
@@ -13037,8 +13478,8 @@
         </p:nvCxnSpPr>
         <p:spPr>
           <a:xfrm flipV="1">
-            <a:off x="10153636" y="3830051"/>
-            <a:ext cx="132725" cy="10673"/>
+            <a:off x="10153636" y="3782087"/>
+            <a:ext cx="140040" cy="7355"/>
           </a:xfrm>
           <a:prstGeom prst="bentConnector3">
             <a:avLst>
@@ -13083,7 +13524,7 @@
         </p:nvCxnSpPr>
         <p:spPr>
           <a:xfrm flipV="1">
-            <a:off x="11525257" y="3742400"/>
+            <a:off x="11510627" y="3713140"/>
             <a:ext cx="229670" cy="1"/>
           </a:xfrm>
           <a:prstGeom prst="line">
@@ -13126,7 +13567,7 @@
         </p:nvCxnSpPr>
         <p:spPr>
           <a:xfrm>
-            <a:off x="11517548" y="3856925"/>
+            <a:off x="11517548" y="3813035"/>
             <a:ext cx="478212" cy="3940"/>
           </a:xfrm>
           <a:prstGeom prst="line">
@@ -13167,7 +13608,7 @@
         </p:nvSpPr>
         <p:spPr>
           <a:xfrm>
-            <a:off x="10212689" y="1700340"/>
+            <a:off x="10212689" y="1773490"/>
             <a:ext cx="590765" cy="246221"/>
           </a:xfrm>
           <a:prstGeom prst="rect">
@@ -13202,7 +13643,7 @@
         </p:nvSpPr>
         <p:spPr>
           <a:xfrm>
-            <a:off x="10193003" y="1941080"/>
+            <a:off x="10193003" y="2014230"/>
             <a:ext cx="590765" cy="246221"/>
           </a:xfrm>
           <a:prstGeom prst="rect">
@@ -13237,7 +13678,7 @@
         </p:nvSpPr>
         <p:spPr>
           <a:xfrm>
-            <a:off x="10208589" y="2216776"/>
+            <a:off x="10208589" y="2289926"/>
             <a:ext cx="590765" cy="246221"/>
           </a:xfrm>
           <a:prstGeom prst="rect">
@@ -13966,7 +14407,7 @@
         </p:nvCxnSpPr>
         <p:spPr>
           <a:xfrm flipH="1">
-            <a:off x="4177165" y="1113544"/>
+            <a:off x="3972345" y="1113544"/>
             <a:ext cx="5342" cy="508151"/>
           </a:xfrm>
           <a:prstGeom prst="straightConnector1">
@@ -14011,7 +14452,7 @@
         </p:nvSpPr>
         <p:spPr>
           <a:xfrm>
-            <a:off x="3926955" y="1925690"/>
+            <a:off x="3722135" y="1925690"/>
             <a:ext cx="524086" cy="276999"/>
           </a:xfrm>
           <a:prstGeom prst="rect">
@@ -14052,7 +14493,7 @@
         </p:nvSpPr>
         <p:spPr>
           <a:xfrm>
-            <a:off x="3881167" y="1615267"/>
+            <a:off x="3676347" y="1615267"/>
             <a:ext cx="573656" cy="279569"/>
           </a:xfrm>
           <a:prstGeom prst="ellipse">
@@ -14121,7 +14562,7 @@
         </p:nvSpPr>
         <p:spPr>
           <a:xfrm>
-            <a:off x="3699075" y="742505"/>
+            <a:off x="3494255" y="742505"/>
             <a:ext cx="881437" cy="390849"/>
           </a:xfrm>
           <a:prstGeom prst="rect">
@@ -14178,7 +14619,7 @@
         </p:nvCxnSpPr>
         <p:spPr>
           <a:xfrm flipV="1">
-            <a:off x="3973457" y="257029"/>
+            <a:off x="3746692" y="257029"/>
             <a:ext cx="0" cy="488154"/>
           </a:xfrm>
           <a:prstGeom prst="line">
@@ -14264,7 +14705,7 @@
         </p:nvCxnSpPr>
         <p:spPr>
           <a:xfrm flipH="1" flipV="1">
-            <a:off x="7127708" y="275684"/>
+            <a:off x="6688808" y="275684"/>
             <a:ext cx="192" cy="453059"/>
           </a:xfrm>
           <a:prstGeom prst="line">
@@ -14307,7 +14748,7 @@
         </p:nvCxnSpPr>
         <p:spPr>
           <a:xfrm flipV="1">
-            <a:off x="4130678" y="64718"/>
+            <a:off x="3903913" y="64718"/>
             <a:ext cx="0" cy="672674"/>
           </a:xfrm>
           <a:prstGeom prst="line">
@@ -14409,8 +14850,8 @@
         </p:nvCxnSpPr>
         <p:spPr>
           <a:xfrm rot="16200000" flipH="1">
-            <a:off x="6927076" y="1733992"/>
-            <a:ext cx="2589556" cy="1361583"/>
+            <a:off x="6780946" y="1587861"/>
+            <a:ext cx="2612173" cy="1631227"/>
           </a:xfrm>
           <a:prstGeom prst="bentConnector2">
             <a:avLst/>
@@ -14454,7 +14895,7 @@
         </p:nvSpPr>
         <p:spPr>
           <a:xfrm rot="16200000">
-            <a:off x="7306372" y="1522347"/>
+            <a:off x="7101552" y="1522347"/>
             <a:ext cx="694067" cy="215444"/>
           </a:xfrm>
           <a:prstGeom prst="rect">
@@ -14478,6 +14919,696 @@
           </a:p>
         </p:txBody>
       </p:sp>
+      <p:sp>
+        <p:nvSpPr>
+          <p:cNvPr id="227" name="Ellipse 226">
+            <a:extLst>
+              <a:ext uri="{FF2B5EF4-FFF2-40B4-BE49-F238E27FC236}">
+                <a16:creationId xmlns:a16="http://schemas.microsoft.com/office/drawing/2014/main" id="{F4E99CB5-2A95-4DCD-B8D9-527C49399FD4}"/>
+              </a:ext>
+            </a:extLst>
+          </p:cNvPr>
+          <p:cNvSpPr/>
+          <p:nvPr/>
+        </p:nvSpPr>
+        <p:spPr>
+          <a:xfrm>
+            <a:off x="8908678" y="3337843"/>
+            <a:ext cx="479833" cy="220039"/>
+          </a:xfrm>
+          <a:prstGeom prst="ellipse">
+            <a:avLst/>
+          </a:prstGeom>
+          <a:solidFill>
+            <a:schemeClr val="bg2">
+              <a:lumMod val="90000"/>
+            </a:schemeClr>
+          </a:solidFill>
+        </p:spPr>
+        <p:style>
+          <a:lnRef idx="2">
+            <a:schemeClr val="accent1">
+              <a:shade val="50000"/>
+            </a:schemeClr>
+          </a:lnRef>
+          <a:fillRef idx="1">
+            <a:schemeClr val="accent1"/>
+          </a:fillRef>
+          <a:effectRef idx="0">
+            <a:schemeClr val="accent1"/>
+          </a:effectRef>
+          <a:fontRef idx="minor">
+            <a:schemeClr val="lt1"/>
+          </a:fontRef>
+        </p:style>
+        <p:txBody>
+          <a:bodyPr rtlCol="0" anchor="ctr"/>
+          <a:lstStyle/>
+          <a:p>
+            <a:pPr algn="ctr"/>
+            <a:r>
+              <a:rPr lang="fr-FR" sz="900" dirty="0">
+                <a:solidFill>
+                  <a:schemeClr val="tx1"/>
+                </a:solidFill>
+              </a:rPr>
+              <a:t>39</a:t>
+            </a:r>
+          </a:p>
+        </p:txBody>
+      </p:sp>
+      <p:sp>
+        <p:nvSpPr>
+          <p:cNvPr id="228" name="Ellipse 227">
+            <a:extLst>
+              <a:ext uri="{FF2B5EF4-FFF2-40B4-BE49-F238E27FC236}">
+                <a16:creationId xmlns:a16="http://schemas.microsoft.com/office/drawing/2014/main" id="{F4E99CB5-2A95-4DCD-B8D9-527C49399FD4}"/>
+              </a:ext>
+            </a:extLst>
+          </p:cNvPr>
+          <p:cNvSpPr/>
+          <p:nvPr/>
+        </p:nvSpPr>
+        <p:spPr>
+          <a:xfrm>
+            <a:off x="8908024" y="3077746"/>
+            <a:ext cx="479833" cy="220039"/>
+          </a:xfrm>
+          <a:prstGeom prst="ellipse">
+            <a:avLst/>
+          </a:prstGeom>
+          <a:solidFill>
+            <a:schemeClr val="bg2">
+              <a:lumMod val="90000"/>
+            </a:schemeClr>
+          </a:solidFill>
+        </p:spPr>
+        <p:style>
+          <a:lnRef idx="2">
+            <a:schemeClr val="accent1">
+              <a:shade val="50000"/>
+            </a:schemeClr>
+          </a:lnRef>
+          <a:fillRef idx="1">
+            <a:schemeClr val="accent1"/>
+          </a:fillRef>
+          <a:effectRef idx="0">
+            <a:schemeClr val="accent1"/>
+          </a:effectRef>
+          <a:fontRef idx="minor">
+            <a:schemeClr val="lt1"/>
+          </a:fontRef>
+        </p:style>
+        <p:txBody>
+          <a:bodyPr rtlCol="0" anchor="ctr"/>
+          <a:lstStyle/>
+          <a:p>
+            <a:pPr algn="ctr"/>
+            <a:r>
+              <a:rPr lang="fr-FR" sz="900" dirty="0">
+                <a:solidFill>
+                  <a:schemeClr val="tx1"/>
+                </a:solidFill>
+              </a:rPr>
+              <a:t>37</a:t>
+            </a:r>
+          </a:p>
+        </p:txBody>
+      </p:sp>
+      <p:sp>
+        <p:nvSpPr>
+          <p:cNvPr id="229" name="Ellipse 228">
+            <a:extLst>
+              <a:ext uri="{FF2B5EF4-FFF2-40B4-BE49-F238E27FC236}">
+                <a16:creationId xmlns:a16="http://schemas.microsoft.com/office/drawing/2014/main" id="{F4E99CB5-2A95-4DCD-B8D9-527C49399FD4}"/>
+              </a:ext>
+            </a:extLst>
+          </p:cNvPr>
+          <p:cNvSpPr/>
+          <p:nvPr/>
+        </p:nvSpPr>
+        <p:spPr>
+          <a:xfrm>
+            <a:off x="8896008" y="2824810"/>
+            <a:ext cx="479833" cy="220039"/>
+          </a:xfrm>
+          <a:prstGeom prst="ellipse">
+            <a:avLst/>
+          </a:prstGeom>
+          <a:solidFill>
+            <a:schemeClr val="bg2">
+              <a:lumMod val="90000"/>
+            </a:schemeClr>
+          </a:solidFill>
+        </p:spPr>
+        <p:style>
+          <a:lnRef idx="2">
+            <a:schemeClr val="accent1">
+              <a:shade val="50000"/>
+            </a:schemeClr>
+          </a:lnRef>
+          <a:fillRef idx="1">
+            <a:schemeClr val="accent1"/>
+          </a:fillRef>
+          <a:effectRef idx="0">
+            <a:schemeClr val="accent1"/>
+          </a:effectRef>
+          <a:fontRef idx="minor">
+            <a:schemeClr val="lt1"/>
+          </a:fontRef>
+        </p:style>
+        <p:txBody>
+          <a:bodyPr rtlCol="0" anchor="ctr"/>
+          <a:lstStyle/>
+          <a:p>
+            <a:pPr algn="ctr"/>
+            <a:r>
+              <a:rPr lang="fr-FR" sz="900" dirty="0">
+                <a:solidFill>
+                  <a:schemeClr val="tx1"/>
+                </a:solidFill>
+              </a:rPr>
+              <a:t>35</a:t>
+            </a:r>
+          </a:p>
+        </p:txBody>
+      </p:sp>
+      <p:cxnSp>
+        <p:nvCxnSpPr>
+          <p:cNvPr id="233" name="Connecteur : en angle 144">
+            <a:extLst>
+              <a:ext uri="{FF2B5EF4-FFF2-40B4-BE49-F238E27FC236}">
+                <a16:creationId xmlns:a16="http://schemas.microsoft.com/office/drawing/2014/main" id="{4AA10393-57AE-4C97-9984-996252DAAFB9}"/>
+              </a:ext>
+            </a:extLst>
+          </p:cNvPr>
+          <p:cNvCxnSpPr>
+            <a:cxnSpLocks/>
+          </p:cNvCxnSpPr>
+          <p:nvPr/>
+        </p:nvCxnSpPr>
+        <p:spPr>
+          <a:xfrm rot="16200000" flipH="1">
+            <a:off x="8541334" y="827996"/>
+            <a:ext cx="364215" cy="291992"/>
+          </a:xfrm>
+          <a:prstGeom prst="bentConnector3">
+            <a:avLst/>
+          </a:prstGeom>
+          <a:ln w="19050">
+            <a:solidFill>
+              <a:srgbClr val="0070C0"/>
+            </a:solidFill>
+          </a:ln>
+        </p:spPr>
+        <p:style>
+          <a:lnRef idx="1">
+            <a:schemeClr val="accent1"/>
+          </a:lnRef>
+          <a:fillRef idx="0">
+            <a:schemeClr val="accent1"/>
+          </a:fillRef>
+          <a:effectRef idx="0">
+            <a:schemeClr val="accent1"/>
+          </a:effectRef>
+          <a:fontRef idx="minor">
+            <a:schemeClr val="tx1"/>
+          </a:fontRef>
+        </p:style>
+      </p:cxnSp>
+      <p:cxnSp>
+        <p:nvCxnSpPr>
+          <p:cNvPr id="234" name="Connecteur : en angle 144">
+            <a:extLst>
+              <a:ext uri="{FF2B5EF4-FFF2-40B4-BE49-F238E27FC236}">
+                <a16:creationId xmlns:a16="http://schemas.microsoft.com/office/drawing/2014/main" id="{4AA10393-57AE-4C97-9984-996252DAAFB9}"/>
+              </a:ext>
+            </a:extLst>
+          </p:cNvPr>
+          <p:cNvCxnSpPr>
+            <a:cxnSpLocks/>
+            <a:endCxn id="228" idx="2"/>
+          </p:cNvCxnSpPr>
+          <p:nvPr/>
+        </p:nvCxnSpPr>
+        <p:spPr>
+          <a:xfrm rot="5400000">
+            <a:off x="8015204" y="1662701"/>
+            <a:ext cx="2417886" cy="632245"/>
+          </a:xfrm>
+          <a:prstGeom prst="bentConnector4">
+            <a:avLst>
+              <a:gd name="adj1" fmla="val 53776"/>
+              <a:gd name="adj2" fmla="val 117644"/>
+            </a:avLst>
+          </a:prstGeom>
+          <a:ln w="19050">
+            <a:solidFill>
+              <a:srgbClr val="00B050"/>
+            </a:solidFill>
+          </a:ln>
+        </p:spPr>
+        <p:style>
+          <a:lnRef idx="1">
+            <a:schemeClr val="accent1"/>
+          </a:lnRef>
+          <a:fillRef idx="0">
+            <a:schemeClr val="accent1"/>
+          </a:fillRef>
+          <a:effectRef idx="0">
+            <a:schemeClr val="accent1"/>
+          </a:effectRef>
+          <a:fontRef idx="minor">
+            <a:schemeClr val="tx1"/>
+          </a:fontRef>
+        </p:style>
+      </p:cxnSp>
+      <p:cxnSp>
+        <p:nvCxnSpPr>
+          <p:cNvPr id="235" name="Connecteur : en angle 144">
+            <a:extLst>
+              <a:ext uri="{FF2B5EF4-FFF2-40B4-BE49-F238E27FC236}">
+                <a16:creationId xmlns:a16="http://schemas.microsoft.com/office/drawing/2014/main" id="{4AA10393-57AE-4C97-9984-996252DAAFB9}"/>
+              </a:ext>
+            </a:extLst>
+          </p:cNvPr>
+          <p:cNvCxnSpPr>
+            <a:cxnSpLocks/>
+            <a:endCxn id="227" idx="2"/>
+          </p:cNvCxnSpPr>
+          <p:nvPr/>
+        </p:nvCxnSpPr>
+        <p:spPr>
+          <a:xfrm rot="5400000">
+            <a:off x="7866014" y="1819249"/>
+            <a:ext cx="2671279" cy="585949"/>
+          </a:xfrm>
+          <a:prstGeom prst="bentConnector4">
+            <a:avLst>
+              <a:gd name="adj1" fmla="val 47941"/>
+              <a:gd name="adj2" fmla="val 119039"/>
+            </a:avLst>
+          </a:prstGeom>
+          <a:ln w="19050">
+            <a:solidFill>
+              <a:srgbClr val="00B050"/>
+            </a:solidFill>
+          </a:ln>
+        </p:spPr>
+        <p:style>
+          <a:lnRef idx="1">
+            <a:schemeClr val="accent1"/>
+          </a:lnRef>
+          <a:fillRef idx="0">
+            <a:schemeClr val="accent1"/>
+          </a:fillRef>
+          <a:effectRef idx="0">
+            <a:schemeClr val="accent1"/>
+          </a:effectRef>
+          <a:fontRef idx="minor">
+            <a:schemeClr val="tx1"/>
+          </a:fontRef>
+        </p:style>
+      </p:cxnSp>
+      <p:sp>
+        <p:nvSpPr>
+          <p:cNvPr id="123" name="ZoneTexte 122">
+            <a:extLst>
+              <a:ext uri="{FF2B5EF4-FFF2-40B4-BE49-F238E27FC236}">
+                <a16:creationId xmlns:a16="http://schemas.microsoft.com/office/drawing/2014/main" id="{187CEC53-DFFE-46DE-9B7E-78BBD73A5556}"/>
+              </a:ext>
+            </a:extLst>
+          </p:cNvPr>
+          <p:cNvSpPr txBox="1"/>
+          <p:nvPr/>
+        </p:nvSpPr>
+        <p:spPr>
+          <a:xfrm>
+            <a:off x="8802541" y="782801"/>
+            <a:ext cx="1003584" cy="584775"/>
+          </a:xfrm>
+          <a:prstGeom prst="rect">
+            <a:avLst/>
+          </a:prstGeom>
+          <a:noFill/>
+        </p:spPr>
+        <p:txBody>
+          <a:bodyPr wrap="square" rtlCol="0">
+            <a:spAutoFit/>
+          </a:bodyPr>
+          <a:lstStyle/>
+          <a:p>
+            <a:r>
+              <a:rPr lang="fr-FR" sz="800" dirty="0" err="1"/>
+              <a:t>Address</a:t>
+            </a:r>
+            <a:endParaRPr lang="fr-FR" sz="800" dirty="0"/>
+          </a:p>
+          <a:p>
+            <a:r>
+              <a:rPr lang="fr-FR" sz="800" dirty="0"/>
+              <a:t>0x30</a:t>
+            </a:r>
+          </a:p>
+          <a:p>
+            <a:r>
+              <a:rPr lang="fr-FR" sz="800" dirty="0"/>
+              <a:t>0x31</a:t>
+            </a:r>
+          </a:p>
+          <a:p>
+            <a:r>
+              <a:rPr lang="fr-FR" sz="800" dirty="0"/>
+              <a:t>0x32 </a:t>
+            </a:r>
+          </a:p>
+        </p:txBody>
+      </p:sp>
+      <p:sp>
+        <p:nvSpPr>
+          <p:cNvPr id="249" name="ZoneTexte 248">
+            <a:extLst>
+              <a:ext uri="{FF2B5EF4-FFF2-40B4-BE49-F238E27FC236}">
+                <a16:creationId xmlns:a16="http://schemas.microsoft.com/office/drawing/2014/main" id="{62CA3368-DB00-4BDF-9964-BC8FCF6751B4}"/>
+              </a:ext>
+            </a:extLst>
+          </p:cNvPr>
+          <p:cNvSpPr txBox="1"/>
+          <p:nvPr/>
+        </p:nvSpPr>
+        <p:spPr>
+          <a:xfrm rot="16200000">
+            <a:off x="9142584" y="794363"/>
+            <a:ext cx="593556" cy="215444"/>
+          </a:xfrm>
+          <a:prstGeom prst="rect">
+            <a:avLst/>
+          </a:prstGeom>
+          <a:noFill/>
+        </p:spPr>
+        <p:txBody>
+          <a:bodyPr wrap="square" rtlCol="0">
+            <a:spAutoFit/>
+          </a:bodyPr>
+          <a:lstStyle/>
+          <a:p>
+            <a:r>
+              <a:rPr lang="fr-FR" sz="800" dirty="0"/>
+              <a:t>XSHUT</a:t>
+            </a:r>
+          </a:p>
+        </p:txBody>
+      </p:sp>
+      <p:sp>
+        <p:nvSpPr>
+          <p:cNvPr id="47" name="Ellipse 46">
+            <a:extLst>
+              <a:ext uri="{FF2B5EF4-FFF2-40B4-BE49-F238E27FC236}">
+                <a16:creationId xmlns:a16="http://schemas.microsoft.com/office/drawing/2014/main" id="{9ACF233F-B245-4E2B-8113-4CEFB8D915B7}"/>
+              </a:ext>
+            </a:extLst>
+          </p:cNvPr>
+          <p:cNvSpPr/>
+          <p:nvPr/>
+        </p:nvSpPr>
+        <p:spPr>
+          <a:xfrm>
+            <a:off x="9632868" y="1889392"/>
+            <a:ext cx="458109" cy="204847"/>
+          </a:xfrm>
+          <a:prstGeom prst="ellipse">
+            <a:avLst/>
+          </a:prstGeom>
+          <a:solidFill>
+            <a:schemeClr val="bg2">
+              <a:lumMod val="90000"/>
+            </a:schemeClr>
+          </a:solidFill>
+        </p:spPr>
+        <p:style>
+          <a:lnRef idx="2">
+            <a:schemeClr val="accent1">
+              <a:shade val="50000"/>
+            </a:schemeClr>
+          </a:lnRef>
+          <a:fillRef idx="1">
+            <a:schemeClr val="accent1"/>
+          </a:fillRef>
+          <a:effectRef idx="0">
+            <a:schemeClr val="accent1"/>
+          </a:effectRef>
+          <a:fontRef idx="minor">
+            <a:schemeClr val="lt1"/>
+          </a:fontRef>
+        </p:style>
+        <p:txBody>
+          <a:bodyPr rtlCol="0" anchor="ctr"/>
+          <a:lstStyle/>
+          <a:p>
+            <a:pPr algn="ctr"/>
+            <a:r>
+              <a:rPr lang="fr-FR" sz="900" dirty="0">
+                <a:solidFill>
+                  <a:schemeClr val="tx1"/>
+                </a:solidFill>
+              </a:rPr>
+              <a:t>22</a:t>
+            </a:r>
+          </a:p>
+        </p:txBody>
+      </p:sp>
+      <p:sp>
+        <p:nvSpPr>
+          <p:cNvPr id="76" name="Ellipse 75">
+            <a:extLst>
+              <a:ext uri="{FF2B5EF4-FFF2-40B4-BE49-F238E27FC236}">
+                <a16:creationId xmlns:a16="http://schemas.microsoft.com/office/drawing/2014/main" id="{D88EEAD2-80A8-4CB1-8BE5-95C744744C6B}"/>
+              </a:ext>
+            </a:extLst>
+          </p:cNvPr>
+          <p:cNvSpPr/>
+          <p:nvPr/>
+        </p:nvSpPr>
+        <p:spPr>
+          <a:xfrm>
+            <a:off x="9643419" y="2123945"/>
+            <a:ext cx="447558" cy="220039"/>
+          </a:xfrm>
+          <a:prstGeom prst="ellipse">
+            <a:avLst/>
+          </a:prstGeom>
+          <a:solidFill>
+            <a:schemeClr val="bg2">
+              <a:lumMod val="90000"/>
+            </a:schemeClr>
+          </a:solidFill>
+        </p:spPr>
+        <p:style>
+          <a:lnRef idx="2">
+            <a:schemeClr val="accent1">
+              <a:shade val="50000"/>
+            </a:schemeClr>
+          </a:lnRef>
+          <a:fillRef idx="1">
+            <a:schemeClr val="accent1"/>
+          </a:fillRef>
+          <a:effectRef idx="0">
+            <a:schemeClr val="accent1"/>
+          </a:effectRef>
+          <a:fontRef idx="minor">
+            <a:schemeClr val="lt1"/>
+          </a:fontRef>
+        </p:style>
+        <p:txBody>
+          <a:bodyPr rtlCol="0" anchor="ctr"/>
+          <a:lstStyle/>
+          <a:p>
+            <a:pPr algn="ctr"/>
+            <a:r>
+              <a:rPr lang="fr-FR" sz="900" dirty="0">
+                <a:solidFill>
+                  <a:schemeClr val="tx1"/>
+                </a:solidFill>
+              </a:rPr>
+              <a:t>23</a:t>
+            </a:r>
+          </a:p>
+        </p:txBody>
+      </p:sp>
+      <p:sp>
+        <p:nvSpPr>
+          <p:cNvPr id="79" name="Ellipse 78">
+            <a:extLst>
+              <a:ext uri="{FF2B5EF4-FFF2-40B4-BE49-F238E27FC236}">
+                <a16:creationId xmlns:a16="http://schemas.microsoft.com/office/drawing/2014/main" id="{E5AA28E9-04BB-483C-B939-339E35670AAD}"/>
+              </a:ext>
+            </a:extLst>
+          </p:cNvPr>
+          <p:cNvSpPr/>
+          <p:nvPr/>
+        </p:nvSpPr>
+        <p:spPr>
+          <a:xfrm>
+            <a:off x="9641822" y="2369152"/>
+            <a:ext cx="479833" cy="220039"/>
+          </a:xfrm>
+          <a:prstGeom prst="ellipse">
+            <a:avLst/>
+          </a:prstGeom>
+          <a:solidFill>
+            <a:schemeClr val="bg2">
+              <a:lumMod val="90000"/>
+            </a:schemeClr>
+          </a:solidFill>
+        </p:spPr>
+        <p:style>
+          <a:lnRef idx="2">
+            <a:schemeClr val="accent1">
+              <a:shade val="50000"/>
+            </a:schemeClr>
+          </a:lnRef>
+          <a:fillRef idx="1">
+            <a:schemeClr val="accent1"/>
+          </a:fillRef>
+          <a:effectRef idx="0">
+            <a:schemeClr val="accent1"/>
+          </a:effectRef>
+          <a:fontRef idx="minor">
+            <a:schemeClr val="lt1"/>
+          </a:fontRef>
+        </p:style>
+        <p:txBody>
+          <a:bodyPr rtlCol="0" anchor="ctr"/>
+          <a:lstStyle/>
+          <a:p>
+            <a:pPr algn="ctr"/>
+            <a:r>
+              <a:rPr lang="fr-FR" sz="900" dirty="0">
+                <a:solidFill>
+                  <a:schemeClr val="tx1"/>
+                </a:solidFill>
+              </a:rPr>
+              <a:t>24</a:t>
+            </a:r>
+          </a:p>
+        </p:txBody>
+      </p:sp>
+      <p:sp>
+        <p:nvSpPr>
+          <p:cNvPr id="241" name="Ellipse 240">
+            <a:extLst>
+              <a:ext uri="{FF2B5EF4-FFF2-40B4-BE49-F238E27FC236}">
+                <a16:creationId xmlns:a16="http://schemas.microsoft.com/office/drawing/2014/main" id="{A148E37A-293F-419A-B171-8DAFF8CD66BB}"/>
+              </a:ext>
+            </a:extLst>
+          </p:cNvPr>
+          <p:cNvSpPr/>
+          <p:nvPr/>
+        </p:nvSpPr>
+        <p:spPr>
+          <a:xfrm>
+            <a:off x="6726878" y="1616097"/>
+            <a:ext cx="490809" cy="286308"/>
+          </a:xfrm>
+          <a:prstGeom prst="ellipse">
+            <a:avLst/>
+          </a:prstGeom>
+          <a:solidFill>
+            <a:schemeClr val="bg2">
+              <a:lumMod val="90000"/>
+            </a:schemeClr>
+          </a:solidFill>
+        </p:spPr>
+        <p:style>
+          <a:lnRef idx="2">
+            <a:schemeClr val="accent1">
+              <a:shade val="50000"/>
+            </a:schemeClr>
+          </a:lnRef>
+          <a:fillRef idx="1">
+            <a:schemeClr val="accent1"/>
+          </a:fillRef>
+          <a:effectRef idx="0">
+            <a:schemeClr val="accent1"/>
+          </a:effectRef>
+          <a:fontRef idx="minor">
+            <a:schemeClr val="lt1"/>
+          </a:fontRef>
+        </p:style>
+        <p:txBody>
+          <a:bodyPr rtlCol="0" anchor="ctr"/>
+          <a:lstStyle/>
+          <a:p>
+            <a:pPr algn="ctr"/>
+            <a:r>
+              <a:rPr lang="fr-FR" sz="900" dirty="0">
+                <a:solidFill>
+                  <a:schemeClr val="tx1"/>
+                </a:solidFill>
+              </a:rPr>
+              <a:t>19</a:t>
+            </a:r>
+          </a:p>
+          <a:p>
+            <a:pPr algn="ctr"/>
+            <a:r>
+              <a:rPr lang="fr-FR" sz="900" dirty="0">
+                <a:solidFill>
+                  <a:schemeClr val="tx1"/>
+                </a:solidFill>
+              </a:rPr>
+              <a:t>RX</a:t>
+            </a:r>
+          </a:p>
+        </p:txBody>
+      </p:sp>
+      <p:cxnSp>
+        <p:nvCxnSpPr>
+          <p:cNvPr id="247" name="Connecteur droit avec flèche 246">
+            <a:extLst>
+              <a:ext uri="{FF2B5EF4-FFF2-40B4-BE49-F238E27FC236}">
+                <a16:creationId xmlns:a16="http://schemas.microsoft.com/office/drawing/2014/main" id="{FCA9DD1D-E5FD-4E06-96B4-2084DE00CCD2}"/>
+              </a:ext>
+            </a:extLst>
+          </p:cNvPr>
+          <p:cNvCxnSpPr>
+            <a:cxnSpLocks/>
+          </p:cNvCxnSpPr>
+          <p:nvPr/>
+        </p:nvCxnSpPr>
+        <p:spPr>
+          <a:xfrm>
+            <a:off x="6997584" y="1120112"/>
+            <a:ext cx="1" cy="523424"/>
+          </a:xfrm>
+          <a:prstGeom prst="straightConnector1">
+            <a:avLst/>
+          </a:prstGeom>
+          <a:ln w="38100" cap="flat" cmpd="sng" algn="ctr">
+            <a:solidFill>
+              <a:srgbClr val="00B050"/>
+            </a:solidFill>
+            <a:prstDash val="solid"/>
+            <a:round/>
+            <a:headEnd type="none" w="med" len="med"/>
+            <a:tailEnd type="triangle" w="med" len="med"/>
+          </a:ln>
+        </p:spPr>
+        <p:style>
+          <a:lnRef idx="0">
+            <a:scrgbClr r="0" g="0" b="0"/>
+          </a:lnRef>
+          <a:fillRef idx="0">
+            <a:scrgbClr r="0" g="0" b="0"/>
+          </a:fillRef>
+          <a:effectRef idx="0">
+            <a:scrgbClr r="0" g="0" b="0"/>
+          </a:effectRef>
+          <a:fontRef idx="minor">
+            <a:schemeClr val="tx1"/>
+          </a:fontRef>
+        </p:style>
+      </p:cxnSp>
     </p:spTree>
     <p:extLst>
       <p:ext uri="{BB962C8B-B14F-4D97-AF65-F5344CB8AC3E}">
@@ -17755,7 +18886,7 @@
             <p:ph idx="1"/>
             <p:extLst>
               <p:ext uri="{D42A27DB-BD31-4B8C-83A1-F6EECF244321}">
-                <p14:modId xmlns:p14="http://schemas.microsoft.com/office/powerpoint/2010/main" val="1956596015"/>
+                <p14:modId xmlns:p14="http://schemas.microsoft.com/office/powerpoint/2010/main" val="2558521601"/>
               </p:ext>
             </p:extLst>
           </p:nvPr>
@@ -19135,7 +20266,18 @@
                         <a:rPr lang="fr-FR" dirty="0" err="1"/>
                         <a:t>ToF</a:t>
                       </a:r>
-                      <a:endParaRPr lang="fr-FR" dirty="0"/>
+                      <a:r>
+                        <a:rPr lang="fr-FR" dirty="0"/>
+                        <a:t> </a:t>
+                      </a:r>
+                      <a:r>
+                        <a:rPr lang="fr-FR" dirty="0" err="1"/>
+                        <a:t>Left</a:t>
+                      </a:r>
+                      <a:r>
+                        <a:rPr lang="fr-FR" dirty="0"/>
+                        <a:t>, Front and Right</a:t>
+                      </a:r>
                     </a:p>
                   </a:txBody>
                   <a:tcPr/>
@@ -19194,8 +20336,13 @@
                       </a:pPr>
                       <a:r>
                         <a:rPr lang="fr-FR" dirty="0"/>
-                        <a:t>I2C 0x29</a:t>
+                        <a:t>I2C 0x30,</a:t>
                       </a:r>
+                      <a:r>
+                        <a:rPr lang="fr-FR" baseline="0" dirty="0"/>
+                        <a:t> 0x31, 0x32</a:t>
+                      </a:r>
+                      <a:endParaRPr lang="fr-FR" dirty="0"/>
                     </a:p>
                   </a:txBody>
                   <a:tcPr/>

--- a/libraries/Diagramm Robot v2.pptx
+++ b/libraries/Diagramm Robot v2.pptx
@@ -278,7 +278,7 @@
           <a:p>
             <a:fld id="{0717AEF8-1597-4679-8926-916E82E12B07}" type="datetimeFigureOut">
               <a:rPr lang="fr-FR" smtClean="0"/>
-              <a:t>14/02/2019</a:t>
+              <a:t>16/02/2019</a:t>
             </a:fld>
             <a:endParaRPr lang="fr-FR"/>
           </a:p>
@@ -476,7 +476,7 @@
           <a:p>
             <a:fld id="{0717AEF8-1597-4679-8926-916E82E12B07}" type="datetimeFigureOut">
               <a:rPr lang="fr-FR" smtClean="0"/>
-              <a:t>14/02/2019</a:t>
+              <a:t>16/02/2019</a:t>
             </a:fld>
             <a:endParaRPr lang="fr-FR"/>
           </a:p>
@@ -684,7 +684,7 @@
           <a:p>
             <a:fld id="{0717AEF8-1597-4679-8926-916E82E12B07}" type="datetimeFigureOut">
               <a:rPr lang="fr-FR" smtClean="0"/>
-              <a:t>14/02/2019</a:t>
+              <a:t>16/02/2019</a:t>
             </a:fld>
             <a:endParaRPr lang="fr-FR"/>
           </a:p>
@@ -882,7 +882,7 @@
           <a:p>
             <a:fld id="{0717AEF8-1597-4679-8926-916E82E12B07}" type="datetimeFigureOut">
               <a:rPr lang="fr-FR" smtClean="0"/>
-              <a:t>14/02/2019</a:t>
+              <a:t>16/02/2019</a:t>
             </a:fld>
             <a:endParaRPr lang="fr-FR"/>
           </a:p>
@@ -1157,7 +1157,7 @@
           <a:p>
             <a:fld id="{0717AEF8-1597-4679-8926-916E82E12B07}" type="datetimeFigureOut">
               <a:rPr lang="fr-FR" smtClean="0"/>
-              <a:t>14/02/2019</a:t>
+              <a:t>16/02/2019</a:t>
             </a:fld>
             <a:endParaRPr lang="fr-FR"/>
           </a:p>
@@ -1422,7 +1422,7 @@
           <a:p>
             <a:fld id="{0717AEF8-1597-4679-8926-916E82E12B07}" type="datetimeFigureOut">
               <a:rPr lang="fr-FR" smtClean="0"/>
-              <a:t>14/02/2019</a:t>
+              <a:t>16/02/2019</a:t>
             </a:fld>
             <a:endParaRPr lang="fr-FR"/>
           </a:p>
@@ -1834,7 +1834,7 @@
           <a:p>
             <a:fld id="{0717AEF8-1597-4679-8926-916E82E12B07}" type="datetimeFigureOut">
               <a:rPr lang="fr-FR" smtClean="0"/>
-              <a:t>14/02/2019</a:t>
+              <a:t>16/02/2019</a:t>
             </a:fld>
             <a:endParaRPr lang="fr-FR"/>
           </a:p>
@@ -1975,7 +1975,7 @@
           <a:p>
             <a:fld id="{0717AEF8-1597-4679-8926-916E82E12B07}" type="datetimeFigureOut">
               <a:rPr lang="fr-FR" smtClean="0"/>
-              <a:t>14/02/2019</a:t>
+              <a:t>16/02/2019</a:t>
             </a:fld>
             <a:endParaRPr lang="fr-FR"/>
           </a:p>
@@ -2088,7 +2088,7 @@
           <a:p>
             <a:fld id="{0717AEF8-1597-4679-8926-916E82E12B07}" type="datetimeFigureOut">
               <a:rPr lang="fr-FR" smtClean="0"/>
-              <a:t>14/02/2019</a:t>
+              <a:t>16/02/2019</a:t>
             </a:fld>
             <a:endParaRPr lang="fr-FR"/>
           </a:p>
@@ -2399,7 +2399,7 @@
           <a:p>
             <a:fld id="{0717AEF8-1597-4679-8926-916E82E12B07}" type="datetimeFigureOut">
               <a:rPr lang="fr-FR" smtClean="0"/>
-              <a:t>14/02/2019</a:t>
+              <a:t>16/02/2019</a:t>
             </a:fld>
             <a:endParaRPr lang="fr-FR"/>
           </a:p>
@@ -2687,7 +2687,7 @@
           <a:p>
             <a:fld id="{0717AEF8-1597-4679-8926-916E82E12B07}" type="datetimeFigureOut">
               <a:rPr lang="fr-FR" smtClean="0"/>
-              <a:t>14/02/2019</a:t>
+              <a:t>16/02/2019</a:t>
             </a:fld>
             <a:endParaRPr lang="fr-FR"/>
           </a:p>
@@ -2928,7 +2928,7 @@
           <a:p>
             <a:fld id="{0717AEF8-1597-4679-8926-916E82E12B07}" type="datetimeFigureOut">
               <a:rPr lang="fr-FR" smtClean="0"/>
-              <a:t>14/02/2019</a:t>
+              <a:t>16/02/2019</a:t>
             </a:fld>
             <a:endParaRPr lang="fr-FR"/>
           </a:p>
@@ -3365,12 +3365,35 @@
           <a:prstGeom prst="cloud">
             <a:avLst/>
           </a:prstGeom>
-          <a:solidFill>
-            <a:schemeClr val="accent4">
-              <a:lumMod val="60000"/>
-              <a:lumOff val="40000"/>
-            </a:schemeClr>
-          </a:solidFill>
+          <a:gradFill>
+            <a:gsLst>
+              <a:gs pos="0">
+                <a:schemeClr val="accent1">
+                  <a:lumMod val="5000"/>
+                  <a:lumOff val="95000"/>
+                </a:schemeClr>
+              </a:gs>
+              <a:gs pos="74000">
+                <a:schemeClr val="accent1">
+                  <a:lumMod val="45000"/>
+                  <a:lumOff val="55000"/>
+                </a:schemeClr>
+              </a:gs>
+              <a:gs pos="83000">
+                <a:schemeClr val="accent1">
+                  <a:lumMod val="45000"/>
+                  <a:lumOff val="55000"/>
+                </a:schemeClr>
+              </a:gs>
+              <a:gs pos="100000">
+                <a:schemeClr val="accent1">
+                  <a:lumMod val="30000"/>
+                  <a:lumOff val="70000"/>
+                </a:schemeClr>
+              </a:gs>
+            </a:gsLst>
+            <a:lin ang="5400000" scaled="1"/>
+          </a:gradFill>
         </p:spPr>
         <p:style>
           <a:lnRef idx="2">
@@ -3427,12 +3450,35 @@
           <a:prstGeom prst="cloud">
             <a:avLst/>
           </a:prstGeom>
-          <a:solidFill>
-            <a:schemeClr val="accent4">
-              <a:lumMod val="60000"/>
-              <a:lumOff val="40000"/>
-            </a:schemeClr>
-          </a:solidFill>
+          <a:gradFill>
+            <a:gsLst>
+              <a:gs pos="0">
+                <a:schemeClr val="accent1">
+                  <a:lumMod val="5000"/>
+                  <a:lumOff val="95000"/>
+                </a:schemeClr>
+              </a:gs>
+              <a:gs pos="74000">
+                <a:schemeClr val="accent1">
+                  <a:lumMod val="45000"/>
+                  <a:lumOff val="55000"/>
+                </a:schemeClr>
+              </a:gs>
+              <a:gs pos="83000">
+                <a:schemeClr val="accent1">
+                  <a:lumMod val="45000"/>
+                  <a:lumOff val="55000"/>
+                </a:schemeClr>
+              </a:gs>
+              <a:gs pos="100000">
+                <a:schemeClr val="accent1">
+                  <a:lumMod val="30000"/>
+                  <a:lumOff val="70000"/>
+                </a:schemeClr>
+              </a:gs>
+            </a:gsLst>
+            <a:lin ang="5400000" scaled="1"/>
+          </a:gradFill>
         </p:spPr>
         <p:style>
           <a:lnRef idx="2">
@@ -3489,12 +3535,35 @@
           <a:prstGeom prst="cloud">
             <a:avLst/>
           </a:prstGeom>
-          <a:solidFill>
-            <a:schemeClr val="accent4">
-              <a:lumMod val="60000"/>
-              <a:lumOff val="40000"/>
-            </a:schemeClr>
-          </a:solidFill>
+          <a:gradFill>
+            <a:gsLst>
+              <a:gs pos="0">
+                <a:schemeClr val="accent1">
+                  <a:lumMod val="5000"/>
+                  <a:lumOff val="95000"/>
+                </a:schemeClr>
+              </a:gs>
+              <a:gs pos="74000">
+                <a:schemeClr val="accent1">
+                  <a:lumMod val="45000"/>
+                  <a:lumOff val="55000"/>
+                </a:schemeClr>
+              </a:gs>
+              <a:gs pos="83000">
+                <a:schemeClr val="accent1">
+                  <a:lumMod val="45000"/>
+                  <a:lumOff val="55000"/>
+                </a:schemeClr>
+              </a:gs>
+              <a:gs pos="100000">
+                <a:schemeClr val="accent1">
+                  <a:lumMod val="30000"/>
+                  <a:lumOff val="70000"/>
+                </a:schemeClr>
+              </a:gs>
+            </a:gsLst>
+            <a:lin ang="5400000" scaled="1"/>
+          </a:gradFill>
         </p:spPr>
         <p:style>
           <a:lnRef idx="2">
@@ -3551,6 +3620,11 @@
           <a:prstGeom prst="rect">
             <a:avLst/>
           </a:prstGeom>
+          <a:solidFill>
+            <a:schemeClr val="accent6">
+              <a:lumMod val="75000"/>
+            </a:schemeClr>
+          </a:solidFill>
         </p:spPr>
         <p:style>
           <a:lnRef idx="2">
@@ -3601,10 +3675,7 @@
             <a:avLst/>
           </a:prstGeom>
           <a:solidFill>
-            <a:schemeClr val="accent1">
-              <a:lumMod val="60000"/>
-              <a:lumOff val="40000"/>
-            </a:schemeClr>
+            <a:srgbClr val="FF0000"/>
           </a:solidFill>
         </p:spPr>
         <p:style>
@@ -3628,102 +3699,23 @@
           <a:lstStyle/>
           <a:p>
             <a:r>
-              <a:rPr lang="fr-FR" dirty="0"/>
-              <a:t>ESP8266</a:t>
+              <a:rPr lang="en-US" dirty="0"/>
+              <a:t>nRF52832</a:t>
             </a:r>
           </a:p>
           <a:p>
             <a:r>
               <a:rPr lang="fr-FR" i="1" dirty="0" err="1"/>
-              <a:t>IoTWiFiServer</a:t>
+              <a:t>Sparkfun</a:t>
             </a:r>
             <a:endParaRPr lang="fr-FR" i="1" dirty="0"/>
           </a:p>
           <a:p>
             <a:r>
-              <a:rPr lang="fr-FR" sz="900" i="1" dirty="0"/>
-              <a:t>MAC: </a:t>
-            </a:r>
-            <a:r>
-              <a:rPr lang="en-US" sz="900" i="1" dirty="0"/>
-              <a:t>F7:C9:5B:7F:CF:5C</a:t>
-            </a:r>
-          </a:p>
-          <a:p>
-            <a:r>
-              <a:rPr lang="en-US" sz="900" i="1" dirty="0"/>
-              <a:t>IP Fixe: </a:t>
-            </a:r>
-            <a:r>
-              <a:rPr lang="fr-FR" sz="900" i="1" dirty="0"/>
-              <a:t>192.168.0.30</a:t>
-            </a:r>
-            <a:endParaRPr lang="en-US" sz="900" i="1" dirty="0"/>
-          </a:p>
-          <a:p>
+              <a:rPr lang="fr-FR" i="1" dirty="0" err="1"/>
+              <a:t>IoTBlueServer</a:t>
+            </a:r>
             <a:endParaRPr lang="fr-FR" i="1" dirty="0"/>
-          </a:p>
-        </p:txBody>
-      </p:sp>
-      <p:sp>
-        <p:nvSpPr>
-          <p:cNvPr id="9" name="Nuage 8">
-            <a:extLst>
-              <a:ext uri="{FF2B5EF4-FFF2-40B4-BE49-F238E27FC236}">
-                <a16:creationId xmlns:a16="http://schemas.microsoft.com/office/drawing/2014/main" id="{5980ADCA-46BA-4A3B-9481-83AE70E72C87}"/>
-              </a:ext>
-            </a:extLst>
-          </p:cNvPr>
-          <p:cNvSpPr/>
-          <p:nvPr/>
-        </p:nvSpPr>
-        <p:spPr>
-          <a:xfrm>
-            <a:off x="4059133" y="-7993"/>
-            <a:ext cx="1613465" cy="1562212"/>
-          </a:xfrm>
-          <a:prstGeom prst="cloud">
-            <a:avLst/>
-          </a:prstGeom>
-          <a:solidFill>
-            <a:schemeClr val="accent4">
-              <a:lumMod val="60000"/>
-              <a:lumOff val="40000"/>
-            </a:schemeClr>
-          </a:solidFill>
-        </p:spPr>
-        <p:style>
-          <a:lnRef idx="2">
-            <a:schemeClr val="accent1">
-              <a:shade val="50000"/>
-            </a:schemeClr>
-          </a:lnRef>
-          <a:fillRef idx="1">
-            <a:schemeClr val="accent1"/>
-          </a:fillRef>
-          <a:effectRef idx="0">
-            <a:schemeClr val="accent1"/>
-          </a:effectRef>
-          <a:fontRef idx="minor">
-            <a:schemeClr val="lt1"/>
-          </a:fontRef>
-        </p:style>
-        <p:txBody>
-          <a:bodyPr rtlCol="0" anchor="ctr"/>
-          <a:lstStyle/>
-          <a:p>
-            <a:pPr algn="ctr"/>
-            <a:r>
-              <a:rPr lang="fr-FR" sz="1200" dirty="0"/>
-              <a:t>SSID:</a:t>
-            </a:r>
-          </a:p>
-          <a:p>
-            <a:pPr algn="ctr"/>
-            <a:r>
-              <a:rPr lang="fr-FR" sz="1200" dirty="0"/>
-              <a:t>WIFICOTEAU</a:t>
-            </a:r>
           </a:p>
         </p:txBody>
       </p:sp>
@@ -3745,8 +3737,8 @@
         </p:nvCxnSpPr>
         <p:spPr>
           <a:xfrm>
-            <a:off x="7252915" y="2117004"/>
-            <a:ext cx="7846" cy="735771"/>
+            <a:off x="7338465" y="2107900"/>
+            <a:ext cx="120" cy="744875"/>
           </a:xfrm>
           <a:prstGeom prst="straightConnector1">
             <a:avLst/>
@@ -3976,8 +3968,9 @@
           </a:prstGeom>
           <a:ln w="38100">
             <a:solidFill>
-              <a:srgbClr val="FFC000"/>
+              <a:srgbClr val="0070C0"/>
             </a:solidFill>
+            <a:prstDash val="dash"/>
             <a:headEnd type="triangle"/>
             <a:tailEnd type="triangle"/>
           </a:ln>
@@ -4038,57 +4031,6 @@
       </p:pic>
       <p:sp>
         <p:nvSpPr>
-          <p:cNvPr id="42" name="Rectangle 41">
-            <a:extLst>
-              <a:ext uri="{FF2B5EF4-FFF2-40B4-BE49-F238E27FC236}">
-                <a16:creationId xmlns:a16="http://schemas.microsoft.com/office/drawing/2014/main" id="{8F1665E0-6F32-4AB6-9304-3FC6303A5979}"/>
-              </a:ext>
-            </a:extLst>
-          </p:cNvPr>
-          <p:cNvSpPr/>
-          <p:nvPr/>
-        </p:nvSpPr>
-        <p:spPr>
-          <a:xfrm>
-            <a:off x="6766438" y="121546"/>
-            <a:ext cx="1205779" cy="461665"/>
-          </a:xfrm>
-          <a:prstGeom prst="rect">
-            <a:avLst/>
-          </a:prstGeom>
-        </p:spPr>
-        <p:txBody>
-          <a:bodyPr wrap="none">
-            <a:spAutoFit/>
-          </a:bodyPr>
-          <a:lstStyle/>
-          <a:p>
-            <a:r>
-              <a:rPr lang="fr-FR" sz="1200" dirty="0">
-                <a:hlinkClick r:id="rId4"/>
-              </a:rPr>
-              <a:t>192.168.0.30:80</a:t>
-            </a:r>
-            <a:endParaRPr lang="fr-FR" sz="1200" dirty="0"/>
-          </a:p>
-          <a:p>
-            <a:r>
-              <a:rPr lang="fr-FR" sz="1200" dirty="0"/>
-              <a:t>/</a:t>
-            </a:r>
-            <a:r>
-              <a:rPr lang="fr-FR" sz="1200" dirty="0" err="1"/>
-              <a:t>robotCmd</a:t>
-            </a:r>
-            <a:r>
-              <a:rPr lang="fr-FR" sz="1200" dirty="0"/>
-              <a:t> </a:t>
-            </a:r>
-          </a:p>
-        </p:txBody>
-      </p:sp>
-      <p:sp>
-        <p:nvSpPr>
           <p:cNvPr id="43" name="Rectangle 42">
             <a:extLst>
               <a:ext uri="{FF2B5EF4-FFF2-40B4-BE49-F238E27FC236}">
@@ -4189,8 +4131,8 @@
         </p:nvSpPr>
         <p:spPr>
           <a:xfrm>
-            <a:off x="7119115" y="1850677"/>
-            <a:ext cx="267599" cy="266327"/>
+            <a:off x="7119115" y="1850678"/>
+            <a:ext cx="438699" cy="257222"/>
           </a:xfrm>
           <a:prstGeom prst="ellipse">
             <a:avLst/>
@@ -4224,7 +4166,7 @@
             <a:pPr algn="ctr"/>
             <a:r>
               <a:rPr lang="fr-FR" sz="900" dirty="0"/>
-              <a:t>4</a:t>
+              <a:t>16</a:t>
             </a:r>
           </a:p>
         </p:txBody>
@@ -4278,14 +4220,14 @@
             <a:pPr algn="ctr"/>
             <a:r>
               <a:rPr lang="fr-FR" sz="900" dirty="0"/>
-              <a:t>8</a:t>
+              <a:t>26</a:t>
             </a:r>
           </a:p>
           <a:p>
             <a:pPr algn="ctr"/>
             <a:r>
               <a:rPr lang="fr-FR" sz="900" dirty="0"/>
-              <a:t>RX0</a:t>
+              <a:t>RX</a:t>
             </a:r>
           </a:p>
         </p:txBody>
@@ -4339,14 +4281,14 @@
             <a:pPr algn="ctr"/>
             <a:r>
               <a:rPr lang="fr-FR" sz="900" dirty="0"/>
-              <a:t>7</a:t>
+              <a:t>27</a:t>
             </a:r>
           </a:p>
           <a:p>
             <a:pPr algn="ctr"/>
             <a:r>
               <a:rPr lang="fr-FR" sz="900" dirty="0"/>
-              <a:t>TX0</a:t>
+              <a:t>TX</a:t>
             </a:r>
           </a:p>
         </p:txBody>
@@ -4372,7 +4314,7 @@
             <a:avLst/>
           </a:prstGeom>
           <a:solidFill>
-            <a:srgbClr val="00B0F0"/>
+            <a:srgbClr val="0070C0"/>
           </a:solidFill>
         </p:spPr>
         <p:style>
@@ -4653,6 +4595,11 @@
           <a:prstGeom prst="rect">
             <a:avLst/>
           </a:prstGeom>
+          <a:solidFill>
+            <a:schemeClr val="accent2">
+              <a:lumMod val="75000"/>
+            </a:schemeClr>
+          </a:solidFill>
         </p:spPr>
         <p:style>
           <a:lnRef idx="2">
@@ -5035,7 +4982,7 @@
         </p:nvSpPr>
         <p:spPr>
           <a:xfrm>
-            <a:off x="6963707" y="2852775"/>
+            <a:off x="7041531" y="2852775"/>
             <a:ext cx="594107" cy="416421"/>
           </a:xfrm>
           <a:prstGeom prst="ellipse">
@@ -5561,7 +5508,7 @@
             <a:avLst/>
           </a:prstGeom>
           <a:solidFill>
-            <a:srgbClr val="92D050"/>
+            <a:srgbClr val="00B0F0"/>
           </a:solidFill>
         </p:spPr>
         <p:style>
@@ -5587,7 +5534,7 @@
             <a:pPr algn="ctr"/>
             <a:r>
               <a:rPr lang="fr-FR" dirty="0"/>
-              <a:t>5</a:t>
+              <a:t>7</a:t>
             </a:r>
           </a:p>
         </p:txBody>
@@ -5664,6 +5611,11 @@
           <a:prstGeom prst="can">
             <a:avLst/>
           </a:prstGeom>
+          <a:solidFill>
+            <a:schemeClr val="accent2">
+              <a:lumMod val="75000"/>
+            </a:schemeClr>
+          </a:solidFill>
         </p:spPr>
         <p:style>
           <a:lnRef idx="2">
@@ -7011,6 +6963,379 @@
           </a:p>
         </p:txBody>
       </p:sp>
+      <p:sp>
+        <p:nvSpPr>
+          <p:cNvPr id="8" name="Rectangle 7">
+            <a:extLst>
+              <a:ext uri="{FF2B5EF4-FFF2-40B4-BE49-F238E27FC236}">
+                <a16:creationId xmlns:a16="http://schemas.microsoft.com/office/drawing/2014/main" id="{259F21AF-0FB7-4D5C-8E38-D8C912C94C5A}"/>
+              </a:ext>
+            </a:extLst>
+          </p:cNvPr>
+          <p:cNvSpPr/>
+          <p:nvPr/>
+        </p:nvSpPr>
+        <p:spPr>
+          <a:xfrm>
+            <a:off x="4203956" y="82644"/>
+            <a:ext cx="2137573" cy="369332"/>
+          </a:xfrm>
+          <a:prstGeom prst="rect">
+            <a:avLst/>
+          </a:prstGeom>
+        </p:spPr>
+        <p:txBody>
+          <a:bodyPr wrap="none">
+            <a:spAutoFit/>
+          </a:bodyPr>
+          <a:lstStyle/>
+          <a:p>
+            <a:r>
+              <a:rPr lang="en-US" dirty="0">
+                <a:solidFill>
+                  <a:srgbClr val="00B0F0"/>
+                </a:solidFill>
+                <a:latin typeface="Montserrat"/>
+              </a:rPr>
+              <a:t>BLE Bluetooth- UART</a:t>
+            </a:r>
+            <a:endParaRPr lang="en-US" b="0" i="0" dirty="0">
+              <a:solidFill>
+                <a:srgbClr val="00B0F0"/>
+              </a:solidFill>
+              <a:effectLst/>
+              <a:latin typeface="Montserrat"/>
+            </a:endParaRPr>
+          </a:p>
+        </p:txBody>
+      </p:sp>
+      <p:sp>
+        <p:nvSpPr>
+          <p:cNvPr id="78" name="Rectangle 77">
+            <a:extLst>
+              <a:ext uri="{FF2B5EF4-FFF2-40B4-BE49-F238E27FC236}">
+                <a16:creationId xmlns:a16="http://schemas.microsoft.com/office/drawing/2014/main" id="{3F8C0DC9-6DB2-4C32-AD37-EB48A7120970}"/>
+              </a:ext>
+            </a:extLst>
+          </p:cNvPr>
+          <p:cNvSpPr/>
+          <p:nvPr/>
+        </p:nvSpPr>
+        <p:spPr>
+          <a:xfrm>
+            <a:off x="7732596" y="359783"/>
+            <a:ext cx="1469185" cy="369332"/>
+          </a:xfrm>
+          <a:prstGeom prst="rect">
+            <a:avLst/>
+          </a:prstGeom>
+        </p:spPr>
+        <p:txBody>
+          <a:bodyPr wrap="none">
+            <a:spAutoFit/>
+          </a:bodyPr>
+          <a:lstStyle/>
+          <a:p>
+            <a:r>
+              <a:rPr lang="en-US" dirty="0">
+                <a:solidFill>
+                  <a:srgbClr val="00B0F0"/>
+                </a:solidFill>
+                <a:latin typeface="Montserrat"/>
+              </a:rPr>
+              <a:t>device=Robot</a:t>
+            </a:r>
+            <a:endParaRPr lang="en-US" b="0" i="0" dirty="0">
+              <a:solidFill>
+                <a:srgbClr val="00B0F0"/>
+              </a:solidFill>
+              <a:effectLst/>
+              <a:latin typeface="Montserrat"/>
+            </a:endParaRPr>
+          </a:p>
+        </p:txBody>
+      </p:sp>
+      <p:sp>
+        <p:nvSpPr>
+          <p:cNvPr id="87" name="Rectangle : coins arrondis 86">
+            <a:extLst>
+              <a:ext uri="{FF2B5EF4-FFF2-40B4-BE49-F238E27FC236}">
+                <a16:creationId xmlns:a16="http://schemas.microsoft.com/office/drawing/2014/main" id="{89167914-2FF5-495F-B01C-5C82AAE04DF5}"/>
+              </a:ext>
+            </a:extLst>
+          </p:cNvPr>
+          <p:cNvSpPr/>
+          <p:nvPr/>
+        </p:nvSpPr>
+        <p:spPr>
+          <a:xfrm>
+            <a:off x="10087316" y="749877"/>
+            <a:ext cx="1203634" cy="726951"/>
+          </a:xfrm>
+          <a:prstGeom prst="roundRect">
+            <a:avLst/>
+          </a:prstGeom>
+          <a:pattFill prst="pct25">
+            <a:fgClr>
+              <a:srgbClr val="FF0000"/>
+            </a:fgClr>
+            <a:bgClr>
+              <a:schemeClr val="bg1"/>
+            </a:bgClr>
+          </a:pattFill>
+        </p:spPr>
+        <p:style>
+          <a:lnRef idx="2">
+            <a:schemeClr val="accent1">
+              <a:shade val="50000"/>
+            </a:schemeClr>
+          </a:lnRef>
+          <a:fillRef idx="1">
+            <a:schemeClr val="accent1"/>
+          </a:fillRef>
+          <a:effectRef idx="0">
+            <a:schemeClr val="accent1"/>
+          </a:effectRef>
+          <a:fontRef idx="minor">
+            <a:schemeClr val="lt1"/>
+          </a:fontRef>
+        </p:style>
+        <p:txBody>
+          <a:bodyPr rtlCol="0" anchor="ctr"/>
+          <a:lstStyle/>
+          <a:p>
+            <a:pPr algn="ctr"/>
+            <a:r>
+              <a:rPr lang="en-US" dirty="0" err="1">
+                <a:solidFill>
+                  <a:schemeClr val="tx1"/>
+                </a:solidFill>
+              </a:rPr>
+              <a:t>Lipo</a:t>
+            </a:r>
+            <a:r>
+              <a:rPr lang="en-US" dirty="0">
+                <a:solidFill>
+                  <a:schemeClr val="tx1"/>
+                </a:solidFill>
+              </a:rPr>
+              <a:t> 1s 780 </a:t>
+            </a:r>
+            <a:r>
+              <a:rPr lang="en-US" dirty="0" err="1">
+                <a:solidFill>
+                  <a:schemeClr val="tx1"/>
+                </a:solidFill>
+              </a:rPr>
+              <a:t>mAh</a:t>
+            </a:r>
+            <a:r>
+              <a:rPr lang="en-US" dirty="0">
+                <a:solidFill>
+                  <a:schemeClr val="tx1"/>
+                </a:solidFill>
+              </a:rPr>
+              <a:t> </a:t>
+            </a:r>
+          </a:p>
+        </p:txBody>
+      </p:sp>
+      <p:sp>
+        <p:nvSpPr>
+          <p:cNvPr id="97" name="ZoneTexte 96">
+            <a:extLst>
+              <a:ext uri="{FF2B5EF4-FFF2-40B4-BE49-F238E27FC236}">
+                <a16:creationId xmlns:a16="http://schemas.microsoft.com/office/drawing/2014/main" id="{8B0DEE22-58EC-4447-9599-3FF8ACDAF9E2}"/>
+              </a:ext>
+            </a:extLst>
+          </p:cNvPr>
+          <p:cNvSpPr txBox="1"/>
+          <p:nvPr/>
+        </p:nvSpPr>
+        <p:spPr>
+          <a:xfrm>
+            <a:off x="9435837" y="1036961"/>
+            <a:ext cx="405880" cy="369332"/>
+          </a:xfrm>
+          <a:prstGeom prst="rect">
+            <a:avLst/>
+          </a:prstGeom>
+          <a:noFill/>
+        </p:spPr>
+        <p:txBody>
+          <a:bodyPr wrap="none" rtlCol="0">
+            <a:spAutoFit/>
+          </a:bodyPr>
+          <a:lstStyle/>
+          <a:p>
+            <a:r>
+              <a:rPr lang="en-US" dirty="0"/>
+              <a:t>0v</a:t>
+            </a:r>
+          </a:p>
+        </p:txBody>
+      </p:sp>
+      <p:cxnSp>
+        <p:nvCxnSpPr>
+          <p:cNvPr id="98" name="Connecteur droit 97">
+            <a:extLst>
+              <a:ext uri="{FF2B5EF4-FFF2-40B4-BE49-F238E27FC236}">
+                <a16:creationId xmlns:a16="http://schemas.microsoft.com/office/drawing/2014/main" id="{68C38D15-FAF0-49C1-9595-68F7568A2A1A}"/>
+              </a:ext>
+            </a:extLst>
+          </p:cNvPr>
+          <p:cNvCxnSpPr>
+            <a:cxnSpLocks/>
+          </p:cNvCxnSpPr>
+          <p:nvPr/>
+        </p:nvCxnSpPr>
+        <p:spPr>
+          <a:xfrm>
+            <a:off x="9395711" y="1340345"/>
+            <a:ext cx="690221" cy="0"/>
+          </a:xfrm>
+          <a:prstGeom prst="line">
+            <a:avLst/>
+          </a:prstGeom>
+          <a:ln w="38100">
+            <a:solidFill>
+              <a:schemeClr val="tx1"/>
+            </a:solidFill>
+          </a:ln>
+        </p:spPr>
+        <p:style>
+          <a:lnRef idx="1">
+            <a:schemeClr val="accent1"/>
+          </a:lnRef>
+          <a:fillRef idx="0">
+            <a:schemeClr val="accent1"/>
+          </a:fillRef>
+          <a:effectRef idx="0">
+            <a:schemeClr val="accent1"/>
+          </a:effectRef>
+          <a:fontRef idx="minor">
+            <a:schemeClr val="tx1"/>
+          </a:fontRef>
+        </p:style>
+      </p:cxnSp>
+      <p:sp>
+        <p:nvSpPr>
+          <p:cNvPr id="99" name="ZoneTexte 98">
+            <a:extLst>
+              <a:ext uri="{FF2B5EF4-FFF2-40B4-BE49-F238E27FC236}">
+                <a16:creationId xmlns:a16="http://schemas.microsoft.com/office/drawing/2014/main" id="{40139269-41CB-400F-AFA3-BDFCF870D1D5}"/>
+              </a:ext>
+            </a:extLst>
+          </p:cNvPr>
+          <p:cNvSpPr txBox="1"/>
+          <p:nvPr/>
+        </p:nvSpPr>
+        <p:spPr>
+          <a:xfrm>
+            <a:off x="9390600" y="653252"/>
+            <a:ext cx="696024" cy="369332"/>
+          </a:xfrm>
+          <a:prstGeom prst="rect">
+            <a:avLst/>
+          </a:prstGeom>
+          <a:noFill/>
+        </p:spPr>
+        <p:txBody>
+          <a:bodyPr wrap="none" rtlCol="0">
+            <a:spAutoFit/>
+          </a:bodyPr>
+          <a:lstStyle/>
+          <a:p>
+            <a:r>
+              <a:rPr lang="en-US" dirty="0">
+                <a:solidFill>
+                  <a:srgbClr val="FF0000"/>
+                </a:solidFill>
+              </a:rPr>
+              <a:t>+3.7v</a:t>
+            </a:r>
+          </a:p>
+        </p:txBody>
+      </p:sp>
+      <p:cxnSp>
+        <p:nvCxnSpPr>
+          <p:cNvPr id="102" name="Connecteur droit 101">
+            <a:extLst>
+              <a:ext uri="{FF2B5EF4-FFF2-40B4-BE49-F238E27FC236}">
+                <a16:creationId xmlns:a16="http://schemas.microsoft.com/office/drawing/2014/main" id="{B850A4CA-1B55-41CA-AD39-FFB475305EF3}"/>
+              </a:ext>
+            </a:extLst>
+          </p:cNvPr>
+          <p:cNvCxnSpPr>
+            <a:cxnSpLocks/>
+          </p:cNvCxnSpPr>
+          <p:nvPr/>
+        </p:nvCxnSpPr>
+        <p:spPr>
+          <a:xfrm>
+            <a:off x="9395710" y="966664"/>
+            <a:ext cx="690221" cy="0"/>
+          </a:xfrm>
+          <a:prstGeom prst="line">
+            <a:avLst/>
+          </a:prstGeom>
+          <a:ln w="38100">
+            <a:solidFill>
+              <a:srgbClr val="FF0000"/>
+            </a:solidFill>
+          </a:ln>
+        </p:spPr>
+        <p:style>
+          <a:lnRef idx="1">
+            <a:schemeClr val="accent1"/>
+          </a:lnRef>
+          <a:fillRef idx="0">
+            <a:schemeClr val="accent1"/>
+          </a:fillRef>
+          <a:effectRef idx="0">
+            <a:schemeClr val="accent1"/>
+          </a:effectRef>
+          <a:fontRef idx="minor">
+            <a:schemeClr val="tx1"/>
+          </a:fontRef>
+        </p:style>
+      </p:cxnSp>
+      <p:cxnSp>
+        <p:nvCxnSpPr>
+          <p:cNvPr id="12" name="Connecteur droit 11">
+            <a:extLst>
+              <a:ext uri="{FF2B5EF4-FFF2-40B4-BE49-F238E27FC236}">
+                <a16:creationId xmlns:a16="http://schemas.microsoft.com/office/drawing/2014/main" id="{A1D14A42-B1EE-4D8B-94F2-69E7BDE88980}"/>
+              </a:ext>
+            </a:extLst>
+          </p:cNvPr>
+          <p:cNvCxnSpPr/>
+          <p:nvPr/>
+        </p:nvCxnSpPr>
+        <p:spPr>
+          <a:xfrm>
+            <a:off x="5637178" y="2986391"/>
+            <a:ext cx="914400" cy="914400"/>
+          </a:xfrm>
+          <a:prstGeom prst="line">
+            <a:avLst/>
+          </a:prstGeom>
+        </p:spPr>
+        <p:style>
+          <a:lnRef idx="1">
+            <a:schemeClr val="accent1"/>
+          </a:lnRef>
+          <a:fillRef idx="0">
+            <a:schemeClr val="accent1"/>
+          </a:fillRef>
+          <a:effectRef idx="0">
+            <a:schemeClr val="accent1"/>
+          </a:effectRef>
+          <a:fontRef idx="minor">
+            <a:schemeClr val="tx1"/>
+          </a:fontRef>
+        </p:style>
+      </p:cxnSp>
     </p:spTree>
     <p:extLst>
       <p:ext uri="{BB962C8B-B14F-4D97-AF65-F5344CB8AC3E}">
@@ -8964,12 +9289,8 @@
           <a:p>
             <a:pPr algn="ctr"/>
             <a:r>
-              <a:rPr lang="fr-FR" sz="1200" dirty="0"/>
-              <a:t>IOT </a:t>
-            </a:r>
-            <a:r>
               <a:rPr lang="fr-FR" sz="1200" dirty="0" err="1"/>
-              <a:t>WIFIClient</a:t>
+              <a:t>IOTWIFIClient</a:t>
             </a:r>
             <a:endParaRPr lang="fr-FR" sz="1200" dirty="0"/>
           </a:p>
@@ -13293,20 +13614,16 @@
           <a:p>
             <a:pPr algn="ctr"/>
             <a:r>
-              <a:rPr lang="fr-FR" sz="1200" dirty="0"/>
-              <a:t>IOT </a:t>
-            </a:r>
-            <a:r>
               <a:rPr lang="fr-FR" sz="1200" dirty="0" err="1"/>
-              <a:t>WIFIServer</a:t>
+              <a:t>IOTBlueServer</a:t>
             </a:r>
             <a:endParaRPr lang="fr-FR" sz="1200" dirty="0"/>
           </a:p>
           <a:p>
             <a:pPr algn="ctr"/>
             <a:r>
-              <a:rPr lang="fr-FR" sz="1200" dirty="0"/>
-              <a:t>ESP8266</a:t>
+              <a:rPr lang="en-US" sz="1200" dirty="0"/>
+              <a:t>nRF52832</a:t>
             </a:r>
           </a:p>
           <a:p>

--- a/libraries/Diagramm Robot v2.pptx
+++ b/libraries/Diagramm Robot v2.pptx
@@ -12,8 +12,9 @@
     <p:sldId id="262" r:id="rId6"/>
     <p:sldId id="257" r:id="rId7"/>
     <p:sldId id="264" r:id="rId8"/>
-    <p:sldId id="266" r:id="rId9"/>
-    <p:sldId id="260" r:id="rId10"/>
+    <p:sldId id="268" r:id="rId9"/>
+    <p:sldId id="266" r:id="rId10"/>
+    <p:sldId id="260" r:id="rId11"/>
   </p:sldIdLst>
   <p:sldSz cx="12192000" cy="6858000"/>
   <p:notesSz cx="6888163" cy="10020300"/>
@@ -278,7 +279,7 @@
           <a:p>
             <a:fld id="{0717AEF8-1597-4679-8926-916E82E12B07}" type="datetimeFigureOut">
               <a:rPr lang="fr-FR" smtClean="0"/>
-              <a:t>16/02/2019</a:t>
+              <a:t>25/02/2019</a:t>
             </a:fld>
             <a:endParaRPr lang="fr-FR"/>
           </a:p>
@@ -476,7 +477,7 @@
           <a:p>
             <a:fld id="{0717AEF8-1597-4679-8926-916E82E12B07}" type="datetimeFigureOut">
               <a:rPr lang="fr-FR" smtClean="0"/>
-              <a:t>16/02/2019</a:t>
+              <a:t>25/02/2019</a:t>
             </a:fld>
             <a:endParaRPr lang="fr-FR"/>
           </a:p>
@@ -684,7 +685,7 @@
           <a:p>
             <a:fld id="{0717AEF8-1597-4679-8926-916E82E12B07}" type="datetimeFigureOut">
               <a:rPr lang="fr-FR" smtClean="0"/>
-              <a:t>16/02/2019</a:t>
+              <a:t>25/02/2019</a:t>
             </a:fld>
             <a:endParaRPr lang="fr-FR"/>
           </a:p>
@@ -882,7 +883,7 @@
           <a:p>
             <a:fld id="{0717AEF8-1597-4679-8926-916E82E12B07}" type="datetimeFigureOut">
               <a:rPr lang="fr-FR" smtClean="0"/>
-              <a:t>16/02/2019</a:t>
+              <a:t>25/02/2019</a:t>
             </a:fld>
             <a:endParaRPr lang="fr-FR"/>
           </a:p>
@@ -1157,7 +1158,7 @@
           <a:p>
             <a:fld id="{0717AEF8-1597-4679-8926-916E82E12B07}" type="datetimeFigureOut">
               <a:rPr lang="fr-FR" smtClean="0"/>
-              <a:t>16/02/2019</a:t>
+              <a:t>25/02/2019</a:t>
             </a:fld>
             <a:endParaRPr lang="fr-FR"/>
           </a:p>
@@ -1422,7 +1423,7 @@
           <a:p>
             <a:fld id="{0717AEF8-1597-4679-8926-916E82E12B07}" type="datetimeFigureOut">
               <a:rPr lang="fr-FR" smtClean="0"/>
-              <a:t>16/02/2019</a:t>
+              <a:t>25/02/2019</a:t>
             </a:fld>
             <a:endParaRPr lang="fr-FR"/>
           </a:p>
@@ -1834,7 +1835,7 @@
           <a:p>
             <a:fld id="{0717AEF8-1597-4679-8926-916E82E12B07}" type="datetimeFigureOut">
               <a:rPr lang="fr-FR" smtClean="0"/>
-              <a:t>16/02/2019</a:t>
+              <a:t>25/02/2019</a:t>
             </a:fld>
             <a:endParaRPr lang="fr-FR"/>
           </a:p>
@@ -1975,7 +1976,7 @@
           <a:p>
             <a:fld id="{0717AEF8-1597-4679-8926-916E82E12B07}" type="datetimeFigureOut">
               <a:rPr lang="fr-FR" smtClean="0"/>
-              <a:t>16/02/2019</a:t>
+              <a:t>25/02/2019</a:t>
             </a:fld>
             <a:endParaRPr lang="fr-FR"/>
           </a:p>
@@ -2088,7 +2089,7 @@
           <a:p>
             <a:fld id="{0717AEF8-1597-4679-8926-916E82E12B07}" type="datetimeFigureOut">
               <a:rPr lang="fr-FR" smtClean="0"/>
-              <a:t>16/02/2019</a:t>
+              <a:t>25/02/2019</a:t>
             </a:fld>
             <a:endParaRPr lang="fr-FR"/>
           </a:p>
@@ -2399,7 +2400,7 @@
           <a:p>
             <a:fld id="{0717AEF8-1597-4679-8926-916E82E12B07}" type="datetimeFigureOut">
               <a:rPr lang="fr-FR" smtClean="0"/>
-              <a:t>16/02/2019</a:t>
+              <a:t>25/02/2019</a:t>
             </a:fld>
             <a:endParaRPr lang="fr-FR"/>
           </a:p>
@@ -2687,7 +2688,7 @@
           <a:p>
             <a:fld id="{0717AEF8-1597-4679-8926-916E82E12B07}" type="datetimeFigureOut">
               <a:rPr lang="fr-FR" smtClean="0"/>
-              <a:t>16/02/2019</a:t>
+              <a:t>25/02/2019</a:t>
             </a:fld>
             <a:endParaRPr lang="fr-FR"/>
           </a:p>
@@ -2928,7 +2929,7 @@
           <a:p>
             <a:fld id="{0717AEF8-1597-4679-8926-916E82E12B07}" type="datetimeFigureOut">
               <a:rPr lang="fr-FR" smtClean="0"/>
-              <a:t>16/02/2019</a:t>
+              <a:t>25/02/2019</a:t>
             </a:fld>
             <a:endParaRPr lang="fr-FR"/>
           </a:p>
@@ -7349,6 +7350,254 @@
 </p:sld>
 </file>
 
+<file path=ppt/slides/slide10.xml><?xml version="1.0" encoding="utf-8"?>
+<p:sld xmlns:a="http://schemas.openxmlformats.org/drawingml/2006/main" xmlns:r="http://schemas.openxmlformats.org/officeDocument/2006/relationships" xmlns:p="http://schemas.openxmlformats.org/presentationml/2006/main">
+  <p:cSld>
+    <p:spTree>
+      <p:nvGrpSpPr>
+        <p:cNvPr id="1" name=""/>
+        <p:cNvGrpSpPr/>
+        <p:nvPr/>
+      </p:nvGrpSpPr>
+      <p:grpSpPr>
+        <a:xfrm>
+          <a:off x="0" y="0"/>
+          <a:ext cx="0" cy="0"/>
+          <a:chOff x="0" y="0"/>
+          <a:chExt cx="0" cy="0"/>
+        </a:xfrm>
+      </p:grpSpPr>
+      <p:sp>
+        <p:nvSpPr>
+          <p:cNvPr id="2" name="Titre 1">
+            <a:extLst>
+              <a:ext uri="{FF2B5EF4-FFF2-40B4-BE49-F238E27FC236}">
+                <a16:creationId xmlns:a16="http://schemas.microsoft.com/office/drawing/2014/main" id="{7D7887D6-7566-47C9-A25C-3F4F54D9EBDC}"/>
+              </a:ext>
+            </a:extLst>
+          </p:cNvPr>
+          <p:cNvSpPr>
+            <a:spLocks noGrp="1"/>
+          </p:cNvSpPr>
+          <p:nvPr>
+            <p:ph type="title"/>
+          </p:nvPr>
+        </p:nvSpPr>
+        <p:spPr/>
+        <p:txBody>
+          <a:bodyPr/>
+          <a:lstStyle/>
+          <a:p>
+            <a:r>
+              <a:rPr lang="fr-FR" dirty="0" err="1"/>
+              <a:t>Special</a:t>
+            </a:r>
+            <a:r>
+              <a:rPr lang="fr-FR" dirty="0"/>
+              <a:t> pins Arduino MEGA2560</a:t>
+            </a:r>
+          </a:p>
+        </p:txBody>
+      </p:sp>
+      <p:sp>
+        <p:nvSpPr>
+          <p:cNvPr id="3" name="Espace réservé du contenu 2">
+            <a:extLst>
+              <a:ext uri="{FF2B5EF4-FFF2-40B4-BE49-F238E27FC236}">
+                <a16:creationId xmlns:a16="http://schemas.microsoft.com/office/drawing/2014/main" id="{570C9186-32F7-45DB-A01D-E527B032981A}"/>
+              </a:ext>
+            </a:extLst>
+          </p:cNvPr>
+          <p:cNvSpPr>
+            <a:spLocks noGrp="1"/>
+          </p:cNvSpPr>
+          <p:nvPr>
+            <p:ph idx="1"/>
+          </p:nvPr>
+        </p:nvSpPr>
+        <p:spPr/>
+        <p:txBody>
+          <a:bodyPr>
+            <a:normAutofit fontScale="77500" lnSpcReduction="20000"/>
+          </a:bodyPr>
+          <a:lstStyle/>
+          <a:p>
+            <a:pPr marL="0" indent="0">
+              <a:buNone/>
+            </a:pPr>
+            <a:r>
+              <a:rPr lang="fr-FR" sz="3500" u="sng" dirty="0"/>
+              <a:t>Interruptions</a:t>
+            </a:r>
+          </a:p>
+          <a:p>
+            <a:pPr marL="0" indent="0">
+              <a:buNone/>
+            </a:pPr>
+            <a:r>
+              <a:rPr lang="fr-FR" dirty="0"/>
+              <a:t>Pin #2 = interruption #0</a:t>
+            </a:r>
+            <a:br>
+              <a:rPr lang="fr-FR" dirty="0"/>
+            </a:br>
+            <a:r>
+              <a:rPr lang="fr-FR" dirty="0"/>
+              <a:t>Pin #3 = interruption #1</a:t>
+            </a:r>
+            <a:br>
+              <a:rPr lang="fr-FR" dirty="0"/>
+            </a:br>
+            <a:r>
+              <a:rPr lang="fr-FR" dirty="0"/>
+              <a:t>Pin #18 = interruption #5</a:t>
+            </a:r>
+            <a:br>
+              <a:rPr lang="fr-FR" dirty="0"/>
+            </a:br>
+            <a:r>
+              <a:rPr lang="fr-FR" dirty="0"/>
+              <a:t>Pin #19 = interruption #4</a:t>
+            </a:r>
+            <a:br>
+              <a:rPr lang="fr-FR" dirty="0"/>
+            </a:br>
+            <a:r>
+              <a:rPr lang="fr-FR" dirty="0"/>
+              <a:t>Pin #20 = interruption #3</a:t>
+            </a:r>
+            <a:br>
+              <a:rPr lang="fr-FR" dirty="0"/>
+            </a:br>
+            <a:r>
+              <a:rPr lang="fr-FR" dirty="0"/>
+              <a:t>Pin #21 = interruption #2</a:t>
+            </a:r>
+          </a:p>
+          <a:p>
+            <a:pPr marL="0" indent="0">
+              <a:buNone/>
+            </a:pPr>
+            <a:endParaRPr lang="fr-FR" dirty="0"/>
+          </a:p>
+          <a:p>
+            <a:pPr marL="0" indent="0">
+              <a:buNone/>
+            </a:pPr>
+            <a:r>
+              <a:rPr lang="fr-FR" sz="3500" u="sng" dirty="0"/>
+              <a:t>SPI</a:t>
+            </a:r>
+          </a:p>
+          <a:p>
+            <a:pPr marL="0" indent="0">
+              <a:buNone/>
+            </a:pPr>
+            <a:r>
+              <a:rPr lang="fi-FI" dirty="0"/>
+              <a:t>Pin</a:t>
+            </a:r>
+            <a:r>
+              <a:rPr lang="fr-FR" dirty="0"/>
+              <a:t> #</a:t>
+            </a:r>
+            <a:r>
+              <a:rPr lang="fi-FI" dirty="0"/>
+              <a:t>10: CS</a:t>
+            </a:r>
+            <a:endParaRPr lang="fr-FR" dirty="0"/>
+          </a:p>
+          <a:p>
+            <a:pPr marL="0" indent="0">
+              <a:buNone/>
+            </a:pPr>
+            <a:r>
+              <a:rPr lang="fi-FI" dirty="0"/>
+              <a:t>pin</a:t>
+            </a:r>
+            <a:r>
+              <a:rPr lang="fr-FR" dirty="0"/>
+              <a:t> #</a:t>
+            </a:r>
+            <a:r>
+              <a:rPr lang="fi-FI" dirty="0"/>
+              <a:t>11-&gt;pin</a:t>
+            </a:r>
+            <a:r>
+              <a:rPr lang="fr-FR" dirty="0"/>
+              <a:t> #</a:t>
+            </a:r>
+            <a:r>
+              <a:rPr lang="fi-FI" dirty="0"/>
+              <a:t>51</a:t>
+            </a:r>
+          </a:p>
+          <a:p>
+            <a:pPr marL="0" indent="0">
+              <a:buNone/>
+            </a:pPr>
+            <a:r>
+              <a:rPr lang="fi-FI" dirty="0"/>
+              <a:t>pin</a:t>
+            </a:r>
+            <a:r>
+              <a:rPr lang="fr-FR" dirty="0"/>
+              <a:t> #</a:t>
+            </a:r>
+            <a:r>
+              <a:rPr lang="fi-FI" dirty="0"/>
+              <a:t>12-&gt;pin</a:t>
+            </a:r>
+            <a:r>
+              <a:rPr lang="fr-FR" dirty="0"/>
+              <a:t> #</a:t>
+            </a:r>
+            <a:r>
+              <a:rPr lang="fi-FI" dirty="0"/>
+              <a:t>50</a:t>
+            </a:r>
+          </a:p>
+          <a:p>
+            <a:pPr marL="0" indent="0">
+              <a:buNone/>
+            </a:pPr>
+            <a:r>
+              <a:rPr lang="fi-FI" dirty="0"/>
+              <a:t>pin</a:t>
+            </a:r>
+            <a:r>
+              <a:rPr lang="fr-FR" dirty="0"/>
+              <a:t> #</a:t>
+            </a:r>
+            <a:r>
+              <a:rPr lang="fi-FI" dirty="0"/>
+              <a:t>13-&gt;pin</a:t>
+            </a:r>
+            <a:r>
+              <a:rPr lang="fr-FR" dirty="0"/>
+              <a:t> #</a:t>
+            </a:r>
+            <a:r>
+              <a:rPr lang="fi-FI" dirty="0"/>
+              <a:t>52</a:t>
+            </a:r>
+            <a:endParaRPr lang="fr-FR" dirty="0"/>
+          </a:p>
+        </p:txBody>
+      </p:sp>
+    </p:spTree>
+    <p:extLst>
+      <p:ext uri="{BB962C8B-B14F-4D97-AF65-F5344CB8AC3E}">
+        <p14:creationId xmlns:p14="http://schemas.microsoft.com/office/powerpoint/2010/main" val="3722056244"/>
+      </p:ext>
+    </p:extLst>
+  </p:cSld>
+  <p:clrMapOvr>
+    <a:masterClrMapping/>
+  </p:clrMapOvr>
+</p:sld>
+</file>
+
 <file path=ppt/slides/slide2.xml><?xml version="1.0" encoding="utf-8"?>
 <p:sld xmlns:a="http://schemas.openxmlformats.org/drawingml/2006/main" xmlns:r="http://schemas.openxmlformats.org/officeDocument/2006/relationships" xmlns:p="http://schemas.openxmlformats.org/presentationml/2006/main">
   <p:cSld>
@@ -22776,14 +23025,14 @@
           <p:nvPr>
             <p:extLst>
               <p:ext uri="{D42A27DB-BD31-4B8C-83A1-F6EECF244321}">
-                <p14:modId xmlns:p14="http://schemas.microsoft.com/office/powerpoint/2010/main" val="2137859877"/>
+                <p14:modId xmlns:p14="http://schemas.microsoft.com/office/powerpoint/2010/main" val="2054398887"/>
               </p:ext>
             </p:extLst>
           </p:nvPr>
         </p:nvGraphicFramePr>
         <p:xfrm>
           <a:off x="673075" y="2614630"/>
-          <a:ext cx="9211154" cy="2651760"/>
+          <a:ext cx="9211154" cy="2804160"/>
         </p:xfrm>
         <a:graphic>
           <a:graphicData uri="http://schemas.openxmlformats.org/drawingml/2006/table">
@@ -23245,6 +23494,14 @@
                         <a:t>CMD_TEST                            0x0C</a:t>
                       </a:r>
                     </a:p>
+                    <a:p>
+                      <a:r>
+                        <a:rPr lang="fr-FR" sz="1000" dirty="0">
+                          <a:latin typeface="+mn-lt"/>
+                        </a:rPr>
+                        <a:t>CMD_RUN                             0x0D</a:t>
+                      </a:r>
+                    </a:p>
                   </a:txBody>
                   <a:tcPr/>
                 </a:tc>
@@ -23819,9 +24076,12 @@
           <a:p>
             <a:r>
               <a:rPr lang="en-US" dirty="0" err="1"/>
-              <a:t>Commandes</a:t>
-            </a:r>
-            <a:endParaRPr lang="en-US" dirty="0"/>
+              <a:t>Bluetooh</a:t>
+            </a:r>
+            <a:r>
+              <a:rPr lang="en-US" dirty="0"/>
+              <a:t> Commands </a:t>
+            </a:r>
           </a:p>
         </p:txBody>
       </p:sp>
@@ -23841,7 +24101,1100 @@
             <p:ph idx="1"/>
             <p:extLst>
               <p:ext uri="{D42A27DB-BD31-4B8C-83A1-F6EECF244321}">
-                <p14:modId xmlns:p14="http://schemas.microsoft.com/office/powerpoint/2010/main" val="3175664207"/>
+                <p14:modId xmlns:p14="http://schemas.microsoft.com/office/powerpoint/2010/main" val="2328218016"/>
+              </p:ext>
+            </p:extLst>
+          </p:nvPr>
+        </p:nvGraphicFramePr>
+        <p:xfrm>
+          <a:off x="723901" y="829734"/>
+          <a:ext cx="10132364" cy="5289412"/>
+        </p:xfrm>
+        <a:graphic>
+          <a:graphicData uri="http://schemas.openxmlformats.org/drawingml/2006/table">
+            <a:tbl>
+              <a:tblPr firstRow="1" bandRow="1">
+                <a:tableStyleId>{5C22544A-7EE6-4342-B048-85BDC9FD1C3A}</a:tableStyleId>
+              </a:tblPr>
+              <a:tblGrid>
+                <a:gridCol w="1727637">
+                  <a:extLst>
+                    <a:ext uri="{9D8B030D-6E8A-4147-A177-3AD203B41FA5}">
+                      <a16:colId xmlns:a16="http://schemas.microsoft.com/office/drawing/2014/main" val="141237979"/>
+                    </a:ext>
+                  </a:extLst>
+                </a:gridCol>
+                <a:gridCol w="5320862">
+                  <a:extLst>
+                    <a:ext uri="{9D8B030D-6E8A-4147-A177-3AD203B41FA5}">
+                      <a16:colId xmlns:a16="http://schemas.microsoft.com/office/drawing/2014/main" val="2232030455"/>
+                    </a:ext>
+                  </a:extLst>
+                </a:gridCol>
+                <a:gridCol w="3083865">
+                  <a:extLst>
+                    <a:ext uri="{9D8B030D-6E8A-4147-A177-3AD203B41FA5}">
+                      <a16:colId xmlns:a16="http://schemas.microsoft.com/office/drawing/2014/main" val="20002"/>
+                    </a:ext>
+                  </a:extLst>
+                </a:gridCol>
+              </a:tblGrid>
+              <a:tr h="389475">
+                <a:tc>
+                  <a:txBody>
+                    <a:bodyPr/>
+                    <a:lstStyle/>
+                    <a:p>
+                      <a:r>
+                        <a:rPr lang="fr-FR" dirty="0"/>
+                        <a:t>Commande</a:t>
+                      </a:r>
+                    </a:p>
+                  </a:txBody>
+                  <a:tcPr/>
+                </a:tc>
+                <a:tc>
+                  <a:txBody>
+                    <a:bodyPr/>
+                    <a:lstStyle/>
+                    <a:p>
+                      <a:r>
+                        <a:rPr lang="fr-FR" dirty="0" err="1"/>
+                        <a:t>Purpose</a:t>
+                      </a:r>
+                      <a:endParaRPr lang="fr-FR" dirty="0"/>
+                    </a:p>
+                  </a:txBody>
+                  <a:tcPr/>
+                </a:tc>
+                <a:tc>
+                  <a:txBody>
+                    <a:bodyPr/>
+                    <a:lstStyle/>
+                    <a:p>
+                      <a:r>
+                        <a:rPr lang="fr-FR" dirty="0"/>
+                        <a:t>BLE message</a:t>
+                      </a:r>
+                    </a:p>
+                  </a:txBody>
+                  <a:tcPr/>
+                </a:tc>
+                <a:extLst>
+                  <a:ext uri="{0D108BD9-81ED-4DB2-BD59-A6C34878D82A}">
+                    <a16:rowId xmlns:a16="http://schemas.microsoft.com/office/drawing/2014/main" val="3930063906"/>
+                  </a:ext>
+                </a:extLst>
+              </a:tr>
+              <a:tr h="388874">
+                <a:tc>
+                  <a:txBody>
+                    <a:bodyPr/>
+                    <a:lstStyle/>
+                    <a:p>
+                      <a:r>
+                        <a:rPr lang="fr-FR" dirty="0" err="1"/>
+                        <a:t>Forward</a:t>
+                      </a:r>
+                      <a:endParaRPr lang="fr-FR" dirty="0"/>
+                    </a:p>
+                  </a:txBody>
+                  <a:tcPr/>
+                </a:tc>
+                <a:tc>
+                  <a:txBody>
+                    <a:bodyPr/>
+                    <a:lstStyle/>
+                    <a:p>
+                      <a:pPr marL="0" marR="0" lvl="0" indent="0" algn="l" defTabSz="914400" rtl="0" eaLnBrk="1" fontAlgn="auto" latinLnBrk="0" hangingPunct="1">
+                        <a:lnSpc>
+                          <a:spcPct val="100000"/>
+                        </a:lnSpc>
+                        <a:spcBef>
+                          <a:spcPts val="0"/>
+                        </a:spcBef>
+                        <a:spcAft>
+                          <a:spcPts val="0"/>
+                        </a:spcAft>
+                        <a:buClrTx/>
+                        <a:buSzTx/>
+                        <a:buFontTx/>
+                        <a:buNone/>
+                        <a:tabLst/>
+                        <a:defRPr/>
+                      </a:pPr>
+                      <a:r>
+                        <a:rPr lang="fr-FR" dirty="0" err="1"/>
+                        <a:t>Run</a:t>
+                      </a:r>
+                      <a:r>
+                        <a:rPr lang="fr-FR" dirty="0"/>
+                        <a:t> </a:t>
+                      </a:r>
+                      <a:r>
+                        <a:rPr lang="fr-FR" dirty="0" err="1"/>
+                        <a:t>forward</a:t>
+                      </a:r>
+                      <a:endParaRPr lang="fr-FR" dirty="0"/>
+                    </a:p>
+                  </a:txBody>
+                  <a:tcPr/>
+                </a:tc>
+                <a:tc>
+                  <a:txBody>
+                    <a:bodyPr/>
+                    <a:lstStyle/>
+                    <a:p>
+                      <a:pPr marL="0" marR="0" lvl="0" indent="0" algn="l" defTabSz="914400" rtl="0" eaLnBrk="1" fontAlgn="auto" latinLnBrk="0" hangingPunct="1">
+                        <a:lnSpc>
+                          <a:spcPct val="100000"/>
+                        </a:lnSpc>
+                        <a:spcBef>
+                          <a:spcPts val="0"/>
+                        </a:spcBef>
+                        <a:spcAft>
+                          <a:spcPts val="0"/>
+                        </a:spcAft>
+                        <a:buClrTx/>
+                        <a:buSzTx/>
+                        <a:buFontTx/>
+                        <a:buNone/>
+                        <a:tabLst/>
+                        <a:defRPr/>
+                      </a:pPr>
+                      <a:r>
+                        <a:rPr lang="fr-FR" dirty="0"/>
+                        <a:t>CMD=START|&gt;</a:t>
+                      </a:r>
+                    </a:p>
+                  </a:txBody>
+                  <a:tcPr/>
+                </a:tc>
+                <a:extLst>
+                  <a:ext uri="{0D108BD9-81ED-4DB2-BD59-A6C34878D82A}">
+                    <a16:rowId xmlns:a16="http://schemas.microsoft.com/office/drawing/2014/main" val="3459295351"/>
+                  </a:ext>
+                </a:extLst>
+              </a:tr>
+              <a:tr h="410312">
+                <a:tc>
+                  <a:txBody>
+                    <a:bodyPr/>
+                    <a:lstStyle/>
+                    <a:p>
+                      <a:r>
+                        <a:rPr lang="fr-FR" dirty="0" err="1"/>
+                        <a:t>Left</a:t>
+                      </a:r>
+                      <a:endParaRPr lang="fr-FR" dirty="0"/>
+                    </a:p>
+                  </a:txBody>
+                  <a:tcPr/>
+                </a:tc>
+                <a:tc>
+                  <a:txBody>
+                    <a:bodyPr/>
+                    <a:lstStyle/>
+                    <a:p>
+                      <a:pPr marL="0" marR="0" lvl="0" indent="0" algn="l" defTabSz="914400" rtl="0" eaLnBrk="1" fontAlgn="auto" latinLnBrk="0" hangingPunct="1">
+                        <a:lnSpc>
+                          <a:spcPct val="100000"/>
+                        </a:lnSpc>
+                        <a:spcBef>
+                          <a:spcPts val="0"/>
+                        </a:spcBef>
+                        <a:spcAft>
+                          <a:spcPts val="0"/>
+                        </a:spcAft>
+                        <a:buClrTx/>
+                        <a:buSzTx/>
+                        <a:buFontTx/>
+                        <a:buNone/>
+                        <a:tabLst/>
+                        <a:defRPr/>
+                      </a:pPr>
+                      <a:r>
+                        <a:rPr lang="fr-FR" dirty="0" err="1"/>
+                        <a:t>Turn</a:t>
+                      </a:r>
+                      <a:r>
+                        <a:rPr lang="fr-FR" dirty="0"/>
+                        <a:t> </a:t>
+                      </a:r>
+                      <a:r>
+                        <a:rPr lang="fr-FR" dirty="0" err="1"/>
+                        <a:t>left</a:t>
+                      </a:r>
+                      <a:r>
+                        <a:rPr lang="fr-FR" dirty="0"/>
+                        <a:t> 45°</a:t>
+                      </a:r>
+                    </a:p>
+                  </a:txBody>
+                  <a:tcPr/>
+                </a:tc>
+                <a:tc>
+                  <a:txBody>
+                    <a:bodyPr/>
+                    <a:lstStyle/>
+                    <a:p>
+                      <a:pPr marL="0" marR="0" lvl="0" indent="0" algn="l" defTabSz="914400" rtl="0" eaLnBrk="1" fontAlgn="auto" latinLnBrk="0" hangingPunct="1">
+                        <a:lnSpc>
+                          <a:spcPct val="100000"/>
+                        </a:lnSpc>
+                        <a:spcBef>
+                          <a:spcPts val="0"/>
+                        </a:spcBef>
+                        <a:spcAft>
+                          <a:spcPts val="0"/>
+                        </a:spcAft>
+                        <a:buClrTx/>
+                        <a:buSzTx/>
+                        <a:buFontTx/>
+                        <a:buNone/>
+                        <a:tabLst/>
+                        <a:defRPr/>
+                      </a:pPr>
+                      <a:r>
+                        <a:rPr lang="fr-FR" dirty="0"/>
+                        <a:t>CMD=TURN|P=-45|&gt;</a:t>
+                      </a:r>
+                    </a:p>
+                  </a:txBody>
+                  <a:tcPr/>
+                </a:tc>
+                <a:extLst>
+                  <a:ext uri="{0D108BD9-81ED-4DB2-BD59-A6C34878D82A}">
+                    <a16:rowId xmlns:a16="http://schemas.microsoft.com/office/drawing/2014/main" val="11531206"/>
+                  </a:ext>
+                </a:extLst>
+              </a:tr>
+              <a:tr h="415984">
+                <a:tc>
+                  <a:txBody>
+                    <a:bodyPr/>
+                    <a:lstStyle/>
+                    <a:p>
+                      <a:r>
+                        <a:rPr lang="fr-FR" dirty="0"/>
+                        <a:t>Right</a:t>
+                      </a:r>
+                    </a:p>
+                  </a:txBody>
+                  <a:tcPr/>
+                </a:tc>
+                <a:tc>
+                  <a:txBody>
+                    <a:bodyPr/>
+                    <a:lstStyle/>
+                    <a:p>
+                      <a:pPr marL="0" marR="0" lvl="0" indent="0" algn="l" defTabSz="914400" rtl="0" eaLnBrk="1" fontAlgn="auto" latinLnBrk="0" hangingPunct="1">
+                        <a:lnSpc>
+                          <a:spcPct val="100000"/>
+                        </a:lnSpc>
+                        <a:spcBef>
+                          <a:spcPts val="0"/>
+                        </a:spcBef>
+                        <a:spcAft>
+                          <a:spcPts val="0"/>
+                        </a:spcAft>
+                        <a:buClrTx/>
+                        <a:buSzTx/>
+                        <a:buFontTx/>
+                        <a:buNone/>
+                        <a:tabLst/>
+                        <a:defRPr/>
+                      </a:pPr>
+                      <a:r>
+                        <a:rPr lang="fr-FR" dirty="0" err="1"/>
+                        <a:t>Turn</a:t>
+                      </a:r>
+                      <a:r>
+                        <a:rPr lang="fr-FR" dirty="0"/>
+                        <a:t> right 45°</a:t>
+                      </a:r>
+                    </a:p>
+                  </a:txBody>
+                  <a:tcPr/>
+                </a:tc>
+                <a:tc>
+                  <a:txBody>
+                    <a:bodyPr/>
+                    <a:lstStyle/>
+                    <a:p>
+                      <a:pPr marL="0" marR="0" lvl="0" indent="0" algn="l" defTabSz="914400" rtl="0" eaLnBrk="1" fontAlgn="auto" latinLnBrk="0" hangingPunct="1">
+                        <a:lnSpc>
+                          <a:spcPct val="100000"/>
+                        </a:lnSpc>
+                        <a:spcBef>
+                          <a:spcPts val="0"/>
+                        </a:spcBef>
+                        <a:spcAft>
+                          <a:spcPts val="0"/>
+                        </a:spcAft>
+                        <a:buClrTx/>
+                        <a:buSzTx/>
+                        <a:buFontTx/>
+                        <a:buNone/>
+                        <a:tabLst/>
+                        <a:defRPr/>
+                      </a:pPr>
+                      <a:r>
+                        <a:rPr lang="fr-FR" dirty="0"/>
+                        <a:t>CMD=TURN|P=45|&gt;</a:t>
+                      </a:r>
+                    </a:p>
+                  </a:txBody>
+                  <a:tcPr/>
+                </a:tc>
+                <a:extLst>
+                  <a:ext uri="{0D108BD9-81ED-4DB2-BD59-A6C34878D82A}">
+                    <a16:rowId xmlns:a16="http://schemas.microsoft.com/office/drawing/2014/main" val="10003"/>
+                  </a:ext>
+                </a:extLst>
+              </a:tr>
+              <a:tr h="382242">
+                <a:tc>
+                  <a:txBody>
+                    <a:bodyPr/>
+                    <a:lstStyle/>
+                    <a:p>
+                      <a:r>
+                        <a:rPr lang="fr-FR" dirty="0"/>
+                        <a:t>Stop</a:t>
+                      </a:r>
+                    </a:p>
+                  </a:txBody>
+                  <a:tcPr/>
+                </a:tc>
+                <a:tc>
+                  <a:txBody>
+                    <a:bodyPr/>
+                    <a:lstStyle/>
+                    <a:p>
+                      <a:pPr marL="0" marR="0" lvl="0" indent="0" algn="l" defTabSz="914400" rtl="0" eaLnBrk="1" fontAlgn="auto" latinLnBrk="0" hangingPunct="1">
+                        <a:lnSpc>
+                          <a:spcPct val="100000"/>
+                        </a:lnSpc>
+                        <a:spcBef>
+                          <a:spcPts val="0"/>
+                        </a:spcBef>
+                        <a:spcAft>
+                          <a:spcPts val="0"/>
+                        </a:spcAft>
+                        <a:buClrTx/>
+                        <a:buSzTx/>
+                        <a:buFontTx/>
+                        <a:buNone/>
+                        <a:tabLst/>
+                        <a:defRPr/>
+                      </a:pPr>
+                      <a:r>
+                        <a:rPr lang="fr-FR" dirty="0"/>
+                        <a:t>Stop</a:t>
+                      </a:r>
+                    </a:p>
+                  </a:txBody>
+                  <a:tcPr/>
+                </a:tc>
+                <a:tc>
+                  <a:txBody>
+                    <a:bodyPr/>
+                    <a:lstStyle/>
+                    <a:p>
+                      <a:pPr marL="0" marR="0" lvl="0" indent="0" algn="l" defTabSz="914400" rtl="0" eaLnBrk="1" fontAlgn="auto" latinLnBrk="0" hangingPunct="1">
+                        <a:lnSpc>
+                          <a:spcPct val="100000"/>
+                        </a:lnSpc>
+                        <a:spcBef>
+                          <a:spcPts val="0"/>
+                        </a:spcBef>
+                        <a:spcAft>
+                          <a:spcPts val="0"/>
+                        </a:spcAft>
+                        <a:buClrTx/>
+                        <a:buSzTx/>
+                        <a:buFontTx/>
+                        <a:buNone/>
+                        <a:tabLst/>
+                        <a:defRPr/>
+                      </a:pPr>
+                      <a:r>
+                        <a:rPr lang="fr-FR" dirty="0"/>
+                        <a:t>CMD=STOP|&gt;</a:t>
+                      </a:r>
+                    </a:p>
+                  </a:txBody>
+                  <a:tcPr/>
+                </a:tc>
+                <a:extLst>
+                  <a:ext uri="{0D108BD9-81ED-4DB2-BD59-A6C34878D82A}">
+                    <a16:rowId xmlns:a16="http://schemas.microsoft.com/office/drawing/2014/main" val="1140387248"/>
+                  </a:ext>
+                </a:extLst>
+              </a:tr>
+              <a:tr h="472966">
+                <a:tc>
+                  <a:txBody>
+                    <a:bodyPr/>
+                    <a:lstStyle/>
+                    <a:p>
+                      <a:r>
+                        <a:rPr lang="fr-FR" dirty="0"/>
+                        <a:t>Go</a:t>
+                      </a:r>
+                    </a:p>
+                  </a:txBody>
+                  <a:tcPr/>
+                </a:tc>
+                <a:tc>
+                  <a:txBody>
+                    <a:bodyPr/>
+                    <a:lstStyle/>
+                    <a:p>
+                      <a:pPr marL="0" marR="0" lvl="0" indent="0" algn="l" defTabSz="914400" rtl="0" eaLnBrk="1" fontAlgn="auto" latinLnBrk="0" hangingPunct="1">
+                        <a:lnSpc>
+                          <a:spcPct val="100000"/>
+                        </a:lnSpc>
+                        <a:spcBef>
+                          <a:spcPts val="0"/>
+                        </a:spcBef>
+                        <a:spcAft>
+                          <a:spcPts val="0"/>
+                        </a:spcAft>
+                        <a:buClrTx/>
+                        <a:buSzTx/>
+                        <a:buFontTx/>
+                        <a:buNone/>
+                        <a:tabLst/>
+                        <a:defRPr/>
+                      </a:pPr>
+                      <a:r>
+                        <a:rPr lang="fr-FR" dirty="0"/>
+                        <a:t>Go in </a:t>
+                      </a:r>
+                      <a:r>
+                        <a:rPr lang="fr-FR" dirty="0" err="1"/>
+                        <a:t>autonomous</a:t>
+                      </a:r>
+                      <a:r>
+                        <a:rPr lang="fr-FR" dirty="0"/>
+                        <a:t> mode, timeout</a:t>
+                      </a:r>
+                      <a:r>
+                        <a:rPr lang="fr-FR" baseline="0" dirty="0"/>
+                        <a:t> 20 seconds</a:t>
+                      </a:r>
+                      <a:endParaRPr lang="fr-FR" dirty="0"/>
+                    </a:p>
+                  </a:txBody>
+                  <a:tcPr/>
+                </a:tc>
+                <a:tc>
+                  <a:txBody>
+                    <a:bodyPr/>
+                    <a:lstStyle/>
+                    <a:p>
+                      <a:pPr marL="0" marR="0" lvl="0" indent="0" algn="l" defTabSz="914400" rtl="0" eaLnBrk="1" fontAlgn="auto" latinLnBrk="0" hangingPunct="1">
+                        <a:lnSpc>
+                          <a:spcPct val="100000"/>
+                        </a:lnSpc>
+                        <a:spcBef>
+                          <a:spcPts val="0"/>
+                        </a:spcBef>
+                        <a:spcAft>
+                          <a:spcPts val="0"/>
+                        </a:spcAft>
+                        <a:buClrTx/>
+                        <a:buSzTx/>
+                        <a:buFontTx/>
+                        <a:buNone/>
+                        <a:tabLst/>
+                        <a:defRPr/>
+                      </a:pPr>
+                      <a:r>
+                        <a:rPr lang="fr-FR" dirty="0"/>
+                        <a:t>CMD=GO|P=20|&gt;</a:t>
+                      </a:r>
+                    </a:p>
+                  </a:txBody>
+                  <a:tcPr/>
+                </a:tc>
+                <a:extLst>
+                  <a:ext uri="{0D108BD9-81ED-4DB2-BD59-A6C34878D82A}">
+                    <a16:rowId xmlns:a16="http://schemas.microsoft.com/office/drawing/2014/main" val="10005"/>
+                  </a:ext>
+                </a:extLst>
+              </a:tr>
+              <a:tr h="472414">
+                <a:tc>
+                  <a:txBody>
+                    <a:bodyPr/>
+                    <a:lstStyle/>
+                    <a:p>
+                      <a:r>
+                        <a:rPr lang="fr-FR" dirty="0"/>
+                        <a:t>Picture</a:t>
+                      </a:r>
+                    </a:p>
+                  </a:txBody>
+                  <a:tcPr/>
+                </a:tc>
+                <a:tc>
+                  <a:txBody>
+                    <a:bodyPr/>
+                    <a:lstStyle/>
+                    <a:p>
+                      <a:pPr marL="0" marR="0" lvl="0" indent="0" algn="l" defTabSz="914400" rtl="0" eaLnBrk="1" fontAlgn="auto" latinLnBrk="0" hangingPunct="1">
+                        <a:lnSpc>
+                          <a:spcPct val="100000"/>
+                        </a:lnSpc>
+                        <a:spcBef>
+                          <a:spcPts val="0"/>
+                        </a:spcBef>
+                        <a:spcAft>
+                          <a:spcPts val="0"/>
+                        </a:spcAft>
+                        <a:buClrTx/>
+                        <a:buSzTx/>
+                        <a:buFontTx/>
+                        <a:buNone/>
+                        <a:tabLst/>
+                        <a:defRPr/>
+                      </a:pPr>
+                      <a:r>
+                        <a:rPr lang="fr-FR" dirty="0" err="1"/>
+                        <a:t>Make</a:t>
+                      </a:r>
+                      <a:r>
+                        <a:rPr lang="fr-FR" dirty="0"/>
+                        <a:t> </a:t>
+                      </a:r>
+                      <a:r>
+                        <a:rPr lang="fr-FR" dirty="0" err="1"/>
+                        <a:t>picture</a:t>
+                      </a:r>
+                      <a:endParaRPr lang="fr-FR" dirty="0"/>
+                    </a:p>
+                  </a:txBody>
+                  <a:tcPr/>
+                </a:tc>
+                <a:tc>
+                  <a:txBody>
+                    <a:bodyPr/>
+                    <a:lstStyle/>
+                    <a:p>
+                      <a:pPr marL="0" marR="0" lvl="0" indent="0" algn="l" defTabSz="914400" rtl="0" eaLnBrk="1" fontAlgn="auto" latinLnBrk="0" hangingPunct="1">
+                        <a:lnSpc>
+                          <a:spcPct val="100000"/>
+                        </a:lnSpc>
+                        <a:spcBef>
+                          <a:spcPts val="0"/>
+                        </a:spcBef>
+                        <a:spcAft>
+                          <a:spcPts val="0"/>
+                        </a:spcAft>
+                        <a:buClrTx/>
+                        <a:buSzTx/>
+                        <a:buFontTx/>
+                        <a:buNone/>
+                        <a:tabLst/>
+                        <a:defRPr/>
+                      </a:pPr>
+                      <a:r>
+                        <a:rPr lang="fr-FR" dirty="0"/>
+                        <a:t>CMD=PICTURE|&gt;</a:t>
+                      </a:r>
+                    </a:p>
+                  </a:txBody>
+                  <a:tcPr/>
+                </a:tc>
+                <a:extLst>
+                  <a:ext uri="{0D108BD9-81ED-4DB2-BD59-A6C34878D82A}">
+                    <a16:rowId xmlns:a16="http://schemas.microsoft.com/office/drawing/2014/main" val="4031062607"/>
+                  </a:ext>
+                </a:extLst>
+              </a:tr>
+              <a:tr h="389475">
+                <a:tc>
+                  <a:txBody>
+                    <a:bodyPr/>
+                    <a:lstStyle/>
+                    <a:p>
+                      <a:r>
+                        <a:rPr lang="fr-FR" dirty="0" err="1"/>
+                        <a:t>Get</a:t>
+                      </a:r>
+                      <a:r>
+                        <a:rPr lang="fr-FR" dirty="0"/>
+                        <a:t> infos</a:t>
+                      </a:r>
+                    </a:p>
+                  </a:txBody>
+                  <a:tcPr/>
+                </a:tc>
+                <a:tc>
+                  <a:txBody>
+                    <a:bodyPr/>
+                    <a:lstStyle/>
+                    <a:p>
+                      <a:pPr marL="0" marR="0" lvl="0" indent="0" algn="l" defTabSz="914400" rtl="0" eaLnBrk="1" fontAlgn="auto" latinLnBrk="0" hangingPunct="1">
+                        <a:lnSpc>
+                          <a:spcPct val="100000"/>
+                        </a:lnSpc>
+                        <a:spcBef>
+                          <a:spcPts val="0"/>
+                        </a:spcBef>
+                        <a:spcAft>
+                          <a:spcPts val="0"/>
+                        </a:spcAft>
+                        <a:buClrTx/>
+                        <a:buSzTx/>
+                        <a:buFontTx/>
+                        <a:buNone/>
+                        <a:tabLst/>
+                        <a:defRPr/>
+                      </a:pPr>
+                      <a:r>
+                        <a:rPr lang="fr-FR" dirty="0" err="1"/>
+                        <a:t>Get</a:t>
+                      </a:r>
+                      <a:r>
+                        <a:rPr lang="fr-FR" dirty="0"/>
+                        <a:t> infos and return </a:t>
+                      </a:r>
+                      <a:r>
+                        <a:rPr lang="fr-FR" dirty="0" err="1"/>
+                        <a:t>them</a:t>
+                      </a:r>
+                      <a:endParaRPr lang="fr-FR" dirty="0"/>
+                    </a:p>
+                  </a:txBody>
+                  <a:tcPr/>
+                </a:tc>
+                <a:tc>
+                  <a:txBody>
+                    <a:bodyPr/>
+                    <a:lstStyle/>
+                    <a:p>
+                      <a:pPr marL="0" marR="0" lvl="0" indent="0" algn="l" defTabSz="914400" rtl="0" eaLnBrk="1" fontAlgn="auto" latinLnBrk="0" hangingPunct="1">
+                        <a:lnSpc>
+                          <a:spcPct val="100000"/>
+                        </a:lnSpc>
+                        <a:spcBef>
+                          <a:spcPts val="0"/>
+                        </a:spcBef>
+                        <a:spcAft>
+                          <a:spcPts val="0"/>
+                        </a:spcAft>
+                        <a:buClrTx/>
+                        <a:buSzTx/>
+                        <a:buFontTx/>
+                        <a:buNone/>
+                        <a:tabLst/>
+                        <a:defRPr/>
+                      </a:pPr>
+                      <a:r>
+                        <a:rPr lang="fr-FR" dirty="0"/>
+                        <a:t>CMD=GET_INFOS|&gt;</a:t>
+                      </a:r>
+                    </a:p>
+                  </a:txBody>
+                  <a:tcPr/>
+                </a:tc>
+                <a:extLst>
+                  <a:ext uri="{0D108BD9-81ED-4DB2-BD59-A6C34878D82A}">
+                    <a16:rowId xmlns:a16="http://schemas.microsoft.com/office/drawing/2014/main" val="3810878265"/>
+                  </a:ext>
+                </a:extLst>
+              </a:tr>
+              <a:tr h="1035379">
+                <a:tc>
+                  <a:txBody>
+                    <a:bodyPr/>
+                    <a:lstStyle/>
+                    <a:p>
+                      <a:pPr marL="0" marR="0" indent="0" algn="l" defTabSz="914400" rtl="0" eaLnBrk="1" fontAlgn="auto" latinLnBrk="0" hangingPunct="1">
+                        <a:lnSpc>
+                          <a:spcPct val="100000"/>
+                        </a:lnSpc>
+                        <a:spcBef>
+                          <a:spcPts val="0"/>
+                        </a:spcBef>
+                        <a:spcAft>
+                          <a:spcPts val="0"/>
+                        </a:spcAft>
+                        <a:buClrTx/>
+                        <a:buSzTx/>
+                        <a:buFontTx/>
+                        <a:buNone/>
+                        <a:tabLst/>
+                        <a:defRPr/>
+                      </a:pPr>
+                      <a:r>
+                        <a:rPr lang="fr-FR" dirty="0"/>
+                        <a:t>PI Communication mode</a:t>
+                      </a:r>
+                    </a:p>
+                    <a:p>
+                      <a:endParaRPr lang="fr-FR" dirty="0"/>
+                    </a:p>
+                  </a:txBody>
+                  <a:tcPr/>
+                </a:tc>
+                <a:tc>
+                  <a:txBody>
+                    <a:bodyPr/>
+                    <a:lstStyle/>
+                    <a:p>
+                      <a:pPr marL="0" marR="0" lvl="0" indent="0" algn="l" defTabSz="914400" rtl="0" eaLnBrk="1" fontAlgn="auto" latinLnBrk="0" hangingPunct="1">
+                        <a:lnSpc>
+                          <a:spcPct val="100000"/>
+                        </a:lnSpc>
+                        <a:spcBef>
+                          <a:spcPts val="0"/>
+                        </a:spcBef>
+                        <a:spcAft>
+                          <a:spcPts val="0"/>
+                        </a:spcAft>
+                        <a:buClrTx/>
+                        <a:buSzTx/>
+                        <a:buFontTx/>
+                        <a:buNone/>
+                        <a:tabLst/>
+                        <a:defRPr/>
+                      </a:pPr>
+                      <a:r>
+                        <a:rPr lang="fr-FR" dirty="0" err="1"/>
+                        <a:t>Define</a:t>
+                      </a:r>
+                      <a:r>
+                        <a:rPr lang="fr-FR" dirty="0"/>
+                        <a:t> the communication mode </a:t>
+                      </a:r>
+                      <a:r>
+                        <a:rPr lang="fr-FR" dirty="0" err="1"/>
+                        <a:t>between</a:t>
+                      </a:r>
+                      <a:r>
+                        <a:rPr lang="fr-FR" dirty="0"/>
+                        <a:t> the Robot and the </a:t>
+                      </a:r>
+                      <a:r>
+                        <a:rPr lang="fr-FR" dirty="0" err="1"/>
+                        <a:t>Raspberry</a:t>
+                      </a:r>
+                      <a:r>
+                        <a:rPr lang="fr-FR" dirty="0"/>
+                        <a:t> PI: </a:t>
+                      </a:r>
+                      <a:r>
+                        <a:rPr lang="fr-FR" dirty="0" err="1"/>
+                        <a:t>Alert</a:t>
+                      </a:r>
+                      <a:r>
+                        <a:rPr lang="fr-FR" dirty="0"/>
+                        <a:t> and Infos </a:t>
+                      </a:r>
+                      <a:r>
+                        <a:rPr lang="fr-FR" dirty="0" err="1"/>
+                        <a:t>every</a:t>
+                      </a:r>
+                      <a:r>
+                        <a:rPr lang="fr-FR" dirty="0"/>
+                        <a:t> 300 seconds</a:t>
+                      </a:r>
+                    </a:p>
+                  </a:txBody>
+                  <a:tcPr/>
+                </a:tc>
+                <a:tc>
+                  <a:txBody>
+                    <a:bodyPr/>
+                    <a:lstStyle/>
+                    <a:p>
+                      <a:pPr marL="0" marR="0" lvl="0" indent="0" algn="l" defTabSz="914400" rtl="0" eaLnBrk="1" fontAlgn="auto" latinLnBrk="0" hangingPunct="1">
+                        <a:lnSpc>
+                          <a:spcPct val="100000"/>
+                        </a:lnSpc>
+                        <a:spcBef>
+                          <a:spcPts val="0"/>
+                        </a:spcBef>
+                        <a:spcAft>
+                          <a:spcPts val="0"/>
+                        </a:spcAft>
+                        <a:buClrTx/>
+                        <a:buSzTx/>
+                        <a:buFontTx/>
+                        <a:buNone/>
+                        <a:tabLst/>
+                        <a:defRPr/>
+                      </a:pPr>
+                      <a:r>
+                        <a:rPr lang="fr-FR" dirty="0"/>
+                        <a:t>CMD=PI|P=2|300|&gt;</a:t>
+                      </a:r>
+                    </a:p>
+                    <a:p>
+                      <a:endParaRPr lang="fr-FR" dirty="0"/>
+                    </a:p>
+                  </a:txBody>
+                  <a:tcPr/>
+                </a:tc>
+                <a:extLst>
+                  <a:ext uri="{0D108BD9-81ED-4DB2-BD59-A6C34878D82A}">
+                    <a16:rowId xmlns:a16="http://schemas.microsoft.com/office/drawing/2014/main" val="10008"/>
+                  </a:ext>
+                </a:extLst>
+              </a:tr>
+              <a:tr h="389475">
+                <a:tc>
+                  <a:txBody>
+                    <a:bodyPr/>
+                    <a:lstStyle/>
+                    <a:p>
+                      <a:r>
+                        <a:rPr lang="fr-FR" dirty="0"/>
+                        <a:t>Move </a:t>
+                      </a:r>
+                      <a:r>
+                        <a:rPr lang="fr-FR" dirty="0" err="1"/>
+                        <a:t>Tilt&amp;Pan</a:t>
+                      </a:r>
+                      <a:endParaRPr lang="fr-FR" dirty="0"/>
+                    </a:p>
+                  </a:txBody>
+                  <a:tcPr/>
+                </a:tc>
+                <a:tc>
+                  <a:txBody>
+                    <a:bodyPr/>
+                    <a:lstStyle/>
+                    <a:p>
+                      <a:r>
+                        <a:rPr lang="fr-FR" dirty="0"/>
+                        <a:t>Move </a:t>
+                      </a:r>
+                      <a:r>
+                        <a:rPr lang="fr-FR" dirty="0" err="1"/>
+                        <a:t>Tilt&amp;Pan</a:t>
+                      </a:r>
+                      <a:r>
+                        <a:rPr lang="fr-FR" dirty="0"/>
+                        <a:t> </a:t>
+                      </a:r>
+                      <a:r>
+                        <a:rPr lang="fr-FR" dirty="0" err="1"/>
+                        <a:t>Horizontaly</a:t>
+                      </a:r>
+                      <a:r>
+                        <a:rPr lang="fr-FR" dirty="0"/>
+                        <a:t> and </a:t>
+                      </a:r>
+                      <a:r>
+                        <a:rPr lang="fr-FR" dirty="0" err="1"/>
+                        <a:t>Verticaly</a:t>
+                      </a:r>
+                      <a:endParaRPr lang="fr-FR" dirty="0"/>
+                    </a:p>
+                  </a:txBody>
+                  <a:tcPr/>
+                </a:tc>
+                <a:tc>
+                  <a:txBody>
+                    <a:bodyPr/>
+                    <a:lstStyle/>
+                    <a:p>
+                      <a:pPr marL="0" marR="0" lvl="0" indent="0" algn="l" defTabSz="914400" rtl="0" eaLnBrk="1" fontAlgn="auto" latinLnBrk="0" hangingPunct="1">
+                        <a:lnSpc>
+                          <a:spcPct val="100000"/>
+                        </a:lnSpc>
+                        <a:spcBef>
+                          <a:spcPts val="0"/>
+                        </a:spcBef>
+                        <a:spcAft>
+                          <a:spcPts val="0"/>
+                        </a:spcAft>
+                        <a:buClrTx/>
+                        <a:buSzTx/>
+                        <a:buFontTx/>
+                        <a:buNone/>
+                        <a:tabLst/>
+                        <a:defRPr/>
+                      </a:pPr>
+                      <a:r>
+                        <a:rPr lang="fr-FR" dirty="0"/>
+                        <a:t>CMD=M|P=</a:t>
+                      </a:r>
+                      <a:r>
+                        <a:rPr lang="fr-FR" dirty="0" err="1"/>
+                        <a:t>x|y</a:t>
+                      </a:r>
+                      <a:r>
+                        <a:rPr lang="fr-FR" dirty="0"/>
+                        <a:t>|&gt;</a:t>
+                      </a:r>
+                    </a:p>
+                  </a:txBody>
+                  <a:tcPr/>
+                </a:tc>
+                <a:extLst>
+                  <a:ext uri="{0D108BD9-81ED-4DB2-BD59-A6C34878D82A}">
+                    <a16:rowId xmlns:a16="http://schemas.microsoft.com/office/drawing/2014/main" val="3452581991"/>
+                  </a:ext>
+                </a:extLst>
+              </a:tr>
+              <a:tr h="389475">
+                <a:tc>
+                  <a:txBody>
+                    <a:bodyPr/>
+                    <a:lstStyle/>
+                    <a:p>
+                      <a:r>
+                        <a:rPr lang="fr-FR" dirty="0"/>
+                        <a:t>Test</a:t>
+                      </a:r>
+                    </a:p>
+                  </a:txBody>
+                  <a:tcPr/>
+                </a:tc>
+                <a:tc>
+                  <a:txBody>
+                    <a:bodyPr/>
+                    <a:lstStyle/>
+                    <a:p>
+                      <a:r>
+                        <a:rPr lang="fr-FR" dirty="0" err="1"/>
+                        <a:t>Send</a:t>
+                      </a:r>
+                      <a:r>
+                        <a:rPr lang="fr-FR" dirty="0"/>
+                        <a:t> a test command and check the feedback</a:t>
+                      </a:r>
+                    </a:p>
+                  </a:txBody>
+                  <a:tcPr/>
+                </a:tc>
+                <a:tc>
+                  <a:txBody>
+                    <a:bodyPr/>
+                    <a:lstStyle/>
+                    <a:p>
+                      <a:pPr marL="0" marR="0" lvl="0" indent="0" algn="l" defTabSz="914400" rtl="0" eaLnBrk="1" fontAlgn="auto" latinLnBrk="0" hangingPunct="1">
+                        <a:lnSpc>
+                          <a:spcPct val="100000"/>
+                        </a:lnSpc>
+                        <a:spcBef>
+                          <a:spcPts val="0"/>
+                        </a:spcBef>
+                        <a:spcAft>
+                          <a:spcPts val="0"/>
+                        </a:spcAft>
+                        <a:buClrTx/>
+                        <a:buSzTx/>
+                        <a:buFontTx/>
+                        <a:buNone/>
+                        <a:tabLst/>
+                        <a:defRPr/>
+                      </a:pPr>
+                      <a:r>
+                        <a:rPr lang="fr-FR" dirty="0"/>
+                        <a:t>CMD=T|P=2|1|0|3|4|&gt;</a:t>
+                      </a:r>
+                    </a:p>
+                  </a:txBody>
+                  <a:tcPr/>
+                </a:tc>
+                <a:extLst>
+                  <a:ext uri="{0D108BD9-81ED-4DB2-BD59-A6C34878D82A}">
+                    <a16:rowId xmlns:a16="http://schemas.microsoft.com/office/drawing/2014/main" val="10010"/>
+                  </a:ext>
+                </a:extLst>
+              </a:tr>
+            </a:tbl>
+          </a:graphicData>
+        </a:graphic>
+      </p:graphicFrame>
+    </p:spTree>
+    <p:extLst>
+      <p:ext uri="{BB962C8B-B14F-4D97-AF65-F5344CB8AC3E}">
+        <p14:creationId xmlns:p14="http://schemas.microsoft.com/office/powerpoint/2010/main" val="2985186838"/>
+      </p:ext>
+    </p:extLst>
+  </p:cSld>
+  <p:clrMapOvr>
+    <a:masterClrMapping/>
+  </p:clrMapOvr>
+</p:sld>
+</file>
+
+<file path=ppt/slides/slide9.xml><?xml version="1.0" encoding="utf-8"?>
+<p:sld xmlns:a="http://schemas.openxmlformats.org/drawingml/2006/main" xmlns:r="http://schemas.openxmlformats.org/officeDocument/2006/relationships" xmlns:p="http://schemas.openxmlformats.org/presentationml/2006/main">
+  <p:cSld>
+    <p:spTree>
+      <p:nvGrpSpPr>
+        <p:cNvPr id="1" name=""/>
+        <p:cNvGrpSpPr/>
+        <p:nvPr/>
+      </p:nvGrpSpPr>
+      <p:grpSpPr>
+        <a:xfrm>
+          <a:off x="0" y="0"/>
+          <a:ext cx="0" cy="0"/>
+          <a:chOff x="0" y="0"/>
+          <a:chExt cx="0" cy="0"/>
+        </a:xfrm>
+      </p:grpSpPr>
+      <p:sp>
+        <p:nvSpPr>
+          <p:cNvPr id="2" name="Titre 1">
+            <a:extLst>
+              <a:ext uri="{FF2B5EF4-FFF2-40B4-BE49-F238E27FC236}">
+                <a16:creationId xmlns:a16="http://schemas.microsoft.com/office/drawing/2014/main" id="{8DDCDBDF-D8CC-44B1-A599-F6FD2A53CCC8}"/>
+              </a:ext>
+            </a:extLst>
+          </p:cNvPr>
+          <p:cNvSpPr>
+            <a:spLocks noGrp="1"/>
+          </p:cNvSpPr>
+          <p:nvPr>
+            <p:ph type="title"/>
+          </p:nvPr>
+        </p:nvSpPr>
+        <p:spPr>
+          <a:xfrm>
+            <a:off x="723900" y="190500"/>
+            <a:ext cx="10515600" cy="750888"/>
+          </a:xfrm>
+        </p:spPr>
+        <p:txBody>
+          <a:bodyPr/>
+          <a:lstStyle/>
+          <a:p>
+            <a:r>
+              <a:rPr lang="en-US" dirty="0"/>
+              <a:t>WIFI Commands</a:t>
+            </a:r>
+          </a:p>
+        </p:txBody>
+      </p:sp>
+      <p:graphicFrame>
+        <p:nvGraphicFramePr>
+          <p:cNvPr id="4" name="Espace réservé du contenu 3">
+            <a:extLst>
+              <a:ext uri="{FF2B5EF4-FFF2-40B4-BE49-F238E27FC236}">
+                <a16:creationId xmlns:a16="http://schemas.microsoft.com/office/drawing/2014/main" id="{003D9151-9798-4FFF-84EB-CA24DBFE390D}"/>
+              </a:ext>
+            </a:extLst>
+          </p:cNvPr>
+          <p:cNvGraphicFramePr>
+            <a:graphicFrameLocks noGrp="1"/>
+          </p:cNvGraphicFramePr>
+          <p:nvPr>
+            <p:ph idx="1"/>
+            <p:extLst>
+              <p:ext uri="{D42A27DB-BD31-4B8C-83A1-F6EECF244321}">
+                <p14:modId xmlns:p14="http://schemas.microsoft.com/office/powerpoint/2010/main" val="1120469735"/>
               </p:ext>
             </p:extLst>
           </p:nvPr>
@@ -23942,34 +25295,13 @@
                     <a:bodyPr/>
                     <a:lstStyle/>
                     <a:p>
-                      <a:pPr marL="0" marR="0" lvl="0" indent="0" algn="l" defTabSz="914400" rtl="0" eaLnBrk="1" fontAlgn="auto" latinLnBrk="0" hangingPunct="1">
-                        <a:lnSpc>
-                          <a:spcPct val="100000"/>
-                        </a:lnSpc>
-                        <a:spcBef>
-                          <a:spcPts val="0"/>
-                        </a:spcBef>
-                        <a:spcAft>
-                          <a:spcPts val="0"/>
-                        </a:spcAft>
-                        <a:buClrTx/>
-                        <a:buSzTx/>
-                        <a:buFontTx/>
-                        <a:buNone/>
-                        <a:tabLst/>
-                        <a:defRPr/>
-                      </a:pPr>
+                      <a:r>
+                        <a:rPr lang="fr-FR" dirty="0" err="1"/>
+                        <a:t>Send</a:t>
+                      </a:r>
                       <a:r>
                         <a:rPr lang="fr-FR" dirty="0"/>
-                        <a:t>Test communication </a:t>
-                      </a:r>
-                      <a:r>
-                        <a:rPr lang="fr-FR" dirty="0" err="1"/>
-                        <a:t>with</a:t>
-                      </a:r>
-                      <a:r>
-                        <a:rPr lang="fr-FR" dirty="0"/>
-                        <a:t> the ESP8266 server</a:t>
+                        <a:t> a test command and check the feedback</a:t>
                       </a:r>
                     </a:p>
                   </a:txBody>
@@ -24887,7 +26219,7 @@
                       </a:r>
                     </a:p>
                     <a:p>
-                      <a:pPr marL="342900" marR="0" lvl="0" indent="-342900" algn="l" defTabSz="914400" rtl="0" eaLnBrk="1" fontAlgn="auto" latinLnBrk="0" hangingPunct="1">
+                      <a:pPr marL="0" marR="0" lvl="0" indent="0" algn="l" defTabSz="914400" rtl="0" eaLnBrk="1" fontAlgn="auto" latinLnBrk="0" hangingPunct="1">
                         <a:lnSpc>
                           <a:spcPct val="100000"/>
                         </a:lnSpc>
@@ -24900,17 +26232,17 @@
                         <a:buClrTx/>
                         <a:buSzTx/>
                         <a:buFont typeface="+mj-lt"/>
-                        <a:buAutoNum type="arabicPeriod"/>
+                        <a:buNone/>
                         <a:tabLst/>
                         <a:defRPr/>
                       </a:pPr>
                       <a:r>
                         <a:rPr lang="fr-FR" dirty="0"/>
-                        <a:t>None</a:t>
+                        <a:t>0: None</a:t>
                       </a:r>
                     </a:p>
                     <a:p>
-                      <a:pPr marL="342900" marR="0" lvl="0" indent="-342900" algn="l" defTabSz="914400" rtl="0" eaLnBrk="1" fontAlgn="auto" latinLnBrk="0" hangingPunct="1">
+                      <a:pPr marL="0" marR="0" lvl="0" indent="0" algn="l" defTabSz="914400" rtl="0" eaLnBrk="1" fontAlgn="auto" latinLnBrk="0" hangingPunct="1">
                         <a:lnSpc>
                           <a:spcPct val="100000"/>
                         </a:lnSpc>
@@ -24923,11 +26255,15 @@
                         <a:buClrTx/>
                         <a:buSzTx/>
                         <a:buFont typeface="+mj-lt"/>
-                        <a:buAutoNum type="arabicPeriod"/>
+                        <a:buNone/>
                         <a:tabLst/>
                         <a:defRPr/>
                       </a:pPr>
                       <a:r>
+                        <a:rPr lang="fr-FR" dirty="0"/>
+                        <a:t>1: </a:t>
+                      </a:r>
+                      <a:r>
                         <a:rPr lang="fr-FR" dirty="0" err="1"/>
                         <a:t>Alert</a:t>
                       </a:r>
@@ -24942,7 +26278,7 @@
                       <a:endParaRPr lang="fr-FR" dirty="0"/>
                     </a:p>
                     <a:p>
-                      <a:pPr marL="342900" marR="0" lvl="0" indent="-342900" algn="l" defTabSz="914400" rtl="0" eaLnBrk="1" fontAlgn="auto" latinLnBrk="0" hangingPunct="1">
+                      <a:pPr marL="0" marR="0" lvl="0" indent="0" algn="l" defTabSz="914400" rtl="0" eaLnBrk="1" fontAlgn="auto" latinLnBrk="0" hangingPunct="1">
                         <a:lnSpc>
                           <a:spcPct val="100000"/>
                         </a:lnSpc>
@@ -24955,10 +26291,14 @@
                         <a:buClrTx/>
                         <a:buSzTx/>
                         <a:buFont typeface="+mj-lt"/>
-                        <a:buAutoNum type="arabicPeriod"/>
+                        <a:buNone/>
                         <a:tabLst/>
                         <a:defRPr/>
                       </a:pPr>
+                      <a:r>
+                        <a:rPr lang="fr-FR" dirty="0"/>
+                        <a:t>2: </a:t>
+                      </a:r>
                       <a:r>
                         <a:rPr lang="fr-FR" dirty="0" err="1"/>
                         <a:t>Alert</a:t>
@@ -25001,20 +26341,23 @@
                         <a:tabLst/>
                         <a:defRPr/>
                       </a:pPr>
-                      <a:endParaRPr kumimoji="0" lang="en-US" sz="1800" b="0" i="0" u="none" strike="noStrike" kern="1200" cap="none" spc="0" normalizeH="0" baseline="0" noProof="0" dirty="0">
-                        <a:ln>
-                          <a:noFill/>
-                        </a:ln>
-                        <a:solidFill>
-                          <a:srgbClr val="00B050"/>
-                        </a:solidFill>
-                        <a:effectLst/>
-                        <a:uLnTx/>
-                        <a:uFillTx/>
-                        <a:latin typeface="Calibri" panose="020F0502020204030204"/>
-                        <a:ea typeface="+mn-ea"/>
-                        <a:cs typeface="+mn-cs"/>
-                      </a:endParaRPr>
+                      <a:r>
+                        <a:rPr kumimoji="0" lang="en-US" sz="1800" b="0" i="0" u="none" strike="noStrike" kern="1200" cap="none" spc="0" normalizeH="0" baseline="0" noProof="0" dirty="0">
+                          <a:ln>
+                            <a:noFill/>
+                          </a:ln>
+                          <a:solidFill>
+                            <a:srgbClr val="00B050"/>
+                          </a:solidFill>
+                          <a:effectLst/>
+                          <a:uLnTx/>
+                          <a:uFillTx/>
+                          <a:latin typeface="Calibri" panose="020F0502020204030204"/>
+                          <a:ea typeface="+mn-ea"/>
+                          <a:cs typeface="+mn-cs"/>
+                        </a:rPr>
+                        <a:t>: </a:t>
+                      </a:r>
                     </a:p>
                   </a:txBody>
                   <a:tcPr/>
@@ -25033,254 +26376,6 @@
     <p:extLst>
       <p:ext uri="{BB962C8B-B14F-4D97-AF65-F5344CB8AC3E}">
         <p14:creationId xmlns:p14="http://schemas.microsoft.com/office/powerpoint/2010/main" val="3187012288"/>
-      </p:ext>
-    </p:extLst>
-  </p:cSld>
-  <p:clrMapOvr>
-    <a:masterClrMapping/>
-  </p:clrMapOvr>
-</p:sld>
-</file>
-
-<file path=ppt/slides/slide9.xml><?xml version="1.0" encoding="utf-8"?>
-<p:sld xmlns:a="http://schemas.openxmlformats.org/drawingml/2006/main" xmlns:r="http://schemas.openxmlformats.org/officeDocument/2006/relationships" xmlns:p="http://schemas.openxmlformats.org/presentationml/2006/main">
-  <p:cSld>
-    <p:spTree>
-      <p:nvGrpSpPr>
-        <p:cNvPr id="1" name=""/>
-        <p:cNvGrpSpPr/>
-        <p:nvPr/>
-      </p:nvGrpSpPr>
-      <p:grpSpPr>
-        <a:xfrm>
-          <a:off x="0" y="0"/>
-          <a:ext cx="0" cy="0"/>
-          <a:chOff x="0" y="0"/>
-          <a:chExt cx="0" cy="0"/>
-        </a:xfrm>
-      </p:grpSpPr>
-      <p:sp>
-        <p:nvSpPr>
-          <p:cNvPr id="2" name="Titre 1">
-            <a:extLst>
-              <a:ext uri="{FF2B5EF4-FFF2-40B4-BE49-F238E27FC236}">
-                <a16:creationId xmlns:a16="http://schemas.microsoft.com/office/drawing/2014/main" id="{7D7887D6-7566-47C9-A25C-3F4F54D9EBDC}"/>
-              </a:ext>
-            </a:extLst>
-          </p:cNvPr>
-          <p:cNvSpPr>
-            <a:spLocks noGrp="1"/>
-          </p:cNvSpPr>
-          <p:nvPr>
-            <p:ph type="title"/>
-          </p:nvPr>
-        </p:nvSpPr>
-        <p:spPr/>
-        <p:txBody>
-          <a:bodyPr/>
-          <a:lstStyle/>
-          <a:p>
-            <a:r>
-              <a:rPr lang="fr-FR" dirty="0" err="1"/>
-              <a:t>Special</a:t>
-            </a:r>
-            <a:r>
-              <a:rPr lang="fr-FR" dirty="0"/>
-              <a:t> pins Arduino MEGA2560</a:t>
-            </a:r>
-          </a:p>
-        </p:txBody>
-      </p:sp>
-      <p:sp>
-        <p:nvSpPr>
-          <p:cNvPr id="3" name="Espace réservé du contenu 2">
-            <a:extLst>
-              <a:ext uri="{FF2B5EF4-FFF2-40B4-BE49-F238E27FC236}">
-                <a16:creationId xmlns:a16="http://schemas.microsoft.com/office/drawing/2014/main" id="{570C9186-32F7-45DB-A01D-E527B032981A}"/>
-              </a:ext>
-            </a:extLst>
-          </p:cNvPr>
-          <p:cNvSpPr>
-            <a:spLocks noGrp="1"/>
-          </p:cNvSpPr>
-          <p:nvPr>
-            <p:ph idx="1"/>
-          </p:nvPr>
-        </p:nvSpPr>
-        <p:spPr/>
-        <p:txBody>
-          <a:bodyPr>
-            <a:normAutofit fontScale="77500" lnSpcReduction="20000"/>
-          </a:bodyPr>
-          <a:lstStyle/>
-          <a:p>
-            <a:pPr marL="0" indent="0">
-              <a:buNone/>
-            </a:pPr>
-            <a:r>
-              <a:rPr lang="fr-FR" sz="3500" u="sng" dirty="0"/>
-              <a:t>Interruptions</a:t>
-            </a:r>
-          </a:p>
-          <a:p>
-            <a:pPr marL="0" indent="0">
-              <a:buNone/>
-            </a:pPr>
-            <a:r>
-              <a:rPr lang="fr-FR" dirty="0"/>
-              <a:t>Pin #2 = interruption #0</a:t>
-            </a:r>
-            <a:br>
-              <a:rPr lang="fr-FR" dirty="0"/>
-            </a:br>
-            <a:r>
-              <a:rPr lang="fr-FR" dirty="0"/>
-              <a:t>Pin #3 = interruption #1</a:t>
-            </a:r>
-            <a:br>
-              <a:rPr lang="fr-FR" dirty="0"/>
-            </a:br>
-            <a:r>
-              <a:rPr lang="fr-FR" dirty="0"/>
-              <a:t>Pin #18 = interruption #5</a:t>
-            </a:r>
-            <a:br>
-              <a:rPr lang="fr-FR" dirty="0"/>
-            </a:br>
-            <a:r>
-              <a:rPr lang="fr-FR" dirty="0"/>
-              <a:t>Pin #19 = interruption #4</a:t>
-            </a:r>
-            <a:br>
-              <a:rPr lang="fr-FR" dirty="0"/>
-            </a:br>
-            <a:r>
-              <a:rPr lang="fr-FR" dirty="0"/>
-              <a:t>Pin #20 = interruption #3</a:t>
-            </a:r>
-            <a:br>
-              <a:rPr lang="fr-FR" dirty="0"/>
-            </a:br>
-            <a:r>
-              <a:rPr lang="fr-FR" dirty="0"/>
-              <a:t>Pin #21 = interruption #2</a:t>
-            </a:r>
-          </a:p>
-          <a:p>
-            <a:pPr marL="0" indent="0">
-              <a:buNone/>
-            </a:pPr>
-            <a:endParaRPr lang="fr-FR" dirty="0"/>
-          </a:p>
-          <a:p>
-            <a:pPr marL="0" indent="0">
-              <a:buNone/>
-            </a:pPr>
-            <a:r>
-              <a:rPr lang="fr-FR" sz="3500" u="sng" dirty="0"/>
-              <a:t>SPI</a:t>
-            </a:r>
-          </a:p>
-          <a:p>
-            <a:pPr marL="0" indent="0">
-              <a:buNone/>
-            </a:pPr>
-            <a:r>
-              <a:rPr lang="fi-FI" dirty="0"/>
-              <a:t>Pin</a:t>
-            </a:r>
-            <a:r>
-              <a:rPr lang="fr-FR" dirty="0"/>
-              <a:t> #</a:t>
-            </a:r>
-            <a:r>
-              <a:rPr lang="fi-FI" dirty="0"/>
-              <a:t>10: CS</a:t>
-            </a:r>
-            <a:endParaRPr lang="fr-FR" dirty="0"/>
-          </a:p>
-          <a:p>
-            <a:pPr marL="0" indent="0">
-              <a:buNone/>
-            </a:pPr>
-            <a:r>
-              <a:rPr lang="fi-FI" dirty="0"/>
-              <a:t>pin</a:t>
-            </a:r>
-            <a:r>
-              <a:rPr lang="fr-FR" dirty="0"/>
-              <a:t> #</a:t>
-            </a:r>
-            <a:r>
-              <a:rPr lang="fi-FI" dirty="0"/>
-              <a:t>11-&gt;pin</a:t>
-            </a:r>
-            <a:r>
-              <a:rPr lang="fr-FR" dirty="0"/>
-              <a:t> #</a:t>
-            </a:r>
-            <a:r>
-              <a:rPr lang="fi-FI" dirty="0"/>
-              <a:t>51</a:t>
-            </a:r>
-          </a:p>
-          <a:p>
-            <a:pPr marL="0" indent="0">
-              <a:buNone/>
-            </a:pPr>
-            <a:r>
-              <a:rPr lang="fi-FI" dirty="0"/>
-              <a:t>pin</a:t>
-            </a:r>
-            <a:r>
-              <a:rPr lang="fr-FR" dirty="0"/>
-              <a:t> #</a:t>
-            </a:r>
-            <a:r>
-              <a:rPr lang="fi-FI" dirty="0"/>
-              <a:t>12-&gt;pin</a:t>
-            </a:r>
-            <a:r>
-              <a:rPr lang="fr-FR" dirty="0"/>
-              <a:t> #</a:t>
-            </a:r>
-            <a:r>
-              <a:rPr lang="fi-FI" dirty="0"/>
-              <a:t>50</a:t>
-            </a:r>
-          </a:p>
-          <a:p>
-            <a:pPr marL="0" indent="0">
-              <a:buNone/>
-            </a:pPr>
-            <a:r>
-              <a:rPr lang="fi-FI" dirty="0"/>
-              <a:t>pin</a:t>
-            </a:r>
-            <a:r>
-              <a:rPr lang="fr-FR" dirty="0"/>
-              <a:t> #</a:t>
-            </a:r>
-            <a:r>
-              <a:rPr lang="fi-FI" dirty="0"/>
-              <a:t>13-&gt;pin</a:t>
-            </a:r>
-            <a:r>
-              <a:rPr lang="fr-FR" dirty="0"/>
-              <a:t> #</a:t>
-            </a:r>
-            <a:r>
-              <a:rPr lang="fi-FI" dirty="0"/>
-              <a:t>52</a:t>
-            </a:r>
-            <a:endParaRPr lang="fr-FR" dirty="0"/>
-          </a:p>
-        </p:txBody>
-      </p:sp>
-    </p:spTree>
-    <p:extLst>
-      <p:ext uri="{BB962C8B-B14F-4D97-AF65-F5344CB8AC3E}">
-        <p14:creationId xmlns:p14="http://schemas.microsoft.com/office/powerpoint/2010/main" val="3722056244"/>
       </p:ext>
     </p:extLst>
   </p:cSld>

--- a/libraries/Diagramm Robot v2.pptx
+++ b/libraries/Diagramm Robot v2.pptx
@@ -115,7 +115,7 @@
   </p:defaultTextStyle>
   <p:extLst>
     <p:ext uri="{EFAFB233-063F-42B5-8137-9DF3F51BA10A}">
-      <p15:sldGuideLst xmlns:p15="http://schemas.microsoft.com/office/powerpoint/2012/main">
+      <p15:sldGuideLst xmlns:p15="http://schemas.microsoft.com/office/powerpoint/2012/main" xmlns="">
         <p15:guide id="1" orient="horz" pos="2160">
           <p15:clr>
             <a:srgbClr val="A4A3A4"/>
@@ -154,7 +154,7 @@
           <p:cNvPr id="2" name="Titre 1">
             <a:extLst>
               <a:ext uri="{FF2B5EF4-FFF2-40B4-BE49-F238E27FC236}">
-                <a16:creationId xmlns:a16="http://schemas.microsoft.com/office/drawing/2014/main" id="{82F2BF23-3BD4-4DB9-AB69-A20E9348F073}"/>
+                <a16:creationId xmlns:a16="http://schemas.microsoft.com/office/drawing/2014/main" xmlns="" id="{82F2BF23-3BD4-4DB9-AB69-A20E9348F073}"/>
               </a:ext>
             </a:extLst>
           </p:cNvPr>
@@ -191,7 +191,7 @@
           <p:cNvPr id="3" name="Sous-titre 2">
             <a:extLst>
               <a:ext uri="{FF2B5EF4-FFF2-40B4-BE49-F238E27FC236}">
-                <a16:creationId xmlns:a16="http://schemas.microsoft.com/office/drawing/2014/main" id="{9CBF2C32-9AA0-4BC9-8296-5ECCD4602D9E}"/>
+                <a16:creationId xmlns:a16="http://schemas.microsoft.com/office/drawing/2014/main" xmlns="" id="{9CBF2C32-9AA0-4BC9-8296-5ECCD4602D9E}"/>
               </a:ext>
             </a:extLst>
           </p:cNvPr>
@@ -261,7 +261,7 @@
           <p:cNvPr id="4" name="Espace réservé de la date 3">
             <a:extLst>
               <a:ext uri="{FF2B5EF4-FFF2-40B4-BE49-F238E27FC236}">
-                <a16:creationId xmlns:a16="http://schemas.microsoft.com/office/drawing/2014/main" id="{BF158CD2-D2C7-4909-A17E-5FDA5E0DAB6B}"/>
+                <a16:creationId xmlns:a16="http://schemas.microsoft.com/office/drawing/2014/main" xmlns="" id="{BF158CD2-D2C7-4909-A17E-5FDA5E0DAB6B}"/>
               </a:ext>
             </a:extLst>
           </p:cNvPr>
@@ -279,7 +279,7 @@
           <a:p>
             <a:fld id="{0717AEF8-1597-4679-8926-916E82E12B07}" type="datetimeFigureOut">
               <a:rPr lang="fr-FR" smtClean="0"/>
-              <a:t>25/02/2019</a:t>
+              <a:t>26/02/2019</a:t>
             </a:fld>
             <a:endParaRPr lang="fr-FR"/>
           </a:p>
@@ -290,7 +290,7 @@
           <p:cNvPr id="5" name="Espace réservé du pied de page 4">
             <a:extLst>
               <a:ext uri="{FF2B5EF4-FFF2-40B4-BE49-F238E27FC236}">
-                <a16:creationId xmlns:a16="http://schemas.microsoft.com/office/drawing/2014/main" id="{04574FFD-3917-4D5D-A57C-CBBCF2C222BB}"/>
+                <a16:creationId xmlns:a16="http://schemas.microsoft.com/office/drawing/2014/main" xmlns="" id="{04574FFD-3917-4D5D-A57C-CBBCF2C222BB}"/>
               </a:ext>
             </a:extLst>
           </p:cNvPr>
@@ -315,7 +315,7 @@
           <p:cNvPr id="6" name="Espace réservé du numéro de diapositive 5">
             <a:extLst>
               <a:ext uri="{FF2B5EF4-FFF2-40B4-BE49-F238E27FC236}">
-                <a16:creationId xmlns:a16="http://schemas.microsoft.com/office/drawing/2014/main" id="{8DE357AB-CECA-4E39-9B33-BF3917B2F14D}"/>
+                <a16:creationId xmlns:a16="http://schemas.microsoft.com/office/drawing/2014/main" xmlns="" id="{8DE357AB-CECA-4E39-9B33-BF3917B2F14D}"/>
               </a:ext>
             </a:extLst>
           </p:cNvPr>
@@ -374,7 +374,7 @@
           <p:cNvPr id="2" name="Titre 1">
             <a:extLst>
               <a:ext uri="{FF2B5EF4-FFF2-40B4-BE49-F238E27FC236}">
-                <a16:creationId xmlns:a16="http://schemas.microsoft.com/office/drawing/2014/main" id="{E3EE72AF-8CE8-4961-AE56-4014D773ED70}"/>
+                <a16:creationId xmlns:a16="http://schemas.microsoft.com/office/drawing/2014/main" xmlns="" id="{E3EE72AF-8CE8-4961-AE56-4014D773ED70}"/>
               </a:ext>
             </a:extLst>
           </p:cNvPr>
@@ -402,7 +402,7 @@
           <p:cNvPr id="3" name="Espace réservé du texte vertical 2">
             <a:extLst>
               <a:ext uri="{FF2B5EF4-FFF2-40B4-BE49-F238E27FC236}">
-                <a16:creationId xmlns:a16="http://schemas.microsoft.com/office/drawing/2014/main" id="{7EC6808C-90B3-40B3-824F-0DBDA5446B10}"/>
+                <a16:creationId xmlns:a16="http://schemas.microsoft.com/office/drawing/2014/main" xmlns="" id="{7EC6808C-90B3-40B3-824F-0DBDA5446B10}"/>
               </a:ext>
             </a:extLst>
           </p:cNvPr>
@@ -459,7 +459,7 @@
           <p:cNvPr id="4" name="Espace réservé de la date 3">
             <a:extLst>
               <a:ext uri="{FF2B5EF4-FFF2-40B4-BE49-F238E27FC236}">
-                <a16:creationId xmlns:a16="http://schemas.microsoft.com/office/drawing/2014/main" id="{051F8989-E312-47E3-964F-4EC444B87383}"/>
+                <a16:creationId xmlns:a16="http://schemas.microsoft.com/office/drawing/2014/main" xmlns="" id="{051F8989-E312-47E3-964F-4EC444B87383}"/>
               </a:ext>
             </a:extLst>
           </p:cNvPr>
@@ -477,7 +477,7 @@
           <a:p>
             <a:fld id="{0717AEF8-1597-4679-8926-916E82E12B07}" type="datetimeFigureOut">
               <a:rPr lang="fr-FR" smtClean="0"/>
-              <a:t>25/02/2019</a:t>
+              <a:t>26/02/2019</a:t>
             </a:fld>
             <a:endParaRPr lang="fr-FR"/>
           </a:p>
@@ -488,7 +488,7 @@
           <p:cNvPr id="5" name="Espace réservé du pied de page 4">
             <a:extLst>
               <a:ext uri="{FF2B5EF4-FFF2-40B4-BE49-F238E27FC236}">
-                <a16:creationId xmlns:a16="http://schemas.microsoft.com/office/drawing/2014/main" id="{3CA649D0-6C2D-45F7-B05D-28EBC6055A04}"/>
+                <a16:creationId xmlns:a16="http://schemas.microsoft.com/office/drawing/2014/main" xmlns="" id="{3CA649D0-6C2D-45F7-B05D-28EBC6055A04}"/>
               </a:ext>
             </a:extLst>
           </p:cNvPr>
@@ -513,7 +513,7 @@
           <p:cNvPr id="6" name="Espace réservé du numéro de diapositive 5">
             <a:extLst>
               <a:ext uri="{FF2B5EF4-FFF2-40B4-BE49-F238E27FC236}">
-                <a16:creationId xmlns:a16="http://schemas.microsoft.com/office/drawing/2014/main" id="{70853218-BF96-4B7C-9B3A-4D31A2282848}"/>
+                <a16:creationId xmlns:a16="http://schemas.microsoft.com/office/drawing/2014/main" xmlns="" id="{70853218-BF96-4B7C-9B3A-4D31A2282848}"/>
               </a:ext>
             </a:extLst>
           </p:cNvPr>
@@ -572,7 +572,7 @@
           <p:cNvPr id="2" name="Titre vertical 1">
             <a:extLst>
               <a:ext uri="{FF2B5EF4-FFF2-40B4-BE49-F238E27FC236}">
-                <a16:creationId xmlns:a16="http://schemas.microsoft.com/office/drawing/2014/main" id="{3B98E2F4-6A3E-4A5A-8986-2DBC3038872B}"/>
+                <a16:creationId xmlns:a16="http://schemas.microsoft.com/office/drawing/2014/main" xmlns="" id="{3B98E2F4-6A3E-4A5A-8986-2DBC3038872B}"/>
               </a:ext>
             </a:extLst>
           </p:cNvPr>
@@ -605,7 +605,7 @@
           <p:cNvPr id="3" name="Espace réservé du texte vertical 2">
             <a:extLst>
               <a:ext uri="{FF2B5EF4-FFF2-40B4-BE49-F238E27FC236}">
-                <a16:creationId xmlns:a16="http://schemas.microsoft.com/office/drawing/2014/main" id="{C0F9346F-8EF0-429E-9C2C-A68B3DF3FDEE}"/>
+                <a16:creationId xmlns:a16="http://schemas.microsoft.com/office/drawing/2014/main" xmlns="" id="{C0F9346F-8EF0-429E-9C2C-A68B3DF3FDEE}"/>
               </a:ext>
             </a:extLst>
           </p:cNvPr>
@@ -667,7 +667,7 @@
           <p:cNvPr id="4" name="Espace réservé de la date 3">
             <a:extLst>
               <a:ext uri="{FF2B5EF4-FFF2-40B4-BE49-F238E27FC236}">
-                <a16:creationId xmlns:a16="http://schemas.microsoft.com/office/drawing/2014/main" id="{99192607-4FD8-4628-9044-B86EDD986E35}"/>
+                <a16:creationId xmlns:a16="http://schemas.microsoft.com/office/drawing/2014/main" xmlns="" id="{99192607-4FD8-4628-9044-B86EDD986E35}"/>
               </a:ext>
             </a:extLst>
           </p:cNvPr>
@@ -685,7 +685,7 @@
           <a:p>
             <a:fld id="{0717AEF8-1597-4679-8926-916E82E12B07}" type="datetimeFigureOut">
               <a:rPr lang="fr-FR" smtClean="0"/>
-              <a:t>25/02/2019</a:t>
+              <a:t>26/02/2019</a:t>
             </a:fld>
             <a:endParaRPr lang="fr-FR"/>
           </a:p>
@@ -696,7 +696,7 @@
           <p:cNvPr id="5" name="Espace réservé du pied de page 4">
             <a:extLst>
               <a:ext uri="{FF2B5EF4-FFF2-40B4-BE49-F238E27FC236}">
-                <a16:creationId xmlns:a16="http://schemas.microsoft.com/office/drawing/2014/main" id="{D2F23AA7-0F6C-4DF3-878A-1A540CB863FD}"/>
+                <a16:creationId xmlns:a16="http://schemas.microsoft.com/office/drawing/2014/main" xmlns="" id="{D2F23AA7-0F6C-4DF3-878A-1A540CB863FD}"/>
               </a:ext>
             </a:extLst>
           </p:cNvPr>
@@ -721,7 +721,7 @@
           <p:cNvPr id="6" name="Espace réservé du numéro de diapositive 5">
             <a:extLst>
               <a:ext uri="{FF2B5EF4-FFF2-40B4-BE49-F238E27FC236}">
-                <a16:creationId xmlns:a16="http://schemas.microsoft.com/office/drawing/2014/main" id="{449D4CF9-B1EB-42DF-ADCA-7B640B5F3695}"/>
+                <a16:creationId xmlns:a16="http://schemas.microsoft.com/office/drawing/2014/main" xmlns="" id="{449D4CF9-B1EB-42DF-ADCA-7B640B5F3695}"/>
               </a:ext>
             </a:extLst>
           </p:cNvPr>
@@ -780,7 +780,7 @@
           <p:cNvPr id="2" name="Titre 1">
             <a:extLst>
               <a:ext uri="{FF2B5EF4-FFF2-40B4-BE49-F238E27FC236}">
-                <a16:creationId xmlns:a16="http://schemas.microsoft.com/office/drawing/2014/main" id="{60EFC288-1E48-49D9-8FD4-1C4BDBCBDA06}"/>
+                <a16:creationId xmlns:a16="http://schemas.microsoft.com/office/drawing/2014/main" xmlns="" id="{60EFC288-1E48-49D9-8FD4-1C4BDBCBDA06}"/>
               </a:ext>
             </a:extLst>
           </p:cNvPr>
@@ -808,7 +808,7 @@
           <p:cNvPr id="3" name="Espace réservé du contenu 2">
             <a:extLst>
               <a:ext uri="{FF2B5EF4-FFF2-40B4-BE49-F238E27FC236}">
-                <a16:creationId xmlns:a16="http://schemas.microsoft.com/office/drawing/2014/main" id="{071EFF41-B940-4205-90A9-31A0DC764D5A}"/>
+                <a16:creationId xmlns:a16="http://schemas.microsoft.com/office/drawing/2014/main" xmlns="" id="{071EFF41-B940-4205-90A9-31A0DC764D5A}"/>
               </a:ext>
             </a:extLst>
           </p:cNvPr>
@@ -865,7 +865,7 @@
           <p:cNvPr id="4" name="Espace réservé de la date 3">
             <a:extLst>
               <a:ext uri="{FF2B5EF4-FFF2-40B4-BE49-F238E27FC236}">
-                <a16:creationId xmlns:a16="http://schemas.microsoft.com/office/drawing/2014/main" id="{E0B059E5-BE6B-4268-BA41-CF8535146A55}"/>
+                <a16:creationId xmlns:a16="http://schemas.microsoft.com/office/drawing/2014/main" xmlns="" id="{E0B059E5-BE6B-4268-BA41-CF8535146A55}"/>
               </a:ext>
             </a:extLst>
           </p:cNvPr>
@@ -883,7 +883,7 @@
           <a:p>
             <a:fld id="{0717AEF8-1597-4679-8926-916E82E12B07}" type="datetimeFigureOut">
               <a:rPr lang="fr-FR" smtClean="0"/>
-              <a:t>25/02/2019</a:t>
+              <a:t>26/02/2019</a:t>
             </a:fld>
             <a:endParaRPr lang="fr-FR"/>
           </a:p>
@@ -894,7 +894,7 @@
           <p:cNvPr id="5" name="Espace réservé du pied de page 4">
             <a:extLst>
               <a:ext uri="{FF2B5EF4-FFF2-40B4-BE49-F238E27FC236}">
-                <a16:creationId xmlns:a16="http://schemas.microsoft.com/office/drawing/2014/main" id="{E6EBD889-985E-4D7C-992F-C5F1A4098F6D}"/>
+                <a16:creationId xmlns:a16="http://schemas.microsoft.com/office/drawing/2014/main" xmlns="" id="{E6EBD889-985E-4D7C-992F-C5F1A4098F6D}"/>
               </a:ext>
             </a:extLst>
           </p:cNvPr>
@@ -919,7 +919,7 @@
           <p:cNvPr id="6" name="Espace réservé du numéro de diapositive 5">
             <a:extLst>
               <a:ext uri="{FF2B5EF4-FFF2-40B4-BE49-F238E27FC236}">
-                <a16:creationId xmlns:a16="http://schemas.microsoft.com/office/drawing/2014/main" id="{9885CD9E-02DF-4166-9D3D-F697435E6421}"/>
+                <a16:creationId xmlns:a16="http://schemas.microsoft.com/office/drawing/2014/main" xmlns="" id="{9885CD9E-02DF-4166-9D3D-F697435E6421}"/>
               </a:ext>
             </a:extLst>
           </p:cNvPr>
@@ -978,7 +978,7 @@
           <p:cNvPr id="2" name="Titre 1">
             <a:extLst>
               <a:ext uri="{FF2B5EF4-FFF2-40B4-BE49-F238E27FC236}">
-                <a16:creationId xmlns:a16="http://schemas.microsoft.com/office/drawing/2014/main" id="{0DBCAEF3-2014-4E7B-BE97-53DE02AF5E75}"/>
+                <a16:creationId xmlns:a16="http://schemas.microsoft.com/office/drawing/2014/main" xmlns="" id="{0DBCAEF3-2014-4E7B-BE97-53DE02AF5E75}"/>
               </a:ext>
             </a:extLst>
           </p:cNvPr>
@@ -1015,7 +1015,7 @@
           <p:cNvPr id="3" name="Espace réservé du texte 2">
             <a:extLst>
               <a:ext uri="{FF2B5EF4-FFF2-40B4-BE49-F238E27FC236}">
-                <a16:creationId xmlns:a16="http://schemas.microsoft.com/office/drawing/2014/main" id="{1AADB57C-CFC2-4839-8069-72CC945EC3C7}"/>
+                <a16:creationId xmlns:a16="http://schemas.microsoft.com/office/drawing/2014/main" xmlns="" id="{1AADB57C-CFC2-4839-8069-72CC945EC3C7}"/>
               </a:ext>
             </a:extLst>
           </p:cNvPr>
@@ -1140,7 +1140,7 @@
           <p:cNvPr id="4" name="Espace réservé de la date 3">
             <a:extLst>
               <a:ext uri="{FF2B5EF4-FFF2-40B4-BE49-F238E27FC236}">
-                <a16:creationId xmlns:a16="http://schemas.microsoft.com/office/drawing/2014/main" id="{288AFFEB-8D36-42FA-8F5B-87DF296BCABB}"/>
+                <a16:creationId xmlns:a16="http://schemas.microsoft.com/office/drawing/2014/main" xmlns="" id="{288AFFEB-8D36-42FA-8F5B-87DF296BCABB}"/>
               </a:ext>
             </a:extLst>
           </p:cNvPr>
@@ -1158,7 +1158,7 @@
           <a:p>
             <a:fld id="{0717AEF8-1597-4679-8926-916E82E12B07}" type="datetimeFigureOut">
               <a:rPr lang="fr-FR" smtClean="0"/>
-              <a:t>25/02/2019</a:t>
+              <a:t>26/02/2019</a:t>
             </a:fld>
             <a:endParaRPr lang="fr-FR"/>
           </a:p>
@@ -1169,7 +1169,7 @@
           <p:cNvPr id="5" name="Espace réservé du pied de page 4">
             <a:extLst>
               <a:ext uri="{FF2B5EF4-FFF2-40B4-BE49-F238E27FC236}">
-                <a16:creationId xmlns:a16="http://schemas.microsoft.com/office/drawing/2014/main" id="{0CEF7E66-B595-49BC-B25F-C42DA152CA57}"/>
+                <a16:creationId xmlns:a16="http://schemas.microsoft.com/office/drawing/2014/main" xmlns="" id="{0CEF7E66-B595-49BC-B25F-C42DA152CA57}"/>
               </a:ext>
             </a:extLst>
           </p:cNvPr>
@@ -1194,7 +1194,7 @@
           <p:cNvPr id="6" name="Espace réservé du numéro de diapositive 5">
             <a:extLst>
               <a:ext uri="{FF2B5EF4-FFF2-40B4-BE49-F238E27FC236}">
-                <a16:creationId xmlns:a16="http://schemas.microsoft.com/office/drawing/2014/main" id="{178E2A10-8C7B-4BFF-A32C-9402BCF883AC}"/>
+                <a16:creationId xmlns:a16="http://schemas.microsoft.com/office/drawing/2014/main" xmlns="" id="{178E2A10-8C7B-4BFF-A32C-9402BCF883AC}"/>
               </a:ext>
             </a:extLst>
           </p:cNvPr>
@@ -1253,7 +1253,7 @@
           <p:cNvPr id="2" name="Titre 1">
             <a:extLst>
               <a:ext uri="{FF2B5EF4-FFF2-40B4-BE49-F238E27FC236}">
-                <a16:creationId xmlns:a16="http://schemas.microsoft.com/office/drawing/2014/main" id="{B52C6A58-8CF2-46BD-BC49-C5DA86580E40}"/>
+                <a16:creationId xmlns:a16="http://schemas.microsoft.com/office/drawing/2014/main" xmlns="" id="{B52C6A58-8CF2-46BD-BC49-C5DA86580E40}"/>
               </a:ext>
             </a:extLst>
           </p:cNvPr>
@@ -1281,7 +1281,7 @@
           <p:cNvPr id="3" name="Espace réservé du contenu 2">
             <a:extLst>
               <a:ext uri="{FF2B5EF4-FFF2-40B4-BE49-F238E27FC236}">
-                <a16:creationId xmlns:a16="http://schemas.microsoft.com/office/drawing/2014/main" id="{B55BB1BA-B9AD-4205-92AF-B582E5822225}"/>
+                <a16:creationId xmlns:a16="http://schemas.microsoft.com/office/drawing/2014/main" xmlns="" id="{B55BB1BA-B9AD-4205-92AF-B582E5822225}"/>
               </a:ext>
             </a:extLst>
           </p:cNvPr>
@@ -1343,7 +1343,7 @@
           <p:cNvPr id="4" name="Espace réservé du contenu 3">
             <a:extLst>
               <a:ext uri="{FF2B5EF4-FFF2-40B4-BE49-F238E27FC236}">
-                <a16:creationId xmlns:a16="http://schemas.microsoft.com/office/drawing/2014/main" id="{7F9AC192-4836-42D3-A548-DCDF314D25EB}"/>
+                <a16:creationId xmlns:a16="http://schemas.microsoft.com/office/drawing/2014/main" xmlns="" id="{7F9AC192-4836-42D3-A548-DCDF314D25EB}"/>
               </a:ext>
             </a:extLst>
           </p:cNvPr>
@@ -1405,7 +1405,7 @@
           <p:cNvPr id="5" name="Espace réservé de la date 4">
             <a:extLst>
               <a:ext uri="{FF2B5EF4-FFF2-40B4-BE49-F238E27FC236}">
-                <a16:creationId xmlns:a16="http://schemas.microsoft.com/office/drawing/2014/main" id="{A4E28A11-6314-46FA-98BB-A56087EE27CF}"/>
+                <a16:creationId xmlns:a16="http://schemas.microsoft.com/office/drawing/2014/main" xmlns="" id="{A4E28A11-6314-46FA-98BB-A56087EE27CF}"/>
               </a:ext>
             </a:extLst>
           </p:cNvPr>
@@ -1423,7 +1423,7 @@
           <a:p>
             <a:fld id="{0717AEF8-1597-4679-8926-916E82E12B07}" type="datetimeFigureOut">
               <a:rPr lang="fr-FR" smtClean="0"/>
-              <a:t>25/02/2019</a:t>
+              <a:t>26/02/2019</a:t>
             </a:fld>
             <a:endParaRPr lang="fr-FR"/>
           </a:p>
@@ -1434,7 +1434,7 @@
           <p:cNvPr id="6" name="Espace réservé du pied de page 5">
             <a:extLst>
               <a:ext uri="{FF2B5EF4-FFF2-40B4-BE49-F238E27FC236}">
-                <a16:creationId xmlns:a16="http://schemas.microsoft.com/office/drawing/2014/main" id="{B5940242-BCE3-45B9-8D43-83744EDA7BD7}"/>
+                <a16:creationId xmlns:a16="http://schemas.microsoft.com/office/drawing/2014/main" xmlns="" id="{B5940242-BCE3-45B9-8D43-83744EDA7BD7}"/>
               </a:ext>
             </a:extLst>
           </p:cNvPr>
@@ -1459,7 +1459,7 @@
           <p:cNvPr id="7" name="Espace réservé du numéro de diapositive 6">
             <a:extLst>
               <a:ext uri="{FF2B5EF4-FFF2-40B4-BE49-F238E27FC236}">
-                <a16:creationId xmlns:a16="http://schemas.microsoft.com/office/drawing/2014/main" id="{04E32D28-1C42-44F2-A8D0-90D069CD63CA}"/>
+                <a16:creationId xmlns:a16="http://schemas.microsoft.com/office/drawing/2014/main" xmlns="" id="{04E32D28-1C42-44F2-A8D0-90D069CD63CA}"/>
               </a:ext>
             </a:extLst>
           </p:cNvPr>
@@ -1518,7 +1518,7 @@
           <p:cNvPr id="2" name="Titre 1">
             <a:extLst>
               <a:ext uri="{FF2B5EF4-FFF2-40B4-BE49-F238E27FC236}">
-                <a16:creationId xmlns:a16="http://schemas.microsoft.com/office/drawing/2014/main" id="{0F61FEE6-218A-4AED-B46A-B11770BE8ACC}"/>
+                <a16:creationId xmlns:a16="http://schemas.microsoft.com/office/drawing/2014/main" xmlns="" id="{0F61FEE6-218A-4AED-B46A-B11770BE8ACC}"/>
               </a:ext>
             </a:extLst>
           </p:cNvPr>
@@ -1551,7 +1551,7 @@
           <p:cNvPr id="3" name="Espace réservé du texte 2">
             <a:extLst>
               <a:ext uri="{FF2B5EF4-FFF2-40B4-BE49-F238E27FC236}">
-                <a16:creationId xmlns:a16="http://schemas.microsoft.com/office/drawing/2014/main" id="{113CC13E-1AF8-4A35-8FD0-2310BC377887}"/>
+                <a16:creationId xmlns:a16="http://schemas.microsoft.com/office/drawing/2014/main" xmlns="" id="{113CC13E-1AF8-4A35-8FD0-2310BC377887}"/>
               </a:ext>
             </a:extLst>
           </p:cNvPr>
@@ -1622,7 +1622,7 @@
           <p:cNvPr id="4" name="Espace réservé du contenu 3">
             <a:extLst>
               <a:ext uri="{FF2B5EF4-FFF2-40B4-BE49-F238E27FC236}">
-                <a16:creationId xmlns:a16="http://schemas.microsoft.com/office/drawing/2014/main" id="{E3E70AD9-564D-41F7-9563-2AFA55F6ACC9}"/>
+                <a16:creationId xmlns:a16="http://schemas.microsoft.com/office/drawing/2014/main" xmlns="" id="{E3E70AD9-564D-41F7-9563-2AFA55F6ACC9}"/>
               </a:ext>
             </a:extLst>
           </p:cNvPr>
@@ -1684,7 +1684,7 @@
           <p:cNvPr id="5" name="Espace réservé du texte 4">
             <a:extLst>
               <a:ext uri="{FF2B5EF4-FFF2-40B4-BE49-F238E27FC236}">
-                <a16:creationId xmlns:a16="http://schemas.microsoft.com/office/drawing/2014/main" id="{BD22F172-32B4-4211-A81D-69CB711E3253}"/>
+                <a16:creationId xmlns:a16="http://schemas.microsoft.com/office/drawing/2014/main" xmlns="" id="{BD22F172-32B4-4211-A81D-69CB711E3253}"/>
               </a:ext>
             </a:extLst>
           </p:cNvPr>
@@ -1755,7 +1755,7 @@
           <p:cNvPr id="6" name="Espace réservé du contenu 5">
             <a:extLst>
               <a:ext uri="{FF2B5EF4-FFF2-40B4-BE49-F238E27FC236}">
-                <a16:creationId xmlns:a16="http://schemas.microsoft.com/office/drawing/2014/main" id="{C61AB31A-E540-4051-B9D8-10A00B609D54}"/>
+                <a16:creationId xmlns:a16="http://schemas.microsoft.com/office/drawing/2014/main" xmlns="" id="{C61AB31A-E540-4051-B9D8-10A00B609D54}"/>
               </a:ext>
             </a:extLst>
           </p:cNvPr>
@@ -1817,7 +1817,7 @@
           <p:cNvPr id="7" name="Espace réservé de la date 6">
             <a:extLst>
               <a:ext uri="{FF2B5EF4-FFF2-40B4-BE49-F238E27FC236}">
-                <a16:creationId xmlns:a16="http://schemas.microsoft.com/office/drawing/2014/main" id="{EDCDAE95-7F71-409F-93F3-645A49B72FBB}"/>
+                <a16:creationId xmlns:a16="http://schemas.microsoft.com/office/drawing/2014/main" xmlns="" id="{EDCDAE95-7F71-409F-93F3-645A49B72FBB}"/>
               </a:ext>
             </a:extLst>
           </p:cNvPr>
@@ -1835,7 +1835,7 @@
           <a:p>
             <a:fld id="{0717AEF8-1597-4679-8926-916E82E12B07}" type="datetimeFigureOut">
               <a:rPr lang="fr-FR" smtClean="0"/>
-              <a:t>25/02/2019</a:t>
+              <a:t>26/02/2019</a:t>
             </a:fld>
             <a:endParaRPr lang="fr-FR"/>
           </a:p>
@@ -1846,7 +1846,7 @@
           <p:cNvPr id="8" name="Espace réservé du pied de page 7">
             <a:extLst>
               <a:ext uri="{FF2B5EF4-FFF2-40B4-BE49-F238E27FC236}">
-                <a16:creationId xmlns:a16="http://schemas.microsoft.com/office/drawing/2014/main" id="{D644BD9A-754B-4845-94AB-B4ED933EE164}"/>
+                <a16:creationId xmlns:a16="http://schemas.microsoft.com/office/drawing/2014/main" xmlns="" id="{D644BD9A-754B-4845-94AB-B4ED933EE164}"/>
               </a:ext>
             </a:extLst>
           </p:cNvPr>
@@ -1871,7 +1871,7 @@
           <p:cNvPr id="9" name="Espace réservé du numéro de diapositive 8">
             <a:extLst>
               <a:ext uri="{FF2B5EF4-FFF2-40B4-BE49-F238E27FC236}">
-                <a16:creationId xmlns:a16="http://schemas.microsoft.com/office/drawing/2014/main" id="{0C48F6EC-75CA-4FC1-BB78-A387DEDA06EC}"/>
+                <a16:creationId xmlns:a16="http://schemas.microsoft.com/office/drawing/2014/main" xmlns="" id="{0C48F6EC-75CA-4FC1-BB78-A387DEDA06EC}"/>
               </a:ext>
             </a:extLst>
           </p:cNvPr>
@@ -1930,7 +1930,7 @@
           <p:cNvPr id="2" name="Titre 1">
             <a:extLst>
               <a:ext uri="{FF2B5EF4-FFF2-40B4-BE49-F238E27FC236}">
-                <a16:creationId xmlns:a16="http://schemas.microsoft.com/office/drawing/2014/main" id="{15E1ECE0-D96F-42D8-819C-54594CD774EC}"/>
+                <a16:creationId xmlns:a16="http://schemas.microsoft.com/office/drawing/2014/main" xmlns="" id="{15E1ECE0-D96F-42D8-819C-54594CD774EC}"/>
               </a:ext>
             </a:extLst>
           </p:cNvPr>
@@ -1958,7 +1958,7 @@
           <p:cNvPr id="3" name="Espace réservé de la date 2">
             <a:extLst>
               <a:ext uri="{FF2B5EF4-FFF2-40B4-BE49-F238E27FC236}">
-                <a16:creationId xmlns:a16="http://schemas.microsoft.com/office/drawing/2014/main" id="{7096923F-E4B2-411C-BF28-8DF514DB4772}"/>
+                <a16:creationId xmlns:a16="http://schemas.microsoft.com/office/drawing/2014/main" xmlns="" id="{7096923F-E4B2-411C-BF28-8DF514DB4772}"/>
               </a:ext>
             </a:extLst>
           </p:cNvPr>
@@ -1976,7 +1976,7 @@
           <a:p>
             <a:fld id="{0717AEF8-1597-4679-8926-916E82E12B07}" type="datetimeFigureOut">
               <a:rPr lang="fr-FR" smtClean="0"/>
-              <a:t>25/02/2019</a:t>
+              <a:t>26/02/2019</a:t>
             </a:fld>
             <a:endParaRPr lang="fr-FR"/>
           </a:p>
@@ -1987,7 +1987,7 @@
           <p:cNvPr id="4" name="Espace réservé du pied de page 3">
             <a:extLst>
               <a:ext uri="{FF2B5EF4-FFF2-40B4-BE49-F238E27FC236}">
-                <a16:creationId xmlns:a16="http://schemas.microsoft.com/office/drawing/2014/main" id="{C7276F71-9E62-4B3E-A909-46A412F08E8E}"/>
+                <a16:creationId xmlns:a16="http://schemas.microsoft.com/office/drawing/2014/main" xmlns="" id="{C7276F71-9E62-4B3E-A909-46A412F08E8E}"/>
               </a:ext>
             </a:extLst>
           </p:cNvPr>
@@ -2012,7 +2012,7 @@
           <p:cNvPr id="5" name="Espace réservé du numéro de diapositive 4">
             <a:extLst>
               <a:ext uri="{FF2B5EF4-FFF2-40B4-BE49-F238E27FC236}">
-                <a16:creationId xmlns:a16="http://schemas.microsoft.com/office/drawing/2014/main" id="{3C3FFFDC-5E90-4395-9973-EBBB73FDDF25}"/>
+                <a16:creationId xmlns:a16="http://schemas.microsoft.com/office/drawing/2014/main" xmlns="" id="{3C3FFFDC-5E90-4395-9973-EBBB73FDDF25}"/>
               </a:ext>
             </a:extLst>
           </p:cNvPr>
@@ -2071,7 +2071,7 @@
           <p:cNvPr id="2" name="Espace réservé de la date 1">
             <a:extLst>
               <a:ext uri="{FF2B5EF4-FFF2-40B4-BE49-F238E27FC236}">
-                <a16:creationId xmlns:a16="http://schemas.microsoft.com/office/drawing/2014/main" id="{D0201AC3-876D-4212-A50A-05814C85A863}"/>
+                <a16:creationId xmlns:a16="http://schemas.microsoft.com/office/drawing/2014/main" xmlns="" id="{D0201AC3-876D-4212-A50A-05814C85A863}"/>
               </a:ext>
             </a:extLst>
           </p:cNvPr>
@@ -2089,7 +2089,7 @@
           <a:p>
             <a:fld id="{0717AEF8-1597-4679-8926-916E82E12B07}" type="datetimeFigureOut">
               <a:rPr lang="fr-FR" smtClean="0"/>
-              <a:t>25/02/2019</a:t>
+              <a:t>26/02/2019</a:t>
             </a:fld>
             <a:endParaRPr lang="fr-FR"/>
           </a:p>
@@ -2100,7 +2100,7 @@
           <p:cNvPr id="3" name="Espace réservé du pied de page 2">
             <a:extLst>
               <a:ext uri="{FF2B5EF4-FFF2-40B4-BE49-F238E27FC236}">
-                <a16:creationId xmlns:a16="http://schemas.microsoft.com/office/drawing/2014/main" id="{90DF7950-2FEB-418F-A068-483216BD8634}"/>
+                <a16:creationId xmlns:a16="http://schemas.microsoft.com/office/drawing/2014/main" xmlns="" id="{90DF7950-2FEB-418F-A068-483216BD8634}"/>
               </a:ext>
             </a:extLst>
           </p:cNvPr>
@@ -2125,7 +2125,7 @@
           <p:cNvPr id="4" name="Espace réservé du numéro de diapositive 3">
             <a:extLst>
               <a:ext uri="{FF2B5EF4-FFF2-40B4-BE49-F238E27FC236}">
-                <a16:creationId xmlns:a16="http://schemas.microsoft.com/office/drawing/2014/main" id="{0824DAB9-DB53-4CA5-BF59-986135048B4A}"/>
+                <a16:creationId xmlns:a16="http://schemas.microsoft.com/office/drawing/2014/main" xmlns="" id="{0824DAB9-DB53-4CA5-BF59-986135048B4A}"/>
               </a:ext>
             </a:extLst>
           </p:cNvPr>
@@ -2184,7 +2184,7 @@
           <p:cNvPr id="2" name="Titre 1">
             <a:extLst>
               <a:ext uri="{FF2B5EF4-FFF2-40B4-BE49-F238E27FC236}">
-                <a16:creationId xmlns:a16="http://schemas.microsoft.com/office/drawing/2014/main" id="{83248B0C-1535-4232-8F32-C8DE0B3C715B}"/>
+                <a16:creationId xmlns:a16="http://schemas.microsoft.com/office/drawing/2014/main" xmlns="" id="{83248B0C-1535-4232-8F32-C8DE0B3C715B}"/>
               </a:ext>
             </a:extLst>
           </p:cNvPr>
@@ -2221,7 +2221,7 @@
           <p:cNvPr id="3" name="Espace réservé du contenu 2">
             <a:extLst>
               <a:ext uri="{FF2B5EF4-FFF2-40B4-BE49-F238E27FC236}">
-                <a16:creationId xmlns:a16="http://schemas.microsoft.com/office/drawing/2014/main" id="{73CF1F30-D3C7-463B-8102-ECF1BE866FC8}"/>
+                <a16:creationId xmlns:a16="http://schemas.microsoft.com/office/drawing/2014/main" xmlns="" id="{73CF1F30-D3C7-463B-8102-ECF1BE866FC8}"/>
               </a:ext>
             </a:extLst>
           </p:cNvPr>
@@ -2311,7 +2311,7 @@
           <p:cNvPr id="4" name="Espace réservé du texte 3">
             <a:extLst>
               <a:ext uri="{FF2B5EF4-FFF2-40B4-BE49-F238E27FC236}">
-                <a16:creationId xmlns:a16="http://schemas.microsoft.com/office/drawing/2014/main" id="{64C441EE-9867-44EE-BD9F-3FFAA5E652AB}"/>
+                <a16:creationId xmlns:a16="http://schemas.microsoft.com/office/drawing/2014/main" xmlns="" id="{64C441EE-9867-44EE-BD9F-3FFAA5E652AB}"/>
               </a:ext>
             </a:extLst>
           </p:cNvPr>
@@ -2382,7 +2382,7 @@
           <p:cNvPr id="5" name="Espace réservé de la date 4">
             <a:extLst>
               <a:ext uri="{FF2B5EF4-FFF2-40B4-BE49-F238E27FC236}">
-                <a16:creationId xmlns:a16="http://schemas.microsoft.com/office/drawing/2014/main" id="{0D45BA81-388D-4DBD-943A-8C42CC8E5E9D}"/>
+                <a16:creationId xmlns:a16="http://schemas.microsoft.com/office/drawing/2014/main" xmlns="" id="{0D45BA81-388D-4DBD-943A-8C42CC8E5E9D}"/>
               </a:ext>
             </a:extLst>
           </p:cNvPr>
@@ -2400,7 +2400,7 @@
           <a:p>
             <a:fld id="{0717AEF8-1597-4679-8926-916E82E12B07}" type="datetimeFigureOut">
               <a:rPr lang="fr-FR" smtClean="0"/>
-              <a:t>25/02/2019</a:t>
+              <a:t>26/02/2019</a:t>
             </a:fld>
             <a:endParaRPr lang="fr-FR"/>
           </a:p>
@@ -2411,7 +2411,7 @@
           <p:cNvPr id="6" name="Espace réservé du pied de page 5">
             <a:extLst>
               <a:ext uri="{FF2B5EF4-FFF2-40B4-BE49-F238E27FC236}">
-                <a16:creationId xmlns:a16="http://schemas.microsoft.com/office/drawing/2014/main" id="{644A2C28-991B-458B-9045-DC1DAD032825}"/>
+                <a16:creationId xmlns:a16="http://schemas.microsoft.com/office/drawing/2014/main" xmlns="" id="{644A2C28-991B-458B-9045-DC1DAD032825}"/>
               </a:ext>
             </a:extLst>
           </p:cNvPr>
@@ -2436,7 +2436,7 @@
           <p:cNvPr id="7" name="Espace réservé du numéro de diapositive 6">
             <a:extLst>
               <a:ext uri="{FF2B5EF4-FFF2-40B4-BE49-F238E27FC236}">
-                <a16:creationId xmlns:a16="http://schemas.microsoft.com/office/drawing/2014/main" id="{3DD3E11B-06A9-4309-B20A-AE701F015762}"/>
+                <a16:creationId xmlns:a16="http://schemas.microsoft.com/office/drawing/2014/main" xmlns="" id="{3DD3E11B-06A9-4309-B20A-AE701F015762}"/>
               </a:ext>
             </a:extLst>
           </p:cNvPr>
@@ -2495,7 +2495,7 @@
           <p:cNvPr id="2" name="Titre 1">
             <a:extLst>
               <a:ext uri="{FF2B5EF4-FFF2-40B4-BE49-F238E27FC236}">
-                <a16:creationId xmlns:a16="http://schemas.microsoft.com/office/drawing/2014/main" id="{81935FD8-04D5-4E72-AE86-D49FFC0FC0D2}"/>
+                <a16:creationId xmlns:a16="http://schemas.microsoft.com/office/drawing/2014/main" xmlns="" id="{81935FD8-04D5-4E72-AE86-D49FFC0FC0D2}"/>
               </a:ext>
             </a:extLst>
           </p:cNvPr>
@@ -2532,7 +2532,7 @@
           <p:cNvPr id="3" name="Espace réservé pour une image  2">
             <a:extLst>
               <a:ext uri="{FF2B5EF4-FFF2-40B4-BE49-F238E27FC236}">
-                <a16:creationId xmlns:a16="http://schemas.microsoft.com/office/drawing/2014/main" id="{4F2C2E7B-9193-4A62-9A56-19B646A465FD}"/>
+                <a16:creationId xmlns:a16="http://schemas.microsoft.com/office/drawing/2014/main" xmlns="" id="{4F2C2E7B-9193-4A62-9A56-19B646A465FD}"/>
               </a:ext>
             </a:extLst>
           </p:cNvPr>
@@ -2599,7 +2599,7 @@
           <p:cNvPr id="4" name="Espace réservé du texte 3">
             <a:extLst>
               <a:ext uri="{FF2B5EF4-FFF2-40B4-BE49-F238E27FC236}">
-                <a16:creationId xmlns:a16="http://schemas.microsoft.com/office/drawing/2014/main" id="{DC36EF10-9A38-4A7F-B901-38B51F617B4A}"/>
+                <a16:creationId xmlns:a16="http://schemas.microsoft.com/office/drawing/2014/main" xmlns="" id="{DC36EF10-9A38-4A7F-B901-38B51F617B4A}"/>
               </a:ext>
             </a:extLst>
           </p:cNvPr>
@@ -2670,7 +2670,7 @@
           <p:cNvPr id="5" name="Espace réservé de la date 4">
             <a:extLst>
               <a:ext uri="{FF2B5EF4-FFF2-40B4-BE49-F238E27FC236}">
-                <a16:creationId xmlns:a16="http://schemas.microsoft.com/office/drawing/2014/main" id="{68B6AD81-0CC3-4F56-A065-482AFC0490C9}"/>
+                <a16:creationId xmlns:a16="http://schemas.microsoft.com/office/drawing/2014/main" xmlns="" id="{68B6AD81-0CC3-4F56-A065-482AFC0490C9}"/>
               </a:ext>
             </a:extLst>
           </p:cNvPr>
@@ -2688,7 +2688,7 @@
           <a:p>
             <a:fld id="{0717AEF8-1597-4679-8926-916E82E12B07}" type="datetimeFigureOut">
               <a:rPr lang="fr-FR" smtClean="0"/>
-              <a:t>25/02/2019</a:t>
+              <a:t>26/02/2019</a:t>
             </a:fld>
             <a:endParaRPr lang="fr-FR"/>
           </a:p>
@@ -2699,7 +2699,7 @@
           <p:cNvPr id="6" name="Espace réservé du pied de page 5">
             <a:extLst>
               <a:ext uri="{FF2B5EF4-FFF2-40B4-BE49-F238E27FC236}">
-                <a16:creationId xmlns:a16="http://schemas.microsoft.com/office/drawing/2014/main" id="{7F367FCD-43A6-4EB2-8C88-FA202F1CE4FB}"/>
+                <a16:creationId xmlns:a16="http://schemas.microsoft.com/office/drawing/2014/main" xmlns="" id="{7F367FCD-43A6-4EB2-8C88-FA202F1CE4FB}"/>
               </a:ext>
             </a:extLst>
           </p:cNvPr>
@@ -2724,7 +2724,7 @@
           <p:cNvPr id="7" name="Espace réservé du numéro de diapositive 6">
             <a:extLst>
               <a:ext uri="{FF2B5EF4-FFF2-40B4-BE49-F238E27FC236}">
-                <a16:creationId xmlns:a16="http://schemas.microsoft.com/office/drawing/2014/main" id="{0A448652-F086-436A-B8E0-6808FE803097}"/>
+                <a16:creationId xmlns:a16="http://schemas.microsoft.com/office/drawing/2014/main" xmlns="" id="{0A448652-F086-436A-B8E0-6808FE803097}"/>
               </a:ext>
             </a:extLst>
           </p:cNvPr>
@@ -2788,7 +2788,7 @@
           <p:cNvPr id="2" name="Espace réservé du titre 1">
             <a:extLst>
               <a:ext uri="{FF2B5EF4-FFF2-40B4-BE49-F238E27FC236}">
-                <a16:creationId xmlns:a16="http://schemas.microsoft.com/office/drawing/2014/main" id="{FED8BFD7-4190-4B13-B298-C22224AEE0DE}"/>
+                <a16:creationId xmlns:a16="http://schemas.microsoft.com/office/drawing/2014/main" xmlns="" id="{FED8BFD7-4190-4B13-B298-C22224AEE0DE}"/>
               </a:ext>
             </a:extLst>
           </p:cNvPr>
@@ -2826,7 +2826,7 @@
           <p:cNvPr id="3" name="Espace réservé du texte 2">
             <a:extLst>
               <a:ext uri="{FF2B5EF4-FFF2-40B4-BE49-F238E27FC236}">
-                <a16:creationId xmlns:a16="http://schemas.microsoft.com/office/drawing/2014/main" id="{9AD79112-23A4-4848-B438-202251AE4109}"/>
+                <a16:creationId xmlns:a16="http://schemas.microsoft.com/office/drawing/2014/main" xmlns="" id="{9AD79112-23A4-4848-B438-202251AE4109}"/>
               </a:ext>
             </a:extLst>
           </p:cNvPr>
@@ -2893,7 +2893,7 @@
           <p:cNvPr id="4" name="Espace réservé de la date 3">
             <a:extLst>
               <a:ext uri="{FF2B5EF4-FFF2-40B4-BE49-F238E27FC236}">
-                <a16:creationId xmlns:a16="http://schemas.microsoft.com/office/drawing/2014/main" id="{DB5E0E9F-7A16-450B-85EA-748C2344DCBA}"/>
+                <a16:creationId xmlns:a16="http://schemas.microsoft.com/office/drawing/2014/main" xmlns="" id="{DB5E0E9F-7A16-450B-85EA-748C2344DCBA}"/>
               </a:ext>
             </a:extLst>
           </p:cNvPr>
@@ -2929,7 +2929,7 @@
           <a:p>
             <a:fld id="{0717AEF8-1597-4679-8926-916E82E12B07}" type="datetimeFigureOut">
               <a:rPr lang="fr-FR" smtClean="0"/>
-              <a:t>25/02/2019</a:t>
+              <a:t>26/02/2019</a:t>
             </a:fld>
             <a:endParaRPr lang="fr-FR"/>
           </a:p>
@@ -2940,7 +2940,7 @@
           <p:cNvPr id="5" name="Espace réservé du pied de page 4">
             <a:extLst>
               <a:ext uri="{FF2B5EF4-FFF2-40B4-BE49-F238E27FC236}">
-                <a16:creationId xmlns:a16="http://schemas.microsoft.com/office/drawing/2014/main" id="{EA090008-ECF9-408F-9679-36555FD0AEA3}"/>
+                <a16:creationId xmlns:a16="http://schemas.microsoft.com/office/drawing/2014/main" xmlns="" id="{EA090008-ECF9-408F-9679-36555FD0AEA3}"/>
               </a:ext>
             </a:extLst>
           </p:cNvPr>
@@ -2983,7 +2983,7 @@
           <p:cNvPr id="6" name="Espace réservé du numéro de diapositive 5">
             <a:extLst>
               <a:ext uri="{FF2B5EF4-FFF2-40B4-BE49-F238E27FC236}">
-                <a16:creationId xmlns:a16="http://schemas.microsoft.com/office/drawing/2014/main" id="{B906F1DD-77B8-4830-A384-FE51492C7020}"/>
+                <a16:creationId xmlns:a16="http://schemas.microsoft.com/office/drawing/2014/main" xmlns="" id="{B906F1DD-77B8-4830-A384-FE51492C7020}"/>
               </a:ext>
             </a:extLst>
           </p:cNvPr>
@@ -3351,7 +3351,7 @@
           <p:cNvPr id="50" name="Nuage 49">
             <a:extLst>
               <a:ext uri="{FF2B5EF4-FFF2-40B4-BE49-F238E27FC236}">
-                <a16:creationId xmlns:a16="http://schemas.microsoft.com/office/drawing/2014/main" id="{C4AA5520-5B3C-4CE1-92C1-93A8C3D830BE}"/>
+                <a16:creationId xmlns:a16="http://schemas.microsoft.com/office/drawing/2014/main" xmlns="" id="{C4AA5520-5B3C-4CE1-92C1-93A8C3D830BE}"/>
               </a:ext>
             </a:extLst>
           </p:cNvPr>
@@ -3436,7 +3436,7 @@
           <p:cNvPr id="56" name="Nuage 55">
             <a:extLst>
               <a:ext uri="{FF2B5EF4-FFF2-40B4-BE49-F238E27FC236}">
-                <a16:creationId xmlns:a16="http://schemas.microsoft.com/office/drawing/2014/main" id="{EBD23622-97AE-43B3-A20A-C70C5CFE819E}"/>
+                <a16:creationId xmlns:a16="http://schemas.microsoft.com/office/drawing/2014/main" xmlns="" id="{EBD23622-97AE-43B3-A20A-C70C5CFE819E}"/>
               </a:ext>
             </a:extLst>
           </p:cNvPr>
@@ -3521,7 +3521,7 @@
           <p:cNvPr id="57" name="Nuage 56">
             <a:extLst>
               <a:ext uri="{FF2B5EF4-FFF2-40B4-BE49-F238E27FC236}">
-                <a16:creationId xmlns:a16="http://schemas.microsoft.com/office/drawing/2014/main" id="{C1D8CE25-B978-4BF3-AD79-63C2D32567B7}"/>
+                <a16:creationId xmlns:a16="http://schemas.microsoft.com/office/drawing/2014/main" xmlns="" id="{C1D8CE25-B978-4BF3-AD79-63C2D32567B7}"/>
               </a:ext>
             </a:extLst>
           </p:cNvPr>
@@ -3606,7 +3606,7 @@
           <p:cNvPr id="4" name="Rectangle 3">
             <a:extLst>
               <a:ext uri="{FF2B5EF4-FFF2-40B4-BE49-F238E27FC236}">
-                <a16:creationId xmlns:a16="http://schemas.microsoft.com/office/drawing/2014/main" id="{D6A19F59-DE5C-47E6-918B-27D303F45183}"/>
+                <a16:creationId xmlns:a16="http://schemas.microsoft.com/office/drawing/2014/main" xmlns="" id="{D6A19F59-DE5C-47E6-918B-27D303F45183}"/>
               </a:ext>
             </a:extLst>
           </p:cNvPr>
@@ -3660,7 +3660,7 @@
           <p:cNvPr id="5" name="Rectangle 4">
             <a:extLst>
               <a:ext uri="{FF2B5EF4-FFF2-40B4-BE49-F238E27FC236}">
-                <a16:creationId xmlns:a16="http://schemas.microsoft.com/office/drawing/2014/main" id="{0CB519F8-5C43-49C5-B4E7-9718D5910344}"/>
+                <a16:creationId xmlns:a16="http://schemas.microsoft.com/office/drawing/2014/main" xmlns="" id="{0CB519F8-5C43-49C5-B4E7-9718D5910344}"/>
               </a:ext>
             </a:extLst>
           </p:cNvPr>
@@ -3725,7 +3725,7 @@
           <p:cNvPr id="11" name="Connecteur droit avec flèche 10">
             <a:extLst>
               <a:ext uri="{FF2B5EF4-FFF2-40B4-BE49-F238E27FC236}">
-                <a16:creationId xmlns:a16="http://schemas.microsoft.com/office/drawing/2014/main" id="{9CE27AB5-38C3-4D69-9D71-A648A477EE6E}"/>
+                <a16:creationId xmlns:a16="http://schemas.microsoft.com/office/drawing/2014/main" xmlns="" id="{9CE27AB5-38C3-4D69-9D71-A648A477EE6E}"/>
               </a:ext>
             </a:extLst>
           </p:cNvPr>
@@ -3774,7 +3774,7 @@
           <p:cNvPr id="14" name="ZoneTexte 13">
             <a:extLst>
               <a:ext uri="{FF2B5EF4-FFF2-40B4-BE49-F238E27FC236}">
-                <a16:creationId xmlns:a16="http://schemas.microsoft.com/office/drawing/2014/main" id="{360EDDEA-2E66-401D-B69B-3B598E604E73}"/>
+                <a16:creationId xmlns:a16="http://schemas.microsoft.com/office/drawing/2014/main" xmlns="" id="{360EDDEA-2E66-401D-B69B-3B598E604E73}"/>
               </a:ext>
             </a:extLst>
           </p:cNvPr>
@@ -3809,7 +3809,7 @@
           <p:cNvPr id="16" name="Connecteur droit avec flèche 15">
             <a:extLst>
               <a:ext uri="{FF2B5EF4-FFF2-40B4-BE49-F238E27FC236}">
-                <a16:creationId xmlns:a16="http://schemas.microsoft.com/office/drawing/2014/main" id="{4942CECB-711B-4F9F-9B43-521D7C684761}"/>
+                <a16:creationId xmlns:a16="http://schemas.microsoft.com/office/drawing/2014/main" xmlns="" id="{4942CECB-711B-4F9F-9B43-521D7C684761}"/>
               </a:ext>
             </a:extLst>
           </p:cNvPr>
@@ -3858,7 +3858,7 @@
           <p:cNvPr id="17" name="Connecteur droit avec flèche 16">
             <a:extLst>
               <a:ext uri="{FF2B5EF4-FFF2-40B4-BE49-F238E27FC236}">
-                <a16:creationId xmlns:a16="http://schemas.microsoft.com/office/drawing/2014/main" id="{8491FF6A-E7B4-4501-8D7D-A7CC206AB55F}"/>
+                <a16:creationId xmlns:a16="http://schemas.microsoft.com/office/drawing/2014/main" xmlns="" id="{8491FF6A-E7B4-4501-8D7D-A7CC206AB55F}"/>
               </a:ext>
             </a:extLst>
           </p:cNvPr>
@@ -3906,7 +3906,7 @@
           <p:cNvPr id="19" name="ZoneTexte 18">
             <a:extLst>
               <a:ext uri="{FF2B5EF4-FFF2-40B4-BE49-F238E27FC236}">
-                <a16:creationId xmlns:a16="http://schemas.microsoft.com/office/drawing/2014/main" id="{5BCC8597-37E5-48F0-993B-5E2528BCA206}"/>
+                <a16:creationId xmlns:a16="http://schemas.microsoft.com/office/drawing/2014/main" xmlns="" id="{5BCC8597-37E5-48F0-993B-5E2528BCA206}"/>
               </a:ext>
             </a:extLst>
           </p:cNvPr>
@@ -3949,7 +3949,7 @@
           <p:cNvPr id="25" name="Connecteur : en arc 24">
             <a:extLst>
               <a:ext uri="{FF2B5EF4-FFF2-40B4-BE49-F238E27FC236}">
-                <a16:creationId xmlns:a16="http://schemas.microsoft.com/office/drawing/2014/main" id="{AFA325EA-1D6D-41D3-AB25-C90EC0B5199D}"/>
+                <a16:creationId xmlns:a16="http://schemas.microsoft.com/office/drawing/2014/main" xmlns="" id="{AFA325EA-1D6D-41D3-AB25-C90EC0B5199D}"/>
               </a:ext>
             </a:extLst>
           </p:cNvPr>
@@ -3996,7 +3996,7 @@
           <p:cNvPr id="40" name="Graphique 39" descr="Smartphone">
             <a:extLst>
               <a:ext uri="{FF2B5EF4-FFF2-40B4-BE49-F238E27FC236}">
-                <a16:creationId xmlns:a16="http://schemas.microsoft.com/office/drawing/2014/main" id="{F8C6BD27-D79E-4955-8DF3-49C6097A1768}"/>
+                <a16:creationId xmlns:a16="http://schemas.microsoft.com/office/drawing/2014/main" xmlns="" id="{F8C6BD27-D79E-4955-8DF3-49C6097A1768}"/>
               </a:ext>
             </a:extLst>
           </p:cNvPr>
@@ -4012,7 +4012,7 @@
                 <a14:useLocalDpi xmlns:a14="http://schemas.microsoft.com/office/drawing/2010/main" val="0"/>
               </a:ext>
               <a:ext uri="{96DAC541-7B7A-43D3-8B79-37D633B846F1}">
-                <asvg:svgBlip xmlns:asvg="http://schemas.microsoft.com/office/drawing/2016/SVG/main" r:embed="rId3"/>
+                <asvg:svgBlip xmlns:asvg="http://schemas.microsoft.com/office/drawing/2016/SVG/main" xmlns="" r:embed="rId3"/>
               </a:ext>
             </a:extLst>
           </a:blip>
@@ -4035,7 +4035,7 @@
           <p:cNvPr id="43" name="Rectangle 42">
             <a:extLst>
               <a:ext uri="{FF2B5EF4-FFF2-40B4-BE49-F238E27FC236}">
-                <a16:creationId xmlns:a16="http://schemas.microsoft.com/office/drawing/2014/main" id="{D6ADDE7C-DAC2-44CF-B48B-037B1070E657}"/>
+                <a16:creationId xmlns:a16="http://schemas.microsoft.com/office/drawing/2014/main" xmlns="" id="{D6ADDE7C-DAC2-44CF-B48B-037B1070E657}"/>
               </a:ext>
             </a:extLst>
           </p:cNvPr>
@@ -4079,7 +4079,7 @@
           <p:cNvPr id="45" name="Rectangle 44">
             <a:extLst>
               <a:ext uri="{FF2B5EF4-FFF2-40B4-BE49-F238E27FC236}">
-                <a16:creationId xmlns:a16="http://schemas.microsoft.com/office/drawing/2014/main" id="{EF00D21C-DF48-4A17-A28C-BF3F15C4BD54}"/>
+                <a16:creationId xmlns:a16="http://schemas.microsoft.com/office/drawing/2014/main" xmlns="" id="{EF00D21C-DF48-4A17-A28C-BF3F15C4BD54}"/>
               </a:ext>
             </a:extLst>
           </p:cNvPr>
@@ -4123,7 +4123,7 @@
           <p:cNvPr id="52" name="Ellipse 51">
             <a:extLst>
               <a:ext uri="{FF2B5EF4-FFF2-40B4-BE49-F238E27FC236}">
-                <a16:creationId xmlns:a16="http://schemas.microsoft.com/office/drawing/2014/main" id="{4EADF47A-5E89-4699-84BC-CA999EAC77F8}"/>
+                <a16:creationId xmlns:a16="http://schemas.microsoft.com/office/drawing/2014/main" xmlns="" id="{4EADF47A-5E89-4699-84BC-CA999EAC77F8}"/>
               </a:ext>
             </a:extLst>
           </p:cNvPr>
@@ -4177,7 +4177,7 @@
           <p:cNvPr id="53" name="Ellipse 52">
             <a:extLst>
               <a:ext uri="{FF2B5EF4-FFF2-40B4-BE49-F238E27FC236}">
-                <a16:creationId xmlns:a16="http://schemas.microsoft.com/office/drawing/2014/main" id="{D9BD4B33-BE09-499B-B25C-8B19AF8B50A3}"/>
+                <a16:creationId xmlns:a16="http://schemas.microsoft.com/office/drawing/2014/main" xmlns="" id="{D9BD4B33-BE09-499B-B25C-8B19AF8B50A3}"/>
               </a:ext>
             </a:extLst>
           </p:cNvPr>
@@ -4238,7 +4238,7 @@
           <p:cNvPr id="54" name="Ellipse 53">
             <a:extLst>
               <a:ext uri="{FF2B5EF4-FFF2-40B4-BE49-F238E27FC236}">
-                <a16:creationId xmlns:a16="http://schemas.microsoft.com/office/drawing/2014/main" id="{0627544C-8D07-42EF-A446-9BB78A015300}"/>
+                <a16:creationId xmlns:a16="http://schemas.microsoft.com/office/drawing/2014/main" xmlns="" id="{0627544C-8D07-42EF-A446-9BB78A015300}"/>
               </a:ext>
             </a:extLst>
           </p:cNvPr>
@@ -4299,7 +4299,7 @@
           <p:cNvPr id="55" name="Rectangle 54">
             <a:extLst>
               <a:ext uri="{FF2B5EF4-FFF2-40B4-BE49-F238E27FC236}">
-                <a16:creationId xmlns:a16="http://schemas.microsoft.com/office/drawing/2014/main" id="{D0AAF5C2-43EF-4AFC-840B-4972040BBAB7}"/>
+                <a16:creationId xmlns:a16="http://schemas.microsoft.com/office/drawing/2014/main" xmlns="" id="{D0AAF5C2-43EF-4AFC-840B-4972040BBAB7}"/>
               </a:ext>
             </a:extLst>
           </p:cNvPr>
@@ -4384,7 +4384,7 @@
           <p:cNvPr id="59" name="Connecteur droit avec flèche 58">
             <a:extLst>
               <a:ext uri="{FF2B5EF4-FFF2-40B4-BE49-F238E27FC236}">
-                <a16:creationId xmlns:a16="http://schemas.microsoft.com/office/drawing/2014/main" id="{337FCCCC-DC1E-4CC6-9BDD-F75E3851A8A1}"/>
+                <a16:creationId xmlns:a16="http://schemas.microsoft.com/office/drawing/2014/main" xmlns="" id="{337FCCCC-DC1E-4CC6-9BDD-F75E3851A8A1}"/>
               </a:ext>
             </a:extLst>
           </p:cNvPr>
@@ -4433,7 +4433,7 @@
           <p:cNvPr id="60" name="ZoneTexte 59">
             <a:extLst>
               <a:ext uri="{FF2B5EF4-FFF2-40B4-BE49-F238E27FC236}">
-                <a16:creationId xmlns:a16="http://schemas.microsoft.com/office/drawing/2014/main" id="{37134A2C-46FF-420E-8404-1863B8C73419}"/>
+                <a16:creationId xmlns:a16="http://schemas.microsoft.com/office/drawing/2014/main" xmlns="" id="{37134A2C-46FF-420E-8404-1863B8C73419}"/>
               </a:ext>
             </a:extLst>
           </p:cNvPr>
@@ -4476,7 +4476,7 @@
           <p:cNvPr id="62" name="Rectangle 61">
             <a:extLst>
               <a:ext uri="{FF2B5EF4-FFF2-40B4-BE49-F238E27FC236}">
-                <a16:creationId xmlns:a16="http://schemas.microsoft.com/office/drawing/2014/main" id="{AFEDB4FE-D48C-46FF-BAB4-33A7BFCAC9B9}"/>
+                <a16:creationId xmlns:a16="http://schemas.microsoft.com/office/drawing/2014/main" xmlns="" id="{AFEDB4FE-D48C-46FF-BAB4-33A7BFCAC9B9}"/>
               </a:ext>
             </a:extLst>
           </p:cNvPr>
@@ -4520,7 +4520,7 @@
           <p:cNvPr id="64" name="Ellipse 63">
             <a:extLst>
               <a:ext uri="{FF2B5EF4-FFF2-40B4-BE49-F238E27FC236}">
-                <a16:creationId xmlns:a16="http://schemas.microsoft.com/office/drawing/2014/main" id="{691F7B83-7A4D-4B71-815B-0AD1075EAAEE}"/>
+                <a16:creationId xmlns:a16="http://schemas.microsoft.com/office/drawing/2014/main" xmlns="" id="{691F7B83-7A4D-4B71-815B-0AD1075EAAEE}"/>
               </a:ext>
             </a:extLst>
           </p:cNvPr>
@@ -4581,7 +4581,7 @@
           <p:cNvPr id="68" name="Rectangle 67">
             <a:extLst>
               <a:ext uri="{FF2B5EF4-FFF2-40B4-BE49-F238E27FC236}">
-                <a16:creationId xmlns:a16="http://schemas.microsoft.com/office/drawing/2014/main" id="{53E6885B-A742-4143-B2E4-FE1E6E8BF2F5}"/>
+                <a16:creationId xmlns:a16="http://schemas.microsoft.com/office/drawing/2014/main" xmlns="" id="{53E6885B-A742-4143-B2E4-FE1E6E8BF2F5}"/>
               </a:ext>
             </a:extLst>
           </p:cNvPr>
@@ -4734,7 +4734,7 @@
           <p:cNvPr id="70" name="Connecteur : en arc 69">
             <a:extLst>
               <a:ext uri="{FF2B5EF4-FFF2-40B4-BE49-F238E27FC236}">
-                <a16:creationId xmlns:a16="http://schemas.microsoft.com/office/drawing/2014/main" id="{14B04061-7318-4D03-A1E8-AC224D48BEBD}"/>
+                <a16:creationId xmlns:a16="http://schemas.microsoft.com/office/drawing/2014/main" xmlns="" id="{14B04061-7318-4D03-A1E8-AC224D48BEBD}"/>
               </a:ext>
             </a:extLst>
           </p:cNvPr>
@@ -4782,7 +4782,7 @@
           <p:cNvPr id="85" name="ZoneTexte 84">
             <a:extLst>
               <a:ext uri="{FF2B5EF4-FFF2-40B4-BE49-F238E27FC236}">
-                <a16:creationId xmlns:a16="http://schemas.microsoft.com/office/drawing/2014/main" id="{CFE996FC-41B0-4468-8057-90AC36952DA5}"/>
+                <a16:creationId xmlns:a16="http://schemas.microsoft.com/office/drawing/2014/main" xmlns="" id="{CFE996FC-41B0-4468-8057-90AC36952DA5}"/>
               </a:ext>
             </a:extLst>
           </p:cNvPr>
@@ -4842,7 +4842,7 @@
           <p:cNvPr id="90" name="Rectangle 89">
             <a:extLst>
               <a:ext uri="{FF2B5EF4-FFF2-40B4-BE49-F238E27FC236}">
-                <a16:creationId xmlns:a16="http://schemas.microsoft.com/office/drawing/2014/main" id="{EBDABEE6-29B7-4D63-B73F-35FFDA445D8C}"/>
+                <a16:creationId xmlns:a16="http://schemas.microsoft.com/office/drawing/2014/main" xmlns="" id="{EBDABEE6-29B7-4D63-B73F-35FFDA445D8C}"/>
               </a:ext>
             </a:extLst>
           </p:cNvPr>
@@ -4886,7 +4886,7 @@
           <p:cNvPr id="91" name="Rectangle 90">
             <a:extLst>
               <a:ext uri="{FF2B5EF4-FFF2-40B4-BE49-F238E27FC236}">
-                <a16:creationId xmlns:a16="http://schemas.microsoft.com/office/drawing/2014/main" id="{422616E7-728E-46A2-A70A-295412E11D63}"/>
+                <a16:creationId xmlns:a16="http://schemas.microsoft.com/office/drawing/2014/main" xmlns="" id="{422616E7-728E-46A2-A70A-295412E11D63}"/>
               </a:ext>
             </a:extLst>
           </p:cNvPr>
@@ -4930,7 +4930,7 @@
           <p:cNvPr id="92" name="Rectangle 91">
             <a:extLst>
               <a:ext uri="{FF2B5EF4-FFF2-40B4-BE49-F238E27FC236}">
-                <a16:creationId xmlns:a16="http://schemas.microsoft.com/office/drawing/2014/main" id="{B661B734-C38F-47EF-8BC1-072E434A77DA}"/>
+                <a16:creationId xmlns:a16="http://schemas.microsoft.com/office/drawing/2014/main" xmlns="" id="{B661B734-C38F-47EF-8BC1-072E434A77DA}"/>
               </a:ext>
             </a:extLst>
           </p:cNvPr>
@@ -4974,7 +4974,7 @@
           <p:cNvPr id="72" name="Ellipse 71">
             <a:extLst>
               <a:ext uri="{FF2B5EF4-FFF2-40B4-BE49-F238E27FC236}">
-                <a16:creationId xmlns:a16="http://schemas.microsoft.com/office/drawing/2014/main" id="{957AAF98-6743-456A-97A2-F748827C0E65}"/>
+                <a16:creationId xmlns:a16="http://schemas.microsoft.com/office/drawing/2014/main" xmlns="" id="{957AAF98-6743-456A-97A2-F748827C0E65}"/>
               </a:ext>
             </a:extLst>
           </p:cNvPr>
@@ -5035,7 +5035,7 @@
           <p:cNvPr id="74" name="Ellipse 73">
             <a:extLst>
               <a:ext uri="{FF2B5EF4-FFF2-40B4-BE49-F238E27FC236}">
-                <a16:creationId xmlns:a16="http://schemas.microsoft.com/office/drawing/2014/main" id="{5C450E3D-A8E2-49DA-B0FA-4D3C22FCA5F4}"/>
+                <a16:creationId xmlns:a16="http://schemas.microsoft.com/office/drawing/2014/main" xmlns="" id="{5C450E3D-A8E2-49DA-B0FA-4D3C22FCA5F4}"/>
               </a:ext>
             </a:extLst>
           </p:cNvPr>
@@ -5096,7 +5096,7 @@
           <p:cNvPr id="75" name="Ellipse 74">
             <a:extLst>
               <a:ext uri="{FF2B5EF4-FFF2-40B4-BE49-F238E27FC236}">
-                <a16:creationId xmlns:a16="http://schemas.microsoft.com/office/drawing/2014/main" id="{406130E7-3E0D-431A-B050-99D176D9FB0C}"/>
+                <a16:creationId xmlns:a16="http://schemas.microsoft.com/office/drawing/2014/main" xmlns="" id="{406130E7-3E0D-431A-B050-99D176D9FB0C}"/>
               </a:ext>
             </a:extLst>
           </p:cNvPr>
@@ -5157,7 +5157,7 @@
           <p:cNvPr id="69" name="Ellipse 68">
             <a:extLst>
               <a:ext uri="{FF2B5EF4-FFF2-40B4-BE49-F238E27FC236}">
-                <a16:creationId xmlns:a16="http://schemas.microsoft.com/office/drawing/2014/main" id="{FC7513EB-0BBE-4C77-BF1E-A6854048C89A}"/>
+                <a16:creationId xmlns:a16="http://schemas.microsoft.com/office/drawing/2014/main" xmlns="" id="{FC7513EB-0BBE-4C77-BF1E-A6854048C89A}"/>
               </a:ext>
             </a:extLst>
           </p:cNvPr>
@@ -5218,7 +5218,7 @@
           <p:cNvPr id="81" name="ZoneTexte 80">
             <a:extLst>
               <a:ext uri="{FF2B5EF4-FFF2-40B4-BE49-F238E27FC236}">
-                <a16:creationId xmlns:a16="http://schemas.microsoft.com/office/drawing/2014/main" id="{2B284599-D465-46C9-BB24-E727ED704AF3}"/>
+                <a16:creationId xmlns:a16="http://schemas.microsoft.com/office/drawing/2014/main" xmlns="" id="{2B284599-D465-46C9-BB24-E727ED704AF3}"/>
               </a:ext>
             </a:extLst>
           </p:cNvPr>
@@ -5261,7 +5261,7 @@
           <p:cNvPr id="82" name="ZoneTexte 81">
             <a:extLst>
               <a:ext uri="{FF2B5EF4-FFF2-40B4-BE49-F238E27FC236}">
-                <a16:creationId xmlns:a16="http://schemas.microsoft.com/office/drawing/2014/main" id="{E244C7E8-0BE3-4513-B1DD-6B132D0A692B}"/>
+                <a16:creationId xmlns:a16="http://schemas.microsoft.com/office/drawing/2014/main" xmlns="" id="{E244C7E8-0BE3-4513-B1DD-6B132D0A692B}"/>
               </a:ext>
             </a:extLst>
           </p:cNvPr>
@@ -5339,7 +5339,7 @@
           <p:cNvPr id="21" name="Rectangle 20">
             <a:extLst>
               <a:ext uri="{FF2B5EF4-FFF2-40B4-BE49-F238E27FC236}">
-                <a16:creationId xmlns:a16="http://schemas.microsoft.com/office/drawing/2014/main" id="{EADC75F1-D50F-4E79-9948-13D121766B6A}"/>
+                <a16:creationId xmlns:a16="http://schemas.microsoft.com/office/drawing/2014/main" xmlns="" id="{EADC75F1-D50F-4E79-9948-13D121766B6A}"/>
               </a:ext>
             </a:extLst>
           </p:cNvPr>
@@ -5378,7 +5378,7 @@
           <p:cNvPr id="22" name="Rectangle 21">
             <a:extLst>
               <a:ext uri="{FF2B5EF4-FFF2-40B4-BE49-F238E27FC236}">
-                <a16:creationId xmlns:a16="http://schemas.microsoft.com/office/drawing/2014/main" id="{87DBB459-993A-42C9-9D24-807C806B8611}"/>
+                <a16:creationId xmlns:a16="http://schemas.microsoft.com/office/drawing/2014/main" xmlns="" id="{87DBB459-993A-42C9-9D24-807C806B8611}"/>
               </a:ext>
             </a:extLst>
           </p:cNvPr>
@@ -5412,7 +5412,7 @@
           <p:cNvPr id="23" name="Rectangle 22">
             <a:extLst>
               <a:ext uri="{FF2B5EF4-FFF2-40B4-BE49-F238E27FC236}">
-                <a16:creationId xmlns:a16="http://schemas.microsoft.com/office/drawing/2014/main" id="{530B28B5-2AE4-4B4C-94C9-9B5F27D90371}"/>
+                <a16:creationId xmlns:a16="http://schemas.microsoft.com/office/drawing/2014/main" xmlns="" id="{530B28B5-2AE4-4B4C-94C9-9B5F27D90371}"/>
               </a:ext>
             </a:extLst>
           </p:cNvPr>
@@ -5458,7 +5458,7 @@
           <p:cNvPr id="24" name="ZoneTexte 23">
             <a:extLst>
               <a:ext uri="{FF2B5EF4-FFF2-40B4-BE49-F238E27FC236}">
-                <a16:creationId xmlns:a16="http://schemas.microsoft.com/office/drawing/2014/main" id="{7038EDB7-1E65-4952-8D84-59F20CCAD6D0}"/>
+                <a16:creationId xmlns:a16="http://schemas.microsoft.com/office/drawing/2014/main" xmlns="" id="{7038EDB7-1E65-4952-8D84-59F20CCAD6D0}"/>
               </a:ext>
             </a:extLst>
           </p:cNvPr>
@@ -5493,7 +5493,7 @@
           <p:cNvPr id="83" name="Organigramme : Jonction de sommaire 82">
             <a:extLst>
               <a:ext uri="{FF2B5EF4-FFF2-40B4-BE49-F238E27FC236}">
-                <a16:creationId xmlns:a16="http://schemas.microsoft.com/office/drawing/2014/main" id="{616BE57E-1C08-4926-80ED-E432D0EA0776}"/>
+                <a16:creationId xmlns:a16="http://schemas.microsoft.com/office/drawing/2014/main" xmlns="" id="{616BE57E-1C08-4926-80ED-E432D0EA0776}"/>
               </a:ext>
             </a:extLst>
           </p:cNvPr>
@@ -5545,7 +5545,7 @@
           <p:cNvPr id="84" name="Organigramme : Jonction de sommaire 83">
             <a:extLst>
               <a:ext uri="{FF2B5EF4-FFF2-40B4-BE49-F238E27FC236}">
-                <a16:creationId xmlns:a16="http://schemas.microsoft.com/office/drawing/2014/main" id="{9CA159E1-4B18-40C9-AEA6-B9932609EC06}"/>
+                <a16:creationId xmlns:a16="http://schemas.microsoft.com/office/drawing/2014/main" xmlns="" id="{9CA159E1-4B18-40C9-AEA6-B9932609EC06}"/>
               </a:ext>
             </a:extLst>
           </p:cNvPr>
@@ -5597,7 +5597,7 @@
           <p:cNvPr id="3" name="Cylindre 2">
             <a:extLst>
               <a:ext uri="{FF2B5EF4-FFF2-40B4-BE49-F238E27FC236}">
-                <a16:creationId xmlns:a16="http://schemas.microsoft.com/office/drawing/2014/main" id="{A8B569F1-7AE5-4092-BA91-C25F03BB8CB7}"/>
+                <a16:creationId xmlns:a16="http://schemas.microsoft.com/office/drawing/2014/main" xmlns="" id="{A8B569F1-7AE5-4092-BA91-C25F03BB8CB7}"/>
               </a:ext>
             </a:extLst>
           </p:cNvPr>
@@ -5666,7 +5666,7 @@
           <p:cNvPr id="7" name="Connecteur : en angle 6">
             <a:extLst>
               <a:ext uri="{FF2B5EF4-FFF2-40B4-BE49-F238E27FC236}">
-                <a16:creationId xmlns:a16="http://schemas.microsoft.com/office/drawing/2014/main" id="{57C9BE6F-800A-4D4E-8FB6-654B6F9B173F}"/>
+                <a16:creationId xmlns:a16="http://schemas.microsoft.com/office/drawing/2014/main" xmlns="" id="{57C9BE6F-800A-4D4E-8FB6-654B6F9B173F}"/>
               </a:ext>
             </a:extLst>
           </p:cNvPr>
@@ -5709,7 +5709,7 @@
           <p:cNvPr id="35" name="Forme libre : forme 34">
             <a:extLst>
               <a:ext uri="{FF2B5EF4-FFF2-40B4-BE49-F238E27FC236}">
-                <a16:creationId xmlns:a16="http://schemas.microsoft.com/office/drawing/2014/main" id="{02BAB494-83EB-4D12-B726-205D298E10DB}"/>
+                <a16:creationId xmlns:a16="http://schemas.microsoft.com/office/drawing/2014/main" xmlns="" id="{02BAB494-83EB-4D12-B726-205D298E10DB}"/>
               </a:ext>
             </a:extLst>
           </p:cNvPr>
@@ -5824,7 +5824,7 @@
           <p:cNvPr id="71" name="ZoneTexte 70">
             <a:extLst>
               <a:ext uri="{FF2B5EF4-FFF2-40B4-BE49-F238E27FC236}">
-                <a16:creationId xmlns:a16="http://schemas.microsoft.com/office/drawing/2014/main" id="{CDA37DF5-9E35-42CB-B7B0-ED5EB391D245}"/>
+                <a16:creationId xmlns:a16="http://schemas.microsoft.com/office/drawing/2014/main" xmlns="" id="{CDA37DF5-9E35-42CB-B7B0-ED5EB391D245}"/>
               </a:ext>
             </a:extLst>
           </p:cNvPr>
@@ -5873,7 +5873,7 @@
           <p:cNvPr id="61" name="Ellipse 60">
             <a:extLst>
               <a:ext uri="{FF2B5EF4-FFF2-40B4-BE49-F238E27FC236}">
-                <a16:creationId xmlns:a16="http://schemas.microsoft.com/office/drawing/2014/main" id="{8E289A0F-9200-43E0-AEED-593A04FDD16C}"/>
+                <a16:creationId xmlns:a16="http://schemas.microsoft.com/office/drawing/2014/main" xmlns="" id="{8E289A0F-9200-43E0-AEED-593A04FDD16C}"/>
               </a:ext>
             </a:extLst>
           </p:cNvPr>
@@ -5927,7 +5927,7 @@
           <p:cNvPr id="63" name="Ellipse 62">
             <a:extLst>
               <a:ext uri="{FF2B5EF4-FFF2-40B4-BE49-F238E27FC236}">
-                <a16:creationId xmlns:a16="http://schemas.microsoft.com/office/drawing/2014/main" id="{19A59928-5456-4AA0-A506-480736AA66BD}"/>
+                <a16:creationId xmlns:a16="http://schemas.microsoft.com/office/drawing/2014/main" xmlns="" id="{19A59928-5456-4AA0-A506-480736AA66BD}"/>
               </a:ext>
             </a:extLst>
           </p:cNvPr>
@@ -5981,7 +5981,7 @@
           <p:cNvPr id="66" name="Connecteur droit avec flèche 65">
             <a:extLst>
               <a:ext uri="{FF2B5EF4-FFF2-40B4-BE49-F238E27FC236}">
-                <a16:creationId xmlns:a16="http://schemas.microsoft.com/office/drawing/2014/main" id="{A83F199E-2F2D-4ED8-9FBD-633F7EF884E7}"/>
+                <a16:creationId xmlns:a16="http://schemas.microsoft.com/office/drawing/2014/main" xmlns="" id="{A83F199E-2F2D-4ED8-9FBD-633F7EF884E7}"/>
               </a:ext>
             </a:extLst>
           </p:cNvPr>
@@ -6029,7 +6029,7 @@
           <p:cNvPr id="67" name="Ellipse 66">
             <a:extLst>
               <a:ext uri="{FF2B5EF4-FFF2-40B4-BE49-F238E27FC236}">
-                <a16:creationId xmlns:a16="http://schemas.microsoft.com/office/drawing/2014/main" id="{387A33D0-2738-4A70-8FE1-01710365AD92}"/>
+                <a16:creationId xmlns:a16="http://schemas.microsoft.com/office/drawing/2014/main" xmlns="" id="{387A33D0-2738-4A70-8FE1-01710365AD92}"/>
               </a:ext>
             </a:extLst>
           </p:cNvPr>
@@ -6083,7 +6083,7 @@
           <p:cNvPr id="73" name="Ellipse 72">
             <a:extLst>
               <a:ext uri="{FF2B5EF4-FFF2-40B4-BE49-F238E27FC236}">
-                <a16:creationId xmlns:a16="http://schemas.microsoft.com/office/drawing/2014/main" id="{43DFBE12-FDA6-4DF3-BCF8-6AFEA935D1BF}"/>
+                <a16:creationId xmlns:a16="http://schemas.microsoft.com/office/drawing/2014/main" xmlns="" id="{43DFBE12-FDA6-4DF3-BCF8-6AFEA935D1BF}"/>
               </a:ext>
             </a:extLst>
           </p:cNvPr>
@@ -6137,7 +6137,7 @@
           <p:cNvPr id="76" name="Connecteur droit avec flèche 75">
             <a:extLst>
               <a:ext uri="{FF2B5EF4-FFF2-40B4-BE49-F238E27FC236}">
-                <a16:creationId xmlns:a16="http://schemas.microsoft.com/office/drawing/2014/main" id="{462611AD-AAC8-4195-AF05-603BAC929CBA}"/>
+                <a16:creationId xmlns:a16="http://schemas.microsoft.com/office/drawing/2014/main" xmlns="" id="{462611AD-AAC8-4195-AF05-603BAC929CBA}"/>
               </a:ext>
             </a:extLst>
           </p:cNvPr>
@@ -6185,7 +6185,7 @@
           <p:cNvPr id="89" name="Ellipse 88">
             <a:extLst>
               <a:ext uri="{FF2B5EF4-FFF2-40B4-BE49-F238E27FC236}">
-                <a16:creationId xmlns:a16="http://schemas.microsoft.com/office/drawing/2014/main" id="{29A2AEED-4115-40C7-A841-AF24B15AB343}"/>
+                <a16:creationId xmlns:a16="http://schemas.microsoft.com/office/drawing/2014/main" xmlns="" id="{29A2AEED-4115-40C7-A841-AF24B15AB343}"/>
               </a:ext>
             </a:extLst>
           </p:cNvPr>
@@ -6239,7 +6239,7 @@
           <p:cNvPr id="93" name="Ellipse 92">
             <a:extLst>
               <a:ext uri="{FF2B5EF4-FFF2-40B4-BE49-F238E27FC236}">
-                <a16:creationId xmlns:a16="http://schemas.microsoft.com/office/drawing/2014/main" id="{D56FC545-5DE1-459C-BFBF-A5794193E5EF}"/>
+                <a16:creationId xmlns:a16="http://schemas.microsoft.com/office/drawing/2014/main" xmlns="" id="{D56FC545-5DE1-459C-BFBF-A5794193E5EF}"/>
               </a:ext>
             </a:extLst>
           </p:cNvPr>
@@ -6293,7 +6293,7 @@
           <p:cNvPr id="94" name="Connecteur droit avec flèche 93">
             <a:extLst>
               <a:ext uri="{FF2B5EF4-FFF2-40B4-BE49-F238E27FC236}">
-                <a16:creationId xmlns:a16="http://schemas.microsoft.com/office/drawing/2014/main" id="{2FA5F74A-46A4-43C6-A76A-DB1881CA592C}"/>
+                <a16:creationId xmlns:a16="http://schemas.microsoft.com/office/drawing/2014/main" xmlns="" id="{2FA5F74A-46A4-43C6-A76A-DB1881CA592C}"/>
               </a:ext>
             </a:extLst>
           </p:cNvPr>
@@ -6342,7 +6342,7 @@
           <p:cNvPr id="58" name="Rectangle 57">
             <a:extLst>
               <a:ext uri="{FF2B5EF4-FFF2-40B4-BE49-F238E27FC236}">
-                <a16:creationId xmlns:a16="http://schemas.microsoft.com/office/drawing/2014/main" id="{9A8EC028-2BAC-436C-8308-B4AA26EED732}"/>
+                <a16:creationId xmlns:a16="http://schemas.microsoft.com/office/drawing/2014/main" xmlns="" id="{9A8EC028-2BAC-436C-8308-B4AA26EED732}"/>
               </a:ext>
             </a:extLst>
           </p:cNvPr>
@@ -6386,7 +6386,7 @@
           <p:cNvPr id="65" name="Ellipse 64">
             <a:extLst>
               <a:ext uri="{FF2B5EF4-FFF2-40B4-BE49-F238E27FC236}">
-                <a16:creationId xmlns:a16="http://schemas.microsoft.com/office/drawing/2014/main" id="{EFC51614-B164-4D83-9FDD-D47FB5D91F73}"/>
+                <a16:creationId xmlns:a16="http://schemas.microsoft.com/office/drawing/2014/main" xmlns="" id="{EFC51614-B164-4D83-9FDD-D47FB5D91F73}"/>
               </a:ext>
             </a:extLst>
           </p:cNvPr>
@@ -6447,7 +6447,7 @@
           <p:cNvPr id="77" name="Ellipse 76">
             <a:extLst>
               <a:ext uri="{FF2B5EF4-FFF2-40B4-BE49-F238E27FC236}">
-                <a16:creationId xmlns:a16="http://schemas.microsoft.com/office/drawing/2014/main" id="{5025FBF9-382D-44B9-B8F0-7AC0483C2FBF}"/>
+                <a16:creationId xmlns:a16="http://schemas.microsoft.com/office/drawing/2014/main" xmlns="" id="{5025FBF9-382D-44B9-B8F0-7AC0483C2FBF}"/>
               </a:ext>
             </a:extLst>
           </p:cNvPr>
@@ -6508,7 +6508,7 @@
           <p:cNvPr id="79" name="Connecteur droit avec flèche 78">
             <a:extLst>
               <a:ext uri="{FF2B5EF4-FFF2-40B4-BE49-F238E27FC236}">
-                <a16:creationId xmlns:a16="http://schemas.microsoft.com/office/drawing/2014/main" id="{608696CE-01E7-4337-BE4D-05F3F007FF08}"/>
+                <a16:creationId xmlns:a16="http://schemas.microsoft.com/office/drawing/2014/main" xmlns="" id="{608696CE-01E7-4337-BE4D-05F3F007FF08}"/>
               </a:ext>
             </a:extLst>
           </p:cNvPr>
@@ -6555,7 +6555,7 @@
           <p:cNvPr id="80" name="Ellipse 79">
             <a:extLst>
               <a:ext uri="{FF2B5EF4-FFF2-40B4-BE49-F238E27FC236}">
-                <a16:creationId xmlns:a16="http://schemas.microsoft.com/office/drawing/2014/main" id="{E58749D6-8C4B-44E0-B786-7A867CE9BBC7}"/>
+                <a16:creationId xmlns:a16="http://schemas.microsoft.com/office/drawing/2014/main" xmlns="" id="{E58749D6-8C4B-44E0-B786-7A867CE9BBC7}"/>
               </a:ext>
             </a:extLst>
           </p:cNvPr>
@@ -6616,7 +6616,7 @@
           <p:cNvPr id="10" name="Rectangle 9">
             <a:extLst>
               <a:ext uri="{FF2B5EF4-FFF2-40B4-BE49-F238E27FC236}">
-                <a16:creationId xmlns:a16="http://schemas.microsoft.com/office/drawing/2014/main" id="{9D6CC7E9-F97B-42FF-9888-D64788C16E56}"/>
+                <a16:creationId xmlns:a16="http://schemas.microsoft.com/office/drawing/2014/main" xmlns="" id="{9D6CC7E9-F97B-42FF-9888-D64788C16E56}"/>
               </a:ext>
             </a:extLst>
           </p:cNvPr>
@@ -6670,7 +6670,7 @@
           <p:cNvPr id="86" name="Rectangle : coins arrondis 85">
             <a:extLst>
               <a:ext uri="{FF2B5EF4-FFF2-40B4-BE49-F238E27FC236}">
-                <a16:creationId xmlns:a16="http://schemas.microsoft.com/office/drawing/2014/main" id="{A89A3FE5-6DA7-4D55-897D-A82E828207CB}"/>
+                <a16:creationId xmlns:a16="http://schemas.microsoft.com/office/drawing/2014/main" xmlns="" id="{A89A3FE5-6DA7-4D55-897D-A82E828207CB}"/>
               </a:ext>
             </a:extLst>
           </p:cNvPr>
@@ -6755,7 +6755,7 @@
           <p:cNvPr id="13" name="Connecteur droit 12">
             <a:extLst>
               <a:ext uri="{FF2B5EF4-FFF2-40B4-BE49-F238E27FC236}">
-                <a16:creationId xmlns:a16="http://schemas.microsoft.com/office/drawing/2014/main" id="{3CDCFD7F-2BB4-4CC4-BBA1-9D455315033E}"/>
+                <a16:creationId xmlns:a16="http://schemas.microsoft.com/office/drawing/2014/main" xmlns="" id="{3CDCFD7F-2BB4-4CC4-BBA1-9D455315033E}"/>
               </a:ext>
             </a:extLst>
           </p:cNvPr>
@@ -6798,7 +6798,7 @@
           <p:cNvPr id="88" name="Connecteur droit 87">
             <a:extLst>
               <a:ext uri="{FF2B5EF4-FFF2-40B4-BE49-F238E27FC236}">
-                <a16:creationId xmlns:a16="http://schemas.microsoft.com/office/drawing/2014/main" id="{0EE08312-1A95-4831-ADFB-6739BCC0B3AD}"/>
+                <a16:creationId xmlns:a16="http://schemas.microsoft.com/office/drawing/2014/main" xmlns="" id="{0EE08312-1A95-4831-ADFB-6739BCC0B3AD}"/>
               </a:ext>
             </a:extLst>
           </p:cNvPr>
@@ -6841,7 +6841,7 @@
           <p:cNvPr id="26" name="ZoneTexte 25">
             <a:extLst>
               <a:ext uri="{FF2B5EF4-FFF2-40B4-BE49-F238E27FC236}">
-                <a16:creationId xmlns:a16="http://schemas.microsoft.com/office/drawing/2014/main" id="{ABC9A63B-7954-4966-8216-5758F6E1660D}"/>
+                <a16:creationId xmlns:a16="http://schemas.microsoft.com/office/drawing/2014/main" xmlns="" id="{ABC9A63B-7954-4966-8216-5758F6E1660D}"/>
               </a:ext>
             </a:extLst>
           </p:cNvPr>
@@ -6880,7 +6880,7 @@
           <p:cNvPr id="95" name="ZoneTexte 94">
             <a:extLst>
               <a:ext uri="{FF2B5EF4-FFF2-40B4-BE49-F238E27FC236}">
-                <a16:creationId xmlns:a16="http://schemas.microsoft.com/office/drawing/2014/main" id="{8CE2AC62-DE88-427C-9D1A-441ABFD9DDF5}"/>
+                <a16:creationId xmlns:a16="http://schemas.microsoft.com/office/drawing/2014/main" xmlns="" id="{8CE2AC62-DE88-427C-9D1A-441ABFD9DDF5}"/>
               </a:ext>
             </a:extLst>
           </p:cNvPr>
@@ -6915,7 +6915,7 @@
           <p:cNvPr id="96" name="Ellipse 95">
             <a:extLst>
               <a:ext uri="{FF2B5EF4-FFF2-40B4-BE49-F238E27FC236}">
-                <a16:creationId xmlns:a16="http://schemas.microsoft.com/office/drawing/2014/main" id="{5963490C-8A0A-490C-B3FF-ADCDBC74EA6D}"/>
+                <a16:creationId xmlns:a16="http://schemas.microsoft.com/office/drawing/2014/main" xmlns="" id="{5963490C-8A0A-490C-B3FF-ADCDBC74EA6D}"/>
               </a:ext>
             </a:extLst>
           </p:cNvPr>
@@ -6969,7 +6969,7 @@
           <p:cNvPr id="8" name="Rectangle 7">
             <a:extLst>
               <a:ext uri="{FF2B5EF4-FFF2-40B4-BE49-F238E27FC236}">
-                <a16:creationId xmlns:a16="http://schemas.microsoft.com/office/drawing/2014/main" id="{259F21AF-0FB7-4D5C-8E38-D8C912C94C5A}"/>
+                <a16:creationId xmlns:a16="http://schemas.microsoft.com/office/drawing/2014/main" xmlns="" id="{259F21AF-0FB7-4D5C-8E38-D8C912C94C5A}"/>
               </a:ext>
             </a:extLst>
           </p:cNvPr>
@@ -7015,7 +7015,7 @@
           <p:cNvPr id="78" name="Rectangle 77">
             <a:extLst>
               <a:ext uri="{FF2B5EF4-FFF2-40B4-BE49-F238E27FC236}">
-                <a16:creationId xmlns:a16="http://schemas.microsoft.com/office/drawing/2014/main" id="{3F8C0DC9-6DB2-4C32-AD37-EB48A7120970}"/>
+                <a16:creationId xmlns:a16="http://schemas.microsoft.com/office/drawing/2014/main" xmlns="" id="{3F8C0DC9-6DB2-4C32-AD37-EB48A7120970}"/>
               </a:ext>
             </a:extLst>
           </p:cNvPr>
@@ -7061,7 +7061,7 @@
           <p:cNvPr id="87" name="Rectangle : coins arrondis 86">
             <a:extLst>
               <a:ext uri="{FF2B5EF4-FFF2-40B4-BE49-F238E27FC236}">
-                <a16:creationId xmlns:a16="http://schemas.microsoft.com/office/drawing/2014/main" id="{89167914-2FF5-495F-B01C-5C82AAE04DF5}"/>
+                <a16:creationId xmlns:a16="http://schemas.microsoft.com/office/drawing/2014/main" xmlns="" id="{89167914-2FF5-495F-B01C-5C82AAE04DF5}"/>
               </a:ext>
             </a:extLst>
           </p:cNvPr>
@@ -7146,7 +7146,7 @@
           <p:cNvPr id="97" name="ZoneTexte 96">
             <a:extLst>
               <a:ext uri="{FF2B5EF4-FFF2-40B4-BE49-F238E27FC236}">
-                <a16:creationId xmlns:a16="http://schemas.microsoft.com/office/drawing/2014/main" id="{8B0DEE22-58EC-4447-9599-3FF8ACDAF9E2}"/>
+                <a16:creationId xmlns:a16="http://schemas.microsoft.com/office/drawing/2014/main" xmlns="" id="{8B0DEE22-58EC-4447-9599-3FF8ACDAF9E2}"/>
               </a:ext>
             </a:extLst>
           </p:cNvPr>
@@ -7181,7 +7181,7 @@
           <p:cNvPr id="98" name="Connecteur droit 97">
             <a:extLst>
               <a:ext uri="{FF2B5EF4-FFF2-40B4-BE49-F238E27FC236}">
-                <a16:creationId xmlns:a16="http://schemas.microsoft.com/office/drawing/2014/main" id="{68C38D15-FAF0-49C1-9595-68F7568A2A1A}"/>
+                <a16:creationId xmlns:a16="http://schemas.microsoft.com/office/drawing/2014/main" xmlns="" id="{68C38D15-FAF0-49C1-9595-68F7568A2A1A}"/>
               </a:ext>
             </a:extLst>
           </p:cNvPr>
@@ -7224,7 +7224,7 @@
           <p:cNvPr id="99" name="ZoneTexte 98">
             <a:extLst>
               <a:ext uri="{FF2B5EF4-FFF2-40B4-BE49-F238E27FC236}">
-                <a16:creationId xmlns:a16="http://schemas.microsoft.com/office/drawing/2014/main" id="{40139269-41CB-400F-AFA3-BDFCF870D1D5}"/>
+                <a16:creationId xmlns:a16="http://schemas.microsoft.com/office/drawing/2014/main" xmlns="" id="{40139269-41CB-400F-AFA3-BDFCF870D1D5}"/>
               </a:ext>
             </a:extLst>
           </p:cNvPr>
@@ -7263,7 +7263,7 @@
           <p:cNvPr id="102" name="Connecteur droit 101">
             <a:extLst>
               <a:ext uri="{FF2B5EF4-FFF2-40B4-BE49-F238E27FC236}">
-                <a16:creationId xmlns:a16="http://schemas.microsoft.com/office/drawing/2014/main" id="{B850A4CA-1B55-41CA-AD39-FFB475305EF3}"/>
+                <a16:creationId xmlns:a16="http://schemas.microsoft.com/office/drawing/2014/main" xmlns="" id="{B850A4CA-1B55-41CA-AD39-FFB475305EF3}"/>
               </a:ext>
             </a:extLst>
           </p:cNvPr>
@@ -7306,7 +7306,7 @@
           <p:cNvPr id="12" name="Connecteur droit 11">
             <a:extLst>
               <a:ext uri="{FF2B5EF4-FFF2-40B4-BE49-F238E27FC236}">
-                <a16:creationId xmlns:a16="http://schemas.microsoft.com/office/drawing/2014/main" id="{A1D14A42-B1EE-4D8B-94F2-69E7BDE88980}"/>
+                <a16:creationId xmlns:a16="http://schemas.microsoft.com/office/drawing/2014/main" xmlns="" id="{A1D14A42-B1EE-4D8B-94F2-69E7BDE88980}"/>
               </a:ext>
             </a:extLst>
           </p:cNvPr>
@@ -7372,7 +7372,7 @@
           <p:cNvPr id="2" name="Titre 1">
             <a:extLst>
               <a:ext uri="{FF2B5EF4-FFF2-40B4-BE49-F238E27FC236}">
-                <a16:creationId xmlns:a16="http://schemas.microsoft.com/office/drawing/2014/main" id="{7D7887D6-7566-47C9-A25C-3F4F54D9EBDC}"/>
+                <a16:creationId xmlns:a16="http://schemas.microsoft.com/office/drawing/2014/main" xmlns="" id="{7D7887D6-7566-47C9-A25C-3F4F54D9EBDC}"/>
               </a:ext>
             </a:extLst>
           </p:cNvPr>
@@ -7404,7 +7404,7 @@
           <p:cNvPr id="3" name="Espace réservé du contenu 2">
             <a:extLst>
               <a:ext uri="{FF2B5EF4-FFF2-40B4-BE49-F238E27FC236}">
-                <a16:creationId xmlns:a16="http://schemas.microsoft.com/office/drawing/2014/main" id="{570C9186-32F7-45DB-A01D-E527B032981A}"/>
+                <a16:creationId xmlns:a16="http://schemas.microsoft.com/office/drawing/2014/main" xmlns="" id="{570C9186-32F7-45DB-A01D-E527B032981A}"/>
               </a:ext>
             </a:extLst>
           </p:cNvPr>
@@ -7620,7 +7620,7 @@
           <p:cNvPr id="4" name="Rectangle 3">
             <a:extLst>
               <a:ext uri="{FF2B5EF4-FFF2-40B4-BE49-F238E27FC236}">
-                <a16:creationId xmlns:a16="http://schemas.microsoft.com/office/drawing/2014/main" id="{D6A19F59-DE5C-47E6-918B-27D303F45183}"/>
+                <a16:creationId xmlns:a16="http://schemas.microsoft.com/office/drawing/2014/main" xmlns="" id="{D6A19F59-DE5C-47E6-918B-27D303F45183}"/>
               </a:ext>
             </a:extLst>
           </p:cNvPr>
@@ -7669,7 +7669,7 @@
           <p:cNvPr id="11" name="Connecteur droit avec flèche 10">
             <a:extLst>
               <a:ext uri="{FF2B5EF4-FFF2-40B4-BE49-F238E27FC236}">
-                <a16:creationId xmlns:a16="http://schemas.microsoft.com/office/drawing/2014/main" id="{9CE27AB5-38C3-4D69-9D71-A648A477EE6E}"/>
+                <a16:creationId xmlns:a16="http://schemas.microsoft.com/office/drawing/2014/main" xmlns="" id="{9CE27AB5-38C3-4D69-9D71-A648A477EE6E}"/>
               </a:ext>
             </a:extLst>
           </p:cNvPr>
@@ -7716,7 +7716,7 @@
           <p:cNvPr id="17" name="Connecteur droit avec flèche 16">
             <a:extLst>
               <a:ext uri="{FF2B5EF4-FFF2-40B4-BE49-F238E27FC236}">
-                <a16:creationId xmlns:a16="http://schemas.microsoft.com/office/drawing/2014/main" id="{8491FF6A-E7B4-4501-8D7D-A7CC206AB55F}"/>
+                <a16:creationId xmlns:a16="http://schemas.microsoft.com/office/drawing/2014/main" xmlns="" id="{8491FF6A-E7B4-4501-8D7D-A7CC206AB55F}"/>
               </a:ext>
             </a:extLst>
           </p:cNvPr>
@@ -7763,7 +7763,7 @@
           <p:cNvPr id="90" name="Rectangle 89">
             <a:extLst>
               <a:ext uri="{FF2B5EF4-FFF2-40B4-BE49-F238E27FC236}">
-                <a16:creationId xmlns:a16="http://schemas.microsoft.com/office/drawing/2014/main" id="{EBDABEE6-29B7-4D63-B73F-35FFDA445D8C}"/>
+                <a16:creationId xmlns:a16="http://schemas.microsoft.com/office/drawing/2014/main" xmlns="" id="{EBDABEE6-29B7-4D63-B73F-35FFDA445D8C}"/>
               </a:ext>
             </a:extLst>
           </p:cNvPr>
@@ -7804,7 +7804,7 @@
           <p:cNvPr id="75" name="Ellipse 74">
             <a:extLst>
               <a:ext uri="{FF2B5EF4-FFF2-40B4-BE49-F238E27FC236}">
-                <a16:creationId xmlns:a16="http://schemas.microsoft.com/office/drawing/2014/main" id="{406130E7-3E0D-431A-B050-99D176D9FB0C}"/>
+                <a16:creationId xmlns:a16="http://schemas.microsoft.com/office/drawing/2014/main" xmlns="" id="{406130E7-3E0D-431A-B050-99D176D9FB0C}"/>
               </a:ext>
             </a:extLst>
           </p:cNvPr>
@@ -7873,7 +7873,7 @@
           <p:cNvPr id="78" name="Rectangle : carré corné 77">
             <a:extLst>
               <a:ext uri="{FF2B5EF4-FFF2-40B4-BE49-F238E27FC236}">
-                <a16:creationId xmlns:a16="http://schemas.microsoft.com/office/drawing/2014/main" id="{2F527EAB-A695-4A0E-903E-433C17D1BC32}"/>
+                <a16:creationId xmlns:a16="http://schemas.microsoft.com/office/drawing/2014/main" xmlns="" id="{2F527EAB-A695-4A0E-903E-433C17D1BC32}"/>
               </a:ext>
             </a:extLst>
           </p:cNvPr>
@@ -7945,7 +7945,7 @@
           <p:cNvPr id="94" name="Ellipse 93">
             <a:extLst>
               <a:ext uri="{FF2B5EF4-FFF2-40B4-BE49-F238E27FC236}">
-                <a16:creationId xmlns:a16="http://schemas.microsoft.com/office/drawing/2014/main" id="{EB756666-05BE-4405-9752-D513848A6A45}"/>
+                <a16:creationId xmlns:a16="http://schemas.microsoft.com/office/drawing/2014/main" xmlns="" id="{EB756666-05BE-4405-9752-D513848A6A45}"/>
               </a:ext>
             </a:extLst>
           </p:cNvPr>
@@ -8003,7 +8003,7 @@
           <p:cNvPr id="95" name="Ellipse 94">
             <a:extLst>
               <a:ext uri="{FF2B5EF4-FFF2-40B4-BE49-F238E27FC236}">
-                <a16:creationId xmlns:a16="http://schemas.microsoft.com/office/drawing/2014/main" id="{62D41DE6-E423-4F2A-9635-1894D9255C80}"/>
+                <a16:creationId xmlns:a16="http://schemas.microsoft.com/office/drawing/2014/main" xmlns="" id="{62D41DE6-E423-4F2A-9635-1894D9255C80}"/>
               </a:ext>
             </a:extLst>
           </p:cNvPr>
@@ -8061,7 +8061,7 @@
           <p:cNvPr id="101" name="Ellipse 100">
             <a:extLst>
               <a:ext uri="{FF2B5EF4-FFF2-40B4-BE49-F238E27FC236}">
-                <a16:creationId xmlns:a16="http://schemas.microsoft.com/office/drawing/2014/main" id="{43C4EA2C-5B45-4167-880E-CCCC10CC0255}"/>
+                <a16:creationId xmlns:a16="http://schemas.microsoft.com/office/drawing/2014/main" xmlns="" id="{43C4EA2C-5B45-4167-880E-CCCC10CC0255}"/>
               </a:ext>
             </a:extLst>
           </p:cNvPr>
@@ -8119,7 +8119,7 @@
           <p:cNvPr id="7" name="Organigramme : Jonction de sommaire 6">
             <a:extLst>
               <a:ext uri="{FF2B5EF4-FFF2-40B4-BE49-F238E27FC236}">
-                <a16:creationId xmlns:a16="http://schemas.microsoft.com/office/drawing/2014/main" id="{B00AD11C-3D4E-4399-881B-2842BBE4DB46}"/>
+                <a16:creationId xmlns:a16="http://schemas.microsoft.com/office/drawing/2014/main" xmlns="" id="{B00AD11C-3D4E-4399-881B-2842BBE4DB46}"/>
               </a:ext>
             </a:extLst>
           </p:cNvPr>
@@ -8168,7 +8168,7 @@
           <p:cNvPr id="103" name="Organigramme : Jonction de sommaire 102">
             <a:extLst>
               <a:ext uri="{FF2B5EF4-FFF2-40B4-BE49-F238E27FC236}">
-                <a16:creationId xmlns:a16="http://schemas.microsoft.com/office/drawing/2014/main" id="{0FDC09D2-F6BD-45AA-B4E9-2910FBA9F489}"/>
+                <a16:creationId xmlns:a16="http://schemas.microsoft.com/office/drawing/2014/main" xmlns="" id="{0FDC09D2-F6BD-45AA-B4E9-2910FBA9F489}"/>
               </a:ext>
             </a:extLst>
           </p:cNvPr>
@@ -8217,7 +8217,7 @@
           <p:cNvPr id="104" name="Organigramme : Jonction de sommaire 103">
             <a:extLst>
               <a:ext uri="{FF2B5EF4-FFF2-40B4-BE49-F238E27FC236}">
-                <a16:creationId xmlns:a16="http://schemas.microsoft.com/office/drawing/2014/main" id="{951C2B36-3EF8-4196-9D26-4368B3AA44D2}"/>
+                <a16:creationId xmlns:a16="http://schemas.microsoft.com/office/drawing/2014/main" xmlns="" id="{951C2B36-3EF8-4196-9D26-4368B3AA44D2}"/>
               </a:ext>
             </a:extLst>
           </p:cNvPr>
@@ -8263,7 +8263,7 @@
           <p:cNvPr id="18" name="Rectangle 17">
             <a:extLst>
               <a:ext uri="{FF2B5EF4-FFF2-40B4-BE49-F238E27FC236}">
-                <a16:creationId xmlns:a16="http://schemas.microsoft.com/office/drawing/2014/main" id="{E1C4E477-3AB6-492F-9E3B-D52B554481E0}"/>
+                <a16:creationId xmlns:a16="http://schemas.microsoft.com/office/drawing/2014/main" xmlns="" id="{E1C4E477-3AB6-492F-9E3B-D52B554481E0}"/>
               </a:ext>
             </a:extLst>
           </p:cNvPr>
@@ -8315,7 +8315,7 @@
           <p:cNvPr id="105" name="Rectangle 104">
             <a:extLst>
               <a:ext uri="{FF2B5EF4-FFF2-40B4-BE49-F238E27FC236}">
-                <a16:creationId xmlns:a16="http://schemas.microsoft.com/office/drawing/2014/main" id="{EEBDCC22-7F33-4D47-A328-E9ABC44EE949}"/>
+                <a16:creationId xmlns:a16="http://schemas.microsoft.com/office/drawing/2014/main" xmlns="" id="{EEBDCC22-7F33-4D47-A328-E9ABC44EE949}"/>
               </a:ext>
             </a:extLst>
           </p:cNvPr>
@@ -8367,7 +8367,7 @@
           <p:cNvPr id="106" name="Rectangle 105">
             <a:extLst>
               <a:ext uri="{FF2B5EF4-FFF2-40B4-BE49-F238E27FC236}">
-                <a16:creationId xmlns:a16="http://schemas.microsoft.com/office/drawing/2014/main" id="{7F552AFC-D093-41F7-BCC3-D51D96F6606B}"/>
+                <a16:creationId xmlns:a16="http://schemas.microsoft.com/office/drawing/2014/main" xmlns="" id="{7F552AFC-D093-41F7-BCC3-D51D96F6606B}"/>
               </a:ext>
             </a:extLst>
           </p:cNvPr>
@@ -8419,7 +8419,7 @@
           <p:cNvPr id="21" name="Connecteur : en angle 20">
             <a:extLst>
               <a:ext uri="{FF2B5EF4-FFF2-40B4-BE49-F238E27FC236}">
-                <a16:creationId xmlns:a16="http://schemas.microsoft.com/office/drawing/2014/main" id="{C580F1BD-2203-44A8-B318-E085FA2A2587}"/>
+                <a16:creationId xmlns:a16="http://schemas.microsoft.com/office/drawing/2014/main" xmlns="" id="{C580F1BD-2203-44A8-B318-E085FA2A2587}"/>
               </a:ext>
             </a:extLst>
           </p:cNvPr>
@@ -8465,7 +8465,7 @@
           <p:cNvPr id="107" name="Connecteur : en angle 106">
             <a:extLst>
               <a:ext uri="{FF2B5EF4-FFF2-40B4-BE49-F238E27FC236}">
-                <a16:creationId xmlns:a16="http://schemas.microsoft.com/office/drawing/2014/main" id="{7F04C53B-4A53-4005-ABF2-DB5BA27207F0}"/>
+                <a16:creationId xmlns:a16="http://schemas.microsoft.com/office/drawing/2014/main" xmlns="" id="{7F04C53B-4A53-4005-ABF2-DB5BA27207F0}"/>
               </a:ext>
             </a:extLst>
           </p:cNvPr>
@@ -8512,7 +8512,7 @@
           <p:cNvPr id="108" name="Connecteur : en angle 107">
             <a:extLst>
               <a:ext uri="{FF2B5EF4-FFF2-40B4-BE49-F238E27FC236}">
-                <a16:creationId xmlns:a16="http://schemas.microsoft.com/office/drawing/2014/main" id="{DCCA1AC0-C646-4D85-9AE6-59AD23A3FCA4}"/>
+                <a16:creationId xmlns:a16="http://schemas.microsoft.com/office/drawing/2014/main" xmlns="" id="{DCCA1AC0-C646-4D85-9AE6-59AD23A3FCA4}"/>
               </a:ext>
             </a:extLst>
           </p:cNvPr>
@@ -8560,7 +8560,7 @@
           <p:cNvPr id="110" name="Rectangle 109">
             <a:extLst>
               <a:ext uri="{FF2B5EF4-FFF2-40B4-BE49-F238E27FC236}">
-                <a16:creationId xmlns:a16="http://schemas.microsoft.com/office/drawing/2014/main" id="{EC607662-9792-4AF6-972A-FBBF90B2FFAD}"/>
+                <a16:creationId xmlns:a16="http://schemas.microsoft.com/office/drawing/2014/main" xmlns="" id="{EC607662-9792-4AF6-972A-FBBF90B2FFAD}"/>
               </a:ext>
             </a:extLst>
           </p:cNvPr>
@@ -8628,7 +8628,7 @@
           <p:cNvPr id="111" name="Rectangle 110">
             <a:extLst>
               <a:ext uri="{FF2B5EF4-FFF2-40B4-BE49-F238E27FC236}">
-                <a16:creationId xmlns:a16="http://schemas.microsoft.com/office/drawing/2014/main" id="{60493B57-BD84-4F90-A671-D6D977682797}"/>
+                <a16:creationId xmlns:a16="http://schemas.microsoft.com/office/drawing/2014/main" xmlns="" id="{60493B57-BD84-4F90-A671-D6D977682797}"/>
               </a:ext>
             </a:extLst>
           </p:cNvPr>
@@ -8669,7 +8669,7 @@
           <p:cNvPr id="72" name="Ellipse 71">
             <a:extLst>
               <a:ext uri="{FF2B5EF4-FFF2-40B4-BE49-F238E27FC236}">
-                <a16:creationId xmlns:a16="http://schemas.microsoft.com/office/drawing/2014/main" id="{957AAF98-6743-456A-97A2-F748827C0E65}"/>
+                <a16:creationId xmlns:a16="http://schemas.microsoft.com/office/drawing/2014/main" xmlns="" id="{957AAF98-6743-456A-97A2-F748827C0E65}"/>
               </a:ext>
             </a:extLst>
           </p:cNvPr>
@@ -8738,7 +8738,7 @@
           <p:cNvPr id="114" name="Connecteur droit avec flèche 113">
             <a:extLst>
               <a:ext uri="{FF2B5EF4-FFF2-40B4-BE49-F238E27FC236}">
-                <a16:creationId xmlns:a16="http://schemas.microsoft.com/office/drawing/2014/main" id="{303F5BDC-AD2F-4215-A0CB-27EBECA7AAE5}"/>
+                <a16:creationId xmlns:a16="http://schemas.microsoft.com/office/drawing/2014/main" xmlns="" id="{303F5BDC-AD2F-4215-A0CB-27EBECA7AAE5}"/>
               </a:ext>
             </a:extLst>
           </p:cNvPr>
@@ -8785,7 +8785,7 @@
           <p:cNvPr id="115" name="Connecteur droit avec flèche 114">
             <a:extLst>
               <a:ext uri="{FF2B5EF4-FFF2-40B4-BE49-F238E27FC236}">
-                <a16:creationId xmlns:a16="http://schemas.microsoft.com/office/drawing/2014/main" id="{84E1737C-8DD2-4B4F-BB53-59A3C68D3F05}"/>
+                <a16:creationId xmlns:a16="http://schemas.microsoft.com/office/drawing/2014/main" xmlns="" id="{84E1737C-8DD2-4B4F-BB53-59A3C68D3F05}"/>
               </a:ext>
             </a:extLst>
           </p:cNvPr>
@@ -8832,7 +8832,7 @@
           <p:cNvPr id="118" name="Rectangle 117">
             <a:extLst>
               <a:ext uri="{FF2B5EF4-FFF2-40B4-BE49-F238E27FC236}">
-                <a16:creationId xmlns:a16="http://schemas.microsoft.com/office/drawing/2014/main" id="{88502AE4-0F7A-4C90-ACA1-4837522915ED}"/>
+                <a16:creationId xmlns:a16="http://schemas.microsoft.com/office/drawing/2014/main" xmlns="" id="{88502AE4-0F7A-4C90-ACA1-4837522915ED}"/>
               </a:ext>
             </a:extLst>
           </p:cNvPr>
@@ -8873,7 +8873,7 @@
           <p:cNvPr id="119" name="Ellipse 118">
             <a:extLst>
               <a:ext uri="{FF2B5EF4-FFF2-40B4-BE49-F238E27FC236}">
-                <a16:creationId xmlns:a16="http://schemas.microsoft.com/office/drawing/2014/main" id="{9FD95D9F-4269-4A40-B637-A40637C4BE77}"/>
+                <a16:creationId xmlns:a16="http://schemas.microsoft.com/office/drawing/2014/main" xmlns="" id="{9FD95D9F-4269-4A40-B637-A40637C4BE77}"/>
               </a:ext>
             </a:extLst>
           </p:cNvPr>
@@ -8942,7 +8942,7 @@
           <p:cNvPr id="120" name="Ellipse 119">
             <a:extLst>
               <a:ext uri="{FF2B5EF4-FFF2-40B4-BE49-F238E27FC236}">
-                <a16:creationId xmlns:a16="http://schemas.microsoft.com/office/drawing/2014/main" id="{EDFA5D41-E4BA-4494-96CB-CEAC352CA53C}"/>
+                <a16:creationId xmlns:a16="http://schemas.microsoft.com/office/drawing/2014/main" xmlns="" id="{EDFA5D41-E4BA-4494-96CB-CEAC352CA53C}"/>
               </a:ext>
             </a:extLst>
           </p:cNvPr>
@@ -9011,7 +9011,7 @@
           <p:cNvPr id="121" name="Rectangle 120">
             <a:extLst>
               <a:ext uri="{FF2B5EF4-FFF2-40B4-BE49-F238E27FC236}">
-                <a16:creationId xmlns:a16="http://schemas.microsoft.com/office/drawing/2014/main" id="{E9896A80-7B25-4FE5-8C36-D88A252A47AD}"/>
+                <a16:creationId xmlns:a16="http://schemas.microsoft.com/office/drawing/2014/main" xmlns="" id="{E9896A80-7B25-4FE5-8C36-D88A252A47AD}"/>
               </a:ext>
             </a:extLst>
           </p:cNvPr>
@@ -9070,7 +9070,7 @@
           <p:cNvPr id="122" name="Rectangle 121">
             <a:extLst>
               <a:ext uri="{FF2B5EF4-FFF2-40B4-BE49-F238E27FC236}">
-                <a16:creationId xmlns:a16="http://schemas.microsoft.com/office/drawing/2014/main" id="{8564EB00-961B-42CA-8A79-8ED988784335}"/>
+                <a16:creationId xmlns:a16="http://schemas.microsoft.com/office/drawing/2014/main" xmlns="" id="{8564EB00-961B-42CA-8A79-8ED988784335}"/>
               </a:ext>
             </a:extLst>
           </p:cNvPr>
@@ -9124,7 +9124,7 @@
           <p:cNvPr id="128" name="Rectangle 127">
             <a:extLst>
               <a:ext uri="{FF2B5EF4-FFF2-40B4-BE49-F238E27FC236}">
-                <a16:creationId xmlns:a16="http://schemas.microsoft.com/office/drawing/2014/main" id="{6F4CB3D7-09C5-4B32-9601-5122FA8C1D58}"/>
+                <a16:creationId xmlns:a16="http://schemas.microsoft.com/office/drawing/2014/main" xmlns="" id="{6F4CB3D7-09C5-4B32-9601-5122FA8C1D58}"/>
               </a:ext>
             </a:extLst>
           </p:cNvPr>
@@ -9169,7 +9169,7 @@
           <p:cNvPr id="129" name="Connecteur droit avec flèche 128">
             <a:extLst>
               <a:ext uri="{FF2B5EF4-FFF2-40B4-BE49-F238E27FC236}">
-                <a16:creationId xmlns:a16="http://schemas.microsoft.com/office/drawing/2014/main" id="{5BD5F333-B50F-498E-9466-FB1A765AED58}"/>
+                <a16:creationId xmlns:a16="http://schemas.microsoft.com/office/drawing/2014/main" xmlns="" id="{5BD5F333-B50F-498E-9466-FB1A765AED58}"/>
               </a:ext>
             </a:extLst>
           </p:cNvPr>
@@ -9216,7 +9216,7 @@
           <p:cNvPr id="130" name="Connecteur droit avec flèche 129">
             <a:extLst>
               <a:ext uri="{FF2B5EF4-FFF2-40B4-BE49-F238E27FC236}">
-                <a16:creationId xmlns:a16="http://schemas.microsoft.com/office/drawing/2014/main" id="{9C354AF1-8172-4D1B-8221-F58A3C9AEACB}"/>
+                <a16:creationId xmlns:a16="http://schemas.microsoft.com/office/drawing/2014/main" xmlns="" id="{9C354AF1-8172-4D1B-8221-F58A3C9AEACB}"/>
               </a:ext>
             </a:extLst>
           </p:cNvPr>
@@ -9263,7 +9263,7 @@
           <p:cNvPr id="133" name="Rectangle 132">
             <a:extLst>
               <a:ext uri="{FF2B5EF4-FFF2-40B4-BE49-F238E27FC236}">
-                <a16:creationId xmlns:a16="http://schemas.microsoft.com/office/drawing/2014/main" id="{888A0C59-B712-4D45-B07E-5A4E008584FA}"/>
+                <a16:creationId xmlns:a16="http://schemas.microsoft.com/office/drawing/2014/main" xmlns="" id="{888A0C59-B712-4D45-B07E-5A4E008584FA}"/>
               </a:ext>
             </a:extLst>
           </p:cNvPr>
@@ -9304,7 +9304,7 @@
           <p:cNvPr id="134" name="Ellipse 133">
             <a:extLst>
               <a:ext uri="{FF2B5EF4-FFF2-40B4-BE49-F238E27FC236}">
-                <a16:creationId xmlns:a16="http://schemas.microsoft.com/office/drawing/2014/main" id="{97C680AE-43C5-4789-98DF-D9B241D75A1D}"/>
+                <a16:creationId xmlns:a16="http://schemas.microsoft.com/office/drawing/2014/main" xmlns="" id="{97C680AE-43C5-4789-98DF-D9B241D75A1D}"/>
               </a:ext>
             </a:extLst>
           </p:cNvPr>
@@ -9373,7 +9373,7 @@
           <p:cNvPr id="135" name="Ellipse 134">
             <a:extLst>
               <a:ext uri="{FF2B5EF4-FFF2-40B4-BE49-F238E27FC236}">
-                <a16:creationId xmlns:a16="http://schemas.microsoft.com/office/drawing/2014/main" id="{AF558AC2-E85E-4407-B45C-751F5B360DD5}"/>
+                <a16:creationId xmlns:a16="http://schemas.microsoft.com/office/drawing/2014/main" xmlns="" id="{AF558AC2-E85E-4407-B45C-751F5B360DD5}"/>
               </a:ext>
             </a:extLst>
           </p:cNvPr>
@@ -9442,7 +9442,7 @@
           <p:cNvPr id="143" name="Rectangle 142">
             <a:extLst>
               <a:ext uri="{FF2B5EF4-FFF2-40B4-BE49-F238E27FC236}">
-                <a16:creationId xmlns:a16="http://schemas.microsoft.com/office/drawing/2014/main" id="{ADF99727-0F59-424B-A2D7-92929328D779}"/>
+                <a16:creationId xmlns:a16="http://schemas.microsoft.com/office/drawing/2014/main" xmlns="" id="{ADF99727-0F59-424B-A2D7-92929328D779}"/>
               </a:ext>
             </a:extLst>
           </p:cNvPr>
@@ -9502,7 +9502,7 @@
           <p:cNvPr id="144" name="Rectangle 143">
             <a:extLst>
               <a:ext uri="{FF2B5EF4-FFF2-40B4-BE49-F238E27FC236}">
-                <a16:creationId xmlns:a16="http://schemas.microsoft.com/office/drawing/2014/main" id="{BB3173DF-69A8-4ADE-8B45-1422D734E667}"/>
+                <a16:creationId xmlns:a16="http://schemas.microsoft.com/office/drawing/2014/main" xmlns="" id="{BB3173DF-69A8-4ADE-8B45-1422D734E667}"/>
               </a:ext>
             </a:extLst>
           </p:cNvPr>
@@ -9561,7 +9561,7 @@
           <p:cNvPr id="149" name="Rectangle 148">
             <a:extLst>
               <a:ext uri="{FF2B5EF4-FFF2-40B4-BE49-F238E27FC236}">
-                <a16:creationId xmlns:a16="http://schemas.microsoft.com/office/drawing/2014/main" id="{DEE24CDB-6B60-4C14-BD27-0E292DFD5E1E}"/>
+                <a16:creationId xmlns:a16="http://schemas.microsoft.com/office/drawing/2014/main" xmlns="" id="{DEE24CDB-6B60-4C14-BD27-0E292DFD5E1E}"/>
               </a:ext>
             </a:extLst>
           </p:cNvPr>
@@ -9616,7 +9616,7 @@
           <p:cNvPr id="150" name="ZoneTexte 149">
             <a:extLst>
               <a:ext uri="{FF2B5EF4-FFF2-40B4-BE49-F238E27FC236}">
-                <a16:creationId xmlns:a16="http://schemas.microsoft.com/office/drawing/2014/main" id="{37092DB3-7FB0-4289-BDA7-4675511584C3}"/>
+                <a16:creationId xmlns:a16="http://schemas.microsoft.com/office/drawing/2014/main" xmlns="" id="{37092DB3-7FB0-4289-BDA7-4675511584C3}"/>
               </a:ext>
             </a:extLst>
           </p:cNvPr>
@@ -9658,7 +9658,7 @@
           <p:cNvPr id="62" name="Rectangle 61">
             <a:extLst>
               <a:ext uri="{FF2B5EF4-FFF2-40B4-BE49-F238E27FC236}">
-                <a16:creationId xmlns:a16="http://schemas.microsoft.com/office/drawing/2014/main" id="{71B0C61D-3C33-44AE-994E-9D1DFD3977BE}"/>
+                <a16:creationId xmlns:a16="http://schemas.microsoft.com/office/drawing/2014/main" xmlns="" id="{71B0C61D-3C33-44AE-994E-9D1DFD3977BE}"/>
               </a:ext>
             </a:extLst>
           </p:cNvPr>
@@ -9699,7 +9699,7 @@
           <p:cNvPr id="5" name="Connecteur : en angle 4">
             <a:extLst>
               <a:ext uri="{FF2B5EF4-FFF2-40B4-BE49-F238E27FC236}">
-                <a16:creationId xmlns:a16="http://schemas.microsoft.com/office/drawing/2014/main" id="{5355DACF-D8DB-4160-875D-0B6FB9A32429}"/>
+                <a16:creationId xmlns:a16="http://schemas.microsoft.com/office/drawing/2014/main" xmlns="" id="{5355DACF-D8DB-4160-875D-0B6FB9A32429}"/>
               </a:ext>
             </a:extLst>
           </p:cNvPr>
@@ -9748,7 +9748,7 @@
           <p:cNvPr id="68" name="ZoneTexte 67">
             <a:extLst>
               <a:ext uri="{FF2B5EF4-FFF2-40B4-BE49-F238E27FC236}">
-                <a16:creationId xmlns:a16="http://schemas.microsoft.com/office/drawing/2014/main" id="{2DEEEE45-4CB4-4576-9AB9-3F469C3F05D0}"/>
+                <a16:creationId xmlns:a16="http://schemas.microsoft.com/office/drawing/2014/main" xmlns="" id="{2DEEEE45-4CB4-4576-9AB9-3F469C3F05D0}"/>
               </a:ext>
             </a:extLst>
           </p:cNvPr>
@@ -9786,7 +9786,7 @@
           <p:cNvPr id="69" name="ZoneTexte 68">
             <a:extLst>
               <a:ext uri="{FF2B5EF4-FFF2-40B4-BE49-F238E27FC236}">
-                <a16:creationId xmlns:a16="http://schemas.microsoft.com/office/drawing/2014/main" id="{08AA9B42-6886-4A37-A17C-38A6DACB2656}"/>
+                <a16:creationId xmlns:a16="http://schemas.microsoft.com/office/drawing/2014/main" xmlns="" id="{08AA9B42-6886-4A37-A17C-38A6DACB2656}"/>
               </a:ext>
             </a:extLst>
           </p:cNvPr>
@@ -9824,7 +9824,7 @@
           <p:cNvPr id="65" name="ZoneTexte 64">
             <a:extLst>
               <a:ext uri="{FF2B5EF4-FFF2-40B4-BE49-F238E27FC236}">
-                <a16:creationId xmlns:a16="http://schemas.microsoft.com/office/drawing/2014/main" id="{7CD742EF-B51C-485A-8681-F1A7A57756CD}"/>
+                <a16:creationId xmlns:a16="http://schemas.microsoft.com/office/drawing/2014/main" xmlns="" id="{7CD742EF-B51C-485A-8681-F1A7A57756CD}"/>
               </a:ext>
             </a:extLst>
           </p:cNvPr>
@@ -9862,7 +9862,7 @@
           <p:cNvPr id="66" name="ZoneTexte 65">
             <a:extLst>
               <a:ext uri="{FF2B5EF4-FFF2-40B4-BE49-F238E27FC236}">
-                <a16:creationId xmlns:a16="http://schemas.microsoft.com/office/drawing/2014/main" id="{2FFED979-B420-413C-96C0-F8A0094358C3}"/>
+                <a16:creationId xmlns:a16="http://schemas.microsoft.com/office/drawing/2014/main" xmlns="" id="{2FFED979-B420-413C-96C0-F8A0094358C3}"/>
               </a:ext>
             </a:extLst>
           </p:cNvPr>
@@ -9900,7 +9900,7 @@
           <p:cNvPr id="67" name="Ellipse 66">
             <a:extLst>
               <a:ext uri="{FF2B5EF4-FFF2-40B4-BE49-F238E27FC236}">
-                <a16:creationId xmlns:a16="http://schemas.microsoft.com/office/drawing/2014/main" id="{8FE1DB04-8A7C-4DF6-B7CC-303CADF3B2B8}"/>
+                <a16:creationId xmlns:a16="http://schemas.microsoft.com/office/drawing/2014/main" xmlns="" id="{8FE1DB04-8A7C-4DF6-B7CC-303CADF3B2B8}"/>
               </a:ext>
             </a:extLst>
           </p:cNvPr>
@@ -9958,7 +9958,7 @@
           <p:cNvPr id="77" name="ZoneTexte 76">
             <a:extLst>
               <a:ext uri="{FF2B5EF4-FFF2-40B4-BE49-F238E27FC236}">
-                <a16:creationId xmlns:a16="http://schemas.microsoft.com/office/drawing/2014/main" id="{DD9FA8B0-1E97-4AE1-B2D4-5670CD21D70D}"/>
+                <a16:creationId xmlns:a16="http://schemas.microsoft.com/office/drawing/2014/main" xmlns="" id="{DD9FA8B0-1E97-4AE1-B2D4-5670CD21D70D}"/>
               </a:ext>
             </a:extLst>
           </p:cNvPr>
@@ -9996,7 +9996,7 @@
           <p:cNvPr id="85" name="Ellipse 84">
             <a:extLst>
               <a:ext uri="{FF2B5EF4-FFF2-40B4-BE49-F238E27FC236}">
-                <a16:creationId xmlns:a16="http://schemas.microsoft.com/office/drawing/2014/main" id="{14868AD4-595A-4478-A7B2-81ABAE62EEB5}"/>
+                <a16:creationId xmlns:a16="http://schemas.microsoft.com/office/drawing/2014/main" xmlns="" id="{14868AD4-595A-4478-A7B2-81ABAE62EEB5}"/>
               </a:ext>
             </a:extLst>
           </p:cNvPr>
@@ -10054,7 +10054,7 @@
           <p:cNvPr id="87" name="Ellipse 86">
             <a:extLst>
               <a:ext uri="{FF2B5EF4-FFF2-40B4-BE49-F238E27FC236}">
-                <a16:creationId xmlns:a16="http://schemas.microsoft.com/office/drawing/2014/main" id="{94EDBF9E-FC8D-4967-934C-359E89DDE4D2}"/>
+                <a16:creationId xmlns:a16="http://schemas.microsoft.com/office/drawing/2014/main" xmlns="" id="{94EDBF9E-FC8D-4967-934C-359E89DDE4D2}"/>
               </a:ext>
             </a:extLst>
           </p:cNvPr>
@@ -10112,7 +10112,7 @@
           <p:cNvPr id="116" name="Ellipse 115">
             <a:extLst>
               <a:ext uri="{FF2B5EF4-FFF2-40B4-BE49-F238E27FC236}">
-                <a16:creationId xmlns:a16="http://schemas.microsoft.com/office/drawing/2014/main" id="{C11933AE-2467-4012-9A41-8804A34032AC}"/>
+                <a16:creationId xmlns:a16="http://schemas.microsoft.com/office/drawing/2014/main" xmlns="" id="{C11933AE-2467-4012-9A41-8804A34032AC}"/>
               </a:ext>
             </a:extLst>
           </p:cNvPr>
@@ -10170,7 +10170,7 @@
           <p:cNvPr id="27" name="Connecteur droit avec flèche 26">
             <a:extLst>
               <a:ext uri="{FF2B5EF4-FFF2-40B4-BE49-F238E27FC236}">
-                <a16:creationId xmlns:a16="http://schemas.microsoft.com/office/drawing/2014/main" id="{A50C47A9-3AC5-48E4-8DDB-A1081DB8C971}"/>
+                <a16:creationId xmlns:a16="http://schemas.microsoft.com/office/drawing/2014/main" xmlns="" id="{A50C47A9-3AC5-48E4-8DDB-A1081DB8C971}"/>
               </a:ext>
             </a:extLst>
           </p:cNvPr>
@@ -10211,7 +10211,7 @@
           <p:cNvPr id="117" name="Connecteur droit avec flèche 116">
             <a:extLst>
               <a:ext uri="{FF2B5EF4-FFF2-40B4-BE49-F238E27FC236}">
-                <a16:creationId xmlns:a16="http://schemas.microsoft.com/office/drawing/2014/main" id="{16B5F0AC-7605-4919-92AE-67248AA19FFF}"/>
+                <a16:creationId xmlns:a16="http://schemas.microsoft.com/office/drawing/2014/main" xmlns="" id="{16B5F0AC-7605-4919-92AE-67248AA19FFF}"/>
               </a:ext>
             </a:extLst>
           </p:cNvPr>
@@ -10250,7 +10250,7 @@
           <p:cNvPr id="124" name="Connecteur droit avec flèche 123">
             <a:extLst>
               <a:ext uri="{FF2B5EF4-FFF2-40B4-BE49-F238E27FC236}">
-                <a16:creationId xmlns:a16="http://schemas.microsoft.com/office/drawing/2014/main" id="{ABC5A925-7C63-497A-BB76-C587CE08CACA}"/>
+                <a16:creationId xmlns:a16="http://schemas.microsoft.com/office/drawing/2014/main" xmlns="" id="{ABC5A925-7C63-497A-BB76-C587CE08CACA}"/>
               </a:ext>
             </a:extLst>
           </p:cNvPr>
@@ -10289,7 +10289,7 @@
           <p:cNvPr id="125" name="Connecteur droit avec flèche 124">
             <a:extLst>
               <a:ext uri="{FF2B5EF4-FFF2-40B4-BE49-F238E27FC236}">
-                <a16:creationId xmlns:a16="http://schemas.microsoft.com/office/drawing/2014/main" id="{EE98BCF8-1A62-4845-A133-6B137CABE15D}"/>
+                <a16:creationId xmlns:a16="http://schemas.microsoft.com/office/drawing/2014/main" xmlns="" id="{EE98BCF8-1A62-4845-A133-6B137CABE15D}"/>
               </a:ext>
             </a:extLst>
           </p:cNvPr>
@@ -10328,7 +10328,7 @@
           <p:cNvPr id="126" name="Connecteur : en angle 125">
             <a:extLst>
               <a:ext uri="{FF2B5EF4-FFF2-40B4-BE49-F238E27FC236}">
-                <a16:creationId xmlns:a16="http://schemas.microsoft.com/office/drawing/2014/main" id="{92ABEDFE-05FC-430D-B247-D9FCCD74136D}"/>
+                <a16:creationId xmlns:a16="http://schemas.microsoft.com/office/drawing/2014/main" xmlns="" id="{92ABEDFE-05FC-430D-B247-D9FCCD74136D}"/>
               </a:ext>
             </a:extLst>
           </p:cNvPr>
@@ -10377,7 +10377,7 @@
           <p:cNvPr id="131" name="Connecteur : en angle 130">
             <a:extLst>
               <a:ext uri="{FF2B5EF4-FFF2-40B4-BE49-F238E27FC236}">
-                <a16:creationId xmlns:a16="http://schemas.microsoft.com/office/drawing/2014/main" id="{F1FE6CBB-4B27-4231-90F2-511E35B5FA81}"/>
+                <a16:creationId xmlns:a16="http://schemas.microsoft.com/office/drawing/2014/main" xmlns="" id="{F1FE6CBB-4B27-4231-90F2-511E35B5FA81}"/>
               </a:ext>
             </a:extLst>
           </p:cNvPr>
@@ -10429,7 +10429,7 @@
           <p:cNvPr id="132" name="ZoneTexte 131">
             <a:extLst>
               <a:ext uri="{FF2B5EF4-FFF2-40B4-BE49-F238E27FC236}">
-                <a16:creationId xmlns:a16="http://schemas.microsoft.com/office/drawing/2014/main" id="{E233F5F0-4652-47F8-B2F7-41515FAA3231}"/>
+                <a16:creationId xmlns:a16="http://schemas.microsoft.com/office/drawing/2014/main" xmlns="" id="{E233F5F0-4652-47F8-B2F7-41515FAA3231}"/>
               </a:ext>
             </a:extLst>
           </p:cNvPr>
@@ -10467,7 +10467,7 @@
           <p:cNvPr id="37" name="Connecteur : en angle 36">
             <a:extLst>
               <a:ext uri="{FF2B5EF4-FFF2-40B4-BE49-F238E27FC236}">
-                <a16:creationId xmlns:a16="http://schemas.microsoft.com/office/drawing/2014/main" id="{884F8BA6-5748-43DB-8745-FF8045F69E52}"/>
+                <a16:creationId xmlns:a16="http://schemas.microsoft.com/office/drawing/2014/main" xmlns="" id="{884F8BA6-5748-43DB-8745-FF8045F69E52}"/>
               </a:ext>
             </a:extLst>
           </p:cNvPr>
@@ -10514,7 +10514,7 @@
           <p:cNvPr id="42" name="Connecteur : en angle 41">
             <a:extLst>
               <a:ext uri="{FF2B5EF4-FFF2-40B4-BE49-F238E27FC236}">
-                <a16:creationId xmlns:a16="http://schemas.microsoft.com/office/drawing/2014/main" id="{770955BC-5263-4247-AF9F-659714FCA9C4}"/>
+                <a16:creationId xmlns:a16="http://schemas.microsoft.com/office/drawing/2014/main" xmlns="" id="{770955BC-5263-4247-AF9F-659714FCA9C4}"/>
               </a:ext>
             </a:extLst>
           </p:cNvPr>
@@ -10557,7 +10557,7 @@
           <p:cNvPr id="48" name="Connecteur droit 47">
             <a:extLst>
               <a:ext uri="{FF2B5EF4-FFF2-40B4-BE49-F238E27FC236}">
-                <a16:creationId xmlns:a16="http://schemas.microsoft.com/office/drawing/2014/main" id="{00A4EE35-E4DC-4A5D-89AE-C26974BF34D5}"/>
+                <a16:creationId xmlns:a16="http://schemas.microsoft.com/office/drawing/2014/main" xmlns="" id="{00A4EE35-E4DC-4A5D-89AE-C26974BF34D5}"/>
               </a:ext>
             </a:extLst>
           </p:cNvPr>
@@ -10600,7 +10600,7 @@
           <p:cNvPr id="52" name="ZoneTexte 51">
             <a:extLst>
               <a:ext uri="{FF2B5EF4-FFF2-40B4-BE49-F238E27FC236}">
-                <a16:creationId xmlns:a16="http://schemas.microsoft.com/office/drawing/2014/main" id="{A1B645C9-F428-4094-9D6F-A3D6099D90C9}"/>
+                <a16:creationId xmlns:a16="http://schemas.microsoft.com/office/drawing/2014/main" xmlns="" id="{A1B645C9-F428-4094-9D6F-A3D6099D90C9}"/>
               </a:ext>
             </a:extLst>
           </p:cNvPr>
@@ -10639,7 +10639,7 @@
           <p:cNvPr id="54" name="Connecteur droit 53">
             <a:extLst>
               <a:ext uri="{FF2B5EF4-FFF2-40B4-BE49-F238E27FC236}">
-                <a16:creationId xmlns:a16="http://schemas.microsoft.com/office/drawing/2014/main" id="{794305CD-136F-470A-BA5D-6257DD3EB19C}"/>
+                <a16:creationId xmlns:a16="http://schemas.microsoft.com/office/drawing/2014/main" xmlns="" id="{794305CD-136F-470A-BA5D-6257DD3EB19C}"/>
               </a:ext>
             </a:extLst>
           </p:cNvPr>
@@ -10682,7 +10682,7 @@
           <p:cNvPr id="138" name="Connecteur droit 137">
             <a:extLst>
               <a:ext uri="{FF2B5EF4-FFF2-40B4-BE49-F238E27FC236}">
-                <a16:creationId xmlns:a16="http://schemas.microsoft.com/office/drawing/2014/main" id="{B9E0F775-BBF6-43E0-8951-D0EE9B8C810F}"/>
+                <a16:creationId xmlns:a16="http://schemas.microsoft.com/office/drawing/2014/main" xmlns="" id="{B9E0F775-BBF6-43E0-8951-D0EE9B8C810F}"/>
               </a:ext>
             </a:extLst>
           </p:cNvPr>
@@ -10725,7 +10725,7 @@
           <p:cNvPr id="58" name="Connecteur : en angle 57">
             <a:extLst>
               <a:ext uri="{FF2B5EF4-FFF2-40B4-BE49-F238E27FC236}">
-                <a16:creationId xmlns:a16="http://schemas.microsoft.com/office/drawing/2014/main" id="{723D1BBA-F1D3-482B-8CD8-D138621215BF}"/>
+                <a16:creationId xmlns:a16="http://schemas.microsoft.com/office/drawing/2014/main" xmlns="" id="{723D1BBA-F1D3-482B-8CD8-D138621215BF}"/>
               </a:ext>
             </a:extLst>
           </p:cNvPr>
@@ -10768,7 +10768,7 @@
           <p:cNvPr id="145" name="Connecteur : en angle 144">
             <a:extLst>
               <a:ext uri="{FF2B5EF4-FFF2-40B4-BE49-F238E27FC236}">
-                <a16:creationId xmlns:a16="http://schemas.microsoft.com/office/drawing/2014/main" id="{4AA10393-57AE-4C97-9984-996252DAAFB9}"/>
+                <a16:creationId xmlns:a16="http://schemas.microsoft.com/office/drawing/2014/main" xmlns="" id="{4AA10393-57AE-4C97-9984-996252DAAFB9}"/>
               </a:ext>
             </a:extLst>
           </p:cNvPr>
@@ -10815,7 +10815,7 @@
           <p:cNvPr id="146" name="Connecteur : en angle 145">
             <a:extLst>
               <a:ext uri="{FF2B5EF4-FFF2-40B4-BE49-F238E27FC236}">
-                <a16:creationId xmlns:a16="http://schemas.microsoft.com/office/drawing/2014/main" id="{DA9BCBDD-6011-4340-AA13-8D1B13114BDA}"/>
+                <a16:creationId xmlns:a16="http://schemas.microsoft.com/office/drawing/2014/main" xmlns="" id="{DA9BCBDD-6011-4340-AA13-8D1B13114BDA}"/>
               </a:ext>
             </a:extLst>
           </p:cNvPr>
@@ -10858,7 +10858,7 @@
           <p:cNvPr id="147" name="Connecteur : en angle 146">
             <a:extLst>
               <a:ext uri="{FF2B5EF4-FFF2-40B4-BE49-F238E27FC236}">
-                <a16:creationId xmlns:a16="http://schemas.microsoft.com/office/drawing/2014/main" id="{DA63929A-C6F5-467A-80B6-44209B830BA2}"/>
+                <a16:creationId xmlns:a16="http://schemas.microsoft.com/office/drawing/2014/main" xmlns="" id="{DA63929A-C6F5-467A-80B6-44209B830BA2}"/>
               </a:ext>
             </a:extLst>
           </p:cNvPr>
@@ -10903,7 +10903,7 @@
           <p:cNvPr id="148" name="Connecteur : en angle 147">
             <a:extLst>
               <a:ext uri="{FF2B5EF4-FFF2-40B4-BE49-F238E27FC236}">
-                <a16:creationId xmlns:a16="http://schemas.microsoft.com/office/drawing/2014/main" id="{2AA838AC-7B97-45BD-BBE8-FC01C9F2741B}"/>
+                <a16:creationId xmlns:a16="http://schemas.microsoft.com/office/drawing/2014/main" xmlns="" id="{2AA838AC-7B97-45BD-BBE8-FC01C9F2741B}"/>
               </a:ext>
             </a:extLst>
           </p:cNvPr>
@@ -10948,7 +10948,7 @@
           <p:cNvPr id="151" name="Connecteur : en angle 150">
             <a:extLst>
               <a:ext uri="{FF2B5EF4-FFF2-40B4-BE49-F238E27FC236}">
-                <a16:creationId xmlns:a16="http://schemas.microsoft.com/office/drawing/2014/main" id="{18EB8B81-FE5C-4769-823A-093B22B3ACBE}"/>
+                <a16:creationId xmlns:a16="http://schemas.microsoft.com/office/drawing/2014/main" xmlns="" id="{18EB8B81-FE5C-4769-823A-093B22B3ACBE}"/>
               </a:ext>
             </a:extLst>
           </p:cNvPr>
@@ -10993,7 +10993,7 @@
           <p:cNvPr id="165" name="Connecteur droit 164">
             <a:extLst>
               <a:ext uri="{FF2B5EF4-FFF2-40B4-BE49-F238E27FC236}">
-                <a16:creationId xmlns:a16="http://schemas.microsoft.com/office/drawing/2014/main" id="{498E8255-5918-471C-95B2-454D0D41077B}"/>
+                <a16:creationId xmlns:a16="http://schemas.microsoft.com/office/drawing/2014/main" xmlns="" id="{498E8255-5918-471C-95B2-454D0D41077B}"/>
               </a:ext>
             </a:extLst>
           </p:cNvPr>
@@ -11036,7 +11036,7 @@
           <p:cNvPr id="170" name="ZoneTexte 169">
             <a:extLst>
               <a:ext uri="{FF2B5EF4-FFF2-40B4-BE49-F238E27FC236}">
-                <a16:creationId xmlns:a16="http://schemas.microsoft.com/office/drawing/2014/main" id="{D41E49A1-0558-49C0-9155-5501ABAAF4E6}"/>
+                <a16:creationId xmlns:a16="http://schemas.microsoft.com/office/drawing/2014/main" xmlns="" id="{D41E49A1-0558-49C0-9155-5501ABAAF4E6}"/>
               </a:ext>
             </a:extLst>
           </p:cNvPr>
@@ -11075,7 +11075,7 @@
           <p:cNvPr id="171" name="ZoneTexte 170">
             <a:extLst>
               <a:ext uri="{FF2B5EF4-FFF2-40B4-BE49-F238E27FC236}">
-                <a16:creationId xmlns:a16="http://schemas.microsoft.com/office/drawing/2014/main" id="{B8EA2AF4-77C2-405C-BEC9-B64EF350667E}"/>
+                <a16:creationId xmlns:a16="http://schemas.microsoft.com/office/drawing/2014/main" xmlns="" id="{B8EA2AF4-77C2-405C-BEC9-B64EF350667E}"/>
               </a:ext>
             </a:extLst>
           </p:cNvPr>
@@ -11114,7 +11114,7 @@
           <p:cNvPr id="172" name="Connecteur droit 171">
             <a:extLst>
               <a:ext uri="{FF2B5EF4-FFF2-40B4-BE49-F238E27FC236}">
-                <a16:creationId xmlns:a16="http://schemas.microsoft.com/office/drawing/2014/main" id="{4ECA0ED2-79E0-4D5A-917E-31115CBBF56D}"/>
+                <a16:creationId xmlns:a16="http://schemas.microsoft.com/office/drawing/2014/main" xmlns="" id="{4ECA0ED2-79E0-4D5A-917E-31115CBBF56D}"/>
               </a:ext>
             </a:extLst>
           </p:cNvPr>
@@ -11157,7 +11157,7 @@
           <p:cNvPr id="174" name="Connecteur droit 173">
             <a:extLst>
               <a:ext uri="{FF2B5EF4-FFF2-40B4-BE49-F238E27FC236}">
-                <a16:creationId xmlns:a16="http://schemas.microsoft.com/office/drawing/2014/main" id="{37DF3497-E452-4914-B319-A441B0DEB487}"/>
+                <a16:creationId xmlns:a16="http://schemas.microsoft.com/office/drawing/2014/main" xmlns="" id="{37DF3497-E452-4914-B319-A441B0DEB487}"/>
               </a:ext>
             </a:extLst>
           </p:cNvPr>
@@ -11198,7 +11198,7 @@
           <p:cNvPr id="175" name="Connecteur droit 174">
             <a:extLst>
               <a:ext uri="{FF2B5EF4-FFF2-40B4-BE49-F238E27FC236}">
-                <a16:creationId xmlns:a16="http://schemas.microsoft.com/office/drawing/2014/main" id="{7F3F75EF-227C-4B8C-A4C7-25BE9A9DC7F5}"/>
+                <a16:creationId xmlns:a16="http://schemas.microsoft.com/office/drawing/2014/main" xmlns="" id="{7F3F75EF-227C-4B8C-A4C7-25BE9A9DC7F5}"/>
               </a:ext>
             </a:extLst>
           </p:cNvPr>
@@ -11239,7 +11239,7 @@
           <p:cNvPr id="176" name="Connecteur droit 175">
             <a:extLst>
               <a:ext uri="{FF2B5EF4-FFF2-40B4-BE49-F238E27FC236}">
-                <a16:creationId xmlns:a16="http://schemas.microsoft.com/office/drawing/2014/main" id="{060C03BF-95D6-4A38-B40E-A2400F099E53}"/>
+                <a16:creationId xmlns:a16="http://schemas.microsoft.com/office/drawing/2014/main" xmlns="" id="{060C03BF-95D6-4A38-B40E-A2400F099E53}"/>
               </a:ext>
             </a:extLst>
           </p:cNvPr>
@@ -11280,7 +11280,7 @@
           <p:cNvPr id="177" name="Connecteur droit 176">
             <a:extLst>
               <a:ext uri="{FF2B5EF4-FFF2-40B4-BE49-F238E27FC236}">
-                <a16:creationId xmlns:a16="http://schemas.microsoft.com/office/drawing/2014/main" id="{21EC946E-54DE-4627-B44D-0E3F1BFAE0EE}"/>
+                <a16:creationId xmlns:a16="http://schemas.microsoft.com/office/drawing/2014/main" xmlns="" id="{21EC946E-54DE-4627-B44D-0E3F1BFAE0EE}"/>
               </a:ext>
             </a:extLst>
           </p:cNvPr>
@@ -11323,7 +11323,7 @@
           <p:cNvPr id="180" name="Connecteur droit 179">
             <a:extLst>
               <a:ext uri="{FF2B5EF4-FFF2-40B4-BE49-F238E27FC236}">
-                <a16:creationId xmlns:a16="http://schemas.microsoft.com/office/drawing/2014/main" id="{28A0F310-6E96-4389-B3C9-09E0581A8390}"/>
+                <a16:creationId xmlns:a16="http://schemas.microsoft.com/office/drawing/2014/main" xmlns="" id="{28A0F310-6E96-4389-B3C9-09E0581A8390}"/>
               </a:ext>
             </a:extLst>
           </p:cNvPr>
@@ -11366,7 +11366,7 @@
           <p:cNvPr id="181" name="Connecteur droit 180">
             <a:extLst>
               <a:ext uri="{FF2B5EF4-FFF2-40B4-BE49-F238E27FC236}">
-                <a16:creationId xmlns:a16="http://schemas.microsoft.com/office/drawing/2014/main" id="{6E67D4A9-2442-4176-917A-BEE41F94EF5D}"/>
+                <a16:creationId xmlns:a16="http://schemas.microsoft.com/office/drawing/2014/main" xmlns="" id="{6E67D4A9-2442-4176-917A-BEE41F94EF5D}"/>
               </a:ext>
             </a:extLst>
           </p:cNvPr>
@@ -11409,7 +11409,7 @@
           <p:cNvPr id="184" name="Connecteur droit 183">
             <a:extLst>
               <a:ext uri="{FF2B5EF4-FFF2-40B4-BE49-F238E27FC236}">
-                <a16:creationId xmlns:a16="http://schemas.microsoft.com/office/drawing/2014/main" id="{925E38CE-3F66-4D02-BE9A-AE1BF229C114}"/>
+                <a16:creationId xmlns:a16="http://schemas.microsoft.com/office/drawing/2014/main" xmlns="" id="{925E38CE-3F66-4D02-BE9A-AE1BF229C114}"/>
               </a:ext>
             </a:extLst>
           </p:cNvPr>
@@ -11452,7 +11452,7 @@
           <p:cNvPr id="187" name="Connecteur droit 186">
             <a:extLst>
               <a:ext uri="{FF2B5EF4-FFF2-40B4-BE49-F238E27FC236}">
-                <a16:creationId xmlns:a16="http://schemas.microsoft.com/office/drawing/2014/main" id="{511012FD-6B6E-4D33-A981-FEB99C5F4E2A}"/>
+                <a16:creationId xmlns:a16="http://schemas.microsoft.com/office/drawing/2014/main" xmlns="" id="{511012FD-6B6E-4D33-A981-FEB99C5F4E2A}"/>
               </a:ext>
             </a:extLst>
           </p:cNvPr>
@@ -11493,7 +11493,7 @@
           <p:cNvPr id="188" name="Connecteur droit 187">
             <a:extLst>
               <a:ext uri="{FF2B5EF4-FFF2-40B4-BE49-F238E27FC236}">
-                <a16:creationId xmlns:a16="http://schemas.microsoft.com/office/drawing/2014/main" id="{9289FB43-392C-409B-95C0-72D5627420B1}"/>
+                <a16:creationId xmlns:a16="http://schemas.microsoft.com/office/drawing/2014/main" xmlns="" id="{9289FB43-392C-409B-95C0-72D5627420B1}"/>
               </a:ext>
             </a:extLst>
           </p:cNvPr>
@@ -11536,7 +11536,7 @@
           <p:cNvPr id="193" name="Connecteur droit 192">
             <a:extLst>
               <a:ext uri="{FF2B5EF4-FFF2-40B4-BE49-F238E27FC236}">
-                <a16:creationId xmlns:a16="http://schemas.microsoft.com/office/drawing/2014/main" id="{B7872E8D-F52F-41D9-8D37-851C7F41201F}"/>
+                <a16:creationId xmlns:a16="http://schemas.microsoft.com/office/drawing/2014/main" xmlns="" id="{B7872E8D-F52F-41D9-8D37-851C7F41201F}"/>
               </a:ext>
             </a:extLst>
           </p:cNvPr>
@@ -11579,7 +11579,7 @@
           <p:cNvPr id="195" name="Connecteur droit 194">
             <a:extLst>
               <a:ext uri="{FF2B5EF4-FFF2-40B4-BE49-F238E27FC236}">
-                <a16:creationId xmlns:a16="http://schemas.microsoft.com/office/drawing/2014/main" id="{D90DAFC9-E8F8-489D-AAE4-F37748355BF0}"/>
+                <a16:creationId xmlns:a16="http://schemas.microsoft.com/office/drawing/2014/main" xmlns="" id="{D90DAFC9-E8F8-489D-AAE4-F37748355BF0}"/>
               </a:ext>
             </a:extLst>
           </p:cNvPr>
@@ -11622,7 +11622,7 @@
           <p:cNvPr id="199" name="Rectangle 198">
             <a:extLst>
               <a:ext uri="{FF2B5EF4-FFF2-40B4-BE49-F238E27FC236}">
-                <a16:creationId xmlns:a16="http://schemas.microsoft.com/office/drawing/2014/main" id="{37B61A2E-9820-47BE-9894-95BA491104F6}"/>
+                <a16:creationId xmlns:a16="http://schemas.microsoft.com/office/drawing/2014/main" xmlns="" id="{37B61A2E-9820-47BE-9894-95BA491104F6}"/>
               </a:ext>
             </a:extLst>
           </p:cNvPr>
@@ -11684,7 +11684,7 @@
           <p:cNvPr id="200" name="Ellipse 199">
             <a:extLst>
               <a:ext uri="{FF2B5EF4-FFF2-40B4-BE49-F238E27FC236}">
-                <a16:creationId xmlns:a16="http://schemas.microsoft.com/office/drawing/2014/main" id="{D8092E90-0749-4301-B3E6-DF27A5209E28}"/>
+                <a16:creationId xmlns:a16="http://schemas.microsoft.com/office/drawing/2014/main" xmlns="" id="{D8092E90-0749-4301-B3E6-DF27A5209E28}"/>
               </a:ext>
             </a:extLst>
           </p:cNvPr>
@@ -11742,7 +11742,7 @@
           <p:cNvPr id="201" name="Connecteur : en angle 200">
             <a:extLst>
               <a:ext uri="{FF2B5EF4-FFF2-40B4-BE49-F238E27FC236}">
-                <a16:creationId xmlns:a16="http://schemas.microsoft.com/office/drawing/2014/main" id="{A2B766CD-8A08-4214-98F6-2DC542C7C64C}"/>
+                <a16:creationId xmlns:a16="http://schemas.microsoft.com/office/drawing/2014/main" xmlns="" id="{A2B766CD-8A08-4214-98F6-2DC542C7C64C}"/>
               </a:ext>
             </a:extLst>
           </p:cNvPr>
@@ -11788,7 +11788,7 @@
           <p:cNvPr id="205" name="ZoneTexte 204">
             <a:extLst>
               <a:ext uri="{FF2B5EF4-FFF2-40B4-BE49-F238E27FC236}">
-                <a16:creationId xmlns:a16="http://schemas.microsoft.com/office/drawing/2014/main" id="{ABCE727B-9CB1-431B-98B3-4AAD463BF987}"/>
+                <a16:creationId xmlns:a16="http://schemas.microsoft.com/office/drawing/2014/main" xmlns="" id="{ABCE727B-9CB1-431B-98B3-4AAD463BF987}"/>
               </a:ext>
             </a:extLst>
           </p:cNvPr>
@@ -11827,7 +11827,7 @@
           <p:cNvPr id="206" name="ZoneTexte 205">
             <a:extLst>
               <a:ext uri="{FF2B5EF4-FFF2-40B4-BE49-F238E27FC236}">
-                <a16:creationId xmlns:a16="http://schemas.microsoft.com/office/drawing/2014/main" id="{9E974717-F8F8-46BF-A84C-D188E6499D7F}"/>
+                <a16:creationId xmlns:a16="http://schemas.microsoft.com/office/drawing/2014/main" xmlns="" id="{9E974717-F8F8-46BF-A84C-D188E6499D7F}"/>
               </a:ext>
             </a:extLst>
           </p:cNvPr>
@@ -11866,7 +11866,7 @@
           <p:cNvPr id="208" name="Connecteur droit 207">
             <a:extLst>
               <a:ext uri="{FF2B5EF4-FFF2-40B4-BE49-F238E27FC236}">
-                <a16:creationId xmlns:a16="http://schemas.microsoft.com/office/drawing/2014/main" id="{32F07C00-3CAA-44BE-B160-0BCA7F131D04}"/>
+                <a16:creationId xmlns:a16="http://schemas.microsoft.com/office/drawing/2014/main" xmlns="" id="{32F07C00-3CAA-44BE-B160-0BCA7F131D04}"/>
               </a:ext>
             </a:extLst>
           </p:cNvPr>
@@ -11909,7 +11909,7 @@
           <p:cNvPr id="209" name="Connecteur droit 208">
             <a:extLst>
               <a:ext uri="{FF2B5EF4-FFF2-40B4-BE49-F238E27FC236}">
-                <a16:creationId xmlns:a16="http://schemas.microsoft.com/office/drawing/2014/main" id="{A86DA086-44F7-4125-85E4-D626484ED0E8}"/>
+                <a16:creationId xmlns:a16="http://schemas.microsoft.com/office/drawing/2014/main" xmlns="" id="{A86DA086-44F7-4125-85E4-D626484ED0E8}"/>
               </a:ext>
             </a:extLst>
           </p:cNvPr>
@@ -11952,7 +11952,7 @@
           <p:cNvPr id="213" name="Connecteur droit 212">
             <a:extLst>
               <a:ext uri="{FF2B5EF4-FFF2-40B4-BE49-F238E27FC236}">
-                <a16:creationId xmlns:a16="http://schemas.microsoft.com/office/drawing/2014/main" id="{B6A88422-4190-4E1D-91B4-9817EE4E95B7}"/>
+                <a16:creationId xmlns:a16="http://schemas.microsoft.com/office/drawing/2014/main" xmlns="" id="{B6A88422-4190-4E1D-91B4-9817EE4E95B7}"/>
               </a:ext>
             </a:extLst>
           </p:cNvPr>
@@ -11995,7 +11995,7 @@
           <p:cNvPr id="214" name="Connecteur droit 213">
             <a:extLst>
               <a:ext uri="{FF2B5EF4-FFF2-40B4-BE49-F238E27FC236}">
-                <a16:creationId xmlns:a16="http://schemas.microsoft.com/office/drawing/2014/main" id="{313B2DEF-2A98-4307-8A4A-CEA6BD4A89AC}"/>
+                <a16:creationId xmlns:a16="http://schemas.microsoft.com/office/drawing/2014/main" xmlns="" id="{313B2DEF-2A98-4307-8A4A-CEA6BD4A89AC}"/>
               </a:ext>
             </a:extLst>
           </p:cNvPr>
@@ -12038,7 +12038,7 @@
           <p:cNvPr id="230" name="Ellipse 229">
             <a:extLst>
               <a:ext uri="{FF2B5EF4-FFF2-40B4-BE49-F238E27FC236}">
-                <a16:creationId xmlns:a16="http://schemas.microsoft.com/office/drawing/2014/main" id="{067A03A5-18CC-44D9-9BB9-96B25F0CCA43}"/>
+                <a16:creationId xmlns:a16="http://schemas.microsoft.com/office/drawing/2014/main" xmlns="" id="{067A03A5-18CC-44D9-9BB9-96B25F0CCA43}"/>
               </a:ext>
             </a:extLst>
           </p:cNvPr>
@@ -12096,7 +12096,7 @@
           <p:cNvPr id="231" name="Rectangle 230">
             <a:extLst>
               <a:ext uri="{FF2B5EF4-FFF2-40B4-BE49-F238E27FC236}">
-                <a16:creationId xmlns:a16="http://schemas.microsoft.com/office/drawing/2014/main" id="{7C3B3CB7-453E-4278-BC8B-7728A34E67E5}"/>
+                <a16:creationId xmlns:a16="http://schemas.microsoft.com/office/drawing/2014/main" xmlns="" id="{7C3B3CB7-453E-4278-BC8B-7728A34E67E5}"/>
               </a:ext>
             </a:extLst>
           </p:cNvPr>
@@ -12151,7 +12151,7 @@
           <p:cNvPr id="232" name="Connecteur droit avec flèche 231">
             <a:extLst>
               <a:ext uri="{FF2B5EF4-FFF2-40B4-BE49-F238E27FC236}">
-                <a16:creationId xmlns:a16="http://schemas.microsoft.com/office/drawing/2014/main" id="{50F272C2-5287-4AC4-9DD7-BB873F141236}"/>
+                <a16:creationId xmlns:a16="http://schemas.microsoft.com/office/drawing/2014/main" xmlns="" id="{50F272C2-5287-4AC4-9DD7-BB873F141236}"/>
               </a:ext>
             </a:extLst>
           </p:cNvPr>
@@ -12199,7 +12199,7 @@
           <p:cNvPr id="236" name="Rectangle 235">
             <a:extLst>
               <a:ext uri="{FF2B5EF4-FFF2-40B4-BE49-F238E27FC236}">
-                <a16:creationId xmlns:a16="http://schemas.microsoft.com/office/drawing/2014/main" id="{F7F9F801-1268-4F3E-82B5-1D80C5676705}"/>
+                <a16:creationId xmlns:a16="http://schemas.microsoft.com/office/drawing/2014/main" xmlns="" id="{F7F9F801-1268-4F3E-82B5-1D80C5676705}"/>
               </a:ext>
             </a:extLst>
           </p:cNvPr>
@@ -12255,7 +12255,7 @@
           <p:cNvPr id="237" name="Ellipse 236">
             <a:extLst>
               <a:ext uri="{FF2B5EF4-FFF2-40B4-BE49-F238E27FC236}">
-                <a16:creationId xmlns:a16="http://schemas.microsoft.com/office/drawing/2014/main" id="{FCDA0CF3-A58B-4A67-BA40-FB0C71B882FB}"/>
+                <a16:creationId xmlns:a16="http://schemas.microsoft.com/office/drawing/2014/main" xmlns="" id="{FCDA0CF3-A58B-4A67-BA40-FB0C71B882FB}"/>
               </a:ext>
             </a:extLst>
           </p:cNvPr>
@@ -12313,7 +12313,7 @@
           <p:cNvPr id="238" name="Connecteur : en angle 237">
             <a:extLst>
               <a:ext uri="{FF2B5EF4-FFF2-40B4-BE49-F238E27FC236}">
-                <a16:creationId xmlns:a16="http://schemas.microsoft.com/office/drawing/2014/main" id="{C90BACA0-40FF-4E93-95CB-464B31B6E2EF}"/>
+                <a16:creationId xmlns:a16="http://schemas.microsoft.com/office/drawing/2014/main" xmlns="" id="{C90BACA0-40FF-4E93-95CB-464B31B6E2EF}"/>
               </a:ext>
             </a:extLst>
           </p:cNvPr>
@@ -12361,7 +12361,7 @@
           <p:cNvPr id="239" name="Connecteur droit 238">
             <a:extLst>
               <a:ext uri="{FF2B5EF4-FFF2-40B4-BE49-F238E27FC236}">
-                <a16:creationId xmlns:a16="http://schemas.microsoft.com/office/drawing/2014/main" id="{1829FB8F-0E3F-47CF-A843-735D8175B90E}"/>
+                <a16:creationId xmlns:a16="http://schemas.microsoft.com/office/drawing/2014/main" xmlns="" id="{1829FB8F-0E3F-47CF-A843-735D8175B90E}"/>
               </a:ext>
             </a:extLst>
           </p:cNvPr>
@@ -12404,7 +12404,7 @@
           <p:cNvPr id="240" name="Connecteur droit 239">
             <a:extLst>
               <a:ext uri="{FF2B5EF4-FFF2-40B4-BE49-F238E27FC236}">
-                <a16:creationId xmlns:a16="http://schemas.microsoft.com/office/drawing/2014/main" id="{DEC29F77-29D9-4C03-9D10-1DF829A1C4BA}"/>
+                <a16:creationId xmlns:a16="http://schemas.microsoft.com/office/drawing/2014/main" xmlns="" id="{DEC29F77-29D9-4C03-9D10-1DF829A1C4BA}"/>
               </a:ext>
             </a:extLst>
           </p:cNvPr>
@@ -12447,7 +12447,7 @@
           <p:cNvPr id="242" name="Rectangle 241">
             <a:extLst>
               <a:ext uri="{FF2B5EF4-FFF2-40B4-BE49-F238E27FC236}">
-                <a16:creationId xmlns:a16="http://schemas.microsoft.com/office/drawing/2014/main" id="{B0360F2D-1697-43D5-B3CA-0E49A8BAB095}"/>
+                <a16:creationId xmlns:a16="http://schemas.microsoft.com/office/drawing/2014/main" xmlns="" id="{B0360F2D-1697-43D5-B3CA-0E49A8BAB095}"/>
               </a:ext>
             </a:extLst>
           </p:cNvPr>
@@ -12499,7 +12499,7 @@
           <p:cNvPr id="243" name="Ellipse 242">
             <a:extLst>
               <a:ext uri="{FF2B5EF4-FFF2-40B4-BE49-F238E27FC236}">
-                <a16:creationId xmlns:a16="http://schemas.microsoft.com/office/drawing/2014/main" id="{F4E99CB5-2A95-4DCD-B8D9-527C49399FD4}"/>
+                <a16:creationId xmlns:a16="http://schemas.microsoft.com/office/drawing/2014/main" xmlns="" id="{F4E99CB5-2A95-4DCD-B8D9-527C49399FD4}"/>
               </a:ext>
             </a:extLst>
           </p:cNvPr>
@@ -12557,7 +12557,7 @@
           <p:cNvPr id="244" name="Connecteur : en angle 243">
             <a:extLst>
               <a:ext uri="{FF2B5EF4-FFF2-40B4-BE49-F238E27FC236}">
-                <a16:creationId xmlns:a16="http://schemas.microsoft.com/office/drawing/2014/main" id="{617327C0-D408-4E10-B287-4BFBA573BF89}"/>
+                <a16:creationId xmlns:a16="http://schemas.microsoft.com/office/drawing/2014/main" xmlns="" id="{617327C0-D408-4E10-B287-4BFBA573BF89}"/>
               </a:ext>
             </a:extLst>
           </p:cNvPr>
@@ -12605,7 +12605,7 @@
           <p:cNvPr id="245" name="Connecteur droit 244">
             <a:extLst>
               <a:ext uri="{FF2B5EF4-FFF2-40B4-BE49-F238E27FC236}">
-                <a16:creationId xmlns:a16="http://schemas.microsoft.com/office/drawing/2014/main" id="{3BB9403F-E91B-4C5A-92F8-2F8EF5EA19BF}"/>
+                <a16:creationId xmlns:a16="http://schemas.microsoft.com/office/drawing/2014/main" xmlns="" id="{3BB9403F-E91B-4C5A-92F8-2F8EF5EA19BF}"/>
               </a:ext>
             </a:extLst>
           </p:cNvPr>
@@ -12648,7 +12648,7 @@
           <p:cNvPr id="246" name="Connecteur droit 245">
             <a:extLst>
               <a:ext uri="{FF2B5EF4-FFF2-40B4-BE49-F238E27FC236}">
-                <a16:creationId xmlns:a16="http://schemas.microsoft.com/office/drawing/2014/main" id="{6041F5A0-D461-463D-8608-1296F6D18CB1}"/>
+                <a16:creationId xmlns:a16="http://schemas.microsoft.com/office/drawing/2014/main" xmlns="" id="{6041F5A0-D461-463D-8608-1296F6D18CB1}"/>
               </a:ext>
             </a:extLst>
           </p:cNvPr>
@@ -12691,7 +12691,7 @@
           <p:cNvPr id="137" name="ZoneTexte 136">
             <a:extLst>
               <a:ext uri="{FF2B5EF4-FFF2-40B4-BE49-F238E27FC236}">
-                <a16:creationId xmlns:a16="http://schemas.microsoft.com/office/drawing/2014/main" id="{12D91E48-A88F-41C1-9D32-E03424E9D397}"/>
+                <a16:creationId xmlns:a16="http://schemas.microsoft.com/office/drawing/2014/main" xmlns="" id="{12D91E48-A88F-41C1-9D32-E03424E9D397}"/>
               </a:ext>
             </a:extLst>
           </p:cNvPr>
@@ -12730,7 +12730,7 @@
           <p:cNvPr id="141" name="Connecteur droit 140">
             <a:extLst>
               <a:ext uri="{FF2B5EF4-FFF2-40B4-BE49-F238E27FC236}">
-                <a16:creationId xmlns:a16="http://schemas.microsoft.com/office/drawing/2014/main" id="{01FDF595-170F-4BF1-94F5-665446828982}"/>
+                <a16:creationId xmlns:a16="http://schemas.microsoft.com/office/drawing/2014/main" xmlns="" id="{01FDF595-170F-4BF1-94F5-665446828982}"/>
               </a:ext>
             </a:extLst>
           </p:cNvPr>
@@ -12773,7 +12773,7 @@
           <p:cNvPr id="217" name="Rectangle 216">
             <a:extLst>
               <a:ext uri="{FF2B5EF4-FFF2-40B4-BE49-F238E27FC236}">
-                <a16:creationId xmlns:a16="http://schemas.microsoft.com/office/drawing/2014/main" id="{790B2BAD-34A4-47EA-83F0-A1C292738D00}"/>
+                <a16:creationId xmlns:a16="http://schemas.microsoft.com/office/drawing/2014/main" xmlns="" id="{790B2BAD-34A4-47EA-83F0-A1C292738D00}"/>
               </a:ext>
             </a:extLst>
           </p:cNvPr>
@@ -12818,7 +12818,7 @@
           <p:cNvPr id="258" name="Rectangle 257">
             <a:extLst>
               <a:ext uri="{FF2B5EF4-FFF2-40B4-BE49-F238E27FC236}">
-                <a16:creationId xmlns:a16="http://schemas.microsoft.com/office/drawing/2014/main" id="{A8934948-D353-443C-9494-E94F2247104C}"/>
+                <a16:creationId xmlns:a16="http://schemas.microsoft.com/office/drawing/2014/main" xmlns="" id="{A8934948-D353-443C-9494-E94F2247104C}"/>
               </a:ext>
             </a:extLst>
           </p:cNvPr>
@@ -12874,7 +12874,7 @@
           <p:cNvPr id="259" name="Ellipse 258">
             <a:extLst>
               <a:ext uri="{FF2B5EF4-FFF2-40B4-BE49-F238E27FC236}">
-                <a16:creationId xmlns:a16="http://schemas.microsoft.com/office/drawing/2014/main" id="{1FD6529A-EE59-4678-8D04-8C9E8BFB8C38}"/>
+                <a16:creationId xmlns:a16="http://schemas.microsoft.com/office/drawing/2014/main" xmlns="" id="{1FD6529A-EE59-4678-8D04-8C9E8BFB8C38}"/>
               </a:ext>
             </a:extLst>
           </p:cNvPr>
@@ -12932,7 +12932,7 @@
           <p:cNvPr id="260" name="Connecteur : en angle 259">
             <a:extLst>
               <a:ext uri="{FF2B5EF4-FFF2-40B4-BE49-F238E27FC236}">
-                <a16:creationId xmlns:a16="http://schemas.microsoft.com/office/drawing/2014/main" id="{D1FBA56D-EDAD-46DA-81BF-D4386DC93707}"/>
+                <a16:creationId xmlns:a16="http://schemas.microsoft.com/office/drawing/2014/main" xmlns="" id="{D1FBA56D-EDAD-46DA-81BF-D4386DC93707}"/>
               </a:ext>
             </a:extLst>
           </p:cNvPr>
@@ -12980,7 +12980,7 @@
           <p:cNvPr id="261" name="Connecteur droit 260">
             <a:extLst>
               <a:ext uri="{FF2B5EF4-FFF2-40B4-BE49-F238E27FC236}">
-                <a16:creationId xmlns:a16="http://schemas.microsoft.com/office/drawing/2014/main" id="{6AD23122-D6FF-42D4-AE77-4750C80F3435}"/>
+                <a16:creationId xmlns:a16="http://schemas.microsoft.com/office/drawing/2014/main" xmlns="" id="{6AD23122-D6FF-42D4-AE77-4750C80F3435}"/>
               </a:ext>
             </a:extLst>
           </p:cNvPr>
@@ -13023,7 +13023,7 @@
           <p:cNvPr id="262" name="Connecteur droit 261">
             <a:extLst>
               <a:ext uri="{FF2B5EF4-FFF2-40B4-BE49-F238E27FC236}">
-                <a16:creationId xmlns:a16="http://schemas.microsoft.com/office/drawing/2014/main" id="{23517D7B-A9FF-40CF-A440-E22CB0EF2C14}"/>
+                <a16:creationId xmlns:a16="http://schemas.microsoft.com/office/drawing/2014/main" xmlns="" id="{23517D7B-A9FF-40CF-A440-E22CB0EF2C14}"/>
               </a:ext>
             </a:extLst>
           </p:cNvPr>
@@ -13066,7 +13066,7 @@
           <p:cNvPr id="263" name="Rectangle 262">
             <a:extLst>
               <a:ext uri="{FF2B5EF4-FFF2-40B4-BE49-F238E27FC236}">
-                <a16:creationId xmlns:a16="http://schemas.microsoft.com/office/drawing/2014/main" id="{B132A14A-86D5-413E-A856-E1AEF1777E11}"/>
+                <a16:creationId xmlns:a16="http://schemas.microsoft.com/office/drawing/2014/main" xmlns="" id="{B132A14A-86D5-413E-A856-E1AEF1777E11}"/>
               </a:ext>
             </a:extLst>
           </p:cNvPr>
@@ -13122,7 +13122,7 @@
           <p:cNvPr id="264" name="Ellipse 263">
             <a:extLst>
               <a:ext uri="{FF2B5EF4-FFF2-40B4-BE49-F238E27FC236}">
-                <a16:creationId xmlns:a16="http://schemas.microsoft.com/office/drawing/2014/main" id="{58AF513B-0F85-455A-9428-07DAF80B4E75}"/>
+                <a16:creationId xmlns:a16="http://schemas.microsoft.com/office/drawing/2014/main" xmlns="" id="{58AF513B-0F85-455A-9428-07DAF80B4E75}"/>
               </a:ext>
             </a:extLst>
           </p:cNvPr>
@@ -13180,7 +13180,7 @@
           <p:cNvPr id="265" name="Connecteur : en angle 264">
             <a:extLst>
               <a:ext uri="{FF2B5EF4-FFF2-40B4-BE49-F238E27FC236}">
-                <a16:creationId xmlns:a16="http://schemas.microsoft.com/office/drawing/2014/main" id="{92B8744F-7697-46BA-B9CA-5D992706C398}"/>
+                <a16:creationId xmlns:a16="http://schemas.microsoft.com/office/drawing/2014/main" xmlns="" id="{92B8744F-7697-46BA-B9CA-5D992706C398}"/>
               </a:ext>
             </a:extLst>
           </p:cNvPr>
@@ -13228,7 +13228,7 @@
           <p:cNvPr id="266" name="Connecteur droit 265">
             <a:extLst>
               <a:ext uri="{FF2B5EF4-FFF2-40B4-BE49-F238E27FC236}">
-                <a16:creationId xmlns:a16="http://schemas.microsoft.com/office/drawing/2014/main" id="{F464F8B3-170E-4EE8-B9C7-A75C82DCF8EC}"/>
+                <a16:creationId xmlns:a16="http://schemas.microsoft.com/office/drawing/2014/main" xmlns="" id="{F464F8B3-170E-4EE8-B9C7-A75C82DCF8EC}"/>
               </a:ext>
             </a:extLst>
           </p:cNvPr>
@@ -13271,7 +13271,7 @@
           <p:cNvPr id="267" name="Connecteur droit 266">
             <a:extLst>
               <a:ext uri="{FF2B5EF4-FFF2-40B4-BE49-F238E27FC236}">
-                <a16:creationId xmlns:a16="http://schemas.microsoft.com/office/drawing/2014/main" id="{0DB4D7B6-7117-4F0D-AEE1-1613A5D470A5}"/>
+                <a16:creationId xmlns:a16="http://schemas.microsoft.com/office/drawing/2014/main" xmlns="" id="{0DB4D7B6-7117-4F0D-AEE1-1613A5D470A5}"/>
               </a:ext>
             </a:extLst>
           </p:cNvPr>
@@ -13314,7 +13314,7 @@
           <p:cNvPr id="268" name="Rectangle 267">
             <a:extLst>
               <a:ext uri="{FF2B5EF4-FFF2-40B4-BE49-F238E27FC236}">
-                <a16:creationId xmlns:a16="http://schemas.microsoft.com/office/drawing/2014/main" id="{7897D7A2-5E75-4501-BB3C-92F585BAF648}"/>
+                <a16:creationId xmlns:a16="http://schemas.microsoft.com/office/drawing/2014/main" xmlns="" id="{7897D7A2-5E75-4501-BB3C-92F585BAF648}"/>
               </a:ext>
             </a:extLst>
           </p:cNvPr>
@@ -13361,7 +13361,7 @@
           <p:cNvPr id="269" name="Ellipse 268">
             <a:extLst>
               <a:ext uri="{FF2B5EF4-FFF2-40B4-BE49-F238E27FC236}">
-                <a16:creationId xmlns:a16="http://schemas.microsoft.com/office/drawing/2014/main" id="{482E783A-26A0-493E-9A2B-92068D36FC14}"/>
+                <a16:creationId xmlns:a16="http://schemas.microsoft.com/office/drawing/2014/main" xmlns="" id="{482E783A-26A0-493E-9A2B-92068D36FC14}"/>
               </a:ext>
             </a:extLst>
           </p:cNvPr>
@@ -13419,7 +13419,7 @@
           <p:cNvPr id="270" name="Connecteur : en angle 269">
             <a:extLst>
               <a:ext uri="{FF2B5EF4-FFF2-40B4-BE49-F238E27FC236}">
-                <a16:creationId xmlns:a16="http://schemas.microsoft.com/office/drawing/2014/main" id="{D4CD868F-283C-4E65-9AC4-52DF4F4A5B21}"/>
+                <a16:creationId xmlns:a16="http://schemas.microsoft.com/office/drawing/2014/main" xmlns="" id="{D4CD868F-283C-4E65-9AC4-52DF4F4A5B21}"/>
               </a:ext>
             </a:extLst>
           </p:cNvPr>
@@ -13467,7 +13467,7 @@
           <p:cNvPr id="271" name="Connecteur droit 270">
             <a:extLst>
               <a:ext uri="{FF2B5EF4-FFF2-40B4-BE49-F238E27FC236}">
-                <a16:creationId xmlns:a16="http://schemas.microsoft.com/office/drawing/2014/main" id="{88ADC6DC-198C-427B-8652-6607F84EA21D}"/>
+                <a16:creationId xmlns:a16="http://schemas.microsoft.com/office/drawing/2014/main" xmlns="" id="{88ADC6DC-198C-427B-8652-6607F84EA21D}"/>
               </a:ext>
             </a:extLst>
           </p:cNvPr>
@@ -13510,7 +13510,7 @@
           <p:cNvPr id="272" name="Connecteur droit 271">
             <a:extLst>
               <a:ext uri="{FF2B5EF4-FFF2-40B4-BE49-F238E27FC236}">
-                <a16:creationId xmlns:a16="http://schemas.microsoft.com/office/drawing/2014/main" id="{FF547637-F284-4BBB-A643-3AC1F792ED80}"/>
+                <a16:creationId xmlns:a16="http://schemas.microsoft.com/office/drawing/2014/main" xmlns="" id="{FF547637-F284-4BBB-A643-3AC1F792ED80}"/>
               </a:ext>
             </a:extLst>
           </p:cNvPr>
@@ -13553,7 +13553,7 @@
           <p:cNvPr id="159" name="Connecteur droit avec flèche 158">
             <a:extLst>
               <a:ext uri="{FF2B5EF4-FFF2-40B4-BE49-F238E27FC236}">
-                <a16:creationId xmlns:a16="http://schemas.microsoft.com/office/drawing/2014/main" id="{535E4D86-C1FB-45CC-BCB5-6442636C311C}"/>
+                <a16:creationId xmlns:a16="http://schemas.microsoft.com/office/drawing/2014/main" xmlns="" id="{535E4D86-C1FB-45CC-BCB5-6442636C311C}"/>
               </a:ext>
             </a:extLst>
           </p:cNvPr>
@@ -13601,7 +13601,7 @@
           <p:cNvPr id="160" name="Rectangle 159">
             <a:extLst>
               <a:ext uri="{FF2B5EF4-FFF2-40B4-BE49-F238E27FC236}">
-                <a16:creationId xmlns:a16="http://schemas.microsoft.com/office/drawing/2014/main" id="{4F39589D-FD9C-4C7E-BB04-9CCC1AC7FA32}"/>
+                <a16:creationId xmlns:a16="http://schemas.microsoft.com/office/drawing/2014/main" xmlns="" id="{4F39589D-FD9C-4C7E-BB04-9CCC1AC7FA32}"/>
               </a:ext>
             </a:extLst>
           </p:cNvPr>
@@ -13642,7 +13642,7 @@
           <p:cNvPr id="161" name="Ellipse 160">
             <a:extLst>
               <a:ext uri="{FF2B5EF4-FFF2-40B4-BE49-F238E27FC236}">
-                <a16:creationId xmlns:a16="http://schemas.microsoft.com/office/drawing/2014/main" id="{1AB05B3F-B21F-4CF0-A8A2-D11E6451CBED}"/>
+                <a16:creationId xmlns:a16="http://schemas.microsoft.com/office/drawing/2014/main" xmlns="" id="{1AB05B3F-B21F-4CF0-A8A2-D11E6451CBED}"/>
               </a:ext>
             </a:extLst>
           </p:cNvPr>
@@ -13711,7 +13711,7 @@
           <p:cNvPr id="162" name="Ellipse 161">
             <a:extLst>
               <a:ext uri="{FF2B5EF4-FFF2-40B4-BE49-F238E27FC236}">
-                <a16:creationId xmlns:a16="http://schemas.microsoft.com/office/drawing/2014/main" id="{CC333C84-32FB-4B66-B854-141F1157DBDA}"/>
+                <a16:creationId xmlns:a16="http://schemas.microsoft.com/office/drawing/2014/main" xmlns="" id="{CC333C84-32FB-4B66-B854-141F1157DBDA}"/>
               </a:ext>
             </a:extLst>
           </p:cNvPr>
@@ -13780,7 +13780,7 @@
           <p:cNvPr id="166" name="Connecteur droit avec flèche 165">
             <a:extLst>
               <a:ext uri="{FF2B5EF4-FFF2-40B4-BE49-F238E27FC236}">
-                <a16:creationId xmlns:a16="http://schemas.microsoft.com/office/drawing/2014/main" id="{810B0E8E-19FE-4E6B-94F6-702B13B4E8AA}"/>
+                <a16:creationId xmlns:a16="http://schemas.microsoft.com/office/drawing/2014/main" xmlns="" id="{810B0E8E-19FE-4E6B-94F6-702B13B4E8AA}"/>
               </a:ext>
             </a:extLst>
           </p:cNvPr>
@@ -13827,7 +13827,7 @@
           <p:cNvPr id="167" name="Rectangle 166">
             <a:extLst>
               <a:ext uri="{FF2B5EF4-FFF2-40B4-BE49-F238E27FC236}">
-                <a16:creationId xmlns:a16="http://schemas.microsoft.com/office/drawing/2014/main" id="{77B03670-B5FA-4A36-92C2-2F924C722AF4}"/>
+                <a16:creationId xmlns:a16="http://schemas.microsoft.com/office/drawing/2014/main" xmlns="" id="{77B03670-B5FA-4A36-92C2-2F924C722AF4}"/>
               </a:ext>
             </a:extLst>
           </p:cNvPr>
@@ -13886,7 +13886,7 @@
           <p:cNvPr id="169" name="ZoneTexte 168">
             <a:extLst>
               <a:ext uri="{FF2B5EF4-FFF2-40B4-BE49-F238E27FC236}">
-                <a16:creationId xmlns:a16="http://schemas.microsoft.com/office/drawing/2014/main" id="{54B8D76F-DE9C-4089-BBAE-BD1A8FF2B020}"/>
+                <a16:creationId xmlns:a16="http://schemas.microsoft.com/office/drawing/2014/main" xmlns="" id="{54B8D76F-DE9C-4089-BBAE-BD1A8FF2B020}"/>
               </a:ext>
             </a:extLst>
           </p:cNvPr>
@@ -13925,7 +13925,7 @@
           <p:cNvPr id="173" name="Rectangle 172">
             <a:extLst>
               <a:ext uri="{FF2B5EF4-FFF2-40B4-BE49-F238E27FC236}">
-                <a16:creationId xmlns:a16="http://schemas.microsoft.com/office/drawing/2014/main" id="{00E3B060-22D5-44DE-99AD-4242E6589F3B}"/>
+                <a16:creationId xmlns:a16="http://schemas.microsoft.com/office/drawing/2014/main" xmlns="" id="{00E3B060-22D5-44DE-99AD-4242E6589F3B}"/>
               </a:ext>
             </a:extLst>
           </p:cNvPr>
@@ -13973,7 +13973,7 @@
           <p:cNvPr id="178" name="Ellipse 177">
             <a:extLst>
               <a:ext uri="{FF2B5EF4-FFF2-40B4-BE49-F238E27FC236}">
-                <a16:creationId xmlns:a16="http://schemas.microsoft.com/office/drawing/2014/main" id="{17AFDD0D-9766-4D19-844B-8EBE8BD06F8F}"/>
+                <a16:creationId xmlns:a16="http://schemas.microsoft.com/office/drawing/2014/main" xmlns="" id="{17AFDD0D-9766-4D19-844B-8EBE8BD06F8F}"/>
               </a:ext>
             </a:extLst>
           </p:cNvPr>
@@ -14031,7 +14031,7 @@
           <p:cNvPr id="179" name="Connecteur : en angle 178">
             <a:extLst>
               <a:ext uri="{FF2B5EF4-FFF2-40B4-BE49-F238E27FC236}">
-                <a16:creationId xmlns:a16="http://schemas.microsoft.com/office/drawing/2014/main" id="{DD7498D2-2A01-408D-8300-4D83530BF18D}"/>
+                <a16:creationId xmlns:a16="http://schemas.microsoft.com/office/drawing/2014/main" xmlns="" id="{DD7498D2-2A01-408D-8300-4D83530BF18D}"/>
               </a:ext>
             </a:extLst>
           </p:cNvPr>
@@ -14079,7 +14079,7 @@
           <p:cNvPr id="182" name="Connecteur droit 181">
             <a:extLst>
               <a:ext uri="{FF2B5EF4-FFF2-40B4-BE49-F238E27FC236}">
-                <a16:creationId xmlns:a16="http://schemas.microsoft.com/office/drawing/2014/main" id="{9993923D-F2CC-4064-84C3-2FC49326B4BB}"/>
+                <a16:creationId xmlns:a16="http://schemas.microsoft.com/office/drawing/2014/main" xmlns="" id="{9993923D-F2CC-4064-84C3-2FC49326B4BB}"/>
               </a:ext>
             </a:extLst>
           </p:cNvPr>
@@ -14122,7 +14122,7 @@
           <p:cNvPr id="183" name="Connecteur droit 182">
             <a:extLst>
               <a:ext uri="{FF2B5EF4-FFF2-40B4-BE49-F238E27FC236}">
-                <a16:creationId xmlns:a16="http://schemas.microsoft.com/office/drawing/2014/main" id="{D0781954-AE7E-4115-9A2F-4CD1512055F8}"/>
+                <a16:creationId xmlns:a16="http://schemas.microsoft.com/office/drawing/2014/main" xmlns="" id="{D0781954-AE7E-4115-9A2F-4CD1512055F8}"/>
               </a:ext>
             </a:extLst>
           </p:cNvPr>
@@ -14165,7 +14165,7 @@
           <p:cNvPr id="185" name="ZoneTexte 184">
             <a:extLst>
               <a:ext uri="{FF2B5EF4-FFF2-40B4-BE49-F238E27FC236}">
-                <a16:creationId xmlns:a16="http://schemas.microsoft.com/office/drawing/2014/main" id="{62CA3368-DB00-4BDF-9964-BC8FCF6751B4}"/>
+                <a16:creationId xmlns:a16="http://schemas.microsoft.com/office/drawing/2014/main" xmlns="" id="{62CA3368-DB00-4BDF-9964-BC8FCF6751B4}"/>
               </a:ext>
             </a:extLst>
           </p:cNvPr>
@@ -14200,7 +14200,7 @@
           <p:cNvPr id="186" name="ZoneTexte 185">
             <a:extLst>
               <a:ext uri="{FF2B5EF4-FFF2-40B4-BE49-F238E27FC236}">
-                <a16:creationId xmlns:a16="http://schemas.microsoft.com/office/drawing/2014/main" id="{62BBF7AB-2F2C-44A2-84A6-9B429C441613}"/>
+                <a16:creationId xmlns:a16="http://schemas.microsoft.com/office/drawing/2014/main" xmlns="" id="{62BBF7AB-2F2C-44A2-84A6-9B429C441613}"/>
               </a:ext>
             </a:extLst>
           </p:cNvPr>
@@ -14235,7 +14235,7 @@
           <p:cNvPr id="189" name="ZoneTexte 188">
             <a:extLst>
               <a:ext uri="{FF2B5EF4-FFF2-40B4-BE49-F238E27FC236}">
-                <a16:creationId xmlns:a16="http://schemas.microsoft.com/office/drawing/2014/main" id="{AF3EC4F1-2834-4931-93A6-EF98CFDC303C}"/>
+                <a16:creationId xmlns:a16="http://schemas.microsoft.com/office/drawing/2014/main" xmlns="" id="{AF3EC4F1-2834-4931-93A6-EF98CFDC303C}"/>
               </a:ext>
             </a:extLst>
           </p:cNvPr>
@@ -14270,7 +14270,7 @@
           <p:cNvPr id="190" name="Ellipse 189">
             <a:extLst>
               <a:ext uri="{FF2B5EF4-FFF2-40B4-BE49-F238E27FC236}">
-                <a16:creationId xmlns:a16="http://schemas.microsoft.com/office/drawing/2014/main" id="{7CB799CF-F9B6-4A8A-99A5-62031BA23683}"/>
+                <a16:creationId xmlns:a16="http://schemas.microsoft.com/office/drawing/2014/main" xmlns="" id="{7CB799CF-F9B6-4A8A-99A5-62031BA23683}"/>
               </a:ext>
             </a:extLst>
           </p:cNvPr>
@@ -14328,7 +14328,7 @@
           <p:cNvPr id="191" name="Ellipse 190">
             <a:extLst>
               <a:ext uri="{FF2B5EF4-FFF2-40B4-BE49-F238E27FC236}">
-                <a16:creationId xmlns:a16="http://schemas.microsoft.com/office/drawing/2014/main" id="{8EDDAE58-BEDF-44AE-BA4E-BE96BE126CF9}"/>
+                <a16:creationId xmlns:a16="http://schemas.microsoft.com/office/drawing/2014/main" xmlns="" id="{8EDDAE58-BEDF-44AE-BA4E-BE96BE126CF9}"/>
               </a:ext>
             </a:extLst>
           </p:cNvPr>
@@ -14386,7 +14386,7 @@
           <p:cNvPr id="194" name="Connecteur droit avec flèche 193">
             <a:extLst>
               <a:ext uri="{FF2B5EF4-FFF2-40B4-BE49-F238E27FC236}">
-                <a16:creationId xmlns:a16="http://schemas.microsoft.com/office/drawing/2014/main" id="{B84946B0-A863-470B-916B-8F7E26EAD3BC}"/>
+                <a16:creationId xmlns:a16="http://schemas.microsoft.com/office/drawing/2014/main" xmlns="" id="{B84946B0-A863-470B-916B-8F7E26EAD3BC}"/>
               </a:ext>
             </a:extLst>
           </p:cNvPr>
@@ -14434,7 +14434,7 @@
           <p:cNvPr id="202" name="Rectangle 201">
             <a:extLst>
               <a:ext uri="{FF2B5EF4-FFF2-40B4-BE49-F238E27FC236}">
-                <a16:creationId xmlns:a16="http://schemas.microsoft.com/office/drawing/2014/main" id="{695128D4-DEA0-4499-96A2-401622C9BA92}"/>
+                <a16:creationId xmlns:a16="http://schemas.microsoft.com/office/drawing/2014/main" xmlns="" id="{695128D4-DEA0-4499-96A2-401622C9BA92}"/>
               </a:ext>
             </a:extLst>
           </p:cNvPr>
@@ -14492,7 +14492,7 @@
           <p:cNvPr id="203" name="Connecteur droit avec flèche 202">
             <a:extLst>
               <a:ext uri="{FF2B5EF4-FFF2-40B4-BE49-F238E27FC236}">
-                <a16:creationId xmlns:a16="http://schemas.microsoft.com/office/drawing/2014/main" id="{20A76E23-665E-4E89-A56B-1BF6F02365B5}"/>
+                <a16:creationId xmlns:a16="http://schemas.microsoft.com/office/drawing/2014/main" xmlns="" id="{20A76E23-665E-4E89-A56B-1BF6F02365B5}"/>
               </a:ext>
             </a:extLst>
           </p:cNvPr>
@@ -14539,7 +14539,7 @@
           <p:cNvPr id="204" name="ZoneTexte 203">
             <a:extLst>
               <a:ext uri="{FF2B5EF4-FFF2-40B4-BE49-F238E27FC236}">
-                <a16:creationId xmlns:a16="http://schemas.microsoft.com/office/drawing/2014/main" id="{F26AA089-304E-4D4E-8A3C-1525E7661437}"/>
+                <a16:creationId xmlns:a16="http://schemas.microsoft.com/office/drawing/2014/main" xmlns="" id="{F26AA089-304E-4D4E-8A3C-1525E7661437}"/>
               </a:ext>
             </a:extLst>
           </p:cNvPr>
@@ -14574,7 +14574,7 @@
           <p:cNvPr id="207" name="ZoneTexte 206">
             <a:extLst>
               <a:ext uri="{FF2B5EF4-FFF2-40B4-BE49-F238E27FC236}">
-                <a16:creationId xmlns:a16="http://schemas.microsoft.com/office/drawing/2014/main" id="{AC3F41CA-CE5A-4195-BB4A-A0A7A71DB0BC}"/>
+                <a16:creationId xmlns:a16="http://schemas.microsoft.com/office/drawing/2014/main" xmlns="" id="{AC3F41CA-CE5A-4195-BB4A-A0A7A71DB0BC}"/>
               </a:ext>
             </a:extLst>
           </p:cNvPr>
@@ -14609,7 +14609,7 @@
           <p:cNvPr id="192" name="ZoneTexte 191">
             <a:extLst>
               <a:ext uri="{FF2B5EF4-FFF2-40B4-BE49-F238E27FC236}">
-                <a16:creationId xmlns:a16="http://schemas.microsoft.com/office/drawing/2014/main" id="{F5631320-CDB1-4D41-92D4-168177CC2A48}"/>
+                <a16:creationId xmlns:a16="http://schemas.microsoft.com/office/drawing/2014/main" xmlns="" id="{F5631320-CDB1-4D41-92D4-168177CC2A48}"/>
               </a:ext>
             </a:extLst>
           </p:cNvPr>
@@ -14651,7 +14651,7 @@
           <p:cNvPr id="196" name="ZoneTexte 195">
             <a:extLst>
               <a:ext uri="{FF2B5EF4-FFF2-40B4-BE49-F238E27FC236}">
-                <a16:creationId xmlns:a16="http://schemas.microsoft.com/office/drawing/2014/main" id="{52938325-F99A-47EF-95B0-0AA75A8F758B}"/>
+                <a16:creationId xmlns:a16="http://schemas.microsoft.com/office/drawing/2014/main" xmlns="" id="{52938325-F99A-47EF-95B0-0AA75A8F758B}"/>
               </a:ext>
             </a:extLst>
           </p:cNvPr>
@@ -14693,7 +14693,7 @@
           <p:cNvPr id="197" name="Rectangle 196">
             <a:extLst>
               <a:ext uri="{FF2B5EF4-FFF2-40B4-BE49-F238E27FC236}">
-                <a16:creationId xmlns:a16="http://schemas.microsoft.com/office/drawing/2014/main" id="{39BC33D0-E6BE-4471-A727-3CC4811ABE1A}"/>
+                <a16:creationId xmlns:a16="http://schemas.microsoft.com/office/drawing/2014/main" xmlns="" id="{39BC33D0-E6BE-4471-A727-3CC4811ABE1A}"/>
               </a:ext>
             </a:extLst>
           </p:cNvPr>
@@ -14748,7 +14748,7 @@
           <p:cNvPr id="198" name="ZoneTexte 197">
             <a:extLst>
               <a:ext uri="{FF2B5EF4-FFF2-40B4-BE49-F238E27FC236}">
-                <a16:creationId xmlns:a16="http://schemas.microsoft.com/office/drawing/2014/main" id="{C0302400-9FE1-400A-92E9-44A4E6EB9FF8}"/>
+                <a16:creationId xmlns:a16="http://schemas.microsoft.com/office/drawing/2014/main" xmlns="" id="{C0302400-9FE1-400A-92E9-44A4E6EB9FF8}"/>
               </a:ext>
             </a:extLst>
           </p:cNvPr>
@@ -14790,7 +14790,7 @@
           <p:cNvPr id="210" name="Connecteur : en angle 209">
             <a:extLst>
               <a:ext uri="{FF2B5EF4-FFF2-40B4-BE49-F238E27FC236}">
-                <a16:creationId xmlns:a16="http://schemas.microsoft.com/office/drawing/2014/main" id="{5D825FE8-20FE-4828-A6D0-1DDE12A91141}"/>
+                <a16:creationId xmlns:a16="http://schemas.microsoft.com/office/drawing/2014/main" xmlns="" id="{5D825FE8-20FE-4828-A6D0-1DDE12A91141}"/>
               </a:ext>
             </a:extLst>
           </p:cNvPr>
@@ -14833,7 +14833,7 @@
           <p:cNvPr id="212" name="Connecteur : en angle 211">
             <a:extLst>
               <a:ext uri="{FF2B5EF4-FFF2-40B4-BE49-F238E27FC236}">
-                <a16:creationId xmlns:a16="http://schemas.microsoft.com/office/drawing/2014/main" id="{13FBC4E8-BCDA-40D9-A744-E78D9DC2510A}"/>
+                <a16:creationId xmlns:a16="http://schemas.microsoft.com/office/drawing/2014/main" xmlns="" id="{13FBC4E8-BCDA-40D9-A744-E78D9DC2510A}"/>
               </a:ext>
             </a:extLst>
           </p:cNvPr>
@@ -14878,7 +14878,7 @@
           <p:cNvPr id="215" name="Connecteur droit 214">
             <a:extLst>
               <a:ext uri="{FF2B5EF4-FFF2-40B4-BE49-F238E27FC236}">
-                <a16:creationId xmlns:a16="http://schemas.microsoft.com/office/drawing/2014/main" id="{28F3DF8C-E4A1-40A3-A99D-830C1D7FC4F2}"/>
+                <a16:creationId xmlns:a16="http://schemas.microsoft.com/office/drawing/2014/main" xmlns="" id="{28F3DF8C-E4A1-40A3-A99D-830C1D7FC4F2}"/>
               </a:ext>
             </a:extLst>
           </p:cNvPr>
@@ -14919,7 +14919,7 @@
           <p:cNvPr id="216" name="Connecteur droit 215">
             <a:extLst>
               <a:ext uri="{FF2B5EF4-FFF2-40B4-BE49-F238E27FC236}">
-                <a16:creationId xmlns:a16="http://schemas.microsoft.com/office/drawing/2014/main" id="{5194439E-4C55-40E2-B6F7-2B654FF2A1EB}"/>
+                <a16:creationId xmlns:a16="http://schemas.microsoft.com/office/drawing/2014/main" xmlns="" id="{5194439E-4C55-40E2-B6F7-2B654FF2A1EB}"/>
               </a:ext>
             </a:extLst>
           </p:cNvPr>
@@ -14962,7 +14962,7 @@
           <p:cNvPr id="168" name="Connecteur droit avec flèche 167">
             <a:extLst>
               <a:ext uri="{FF2B5EF4-FFF2-40B4-BE49-F238E27FC236}">
-                <a16:creationId xmlns:a16="http://schemas.microsoft.com/office/drawing/2014/main" id="{C43B6E4F-92BE-47C3-A642-98CC7980C9F9}"/>
+                <a16:creationId xmlns:a16="http://schemas.microsoft.com/office/drawing/2014/main" xmlns="" id="{C43B6E4F-92BE-47C3-A642-98CC7980C9F9}"/>
               </a:ext>
             </a:extLst>
           </p:cNvPr>
@@ -15009,7 +15009,7 @@
           <p:cNvPr id="211" name="Rectangle 210">
             <a:extLst>
               <a:ext uri="{FF2B5EF4-FFF2-40B4-BE49-F238E27FC236}">
-                <a16:creationId xmlns:a16="http://schemas.microsoft.com/office/drawing/2014/main" id="{4528C32F-1FA5-43DF-992B-576426DDC041}"/>
+                <a16:creationId xmlns:a16="http://schemas.microsoft.com/office/drawing/2014/main" xmlns="" id="{4528C32F-1FA5-43DF-992B-576426DDC041}"/>
               </a:ext>
             </a:extLst>
           </p:cNvPr>
@@ -15050,7 +15050,7 @@
           <p:cNvPr id="218" name="Ellipse 217">
             <a:extLst>
               <a:ext uri="{FF2B5EF4-FFF2-40B4-BE49-F238E27FC236}">
-                <a16:creationId xmlns:a16="http://schemas.microsoft.com/office/drawing/2014/main" id="{75B1A509-D7BC-4E8E-899B-A08EE21C22FA}"/>
+                <a16:creationId xmlns:a16="http://schemas.microsoft.com/office/drawing/2014/main" xmlns="" id="{75B1A509-D7BC-4E8E-899B-A08EE21C22FA}"/>
               </a:ext>
             </a:extLst>
           </p:cNvPr>
@@ -15119,7 +15119,7 @@
           <p:cNvPr id="219" name="Rectangle 218">
             <a:extLst>
               <a:ext uri="{FF2B5EF4-FFF2-40B4-BE49-F238E27FC236}">
-                <a16:creationId xmlns:a16="http://schemas.microsoft.com/office/drawing/2014/main" id="{87E757E5-F0C7-467D-907D-4527810FD7E3}"/>
+                <a16:creationId xmlns:a16="http://schemas.microsoft.com/office/drawing/2014/main" xmlns="" id="{87E757E5-F0C7-467D-907D-4527810FD7E3}"/>
               </a:ext>
             </a:extLst>
           </p:cNvPr>
@@ -15174,7 +15174,7 @@
           <p:cNvPr id="220" name="Connecteur droit 219">
             <a:extLst>
               <a:ext uri="{FF2B5EF4-FFF2-40B4-BE49-F238E27FC236}">
-                <a16:creationId xmlns:a16="http://schemas.microsoft.com/office/drawing/2014/main" id="{5C325E3F-F365-4428-B465-3A41B2014821}"/>
+                <a16:creationId xmlns:a16="http://schemas.microsoft.com/office/drawing/2014/main" xmlns="" id="{5C325E3F-F365-4428-B465-3A41B2014821}"/>
               </a:ext>
             </a:extLst>
           </p:cNvPr>
@@ -15217,7 +15217,7 @@
           <p:cNvPr id="221" name="Connecteur droit 220">
             <a:extLst>
               <a:ext uri="{FF2B5EF4-FFF2-40B4-BE49-F238E27FC236}">
-                <a16:creationId xmlns:a16="http://schemas.microsoft.com/office/drawing/2014/main" id="{4C530E5C-D5DA-49FF-BC33-63EAC83BBEC5}"/>
+                <a16:creationId xmlns:a16="http://schemas.microsoft.com/office/drawing/2014/main" xmlns="" id="{4C530E5C-D5DA-49FF-BC33-63EAC83BBEC5}"/>
               </a:ext>
             </a:extLst>
           </p:cNvPr>
@@ -15260,7 +15260,7 @@
           <p:cNvPr id="222" name="Connecteur droit 221">
             <a:extLst>
               <a:ext uri="{FF2B5EF4-FFF2-40B4-BE49-F238E27FC236}">
-                <a16:creationId xmlns:a16="http://schemas.microsoft.com/office/drawing/2014/main" id="{A9B2751E-18F9-4215-BE3B-FDD0DC5C3743}"/>
+                <a16:creationId xmlns:a16="http://schemas.microsoft.com/office/drawing/2014/main" xmlns="" id="{A9B2751E-18F9-4215-BE3B-FDD0DC5C3743}"/>
               </a:ext>
             </a:extLst>
           </p:cNvPr>
@@ -15303,7 +15303,7 @@
           <p:cNvPr id="223" name="Connecteur droit 222">
             <a:extLst>
               <a:ext uri="{FF2B5EF4-FFF2-40B4-BE49-F238E27FC236}">
-                <a16:creationId xmlns:a16="http://schemas.microsoft.com/office/drawing/2014/main" id="{4B67FA3F-1E15-436B-8BCD-7170B497D627}"/>
+                <a16:creationId xmlns:a16="http://schemas.microsoft.com/office/drawing/2014/main" xmlns="" id="{4B67FA3F-1E15-436B-8BCD-7170B497D627}"/>
               </a:ext>
             </a:extLst>
           </p:cNvPr>
@@ -15346,7 +15346,7 @@
           <p:cNvPr id="224" name="Ellipse 223">
             <a:extLst>
               <a:ext uri="{FF2B5EF4-FFF2-40B4-BE49-F238E27FC236}">
-                <a16:creationId xmlns:a16="http://schemas.microsoft.com/office/drawing/2014/main" id="{9E51B75A-75FB-40AC-86CC-C101C9FC18B7}"/>
+                <a16:creationId xmlns:a16="http://schemas.microsoft.com/office/drawing/2014/main" xmlns="" id="{9E51B75A-75FB-40AC-86CC-C101C9FC18B7}"/>
               </a:ext>
             </a:extLst>
           </p:cNvPr>
@@ -15404,7 +15404,7 @@
           <p:cNvPr id="225" name="Connecteur : en angle 224">
             <a:extLst>
               <a:ext uri="{FF2B5EF4-FFF2-40B4-BE49-F238E27FC236}">
-                <a16:creationId xmlns:a16="http://schemas.microsoft.com/office/drawing/2014/main" id="{B89FF9D8-CD62-42D9-90BD-5DB29F288F61}"/>
+                <a16:creationId xmlns:a16="http://schemas.microsoft.com/office/drawing/2014/main" xmlns="" id="{B89FF9D8-CD62-42D9-90BD-5DB29F288F61}"/>
               </a:ext>
             </a:extLst>
           </p:cNvPr>
@@ -15452,7 +15452,7 @@
           <p:cNvPr id="226" name="ZoneTexte 225">
             <a:extLst>
               <a:ext uri="{FF2B5EF4-FFF2-40B4-BE49-F238E27FC236}">
-                <a16:creationId xmlns:a16="http://schemas.microsoft.com/office/drawing/2014/main" id="{78F758B1-F5B0-45CE-AA47-BD07E2A53DF0}"/>
+                <a16:creationId xmlns:a16="http://schemas.microsoft.com/office/drawing/2014/main" xmlns="" id="{78F758B1-F5B0-45CE-AA47-BD07E2A53DF0}"/>
               </a:ext>
             </a:extLst>
           </p:cNvPr>
@@ -15490,7 +15490,7 @@
           <p:cNvPr id="227" name="Ellipse 226">
             <a:extLst>
               <a:ext uri="{FF2B5EF4-FFF2-40B4-BE49-F238E27FC236}">
-                <a16:creationId xmlns:a16="http://schemas.microsoft.com/office/drawing/2014/main" id="{F4E99CB5-2A95-4DCD-B8D9-527C49399FD4}"/>
+                <a16:creationId xmlns:a16="http://schemas.microsoft.com/office/drawing/2014/main" xmlns="" id="{F4E99CB5-2A95-4DCD-B8D9-527C49399FD4}"/>
               </a:ext>
             </a:extLst>
           </p:cNvPr>
@@ -15548,7 +15548,7 @@
           <p:cNvPr id="228" name="Ellipse 227">
             <a:extLst>
               <a:ext uri="{FF2B5EF4-FFF2-40B4-BE49-F238E27FC236}">
-                <a16:creationId xmlns:a16="http://schemas.microsoft.com/office/drawing/2014/main" id="{F4E99CB5-2A95-4DCD-B8D9-527C49399FD4}"/>
+                <a16:creationId xmlns:a16="http://schemas.microsoft.com/office/drawing/2014/main" xmlns="" id="{F4E99CB5-2A95-4DCD-B8D9-527C49399FD4}"/>
               </a:ext>
             </a:extLst>
           </p:cNvPr>
@@ -15606,7 +15606,7 @@
           <p:cNvPr id="229" name="Ellipse 228">
             <a:extLst>
               <a:ext uri="{FF2B5EF4-FFF2-40B4-BE49-F238E27FC236}">
-                <a16:creationId xmlns:a16="http://schemas.microsoft.com/office/drawing/2014/main" id="{F4E99CB5-2A95-4DCD-B8D9-527C49399FD4}"/>
+                <a16:creationId xmlns:a16="http://schemas.microsoft.com/office/drawing/2014/main" xmlns="" id="{F4E99CB5-2A95-4DCD-B8D9-527C49399FD4}"/>
               </a:ext>
             </a:extLst>
           </p:cNvPr>
@@ -15664,7 +15664,7 @@
           <p:cNvPr id="233" name="Connecteur : en angle 144">
             <a:extLst>
               <a:ext uri="{FF2B5EF4-FFF2-40B4-BE49-F238E27FC236}">
-                <a16:creationId xmlns:a16="http://schemas.microsoft.com/office/drawing/2014/main" id="{4AA10393-57AE-4C97-9984-996252DAAFB9}"/>
+                <a16:creationId xmlns:a16="http://schemas.microsoft.com/office/drawing/2014/main" xmlns="" id="{4AA10393-57AE-4C97-9984-996252DAAFB9}"/>
               </a:ext>
             </a:extLst>
           </p:cNvPr>
@@ -15707,7 +15707,7 @@
           <p:cNvPr id="234" name="Connecteur : en angle 144">
             <a:extLst>
               <a:ext uri="{FF2B5EF4-FFF2-40B4-BE49-F238E27FC236}">
-                <a16:creationId xmlns:a16="http://schemas.microsoft.com/office/drawing/2014/main" id="{4AA10393-57AE-4C97-9984-996252DAAFB9}"/>
+                <a16:creationId xmlns:a16="http://schemas.microsoft.com/office/drawing/2014/main" xmlns="" id="{4AA10393-57AE-4C97-9984-996252DAAFB9}"/>
               </a:ext>
             </a:extLst>
           </p:cNvPr>
@@ -15754,7 +15754,7 @@
           <p:cNvPr id="235" name="Connecteur : en angle 144">
             <a:extLst>
               <a:ext uri="{FF2B5EF4-FFF2-40B4-BE49-F238E27FC236}">
-                <a16:creationId xmlns:a16="http://schemas.microsoft.com/office/drawing/2014/main" id="{4AA10393-57AE-4C97-9984-996252DAAFB9}"/>
+                <a16:creationId xmlns:a16="http://schemas.microsoft.com/office/drawing/2014/main" xmlns="" id="{4AA10393-57AE-4C97-9984-996252DAAFB9}"/>
               </a:ext>
             </a:extLst>
           </p:cNvPr>
@@ -15801,7 +15801,7 @@
           <p:cNvPr id="123" name="ZoneTexte 122">
             <a:extLst>
               <a:ext uri="{FF2B5EF4-FFF2-40B4-BE49-F238E27FC236}">
-                <a16:creationId xmlns:a16="http://schemas.microsoft.com/office/drawing/2014/main" id="{187CEC53-DFFE-46DE-9B7E-78BBD73A5556}"/>
+                <a16:creationId xmlns:a16="http://schemas.microsoft.com/office/drawing/2014/main" xmlns="" id="{187CEC53-DFFE-46DE-9B7E-78BBD73A5556}"/>
               </a:ext>
             </a:extLst>
           </p:cNvPr>
@@ -15855,7 +15855,7 @@
           <p:cNvPr id="249" name="ZoneTexte 248">
             <a:extLst>
               <a:ext uri="{FF2B5EF4-FFF2-40B4-BE49-F238E27FC236}">
-                <a16:creationId xmlns:a16="http://schemas.microsoft.com/office/drawing/2014/main" id="{62CA3368-DB00-4BDF-9964-BC8FCF6751B4}"/>
+                <a16:creationId xmlns:a16="http://schemas.microsoft.com/office/drawing/2014/main" xmlns="" id="{62CA3368-DB00-4BDF-9964-BC8FCF6751B4}"/>
               </a:ext>
             </a:extLst>
           </p:cNvPr>
@@ -15890,7 +15890,7 @@
           <p:cNvPr id="47" name="Ellipse 46">
             <a:extLst>
               <a:ext uri="{FF2B5EF4-FFF2-40B4-BE49-F238E27FC236}">
-                <a16:creationId xmlns:a16="http://schemas.microsoft.com/office/drawing/2014/main" id="{9ACF233F-B245-4E2B-8113-4CEFB8D915B7}"/>
+                <a16:creationId xmlns:a16="http://schemas.microsoft.com/office/drawing/2014/main" xmlns="" id="{9ACF233F-B245-4E2B-8113-4CEFB8D915B7}"/>
               </a:ext>
             </a:extLst>
           </p:cNvPr>
@@ -15948,7 +15948,7 @@
           <p:cNvPr id="76" name="Ellipse 75">
             <a:extLst>
               <a:ext uri="{FF2B5EF4-FFF2-40B4-BE49-F238E27FC236}">
-                <a16:creationId xmlns:a16="http://schemas.microsoft.com/office/drawing/2014/main" id="{D88EEAD2-80A8-4CB1-8BE5-95C744744C6B}"/>
+                <a16:creationId xmlns:a16="http://schemas.microsoft.com/office/drawing/2014/main" xmlns="" id="{D88EEAD2-80A8-4CB1-8BE5-95C744744C6B}"/>
               </a:ext>
             </a:extLst>
           </p:cNvPr>
@@ -16006,7 +16006,7 @@
           <p:cNvPr id="79" name="Ellipse 78">
             <a:extLst>
               <a:ext uri="{FF2B5EF4-FFF2-40B4-BE49-F238E27FC236}">
-                <a16:creationId xmlns:a16="http://schemas.microsoft.com/office/drawing/2014/main" id="{E5AA28E9-04BB-483C-B939-339E35670AAD}"/>
+                <a16:creationId xmlns:a16="http://schemas.microsoft.com/office/drawing/2014/main" xmlns="" id="{E5AA28E9-04BB-483C-B939-339E35670AAD}"/>
               </a:ext>
             </a:extLst>
           </p:cNvPr>
@@ -16064,7 +16064,7 @@
           <p:cNvPr id="241" name="Ellipse 240">
             <a:extLst>
               <a:ext uri="{FF2B5EF4-FFF2-40B4-BE49-F238E27FC236}">
-                <a16:creationId xmlns:a16="http://schemas.microsoft.com/office/drawing/2014/main" id="{A148E37A-293F-419A-B171-8DAFF8CD66BB}"/>
+                <a16:creationId xmlns:a16="http://schemas.microsoft.com/office/drawing/2014/main" xmlns="" id="{A148E37A-293F-419A-B171-8DAFF8CD66BB}"/>
               </a:ext>
             </a:extLst>
           </p:cNvPr>
@@ -16133,7 +16133,7 @@
           <p:cNvPr id="247" name="Connecteur droit avec flèche 246">
             <a:extLst>
               <a:ext uri="{FF2B5EF4-FFF2-40B4-BE49-F238E27FC236}">
-                <a16:creationId xmlns:a16="http://schemas.microsoft.com/office/drawing/2014/main" id="{FCA9DD1D-E5FD-4E06-96B4-2084DE00CCD2}"/>
+                <a16:creationId xmlns:a16="http://schemas.microsoft.com/office/drawing/2014/main" xmlns="" id="{FCA9DD1D-E5FD-4E06-96B4-2084DE00CCD2}"/>
               </a:ext>
             </a:extLst>
           </p:cNvPr>
@@ -16210,7 +16210,7 @@
           <p:cNvPr id="461" name="Rectangle : coins arrondis 460">
             <a:extLst>
               <a:ext uri="{FF2B5EF4-FFF2-40B4-BE49-F238E27FC236}">
-                <a16:creationId xmlns:a16="http://schemas.microsoft.com/office/drawing/2014/main" id="{22F974BE-8145-4E19-ABA2-26A4C27E9EE9}"/>
+                <a16:creationId xmlns:a16="http://schemas.microsoft.com/office/drawing/2014/main" xmlns="" id="{22F974BE-8145-4E19-ABA2-26A4C27E9EE9}"/>
               </a:ext>
             </a:extLst>
           </p:cNvPr>
@@ -16264,7 +16264,7 @@
           <p:cNvPr id="285" name="Rectangle : coins arrondis 284">
             <a:extLst>
               <a:ext uri="{FF2B5EF4-FFF2-40B4-BE49-F238E27FC236}">
-                <a16:creationId xmlns:a16="http://schemas.microsoft.com/office/drawing/2014/main" id="{A6011926-2FBE-403B-9066-9096836AE6EC}"/>
+                <a16:creationId xmlns:a16="http://schemas.microsoft.com/office/drawing/2014/main" xmlns="" id="{A6011926-2FBE-403B-9066-9096836AE6EC}"/>
               </a:ext>
             </a:extLst>
           </p:cNvPr>
@@ -16342,7 +16342,7 @@
           <p:cNvPr id="383" name="Rectangle : coins arrondis 382">
             <a:extLst>
               <a:ext uri="{FF2B5EF4-FFF2-40B4-BE49-F238E27FC236}">
-                <a16:creationId xmlns:a16="http://schemas.microsoft.com/office/drawing/2014/main" id="{90DD39A4-A182-4030-A4AE-8880862AAD54}"/>
+                <a16:creationId xmlns:a16="http://schemas.microsoft.com/office/drawing/2014/main" xmlns="" id="{90DD39A4-A182-4030-A4AE-8880862AAD54}"/>
               </a:ext>
             </a:extLst>
           </p:cNvPr>
@@ -16415,7 +16415,7 @@
           <p:cNvPr id="4" name="Rectangle 3">
             <a:extLst>
               <a:ext uri="{FF2B5EF4-FFF2-40B4-BE49-F238E27FC236}">
-                <a16:creationId xmlns:a16="http://schemas.microsoft.com/office/drawing/2014/main" id="{D6A19F59-DE5C-47E6-918B-27D303F45183}"/>
+                <a16:creationId xmlns:a16="http://schemas.microsoft.com/office/drawing/2014/main" xmlns="" id="{D6A19F59-DE5C-47E6-918B-27D303F45183}"/>
               </a:ext>
             </a:extLst>
           </p:cNvPr>
@@ -16464,7 +16464,7 @@
           <p:cNvPr id="128" name="Rectangle 127">
             <a:extLst>
               <a:ext uri="{FF2B5EF4-FFF2-40B4-BE49-F238E27FC236}">
-                <a16:creationId xmlns:a16="http://schemas.microsoft.com/office/drawing/2014/main" id="{6F4CB3D7-09C5-4B32-9601-5122FA8C1D58}"/>
+                <a16:creationId xmlns:a16="http://schemas.microsoft.com/office/drawing/2014/main" xmlns="" id="{6F4CB3D7-09C5-4B32-9601-5122FA8C1D58}"/>
               </a:ext>
             </a:extLst>
           </p:cNvPr>
@@ -16572,7 +16572,7 @@
           <p:cNvPr id="62" name="Rectangle 61">
             <a:extLst>
               <a:ext uri="{FF2B5EF4-FFF2-40B4-BE49-F238E27FC236}">
-                <a16:creationId xmlns:a16="http://schemas.microsoft.com/office/drawing/2014/main" id="{71B0C61D-3C33-44AE-994E-9D1DFD3977BE}"/>
+                <a16:creationId xmlns:a16="http://schemas.microsoft.com/office/drawing/2014/main" xmlns="" id="{71B0C61D-3C33-44AE-994E-9D1DFD3977BE}"/>
               </a:ext>
             </a:extLst>
           </p:cNvPr>
@@ -16613,7 +16613,7 @@
           <p:cNvPr id="67" name="Ellipse 66">
             <a:extLst>
               <a:ext uri="{FF2B5EF4-FFF2-40B4-BE49-F238E27FC236}">
-                <a16:creationId xmlns:a16="http://schemas.microsoft.com/office/drawing/2014/main" id="{8FE1DB04-8A7C-4DF6-B7CC-303CADF3B2B8}"/>
+                <a16:creationId xmlns:a16="http://schemas.microsoft.com/office/drawing/2014/main" xmlns="" id="{8FE1DB04-8A7C-4DF6-B7CC-303CADF3B2B8}"/>
               </a:ext>
             </a:extLst>
           </p:cNvPr>
@@ -16671,7 +16671,7 @@
           <p:cNvPr id="116" name="Ellipse 115">
             <a:extLst>
               <a:ext uri="{FF2B5EF4-FFF2-40B4-BE49-F238E27FC236}">
-                <a16:creationId xmlns:a16="http://schemas.microsoft.com/office/drawing/2014/main" id="{C11933AE-2467-4012-9A41-8804A34032AC}"/>
+                <a16:creationId xmlns:a16="http://schemas.microsoft.com/office/drawing/2014/main" xmlns="" id="{C11933AE-2467-4012-9A41-8804A34032AC}"/>
               </a:ext>
             </a:extLst>
           </p:cNvPr>
@@ -16729,7 +16729,7 @@
           <p:cNvPr id="236" name="Rectangle 235">
             <a:extLst>
               <a:ext uri="{FF2B5EF4-FFF2-40B4-BE49-F238E27FC236}">
-                <a16:creationId xmlns:a16="http://schemas.microsoft.com/office/drawing/2014/main" id="{F7F9F801-1268-4F3E-82B5-1D80C5676705}"/>
+                <a16:creationId xmlns:a16="http://schemas.microsoft.com/office/drawing/2014/main" xmlns="" id="{F7F9F801-1268-4F3E-82B5-1D80C5676705}"/>
               </a:ext>
             </a:extLst>
           </p:cNvPr>
@@ -16783,7 +16783,7 @@
           <p:cNvPr id="237" name="Ellipse 236">
             <a:extLst>
               <a:ext uri="{FF2B5EF4-FFF2-40B4-BE49-F238E27FC236}">
-                <a16:creationId xmlns:a16="http://schemas.microsoft.com/office/drawing/2014/main" id="{FCDA0CF3-A58B-4A67-BA40-FB0C71B882FB}"/>
+                <a16:creationId xmlns:a16="http://schemas.microsoft.com/office/drawing/2014/main" xmlns="" id="{FCDA0CF3-A58B-4A67-BA40-FB0C71B882FB}"/>
               </a:ext>
             </a:extLst>
           </p:cNvPr>
@@ -16841,7 +16841,7 @@
           <p:cNvPr id="238" name="Connecteur : en angle 237">
             <a:extLst>
               <a:ext uri="{FF2B5EF4-FFF2-40B4-BE49-F238E27FC236}">
-                <a16:creationId xmlns:a16="http://schemas.microsoft.com/office/drawing/2014/main" id="{C90BACA0-40FF-4E93-95CB-464B31B6E2EF}"/>
+                <a16:creationId xmlns:a16="http://schemas.microsoft.com/office/drawing/2014/main" xmlns="" id="{C90BACA0-40FF-4E93-95CB-464B31B6E2EF}"/>
               </a:ext>
             </a:extLst>
           </p:cNvPr>
@@ -16889,7 +16889,7 @@
           <p:cNvPr id="137" name="ZoneTexte 136">
             <a:extLst>
               <a:ext uri="{FF2B5EF4-FFF2-40B4-BE49-F238E27FC236}">
-                <a16:creationId xmlns:a16="http://schemas.microsoft.com/office/drawing/2014/main" id="{12D91E48-A88F-41C1-9D32-E03424E9D397}"/>
+                <a16:creationId xmlns:a16="http://schemas.microsoft.com/office/drawing/2014/main" xmlns="" id="{12D91E48-A88F-41C1-9D32-E03424E9D397}"/>
               </a:ext>
             </a:extLst>
           </p:cNvPr>
@@ -16925,7 +16925,7 @@
           <p:cNvPr id="155" name="Ellipse 154">
             <a:extLst>
               <a:ext uri="{FF2B5EF4-FFF2-40B4-BE49-F238E27FC236}">
-                <a16:creationId xmlns:a16="http://schemas.microsoft.com/office/drawing/2014/main" id="{54FACFF5-5328-4701-986B-CDC82E5D9967}"/>
+                <a16:creationId xmlns:a16="http://schemas.microsoft.com/office/drawing/2014/main" xmlns="" id="{54FACFF5-5328-4701-986B-CDC82E5D9967}"/>
               </a:ext>
             </a:extLst>
           </p:cNvPr>
@@ -16983,7 +16983,7 @@
           <p:cNvPr id="156" name="Connecteur : en angle 155">
             <a:extLst>
               <a:ext uri="{FF2B5EF4-FFF2-40B4-BE49-F238E27FC236}">
-                <a16:creationId xmlns:a16="http://schemas.microsoft.com/office/drawing/2014/main" id="{8E4AFC10-A635-49CD-BF57-75B4871B0C83}"/>
+                <a16:creationId xmlns:a16="http://schemas.microsoft.com/office/drawing/2014/main" xmlns="" id="{8E4AFC10-A635-49CD-BF57-75B4871B0C83}"/>
               </a:ext>
             </a:extLst>
           </p:cNvPr>
@@ -17030,7 +17030,7 @@
           <p:cNvPr id="158" name="Ellipse 157">
             <a:extLst>
               <a:ext uri="{FF2B5EF4-FFF2-40B4-BE49-F238E27FC236}">
-                <a16:creationId xmlns:a16="http://schemas.microsoft.com/office/drawing/2014/main" id="{AF98CA1B-C3F4-4B1E-9DE1-38EB9139E5F9}"/>
+                <a16:creationId xmlns:a16="http://schemas.microsoft.com/office/drawing/2014/main" xmlns="" id="{AF98CA1B-C3F4-4B1E-9DE1-38EB9139E5F9}"/>
               </a:ext>
             </a:extLst>
           </p:cNvPr>
@@ -17088,7 +17088,7 @@
           <p:cNvPr id="166" name="Ellipse 165">
             <a:extLst>
               <a:ext uri="{FF2B5EF4-FFF2-40B4-BE49-F238E27FC236}">
-                <a16:creationId xmlns:a16="http://schemas.microsoft.com/office/drawing/2014/main" id="{BB517839-10C8-4192-986D-A3EEFE0C01D7}"/>
+                <a16:creationId xmlns:a16="http://schemas.microsoft.com/office/drawing/2014/main" xmlns="" id="{BB517839-10C8-4192-986D-A3EEFE0C01D7}"/>
               </a:ext>
             </a:extLst>
           </p:cNvPr>
@@ -17146,7 +17146,7 @@
           <p:cNvPr id="190" name="Ellipse 189">
             <a:extLst>
               <a:ext uri="{FF2B5EF4-FFF2-40B4-BE49-F238E27FC236}">
-                <a16:creationId xmlns:a16="http://schemas.microsoft.com/office/drawing/2014/main" id="{697B9FF0-5431-4A43-ADEB-EFA05234393D}"/>
+                <a16:creationId xmlns:a16="http://schemas.microsoft.com/office/drawing/2014/main" xmlns="" id="{697B9FF0-5431-4A43-ADEB-EFA05234393D}"/>
               </a:ext>
             </a:extLst>
           </p:cNvPr>
@@ -17204,7 +17204,7 @@
           <p:cNvPr id="191" name="Ellipse 190">
             <a:extLst>
               <a:ext uri="{FF2B5EF4-FFF2-40B4-BE49-F238E27FC236}">
-                <a16:creationId xmlns:a16="http://schemas.microsoft.com/office/drawing/2014/main" id="{0EFED12E-57AE-42F8-8089-B5CEAD9D40AB}"/>
+                <a16:creationId xmlns:a16="http://schemas.microsoft.com/office/drawing/2014/main" xmlns="" id="{0EFED12E-57AE-42F8-8089-B5CEAD9D40AB}"/>
               </a:ext>
             </a:extLst>
           </p:cNvPr>
@@ -17262,7 +17262,7 @@
           <p:cNvPr id="275" name="Rectangle 274">
             <a:extLst>
               <a:ext uri="{FF2B5EF4-FFF2-40B4-BE49-F238E27FC236}">
-                <a16:creationId xmlns:a16="http://schemas.microsoft.com/office/drawing/2014/main" id="{74D6BBB7-1F18-403D-8C60-86D21917073F}"/>
+                <a16:creationId xmlns:a16="http://schemas.microsoft.com/office/drawing/2014/main" xmlns="" id="{74D6BBB7-1F18-403D-8C60-86D21917073F}"/>
               </a:ext>
             </a:extLst>
           </p:cNvPr>
@@ -17316,7 +17316,7 @@
           <p:cNvPr id="281" name="Rectangle 280">
             <a:extLst>
               <a:ext uri="{FF2B5EF4-FFF2-40B4-BE49-F238E27FC236}">
-                <a16:creationId xmlns:a16="http://schemas.microsoft.com/office/drawing/2014/main" id="{8CE8FE63-4450-4EF1-902B-0D815656F8A7}"/>
+                <a16:creationId xmlns:a16="http://schemas.microsoft.com/office/drawing/2014/main" xmlns="" id="{8CE8FE63-4450-4EF1-902B-0D815656F8A7}"/>
               </a:ext>
             </a:extLst>
           </p:cNvPr>
@@ -17370,7 +17370,7 @@
           <p:cNvPr id="282" name="Rectangle 281">
             <a:extLst>
               <a:ext uri="{FF2B5EF4-FFF2-40B4-BE49-F238E27FC236}">
-                <a16:creationId xmlns:a16="http://schemas.microsoft.com/office/drawing/2014/main" id="{0734F398-6A45-4A7D-BB32-97CE81D16D9E}"/>
+                <a16:creationId xmlns:a16="http://schemas.microsoft.com/office/drawing/2014/main" xmlns="" id="{0734F398-6A45-4A7D-BB32-97CE81D16D9E}"/>
               </a:ext>
             </a:extLst>
           </p:cNvPr>
@@ -17424,7 +17424,7 @@
           <p:cNvPr id="283" name="Ellipse 282">
             <a:extLst>
               <a:ext uri="{FF2B5EF4-FFF2-40B4-BE49-F238E27FC236}">
-                <a16:creationId xmlns:a16="http://schemas.microsoft.com/office/drawing/2014/main" id="{8C416B4E-96DF-4EFA-B6DA-28A0B49CDC74}"/>
+                <a16:creationId xmlns:a16="http://schemas.microsoft.com/office/drawing/2014/main" xmlns="" id="{8C416B4E-96DF-4EFA-B6DA-28A0B49CDC74}"/>
               </a:ext>
             </a:extLst>
           </p:cNvPr>
@@ -17480,7 +17480,7 @@
           <p:cNvPr id="284" name="Ellipse 283">
             <a:extLst>
               <a:ext uri="{FF2B5EF4-FFF2-40B4-BE49-F238E27FC236}">
-                <a16:creationId xmlns:a16="http://schemas.microsoft.com/office/drawing/2014/main" id="{A5957B71-8A43-472E-88E9-84A23347F31E}"/>
+                <a16:creationId xmlns:a16="http://schemas.microsoft.com/office/drawing/2014/main" xmlns="" id="{A5957B71-8A43-472E-88E9-84A23347F31E}"/>
               </a:ext>
             </a:extLst>
           </p:cNvPr>
@@ -17536,7 +17536,7 @@
           <p:cNvPr id="287" name="Connecteur : en angle 286">
             <a:extLst>
               <a:ext uri="{FF2B5EF4-FFF2-40B4-BE49-F238E27FC236}">
-                <a16:creationId xmlns:a16="http://schemas.microsoft.com/office/drawing/2014/main" id="{466BA789-C671-4672-8836-B391D8F92D00}"/>
+                <a16:creationId xmlns:a16="http://schemas.microsoft.com/office/drawing/2014/main" xmlns="" id="{466BA789-C671-4672-8836-B391D8F92D00}"/>
               </a:ext>
             </a:extLst>
           </p:cNvPr>
@@ -17585,7 +17585,7 @@
           <p:cNvPr id="288" name="Connecteur : en angle 287">
             <a:extLst>
               <a:ext uri="{FF2B5EF4-FFF2-40B4-BE49-F238E27FC236}">
-                <a16:creationId xmlns:a16="http://schemas.microsoft.com/office/drawing/2014/main" id="{1A548297-2A60-4CA6-BD5E-5C88627AF20E}"/>
+                <a16:creationId xmlns:a16="http://schemas.microsoft.com/office/drawing/2014/main" xmlns="" id="{1A548297-2A60-4CA6-BD5E-5C88627AF20E}"/>
               </a:ext>
             </a:extLst>
           </p:cNvPr>
@@ -17633,7 +17633,7 @@
           <p:cNvPr id="312" name="Rectangle 311">
             <a:extLst>
               <a:ext uri="{FF2B5EF4-FFF2-40B4-BE49-F238E27FC236}">
-                <a16:creationId xmlns:a16="http://schemas.microsoft.com/office/drawing/2014/main" id="{CC60EC9B-C761-4F18-892A-D5BC6E9339F8}"/>
+                <a16:creationId xmlns:a16="http://schemas.microsoft.com/office/drawing/2014/main" xmlns="" id="{CC60EC9B-C761-4F18-892A-D5BC6E9339F8}"/>
               </a:ext>
             </a:extLst>
           </p:cNvPr>
@@ -17677,7 +17677,7 @@
           <p:cNvPr id="316" name="Rectangle 315">
             <a:extLst>
               <a:ext uri="{FF2B5EF4-FFF2-40B4-BE49-F238E27FC236}">
-                <a16:creationId xmlns:a16="http://schemas.microsoft.com/office/drawing/2014/main" id="{46A5A792-FB5A-478D-89F6-BE1D644FCBCD}"/>
+                <a16:creationId xmlns:a16="http://schemas.microsoft.com/office/drawing/2014/main" xmlns="" id="{46A5A792-FB5A-478D-89F6-BE1D644FCBCD}"/>
               </a:ext>
             </a:extLst>
           </p:cNvPr>
@@ -17721,7 +17721,7 @@
           <p:cNvPr id="317" name="Connecteur : en angle 316">
             <a:extLst>
               <a:ext uri="{FF2B5EF4-FFF2-40B4-BE49-F238E27FC236}">
-                <a16:creationId xmlns:a16="http://schemas.microsoft.com/office/drawing/2014/main" id="{C3947508-F6DB-40A1-A418-47243F363727}"/>
+                <a16:creationId xmlns:a16="http://schemas.microsoft.com/office/drawing/2014/main" xmlns="" id="{C3947508-F6DB-40A1-A418-47243F363727}"/>
               </a:ext>
             </a:extLst>
           </p:cNvPr>
@@ -17770,7 +17770,7 @@
           <p:cNvPr id="320" name="Connecteur : en angle 319">
             <a:extLst>
               <a:ext uri="{FF2B5EF4-FFF2-40B4-BE49-F238E27FC236}">
-                <a16:creationId xmlns:a16="http://schemas.microsoft.com/office/drawing/2014/main" id="{D24B843C-55A6-4AE6-B1C7-223E6744B346}"/>
+                <a16:creationId xmlns:a16="http://schemas.microsoft.com/office/drawing/2014/main" xmlns="" id="{D24B843C-55A6-4AE6-B1C7-223E6744B346}"/>
               </a:ext>
             </a:extLst>
           </p:cNvPr>
@@ -17818,7 +17818,7 @@
           <p:cNvPr id="355" name="Connecteur : en angle 354">
             <a:extLst>
               <a:ext uri="{FF2B5EF4-FFF2-40B4-BE49-F238E27FC236}">
-                <a16:creationId xmlns:a16="http://schemas.microsoft.com/office/drawing/2014/main" id="{50028A79-637C-4F67-851F-7D7BCCA70073}"/>
+                <a16:creationId xmlns:a16="http://schemas.microsoft.com/office/drawing/2014/main" xmlns="" id="{50028A79-637C-4F67-851F-7D7BCCA70073}"/>
               </a:ext>
             </a:extLst>
           </p:cNvPr>
@@ -17865,7 +17865,7 @@
           <p:cNvPr id="358" name="Connecteur : en angle 357">
             <a:extLst>
               <a:ext uri="{FF2B5EF4-FFF2-40B4-BE49-F238E27FC236}">
-                <a16:creationId xmlns:a16="http://schemas.microsoft.com/office/drawing/2014/main" id="{BE822842-D05F-420A-A69A-DF949BDC749D}"/>
+                <a16:creationId xmlns:a16="http://schemas.microsoft.com/office/drawing/2014/main" xmlns="" id="{BE822842-D05F-420A-A69A-DF949BDC749D}"/>
               </a:ext>
             </a:extLst>
           </p:cNvPr>
@@ -17915,7 +17915,7 @@
           <p:cNvPr id="373" name="Rectangle 372">
             <a:extLst>
               <a:ext uri="{FF2B5EF4-FFF2-40B4-BE49-F238E27FC236}">
-                <a16:creationId xmlns:a16="http://schemas.microsoft.com/office/drawing/2014/main" id="{420AC9D9-A6F5-4B61-9250-1588A22BD5E8}"/>
+                <a16:creationId xmlns:a16="http://schemas.microsoft.com/office/drawing/2014/main" xmlns="" id="{420AC9D9-A6F5-4B61-9250-1588A22BD5E8}"/>
               </a:ext>
             </a:extLst>
           </p:cNvPr>
@@ -17977,7 +17977,7 @@
           <p:cNvPr id="374" name="Connecteur : en angle 373">
             <a:extLst>
               <a:ext uri="{FF2B5EF4-FFF2-40B4-BE49-F238E27FC236}">
-                <a16:creationId xmlns:a16="http://schemas.microsoft.com/office/drawing/2014/main" id="{57473353-96D1-4378-AB70-5BA4C1AE6235}"/>
+                <a16:creationId xmlns:a16="http://schemas.microsoft.com/office/drawing/2014/main" xmlns="" id="{57473353-96D1-4378-AB70-5BA4C1AE6235}"/>
               </a:ext>
             </a:extLst>
           </p:cNvPr>
@@ -18025,7 +18025,7 @@
           <p:cNvPr id="375" name="Connecteur : en angle 374">
             <a:extLst>
               <a:ext uri="{FF2B5EF4-FFF2-40B4-BE49-F238E27FC236}">
-                <a16:creationId xmlns:a16="http://schemas.microsoft.com/office/drawing/2014/main" id="{2A303C1B-96AB-4B61-925C-27A077B1D4D8}"/>
+                <a16:creationId xmlns:a16="http://schemas.microsoft.com/office/drawing/2014/main" xmlns="" id="{2A303C1B-96AB-4B61-925C-27A077B1D4D8}"/>
               </a:ext>
             </a:extLst>
           </p:cNvPr>
@@ -18072,7 +18072,7 @@
           <p:cNvPr id="378" name="Rectangle 377">
             <a:extLst>
               <a:ext uri="{FF2B5EF4-FFF2-40B4-BE49-F238E27FC236}">
-                <a16:creationId xmlns:a16="http://schemas.microsoft.com/office/drawing/2014/main" id="{2B3D5B27-729F-46F3-9904-0836C3D12FC6}"/>
+                <a16:creationId xmlns:a16="http://schemas.microsoft.com/office/drawing/2014/main" xmlns="" id="{2B3D5B27-729F-46F3-9904-0836C3D12FC6}"/>
               </a:ext>
             </a:extLst>
           </p:cNvPr>
@@ -18134,7 +18134,7 @@
           <p:cNvPr id="379" name="Rectangle 378">
             <a:extLst>
               <a:ext uri="{FF2B5EF4-FFF2-40B4-BE49-F238E27FC236}">
-                <a16:creationId xmlns:a16="http://schemas.microsoft.com/office/drawing/2014/main" id="{F9A21658-CC51-4EF3-A5F1-9ABEA5DAC86D}"/>
+                <a16:creationId xmlns:a16="http://schemas.microsoft.com/office/drawing/2014/main" xmlns="" id="{F9A21658-CC51-4EF3-A5F1-9ABEA5DAC86D}"/>
               </a:ext>
             </a:extLst>
           </p:cNvPr>
@@ -18196,7 +18196,7 @@
           <p:cNvPr id="380" name="Rectangle 379">
             <a:extLst>
               <a:ext uri="{FF2B5EF4-FFF2-40B4-BE49-F238E27FC236}">
-                <a16:creationId xmlns:a16="http://schemas.microsoft.com/office/drawing/2014/main" id="{4FDD1D3C-F954-4F93-97E7-1C573E5686BF}"/>
+                <a16:creationId xmlns:a16="http://schemas.microsoft.com/office/drawing/2014/main" xmlns="" id="{4FDD1D3C-F954-4F93-97E7-1C573E5686BF}"/>
               </a:ext>
             </a:extLst>
           </p:cNvPr>
@@ -18258,7 +18258,7 @@
           <p:cNvPr id="381" name="Ellipse 380">
             <a:extLst>
               <a:ext uri="{FF2B5EF4-FFF2-40B4-BE49-F238E27FC236}">
-                <a16:creationId xmlns:a16="http://schemas.microsoft.com/office/drawing/2014/main" id="{915C7131-4ADF-47A5-AB2F-A2606FFC4771}"/>
+                <a16:creationId xmlns:a16="http://schemas.microsoft.com/office/drawing/2014/main" xmlns="" id="{915C7131-4ADF-47A5-AB2F-A2606FFC4771}"/>
               </a:ext>
             </a:extLst>
           </p:cNvPr>
@@ -18314,7 +18314,7 @@
           <p:cNvPr id="382" name="Ellipse 381">
             <a:extLst>
               <a:ext uri="{FF2B5EF4-FFF2-40B4-BE49-F238E27FC236}">
-                <a16:creationId xmlns:a16="http://schemas.microsoft.com/office/drawing/2014/main" id="{2048F7A5-9C7E-4B79-8A25-96398846C664}"/>
+                <a16:creationId xmlns:a16="http://schemas.microsoft.com/office/drawing/2014/main" xmlns="" id="{2048F7A5-9C7E-4B79-8A25-96398846C664}"/>
               </a:ext>
             </a:extLst>
           </p:cNvPr>
@@ -18363,7 +18363,7 @@
           <p:cNvPr id="384" name="Connecteur : en angle 383">
             <a:extLst>
               <a:ext uri="{FF2B5EF4-FFF2-40B4-BE49-F238E27FC236}">
-                <a16:creationId xmlns:a16="http://schemas.microsoft.com/office/drawing/2014/main" id="{74AE99B0-A73D-4A1A-99B1-E22BA0C9F9C6}"/>
+                <a16:creationId xmlns:a16="http://schemas.microsoft.com/office/drawing/2014/main" xmlns="" id="{74AE99B0-A73D-4A1A-99B1-E22BA0C9F9C6}"/>
               </a:ext>
             </a:extLst>
           </p:cNvPr>
@@ -18412,7 +18412,7 @@
           <p:cNvPr id="385" name="Connecteur : en angle 384">
             <a:extLst>
               <a:ext uri="{FF2B5EF4-FFF2-40B4-BE49-F238E27FC236}">
-                <a16:creationId xmlns:a16="http://schemas.microsoft.com/office/drawing/2014/main" id="{484985E9-23DC-44EF-95C9-1D408612B200}"/>
+                <a16:creationId xmlns:a16="http://schemas.microsoft.com/office/drawing/2014/main" xmlns="" id="{484985E9-23DC-44EF-95C9-1D408612B200}"/>
               </a:ext>
             </a:extLst>
           </p:cNvPr>
@@ -18460,7 +18460,7 @@
           <p:cNvPr id="386" name="Rectangle 385">
             <a:extLst>
               <a:ext uri="{FF2B5EF4-FFF2-40B4-BE49-F238E27FC236}">
-                <a16:creationId xmlns:a16="http://schemas.microsoft.com/office/drawing/2014/main" id="{DDDBFEDC-888C-49DC-9C90-6306A70336FA}"/>
+                <a16:creationId xmlns:a16="http://schemas.microsoft.com/office/drawing/2014/main" xmlns="" id="{DDDBFEDC-888C-49DC-9C90-6306A70336FA}"/>
               </a:ext>
             </a:extLst>
           </p:cNvPr>
@@ -18504,7 +18504,7 @@
           <p:cNvPr id="387" name="Rectangle 386">
             <a:extLst>
               <a:ext uri="{FF2B5EF4-FFF2-40B4-BE49-F238E27FC236}">
-                <a16:creationId xmlns:a16="http://schemas.microsoft.com/office/drawing/2014/main" id="{5A6E39E5-42E5-481A-8F0D-6C225276ABF4}"/>
+                <a16:creationId xmlns:a16="http://schemas.microsoft.com/office/drawing/2014/main" xmlns="" id="{5A6E39E5-42E5-481A-8F0D-6C225276ABF4}"/>
               </a:ext>
             </a:extLst>
           </p:cNvPr>
@@ -18548,7 +18548,7 @@
           <p:cNvPr id="388" name="Connecteur : en angle 387">
             <a:extLst>
               <a:ext uri="{FF2B5EF4-FFF2-40B4-BE49-F238E27FC236}">
-                <a16:creationId xmlns:a16="http://schemas.microsoft.com/office/drawing/2014/main" id="{14E3F705-ECD4-40A4-BAF3-943E7D009605}"/>
+                <a16:creationId xmlns:a16="http://schemas.microsoft.com/office/drawing/2014/main" xmlns="" id="{14E3F705-ECD4-40A4-BAF3-943E7D009605}"/>
               </a:ext>
             </a:extLst>
           </p:cNvPr>
@@ -18597,7 +18597,7 @@
           <p:cNvPr id="389" name="Connecteur : en angle 388">
             <a:extLst>
               <a:ext uri="{FF2B5EF4-FFF2-40B4-BE49-F238E27FC236}">
-                <a16:creationId xmlns:a16="http://schemas.microsoft.com/office/drawing/2014/main" id="{4B0DF1A3-4F22-47B2-A5C7-F43FE13F03EA}"/>
+                <a16:creationId xmlns:a16="http://schemas.microsoft.com/office/drawing/2014/main" xmlns="" id="{4B0DF1A3-4F22-47B2-A5C7-F43FE13F03EA}"/>
               </a:ext>
             </a:extLst>
           </p:cNvPr>
@@ -18643,7 +18643,7 @@
           <p:cNvPr id="392" name="Connecteur : en angle 391">
             <a:extLst>
               <a:ext uri="{FF2B5EF4-FFF2-40B4-BE49-F238E27FC236}">
-                <a16:creationId xmlns:a16="http://schemas.microsoft.com/office/drawing/2014/main" id="{50070C9F-476C-413C-B487-94D7D49FAC3D}"/>
+                <a16:creationId xmlns:a16="http://schemas.microsoft.com/office/drawing/2014/main" xmlns="" id="{50070C9F-476C-413C-B487-94D7D49FAC3D}"/>
               </a:ext>
             </a:extLst>
           </p:cNvPr>
@@ -18692,7 +18692,7 @@
           <p:cNvPr id="398" name="Connecteur : en angle 397">
             <a:extLst>
               <a:ext uri="{FF2B5EF4-FFF2-40B4-BE49-F238E27FC236}">
-                <a16:creationId xmlns:a16="http://schemas.microsoft.com/office/drawing/2014/main" id="{334E7B64-6162-44A3-AD6C-6A6B029BB3BF}"/>
+                <a16:creationId xmlns:a16="http://schemas.microsoft.com/office/drawing/2014/main" xmlns="" id="{334E7B64-6162-44A3-AD6C-6A6B029BB3BF}"/>
               </a:ext>
             </a:extLst>
           </p:cNvPr>
@@ -18742,7 +18742,7 @@
           <p:cNvPr id="408" name="ZoneTexte 407">
             <a:extLst>
               <a:ext uri="{FF2B5EF4-FFF2-40B4-BE49-F238E27FC236}">
-                <a16:creationId xmlns:a16="http://schemas.microsoft.com/office/drawing/2014/main" id="{79787717-57FB-4747-B7B5-1D81B6AF248C}"/>
+                <a16:creationId xmlns:a16="http://schemas.microsoft.com/office/drawing/2014/main" xmlns="" id="{79787717-57FB-4747-B7B5-1D81B6AF248C}"/>
               </a:ext>
             </a:extLst>
           </p:cNvPr>
@@ -18786,7 +18786,7 @@
           <p:cNvPr id="410" name="Connecteur : en angle 409">
             <a:extLst>
               <a:ext uri="{FF2B5EF4-FFF2-40B4-BE49-F238E27FC236}">
-                <a16:creationId xmlns:a16="http://schemas.microsoft.com/office/drawing/2014/main" id="{666688CA-8916-4EB2-B637-26090C19E526}"/>
+                <a16:creationId xmlns:a16="http://schemas.microsoft.com/office/drawing/2014/main" xmlns="" id="{666688CA-8916-4EB2-B637-26090C19E526}"/>
               </a:ext>
             </a:extLst>
           </p:cNvPr>
@@ -18831,7 +18831,7 @@
           <p:cNvPr id="412" name="Connecteur : en angle 411">
             <a:extLst>
               <a:ext uri="{FF2B5EF4-FFF2-40B4-BE49-F238E27FC236}">
-                <a16:creationId xmlns:a16="http://schemas.microsoft.com/office/drawing/2014/main" id="{84C84E06-30F4-4A81-956E-94CE05B381A5}"/>
+                <a16:creationId xmlns:a16="http://schemas.microsoft.com/office/drawing/2014/main" xmlns="" id="{84C84E06-30F4-4A81-956E-94CE05B381A5}"/>
               </a:ext>
             </a:extLst>
           </p:cNvPr>
@@ -18876,7 +18876,7 @@
           <p:cNvPr id="433" name="ZoneTexte 432">
             <a:extLst>
               <a:ext uri="{FF2B5EF4-FFF2-40B4-BE49-F238E27FC236}">
-                <a16:creationId xmlns:a16="http://schemas.microsoft.com/office/drawing/2014/main" id="{840EE321-8DD6-4F04-8CC4-A398DE980BB5}"/>
+                <a16:creationId xmlns:a16="http://schemas.microsoft.com/office/drawing/2014/main" xmlns="" id="{840EE321-8DD6-4F04-8CC4-A398DE980BB5}"/>
               </a:ext>
             </a:extLst>
           </p:cNvPr>
@@ -18912,7 +18912,7 @@
           <p:cNvPr id="434" name="Connecteur : en angle 433">
             <a:extLst>
               <a:ext uri="{FF2B5EF4-FFF2-40B4-BE49-F238E27FC236}">
-                <a16:creationId xmlns:a16="http://schemas.microsoft.com/office/drawing/2014/main" id="{9C3DEE59-061C-4F23-9E21-5B3DB2591270}"/>
+                <a16:creationId xmlns:a16="http://schemas.microsoft.com/office/drawing/2014/main" xmlns="" id="{9C3DEE59-061C-4F23-9E21-5B3DB2591270}"/>
               </a:ext>
             </a:extLst>
           </p:cNvPr>
@@ -18957,7 +18957,7 @@
           <p:cNvPr id="439" name="Connecteur : en angle 438">
             <a:extLst>
               <a:ext uri="{FF2B5EF4-FFF2-40B4-BE49-F238E27FC236}">
-                <a16:creationId xmlns:a16="http://schemas.microsoft.com/office/drawing/2014/main" id="{3F1DD5BB-C4D4-44C9-B69D-9BABDB4CAF87}"/>
+                <a16:creationId xmlns:a16="http://schemas.microsoft.com/office/drawing/2014/main" xmlns="" id="{3F1DD5BB-C4D4-44C9-B69D-9BABDB4CAF87}"/>
               </a:ext>
             </a:extLst>
           </p:cNvPr>
@@ -19002,7 +19002,7 @@
           <p:cNvPr id="457" name="Connecteur : en angle 456">
             <a:extLst>
               <a:ext uri="{FF2B5EF4-FFF2-40B4-BE49-F238E27FC236}">
-                <a16:creationId xmlns:a16="http://schemas.microsoft.com/office/drawing/2014/main" id="{DD1FF013-1869-43C9-AF8C-513A388A7994}"/>
+                <a16:creationId xmlns:a16="http://schemas.microsoft.com/office/drawing/2014/main" xmlns="" id="{DD1FF013-1869-43C9-AF8C-513A388A7994}"/>
               </a:ext>
             </a:extLst>
           </p:cNvPr>
@@ -19050,7 +19050,7 @@
           <p:cNvPr id="462" name="ZoneTexte 461">
             <a:extLst>
               <a:ext uri="{FF2B5EF4-FFF2-40B4-BE49-F238E27FC236}">
-                <a16:creationId xmlns:a16="http://schemas.microsoft.com/office/drawing/2014/main" id="{5B2F5E68-3D06-4261-B9DA-17D6ADC912E2}"/>
+                <a16:creationId xmlns:a16="http://schemas.microsoft.com/office/drawing/2014/main" xmlns="" id="{5B2F5E68-3D06-4261-B9DA-17D6ADC912E2}"/>
               </a:ext>
             </a:extLst>
           </p:cNvPr>
@@ -19094,7 +19094,7 @@
           <p:cNvPr id="470" name="ZoneTexte 469">
             <a:extLst>
               <a:ext uri="{FF2B5EF4-FFF2-40B4-BE49-F238E27FC236}">
-                <a16:creationId xmlns:a16="http://schemas.microsoft.com/office/drawing/2014/main" id="{443371C7-E1C8-4900-AD8B-521C8C9B2DC4}"/>
+                <a16:creationId xmlns:a16="http://schemas.microsoft.com/office/drawing/2014/main" xmlns="" id="{443371C7-E1C8-4900-AD8B-521C8C9B2DC4}"/>
               </a:ext>
             </a:extLst>
           </p:cNvPr>
@@ -19133,7 +19133,7 @@
           <p:cNvPr id="471" name="Rectangle 470">
             <a:extLst>
               <a:ext uri="{FF2B5EF4-FFF2-40B4-BE49-F238E27FC236}">
-                <a16:creationId xmlns:a16="http://schemas.microsoft.com/office/drawing/2014/main" id="{DC26D7C4-6EE8-44A8-AC43-01551523B6D7}"/>
+                <a16:creationId xmlns:a16="http://schemas.microsoft.com/office/drawing/2014/main" xmlns="" id="{DC26D7C4-6EE8-44A8-AC43-01551523B6D7}"/>
               </a:ext>
             </a:extLst>
           </p:cNvPr>
@@ -19171,7 +19171,7 @@
           <p:cNvPr id="473" name="Rectangle 472">
             <a:extLst>
               <a:ext uri="{FF2B5EF4-FFF2-40B4-BE49-F238E27FC236}">
-                <a16:creationId xmlns:a16="http://schemas.microsoft.com/office/drawing/2014/main" id="{4FC0546C-7D49-4197-AD4D-C4422D6C4D48}"/>
+                <a16:creationId xmlns:a16="http://schemas.microsoft.com/office/drawing/2014/main" xmlns="" id="{4FC0546C-7D49-4197-AD4D-C4422D6C4D48}"/>
               </a:ext>
             </a:extLst>
           </p:cNvPr>
@@ -19209,7 +19209,7 @@
           <p:cNvPr id="474" name="Rectangle 473">
             <a:extLst>
               <a:ext uri="{FF2B5EF4-FFF2-40B4-BE49-F238E27FC236}">
-                <a16:creationId xmlns:a16="http://schemas.microsoft.com/office/drawing/2014/main" id="{999DF084-CB0E-4696-8E70-3C60790BC689}"/>
+                <a16:creationId xmlns:a16="http://schemas.microsoft.com/office/drawing/2014/main" xmlns="" id="{999DF084-CB0E-4696-8E70-3C60790BC689}"/>
               </a:ext>
             </a:extLst>
           </p:cNvPr>
@@ -19247,7 +19247,7 @@
           <p:cNvPr id="475" name="Rectangle 474">
             <a:extLst>
               <a:ext uri="{FF2B5EF4-FFF2-40B4-BE49-F238E27FC236}">
-                <a16:creationId xmlns:a16="http://schemas.microsoft.com/office/drawing/2014/main" id="{D7B12063-1C01-47C0-8C09-8DF2CA245586}"/>
+                <a16:creationId xmlns:a16="http://schemas.microsoft.com/office/drawing/2014/main" xmlns="" id="{D7B12063-1C01-47C0-8C09-8DF2CA245586}"/>
               </a:ext>
             </a:extLst>
           </p:cNvPr>
@@ -19281,7 +19281,7 @@
           <p:cNvPr id="476" name="Rectangle 475">
             <a:extLst>
               <a:ext uri="{FF2B5EF4-FFF2-40B4-BE49-F238E27FC236}">
-                <a16:creationId xmlns:a16="http://schemas.microsoft.com/office/drawing/2014/main" id="{BEAFE042-BFBA-4A8F-B55C-A2D90751F2B5}"/>
+                <a16:creationId xmlns:a16="http://schemas.microsoft.com/office/drawing/2014/main" xmlns="" id="{BEAFE042-BFBA-4A8F-B55C-A2D90751F2B5}"/>
               </a:ext>
             </a:extLst>
           </p:cNvPr>
@@ -19315,7 +19315,7 @@
           <p:cNvPr id="477" name="Rectangle 476">
             <a:extLst>
               <a:ext uri="{FF2B5EF4-FFF2-40B4-BE49-F238E27FC236}">
-                <a16:creationId xmlns:a16="http://schemas.microsoft.com/office/drawing/2014/main" id="{5A72ABC9-CCC9-4AD0-A17E-CC4011D45328}"/>
+                <a16:creationId xmlns:a16="http://schemas.microsoft.com/office/drawing/2014/main" xmlns="" id="{5A72ABC9-CCC9-4AD0-A17E-CC4011D45328}"/>
               </a:ext>
             </a:extLst>
           </p:cNvPr>
@@ -19349,7 +19349,7 @@
           <p:cNvPr id="478" name="Rectangle 477">
             <a:extLst>
               <a:ext uri="{FF2B5EF4-FFF2-40B4-BE49-F238E27FC236}">
-                <a16:creationId xmlns:a16="http://schemas.microsoft.com/office/drawing/2014/main" id="{E7064332-48CA-4CF8-B560-93D8A2393BA4}"/>
+                <a16:creationId xmlns:a16="http://schemas.microsoft.com/office/drawing/2014/main" xmlns="" id="{E7064332-48CA-4CF8-B560-93D8A2393BA4}"/>
               </a:ext>
             </a:extLst>
           </p:cNvPr>
@@ -19413,7 +19413,7 @@
           <p:cNvPr id="2" name="Titre 1">
             <a:extLst>
               <a:ext uri="{FF2B5EF4-FFF2-40B4-BE49-F238E27FC236}">
-                <a16:creationId xmlns:a16="http://schemas.microsoft.com/office/drawing/2014/main" id="{8DDCDBDF-D8CC-44B1-A599-F6FD2A53CCC8}"/>
+                <a16:creationId xmlns:a16="http://schemas.microsoft.com/office/drawing/2014/main" xmlns="" id="{8DDCDBDF-D8CC-44B1-A599-F6FD2A53CCC8}"/>
               </a:ext>
             </a:extLst>
           </p:cNvPr>
@@ -19441,7 +19441,7 @@
           <p:cNvPr id="4" name="Espace réservé du contenu 3">
             <a:extLst>
               <a:ext uri="{FF2B5EF4-FFF2-40B4-BE49-F238E27FC236}">
-                <a16:creationId xmlns:a16="http://schemas.microsoft.com/office/drawing/2014/main" id="{003D9151-9798-4FFF-84EB-CA24DBFE390D}"/>
+                <a16:creationId xmlns:a16="http://schemas.microsoft.com/office/drawing/2014/main" xmlns="" id="{003D9151-9798-4FFF-84EB-CA24DBFE390D}"/>
               </a:ext>
             </a:extLst>
           </p:cNvPr>
@@ -19452,14 +19452,14 @@
             <p:ph idx="1"/>
             <p:extLst>
               <p:ext uri="{D42A27DB-BD31-4B8C-83A1-F6EECF244321}">
-                <p14:modId xmlns:p14="http://schemas.microsoft.com/office/powerpoint/2010/main" val="2558521601"/>
+                <p14:modId xmlns:p14="http://schemas.microsoft.com/office/powerpoint/2010/main" val="569391450"/>
               </p:ext>
             </p:extLst>
           </p:nvPr>
         </p:nvGraphicFramePr>
         <p:xfrm>
           <a:off x="897467" y="1464733"/>
-          <a:ext cx="10524066" cy="5151120"/>
+          <a:ext cx="10524065" cy="5420360"/>
         </p:xfrm>
         <a:graphic>
           <a:graphicData uri="http://schemas.openxmlformats.org/drawingml/2006/table">
@@ -19468,31 +19468,32 @@
                 <a:tableStyleId>{5C22544A-7EE6-4342-B048-85BDC9FD1C3A}</a:tableStyleId>
               </a:tblPr>
               <a:tblGrid>
-                <a:gridCol w="2628900">
+                <a:gridCol w="2103458">
                   <a:extLst>
                     <a:ext uri="{9D8B030D-6E8A-4147-A177-3AD203B41FA5}">
-                      <a16:colId xmlns:a16="http://schemas.microsoft.com/office/drawing/2014/main" val="141237979"/>
+                      <a16:colId xmlns:a16="http://schemas.microsoft.com/office/drawing/2014/main" xmlns="" val="141237979"/>
                     </a:ext>
                   </a:extLst>
                 </a:gridCol>
-                <a:gridCol w="2628900">
+                <a:gridCol w="2103458">
                   <a:extLst>
                     <a:ext uri="{9D8B030D-6E8A-4147-A177-3AD203B41FA5}">
-                      <a16:colId xmlns:a16="http://schemas.microsoft.com/office/drawing/2014/main" val="2232030455"/>
+                      <a16:colId xmlns:a16="http://schemas.microsoft.com/office/drawing/2014/main" xmlns="" val="2232030455"/>
                     </a:ext>
                   </a:extLst>
                 </a:gridCol>
-                <a:gridCol w="4809067">
+                <a:gridCol w="2103458"/>
+                <a:gridCol w="3847873">
                   <a:extLst>
                     <a:ext uri="{9D8B030D-6E8A-4147-A177-3AD203B41FA5}">
-                      <a16:colId xmlns:a16="http://schemas.microsoft.com/office/drawing/2014/main" val="295038499"/>
+                      <a16:colId xmlns:a16="http://schemas.microsoft.com/office/drawing/2014/main" xmlns="" val="295038499"/>
                     </a:ext>
                   </a:extLst>
                 </a:gridCol>
-                <a:gridCol w="457199">
+                <a:gridCol w="365818">
                   <a:extLst>
                     <a:ext uri="{9D8B030D-6E8A-4147-A177-3AD203B41FA5}">
-                      <a16:colId xmlns:a16="http://schemas.microsoft.com/office/drawing/2014/main" val="3592764086"/>
+                      <a16:colId xmlns:a16="http://schemas.microsoft.com/office/drawing/2014/main" xmlns="" val="3592764086"/>
                     </a:ext>
                   </a:extLst>
                 </a:gridCol>
@@ -19531,6 +19532,24 @@
                     <a:bodyPr/>
                     <a:lstStyle/>
                     <a:p>
+                      <a:r>
+                        <a:rPr lang="fr-FR" dirty="0" smtClean="0"/>
+                        <a:t>Reference</a:t>
+                      </a:r>
+                      <a:endParaRPr lang="fr-FR" dirty="0"/>
+                    </a:p>
+                  </a:txBody>
+                  <a:tcPr/>
+                </a:tc>
+                <a:tc>
+                  <a:txBody>
+                    <a:bodyPr/>
+                    <a:lstStyle/>
+                    <a:p>
+                      <a:r>
+                        <a:rPr lang="fr-FR" dirty="0" smtClean="0"/>
+                        <a:t>Interface</a:t>
+                      </a:r>
                       <a:endParaRPr lang="fr-FR" dirty="0"/>
                     </a:p>
                   </a:txBody>
@@ -19548,7 +19567,7 @@
                 </a:tc>
                 <a:extLst>
                   <a:ext uri="{0D108BD9-81ED-4DB2-BD59-A6C34878D82A}">
-                    <a16:rowId xmlns:a16="http://schemas.microsoft.com/office/drawing/2014/main" val="3930063906"/>
+                    <a16:rowId xmlns:a16="http://schemas.microsoft.com/office/drawing/2014/main" xmlns="" val="3930063906"/>
                   </a:ext>
                 </a:extLst>
               </a:tr>
@@ -19602,6 +19621,33 @@
                         <a:rPr lang="fr-FR" dirty="0"/>
                         <a:t>Run</a:t>
                       </a:r>
+                    </a:p>
+                  </a:txBody>
+                  <a:tcPr/>
+                </a:tc>
+                <a:tc>
+                  <a:txBody>
+                    <a:bodyPr/>
+                    <a:lstStyle/>
+                    <a:p>
+                      <a:pPr marL="0" marR="0" lvl="0" indent="0" algn="l" defTabSz="914400" rtl="0" eaLnBrk="1" fontAlgn="auto" latinLnBrk="0" hangingPunct="1">
+                        <a:lnSpc>
+                          <a:spcPct val="100000"/>
+                        </a:lnSpc>
+                        <a:spcBef>
+                          <a:spcPts val="0"/>
+                        </a:spcBef>
+                        <a:spcAft>
+                          <a:spcPts val="0"/>
+                        </a:spcAft>
+                        <a:buClrTx/>
+                        <a:buSzTx/>
+                        <a:buFontTx/>
+                        <a:buNone/>
+                        <a:tabLst/>
+                        <a:defRPr/>
+                      </a:pPr>
+                      <a:endParaRPr lang="fr-FR" dirty="0"/>
                     </a:p>
                   </a:txBody>
                   <a:tcPr/>
@@ -19703,7 +19749,7 @@
                 </a:tc>
                 <a:extLst>
                   <a:ext uri="{0D108BD9-81ED-4DB2-BD59-A6C34878D82A}">
-                    <a16:rowId xmlns:a16="http://schemas.microsoft.com/office/drawing/2014/main" val="3459295351"/>
+                    <a16:rowId xmlns:a16="http://schemas.microsoft.com/office/drawing/2014/main" xmlns="" val="3459295351"/>
                   </a:ext>
                 </a:extLst>
               </a:tr>
@@ -19779,6 +19825,33 @@
                         <a:rPr lang="fr-FR" dirty="0"/>
                         <a:t>Run</a:t>
                       </a:r>
+                    </a:p>
+                  </a:txBody>
+                  <a:tcPr/>
+                </a:tc>
+                <a:tc>
+                  <a:txBody>
+                    <a:bodyPr/>
+                    <a:lstStyle/>
+                    <a:p>
+                      <a:pPr marL="0" marR="0" lvl="0" indent="0" algn="l" defTabSz="914400" rtl="0" eaLnBrk="1" fontAlgn="auto" latinLnBrk="0" hangingPunct="1">
+                        <a:lnSpc>
+                          <a:spcPct val="100000"/>
+                        </a:lnSpc>
+                        <a:spcBef>
+                          <a:spcPts val="0"/>
+                        </a:spcBef>
+                        <a:spcAft>
+                          <a:spcPts val="0"/>
+                        </a:spcAft>
+                        <a:buClrTx/>
+                        <a:buSzTx/>
+                        <a:buFontTx/>
+                        <a:buNone/>
+                        <a:tabLst/>
+                        <a:defRPr/>
+                      </a:pPr>
+                      <a:endParaRPr lang="fr-FR" dirty="0"/>
                     </a:p>
                   </a:txBody>
                   <a:tcPr/>
@@ -19914,7 +19987,7 @@
                 </a:tc>
                 <a:extLst>
                   <a:ext uri="{0D108BD9-81ED-4DB2-BD59-A6C34878D82A}">
-                    <a16:rowId xmlns:a16="http://schemas.microsoft.com/office/drawing/2014/main" val="11531206"/>
+                    <a16:rowId xmlns:a16="http://schemas.microsoft.com/office/drawing/2014/main" xmlns="" val="11531206"/>
                   </a:ext>
                 </a:extLst>
               </a:tr>
@@ -19997,6 +20070,33 @@
                         <a:rPr lang="fr-FR" dirty="0"/>
                         <a:t>Run</a:t>
                       </a:r>
+                    </a:p>
+                  </a:txBody>
+                  <a:tcPr/>
+                </a:tc>
+                <a:tc>
+                  <a:txBody>
+                    <a:bodyPr/>
+                    <a:lstStyle/>
+                    <a:p>
+                      <a:pPr marL="0" marR="0" lvl="0" indent="0" algn="l" defTabSz="914400" rtl="0" eaLnBrk="1" fontAlgn="auto" latinLnBrk="0" hangingPunct="1">
+                        <a:lnSpc>
+                          <a:spcPct val="100000"/>
+                        </a:lnSpc>
+                        <a:spcBef>
+                          <a:spcPts val="0"/>
+                        </a:spcBef>
+                        <a:spcAft>
+                          <a:spcPts val="0"/>
+                        </a:spcAft>
+                        <a:buClrTx/>
+                        <a:buSzTx/>
+                        <a:buFontTx/>
+                        <a:buNone/>
+                        <a:tabLst/>
+                        <a:defRPr/>
+                      </a:pPr>
+                      <a:endParaRPr lang="fr-FR" dirty="0"/>
                     </a:p>
                   </a:txBody>
                   <a:tcPr/>
@@ -20132,7 +20232,7 @@
                 </a:tc>
                 <a:extLst>
                   <a:ext uri="{0D108BD9-81ED-4DB2-BD59-A6C34878D82A}">
-                    <a16:rowId xmlns:a16="http://schemas.microsoft.com/office/drawing/2014/main" val="1140387248"/>
+                    <a16:rowId xmlns:a16="http://schemas.microsoft.com/office/drawing/2014/main" xmlns="" val="1140387248"/>
                   </a:ext>
                 </a:extLst>
               </a:tr>
@@ -20220,6 +20320,33 @@
                         <a:rPr lang="fr-FR" dirty="0"/>
                         <a:t>Run</a:t>
                       </a:r>
+                    </a:p>
+                  </a:txBody>
+                  <a:tcPr/>
+                </a:tc>
+                <a:tc>
+                  <a:txBody>
+                    <a:bodyPr/>
+                    <a:lstStyle/>
+                    <a:p>
+                      <a:pPr marL="0" marR="0" lvl="0" indent="0" algn="l" defTabSz="914400" rtl="0" eaLnBrk="1" fontAlgn="auto" latinLnBrk="0" hangingPunct="1">
+                        <a:lnSpc>
+                          <a:spcPct val="100000"/>
+                        </a:lnSpc>
+                        <a:spcBef>
+                          <a:spcPts val="0"/>
+                        </a:spcBef>
+                        <a:spcAft>
+                          <a:spcPts val="0"/>
+                        </a:spcAft>
+                        <a:buClrTx/>
+                        <a:buSzTx/>
+                        <a:buFontTx/>
+                        <a:buNone/>
+                        <a:tabLst/>
+                        <a:defRPr/>
+                      </a:pPr>
+                      <a:endParaRPr lang="fr-FR" dirty="0"/>
                     </a:p>
                   </a:txBody>
                   <a:tcPr/>
@@ -20355,7 +20482,7 @@
                 </a:tc>
                 <a:extLst>
                   <a:ext uri="{0D108BD9-81ED-4DB2-BD59-A6C34878D82A}">
-                    <a16:rowId xmlns:a16="http://schemas.microsoft.com/office/drawing/2014/main" val="4031062607"/>
+                    <a16:rowId xmlns:a16="http://schemas.microsoft.com/office/drawing/2014/main" xmlns="" val="4031062607"/>
                   </a:ext>
                 </a:extLst>
               </a:tr>
@@ -20430,6 +20557,33 @@
                         <a:tabLst/>
                         <a:defRPr/>
                       </a:pPr>
+                      <a:endParaRPr lang="fr-FR" dirty="0"/>
+                    </a:p>
+                  </a:txBody>
+                  <a:tcPr/>
+                </a:tc>
+                <a:tc>
+                  <a:txBody>
+                    <a:bodyPr/>
+                    <a:lstStyle/>
+                    <a:p>
+                      <a:pPr marL="0" marR="0" lvl="0" indent="0" algn="l" defTabSz="914400" rtl="0" eaLnBrk="1" fontAlgn="auto" latinLnBrk="0" hangingPunct="1">
+                        <a:lnSpc>
+                          <a:spcPct val="100000"/>
+                        </a:lnSpc>
+                        <a:spcBef>
+                          <a:spcPts val="0"/>
+                        </a:spcBef>
+                        <a:spcAft>
+                          <a:spcPts val="0"/>
+                        </a:spcAft>
+                        <a:buClrTx/>
+                        <a:buSzTx/>
+                        <a:buFontTx/>
+                        <a:buNone/>
+                        <a:tabLst/>
+                        <a:defRPr/>
+                      </a:pPr>
                       <a:r>
                         <a:rPr lang="fr-FR" dirty="0"/>
                         <a:t>Digital pin 26</a:t>
@@ -20483,7 +20637,7 @@
                 </a:tc>
                 <a:extLst>
                   <a:ext uri="{0D108BD9-81ED-4DB2-BD59-A6C34878D82A}">
-                    <a16:rowId xmlns:a16="http://schemas.microsoft.com/office/drawing/2014/main" val="3810878265"/>
+                    <a16:rowId xmlns:a16="http://schemas.microsoft.com/office/drawing/2014/main" xmlns="" val="3810878265"/>
                   </a:ext>
                 </a:extLst>
               </a:tr>
@@ -20553,6 +20707,33 @@
                         <a:tabLst/>
                         <a:defRPr/>
                       </a:pPr>
+                      <a:endParaRPr lang="fr-FR" dirty="0"/>
+                    </a:p>
+                  </a:txBody>
+                  <a:tcPr/>
+                </a:tc>
+                <a:tc>
+                  <a:txBody>
+                    <a:bodyPr/>
+                    <a:lstStyle/>
+                    <a:p>
+                      <a:pPr marL="0" marR="0" lvl="0" indent="0" algn="l" defTabSz="914400" rtl="0" eaLnBrk="1" fontAlgn="auto" latinLnBrk="0" hangingPunct="1">
+                        <a:lnSpc>
+                          <a:spcPct val="100000"/>
+                        </a:lnSpc>
+                        <a:spcBef>
+                          <a:spcPts val="0"/>
+                        </a:spcBef>
+                        <a:spcAft>
+                          <a:spcPts val="0"/>
+                        </a:spcAft>
+                        <a:buClrTx/>
+                        <a:buSzTx/>
+                        <a:buFontTx/>
+                        <a:buNone/>
+                        <a:tabLst/>
+                        <a:defRPr/>
+                      </a:pPr>
                       <a:r>
                         <a:rPr lang="fr-FR" dirty="0"/>
                         <a:t>Digital pin 27</a:t>
@@ -20606,7 +20787,7 @@
                 </a:tc>
                 <a:extLst>
                   <a:ext uri="{0D108BD9-81ED-4DB2-BD59-A6C34878D82A}">
-                    <a16:rowId xmlns:a16="http://schemas.microsoft.com/office/drawing/2014/main" val="3452581991"/>
+                    <a16:rowId xmlns:a16="http://schemas.microsoft.com/office/drawing/2014/main" xmlns="" val="3452581991"/>
                   </a:ext>
                 </a:extLst>
               </a:tr>
@@ -20633,6 +20814,20 @@
                         <a:rPr lang="fr-FR" dirty="0"/>
                         <a:t>Run</a:t>
                       </a:r>
+                    </a:p>
+                  </a:txBody>
+                  <a:tcPr/>
+                </a:tc>
+                <a:tc>
+                  <a:txBody>
+                    <a:bodyPr/>
+                    <a:lstStyle/>
+                    <a:p>
+                      <a:r>
+                        <a:rPr lang="fr-FR" dirty="0" smtClean="0"/>
+                        <a:t>GP2Y0A21Y</a:t>
+                      </a:r>
+                      <a:endParaRPr lang="fr-FR" dirty="0"/>
                     </a:p>
                   </a:txBody>
                   <a:tcPr/>
@@ -20712,7 +20907,7 @@
                 </a:tc>
                 <a:extLst>
                   <a:ext uri="{0D108BD9-81ED-4DB2-BD59-A6C34878D82A}">
-                    <a16:rowId xmlns:a16="http://schemas.microsoft.com/office/drawing/2014/main" val="2574950784"/>
+                    <a16:rowId xmlns:a16="http://schemas.microsoft.com/office/drawing/2014/main" xmlns="" val="2574950784"/>
                   </a:ext>
                 </a:extLst>
               </a:tr>
@@ -20765,6 +20960,33 @@
                     <a:bodyPr/>
                     <a:lstStyle/>
                     <a:p>
+                      <a:pPr marL="0" marR="0" lvl="0" indent="0" algn="l" defTabSz="914400" rtl="0" eaLnBrk="1" fontAlgn="auto" latinLnBrk="0" hangingPunct="1">
+                        <a:lnSpc>
+                          <a:spcPct val="100000"/>
+                        </a:lnSpc>
+                        <a:spcBef>
+                          <a:spcPts val="0"/>
+                        </a:spcBef>
+                        <a:spcAft>
+                          <a:spcPts val="0"/>
+                        </a:spcAft>
+                        <a:buClrTx/>
+                        <a:buSzTx/>
+                        <a:buFontTx/>
+                        <a:buNone/>
+                        <a:tabLst/>
+                        <a:defRPr/>
+                      </a:pPr>
+                      <a:endParaRPr lang="fr-FR" dirty="0"/>
+                    </a:p>
+                  </a:txBody>
+                  <a:tcPr/>
+                </a:tc>
+                <a:tc>
+                  <a:txBody>
+                    <a:bodyPr/>
+                    <a:lstStyle/>
+                    <a:p>
                       <a:r>
                         <a:rPr lang="fr-FR" dirty="0"/>
                         <a:t>PWM pin 46</a:t>
@@ -20818,7 +21040,7 @@
                 </a:tc>
                 <a:extLst>
                   <a:ext uri="{0D108BD9-81ED-4DB2-BD59-A6C34878D82A}">
-                    <a16:rowId xmlns:a16="http://schemas.microsoft.com/office/drawing/2014/main" val="330511159"/>
+                    <a16:rowId xmlns:a16="http://schemas.microsoft.com/office/drawing/2014/main" xmlns="" val="330511159"/>
                   </a:ext>
                 </a:extLst>
               </a:tr>
@@ -20874,6 +21096,45 @@
                         <a:rPr lang="fr-FR" dirty="0"/>
                         <a:t>Run</a:t>
                       </a:r>
+                    </a:p>
+                  </a:txBody>
+                  <a:tcPr/>
+                </a:tc>
+                <a:tc>
+                  <a:txBody>
+                    <a:bodyPr/>
+                    <a:lstStyle/>
+                    <a:p>
+                      <a:pPr marL="0" marR="0" lvl="0" indent="0" algn="l" defTabSz="914400" rtl="0" eaLnBrk="1" fontAlgn="auto" latinLnBrk="0" hangingPunct="1">
+                        <a:lnSpc>
+                          <a:spcPct val="100000"/>
+                        </a:lnSpc>
+                        <a:spcBef>
+                          <a:spcPts val="0"/>
+                        </a:spcBef>
+                        <a:spcAft>
+                          <a:spcPts val="0"/>
+                        </a:spcAft>
+                        <a:buClrTx/>
+                        <a:buSzTx/>
+                        <a:buFontTx/>
+                        <a:buNone/>
+                        <a:tabLst/>
+                        <a:defRPr/>
+                      </a:pPr>
+                      <a:r>
+                        <a:rPr lang="en-US" sz="1800" b="0" i="0" kern="1200" dirty="0" smtClean="0">
+                          <a:solidFill>
+                            <a:schemeClr val="dk1"/>
+                          </a:solidFill>
+                          <a:effectLst/>
+                          <a:latin typeface="+mn-lt"/>
+                          <a:ea typeface="+mn-ea"/>
+                          <a:cs typeface="+mn-cs"/>
+                        </a:rPr>
+                        <a:t>VL53L0X</a:t>
+                      </a:r>
+                      <a:endParaRPr lang="fr-FR" dirty="0"/>
                     </a:p>
                   </a:txBody>
                   <a:tcPr/>
@@ -20958,7 +21219,7 @@
                 </a:tc>
                 <a:extLst>
                   <a:ext uri="{0D108BD9-81ED-4DB2-BD59-A6C34878D82A}">
-                    <a16:rowId xmlns:a16="http://schemas.microsoft.com/office/drawing/2014/main" val="1577479907"/>
+                    <a16:rowId xmlns:a16="http://schemas.microsoft.com/office/drawing/2014/main" xmlns="" val="1577479907"/>
                   </a:ext>
                 </a:extLst>
               </a:tr>
@@ -21033,6 +21294,45 @@
                         <a:defRPr/>
                       </a:pPr>
                       <a:r>
+                        <a:rPr lang="en-US" sz="1800" b="0" i="0" kern="1200" dirty="0" smtClean="0">
+                          <a:solidFill>
+                            <a:schemeClr val="dk1"/>
+                          </a:solidFill>
+                          <a:effectLst/>
+                          <a:latin typeface="+mn-lt"/>
+                          <a:ea typeface="+mn-ea"/>
+                          <a:cs typeface="+mn-cs"/>
+                        </a:rPr>
+                        <a:t>CMPS12</a:t>
+                      </a:r>
+                      <a:endParaRPr lang="fr-FR" dirty="0"/>
+                    </a:p>
+                  </a:txBody>
+                  <a:tcPr/>
+                </a:tc>
+                <a:tc>
+                  <a:txBody>
+                    <a:bodyPr/>
+                    <a:lstStyle/>
+                    <a:p>
+                      <a:pPr marL="0" marR="0" lvl="0" indent="0" algn="l" defTabSz="914400" rtl="0" eaLnBrk="1" fontAlgn="auto" latinLnBrk="0" hangingPunct="1">
+                        <a:lnSpc>
+                          <a:spcPct val="100000"/>
+                        </a:lnSpc>
+                        <a:spcBef>
+                          <a:spcPts val="0"/>
+                        </a:spcBef>
+                        <a:spcAft>
+                          <a:spcPts val="0"/>
+                        </a:spcAft>
+                        <a:buClrTx/>
+                        <a:buSzTx/>
+                        <a:buFontTx/>
+                        <a:buNone/>
+                        <a:tabLst/>
+                        <a:defRPr/>
+                      </a:pPr>
+                      <a:r>
                         <a:rPr lang="fr-FR" dirty="0"/>
                         <a:t>I2C 0x60</a:t>
                       </a:r>
@@ -21085,7 +21385,7 @@
                 </a:tc>
                 <a:extLst>
                   <a:ext uri="{0D108BD9-81ED-4DB2-BD59-A6C34878D82A}">
-                    <a16:rowId xmlns:a16="http://schemas.microsoft.com/office/drawing/2014/main" val="2498999652"/>
+                    <a16:rowId xmlns:a16="http://schemas.microsoft.com/office/drawing/2014/main" xmlns="" val="2498999652"/>
                   </a:ext>
                 </a:extLst>
               </a:tr>
@@ -21128,7 +21428,7 @@
           <p:cNvPr id="2" name="Titre 1">
             <a:extLst>
               <a:ext uri="{FF2B5EF4-FFF2-40B4-BE49-F238E27FC236}">
-                <a16:creationId xmlns:a16="http://schemas.microsoft.com/office/drawing/2014/main" id="{8DDCDBDF-D8CC-44B1-A599-F6FD2A53CCC8}"/>
+                <a16:creationId xmlns:a16="http://schemas.microsoft.com/office/drawing/2014/main" xmlns="" id="{8DDCDBDF-D8CC-44B1-A599-F6FD2A53CCC8}"/>
               </a:ext>
             </a:extLst>
           </p:cNvPr>
@@ -21156,7 +21456,7 @@
           <p:cNvPr id="4" name="Espace réservé du contenu 3">
             <a:extLst>
               <a:ext uri="{FF2B5EF4-FFF2-40B4-BE49-F238E27FC236}">
-                <a16:creationId xmlns:a16="http://schemas.microsoft.com/office/drawing/2014/main" id="{003D9151-9798-4FFF-84EB-CA24DBFE390D}"/>
+                <a16:creationId xmlns:a16="http://schemas.microsoft.com/office/drawing/2014/main" xmlns="" id="{003D9151-9798-4FFF-84EB-CA24DBFE390D}"/>
               </a:ext>
             </a:extLst>
           </p:cNvPr>
@@ -21167,14 +21467,14 @@
             <p:ph idx="1"/>
             <p:extLst>
               <p:ext uri="{D42A27DB-BD31-4B8C-83A1-F6EECF244321}">
-                <p14:modId xmlns:p14="http://schemas.microsoft.com/office/powerpoint/2010/main" val="76896583"/>
+                <p14:modId xmlns:p14="http://schemas.microsoft.com/office/powerpoint/2010/main" val="2089755461"/>
               </p:ext>
             </p:extLst>
           </p:nvPr>
         </p:nvGraphicFramePr>
         <p:xfrm>
           <a:off x="838200" y="1410759"/>
-          <a:ext cx="10523220" cy="5176520"/>
+          <a:ext cx="10523219" cy="5450840"/>
         </p:xfrm>
         <a:graphic>
           <a:graphicData uri="http://schemas.openxmlformats.org/drawingml/2006/table">
@@ -21183,31 +21483,32 @@
                 <a:tableStyleId>{5C22544A-7EE6-4342-B048-85BDC9FD1C3A}</a:tableStyleId>
               </a:tblPr>
               <a:tblGrid>
-                <a:gridCol w="3413760">
+                <a:gridCol w="2904746">
                   <a:extLst>
                     <a:ext uri="{9D8B030D-6E8A-4147-A177-3AD203B41FA5}">
-                      <a16:colId xmlns:a16="http://schemas.microsoft.com/office/drawing/2014/main" val="141237979"/>
+                      <a16:colId xmlns:a16="http://schemas.microsoft.com/office/drawing/2014/main" xmlns="" val="141237979"/>
                     </a:ext>
                   </a:extLst>
                 </a:gridCol>
-                <a:gridCol w="1844040">
+                <a:gridCol w="1569081">
                   <a:extLst>
                     <a:ext uri="{9D8B030D-6E8A-4147-A177-3AD203B41FA5}">
-                      <a16:colId xmlns:a16="http://schemas.microsoft.com/office/drawing/2014/main" val="2232030455"/>
+                      <a16:colId xmlns:a16="http://schemas.microsoft.com/office/drawing/2014/main" xmlns="" val="2232030455"/>
                     </a:ext>
                   </a:extLst>
                 </a:gridCol>
-                <a:gridCol w="4762500">
+                <a:gridCol w="1569081"/>
+                <a:gridCol w="4052380">
                   <a:extLst>
                     <a:ext uri="{9D8B030D-6E8A-4147-A177-3AD203B41FA5}">
-                      <a16:colId xmlns:a16="http://schemas.microsoft.com/office/drawing/2014/main" val="295038499"/>
+                      <a16:colId xmlns:a16="http://schemas.microsoft.com/office/drawing/2014/main" xmlns="" val="295038499"/>
                     </a:ext>
                   </a:extLst>
                 </a:gridCol>
-                <a:gridCol w="502920">
+                <a:gridCol w="427931">
                   <a:extLst>
                     <a:ext uri="{9D8B030D-6E8A-4147-A177-3AD203B41FA5}">
-                      <a16:colId xmlns:a16="http://schemas.microsoft.com/office/drawing/2014/main" val="3790619278"/>
+                      <a16:colId xmlns:a16="http://schemas.microsoft.com/office/drawing/2014/main" xmlns="" val="3790619278"/>
                     </a:ext>
                   </a:extLst>
                 </a:gridCol>
@@ -21245,9 +21546,24 @@
                     <a:lstStyle/>
                     <a:p>
                       <a:r>
-                        <a:rPr lang="en-US" noProof="0" dirty="0"/>
-                        <a:t>Connection</a:t>
-                      </a:r>
+                        <a:rPr lang="en-US" noProof="0" dirty="0" smtClean="0"/>
+                        <a:t>Reference</a:t>
+                      </a:r>
+                      <a:endParaRPr lang="en-US" noProof="0" dirty="0"/>
+                    </a:p>
+                  </a:txBody>
+                  <a:tcPr/>
+                </a:tc>
+                <a:tc>
+                  <a:txBody>
+                    <a:bodyPr/>
+                    <a:lstStyle/>
+                    <a:p>
+                      <a:r>
+                        <a:rPr lang="en-US" noProof="0" dirty="0" smtClean="0"/>
+                        <a:t>Interface</a:t>
+                      </a:r>
+                      <a:endParaRPr lang="en-US" noProof="0" dirty="0"/>
                     </a:p>
                   </a:txBody>
                   <a:tcPr/>
@@ -21264,7 +21580,7 @@
                 </a:tc>
                 <a:extLst>
                   <a:ext uri="{0D108BD9-81ED-4DB2-BD59-A6C34878D82A}">
-                    <a16:rowId xmlns:a16="http://schemas.microsoft.com/office/drawing/2014/main" val="3930063906"/>
+                    <a16:rowId xmlns:a16="http://schemas.microsoft.com/office/drawing/2014/main" xmlns="" val="3930063906"/>
                   </a:ext>
                 </a:extLst>
               </a:tr>
@@ -21288,9 +21604,31 @@
                     <a:lstStyle/>
                     <a:p>
                       <a:r>
-                        <a:rPr lang="en-US" noProof="0"/>
+                        <a:rPr lang="en-US" noProof="0" dirty="0"/>
                         <a:t>Monitor</a:t>
                       </a:r>
+                    </a:p>
+                  </a:txBody>
+                  <a:tcPr/>
+                </a:tc>
+                <a:tc>
+                  <a:txBody>
+                    <a:bodyPr/>
+                    <a:lstStyle/>
+                    <a:p>
+                      <a:r>
+                        <a:rPr lang="en-US" sz="1800" b="0" i="0" kern="1200" dirty="0" err="1" smtClean="0">
+                          <a:solidFill>
+                            <a:schemeClr val="dk1"/>
+                          </a:solidFill>
+                          <a:effectLst/>
+                          <a:latin typeface="+mn-lt"/>
+                          <a:ea typeface="+mn-ea"/>
+                          <a:cs typeface="+mn-cs"/>
+                        </a:rPr>
+                        <a:t>LiquidCrystal</a:t>
+                      </a:r>
+                      <a:endParaRPr lang="en-US" noProof="0" dirty="0"/>
                     </a:p>
                   </a:txBody>
                   <a:tcPr/>
@@ -21331,7 +21669,7 @@
                 </a:tc>
                 <a:extLst>
                   <a:ext uri="{0D108BD9-81ED-4DB2-BD59-A6C34878D82A}">
-                    <a16:rowId xmlns:a16="http://schemas.microsoft.com/office/drawing/2014/main" val="3643261065"/>
+                    <a16:rowId xmlns:a16="http://schemas.microsoft.com/office/drawing/2014/main" xmlns="" val="3643261065"/>
                   </a:ext>
                 </a:extLst>
               </a:tr>
@@ -21355,9 +21693,19 @@
                     <a:lstStyle/>
                     <a:p>
                       <a:r>
-                        <a:rPr lang="en-US" noProof="0"/>
+                        <a:rPr lang="en-US" noProof="0" dirty="0"/>
                         <a:t>Monitor</a:t>
                       </a:r>
+                    </a:p>
+                  </a:txBody>
+                  <a:tcPr/>
+                </a:tc>
+                <a:tc>
+                  <a:txBody>
+                    <a:bodyPr/>
+                    <a:lstStyle/>
+                    <a:p>
+                      <a:endParaRPr lang="en-US" noProof="0" dirty="0"/>
                     </a:p>
                   </a:txBody>
                   <a:tcPr/>
@@ -21434,7 +21782,7 @@
                 </a:tc>
                 <a:extLst>
                   <a:ext uri="{0D108BD9-81ED-4DB2-BD59-A6C34878D82A}">
-                    <a16:rowId xmlns:a16="http://schemas.microsoft.com/office/drawing/2014/main" val="2053301941"/>
+                    <a16:rowId xmlns:a16="http://schemas.microsoft.com/office/drawing/2014/main" xmlns="" val="2053301941"/>
                   </a:ext>
                 </a:extLst>
               </a:tr>
@@ -21475,7 +21823,7 @@
                         <a:defRPr/>
                       </a:pPr>
                       <a:r>
-                        <a:rPr lang="en-US" noProof="0"/>
+                        <a:rPr lang="en-US" noProof="0" dirty="0"/>
                         <a:t>Monitor</a:t>
                       </a:r>
                     </a:p>
@@ -21504,6 +21852,33 @@
                         <a:tabLst/>
                         <a:defRPr/>
                       </a:pPr>
+                      <a:endParaRPr lang="en-US" noProof="0" dirty="0"/>
+                    </a:p>
+                  </a:txBody>
+                  <a:tcPr/>
+                </a:tc>
+                <a:tc>
+                  <a:txBody>
+                    <a:bodyPr/>
+                    <a:lstStyle/>
+                    <a:p>
+                      <a:pPr marL="0" marR="0" lvl="0" indent="0" algn="l" defTabSz="914400" rtl="0" eaLnBrk="1" fontAlgn="auto" latinLnBrk="0" hangingPunct="1">
+                        <a:lnSpc>
+                          <a:spcPct val="100000"/>
+                        </a:lnSpc>
+                        <a:spcBef>
+                          <a:spcPts val="0"/>
+                        </a:spcBef>
+                        <a:spcAft>
+                          <a:spcPts val="0"/>
+                        </a:spcAft>
+                        <a:buClrTx/>
+                        <a:buSzTx/>
+                        <a:buFontTx/>
+                        <a:buNone/>
+                        <a:tabLst/>
+                        <a:defRPr/>
+                      </a:pPr>
                       <a:r>
                         <a:rPr lang="en-US" noProof="0" dirty="0"/>
                         <a:t>Digital pin 23</a:t>
@@ -21571,7 +21946,7 @@
                 </a:tc>
                 <a:extLst>
                   <a:ext uri="{0D108BD9-81ED-4DB2-BD59-A6C34878D82A}">
-                    <a16:rowId xmlns:a16="http://schemas.microsoft.com/office/drawing/2014/main" val="589730488"/>
+                    <a16:rowId xmlns:a16="http://schemas.microsoft.com/office/drawing/2014/main" xmlns="" val="589730488"/>
                   </a:ext>
                 </a:extLst>
               </a:tr>
@@ -21595,9 +21970,19 @@
                     <a:lstStyle/>
                     <a:p>
                       <a:r>
-                        <a:rPr lang="en-US" noProof="0"/>
+                        <a:rPr lang="en-US" noProof="0" dirty="0"/>
                         <a:t>Monitor</a:t>
                       </a:r>
+                    </a:p>
+                  </a:txBody>
+                  <a:tcPr/>
+                </a:tc>
+                <a:tc>
+                  <a:txBody>
+                    <a:bodyPr/>
+                    <a:lstStyle/>
+                    <a:p>
+                      <a:endParaRPr lang="en-US" noProof="0" dirty="0"/>
                     </a:p>
                   </a:txBody>
                   <a:tcPr/>
@@ -21691,7 +22076,7 @@
                 </a:tc>
                 <a:extLst>
                   <a:ext uri="{0D108BD9-81ED-4DB2-BD59-A6C34878D82A}">
-                    <a16:rowId xmlns:a16="http://schemas.microsoft.com/office/drawing/2014/main" val="4052959503"/>
+                    <a16:rowId xmlns:a16="http://schemas.microsoft.com/office/drawing/2014/main" xmlns="" val="4052959503"/>
                   </a:ext>
                 </a:extLst>
               </a:tr>
@@ -21715,9 +22100,19 @@
                     <a:lstStyle/>
                     <a:p>
                       <a:r>
-                        <a:rPr lang="en-US" noProof="0"/>
+                        <a:rPr lang="en-US" noProof="0" dirty="0"/>
                         <a:t>Monitor</a:t>
                       </a:r>
+                    </a:p>
+                  </a:txBody>
+                  <a:tcPr/>
+                </a:tc>
+                <a:tc>
+                  <a:txBody>
+                    <a:bodyPr/>
+                    <a:lstStyle/>
+                    <a:p>
+                      <a:endParaRPr lang="en-US" noProof="0" dirty="0"/>
                     </a:p>
                   </a:txBody>
                   <a:tcPr/>
@@ -21811,7 +22206,7 @@
                 </a:tc>
                 <a:extLst>
                   <a:ext uri="{0D108BD9-81ED-4DB2-BD59-A6C34878D82A}">
-                    <a16:rowId xmlns:a16="http://schemas.microsoft.com/office/drawing/2014/main" val="899705798"/>
+                    <a16:rowId xmlns:a16="http://schemas.microsoft.com/office/drawing/2014/main" xmlns="" val="899705798"/>
                   </a:ext>
                 </a:extLst>
               </a:tr>
@@ -21835,9 +22230,23 @@
                     <a:lstStyle/>
                     <a:p>
                       <a:r>
-                        <a:rPr lang="en-US" noProof="0"/>
+                        <a:rPr lang="en-US" noProof="0" dirty="0"/>
                         <a:t>Alert</a:t>
                       </a:r>
+                    </a:p>
+                  </a:txBody>
+                  <a:tcPr/>
+                </a:tc>
+                <a:tc>
+                  <a:txBody>
+                    <a:bodyPr/>
+                    <a:lstStyle/>
+                    <a:p>
+                      <a:r>
+                        <a:rPr lang="en-US" noProof="0" dirty="0" smtClean="0"/>
+                        <a:t>LSY201</a:t>
+                      </a:r>
+                      <a:endParaRPr lang="en-US" noProof="0" dirty="0"/>
                     </a:p>
                   </a:txBody>
                   <a:tcPr/>
@@ -21917,7 +22326,7 @@
                 </a:tc>
                 <a:extLst>
                   <a:ext uri="{0D108BD9-81ED-4DB2-BD59-A6C34878D82A}">
-                    <a16:rowId xmlns:a16="http://schemas.microsoft.com/office/drawing/2014/main" val="1125724145"/>
+                    <a16:rowId xmlns:a16="http://schemas.microsoft.com/office/drawing/2014/main" xmlns="" val="1125724145"/>
                   </a:ext>
                 </a:extLst>
               </a:tr>
@@ -21941,9 +22350,19 @@
                     <a:lstStyle/>
                     <a:p>
                       <a:r>
-                        <a:rPr lang="en-US" noProof="0"/>
+                        <a:rPr lang="en-US" noProof="0" dirty="0"/>
                         <a:t>Alert</a:t>
                       </a:r>
+                    </a:p>
+                  </a:txBody>
+                  <a:tcPr/>
+                </a:tc>
+                <a:tc>
+                  <a:txBody>
+                    <a:bodyPr/>
+                    <a:lstStyle/>
+                    <a:p>
+                      <a:endParaRPr lang="en-US" noProof="0" dirty="0"/>
                     </a:p>
                   </a:txBody>
                   <a:tcPr/>
@@ -22006,7 +22425,7 @@
                 </a:tc>
                 <a:extLst>
                   <a:ext uri="{0D108BD9-81ED-4DB2-BD59-A6C34878D82A}">
-                    <a16:rowId xmlns:a16="http://schemas.microsoft.com/office/drawing/2014/main" val="1684437897"/>
+                    <a16:rowId xmlns:a16="http://schemas.microsoft.com/office/drawing/2014/main" xmlns="" val="1684437897"/>
                   </a:ext>
                 </a:extLst>
               </a:tr>
@@ -22047,9 +22466,36 @@
                         <a:defRPr/>
                       </a:pPr>
                       <a:r>
-                        <a:rPr lang="en-US" noProof="0"/>
+                        <a:rPr lang="en-US" noProof="0" dirty="0"/>
                         <a:t>Alert</a:t>
                       </a:r>
+                    </a:p>
+                  </a:txBody>
+                  <a:tcPr/>
+                </a:tc>
+                <a:tc>
+                  <a:txBody>
+                    <a:bodyPr/>
+                    <a:lstStyle/>
+                    <a:p>
+                      <a:pPr marL="0" marR="0" lvl="0" indent="0" algn="l" defTabSz="914400" rtl="0" eaLnBrk="1" fontAlgn="auto" latinLnBrk="0" hangingPunct="1">
+                        <a:lnSpc>
+                          <a:spcPct val="100000"/>
+                        </a:lnSpc>
+                        <a:spcBef>
+                          <a:spcPts val="0"/>
+                        </a:spcBef>
+                        <a:spcAft>
+                          <a:spcPts val="0"/>
+                        </a:spcAft>
+                        <a:buClrTx/>
+                        <a:buSzTx/>
+                        <a:buFontTx/>
+                        <a:buNone/>
+                        <a:tabLst/>
+                        <a:defRPr/>
+                      </a:pPr>
+                      <a:endParaRPr lang="en-US" noProof="0" dirty="0"/>
                     </a:p>
                   </a:txBody>
                   <a:tcPr/>
@@ -22112,7 +22558,7 @@
                 </a:tc>
                 <a:extLst>
                   <a:ext uri="{0D108BD9-81ED-4DB2-BD59-A6C34878D82A}">
-                    <a16:rowId xmlns:a16="http://schemas.microsoft.com/office/drawing/2014/main" val="1809774577"/>
+                    <a16:rowId xmlns:a16="http://schemas.microsoft.com/office/drawing/2014/main" xmlns="" val="1809774577"/>
                   </a:ext>
                 </a:extLst>
               </a:tr>
@@ -22139,6 +22585,20 @@
                         <a:rPr lang="en-US" noProof="0" dirty="0"/>
                         <a:t>Alert</a:t>
                       </a:r>
+                    </a:p>
+                  </a:txBody>
+                  <a:tcPr/>
+                </a:tc>
+                <a:tc>
+                  <a:txBody>
+                    <a:bodyPr/>
+                    <a:lstStyle/>
+                    <a:p>
+                      <a:r>
+                        <a:rPr lang="en-US" noProof="0" dirty="0" smtClean="0"/>
+                        <a:t>DS1307</a:t>
+                      </a:r>
+                      <a:endParaRPr lang="en-US" noProof="0" dirty="0"/>
                     </a:p>
                   </a:txBody>
                   <a:tcPr/>
@@ -22218,7 +22678,7 @@
                 </a:tc>
                 <a:extLst>
                   <a:ext uri="{0D108BD9-81ED-4DB2-BD59-A6C34878D82A}">
-                    <a16:rowId xmlns:a16="http://schemas.microsoft.com/office/drawing/2014/main" val="3987889869"/>
+                    <a16:rowId xmlns:a16="http://schemas.microsoft.com/office/drawing/2014/main" xmlns="" val="3987889869"/>
                   </a:ext>
                 </a:extLst>
               </a:tr>
@@ -22249,6 +22709,28 @@
                         <a:rPr lang="en-US" noProof="0" dirty="0"/>
                         <a:t>Detect</a:t>
                       </a:r>
+                    </a:p>
+                  </a:txBody>
+                  <a:tcPr/>
+                </a:tc>
+                <a:tc>
+                  <a:txBody>
+                    <a:bodyPr/>
+                    <a:lstStyle/>
+                    <a:p>
+                      <a:r>
+                        <a:rPr lang="en-US" sz="1800" b="0" i="0" kern="1200" dirty="0" smtClean="0">
+                          <a:solidFill>
+                            <a:schemeClr val="dk1"/>
+                          </a:solidFill>
+                          <a:effectLst/>
+                          <a:latin typeface="+mn-lt"/>
+                          <a:ea typeface="+mn-ea"/>
+                          <a:cs typeface="+mn-cs"/>
+                        </a:rPr>
+                        <a:t>BH1720</a:t>
+                      </a:r>
+                      <a:endParaRPr lang="en-US" noProof="0" dirty="0"/>
                     </a:p>
                   </a:txBody>
                   <a:tcPr/>
@@ -22328,7 +22810,7 @@
                 </a:tc>
                 <a:extLst>
                   <a:ext uri="{0D108BD9-81ED-4DB2-BD59-A6C34878D82A}">
-                    <a16:rowId xmlns:a16="http://schemas.microsoft.com/office/drawing/2014/main" val="2702079324"/>
+                    <a16:rowId xmlns:a16="http://schemas.microsoft.com/office/drawing/2014/main" xmlns="" val="2702079324"/>
                   </a:ext>
                 </a:extLst>
               </a:tr>
@@ -22355,6 +22837,28 @@
                         <a:rPr lang="en-US" noProof="0" dirty="0"/>
                         <a:t>Detect</a:t>
                       </a:r>
+                    </a:p>
+                  </a:txBody>
+                  <a:tcPr/>
+                </a:tc>
+                <a:tc>
+                  <a:txBody>
+                    <a:bodyPr/>
+                    <a:lstStyle/>
+                    <a:p>
+                      <a:r>
+                        <a:rPr lang="en-US" sz="1800" b="0" i="0" kern="1200" dirty="0" smtClean="0">
+                          <a:solidFill>
+                            <a:schemeClr val="dk1"/>
+                          </a:solidFill>
+                          <a:effectLst/>
+                          <a:latin typeface="+mn-lt"/>
+                          <a:ea typeface="+mn-ea"/>
+                          <a:cs typeface="+mn-cs"/>
+                        </a:rPr>
+                        <a:t>DHT22</a:t>
+                      </a:r>
+                      <a:endParaRPr lang="en-US" noProof="0" dirty="0"/>
                     </a:p>
                   </a:txBody>
                   <a:tcPr/>
@@ -22434,7 +22938,7 @@
                 </a:tc>
                 <a:extLst>
                   <a:ext uri="{0D108BD9-81ED-4DB2-BD59-A6C34878D82A}">
-                    <a16:rowId xmlns:a16="http://schemas.microsoft.com/office/drawing/2014/main" val="1703739092"/>
+                    <a16:rowId xmlns:a16="http://schemas.microsoft.com/office/drawing/2014/main" xmlns="" val="1703739092"/>
                   </a:ext>
                 </a:extLst>
               </a:tr>
@@ -22461,6 +22965,16 @@
                         <a:rPr lang="en-US" noProof="0" dirty="0"/>
                         <a:t>Detect</a:t>
                       </a:r>
+                    </a:p>
+                  </a:txBody>
+                  <a:tcPr/>
+                </a:tc>
+                <a:tc>
+                  <a:txBody>
+                    <a:bodyPr/>
+                    <a:lstStyle/>
+                    <a:p>
+                      <a:endParaRPr lang="en-US" noProof="0" dirty="0"/>
                     </a:p>
                   </a:txBody>
                   <a:tcPr/>
@@ -22540,7 +23054,7 @@
                 </a:tc>
                 <a:extLst>
                   <a:ext uri="{0D108BD9-81ED-4DB2-BD59-A6C34878D82A}">
-                    <a16:rowId xmlns:a16="http://schemas.microsoft.com/office/drawing/2014/main" val="914964665"/>
+                    <a16:rowId xmlns:a16="http://schemas.microsoft.com/office/drawing/2014/main" xmlns="" val="914964665"/>
                   </a:ext>
                 </a:extLst>
               </a:tr>
@@ -22585,9 +23099,35 @@
                         <a:defRPr/>
                       </a:pPr>
                       <a:r>
-                        <a:rPr lang="en-US" noProof="0"/>
+                        <a:rPr lang="en-US" noProof="0" dirty="0"/>
                         <a:t>Detect</a:t>
                       </a:r>
+                    </a:p>
+                  </a:txBody>
+                  <a:tcPr/>
+                </a:tc>
+                <a:tc>
+                  <a:txBody>
+                    <a:bodyPr/>
+                    <a:lstStyle/>
+                    <a:p>
+                      <a:pPr marL="0" marR="0" lvl="0" indent="0" algn="l" defTabSz="914400" rtl="0" eaLnBrk="1" fontAlgn="auto" latinLnBrk="0" hangingPunct="1">
+                        <a:lnSpc>
+                          <a:spcPct val="100000"/>
+                        </a:lnSpc>
+                        <a:spcBef>
+                          <a:spcPts val="0"/>
+                        </a:spcBef>
+                        <a:spcAft>
+                          <a:spcPts val="0"/>
+                        </a:spcAft>
+                        <a:buClrTx/>
+                        <a:buSzTx/>
+                        <a:buFontTx/>
+                        <a:buNone/>
+                        <a:tabLst/>
+                        <a:defRPr/>
+                      </a:pPr>
                       <a:endParaRPr lang="en-US" noProof="0" dirty="0"/>
                     </a:p>
                   </a:txBody>
@@ -22662,7 +23202,7 @@
                 </a:tc>
                 <a:extLst>
                   <a:ext uri="{0D108BD9-81ED-4DB2-BD59-A6C34878D82A}">
-                    <a16:rowId xmlns:a16="http://schemas.microsoft.com/office/drawing/2014/main" val="802458752"/>
+                    <a16:rowId xmlns:a16="http://schemas.microsoft.com/office/drawing/2014/main" xmlns="" val="802458752"/>
                   </a:ext>
                 </a:extLst>
               </a:tr>
@@ -22705,7 +23245,7 @@
           <p:cNvPr id="2" name="Titre 1">
             <a:extLst>
               <a:ext uri="{FF2B5EF4-FFF2-40B4-BE49-F238E27FC236}">
-                <a16:creationId xmlns:a16="http://schemas.microsoft.com/office/drawing/2014/main" id="{B52BFAC6-4D4C-43D7-98B0-B4FBA0DB4F50}"/>
+                <a16:creationId xmlns:a16="http://schemas.microsoft.com/office/drawing/2014/main" xmlns="" id="{B52BFAC6-4D4C-43D7-98B0-B4FBA0DB4F50}"/>
               </a:ext>
             </a:extLst>
           </p:cNvPr>
@@ -22741,7 +23281,7 @@
           <p:cNvPr id="3" name="Espace réservé du contenu 2">
             <a:extLst>
               <a:ext uri="{FF2B5EF4-FFF2-40B4-BE49-F238E27FC236}">
-                <a16:creationId xmlns:a16="http://schemas.microsoft.com/office/drawing/2014/main" id="{0C329F29-2556-4E07-A011-393CBF17953B}"/>
+                <a16:creationId xmlns:a16="http://schemas.microsoft.com/office/drawing/2014/main" xmlns="" id="{0C329F29-2556-4E07-A011-393CBF17953B}"/>
               </a:ext>
             </a:extLst>
           </p:cNvPr>
@@ -23015,7 +23555,7 @@
           <p:cNvPr id="4" name="Tableau 3">
             <a:extLst>
               <a:ext uri="{FF2B5EF4-FFF2-40B4-BE49-F238E27FC236}">
-                <a16:creationId xmlns:a16="http://schemas.microsoft.com/office/drawing/2014/main" id="{B3D0016E-CDE3-41C4-90CE-864BCAC70311}"/>
+                <a16:creationId xmlns:a16="http://schemas.microsoft.com/office/drawing/2014/main" xmlns="" id="{B3D0016E-CDE3-41C4-90CE-864BCAC70311}"/>
               </a:ext>
             </a:extLst>
           </p:cNvPr>
@@ -23044,35 +23584,35 @@
                 <a:gridCol w="1872391">
                   <a:extLst>
                     <a:ext uri="{9D8B030D-6E8A-4147-A177-3AD203B41FA5}">
-                      <a16:colId xmlns:a16="http://schemas.microsoft.com/office/drawing/2014/main" val="3246951078"/>
+                      <a16:colId xmlns:a16="http://schemas.microsoft.com/office/drawing/2014/main" xmlns="" val="3246951078"/>
                     </a:ext>
                   </a:extLst>
                 </a:gridCol>
                 <a:gridCol w="2309563">
                   <a:extLst>
                     <a:ext uri="{9D8B030D-6E8A-4147-A177-3AD203B41FA5}">
-                      <a16:colId xmlns:a16="http://schemas.microsoft.com/office/drawing/2014/main" val="4211024026"/>
+                      <a16:colId xmlns:a16="http://schemas.microsoft.com/office/drawing/2014/main" xmlns="" val="4211024026"/>
                     </a:ext>
                   </a:extLst>
                 </a:gridCol>
                 <a:gridCol w="1491342">
                   <a:extLst>
                     <a:ext uri="{9D8B030D-6E8A-4147-A177-3AD203B41FA5}">
-                      <a16:colId xmlns:a16="http://schemas.microsoft.com/office/drawing/2014/main" val="2407025767"/>
+                      <a16:colId xmlns:a16="http://schemas.microsoft.com/office/drawing/2014/main" xmlns="" val="2407025767"/>
                     </a:ext>
                   </a:extLst>
                 </a:gridCol>
                 <a:gridCol w="1595362">
                   <a:extLst>
                     <a:ext uri="{9D8B030D-6E8A-4147-A177-3AD203B41FA5}">
-                      <a16:colId xmlns:a16="http://schemas.microsoft.com/office/drawing/2014/main" val="657158528"/>
+                      <a16:colId xmlns:a16="http://schemas.microsoft.com/office/drawing/2014/main" xmlns="" val="657158528"/>
                     </a:ext>
                   </a:extLst>
                 </a:gridCol>
                 <a:gridCol w="1942496">
                   <a:extLst>
                     <a:ext uri="{9D8B030D-6E8A-4147-A177-3AD203B41FA5}">
-                      <a16:colId xmlns:a16="http://schemas.microsoft.com/office/drawing/2014/main" val="1152028134"/>
+                      <a16:colId xmlns:a16="http://schemas.microsoft.com/office/drawing/2014/main" xmlns="" val="1152028134"/>
                     </a:ext>
                   </a:extLst>
                 </a:gridCol>
@@ -23150,7 +23690,7 @@
                 </a:tc>
                 <a:extLst>
                   <a:ext uri="{0D108BD9-81ED-4DB2-BD59-A6C34878D82A}">
-                    <a16:rowId xmlns:a16="http://schemas.microsoft.com/office/drawing/2014/main" val="676936176"/>
+                    <a16:rowId xmlns:a16="http://schemas.microsoft.com/office/drawing/2014/main" xmlns="" val="676936176"/>
                   </a:ext>
                 </a:extLst>
               </a:tr>
@@ -23295,7 +23835,7 @@
                 </a:tc>
                 <a:extLst>
                   <a:ext uri="{0D108BD9-81ED-4DB2-BD59-A6C34878D82A}">
-                    <a16:rowId xmlns:a16="http://schemas.microsoft.com/office/drawing/2014/main" val="519764766"/>
+                    <a16:rowId xmlns:a16="http://schemas.microsoft.com/office/drawing/2014/main" xmlns="" val="519764766"/>
                   </a:ext>
                 </a:extLst>
               </a:tr>
@@ -23367,7 +23907,7 @@
                 </a:tc>
                 <a:extLst>
                   <a:ext uri="{0D108BD9-81ED-4DB2-BD59-A6C34878D82A}">
-                    <a16:rowId xmlns:a16="http://schemas.microsoft.com/office/drawing/2014/main" val="3831278488"/>
+                    <a16:rowId xmlns:a16="http://schemas.microsoft.com/office/drawing/2014/main" xmlns="" val="3831278488"/>
                   </a:ext>
                 </a:extLst>
               </a:tr>
@@ -23569,7 +24109,7 @@
                 </a:tc>
                 <a:extLst>
                   <a:ext uri="{0D108BD9-81ED-4DB2-BD59-A6C34878D82A}">
-                    <a16:rowId xmlns:a16="http://schemas.microsoft.com/office/drawing/2014/main" val="1220700599"/>
+                    <a16:rowId xmlns:a16="http://schemas.microsoft.com/office/drawing/2014/main" xmlns="" val="1220700599"/>
                   </a:ext>
                 </a:extLst>
               </a:tr>
@@ -23612,7 +24152,7 @@
           <p:cNvPr id="5" name="Rectangle 4">
             <a:extLst>
               <a:ext uri="{FF2B5EF4-FFF2-40B4-BE49-F238E27FC236}">
-                <a16:creationId xmlns:a16="http://schemas.microsoft.com/office/drawing/2014/main" id="{0F1268BC-C444-44ED-8A77-4D9E86E97815}"/>
+                <a16:creationId xmlns:a16="http://schemas.microsoft.com/office/drawing/2014/main" xmlns="" id="{0F1268BC-C444-44ED-8A77-4D9E86E97815}"/>
               </a:ext>
             </a:extLst>
           </p:cNvPr>
@@ -23662,7 +24202,7 @@
           <p:cNvPr id="4" name="Rectangle 3">
             <a:extLst>
               <a:ext uri="{FF2B5EF4-FFF2-40B4-BE49-F238E27FC236}">
-                <a16:creationId xmlns:a16="http://schemas.microsoft.com/office/drawing/2014/main" id="{E15AF5CA-93FD-41AD-BF8E-15E7F94493E4}"/>
+                <a16:creationId xmlns:a16="http://schemas.microsoft.com/office/drawing/2014/main" xmlns="" id="{E15AF5CA-93FD-41AD-BF8E-15E7F94493E4}"/>
               </a:ext>
             </a:extLst>
           </p:cNvPr>
@@ -23712,7 +24252,7 @@
           <p:cNvPr id="2" name="Titre 1">
             <a:extLst>
               <a:ext uri="{FF2B5EF4-FFF2-40B4-BE49-F238E27FC236}">
-                <a16:creationId xmlns:a16="http://schemas.microsoft.com/office/drawing/2014/main" id="{B52BFAC6-4D4C-43D7-98B0-B4FBA0DB4F50}"/>
+                <a16:creationId xmlns:a16="http://schemas.microsoft.com/office/drawing/2014/main" xmlns="" id="{B52BFAC6-4D4C-43D7-98B0-B4FBA0DB4F50}"/>
               </a:ext>
             </a:extLst>
           </p:cNvPr>
@@ -23748,7 +24288,7 @@
           <p:cNvPr id="3" name="Espace réservé du contenu 2">
             <a:extLst>
               <a:ext uri="{FF2B5EF4-FFF2-40B4-BE49-F238E27FC236}">
-                <a16:creationId xmlns:a16="http://schemas.microsoft.com/office/drawing/2014/main" id="{0C329F29-2556-4E07-A011-393CBF17953B}"/>
+                <a16:creationId xmlns:a16="http://schemas.microsoft.com/office/drawing/2014/main" xmlns="" id="{0C329F29-2556-4E07-A011-393CBF17953B}"/>
               </a:ext>
             </a:extLst>
           </p:cNvPr>
@@ -24053,7 +24593,7 @@
           <p:cNvPr id="2" name="Titre 1">
             <a:extLst>
               <a:ext uri="{FF2B5EF4-FFF2-40B4-BE49-F238E27FC236}">
-                <a16:creationId xmlns:a16="http://schemas.microsoft.com/office/drawing/2014/main" id="{8DDCDBDF-D8CC-44B1-A599-F6FD2A53CCC8}"/>
+                <a16:creationId xmlns:a16="http://schemas.microsoft.com/office/drawing/2014/main" xmlns="" id="{8DDCDBDF-D8CC-44B1-A599-F6FD2A53CCC8}"/>
               </a:ext>
             </a:extLst>
           </p:cNvPr>
@@ -24090,7 +24630,7 @@
           <p:cNvPr id="4" name="Espace réservé du contenu 3">
             <a:extLst>
               <a:ext uri="{FF2B5EF4-FFF2-40B4-BE49-F238E27FC236}">
-                <a16:creationId xmlns:a16="http://schemas.microsoft.com/office/drawing/2014/main" id="{003D9151-9798-4FFF-84EB-CA24DBFE390D}"/>
+                <a16:creationId xmlns:a16="http://schemas.microsoft.com/office/drawing/2014/main" xmlns="" id="{003D9151-9798-4FFF-84EB-CA24DBFE390D}"/>
               </a:ext>
             </a:extLst>
           </p:cNvPr>
@@ -24120,21 +24660,21 @@
                 <a:gridCol w="1727637">
                   <a:extLst>
                     <a:ext uri="{9D8B030D-6E8A-4147-A177-3AD203B41FA5}">
-                      <a16:colId xmlns:a16="http://schemas.microsoft.com/office/drawing/2014/main" val="141237979"/>
+                      <a16:colId xmlns:a16="http://schemas.microsoft.com/office/drawing/2014/main" xmlns="" val="141237979"/>
                     </a:ext>
                   </a:extLst>
                 </a:gridCol>
                 <a:gridCol w="5320862">
                   <a:extLst>
                     <a:ext uri="{9D8B030D-6E8A-4147-A177-3AD203B41FA5}">
-                      <a16:colId xmlns:a16="http://schemas.microsoft.com/office/drawing/2014/main" val="2232030455"/>
+                      <a16:colId xmlns:a16="http://schemas.microsoft.com/office/drawing/2014/main" xmlns="" val="2232030455"/>
                     </a:ext>
                   </a:extLst>
                 </a:gridCol>
                 <a:gridCol w="3083865">
                   <a:extLst>
                     <a:ext uri="{9D8B030D-6E8A-4147-A177-3AD203B41FA5}">
-                      <a16:colId xmlns:a16="http://schemas.microsoft.com/office/drawing/2014/main" val="20002"/>
+                      <a16:colId xmlns:a16="http://schemas.microsoft.com/office/drawing/2014/main" xmlns="" val="20002"/>
                     </a:ext>
                   </a:extLst>
                 </a:gridCol>
@@ -24182,7 +24722,7 @@
                 </a:tc>
                 <a:extLst>
                   <a:ext uri="{0D108BD9-81ED-4DB2-BD59-A6C34878D82A}">
-                    <a16:rowId xmlns:a16="http://schemas.microsoft.com/office/drawing/2014/main" val="3930063906"/>
+                    <a16:rowId xmlns:a16="http://schemas.microsoft.com/office/drawing/2014/main" xmlns="" val="3930063906"/>
                   </a:ext>
                 </a:extLst>
               </a:tr>
@@ -24272,7 +24812,7 @@
                 </a:tc>
                 <a:extLst>
                   <a:ext uri="{0D108BD9-81ED-4DB2-BD59-A6C34878D82A}">
-                    <a16:rowId xmlns:a16="http://schemas.microsoft.com/office/drawing/2014/main" val="3459295351"/>
+                    <a16:rowId xmlns:a16="http://schemas.microsoft.com/office/drawing/2014/main" xmlns="" val="3459295351"/>
                   </a:ext>
                 </a:extLst>
               </a:tr>
@@ -24365,7 +24905,7 @@
                 </a:tc>
                 <a:extLst>
                   <a:ext uri="{0D108BD9-81ED-4DB2-BD59-A6C34878D82A}">
-                    <a16:rowId xmlns:a16="http://schemas.microsoft.com/office/drawing/2014/main" val="11531206"/>
+                    <a16:rowId xmlns:a16="http://schemas.microsoft.com/office/drawing/2014/main" xmlns="" val="11531206"/>
                   </a:ext>
                 </a:extLst>
               </a:tr>
@@ -24449,7 +24989,7 @@
                 </a:tc>
                 <a:extLst>
                   <a:ext uri="{0D108BD9-81ED-4DB2-BD59-A6C34878D82A}">
-                    <a16:rowId xmlns:a16="http://schemas.microsoft.com/office/drawing/2014/main" val="10003"/>
+                    <a16:rowId xmlns:a16="http://schemas.microsoft.com/office/drawing/2014/main" xmlns="" val="10003"/>
                   </a:ext>
                 </a:extLst>
               </a:tr>
@@ -24529,7 +25069,7 @@
                 </a:tc>
                 <a:extLst>
                   <a:ext uri="{0D108BD9-81ED-4DB2-BD59-A6C34878D82A}">
-                    <a16:rowId xmlns:a16="http://schemas.microsoft.com/office/drawing/2014/main" val="1140387248"/>
+                    <a16:rowId xmlns:a16="http://schemas.microsoft.com/office/drawing/2014/main" xmlns="" val="1140387248"/>
                   </a:ext>
                 </a:extLst>
               </a:tr>
@@ -24622,7 +25162,7 @@
                 </a:tc>
                 <a:extLst>
                   <a:ext uri="{0D108BD9-81ED-4DB2-BD59-A6C34878D82A}">
-                    <a16:rowId xmlns:a16="http://schemas.microsoft.com/office/drawing/2014/main" val="10005"/>
+                    <a16:rowId xmlns:a16="http://schemas.microsoft.com/office/drawing/2014/main" xmlns="" val="10005"/>
                   </a:ext>
                 </a:extLst>
               </a:tr>
@@ -24711,7 +25251,7 @@
                 </a:tc>
                 <a:extLst>
                   <a:ext uri="{0D108BD9-81ED-4DB2-BD59-A6C34878D82A}">
-                    <a16:rowId xmlns:a16="http://schemas.microsoft.com/office/drawing/2014/main" val="4031062607"/>
+                    <a16:rowId xmlns:a16="http://schemas.microsoft.com/office/drawing/2014/main" xmlns="" val="4031062607"/>
                   </a:ext>
                 </a:extLst>
               </a:tr>
@@ -24804,7 +25344,7 @@
                 </a:tc>
                 <a:extLst>
                   <a:ext uri="{0D108BD9-81ED-4DB2-BD59-A6C34878D82A}">
-                    <a16:rowId xmlns:a16="http://schemas.microsoft.com/office/drawing/2014/main" val="3810878265"/>
+                    <a16:rowId xmlns:a16="http://schemas.microsoft.com/office/drawing/2014/main" xmlns="" val="3810878265"/>
                   </a:ext>
                 </a:extLst>
               </a:tr>
@@ -24943,7 +25483,7 @@
                 </a:tc>
                 <a:extLst>
                   <a:ext uri="{0D108BD9-81ED-4DB2-BD59-A6C34878D82A}">
-                    <a16:rowId xmlns:a16="http://schemas.microsoft.com/office/drawing/2014/main" val="10008"/>
+                    <a16:rowId xmlns:a16="http://schemas.microsoft.com/office/drawing/2014/main" xmlns="" val="10008"/>
                   </a:ext>
                 </a:extLst>
               </a:tr>
@@ -25040,7 +25580,7 @@
                 </a:tc>
                 <a:extLst>
                   <a:ext uri="{0D108BD9-81ED-4DB2-BD59-A6C34878D82A}">
-                    <a16:rowId xmlns:a16="http://schemas.microsoft.com/office/drawing/2014/main" val="3452581991"/>
+                    <a16:rowId xmlns:a16="http://schemas.microsoft.com/office/drawing/2014/main" xmlns="" val="3452581991"/>
                   </a:ext>
                 </a:extLst>
               </a:tr>
@@ -25107,7 +25647,7 @@
                 </a:tc>
                 <a:extLst>
                   <a:ext uri="{0D108BD9-81ED-4DB2-BD59-A6C34878D82A}">
-                    <a16:rowId xmlns:a16="http://schemas.microsoft.com/office/drawing/2014/main" val="10010"/>
+                    <a16:rowId xmlns:a16="http://schemas.microsoft.com/office/drawing/2014/main" xmlns="" val="10010"/>
                   </a:ext>
                 </a:extLst>
               </a:tr>
@@ -25150,7 +25690,7 @@
           <p:cNvPr id="2" name="Titre 1">
             <a:extLst>
               <a:ext uri="{FF2B5EF4-FFF2-40B4-BE49-F238E27FC236}">
-                <a16:creationId xmlns:a16="http://schemas.microsoft.com/office/drawing/2014/main" id="{8DDCDBDF-D8CC-44B1-A599-F6FD2A53CCC8}"/>
+                <a16:creationId xmlns:a16="http://schemas.microsoft.com/office/drawing/2014/main" xmlns="" id="{8DDCDBDF-D8CC-44B1-A599-F6FD2A53CCC8}"/>
               </a:ext>
             </a:extLst>
           </p:cNvPr>
@@ -25183,7 +25723,7 @@
           <p:cNvPr id="4" name="Espace réservé du contenu 3">
             <a:extLst>
               <a:ext uri="{FF2B5EF4-FFF2-40B4-BE49-F238E27FC236}">
-                <a16:creationId xmlns:a16="http://schemas.microsoft.com/office/drawing/2014/main" id="{003D9151-9798-4FFF-84EB-CA24DBFE390D}"/>
+                <a16:creationId xmlns:a16="http://schemas.microsoft.com/office/drawing/2014/main" xmlns="" id="{003D9151-9798-4FFF-84EB-CA24DBFE390D}"/>
               </a:ext>
             </a:extLst>
           </p:cNvPr>
@@ -25213,21 +25753,21 @@
                 <a:gridCol w="1885951">
                   <a:extLst>
                     <a:ext uri="{9D8B030D-6E8A-4147-A177-3AD203B41FA5}">
-                      <a16:colId xmlns:a16="http://schemas.microsoft.com/office/drawing/2014/main" val="141237979"/>
+                      <a16:colId xmlns:a16="http://schemas.microsoft.com/office/drawing/2014/main" xmlns="" val="141237979"/>
                     </a:ext>
                   </a:extLst>
                 </a:gridCol>
                 <a:gridCol w="8246413">
                   <a:extLst>
                     <a:ext uri="{9D8B030D-6E8A-4147-A177-3AD203B41FA5}">
-                      <a16:colId xmlns:a16="http://schemas.microsoft.com/office/drawing/2014/main" val="2232030455"/>
+                      <a16:colId xmlns:a16="http://schemas.microsoft.com/office/drawing/2014/main" xmlns="" val="2232030455"/>
                     </a:ext>
                   </a:extLst>
                 </a:gridCol>
                 <a:gridCol w="383235">
                   <a:extLst>
                     <a:ext uri="{9D8B030D-6E8A-4147-A177-3AD203B41FA5}">
-                      <a16:colId xmlns:a16="http://schemas.microsoft.com/office/drawing/2014/main" val="3592764086"/>
+                      <a16:colId xmlns:a16="http://schemas.microsoft.com/office/drawing/2014/main" xmlns="" val="3592764086"/>
                     </a:ext>
                   </a:extLst>
                 </a:gridCol>
@@ -25272,7 +25812,7 @@
                 </a:tc>
                 <a:extLst>
                   <a:ext uri="{0D108BD9-81ED-4DB2-BD59-A6C34878D82A}">
-                    <a16:rowId xmlns:a16="http://schemas.microsoft.com/office/drawing/2014/main" val="3930063906"/>
+                    <a16:rowId xmlns:a16="http://schemas.microsoft.com/office/drawing/2014/main" xmlns="" val="3930063906"/>
                   </a:ext>
                 </a:extLst>
               </a:tr>
@@ -25385,7 +25925,7 @@
                 </a:tc>
                 <a:extLst>
                   <a:ext uri="{0D108BD9-81ED-4DB2-BD59-A6C34878D82A}">
-                    <a16:rowId xmlns:a16="http://schemas.microsoft.com/office/drawing/2014/main" val="3459295351"/>
+                    <a16:rowId xmlns:a16="http://schemas.microsoft.com/office/drawing/2014/main" xmlns="" val="3459295351"/>
                   </a:ext>
                 </a:extLst>
               </a:tr>
@@ -25494,7 +26034,7 @@
                 </a:tc>
                 <a:extLst>
                   <a:ext uri="{0D108BD9-81ED-4DB2-BD59-A6C34878D82A}">
-                    <a16:rowId xmlns:a16="http://schemas.microsoft.com/office/drawing/2014/main" val="11531206"/>
+                    <a16:rowId xmlns:a16="http://schemas.microsoft.com/office/drawing/2014/main" xmlns="" val="11531206"/>
                   </a:ext>
                 </a:extLst>
               </a:tr>
@@ -25620,7 +26160,7 @@
                 </a:tc>
                 <a:extLst>
                   <a:ext uri="{0D108BD9-81ED-4DB2-BD59-A6C34878D82A}">
-                    <a16:rowId xmlns:a16="http://schemas.microsoft.com/office/drawing/2014/main" val="1140387248"/>
+                    <a16:rowId xmlns:a16="http://schemas.microsoft.com/office/drawing/2014/main" xmlns="" val="1140387248"/>
                   </a:ext>
                 </a:extLst>
               </a:tr>
@@ -25771,7 +26311,7 @@
                 </a:tc>
                 <a:extLst>
                   <a:ext uri="{0D108BD9-81ED-4DB2-BD59-A6C34878D82A}">
-                    <a16:rowId xmlns:a16="http://schemas.microsoft.com/office/drawing/2014/main" val="4031062607"/>
+                    <a16:rowId xmlns:a16="http://schemas.microsoft.com/office/drawing/2014/main" xmlns="" val="4031062607"/>
                   </a:ext>
                 </a:extLst>
               </a:tr>
@@ -25906,7 +26446,7 @@
                 </a:tc>
                 <a:extLst>
                   <a:ext uri="{0D108BD9-81ED-4DB2-BD59-A6C34878D82A}">
-                    <a16:rowId xmlns:a16="http://schemas.microsoft.com/office/drawing/2014/main" val="3810878265"/>
+                    <a16:rowId xmlns:a16="http://schemas.microsoft.com/office/drawing/2014/main" xmlns="" val="3810878265"/>
                   </a:ext>
                 </a:extLst>
               </a:tr>
@@ -26058,7 +26598,7 @@
                 </a:tc>
                 <a:extLst>
                   <a:ext uri="{0D108BD9-81ED-4DB2-BD59-A6C34878D82A}">
-                    <a16:rowId xmlns:a16="http://schemas.microsoft.com/office/drawing/2014/main" val="3452581991"/>
+                    <a16:rowId xmlns:a16="http://schemas.microsoft.com/office/drawing/2014/main" xmlns="" val="3452581991"/>
                   </a:ext>
                 </a:extLst>
               </a:tr>
@@ -26161,7 +26701,7 @@
                 </a:tc>
                 <a:extLst>
                   <a:ext uri="{0D108BD9-81ED-4DB2-BD59-A6C34878D82A}">
-                    <a16:rowId xmlns:a16="http://schemas.microsoft.com/office/drawing/2014/main" val="2574950784"/>
+                    <a16:rowId xmlns:a16="http://schemas.microsoft.com/office/drawing/2014/main" xmlns="" val="2574950784"/>
                   </a:ext>
                 </a:extLst>
               </a:tr>
@@ -26364,7 +26904,7 @@
                 </a:tc>
                 <a:extLst>
                   <a:ext uri="{0D108BD9-81ED-4DB2-BD59-A6C34878D82A}">
-                    <a16:rowId xmlns:a16="http://schemas.microsoft.com/office/drawing/2014/main" val="330511159"/>
+                    <a16:rowId xmlns:a16="http://schemas.microsoft.com/office/drawing/2014/main" xmlns="" val="330511159"/>
                   </a:ext>
                 </a:extLst>
               </a:tr>
@@ -26674,7 +27214,7 @@
   <a:extraClrSchemeLst/>
   <a:extLst>
     <a:ext uri="{05A4C25C-085E-4340-85A3-A5531E510DB2}">
-      <thm15:themeFamily xmlns:thm15="http://schemas.microsoft.com/office/thememl/2012/main" name="Office Theme" id="{62F939B6-93AF-4DB8-9C6B-D6C7DFDC589F}" vid="{4A3C46E8-61CC-4603-A589-7422A47A8E4A}"/>
+      <thm15:themeFamily xmlns:thm15="http://schemas.microsoft.com/office/thememl/2012/main" xmlns="" name="Office Theme" id="{62F939B6-93AF-4DB8-9C6B-D6C7DFDC589F}" vid="{4A3C46E8-61CC-4603-A589-7422A47A8E4A}"/>
     </a:ext>
   </a:extLst>
 </a:theme>

--- a/libraries/Diagramm Robot v2.pptx
+++ b/libraries/Diagramm Robot v2.pptx
@@ -115,7 +115,7 @@
   </p:defaultTextStyle>
   <p:extLst>
     <p:ext uri="{EFAFB233-063F-42B5-8137-9DF3F51BA10A}">
-      <p15:sldGuideLst xmlns:p15="http://schemas.microsoft.com/office/powerpoint/2012/main" xmlns="">
+      <p15:sldGuideLst xmlns:p15="http://schemas.microsoft.com/office/powerpoint/2012/main">
         <p15:guide id="1" orient="horz" pos="2160">
           <p15:clr>
             <a:srgbClr val="A4A3A4"/>
@@ -154,7 +154,7 @@
           <p:cNvPr id="2" name="Titre 1">
             <a:extLst>
               <a:ext uri="{FF2B5EF4-FFF2-40B4-BE49-F238E27FC236}">
-                <a16:creationId xmlns:a16="http://schemas.microsoft.com/office/drawing/2014/main" xmlns="" id="{82F2BF23-3BD4-4DB9-AB69-A20E9348F073}"/>
+                <a16:creationId xmlns:a16="http://schemas.microsoft.com/office/drawing/2014/main" id="{82F2BF23-3BD4-4DB9-AB69-A20E9348F073}"/>
               </a:ext>
             </a:extLst>
           </p:cNvPr>
@@ -191,7 +191,7 @@
           <p:cNvPr id="3" name="Sous-titre 2">
             <a:extLst>
               <a:ext uri="{FF2B5EF4-FFF2-40B4-BE49-F238E27FC236}">
-                <a16:creationId xmlns:a16="http://schemas.microsoft.com/office/drawing/2014/main" xmlns="" id="{9CBF2C32-9AA0-4BC9-8296-5ECCD4602D9E}"/>
+                <a16:creationId xmlns:a16="http://schemas.microsoft.com/office/drawing/2014/main" id="{9CBF2C32-9AA0-4BC9-8296-5ECCD4602D9E}"/>
               </a:ext>
             </a:extLst>
           </p:cNvPr>
@@ -261,7 +261,7 @@
           <p:cNvPr id="4" name="Espace réservé de la date 3">
             <a:extLst>
               <a:ext uri="{FF2B5EF4-FFF2-40B4-BE49-F238E27FC236}">
-                <a16:creationId xmlns:a16="http://schemas.microsoft.com/office/drawing/2014/main" xmlns="" id="{BF158CD2-D2C7-4909-A17E-5FDA5E0DAB6B}"/>
+                <a16:creationId xmlns:a16="http://schemas.microsoft.com/office/drawing/2014/main" id="{BF158CD2-D2C7-4909-A17E-5FDA5E0DAB6B}"/>
               </a:ext>
             </a:extLst>
           </p:cNvPr>
@@ -290,7 +290,7 @@
           <p:cNvPr id="5" name="Espace réservé du pied de page 4">
             <a:extLst>
               <a:ext uri="{FF2B5EF4-FFF2-40B4-BE49-F238E27FC236}">
-                <a16:creationId xmlns:a16="http://schemas.microsoft.com/office/drawing/2014/main" xmlns="" id="{04574FFD-3917-4D5D-A57C-CBBCF2C222BB}"/>
+                <a16:creationId xmlns:a16="http://schemas.microsoft.com/office/drawing/2014/main" id="{04574FFD-3917-4D5D-A57C-CBBCF2C222BB}"/>
               </a:ext>
             </a:extLst>
           </p:cNvPr>
@@ -315,7 +315,7 @@
           <p:cNvPr id="6" name="Espace réservé du numéro de diapositive 5">
             <a:extLst>
               <a:ext uri="{FF2B5EF4-FFF2-40B4-BE49-F238E27FC236}">
-                <a16:creationId xmlns:a16="http://schemas.microsoft.com/office/drawing/2014/main" xmlns="" id="{8DE357AB-CECA-4E39-9B33-BF3917B2F14D}"/>
+                <a16:creationId xmlns:a16="http://schemas.microsoft.com/office/drawing/2014/main" id="{8DE357AB-CECA-4E39-9B33-BF3917B2F14D}"/>
               </a:ext>
             </a:extLst>
           </p:cNvPr>
@@ -374,7 +374,7 @@
           <p:cNvPr id="2" name="Titre 1">
             <a:extLst>
               <a:ext uri="{FF2B5EF4-FFF2-40B4-BE49-F238E27FC236}">
-                <a16:creationId xmlns:a16="http://schemas.microsoft.com/office/drawing/2014/main" xmlns="" id="{E3EE72AF-8CE8-4961-AE56-4014D773ED70}"/>
+                <a16:creationId xmlns:a16="http://schemas.microsoft.com/office/drawing/2014/main" id="{E3EE72AF-8CE8-4961-AE56-4014D773ED70}"/>
               </a:ext>
             </a:extLst>
           </p:cNvPr>
@@ -402,7 +402,7 @@
           <p:cNvPr id="3" name="Espace réservé du texte vertical 2">
             <a:extLst>
               <a:ext uri="{FF2B5EF4-FFF2-40B4-BE49-F238E27FC236}">
-                <a16:creationId xmlns:a16="http://schemas.microsoft.com/office/drawing/2014/main" xmlns="" id="{7EC6808C-90B3-40B3-824F-0DBDA5446B10}"/>
+                <a16:creationId xmlns:a16="http://schemas.microsoft.com/office/drawing/2014/main" id="{7EC6808C-90B3-40B3-824F-0DBDA5446B10}"/>
               </a:ext>
             </a:extLst>
           </p:cNvPr>
@@ -459,7 +459,7 @@
           <p:cNvPr id="4" name="Espace réservé de la date 3">
             <a:extLst>
               <a:ext uri="{FF2B5EF4-FFF2-40B4-BE49-F238E27FC236}">
-                <a16:creationId xmlns:a16="http://schemas.microsoft.com/office/drawing/2014/main" xmlns="" id="{051F8989-E312-47E3-964F-4EC444B87383}"/>
+                <a16:creationId xmlns:a16="http://schemas.microsoft.com/office/drawing/2014/main" id="{051F8989-E312-47E3-964F-4EC444B87383}"/>
               </a:ext>
             </a:extLst>
           </p:cNvPr>
@@ -488,7 +488,7 @@
           <p:cNvPr id="5" name="Espace réservé du pied de page 4">
             <a:extLst>
               <a:ext uri="{FF2B5EF4-FFF2-40B4-BE49-F238E27FC236}">
-                <a16:creationId xmlns:a16="http://schemas.microsoft.com/office/drawing/2014/main" xmlns="" id="{3CA649D0-6C2D-45F7-B05D-28EBC6055A04}"/>
+                <a16:creationId xmlns:a16="http://schemas.microsoft.com/office/drawing/2014/main" id="{3CA649D0-6C2D-45F7-B05D-28EBC6055A04}"/>
               </a:ext>
             </a:extLst>
           </p:cNvPr>
@@ -513,7 +513,7 @@
           <p:cNvPr id="6" name="Espace réservé du numéro de diapositive 5">
             <a:extLst>
               <a:ext uri="{FF2B5EF4-FFF2-40B4-BE49-F238E27FC236}">
-                <a16:creationId xmlns:a16="http://schemas.microsoft.com/office/drawing/2014/main" xmlns="" id="{70853218-BF96-4B7C-9B3A-4D31A2282848}"/>
+                <a16:creationId xmlns:a16="http://schemas.microsoft.com/office/drawing/2014/main" id="{70853218-BF96-4B7C-9B3A-4D31A2282848}"/>
               </a:ext>
             </a:extLst>
           </p:cNvPr>
@@ -572,7 +572,7 @@
           <p:cNvPr id="2" name="Titre vertical 1">
             <a:extLst>
               <a:ext uri="{FF2B5EF4-FFF2-40B4-BE49-F238E27FC236}">
-                <a16:creationId xmlns:a16="http://schemas.microsoft.com/office/drawing/2014/main" xmlns="" id="{3B98E2F4-6A3E-4A5A-8986-2DBC3038872B}"/>
+                <a16:creationId xmlns:a16="http://schemas.microsoft.com/office/drawing/2014/main" id="{3B98E2F4-6A3E-4A5A-8986-2DBC3038872B}"/>
               </a:ext>
             </a:extLst>
           </p:cNvPr>
@@ -605,7 +605,7 @@
           <p:cNvPr id="3" name="Espace réservé du texte vertical 2">
             <a:extLst>
               <a:ext uri="{FF2B5EF4-FFF2-40B4-BE49-F238E27FC236}">
-                <a16:creationId xmlns:a16="http://schemas.microsoft.com/office/drawing/2014/main" xmlns="" id="{C0F9346F-8EF0-429E-9C2C-A68B3DF3FDEE}"/>
+                <a16:creationId xmlns:a16="http://schemas.microsoft.com/office/drawing/2014/main" id="{C0F9346F-8EF0-429E-9C2C-A68B3DF3FDEE}"/>
               </a:ext>
             </a:extLst>
           </p:cNvPr>
@@ -667,7 +667,7 @@
           <p:cNvPr id="4" name="Espace réservé de la date 3">
             <a:extLst>
               <a:ext uri="{FF2B5EF4-FFF2-40B4-BE49-F238E27FC236}">
-                <a16:creationId xmlns:a16="http://schemas.microsoft.com/office/drawing/2014/main" xmlns="" id="{99192607-4FD8-4628-9044-B86EDD986E35}"/>
+                <a16:creationId xmlns:a16="http://schemas.microsoft.com/office/drawing/2014/main" id="{99192607-4FD8-4628-9044-B86EDD986E35}"/>
               </a:ext>
             </a:extLst>
           </p:cNvPr>
@@ -696,7 +696,7 @@
           <p:cNvPr id="5" name="Espace réservé du pied de page 4">
             <a:extLst>
               <a:ext uri="{FF2B5EF4-FFF2-40B4-BE49-F238E27FC236}">
-                <a16:creationId xmlns:a16="http://schemas.microsoft.com/office/drawing/2014/main" xmlns="" id="{D2F23AA7-0F6C-4DF3-878A-1A540CB863FD}"/>
+                <a16:creationId xmlns:a16="http://schemas.microsoft.com/office/drawing/2014/main" id="{D2F23AA7-0F6C-4DF3-878A-1A540CB863FD}"/>
               </a:ext>
             </a:extLst>
           </p:cNvPr>
@@ -721,7 +721,7 @@
           <p:cNvPr id="6" name="Espace réservé du numéro de diapositive 5">
             <a:extLst>
               <a:ext uri="{FF2B5EF4-FFF2-40B4-BE49-F238E27FC236}">
-                <a16:creationId xmlns:a16="http://schemas.microsoft.com/office/drawing/2014/main" xmlns="" id="{449D4CF9-B1EB-42DF-ADCA-7B640B5F3695}"/>
+                <a16:creationId xmlns:a16="http://schemas.microsoft.com/office/drawing/2014/main" id="{449D4CF9-B1EB-42DF-ADCA-7B640B5F3695}"/>
               </a:ext>
             </a:extLst>
           </p:cNvPr>
@@ -780,7 +780,7 @@
           <p:cNvPr id="2" name="Titre 1">
             <a:extLst>
               <a:ext uri="{FF2B5EF4-FFF2-40B4-BE49-F238E27FC236}">
-                <a16:creationId xmlns:a16="http://schemas.microsoft.com/office/drawing/2014/main" xmlns="" id="{60EFC288-1E48-49D9-8FD4-1C4BDBCBDA06}"/>
+                <a16:creationId xmlns:a16="http://schemas.microsoft.com/office/drawing/2014/main" id="{60EFC288-1E48-49D9-8FD4-1C4BDBCBDA06}"/>
               </a:ext>
             </a:extLst>
           </p:cNvPr>
@@ -808,7 +808,7 @@
           <p:cNvPr id="3" name="Espace réservé du contenu 2">
             <a:extLst>
               <a:ext uri="{FF2B5EF4-FFF2-40B4-BE49-F238E27FC236}">
-                <a16:creationId xmlns:a16="http://schemas.microsoft.com/office/drawing/2014/main" xmlns="" id="{071EFF41-B940-4205-90A9-31A0DC764D5A}"/>
+                <a16:creationId xmlns:a16="http://schemas.microsoft.com/office/drawing/2014/main" id="{071EFF41-B940-4205-90A9-31A0DC764D5A}"/>
               </a:ext>
             </a:extLst>
           </p:cNvPr>
@@ -865,7 +865,7 @@
           <p:cNvPr id="4" name="Espace réservé de la date 3">
             <a:extLst>
               <a:ext uri="{FF2B5EF4-FFF2-40B4-BE49-F238E27FC236}">
-                <a16:creationId xmlns:a16="http://schemas.microsoft.com/office/drawing/2014/main" xmlns="" id="{E0B059E5-BE6B-4268-BA41-CF8535146A55}"/>
+                <a16:creationId xmlns:a16="http://schemas.microsoft.com/office/drawing/2014/main" id="{E0B059E5-BE6B-4268-BA41-CF8535146A55}"/>
               </a:ext>
             </a:extLst>
           </p:cNvPr>
@@ -894,7 +894,7 @@
           <p:cNvPr id="5" name="Espace réservé du pied de page 4">
             <a:extLst>
               <a:ext uri="{FF2B5EF4-FFF2-40B4-BE49-F238E27FC236}">
-                <a16:creationId xmlns:a16="http://schemas.microsoft.com/office/drawing/2014/main" xmlns="" id="{E6EBD889-985E-4D7C-992F-C5F1A4098F6D}"/>
+                <a16:creationId xmlns:a16="http://schemas.microsoft.com/office/drawing/2014/main" id="{E6EBD889-985E-4D7C-992F-C5F1A4098F6D}"/>
               </a:ext>
             </a:extLst>
           </p:cNvPr>
@@ -919,7 +919,7 @@
           <p:cNvPr id="6" name="Espace réservé du numéro de diapositive 5">
             <a:extLst>
               <a:ext uri="{FF2B5EF4-FFF2-40B4-BE49-F238E27FC236}">
-                <a16:creationId xmlns:a16="http://schemas.microsoft.com/office/drawing/2014/main" xmlns="" id="{9885CD9E-02DF-4166-9D3D-F697435E6421}"/>
+                <a16:creationId xmlns:a16="http://schemas.microsoft.com/office/drawing/2014/main" id="{9885CD9E-02DF-4166-9D3D-F697435E6421}"/>
               </a:ext>
             </a:extLst>
           </p:cNvPr>
@@ -978,7 +978,7 @@
           <p:cNvPr id="2" name="Titre 1">
             <a:extLst>
               <a:ext uri="{FF2B5EF4-FFF2-40B4-BE49-F238E27FC236}">
-                <a16:creationId xmlns:a16="http://schemas.microsoft.com/office/drawing/2014/main" xmlns="" id="{0DBCAEF3-2014-4E7B-BE97-53DE02AF5E75}"/>
+                <a16:creationId xmlns:a16="http://schemas.microsoft.com/office/drawing/2014/main" id="{0DBCAEF3-2014-4E7B-BE97-53DE02AF5E75}"/>
               </a:ext>
             </a:extLst>
           </p:cNvPr>
@@ -1015,7 +1015,7 @@
           <p:cNvPr id="3" name="Espace réservé du texte 2">
             <a:extLst>
               <a:ext uri="{FF2B5EF4-FFF2-40B4-BE49-F238E27FC236}">
-                <a16:creationId xmlns:a16="http://schemas.microsoft.com/office/drawing/2014/main" xmlns="" id="{1AADB57C-CFC2-4839-8069-72CC945EC3C7}"/>
+                <a16:creationId xmlns:a16="http://schemas.microsoft.com/office/drawing/2014/main" id="{1AADB57C-CFC2-4839-8069-72CC945EC3C7}"/>
               </a:ext>
             </a:extLst>
           </p:cNvPr>
@@ -1140,7 +1140,7 @@
           <p:cNvPr id="4" name="Espace réservé de la date 3">
             <a:extLst>
               <a:ext uri="{FF2B5EF4-FFF2-40B4-BE49-F238E27FC236}">
-                <a16:creationId xmlns:a16="http://schemas.microsoft.com/office/drawing/2014/main" xmlns="" id="{288AFFEB-8D36-42FA-8F5B-87DF296BCABB}"/>
+                <a16:creationId xmlns:a16="http://schemas.microsoft.com/office/drawing/2014/main" id="{288AFFEB-8D36-42FA-8F5B-87DF296BCABB}"/>
               </a:ext>
             </a:extLst>
           </p:cNvPr>
@@ -1169,7 +1169,7 @@
           <p:cNvPr id="5" name="Espace réservé du pied de page 4">
             <a:extLst>
               <a:ext uri="{FF2B5EF4-FFF2-40B4-BE49-F238E27FC236}">
-                <a16:creationId xmlns:a16="http://schemas.microsoft.com/office/drawing/2014/main" xmlns="" id="{0CEF7E66-B595-49BC-B25F-C42DA152CA57}"/>
+                <a16:creationId xmlns:a16="http://schemas.microsoft.com/office/drawing/2014/main" id="{0CEF7E66-B595-49BC-B25F-C42DA152CA57}"/>
               </a:ext>
             </a:extLst>
           </p:cNvPr>
@@ -1194,7 +1194,7 @@
           <p:cNvPr id="6" name="Espace réservé du numéro de diapositive 5">
             <a:extLst>
               <a:ext uri="{FF2B5EF4-FFF2-40B4-BE49-F238E27FC236}">
-                <a16:creationId xmlns:a16="http://schemas.microsoft.com/office/drawing/2014/main" xmlns="" id="{178E2A10-8C7B-4BFF-A32C-9402BCF883AC}"/>
+                <a16:creationId xmlns:a16="http://schemas.microsoft.com/office/drawing/2014/main" id="{178E2A10-8C7B-4BFF-A32C-9402BCF883AC}"/>
               </a:ext>
             </a:extLst>
           </p:cNvPr>
@@ -1253,7 +1253,7 @@
           <p:cNvPr id="2" name="Titre 1">
             <a:extLst>
               <a:ext uri="{FF2B5EF4-FFF2-40B4-BE49-F238E27FC236}">
-                <a16:creationId xmlns:a16="http://schemas.microsoft.com/office/drawing/2014/main" xmlns="" id="{B52C6A58-8CF2-46BD-BC49-C5DA86580E40}"/>
+                <a16:creationId xmlns:a16="http://schemas.microsoft.com/office/drawing/2014/main" id="{B52C6A58-8CF2-46BD-BC49-C5DA86580E40}"/>
               </a:ext>
             </a:extLst>
           </p:cNvPr>
@@ -1281,7 +1281,7 @@
           <p:cNvPr id="3" name="Espace réservé du contenu 2">
             <a:extLst>
               <a:ext uri="{FF2B5EF4-FFF2-40B4-BE49-F238E27FC236}">
-                <a16:creationId xmlns:a16="http://schemas.microsoft.com/office/drawing/2014/main" xmlns="" id="{B55BB1BA-B9AD-4205-92AF-B582E5822225}"/>
+                <a16:creationId xmlns:a16="http://schemas.microsoft.com/office/drawing/2014/main" id="{B55BB1BA-B9AD-4205-92AF-B582E5822225}"/>
               </a:ext>
             </a:extLst>
           </p:cNvPr>
@@ -1343,7 +1343,7 @@
           <p:cNvPr id="4" name="Espace réservé du contenu 3">
             <a:extLst>
               <a:ext uri="{FF2B5EF4-FFF2-40B4-BE49-F238E27FC236}">
-                <a16:creationId xmlns:a16="http://schemas.microsoft.com/office/drawing/2014/main" xmlns="" id="{7F9AC192-4836-42D3-A548-DCDF314D25EB}"/>
+                <a16:creationId xmlns:a16="http://schemas.microsoft.com/office/drawing/2014/main" id="{7F9AC192-4836-42D3-A548-DCDF314D25EB}"/>
               </a:ext>
             </a:extLst>
           </p:cNvPr>
@@ -1405,7 +1405,7 @@
           <p:cNvPr id="5" name="Espace réservé de la date 4">
             <a:extLst>
               <a:ext uri="{FF2B5EF4-FFF2-40B4-BE49-F238E27FC236}">
-                <a16:creationId xmlns:a16="http://schemas.microsoft.com/office/drawing/2014/main" xmlns="" id="{A4E28A11-6314-46FA-98BB-A56087EE27CF}"/>
+                <a16:creationId xmlns:a16="http://schemas.microsoft.com/office/drawing/2014/main" id="{A4E28A11-6314-46FA-98BB-A56087EE27CF}"/>
               </a:ext>
             </a:extLst>
           </p:cNvPr>
@@ -1434,7 +1434,7 @@
           <p:cNvPr id="6" name="Espace réservé du pied de page 5">
             <a:extLst>
               <a:ext uri="{FF2B5EF4-FFF2-40B4-BE49-F238E27FC236}">
-                <a16:creationId xmlns:a16="http://schemas.microsoft.com/office/drawing/2014/main" xmlns="" id="{B5940242-BCE3-45B9-8D43-83744EDA7BD7}"/>
+                <a16:creationId xmlns:a16="http://schemas.microsoft.com/office/drawing/2014/main" id="{B5940242-BCE3-45B9-8D43-83744EDA7BD7}"/>
               </a:ext>
             </a:extLst>
           </p:cNvPr>
@@ -1459,7 +1459,7 @@
           <p:cNvPr id="7" name="Espace réservé du numéro de diapositive 6">
             <a:extLst>
               <a:ext uri="{FF2B5EF4-FFF2-40B4-BE49-F238E27FC236}">
-                <a16:creationId xmlns:a16="http://schemas.microsoft.com/office/drawing/2014/main" xmlns="" id="{04E32D28-1C42-44F2-A8D0-90D069CD63CA}"/>
+                <a16:creationId xmlns:a16="http://schemas.microsoft.com/office/drawing/2014/main" id="{04E32D28-1C42-44F2-A8D0-90D069CD63CA}"/>
               </a:ext>
             </a:extLst>
           </p:cNvPr>
@@ -1518,7 +1518,7 @@
           <p:cNvPr id="2" name="Titre 1">
             <a:extLst>
               <a:ext uri="{FF2B5EF4-FFF2-40B4-BE49-F238E27FC236}">
-                <a16:creationId xmlns:a16="http://schemas.microsoft.com/office/drawing/2014/main" xmlns="" id="{0F61FEE6-218A-4AED-B46A-B11770BE8ACC}"/>
+                <a16:creationId xmlns:a16="http://schemas.microsoft.com/office/drawing/2014/main" id="{0F61FEE6-218A-4AED-B46A-B11770BE8ACC}"/>
               </a:ext>
             </a:extLst>
           </p:cNvPr>
@@ -1551,7 +1551,7 @@
           <p:cNvPr id="3" name="Espace réservé du texte 2">
             <a:extLst>
               <a:ext uri="{FF2B5EF4-FFF2-40B4-BE49-F238E27FC236}">
-                <a16:creationId xmlns:a16="http://schemas.microsoft.com/office/drawing/2014/main" xmlns="" id="{113CC13E-1AF8-4A35-8FD0-2310BC377887}"/>
+                <a16:creationId xmlns:a16="http://schemas.microsoft.com/office/drawing/2014/main" id="{113CC13E-1AF8-4A35-8FD0-2310BC377887}"/>
               </a:ext>
             </a:extLst>
           </p:cNvPr>
@@ -1622,7 +1622,7 @@
           <p:cNvPr id="4" name="Espace réservé du contenu 3">
             <a:extLst>
               <a:ext uri="{FF2B5EF4-FFF2-40B4-BE49-F238E27FC236}">
-                <a16:creationId xmlns:a16="http://schemas.microsoft.com/office/drawing/2014/main" xmlns="" id="{E3E70AD9-564D-41F7-9563-2AFA55F6ACC9}"/>
+                <a16:creationId xmlns:a16="http://schemas.microsoft.com/office/drawing/2014/main" id="{E3E70AD9-564D-41F7-9563-2AFA55F6ACC9}"/>
               </a:ext>
             </a:extLst>
           </p:cNvPr>
@@ -1684,7 +1684,7 @@
           <p:cNvPr id="5" name="Espace réservé du texte 4">
             <a:extLst>
               <a:ext uri="{FF2B5EF4-FFF2-40B4-BE49-F238E27FC236}">
-                <a16:creationId xmlns:a16="http://schemas.microsoft.com/office/drawing/2014/main" xmlns="" id="{BD22F172-32B4-4211-A81D-69CB711E3253}"/>
+                <a16:creationId xmlns:a16="http://schemas.microsoft.com/office/drawing/2014/main" id="{BD22F172-32B4-4211-A81D-69CB711E3253}"/>
               </a:ext>
             </a:extLst>
           </p:cNvPr>
@@ -1755,7 +1755,7 @@
           <p:cNvPr id="6" name="Espace réservé du contenu 5">
             <a:extLst>
               <a:ext uri="{FF2B5EF4-FFF2-40B4-BE49-F238E27FC236}">
-                <a16:creationId xmlns:a16="http://schemas.microsoft.com/office/drawing/2014/main" xmlns="" id="{C61AB31A-E540-4051-B9D8-10A00B609D54}"/>
+                <a16:creationId xmlns:a16="http://schemas.microsoft.com/office/drawing/2014/main" id="{C61AB31A-E540-4051-B9D8-10A00B609D54}"/>
               </a:ext>
             </a:extLst>
           </p:cNvPr>
@@ -1817,7 +1817,7 @@
           <p:cNvPr id="7" name="Espace réservé de la date 6">
             <a:extLst>
               <a:ext uri="{FF2B5EF4-FFF2-40B4-BE49-F238E27FC236}">
-                <a16:creationId xmlns:a16="http://schemas.microsoft.com/office/drawing/2014/main" xmlns="" id="{EDCDAE95-7F71-409F-93F3-645A49B72FBB}"/>
+                <a16:creationId xmlns:a16="http://schemas.microsoft.com/office/drawing/2014/main" id="{EDCDAE95-7F71-409F-93F3-645A49B72FBB}"/>
               </a:ext>
             </a:extLst>
           </p:cNvPr>
@@ -1846,7 +1846,7 @@
           <p:cNvPr id="8" name="Espace réservé du pied de page 7">
             <a:extLst>
               <a:ext uri="{FF2B5EF4-FFF2-40B4-BE49-F238E27FC236}">
-                <a16:creationId xmlns:a16="http://schemas.microsoft.com/office/drawing/2014/main" xmlns="" id="{D644BD9A-754B-4845-94AB-B4ED933EE164}"/>
+                <a16:creationId xmlns:a16="http://schemas.microsoft.com/office/drawing/2014/main" id="{D644BD9A-754B-4845-94AB-B4ED933EE164}"/>
               </a:ext>
             </a:extLst>
           </p:cNvPr>
@@ -1871,7 +1871,7 @@
           <p:cNvPr id="9" name="Espace réservé du numéro de diapositive 8">
             <a:extLst>
               <a:ext uri="{FF2B5EF4-FFF2-40B4-BE49-F238E27FC236}">
-                <a16:creationId xmlns:a16="http://schemas.microsoft.com/office/drawing/2014/main" xmlns="" id="{0C48F6EC-75CA-4FC1-BB78-A387DEDA06EC}"/>
+                <a16:creationId xmlns:a16="http://schemas.microsoft.com/office/drawing/2014/main" id="{0C48F6EC-75CA-4FC1-BB78-A387DEDA06EC}"/>
               </a:ext>
             </a:extLst>
           </p:cNvPr>
@@ -1930,7 +1930,7 @@
           <p:cNvPr id="2" name="Titre 1">
             <a:extLst>
               <a:ext uri="{FF2B5EF4-FFF2-40B4-BE49-F238E27FC236}">
-                <a16:creationId xmlns:a16="http://schemas.microsoft.com/office/drawing/2014/main" xmlns="" id="{15E1ECE0-D96F-42D8-819C-54594CD774EC}"/>
+                <a16:creationId xmlns:a16="http://schemas.microsoft.com/office/drawing/2014/main" id="{15E1ECE0-D96F-42D8-819C-54594CD774EC}"/>
               </a:ext>
             </a:extLst>
           </p:cNvPr>
@@ -1958,7 +1958,7 @@
           <p:cNvPr id="3" name="Espace réservé de la date 2">
             <a:extLst>
               <a:ext uri="{FF2B5EF4-FFF2-40B4-BE49-F238E27FC236}">
-                <a16:creationId xmlns:a16="http://schemas.microsoft.com/office/drawing/2014/main" xmlns="" id="{7096923F-E4B2-411C-BF28-8DF514DB4772}"/>
+                <a16:creationId xmlns:a16="http://schemas.microsoft.com/office/drawing/2014/main" id="{7096923F-E4B2-411C-BF28-8DF514DB4772}"/>
               </a:ext>
             </a:extLst>
           </p:cNvPr>
@@ -1987,7 +1987,7 @@
           <p:cNvPr id="4" name="Espace réservé du pied de page 3">
             <a:extLst>
               <a:ext uri="{FF2B5EF4-FFF2-40B4-BE49-F238E27FC236}">
-                <a16:creationId xmlns:a16="http://schemas.microsoft.com/office/drawing/2014/main" xmlns="" id="{C7276F71-9E62-4B3E-A909-46A412F08E8E}"/>
+                <a16:creationId xmlns:a16="http://schemas.microsoft.com/office/drawing/2014/main" id="{C7276F71-9E62-4B3E-A909-46A412F08E8E}"/>
               </a:ext>
             </a:extLst>
           </p:cNvPr>
@@ -2012,7 +2012,7 @@
           <p:cNvPr id="5" name="Espace réservé du numéro de diapositive 4">
             <a:extLst>
               <a:ext uri="{FF2B5EF4-FFF2-40B4-BE49-F238E27FC236}">
-                <a16:creationId xmlns:a16="http://schemas.microsoft.com/office/drawing/2014/main" xmlns="" id="{3C3FFFDC-5E90-4395-9973-EBBB73FDDF25}"/>
+                <a16:creationId xmlns:a16="http://schemas.microsoft.com/office/drawing/2014/main" id="{3C3FFFDC-5E90-4395-9973-EBBB73FDDF25}"/>
               </a:ext>
             </a:extLst>
           </p:cNvPr>
@@ -2071,7 +2071,7 @@
           <p:cNvPr id="2" name="Espace réservé de la date 1">
             <a:extLst>
               <a:ext uri="{FF2B5EF4-FFF2-40B4-BE49-F238E27FC236}">
-                <a16:creationId xmlns:a16="http://schemas.microsoft.com/office/drawing/2014/main" xmlns="" id="{D0201AC3-876D-4212-A50A-05814C85A863}"/>
+                <a16:creationId xmlns:a16="http://schemas.microsoft.com/office/drawing/2014/main" id="{D0201AC3-876D-4212-A50A-05814C85A863}"/>
               </a:ext>
             </a:extLst>
           </p:cNvPr>
@@ -2100,7 +2100,7 @@
           <p:cNvPr id="3" name="Espace réservé du pied de page 2">
             <a:extLst>
               <a:ext uri="{FF2B5EF4-FFF2-40B4-BE49-F238E27FC236}">
-                <a16:creationId xmlns:a16="http://schemas.microsoft.com/office/drawing/2014/main" xmlns="" id="{90DF7950-2FEB-418F-A068-483216BD8634}"/>
+                <a16:creationId xmlns:a16="http://schemas.microsoft.com/office/drawing/2014/main" id="{90DF7950-2FEB-418F-A068-483216BD8634}"/>
               </a:ext>
             </a:extLst>
           </p:cNvPr>
@@ -2125,7 +2125,7 @@
           <p:cNvPr id="4" name="Espace réservé du numéro de diapositive 3">
             <a:extLst>
               <a:ext uri="{FF2B5EF4-FFF2-40B4-BE49-F238E27FC236}">
-                <a16:creationId xmlns:a16="http://schemas.microsoft.com/office/drawing/2014/main" xmlns="" id="{0824DAB9-DB53-4CA5-BF59-986135048B4A}"/>
+                <a16:creationId xmlns:a16="http://schemas.microsoft.com/office/drawing/2014/main" id="{0824DAB9-DB53-4CA5-BF59-986135048B4A}"/>
               </a:ext>
             </a:extLst>
           </p:cNvPr>
@@ -2184,7 +2184,7 @@
           <p:cNvPr id="2" name="Titre 1">
             <a:extLst>
               <a:ext uri="{FF2B5EF4-FFF2-40B4-BE49-F238E27FC236}">
-                <a16:creationId xmlns:a16="http://schemas.microsoft.com/office/drawing/2014/main" xmlns="" id="{83248B0C-1535-4232-8F32-C8DE0B3C715B}"/>
+                <a16:creationId xmlns:a16="http://schemas.microsoft.com/office/drawing/2014/main" id="{83248B0C-1535-4232-8F32-C8DE0B3C715B}"/>
               </a:ext>
             </a:extLst>
           </p:cNvPr>
@@ -2221,7 +2221,7 @@
           <p:cNvPr id="3" name="Espace réservé du contenu 2">
             <a:extLst>
               <a:ext uri="{FF2B5EF4-FFF2-40B4-BE49-F238E27FC236}">
-                <a16:creationId xmlns:a16="http://schemas.microsoft.com/office/drawing/2014/main" xmlns="" id="{73CF1F30-D3C7-463B-8102-ECF1BE866FC8}"/>
+                <a16:creationId xmlns:a16="http://schemas.microsoft.com/office/drawing/2014/main" id="{73CF1F30-D3C7-463B-8102-ECF1BE866FC8}"/>
               </a:ext>
             </a:extLst>
           </p:cNvPr>
@@ -2311,7 +2311,7 @@
           <p:cNvPr id="4" name="Espace réservé du texte 3">
             <a:extLst>
               <a:ext uri="{FF2B5EF4-FFF2-40B4-BE49-F238E27FC236}">
-                <a16:creationId xmlns:a16="http://schemas.microsoft.com/office/drawing/2014/main" xmlns="" id="{64C441EE-9867-44EE-BD9F-3FFAA5E652AB}"/>
+                <a16:creationId xmlns:a16="http://schemas.microsoft.com/office/drawing/2014/main" id="{64C441EE-9867-44EE-BD9F-3FFAA5E652AB}"/>
               </a:ext>
             </a:extLst>
           </p:cNvPr>
@@ -2382,7 +2382,7 @@
           <p:cNvPr id="5" name="Espace réservé de la date 4">
             <a:extLst>
               <a:ext uri="{FF2B5EF4-FFF2-40B4-BE49-F238E27FC236}">
-                <a16:creationId xmlns:a16="http://schemas.microsoft.com/office/drawing/2014/main" xmlns="" id="{0D45BA81-388D-4DBD-943A-8C42CC8E5E9D}"/>
+                <a16:creationId xmlns:a16="http://schemas.microsoft.com/office/drawing/2014/main" id="{0D45BA81-388D-4DBD-943A-8C42CC8E5E9D}"/>
               </a:ext>
             </a:extLst>
           </p:cNvPr>
@@ -2411,7 +2411,7 @@
           <p:cNvPr id="6" name="Espace réservé du pied de page 5">
             <a:extLst>
               <a:ext uri="{FF2B5EF4-FFF2-40B4-BE49-F238E27FC236}">
-                <a16:creationId xmlns:a16="http://schemas.microsoft.com/office/drawing/2014/main" xmlns="" id="{644A2C28-991B-458B-9045-DC1DAD032825}"/>
+                <a16:creationId xmlns:a16="http://schemas.microsoft.com/office/drawing/2014/main" id="{644A2C28-991B-458B-9045-DC1DAD032825}"/>
               </a:ext>
             </a:extLst>
           </p:cNvPr>
@@ -2436,7 +2436,7 @@
           <p:cNvPr id="7" name="Espace réservé du numéro de diapositive 6">
             <a:extLst>
               <a:ext uri="{FF2B5EF4-FFF2-40B4-BE49-F238E27FC236}">
-                <a16:creationId xmlns:a16="http://schemas.microsoft.com/office/drawing/2014/main" xmlns="" id="{3DD3E11B-06A9-4309-B20A-AE701F015762}"/>
+                <a16:creationId xmlns:a16="http://schemas.microsoft.com/office/drawing/2014/main" id="{3DD3E11B-06A9-4309-B20A-AE701F015762}"/>
               </a:ext>
             </a:extLst>
           </p:cNvPr>
@@ -2495,7 +2495,7 @@
           <p:cNvPr id="2" name="Titre 1">
             <a:extLst>
               <a:ext uri="{FF2B5EF4-FFF2-40B4-BE49-F238E27FC236}">
-                <a16:creationId xmlns:a16="http://schemas.microsoft.com/office/drawing/2014/main" xmlns="" id="{81935FD8-04D5-4E72-AE86-D49FFC0FC0D2}"/>
+                <a16:creationId xmlns:a16="http://schemas.microsoft.com/office/drawing/2014/main" id="{81935FD8-04D5-4E72-AE86-D49FFC0FC0D2}"/>
               </a:ext>
             </a:extLst>
           </p:cNvPr>
@@ -2532,7 +2532,7 @@
           <p:cNvPr id="3" name="Espace réservé pour une image  2">
             <a:extLst>
               <a:ext uri="{FF2B5EF4-FFF2-40B4-BE49-F238E27FC236}">
-                <a16:creationId xmlns:a16="http://schemas.microsoft.com/office/drawing/2014/main" xmlns="" id="{4F2C2E7B-9193-4A62-9A56-19B646A465FD}"/>
+                <a16:creationId xmlns:a16="http://schemas.microsoft.com/office/drawing/2014/main" id="{4F2C2E7B-9193-4A62-9A56-19B646A465FD}"/>
               </a:ext>
             </a:extLst>
           </p:cNvPr>
@@ -2599,7 +2599,7 @@
           <p:cNvPr id="4" name="Espace réservé du texte 3">
             <a:extLst>
               <a:ext uri="{FF2B5EF4-FFF2-40B4-BE49-F238E27FC236}">
-                <a16:creationId xmlns:a16="http://schemas.microsoft.com/office/drawing/2014/main" xmlns="" id="{DC36EF10-9A38-4A7F-B901-38B51F617B4A}"/>
+                <a16:creationId xmlns:a16="http://schemas.microsoft.com/office/drawing/2014/main" id="{DC36EF10-9A38-4A7F-B901-38B51F617B4A}"/>
               </a:ext>
             </a:extLst>
           </p:cNvPr>
@@ -2670,7 +2670,7 @@
           <p:cNvPr id="5" name="Espace réservé de la date 4">
             <a:extLst>
               <a:ext uri="{FF2B5EF4-FFF2-40B4-BE49-F238E27FC236}">
-                <a16:creationId xmlns:a16="http://schemas.microsoft.com/office/drawing/2014/main" xmlns="" id="{68B6AD81-0CC3-4F56-A065-482AFC0490C9}"/>
+                <a16:creationId xmlns:a16="http://schemas.microsoft.com/office/drawing/2014/main" id="{68B6AD81-0CC3-4F56-A065-482AFC0490C9}"/>
               </a:ext>
             </a:extLst>
           </p:cNvPr>
@@ -2699,7 +2699,7 @@
           <p:cNvPr id="6" name="Espace réservé du pied de page 5">
             <a:extLst>
               <a:ext uri="{FF2B5EF4-FFF2-40B4-BE49-F238E27FC236}">
-                <a16:creationId xmlns:a16="http://schemas.microsoft.com/office/drawing/2014/main" xmlns="" id="{7F367FCD-43A6-4EB2-8C88-FA202F1CE4FB}"/>
+                <a16:creationId xmlns:a16="http://schemas.microsoft.com/office/drawing/2014/main" id="{7F367FCD-43A6-4EB2-8C88-FA202F1CE4FB}"/>
               </a:ext>
             </a:extLst>
           </p:cNvPr>
@@ -2724,7 +2724,7 @@
           <p:cNvPr id="7" name="Espace réservé du numéro de diapositive 6">
             <a:extLst>
               <a:ext uri="{FF2B5EF4-FFF2-40B4-BE49-F238E27FC236}">
-                <a16:creationId xmlns:a16="http://schemas.microsoft.com/office/drawing/2014/main" xmlns="" id="{0A448652-F086-436A-B8E0-6808FE803097}"/>
+                <a16:creationId xmlns:a16="http://schemas.microsoft.com/office/drawing/2014/main" id="{0A448652-F086-436A-B8E0-6808FE803097}"/>
               </a:ext>
             </a:extLst>
           </p:cNvPr>
@@ -2788,7 +2788,7 @@
           <p:cNvPr id="2" name="Espace réservé du titre 1">
             <a:extLst>
               <a:ext uri="{FF2B5EF4-FFF2-40B4-BE49-F238E27FC236}">
-                <a16:creationId xmlns:a16="http://schemas.microsoft.com/office/drawing/2014/main" xmlns="" id="{FED8BFD7-4190-4B13-B298-C22224AEE0DE}"/>
+                <a16:creationId xmlns:a16="http://schemas.microsoft.com/office/drawing/2014/main" id="{FED8BFD7-4190-4B13-B298-C22224AEE0DE}"/>
               </a:ext>
             </a:extLst>
           </p:cNvPr>
@@ -2826,7 +2826,7 @@
           <p:cNvPr id="3" name="Espace réservé du texte 2">
             <a:extLst>
               <a:ext uri="{FF2B5EF4-FFF2-40B4-BE49-F238E27FC236}">
-                <a16:creationId xmlns:a16="http://schemas.microsoft.com/office/drawing/2014/main" xmlns="" id="{9AD79112-23A4-4848-B438-202251AE4109}"/>
+                <a16:creationId xmlns:a16="http://schemas.microsoft.com/office/drawing/2014/main" id="{9AD79112-23A4-4848-B438-202251AE4109}"/>
               </a:ext>
             </a:extLst>
           </p:cNvPr>
@@ -2893,7 +2893,7 @@
           <p:cNvPr id="4" name="Espace réservé de la date 3">
             <a:extLst>
               <a:ext uri="{FF2B5EF4-FFF2-40B4-BE49-F238E27FC236}">
-                <a16:creationId xmlns:a16="http://schemas.microsoft.com/office/drawing/2014/main" xmlns="" id="{DB5E0E9F-7A16-450B-85EA-748C2344DCBA}"/>
+                <a16:creationId xmlns:a16="http://schemas.microsoft.com/office/drawing/2014/main" id="{DB5E0E9F-7A16-450B-85EA-748C2344DCBA}"/>
               </a:ext>
             </a:extLst>
           </p:cNvPr>
@@ -2940,7 +2940,7 @@
           <p:cNvPr id="5" name="Espace réservé du pied de page 4">
             <a:extLst>
               <a:ext uri="{FF2B5EF4-FFF2-40B4-BE49-F238E27FC236}">
-                <a16:creationId xmlns:a16="http://schemas.microsoft.com/office/drawing/2014/main" xmlns="" id="{EA090008-ECF9-408F-9679-36555FD0AEA3}"/>
+                <a16:creationId xmlns:a16="http://schemas.microsoft.com/office/drawing/2014/main" id="{EA090008-ECF9-408F-9679-36555FD0AEA3}"/>
               </a:ext>
             </a:extLst>
           </p:cNvPr>
@@ -2983,7 +2983,7 @@
           <p:cNvPr id="6" name="Espace réservé du numéro de diapositive 5">
             <a:extLst>
               <a:ext uri="{FF2B5EF4-FFF2-40B4-BE49-F238E27FC236}">
-                <a16:creationId xmlns:a16="http://schemas.microsoft.com/office/drawing/2014/main" xmlns="" id="{B906F1DD-77B8-4830-A384-FE51492C7020}"/>
+                <a16:creationId xmlns:a16="http://schemas.microsoft.com/office/drawing/2014/main" id="{B906F1DD-77B8-4830-A384-FE51492C7020}"/>
               </a:ext>
             </a:extLst>
           </p:cNvPr>
@@ -3351,7 +3351,7 @@
           <p:cNvPr id="50" name="Nuage 49">
             <a:extLst>
               <a:ext uri="{FF2B5EF4-FFF2-40B4-BE49-F238E27FC236}">
-                <a16:creationId xmlns:a16="http://schemas.microsoft.com/office/drawing/2014/main" xmlns="" id="{C4AA5520-5B3C-4CE1-92C1-93A8C3D830BE}"/>
+                <a16:creationId xmlns:a16="http://schemas.microsoft.com/office/drawing/2014/main" id="{C4AA5520-5B3C-4CE1-92C1-93A8C3D830BE}"/>
               </a:ext>
             </a:extLst>
           </p:cNvPr>
@@ -3436,7 +3436,7 @@
           <p:cNvPr id="56" name="Nuage 55">
             <a:extLst>
               <a:ext uri="{FF2B5EF4-FFF2-40B4-BE49-F238E27FC236}">
-                <a16:creationId xmlns:a16="http://schemas.microsoft.com/office/drawing/2014/main" xmlns="" id="{EBD23622-97AE-43B3-A20A-C70C5CFE819E}"/>
+                <a16:creationId xmlns:a16="http://schemas.microsoft.com/office/drawing/2014/main" id="{EBD23622-97AE-43B3-A20A-C70C5CFE819E}"/>
               </a:ext>
             </a:extLst>
           </p:cNvPr>
@@ -3521,7 +3521,7 @@
           <p:cNvPr id="57" name="Nuage 56">
             <a:extLst>
               <a:ext uri="{FF2B5EF4-FFF2-40B4-BE49-F238E27FC236}">
-                <a16:creationId xmlns:a16="http://schemas.microsoft.com/office/drawing/2014/main" xmlns="" id="{C1D8CE25-B978-4BF3-AD79-63C2D32567B7}"/>
+                <a16:creationId xmlns:a16="http://schemas.microsoft.com/office/drawing/2014/main" id="{C1D8CE25-B978-4BF3-AD79-63C2D32567B7}"/>
               </a:ext>
             </a:extLst>
           </p:cNvPr>
@@ -3606,7 +3606,7 @@
           <p:cNvPr id="4" name="Rectangle 3">
             <a:extLst>
               <a:ext uri="{FF2B5EF4-FFF2-40B4-BE49-F238E27FC236}">
-                <a16:creationId xmlns:a16="http://schemas.microsoft.com/office/drawing/2014/main" xmlns="" id="{D6A19F59-DE5C-47E6-918B-27D303F45183}"/>
+                <a16:creationId xmlns:a16="http://schemas.microsoft.com/office/drawing/2014/main" id="{D6A19F59-DE5C-47E6-918B-27D303F45183}"/>
               </a:ext>
             </a:extLst>
           </p:cNvPr>
@@ -3660,7 +3660,7 @@
           <p:cNvPr id="5" name="Rectangle 4">
             <a:extLst>
               <a:ext uri="{FF2B5EF4-FFF2-40B4-BE49-F238E27FC236}">
-                <a16:creationId xmlns:a16="http://schemas.microsoft.com/office/drawing/2014/main" xmlns="" id="{0CB519F8-5C43-49C5-B4E7-9718D5910344}"/>
+                <a16:creationId xmlns:a16="http://schemas.microsoft.com/office/drawing/2014/main" id="{0CB519F8-5C43-49C5-B4E7-9718D5910344}"/>
               </a:ext>
             </a:extLst>
           </p:cNvPr>
@@ -3725,7 +3725,7 @@
           <p:cNvPr id="11" name="Connecteur droit avec flèche 10">
             <a:extLst>
               <a:ext uri="{FF2B5EF4-FFF2-40B4-BE49-F238E27FC236}">
-                <a16:creationId xmlns:a16="http://schemas.microsoft.com/office/drawing/2014/main" xmlns="" id="{9CE27AB5-38C3-4D69-9D71-A648A477EE6E}"/>
+                <a16:creationId xmlns:a16="http://schemas.microsoft.com/office/drawing/2014/main" id="{9CE27AB5-38C3-4D69-9D71-A648A477EE6E}"/>
               </a:ext>
             </a:extLst>
           </p:cNvPr>
@@ -3774,7 +3774,7 @@
           <p:cNvPr id="14" name="ZoneTexte 13">
             <a:extLst>
               <a:ext uri="{FF2B5EF4-FFF2-40B4-BE49-F238E27FC236}">
-                <a16:creationId xmlns:a16="http://schemas.microsoft.com/office/drawing/2014/main" xmlns="" id="{360EDDEA-2E66-401D-B69B-3B598E604E73}"/>
+                <a16:creationId xmlns:a16="http://schemas.microsoft.com/office/drawing/2014/main" id="{360EDDEA-2E66-401D-B69B-3B598E604E73}"/>
               </a:ext>
             </a:extLst>
           </p:cNvPr>
@@ -3809,7 +3809,7 @@
           <p:cNvPr id="16" name="Connecteur droit avec flèche 15">
             <a:extLst>
               <a:ext uri="{FF2B5EF4-FFF2-40B4-BE49-F238E27FC236}">
-                <a16:creationId xmlns:a16="http://schemas.microsoft.com/office/drawing/2014/main" xmlns="" id="{4942CECB-711B-4F9F-9B43-521D7C684761}"/>
+                <a16:creationId xmlns:a16="http://schemas.microsoft.com/office/drawing/2014/main" id="{4942CECB-711B-4F9F-9B43-521D7C684761}"/>
               </a:ext>
             </a:extLst>
           </p:cNvPr>
@@ -3858,7 +3858,7 @@
           <p:cNvPr id="17" name="Connecteur droit avec flèche 16">
             <a:extLst>
               <a:ext uri="{FF2B5EF4-FFF2-40B4-BE49-F238E27FC236}">
-                <a16:creationId xmlns:a16="http://schemas.microsoft.com/office/drawing/2014/main" xmlns="" id="{8491FF6A-E7B4-4501-8D7D-A7CC206AB55F}"/>
+                <a16:creationId xmlns:a16="http://schemas.microsoft.com/office/drawing/2014/main" id="{8491FF6A-E7B4-4501-8D7D-A7CC206AB55F}"/>
               </a:ext>
             </a:extLst>
           </p:cNvPr>
@@ -3906,7 +3906,7 @@
           <p:cNvPr id="19" name="ZoneTexte 18">
             <a:extLst>
               <a:ext uri="{FF2B5EF4-FFF2-40B4-BE49-F238E27FC236}">
-                <a16:creationId xmlns:a16="http://schemas.microsoft.com/office/drawing/2014/main" xmlns="" id="{5BCC8597-37E5-48F0-993B-5E2528BCA206}"/>
+                <a16:creationId xmlns:a16="http://schemas.microsoft.com/office/drawing/2014/main" id="{5BCC8597-37E5-48F0-993B-5E2528BCA206}"/>
               </a:ext>
             </a:extLst>
           </p:cNvPr>
@@ -3949,7 +3949,7 @@
           <p:cNvPr id="25" name="Connecteur : en arc 24">
             <a:extLst>
               <a:ext uri="{FF2B5EF4-FFF2-40B4-BE49-F238E27FC236}">
-                <a16:creationId xmlns:a16="http://schemas.microsoft.com/office/drawing/2014/main" xmlns="" id="{AFA325EA-1D6D-41D3-AB25-C90EC0B5199D}"/>
+                <a16:creationId xmlns:a16="http://schemas.microsoft.com/office/drawing/2014/main" id="{AFA325EA-1D6D-41D3-AB25-C90EC0B5199D}"/>
               </a:ext>
             </a:extLst>
           </p:cNvPr>
@@ -3996,7 +3996,7 @@
           <p:cNvPr id="40" name="Graphique 39" descr="Smartphone">
             <a:extLst>
               <a:ext uri="{FF2B5EF4-FFF2-40B4-BE49-F238E27FC236}">
-                <a16:creationId xmlns:a16="http://schemas.microsoft.com/office/drawing/2014/main" xmlns="" id="{F8C6BD27-D79E-4955-8DF3-49C6097A1768}"/>
+                <a16:creationId xmlns:a16="http://schemas.microsoft.com/office/drawing/2014/main" id="{F8C6BD27-D79E-4955-8DF3-49C6097A1768}"/>
               </a:ext>
             </a:extLst>
           </p:cNvPr>
@@ -4012,7 +4012,7 @@
                 <a14:useLocalDpi xmlns:a14="http://schemas.microsoft.com/office/drawing/2010/main" val="0"/>
               </a:ext>
               <a:ext uri="{96DAC541-7B7A-43D3-8B79-37D633B846F1}">
-                <asvg:svgBlip xmlns:asvg="http://schemas.microsoft.com/office/drawing/2016/SVG/main" xmlns="" r:embed="rId3"/>
+                <asvg:svgBlip xmlns:asvg="http://schemas.microsoft.com/office/drawing/2016/SVG/main" r:embed="rId3"/>
               </a:ext>
             </a:extLst>
           </a:blip>
@@ -4035,7 +4035,7 @@
           <p:cNvPr id="43" name="Rectangle 42">
             <a:extLst>
               <a:ext uri="{FF2B5EF4-FFF2-40B4-BE49-F238E27FC236}">
-                <a16:creationId xmlns:a16="http://schemas.microsoft.com/office/drawing/2014/main" xmlns="" id="{D6ADDE7C-DAC2-44CF-B48B-037B1070E657}"/>
+                <a16:creationId xmlns:a16="http://schemas.microsoft.com/office/drawing/2014/main" id="{D6ADDE7C-DAC2-44CF-B48B-037B1070E657}"/>
               </a:ext>
             </a:extLst>
           </p:cNvPr>
@@ -4079,7 +4079,7 @@
           <p:cNvPr id="45" name="Rectangle 44">
             <a:extLst>
               <a:ext uri="{FF2B5EF4-FFF2-40B4-BE49-F238E27FC236}">
-                <a16:creationId xmlns:a16="http://schemas.microsoft.com/office/drawing/2014/main" xmlns="" id="{EF00D21C-DF48-4A17-A28C-BF3F15C4BD54}"/>
+                <a16:creationId xmlns:a16="http://schemas.microsoft.com/office/drawing/2014/main" id="{EF00D21C-DF48-4A17-A28C-BF3F15C4BD54}"/>
               </a:ext>
             </a:extLst>
           </p:cNvPr>
@@ -4123,7 +4123,7 @@
           <p:cNvPr id="52" name="Ellipse 51">
             <a:extLst>
               <a:ext uri="{FF2B5EF4-FFF2-40B4-BE49-F238E27FC236}">
-                <a16:creationId xmlns:a16="http://schemas.microsoft.com/office/drawing/2014/main" xmlns="" id="{4EADF47A-5E89-4699-84BC-CA999EAC77F8}"/>
+                <a16:creationId xmlns:a16="http://schemas.microsoft.com/office/drawing/2014/main" id="{4EADF47A-5E89-4699-84BC-CA999EAC77F8}"/>
               </a:ext>
             </a:extLst>
           </p:cNvPr>
@@ -4177,7 +4177,7 @@
           <p:cNvPr id="53" name="Ellipse 52">
             <a:extLst>
               <a:ext uri="{FF2B5EF4-FFF2-40B4-BE49-F238E27FC236}">
-                <a16:creationId xmlns:a16="http://schemas.microsoft.com/office/drawing/2014/main" xmlns="" id="{D9BD4B33-BE09-499B-B25C-8B19AF8B50A3}"/>
+                <a16:creationId xmlns:a16="http://schemas.microsoft.com/office/drawing/2014/main" id="{D9BD4B33-BE09-499B-B25C-8B19AF8B50A3}"/>
               </a:ext>
             </a:extLst>
           </p:cNvPr>
@@ -4238,7 +4238,7 @@
           <p:cNvPr id="54" name="Ellipse 53">
             <a:extLst>
               <a:ext uri="{FF2B5EF4-FFF2-40B4-BE49-F238E27FC236}">
-                <a16:creationId xmlns:a16="http://schemas.microsoft.com/office/drawing/2014/main" xmlns="" id="{0627544C-8D07-42EF-A446-9BB78A015300}"/>
+                <a16:creationId xmlns:a16="http://schemas.microsoft.com/office/drawing/2014/main" id="{0627544C-8D07-42EF-A446-9BB78A015300}"/>
               </a:ext>
             </a:extLst>
           </p:cNvPr>
@@ -4299,7 +4299,7 @@
           <p:cNvPr id="55" name="Rectangle 54">
             <a:extLst>
               <a:ext uri="{FF2B5EF4-FFF2-40B4-BE49-F238E27FC236}">
-                <a16:creationId xmlns:a16="http://schemas.microsoft.com/office/drawing/2014/main" xmlns="" id="{D0AAF5C2-43EF-4AFC-840B-4972040BBAB7}"/>
+                <a16:creationId xmlns:a16="http://schemas.microsoft.com/office/drawing/2014/main" id="{D0AAF5C2-43EF-4AFC-840B-4972040BBAB7}"/>
               </a:ext>
             </a:extLst>
           </p:cNvPr>
@@ -4384,7 +4384,7 @@
           <p:cNvPr id="59" name="Connecteur droit avec flèche 58">
             <a:extLst>
               <a:ext uri="{FF2B5EF4-FFF2-40B4-BE49-F238E27FC236}">
-                <a16:creationId xmlns:a16="http://schemas.microsoft.com/office/drawing/2014/main" xmlns="" id="{337FCCCC-DC1E-4CC6-9BDD-F75E3851A8A1}"/>
+                <a16:creationId xmlns:a16="http://schemas.microsoft.com/office/drawing/2014/main" id="{337FCCCC-DC1E-4CC6-9BDD-F75E3851A8A1}"/>
               </a:ext>
             </a:extLst>
           </p:cNvPr>
@@ -4433,7 +4433,7 @@
           <p:cNvPr id="60" name="ZoneTexte 59">
             <a:extLst>
               <a:ext uri="{FF2B5EF4-FFF2-40B4-BE49-F238E27FC236}">
-                <a16:creationId xmlns:a16="http://schemas.microsoft.com/office/drawing/2014/main" xmlns="" id="{37134A2C-46FF-420E-8404-1863B8C73419}"/>
+                <a16:creationId xmlns:a16="http://schemas.microsoft.com/office/drawing/2014/main" id="{37134A2C-46FF-420E-8404-1863B8C73419}"/>
               </a:ext>
             </a:extLst>
           </p:cNvPr>
@@ -4476,7 +4476,7 @@
           <p:cNvPr id="62" name="Rectangle 61">
             <a:extLst>
               <a:ext uri="{FF2B5EF4-FFF2-40B4-BE49-F238E27FC236}">
-                <a16:creationId xmlns:a16="http://schemas.microsoft.com/office/drawing/2014/main" xmlns="" id="{AFEDB4FE-D48C-46FF-BAB4-33A7BFCAC9B9}"/>
+                <a16:creationId xmlns:a16="http://schemas.microsoft.com/office/drawing/2014/main" id="{AFEDB4FE-D48C-46FF-BAB4-33A7BFCAC9B9}"/>
               </a:ext>
             </a:extLst>
           </p:cNvPr>
@@ -4520,7 +4520,7 @@
           <p:cNvPr id="64" name="Ellipse 63">
             <a:extLst>
               <a:ext uri="{FF2B5EF4-FFF2-40B4-BE49-F238E27FC236}">
-                <a16:creationId xmlns:a16="http://schemas.microsoft.com/office/drawing/2014/main" xmlns="" id="{691F7B83-7A4D-4B71-815B-0AD1075EAAEE}"/>
+                <a16:creationId xmlns:a16="http://schemas.microsoft.com/office/drawing/2014/main" id="{691F7B83-7A4D-4B71-815B-0AD1075EAAEE}"/>
               </a:ext>
             </a:extLst>
           </p:cNvPr>
@@ -4581,7 +4581,7 @@
           <p:cNvPr id="68" name="Rectangle 67">
             <a:extLst>
               <a:ext uri="{FF2B5EF4-FFF2-40B4-BE49-F238E27FC236}">
-                <a16:creationId xmlns:a16="http://schemas.microsoft.com/office/drawing/2014/main" xmlns="" id="{53E6885B-A742-4143-B2E4-FE1E6E8BF2F5}"/>
+                <a16:creationId xmlns:a16="http://schemas.microsoft.com/office/drawing/2014/main" id="{53E6885B-A742-4143-B2E4-FE1E6E8BF2F5}"/>
               </a:ext>
             </a:extLst>
           </p:cNvPr>
@@ -4734,7 +4734,7 @@
           <p:cNvPr id="70" name="Connecteur : en arc 69">
             <a:extLst>
               <a:ext uri="{FF2B5EF4-FFF2-40B4-BE49-F238E27FC236}">
-                <a16:creationId xmlns:a16="http://schemas.microsoft.com/office/drawing/2014/main" xmlns="" id="{14B04061-7318-4D03-A1E8-AC224D48BEBD}"/>
+                <a16:creationId xmlns:a16="http://schemas.microsoft.com/office/drawing/2014/main" id="{14B04061-7318-4D03-A1E8-AC224D48BEBD}"/>
               </a:ext>
             </a:extLst>
           </p:cNvPr>
@@ -4782,7 +4782,7 @@
           <p:cNvPr id="85" name="ZoneTexte 84">
             <a:extLst>
               <a:ext uri="{FF2B5EF4-FFF2-40B4-BE49-F238E27FC236}">
-                <a16:creationId xmlns:a16="http://schemas.microsoft.com/office/drawing/2014/main" xmlns="" id="{CFE996FC-41B0-4468-8057-90AC36952DA5}"/>
+                <a16:creationId xmlns:a16="http://schemas.microsoft.com/office/drawing/2014/main" id="{CFE996FC-41B0-4468-8057-90AC36952DA5}"/>
               </a:ext>
             </a:extLst>
           </p:cNvPr>
@@ -4842,7 +4842,7 @@
           <p:cNvPr id="90" name="Rectangle 89">
             <a:extLst>
               <a:ext uri="{FF2B5EF4-FFF2-40B4-BE49-F238E27FC236}">
-                <a16:creationId xmlns:a16="http://schemas.microsoft.com/office/drawing/2014/main" xmlns="" id="{EBDABEE6-29B7-4D63-B73F-35FFDA445D8C}"/>
+                <a16:creationId xmlns:a16="http://schemas.microsoft.com/office/drawing/2014/main" id="{EBDABEE6-29B7-4D63-B73F-35FFDA445D8C}"/>
               </a:ext>
             </a:extLst>
           </p:cNvPr>
@@ -4886,7 +4886,7 @@
           <p:cNvPr id="91" name="Rectangle 90">
             <a:extLst>
               <a:ext uri="{FF2B5EF4-FFF2-40B4-BE49-F238E27FC236}">
-                <a16:creationId xmlns:a16="http://schemas.microsoft.com/office/drawing/2014/main" xmlns="" id="{422616E7-728E-46A2-A70A-295412E11D63}"/>
+                <a16:creationId xmlns:a16="http://schemas.microsoft.com/office/drawing/2014/main" id="{422616E7-728E-46A2-A70A-295412E11D63}"/>
               </a:ext>
             </a:extLst>
           </p:cNvPr>
@@ -4930,7 +4930,7 @@
           <p:cNvPr id="92" name="Rectangle 91">
             <a:extLst>
               <a:ext uri="{FF2B5EF4-FFF2-40B4-BE49-F238E27FC236}">
-                <a16:creationId xmlns:a16="http://schemas.microsoft.com/office/drawing/2014/main" xmlns="" id="{B661B734-C38F-47EF-8BC1-072E434A77DA}"/>
+                <a16:creationId xmlns:a16="http://schemas.microsoft.com/office/drawing/2014/main" id="{B661B734-C38F-47EF-8BC1-072E434A77DA}"/>
               </a:ext>
             </a:extLst>
           </p:cNvPr>
@@ -4974,7 +4974,7 @@
           <p:cNvPr id="72" name="Ellipse 71">
             <a:extLst>
               <a:ext uri="{FF2B5EF4-FFF2-40B4-BE49-F238E27FC236}">
-                <a16:creationId xmlns:a16="http://schemas.microsoft.com/office/drawing/2014/main" xmlns="" id="{957AAF98-6743-456A-97A2-F748827C0E65}"/>
+                <a16:creationId xmlns:a16="http://schemas.microsoft.com/office/drawing/2014/main" id="{957AAF98-6743-456A-97A2-F748827C0E65}"/>
               </a:ext>
             </a:extLst>
           </p:cNvPr>
@@ -5035,7 +5035,7 @@
           <p:cNvPr id="74" name="Ellipse 73">
             <a:extLst>
               <a:ext uri="{FF2B5EF4-FFF2-40B4-BE49-F238E27FC236}">
-                <a16:creationId xmlns:a16="http://schemas.microsoft.com/office/drawing/2014/main" xmlns="" id="{5C450E3D-A8E2-49DA-B0FA-4D3C22FCA5F4}"/>
+                <a16:creationId xmlns:a16="http://schemas.microsoft.com/office/drawing/2014/main" id="{5C450E3D-A8E2-49DA-B0FA-4D3C22FCA5F4}"/>
               </a:ext>
             </a:extLst>
           </p:cNvPr>
@@ -5096,7 +5096,7 @@
           <p:cNvPr id="75" name="Ellipse 74">
             <a:extLst>
               <a:ext uri="{FF2B5EF4-FFF2-40B4-BE49-F238E27FC236}">
-                <a16:creationId xmlns:a16="http://schemas.microsoft.com/office/drawing/2014/main" xmlns="" id="{406130E7-3E0D-431A-B050-99D176D9FB0C}"/>
+                <a16:creationId xmlns:a16="http://schemas.microsoft.com/office/drawing/2014/main" id="{406130E7-3E0D-431A-B050-99D176D9FB0C}"/>
               </a:ext>
             </a:extLst>
           </p:cNvPr>
@@ -5157,7 +5157,7 @@
           <p:cNvPr id="69" name="Ellipse 68">
             <a:extLst>
               <a:ext uri="{FF2B5EF4-FFF2-40B4-BE49-F238E27FC236}">
-                <a16:creationId xmlns:a16="http://schemas.microsoft.com/office/drawing/2014/main" xmlns="" id="{FC7513EB-0BBE-4C77-BF1E-A6854048C89A}"/>
+                <a16:creationId xmlns:a16="http://schemas.microsoft.com/office/drawing/2014/main" id="{FC7513EB-0BBE-4C77-BF1E-A6854048C89A}"/>
               </a:ext>
             </a:extLst>
           </p:cNvPr>
@@ -5218,7 +5218,7 @@
           <p:cNvPr id="81" name="ZoneTexte 80">
             <a:extLst>
               <a:ext uri="{FF2B5EF4-FFF2-40B4-BE49-F238E27FC236}">
-                <a16:creationId xmlns:a16="http://schemas.microsoft.com/office/drawing/2014/main" xmlns="" id="{2B284599-D465-46C9-BB24-E727ED704AF3}"/>
+                <a16:creationId xmlns:a16="http://schemas.microsoft.com/office/drawing/2014/main" id="{2B284599-D465-46C9-BB24-E727ED704AF3}"/>
               </a:ext>
             </a:extLst>
           </p:cNvPr>
@@ -5261,7 +5261,7 @@
           <p:cNvPr id="82" name="ZoneTexte 81">
             <a:extLst>
               <a:ext uri="{FF2B5EF4-FFF2-40B4-BE49-F238E27FC236}">
-                <a16:creationId xmlns:a16="http://schemas.microsoft.com/office/drawing/2014/main" xmlns="" id="{E244C7E8-0BE3-4513-B1DD-6B132D0A692B}"/>
+                <a16:creationId xmlns:a16="http://schemas.microsoft.com/office/drawing/2014/main" id="{E244C7E8-0BE3-4513-B1DD-6B132D0A692B}"/>
               </a:ext>
             </a:extLst>
           </p:cNvPr>
@@ -5339,7 +5339,7 @@
           <p:cNvPr id="21" name="Rectangle 20">
             <a:extLst>
               <a:ext uri="{FF2B5EF4-FFF2-40B4-BE49-F238E27FC236}">
-                <a16:creationId xmlns:a16="http://schemas.microsoft.com/office/drawing/2014/main" xmlns="" id="{EADC75F1-D50F-4E79-9948-13D121766B6A}"/>
+                <a16:creationId xmlns:a16="http://schemas.microsoft.com/office/drawing/2014/main" id="{EADC75F1-D50F-4E79-9948-13D121766B6A}"/>
               </a:ext>
             </a:extLst>
           </p:cNvPr>
@@ -5378,7 +5378,7 @@
           <p:cNvPr id="22" name="Rectangle 21">
             <a:extLst>
               <a:ext uri="{FF2B5EF4-FFF2-40B4-BE49-F238E27FC236}">
-                <a16:creationId xmlns:a16="http://schemas.microsoft.com/office/drawing/2014/main" xmlns="" id="{87DBB459-993A-42C9-9D24-807C806B8611}"/>
+                <a16:creationId xmlns:a16="http://schemas.microsoft.com/office/drawing/2014/main" id="{87DBB459-993A-42C9-9D24-807C806B8611}"/>
               </a:ext>
             </a:extLst>
           </p:cNvPr>
@@ -5412,7 +5412,7 @@
           <p:cNvPr id="23" name="Rectangle 22">
             <a:extLst>
               <a:ext uri="{FF2B5EF4-FFF2-40B4-BE49-F238E27FC236}">
-                <a16:creationId xmlns:a16="http://schemas.microsoft.com/office/drawing/2014/main" xmlns="" id="{530B28B5-2AE4-4B4C-94C9-9B5F27D90371}"/>
+                <a16:creationId xmlns:a16="http://schemas.microsoft.com/office/drawing/2014/main" id="{530B28B5-2AE4-4B4C-94C9-9B5F27D90371}"/>
               </a:ext>
             </a:extLst>
           </p:cNvPr>
@@ -5458,7 +5458,7 @@
           <p:cNvPr id="24" name="ZoneTexte 23">
             <a:extLst>
               <a:ext uri="{FF2B5EF4-FFF2-40B4-BE49-F238E27FC236}">
-                <a16:creationId xmlns:a16="http://schemas.microsoft.com/office/drawing/2014/main" xmlns="" id="{7038EDB7-1E65-4952-8D84-59F20CCAD6D0}"/>
+                <a16:creationId xmlns:a16="http://schemas.microsoft.com/office/drawing/2014/main" id="{7038EDB7-1E65-4952-8D84-59F20CCAD6D0}"/>
               </a:ext>
             </a:extLst>
           </p:cNvPr>
@@ -5493,7 +5493,7 @@
           <p:cNvPr id="83" name="Organigramme : Jonction de sommaire 82">
             <a:extLst>
               <a:ext uri="{FF2B5EF4-FFF2-40B4-BE49-F238E27FC236}">
-                <a16:creationId xmlns:a16="http://schemas.microsoft.com/office/drawing/2014/main" xmlns="" id="{616BE57E-1C08-4926-80ED-E432D0EA0776}"/>
+                <a16:creationId xmlns:a16="http://schemas.microsoft.com/office/drawing/2014/main" id="{616BE57E-1C08-4926-80ED-E432D0EA0776}"/>
               </a:ext>
             </a:extLst>
           </p:cNvPr>
@@ -5545,7 +5545,7 @@
           <p:cNvPr id="84" name="Organigramme : Jonction de sommaire 83">
             <a:extLst>
               <a:ext uri="{FF2B5EF4-FFF2-40B4-BE49-F238E27FC236}">
-                <a16:creationId xmlns:a16="http://schemas.microsoft.com/office/drawing/2014/main" xmlns="" id="{9CA159E1-4B18-40C9-AEA6-B9932609EC06}"/>
+                <a16:creationId xmlns:a16="http://schemas.microsoft.com/office/drawing/2014/main" id="{9CA159E1-4B18-40C9-AEA6-B9932609EC06}"/>
               </a:ext>
             </a:extLst>
           </p:cNvPr>
@@ -5597,7 +5597,7 @@
           <p:cNvPr id="3" name="Cylindre 2">
             <a:extLst>
               <a:ext uri="{FF2B5EF4-FFF2-40B4-BE49-F238E27FC236}">
-                <a16:creationId xmlns:a16="http://schemas.microsoft.com/office/drawing/2014/main" xmlns="" id="{A8B569F1-7AE5-4092-BA91-C25F03BB8CB7}"/>
+                <a16:creationId xmlns:a16="http://schemas.microsoft.com/office/drawing/2014/main" id="{A8B569F1-7AE5-4092-BA91-C25F03BB8CB7}"/>
               </a:ext>
             </a:extLst>
           </p:cNvPr>
@@ -5666,7 +5666,7 @@
           <p:cNvPr id="7" name="Connecteur : en angle 6">
             <a:extLst>
               <a:ext uri="{FF2B5EF4-FFF2-40B4-BE49-F238E27FC236}">
-                <a16:creationId xmlns:a16="http://schemas.microsoft.com/office/drawing/2014/main" xmlns="" id="{57C9BE6F-800A-4D4E-8FB6-654B6F9B173F}"/>
+                <a16:creationId xmlns:a16="http://schemas.microsoft.com/office/drawing/2014/main" id="{57C9BE6F-800A-4D4E-8FB6-654B6F9B173F}"/>
               </a:ext>
             </a:extLst>
           </p:cNvPr>
@@ -5709,7 +5709,7 @@
           <p:cNvPr id="35" name="Forme libre : forme 34">
             <a:extLst>
               <a:ext uri="{FF2B5EF4-FFF2-40B4-BE49-F238E27FC236}">
-                <a16:creationId xmlns:a16="http://schemas.microsoft.com/office/drawing/2014/main" xmlns="" id="{02BAB494-83EB-4D12-B726-205D298E10DB}"/>
+                <a16:creationId xmlns:a16="http://schemas.microsoft.com/office/drawing/2014/main" id="{02BAB494-83EB-4D12-B726-205D298E10DB}"/>
               </a:ext>
             </a:extLst>
           </p:cNvPr>
@@ -5824,7 +5824,7 @@
           <p:cNvPr id="71" name="ZoneTexte 70">
             <a:extLst>
               <a:ext uri="{FF2B5EF4-FFF2-40B4-BE49-F238E27FC236}">
-                <a16:creationId xmlns:a16="http://schemas.microsoft.com/office/drawing/2014/main" xmlns="" id="{CDA37DF5-9E35-42CB-B7B0-ED5EB391D245}"/>
+                <a16:creationId xmlns:a16="http://schemas.microsoft.com/office/drawing/2014/main" id="{CDA37DF5-9E35-42CB-B7B0-ED5EB391D245}"/>
               </a:ext>
             </a:extLst>
           </p:cNvPr>
@@ -5873,7 +5873,7 @@
           <p:cNvPr id="61" name="Ellipse 60">
             <a:extLst>
               <a:ext uri="{FF2B5EF4-FFF2-40B4-BE49-F238E27FC236}">
-                <a16:creationId xmlns:a16="http://schemas.microsoft.com/office/drawing/2014/main" xmlns="" id="{8E289A0F-9200-43E0-AEED-593A04FDD16C}"/>
+                <a16:creationId xmlns:a16="http://schemas.microsoft.com/office/drawing/2014/main" id="{8E289A0F-9200-43E0-AEED-593A04FDD16C}"/>
               </a:ext>
             </a:extLst>
           </p:cNvPr>
@@ -5927,7 +5927,7 @@
           <p:cNvPr id="63" name="Ellipse 62">
             <a:extLst>
               <a:ext uri="{FF2B5EF4-FFF2-40B4-BE49-F238E27FC236}">
-                <a16:creationId xmlns:a16="http://schemas.microsoft.com/office/drawing/2014/main" xmlns="" id="{19A59928-5456-4AA0-A506-480736AA66BD}"/>
+                <a16:creationId xmlns:a16="http://schemas.microsoft.com/office/drawing/2014/main" id="{19A59928-5456-4AA0-A506-480736AA66BD}"/>
               </a:ext>
             </a:extLst>
           </p:cNvPr>
@@ -5981,7 +5981,7 @@
           <p:cNvPr id="66" name="Connecteur droit avec flèche 65">
             <a:extLst>
               <a:ext uri="{FF2B5EF4-FFF2-40B4-BE49-F238E27FC236}">
-                <a16:creationId xmlns:a16="http://schemas.microsoft.com/office/drawing/2014/main" xmlns="" id="{A83F199E-2F2D-4ED8-9FBD-633F7EF884E7}"/>
+                <a16:creationId xmlns:a16="http://schemas.microsoft.com/office/drawing/2014/main" id="{A83F199E-2F2D-4ED8-9FBD-633F7EF884E7}"/>
               </a:ext>
             </a:extLst>
           </p:cNvPr>
@@ -6029,7 +6029,7 @@
           <p:cNvPr id="67" name="Ellipse 66">
             <a:extLst>
               <a:ext uri="{FF2B5EF4-FFF2-40B4-BE49-F238E27FC236}">
-                <a16:creationId xmlns:a16="http://schemas.microsoft.com/office/drawing/2014/main" xmlns="" id="{387A33D0-2738-4A70-8FE1-01710365AD92}"/>
+                <a16:creationId xmlns:a16="http://schemas.microsoft.com/office/drawing/2014/main" id="{387A33D0-2738-4A70-8FE1-01710365AD92}"/>
               </a:ext>
             </a:extLst>
           </p:cNvPr>
@@ -6083,7 +6083,7 @@
           <p:cNvPr id="73" name="Ellipse 72">
             <a:extLst>
               <a:ext uri="{FF2B5EF4-FFF2-40B4-BE49-F238E27FC236}">
-                <a16:creationId xmlns:a16="http://schemas.microsoft.com/office/drawing/2014/main" xmlns="" id="{43DFBE12-FDA6-4DF3-BCF8-6AFEA935D1BF}"/>
+                <a16:creationId xmlns:a16="http://schemas.microsoft.com/office/drawing/2014/main" id="{43DFBE12-FDA6-4DF3-BCF8-6AFEA935D1BF}"/>
               </a:ext>
             </a:extLst>
           </p:cNvPr>
@@ -6137,7 +6137,7 @@
           <p:cNvPr id="76" name="Connecteur droit avec flèche 75">
             <a:extLst>
               <a:ext uri="{FF2B5EF4-FFF2-40B4-BE49-F238E27FC236}">
-                <a16:creationId xmlns:a16="http://schemas.microsoft.com/office/drawing/2014/main" xmlns="" id="{462611AD-AAC8-4195-AF05-603BAC929CBA}"/>
+                <a16:creationId xmlns:a16="http://schemas.microsoft.com/office/drawing/2014/main" id="{462611AD-AAC8-4195-AF05-603BAC929CBA}"/>
               </a:ext>
             </a:extLst>
           </p:cNvPr>
@@ -6185,7 +6185,7 @@
           <p:cNvPr id="89" name="Ellipse 88">
             <a:extLst>
               <a:ext uri="{FF2B5EF4-FFF2-40B4-BE49-F238E27FC236}">
-                <a16:creationId xmlns:a16="http://schemas.microsoft.com/office/drawing/2014/main" xmlns="" id="{29A2AEED-4115-40C7-A841-AF24B15AB343}"/>
+                <a16:creationId xmlns:a16="http://schemas.microsoft.com/office/drawing/2014/main" id="{29A2AEED-4115-40C7-A841-AF24B15AB343}"/>
               </a:ext>
             </a:extLst>
           </p:cNvPr>
@@ -6239,7 +6239,7 @@
           <p:cNvPr id="93" name="Ellipse 92">
             <a:extLst>
               <a:ext uri="{FF2B5EF4-FFF2-40B4-BE49-F238E27FC236}">
-                <a16:creationId xmlns:a16="http://schemas.microsoft.com/office/drawing/2014/main" xmlns="" id="{D56FC545-5DE1-459C-BFBF-A5794193E5EF}"/>
+                <a16:creationId xmlns:a16="http://schemas.microsoft.com/office/drawing/2014/main" id="{D56FC545-5DE1-459C-BFBF-A5794193E5EF}"/>
               </a:ext>
             </a:extLst>
           </p:cNvPr>
@@ -6293,7 +6293,7 @@
           <p:cNvPr id="94" name="Connecteur droit avec flèche 93">
             <a:extLst>
               <a:ext uri="{FF2B5EF4-FFF2-40B4-BE49-F238E27FC236}">
-                <a16:creationId xmlns:a16="http://schemas.microsoft.com/office/drawing/2014/main" xmlns="" id="{2FA5F74A-46A4-43C6-A76A-DB1881CA592C}"/>
+                <a16:creationId xmlns:a16="http://schemas.microsoft.com/office/drawing/2014/main" id="{2FA5F74A-46A4-43C6-A76A-DB1881CA592C}"/>
               </a:ext>
             </a:extLst>
           </p:cNvPr>
@@ -6342,7 +6342,7 @@
           <p:cNvPr id="58" name="Rectangle 57">
             <a:extLst>
               <a:ext uri="{FF2B5EF4-FFF2-40B4-BE49-F238E27FC236}">
-                <a16:creationId xmlns:a16="http://schemas.microsoft.com/office/drawing/2014/main" xmlns="" id="{9A8EC028-2BAC-436C-8308-B4AA26EED732}"/>
+                <a16:creationId xmlns:a16="http://schemas.microsoft.com/office/drawing/2014/main" id="{9A8EC028-2BAC-436C-8308-B4AA26EED732}"/>
               </a:ext>
             </a:extLst>
           </p:cNvPr>
@@ -6386,7 +6386,7 @@
           <p:cNvPr id="65" name="Ellipse 64">
             <a:extLst>
               <a:ext uri="{FF2B5EF4-FFF2-40B4-BE49-F238E27FC236}">
-                <a16:creationId xmlns:a16="http://schemas.microsoft.com/office/drawing/2014/main" xmlns="" id="{EFC51614-B164-4D83-9FDD-D47FB5D91F73}"/>
+                <a16:creationId xmlns:a16="http://schemas.microsoft.com/office/drawing/2014/main" id="{EFC51614-B164-4D83-9FDD-D47FB5D91F73}"/>
               </a:ext>
             </a:extLst>
           </p:cNvPr>
@@ -6447,7 +6447,7 @@
           <p:cNvPr id="77" name="Ellipse 76">
             <a:extLst>
               <a:ext uri="{FF2B5EF4-FFF2-40B4-BE49-F238E27FC236}">
-                <a16:creationId xmlns:a16="http://schemas.microsoft.com/office/drawing/2014/main" xmlns="" id="{5025FBF9-382D-44B9-B8F0-7AC0483C2FBF}"/>
+                <a16:creationId xmlns:a16="http://schemas.microsoft.com/office/drawing/2014/main" id="{5025FBF9-382D-44B9-B8F0-7AC0483C2FBF}"/>
               </a:ext>
             </a:extLst>
           </p:cNvPr>
@@ -6508,7 +6508,7 @@
           <p:cNvPr id="79" name="Connecteur droit avec flèche 78">
             <a:extLst>
               <a:ext uri="{FF2B5EF4-FFF2-40B4-BE49-F238E27FC236}">
-                <a16:creationId xmlns:a16="http://schemas.microsoft.com/office/drawing/2014/main" xmlns="" id="{608696CE-01E7-4337-BE4D-05F3F007FF08}"/>
+                <a16:creationId xmlns:a16="http://schemas.microsoft.com/office/drawing/2014/main" id="{608696CE-01E7-4337-BE4D-05F3F007FF08}"/>
               </a:ext>
             </a:extLst>
           </p:cNvPr>
@@ -6555,7 +6555,7 @@
           <p:cNvPr id="80" name="Ellipse 79">
             <a:extLst>
               <a:ext uri="{FF2B5EF4-FFF2-40B4-BE49-F238E27FC236}">
-                <a16:creationId xmlns:a16="http://schemas.microsoft.com/office/drawing/2014/main" xmlns="" id="{E58749D6-8C4B-44E0-B786-7A867CE9BBC7}"/>
+                <a16:creationId xmlns:a16="http://schemas.microsoft.com/office/drawing/2014/main" id="{E58749D6-8C4B-44E0-B786-7A867CE9BBC7}"/>
               </a:ext>
             </a:extLst>
           </p:cNvPr>
@@ -6616,7 +6616,7 @@
           <p:cNvPr id="10" name="Rectangle 9">
             <a:extLst>
               <a:ext uri="{FF2B5EF4-FFF2-40B4-BE49-F238E27FC236}">
-                <a16:creationId xmlns:a16="http://schemas.microsoft.com/office/drawing/2014/main" xmlns="" id="{9D6CC7E9-F97B-42FF-9888-D64788C16E56}"/>
+                <a16:creationId xmlns:a16="http://schemas.microsoft.com/office/drawing/2014/main" id="{9D6CC7E9-F97B-42FF-9888-D64788C16E56}"/>
               </a:ext>
             </a:extLst>
           </p:cNvPr>
@@ -6670,7 +6670,7 @@
           <p:cNvPr id="86" name="Rectangle : coins arrondis 85">
             <a:extLst>
               <a:ext uri="{FF2B5EF4-FFF2-40B4-BE49-F238E27FC236}">
-                <a16:creationId xmlns:a16="http://schemas.microsoft.com/office/drawing/2014/main" xmlns="" id="{A89A3FE5-6DA7-4D55-897D-A82E828207CB}"/>
+                <a16:creationId xmlns:a16="http://schemas.microsoft.com/office/drawing/2014/main" id="{A89A3FE5-6DA7-4D55-897D-A82E828207CB}"/>
               </a:ext>
             </a:extLst>
           </p:cNvPr>
@@ -6755,7 +6755,7 @@
           <p:cNvPr id="13" name="Connecteur droit 12">
             <a:extLst>
               <a:ext uri="{FF2B5EF4-FFF2-40B4-BE49-F238E27FC236}">
-                <a16:creationId xmlns:a16="http://schemas.microsoft.com/office/drawing/2014/main" xmlns="" id="{3CDCFD7F-2BB4-4CC4-BBA1-9D455315033E}"/>
+                <a16:creationId xmlns:a16="http://schemas.microsoft.com/office/drawing/2014/main" id="{3CDCFD7F-2BB4-4CC4-BBA1-9D455315033E}"/>
               </a:ext>
             </a:extLst>
           </p:cNvPr>
@@ -6798,7 +6798,7 @@
           <p:cNvPr id="88" name="Connecteur droit 87">
             <a:extLst>
               <a:ext uri="{FF2B5EF4-FFF2-40B4-BE49-F238E27FC236}">
-                <a16:creationId xmlns:a16="http://schemas.microsoft.com/office/drawing/2014/main" xmlns="" id="{0EE08312-1A95-4831-ADFB-6739BCC0B3AD}"/>
+                <a16:creationId xmlns:a16="http://schemas.microsoft.com/office/drawing/2014/main" id="{0EE08312-1A95-4831-ADFB-6739BCC0B3AD}"/>
               </a:ext>
             </a:extLst>
           </p:cNvPr>
@@ -6841,7 +6841,7 @@
           <p:cNvPr id="26" name="ZoneTexte 25">
             <a:extLst>
               <a:ext uri="{FF2B5EF4-FFF2-40B4-BE49-F238E27FC236}">
-                <a16:creationId xmlns:a16="http://schemas.microsoft.com/office/drawing/2014/main" xmlns="" id="{ABC9A63B-7954-4966-8216-5758F6E1660D}"/>
+                <a16:creationId xmlns:a16="http://schemas.microsoft.com/office/drawing/2014/main" id="{ABC9A63B-7954-4966-8216-5758F6E1660D}"/>
               </a:ext>
             </a:extLst>
           </p:cNvPr>
@@ -6880,7 +6880,7 @@
           <p:cNvPr id="95" name="ZoneTexte 94">
             <a:extLst>
               <a:ext uri="{FF2B5EF4-FFF2-40B4-BE49-F238E27FC236}">
-                <a16:creationId xmlns:a16="http://schemas.microsoft.com/office/drawing/2014/main" xmlns="" id="{8CE2AC62-DE88-427C-9D1A-441ABFD9DDF5}"/>
+                <a16:creationId xmlns:a16="http://schemas.microsoft.com/office/drawing/2014/main" id="{8CE2AC62-DE88-427C-9D1A-441ABFD9DDF5}"/>
               </a:ext>
             </a:extLst>
           </p:cNvPr>
@@ -6915,7 +6915,7 @@
           <p:cNvPr id="96" name="Ellipse 95">
             <a:extLst>
               <a:ext uri="{FF2B5EF4-FFF2-40B4-BE49-F238E27FC236}">
-                <a16:creationId xmlns:a16="http://schemas.microsoft.com/office/drawing/2014/main" xmlns="" id="{5963490C-8A0A-490C-B3FF-ADCDBC74EA6D}"/>
+                <a16:creationId xmlns:a16="http://schemas.microsoft.com/office/drawing/2014/main" id="{5963490C-8A0A-490C-B3FF-ADCDBC74EA6D}"/>
               </a:ext>
             </a:extLst>
           </p:cNvPr>
@@ -6969,7 +6969,7 @@
           <p:cNvPr id="8" name="Rectangle 7">
             <a:extLst>
               <a:ext uri="{FF2B5EF4-FFF2-40B4-BE49-F238E27FC236}">
-                <a16:creationId xmlns:a16="http://schemas.microsoft.com/office/drawing/2014/main" xmlns="" id="{259F21AF-0FB7-4D5C-8E38-D8C912C94C5A}"/>
+                <a16:creationId xmlns:a16="http://schemas.microsoft.com/office/drawing/2014/main" id="{259F21AF-0FB7-4D5C-8E38-D8C912C94C5A}"/>
               </a:ext>
             </a:extLst>
           </p:cNvPr>
@@ -7015,7 +7015,7 @@
           <p:cNvPr id="78" name="Rectangle 77">
             <a:extLst>
               <a:ext uri="{FF2B5EF4-FFF2-40B4-BE49-F238E27FC236}">
-                <a16:creationId xmlns:a16="http://schemas.microsoft.com/office/drawing/2014/main" xmlns="" id="{3F8C0DC9-6DB2-4C32-AD37-EB48A7120970}"/>
+                <a16:creationId xmlns:a16="http://schemas.microsoft.com/office/drawing/2014/main" id="{3F8C0DC9-6DB2-4C32-AD37-EB48A7120970}"/>
               </a:ext>
             </a:extLst>
           </p:cNvPr>
@@ -7061,7 +7061,7 @@
           <p:cNvPr id="87" name="Rectangle : coins arrondis 86">
             <a:extLst>
               <a:ext uri="{FF2B5EF4-FFF2-40B4-BE49-F238E27FC236}">
-                <a16:creationId xmlns:a16="http://schemas.microsoft.com/office/drawing/2014/main" xmlns="" id="{89167914-2FF5-495F-B01C-5C82AAE04DF5}"/>
+                <a16:creationId xmlns:a16="http://schemas.microsoft.com/office/drawing/2014/main" id="{89167914-2FF5-495F-B01C-5C82AAE04DF5}"/>
               </a:ext>
             </a:extLst>
           </p:cNvPr>
@@ -7146,7 +7146,7 @@
           <p:cNvPr id="97" name="ZoneTexte 96">
             <a:extLst>
               <a:ext uri="{FF2B5EF4-FFF2-40B4-BE49-F238E27FC236}">
-                <a16:creationId xmlns:a16="http://schemas.microsoft.com/office/drawing/2014/main" xmlns="" id="{8B0DEE22-58EC-4447-9599-3FF8ACDAF9E2}"/>
+                <a16:creationId xmlns:a16="http://schemas.microsoft.com/office/drawing/2014/main" id="{8B0DEE22-58EC-4447-9599-3FF8ACDAF9E2}"/>
               </a:ext>
             </a:extLst>
           </p:cNvPr>
@@ -7181,7 +7181,7 @@
           <p:cNvPr id="98" name="Connecteur droit 97">
             <a:extLst>
               <a:ext uri="{FF2B5EF4-FFF2-40B4-BE49-F238E27FC236}">
-                <a16:creationId xmlns:a16="http://schemas.microsoft.com/office/drawing/2014/main" xmlns="" id="{68C38D15-FAF0-49C1-9595-68F7568A2A1A}"/>
+                <a16:creationId xmlns:a16="http://schemas.microsoft.com/office/drawing/2014/main" id="{68C38D15-FAF0-49C1-9595-68F7568A2A1A}"/>
               </a:ext>
             </a:extLst>
           </p:cNvPr>
@@ -7224,7 +7224,7 @@
           <p:cNvPr id="99" name="ZoneTexte 98">
             <a:extLst>
               <a:ext uri="{FF2B5EF4-FFF2-40B4-BE49-F238E27FC236}">
-                <a16:creationId xmlns:a16="http://schemas.microsoft.com/office/drawing/2014/main" xmlns="" id="{40139269-41CB-400F-AFA3-BDFCF870D1D5}"/>
+                <a16:creationId xmlns:a16="http://schemas.microsoft.com/office/drawing/2014/main" id="{40139269-41CB-400F-AFA3-BDFCF870D1D5}"/>
               </a:ext>
             </a:extLst>
           </p:cNvPr>
@@ -7263,7 +7263,7 @@
           <p:cNvPr id="102" name="Connecteur droit 101">
             <a:extLst>
               <a:ext uri="{FF2B5EF4-FFF2-40B4-BE49-F238E27FC236}">
-                <a16:creationId xmlns:a16="http://schemas.microsoft.com/office/drawing/2014/main" xmlns="" id="{B850A4CA-1B55-41CA-AD39-FFB475305EF3}"/>
+                <a16:creationId xmlns:a16="http://schemas.microsoft.com/office/drawing/2014/main" id="{B850A4CA-1B55-41CA-AD39-FFB475305EF3}"/>
               </a:ext>
             </a:extLst>
           </p:cNvPr>
@@ -7306,7 +7306,7 @@
           <p:cNvPr id="12" name="Connecteur droit 11">
             <a:extLst>
               <a:ext uri="{FF2B5EF4-FFF2-40B4-BE49-F238E27FC236}">
-                <a16:creationId xmlns:a16="http://schemas.microsoft.com/office/drawing/2014/main" xmlns="" id="{A1D14A42-B1EE-4D8B-94F2-69E7BDE88980}"/>
+                <a16:creationId xmlns:a16="http://schemas.microsoft.com/office/drawing/2014/main" id="{A1D14A42-B1EE-4D8B-94F2-69E7BDE88980}"/>
               </a:ext>
             </a:extLst>
           </p:cNvPr>
@@ -7337,6 +7337,257 @@
           </a:fontRef>
         </p:style>
       </p:cxnSp>
+      <p:sp>
+        <p:nvSpPr>
+          <p:cNvPr id="100" name="Rectangle : coins arrondis 99">
+            <a:extLst>
+              <a:ext uri="{FF2B5EF4-FFF2-40B4-BE49-F238E27FC236}">
+                <a16:creationId xmlns:a16="http://schemas.microsoft.com/office/drawing/2014/main" id="{2261BCCC-950F-4FCE-A8DA-23DED9FD5DE2}"/>
+              </a:ext>
+            </a:extLst>
+          </p:cNvPr>
+          <p:cNvSpPr/>
+          <p:nvPr/>
+        </p:nvSpPr>
+        <p:spPr>
+          <a:xfrm>
+            <a:off x="10316242" y="3209967"/>
+            <a:ext cx="1491059" cy="726951"/>
+          </a:xfrm>
+          <a:prstGeom prst="roundRect">
+            <a:avLst/>
+          </a:prstGeom>
+          <a:pattFill prst="pct30">
+            <a:fgClr>
+              <a:schemeClr val="accent2">
+                <a:lumMod val="60000"/>
+                <a:lumOff val="40000"/>
+              </a:schemeClr>
+            </a:fgClr>
+            <a:bgClr>
+              <a:schemeClr val="bg1"/>
+            </a:bgClr>
+          </a:pattFill>
+        </p:spPr>
+        <p:style>
+          <a:lnRef idx="2">
+            <a:schemeClr val="accent1">
+              <a:shade val="50000"/>
+            </a:schemeClr>
+          </a:lnRef>
+          <a:fillRef idx="1">
+            <a:schemeClr val="accent1"/>
+          </a:fillRef>
+          <a:effectRef idx="0">
+            <a:schemeClr val="accent1"/>
+          </a:effectRef>
+          <a:fontRef idx="minor">
+            <a:schemeClr val="lt1"/>
+          </a:fontRef>
+        </p:style>
+        <p:txBody>
+          <a:bodyPr rtlCol="0" anchor="ctr"/>
+          <a:lstStyle/>
+          <a:p>
+            <a:pPr algn="ctr"/>
+            <a:r>
+              <a:rPr lang="en-US" dirty="0">
+                <a:solidFill>
+                  <a:schemeClr val="tx1"/>
+                </a:solidFill>
+              </a:rPr>
+              <a:t>Li Ion</a:t>
+            </a:r>
+          </a:p>
+          <a:p>
+            <a:pPr algn="ctr"/>
+            <a:r>
+              <a:rPr lang="en-US" dirty="0">
+                <a:solidFill>
+                  <a:schemeClr val="tx1"/>
+                </a:solidFill>
+              </a:rPr>
+              <a:t> 2600 </a:t>
+            </a:r>
+            <a:r>
+              <a:rPr lang="en-US" dirty="0" err="1">
+                <a:solidFill>
+                  <a:schemeClr val="tx1"/>
+                </a:solidFill>
+              </a:rPr>
+              <a:t>mAh</a:t>
+            </a:r>
+            <a:r>
+              <a:rPr lang="en-US" dirty="0">
+                <a:solidFill>
+                  <a:schemeClr val="tx1"/>
+                </a:solidFill>
+              </a:rPr>
+              <a:t> </a:t>
+            </a:r>
+          </a:p>
+        </p:txBody>
+      </p:sp>
+      <p:cxnSp>
+        <p:nvCxnSpPr>
+          <p:cNvPr id="101" name="Connecteur droit 100">
+            <a:extLst>
+              <a:ext uri="{FF2B5EF4-FFF2-40B4-BE49-F238E27FC236}">
+                <a16:creationId xmlns:a16="http://schemas.microsoft.com/office/drawing/2014/main" id="{324E7B61-C6A3-420B-A570-2539A4E39283}"/>
+              </a:ext>
+            </a:extLst>
+          </p:cNvPr>
+          <p:cNvCxnSpPr>
+            <a:cxnSpLocks/>
+          </p:cNvCxnSpPr>
+          <p:nvPr/>
+        </p:nvCxnSpPr>
+        <p:spPr>
+          <a:xfrm>
+            <a:off x="9629866" y="3429000"/>
+            <a:ext cx="690221" cy="0"/>
+          </a:xfrm>
+          <a:prstGeom prst="line">
+            <a:avLst/>
+          </a:prstGeom>
+          <a:ln w="38100">
+            <a:solidFill>
+              <a:srgbClr val="FF0000"/>
+            </a:solidFill>
+          </a:ln>
+        </p:spPr>
+        <p:style>
+          <a:lnRef idx="1">
+            <a:schemeClr val="accent1"/>
+          </a:lnRef>
+          <a:fillRef idx="0">
+            <a:schemeClr val="accent1"/>
+          </a:fillRef>
+          <a:effectRef idx="0">
+            <a:schemeClr val="accent1"/>
+          </a:effectRef>
+          <a:fontRef idx="minor">
+            <a:schemeClr val="tx1"/>
+          </a:fontRef>
+        </p:style>
+      </p:cxnSp>
+      <p:cxnSp>
+        <p:nvCxnSpPr>
+          <p:cNvPr id="103" name="Connecteur droit 102">
+            <a:extLst>
+              <a:ext uri="{FF2B5EF4-FFF2-40B4-BE49-F238E27FC236}">
+                <a16:creationId xmlns:a16="http://schemas.microsoft.com/office/drawing/2014/main" id="{C655CC70-C81C-4A7B-8C93-4B428564CBAC}"/>
+              </a:ext>
+            </a:extLst>
+          </p:cNvPr>
+          <p:cNvCxnSpPr>
+            <a:cxnSpLocks/>
+          </p:cNvCxnSpPr>
+          <p:nvPr/>
+        </p:nvCxnSpPr>
+        <p:spPr>
+          <a:xfrm>
+            <a:off x="9629866" y="3716281"/>
+            <a:ext cx="690221" cy="0"/>
+          </a:xfrm>
+          <a:prstGeom prst="line">
+            <a:avLst/>
+          </a:prstGeom>
+          <a:ln w="38100">
+            <a:solidFill>
+              <a:schemeClr val="tx1"/>
+            </a:solidFill>
+          </a:ln>
+        </p:spPr>
+        <p:style>
+          <a:lnRef idx="1">
+            <a:schemeClr val="accent1"/>
+          </a:lnRef>
+          <a:fillRef idx="0">
+            <a:schemeClr val="accent1"/>
+          </a:fillRef>
+          <a:effectRef idx="0">
+            <a:schemeClr val="accent1"/>
+          </a:effectRef>
+          <a:fontRef idx="minor">
+            <a:schemeClr val="tx1"/>
+          </a:fontRef>
+        </p:style>
+      </p:cxnSp>
+      <p:sp>
+        <p:nvSpPr>
+          <p:cNvPr id="104" name="ZoneTexte 103">
+            <a:extLst>
+              <a:ext uri="{FF2B5EF4-FFF2-40B4-BE49-F238E27FC236}">
+                <a16:creationId xmlns:a16="http://schemas.microsoft.com/office/drawing/2014/main" id="{583255DE-A00A-4E44-81D0-1713FAFA228F}"/>
+              </a:ext>
+            </a:extLst>
+          </p:cNvPr>
+          <p:cNvSpPr txBox="1"/>
+          <p:nvPr/>
+        </p:nvSpPr>
+        <p:spPr>
+          <a:xfrm>
+            <a:off x="9665547" y="3427866"/>
+            <a:ext cx="405880" cy="369332"/>
+          </a:xfrm>
+          <a:prstGeom prst="rect">
+            <a:avLst/>
+          </a:prstGeom>
+          <a:noFill/>
+        </p:spPr>
+        <p:txBody>
+          <a:bodyPr wrap="none" rtlCol="0">
+            <a:spAutoFit/>
+          </a:bodyPr>
+          <a:lstStyle/>
+          <a:p>
+            <a:r>
+              <a:rPr lang="en-US" dirty="0"/>
+              <a:t>0v</a:t>
+            </a:r>
+          </a:p>
+        </p:txBody>
+      </p:sp>
+      <p:sp>
+        <p:nvSpPr>
+          <p:cNvPr id="105" name="ZoneTexte 104">
+            <a:extLst>
+              <a:ext uri="{FF2B5EF4-FFF2-40B4-BE49-F238E27FC236}">
+                <a16:creationId xmlns:a16="http://schemas.microsoft.com/office/drawing/2014/main" id="{B060A675-E967-41B9-B505-06BC95C43357}"/>
+              </a:ext>
+            </a:extLst>
+          </p:cNvPr>
+          <p:cNvSpPr txBox="1"/>
+          <p:nvPr/>
+        </p:nvSpPr>
+        <p:spPr>
+          <a:xfrm>
+            <a:off x="9623703" y="3123094"/>
+            <a:ext cx="696024" cy="369332"/>
+          </a:xfrm>
+          <a:prstGeom prst="rect">
+            <a:avLst/>
+          </a:prstGeom>
+          <a:noFill/>
+        </p:spPr>
+        <p:txBody>
+          <a:bodyPr wrap="none" rtlCol="0">
+            <a:spAutoFit/>
+          </a:bodyPr>
+          <a:lstStyle/>
+          <a:p>
+            <a:r>
+              <a:rPr lang="en-US" dirty="0">
+                <a:solidFill>
+                  <a:srgbClr val="FF0000"/>
+                </a:solidFill>
+              </a:rPr>
+              <a:t>+7.5v</a:t>
+            </a:r>
+          </a:p>
+        </p:txBody>
+      </p:sp>
     </p:spTree>
     <p:extLst>
       <p:ext uri="{BB962C8B-B14F-4D97-AF65-F5344CB8AC3E}">
@@ -7372,7 +7623,7 @@
           <p:cNvPr id="2" name="Titre 1">
             <a:extLst>
               <a:ext uri="{FF2B5EF4-FFF2-40B4-BE49-F238E27FC236}">
-                <a16:creationId xmlns:a16="http://schemas.microsoft.com/office/drawing/2014/main" xmlns="" id="{7D7887D6-7566-47C9-A25C-3F4F54D9EBDC}"/>
+                <a16:creationId xmlns:a16="http://schemas.microsoft.com/office/drawing/2014/main" id="{7D7887D6-7566-47C9-A25C-3F4F54D9EBDC}"/>
               </a:ext>
             </a:extLst>
           </p:cNvPr>
@@ -7404,7 +7655,7 @@
           <p:cNvPr id="3" name="Espace réservé du contenu 2">
             <a:extLst>
               <a:ext uri="{FF2B5EF4-FFF2-40B4-BE49-F238E27FC236}">
-                <a16:creationId xmlns:a16="http://schemas.microsoft.com/office/drawing/2014/main" xmlns="" id="{570C9186-32F7-45DB-A01D-E527B032981A}"/>
+                <a16:creationId xmlns:a16="http://schemas.microsoft.com/office/drawing/2014/main" id="{570C9186-32F7-45DB-A01D-E527B032981A}"/>
               </a:ext>
             </a:extLst>
           </p:cNvPr>
@@ -7620,7 +7871,7 @@
           <p:cNvPr id="4" name="Rectangle 3">
             <a:extLst>
               <a:ext uri="{FF2B5EF4-FFF2-40B4-BE49-F238E27FC236}">
-                <a16:creationId xmlns:a16="http://schemas.microsoft.com/office/drawing/2014/main" xmlns="" id="{D6A19F59-DE5C-47E6-918B-27D303F45183}"/>
+                <a16:creationId xmlns:a16="http://schemas.microsoft.com/office/drawing/2014/main" id="{D6A19F59-DE5C-47E6-918B-27D303F45183}"/>
               </a:ext>
             </a:extLst>
           </p:cNvPr>
@@ -7669,7 +7920,7 @@
           <p:cNvPr id="11" name="Connecteur droit avec flèche 10">
             <a:extLst>
               <a:ext uri="{FF2B5EF4-FFF2-40B4-BE49-F238E27FC236}">
-                <a16:creationId xmlns:a16="http://schemas.microsoft.com/office/drawing/2014/main" xmlns="" id="{9CE27AB5-38C3-4D69-9D71-A648A477EE6E}"/>
+                <a16:creationId xmlns:a16="http://schemas.microsoft.com/office/drawing/2014/main" id="{9CE27AB5-38C3-4D69-9D71-A648A477EE6E}"/>
               </a:ext>
             </a:extLst>
           </p:cNvPr>
@@ -7716,7 +7967,7 @@
           <p:cNvPr id="17" name="Connecteur droit avec flèche 16">
             <a:extLst>
               <a:ext uri="{FF2B5EF4-FFF2-40B4-BE49-F238E27FC236}">
-                <a16:creationId xmlns:a16="http://schemas.microsoft.com/office/drawing/2014/main" xmlns="" id="{8491FF6A-E7B4-4501-8D7D-A7CC206AB55F}"/>
+                <a16:creationId xmlns:a16="http://schemas.microsoft.com/office/drawing/2014/main" id="{8491FF6A-E7B4-4501-8D7D-A7CC206AB55F}"/>
               </a:ext>
             </a:extLst>
           </p:cNvPr>
@@ -7763,7 +8014,7 @@
           <p:cNvPr id="90" name="Rectangle 89">
             <a:extLst>
               <a:ext uri="{FF2B5EF4-FFF2-40B4-BE49-F238E27FC236}">
-                <a16:creationId xmlns:a16="http://schemas.microsoft.com/office/drawing/2014/main" xmlns="" id="{EBDABEE6-29B7-4D63-B73F-35FFDA445D8C}"/>
+                <a16:creationId xmlns:a16="http://schemas.microsoft.com/office/drawing/2014/main" id="{EBDABEE6-29B7-4D63-B73F-35FFDA445D8C}"/>
               </a:ext>
             </a:extLst>
           </p:cNvPr>
@@ -7804,7 +8055,7 @@
           <p:cNvPr id="75" name="Ellipse 74">
             <a:extLst>
               <a:ext uri="{FF2B5EF4-FFF2-40B4-BE49-F238E27FC236}">
-                <a16:creationId xmlns:a16="http://schemas.microsoft.com/office/drawing/2014/main" xmlns="" id="{406130E7-3E0D-431A-B050-99D176D9FB0C}"/>
+                <a16:creationId xmlns:a16="http://schemas.microsoft.com/office/drawing/2014/main" id="{406130E7-3E0D-431A-B050-99D176D9FB0C}"/>
               </a:ext>
             </a:extLst>
           </p:cNvPr>
@@ -7873,7 +8124,7 @@
           <p:cNvPr id="78" name="Rectangle : carré corné 77">
             <a:extLst>
               <a:ext uri="{FF2B5EF4-FFF2-40B4-BE49-F238E27FC236}">
-                <a16:creationId xmlns:a16="http://schemas.microsoft.com/office/drawing/2014/main" xmlns="" id="{2F527EAB-A695-4A0E-903E-433C17D1BC32}"/>
+                <a16:creationId xmlns:a16="http://schemas.microsoft.com/office/drawing/2014/main" id="{2F527EAB-A695-4A0E-903E-433C17D1BC32}"/>
               </a:ext>
             </a:extLst>
           </p:cNvPr>
@@ -7945,7 +8196,7 @@
           <p:cNvPr id="94" name="Ellipse 93">
             <a:extLst>
               <a:ext uri="{FF2B5EF4-FFF2-40B4-BE49-F238E27FC236}">
-                <a16:creationId xmlns:a16="http://schemas.microsoft.com/office/drawing/2014/main" xmlns="" id="{EB756666-05BE-4405-9752-D513848A6A45}"/>
+                <a16:creationId xmlns:a16="http://schemas.microsoft.com/office/drawing/2014/main" id="{EB756666-05BE-4405-9752-D513848A6A45}"/>
               </a:ext>
             </a:extLst>
           </p:cNvPr>
@@ -8003,7 +8254,7 @@
           <p:cNvPr id="95" name="Ellipse 94">
             <a:extLst>
               <a:ext uri="{FF2B5EF4-FFF2-40B4-BE49-F238E27FC236}">
-                <a16:creationId xmlns:a16="http://schemas.microsoft.com/office/drawing/2014/main" xmlns="" id="{62D41DE6-E423-4F2A-9635-1894D9255C80}"/>
+                <a16:creationId xmlns:a16="http://schemas.microsoft.com/office/drawing/2014/main" id="{62D41DE6-E423-4F2A-9635-1894D9255C80}"/>
               </a:ext>
             </a:extLst>
           </p:cNvPr>
@@ -8061,7 +8312,7 @@
           <p:cNvPr id="101" name="Ellipse 100">
             <a:extLst>
               <a:ext uri="{FF2B5EF4-FFF2-40B4-BE49-F238E27FC236}">
-                <a16:creationId xmlns:a16="http://schemas.microsoft.com/office/drawing/2014/main" xmlns="" id="{43C4EA2C-5B45-4167-880E-CCCC10CC0255}"/>
+                <a16:creationId xmlns:a16="http://schemas.microsoft.com/office/drawing/2014/main" id="{43C4EA2C-5B45-4167-880E-CCCC10CC0255}"/>
               </a:ext>
             </a:extLst>
           </p:cNvPr>
@@ -8119,7 +8370,7 @@
           <p:cNvPr id="7" name="Organigramme : Jonction de sommaire 6">
             <a:extLst>
               <a:ext uri="{FF2B5EF4-FFF2-40B4-BE49-F238E27FC236}">
-                <a16:creationId xmlns:a16="http://schemas.microsoft.com/office/drawing/2014/main" xmlns="" id="{B00AD11C-3D4E-4399-881B-2842BBE4DB46}"/>
+                <a16:creationId xmlns:a16="http://schemas.microsoft.com/office/drawing/2014/main" id="{B00AD11C-3D4E-4399-881B-2842BBE4DB46}"/>
               </a:ext>
             </a:extLst>
           </p:cNvPr>
@@ -8168,7 +8419,7 @@
           <p:cNvPr id="103" name="Organigramme : Jonction de sommaire 102">
             <a:extLst>
               <a:ext uri="{FF2B5EF4-FFF2-40B4-BE49-F238E27FC236}">
-                <a16:creationId xmlns:a16="http://schemas.microsoft.com/office/drawing/2014/main" xmlns="" id="{0FDC09D2-F6BD-45AA-B4E9-2910FBA9F489}"/>
+                <a16:creationId xmlns:a16="http://schemas.microsoft.com/office/drawing/2014/main" id="{0FDC09D2-F6BD-45AA-B4E9-2910FBA9F489}"/>
               </a:ext>
             </a:extLst>
           </p:cNvPr>
@@ -8217,7 +8468,7 @@
           <p:cNvPr id="104" name="Organigramme : Jonction de sommaire 103">
             <a:extLst>
               <a:ext uri="{FF2B5EF4-FFF2-40B4-BE49-F238E27FC236}">
-                <a16:creationId xmlns:a16="http://schemas.microsoft.com/office/drawing/2014/main" xmlns="" id="{951C2B36-3EF8-4196-9D26-4368B3AA44D2}"/>
+                <a16:creationId xmlns:a16="http://schemas.microsoft.com/office/drawing/2014/main" id="{951C2B36-3EF8-4196-9D26-4368B3AA44D2}"/>
               </a:ext>
             </a:extLst>
           </p:cNvPr>
@@ -8263,7 +8514,7 @@
           <p:cNvPr id="18" name="Rectangle 17">
             <a:extLst>
               <a:ext uri="{FF2B5EF4-FFF2-40B4-BE49-F238E27FC236}">
-                <a16:creationId xmlns:a16="http://schemas.microsoft.com/office/drawing/2014/main" xmlns="" id="{E1C4E477-3AB6-492F-9E3B-D52B554481E0}"/>
+                <a16:creationId xmlns:a16="http://schemas.microsoft.com/office/drawing/2014/main" id="{E1C4E477-3AB6-492F-9E3B-D52B554481E0}"/>
               </a:ext>
             </a:extLst>
           </p:cNvPr>
@@ -8315,7 +8566,7 @@
           <p:cNvPr id="105" name="Rectangle 104">
             <a:extLst>
               <a:ext uri="{FF2B5EF4-FFF2-40B4-BE49-F238E27FC236}">
-                <a16:creationId xmlns:a16="http://schemas.microsoft.com/office/drawing/2014/main" xmlns="" id="{EEBDCC22-7F33-4D47-A328-E9ABC44EE949}"/>
+                <a16:creationId xmlns:a16="http://schemas.microsoft.com/office/drawing/2014/main" id="{EEBDCC22-7F33-4D47-A328-E9ABC44EE949}"/>
               </a:ext>
             </a:extLst>
           </p:cNvPr>
@@ -8367,7 +8618,7 @@
           <p:cNvPr id="106" name="Rectangle 105">
             <a:extLst>
               <a:ext uri="{FF2B5EF4-FFF2-40B4-BE49-F238E27FC236}">
-                <a16:creationId xmlns:a16="http://schemas.microsoft.com/office/drawing/2014/main" xmlns="" id="{7F552AFC-D093-41F7-BCC3-D51D96F6606B}"/>
+                <a16:creationId xmlns:a16="http://schemas.microsoft.com/office/drawing/2014/main" id="{7F552AFC-D093-41F7-BCC3-D51D96F6606B}"/>
               </a:ext>
             </a:extLst>
           </p:cNvPr>
@@ -8419,7 +8670,7 @@
           <p:cNvPr id="21" name="Connecteur : en angle 20">
             <a:extLst>
               <a:ext uri="{FF2B5EF4-FFF2-40B4-BE49-F238E27FC236}">
-                <a16:creationId xmlns:a16="http://schemas.microsoft.com/office/drawing/2014/main" xmlns="" id="{C580F1BD-2203-44A8-B318-E085FA2A2587}"/>
+                <a16:creationId xmlns:a16="http://schemas.microsoft.com/office/drawing/2014/main" id="{C580F1BD-2203-44A8-B318-E085FA2A2587}"/>
               </a:ext>
             </a:extLst>
           </p:cNvPr>
@@ -8465,7 +8716,7 @@
           <p:cNvPr id="107" name="Connecteur : en angle 106">
             <a:extLst>
               <a:ext uri="{FF2B5EF4-FFF2-40B4-BE49-F238E27FC236}">
-                <a16:creationId xmlns:a16="http://schemas.microsoft.com/office/drawing/2014/main" xmlns="" id="{7F04C53B-4A53-4005-ABF2-DB5BA27207F0}"/>
+                <a16:creationId xmlns:a16="http://schemas.microsoft.com/office/drawing/2014/main" id="{7F04C53B-4A53-4005-ABF2-DB5BA27207F0}"/>
               </a:ext>
             </a:extLst>
           </p:cNvPr>
@@ -8512,7 +8763,7 @@
           <p:cNvPr id="108" name="Connecteur : en angle 107">
             <a:extLst>
               <a:ext uri="{FF2B5EF4-FFF2-40B4-BE49-F238E27FC236}">
-                <a16:creationId xmlns:a16="http://schemas.microsoft.com/office/drawing/2014/main" xmlns="" id="{DCCA1AC0-C646-4D85-9AE6-59AD23A3FCA4}"/>
+                <a16:creationId xmlns:a16="http://schemas.microsoft.com/office/drawing/2014/main" id="{DCCA1AC0-C646-4D85-9AE6-59AD23A3FCA4}"/>
               </a:ext>
             </a:extLst>
           </p:cNvPr>
@@ -8560,7 +8811,7 @@
           <p:cNvPr id="110" name="Rectangle 109">
             <a:extLst>
               <a:ext uri="{FF2B5EF4-FFF2-40B4-BE49-F238E27FC236}">
-                <a16:creationId xmlns:a16="http://schemas.microsoft.com/office/drawing/2014/main" xmlns="" id="{EC607662-9792-4AF6-972A-FBBF90B2FFAD}"/>
+                <a16:creationId xmlns:a16="http://schemas.microsoft.com/office/drawing/2014/main" id="{EC607662-9792-4AF6-972A-FBBF90B2FFAD}"/>
               </a:ext>
             </a:extLst>
           </p:cNvPr>
@@ -8628,7 +8879,7 @@
           <p:cNvPr id="111" name="Rectangle 110">
             <a:extLst>
               <a:ext uri="{FF2B5EF4-FFF2-40B4-BE49-F238E27FC236}">
-                <a16:creationId xmlns:a16="http://schemas.microsoft.com/office/drawing/2014/main" xmlns="" id="{60493B57-BD84-4F90-A671-D6D977682797}"/>
+                <a16:creationId xmlns:a16="http://schemas.microsoft.com/office/drawing/2014/main" id="{60493B57-BD84-4F90-A671-D6D977682797}"/>
               </a:ext>
             </a:extLst>
           </p:cNvPr>
@@ -8669,7 +8920,7 @@
           <p:cNvPr id="72" name="Ellipse 71">
             <a:extLst>
               <a:ext uri="{FF2B5EF4-FFF2-40B4-BE49-F238E27FC236}">
-                <a16:creationId xmlns:a16="http://schemas.microsoft.com/office/drawing/2014/main" xmlns="" id="{957AAF98-6743-456A-97A2-F748827C0E65}"/>
+                <a16:creationId xmlns:a16="http://schemas.microsoft.com/office/drawing/2014/main" id="{957AAF98-6743-456A-97A2-F748827C0E65}"/>
               </a:ext>
             </a:extLst>
           </p:cNvPr>
@@ -8738,7 +8989,7 @@
           <p:cNvPr id="114" name="Connecteur droit avec flèche 113">
             <a:extLst>
               <a:ext uri="{FF2B5EF4-FFF2-40B4-BE49-F238E27FC236}">
-                <a16:creationId xmlns:a16="http://schemas.microsoft.com/office/drawing/2014/main" xmlns="" id="{303F5BDC-AD2F-4215-A0CB-27EBECA7AAE5}"/>
+                <a16:creationId xmlns:a16="http://schemas.microsoft.com/office/drawing/2014/main" id="{303F5BDC-AD2F-4215-A0CB-27EBECA7AAE5}"/>
               </a:ext>
             </a:extLst>
           </p:cNvPr>
@@ -8785,7 +9036,7 @@
           <p:cNvPr id="115" name="Connecteur droit avec flèche 114">
             <a:extLst>
               <a:ext uri="{FF2B5EF4-FFF2-40B4-BE49-F238E27FC236}">
-                <a16:creationId xmlns:a16="http://schemas.microsoft.com/office/drawing/2014/main" xmlns="" id="{84E1737C-8DD2-4B4F-BB53-59A3C68D3F05}"/>
+                <a16:creationId xmlns:a16="http://schemas.microsoft.com/office/drawing/2014/main" id="{84E1737C-8DD2-4B4F-BB53-59A3C68D3F05}"/>
               </a:ext>
             </a:extLst>
           </p:cNvPr>
@@ -8832,7 +9083,7 @@
           <p:cNvPr id="118" name="Rectangle 117">
             <a:extLst>
               <a:ext uri="{FF2B5EF4-FFF2-40B4-BE49-F238E27FC236}">
-                <a16:creationId xmlns:a16="http://schemas.microsoft.com/office/drawing/2014/main" xmlns="" id="{88502AE4-0F7A-4C90-ACA1-4837522915ED}"/>
+                <a16:creationId xmlns:a16="http://schemas.microsoft.com/office/drawing/2014/main" id="{88502AE4-0F7A-4C90-ACA1-4837522915ED}"/>
               </a:ext>
             </a:extLst>
           </p:cNvPr>
@@ -8873,7 +9124,7 @@
           <p:cNvPr id="119" name="Ellipse 118">
             <a:extLst>
               <a:ext uri="{FF2B5EF4-FFF2-40B4-BE49-F238E27FC236}">
-                <a16:creationId xmlns:a16="http://schemas.microsoft.com/office/drawing/2014/main" xmlns="" id="{9FD95D9F-4269-4A40-B637-A40637C4BE77}"/>
+                <a16:creationId xmlns:a16="http://schemas.microsoft.com/office/drawing/2014/main" id="{9FD95D9F-4269-4A40-B637-A40637C4BE77}"/>
               </a:ext>
             </a:extLst>
           </p:cNvPr>
@@ -8942,7 +9193,7 @@
           <p:cNvPr id="120" name="Ellipse 119">
             <a:extLst>
               <a:ext uri="{FF2B5EF4-FFF2-40B4-BE49-F238E27FC236}">
-                <a16:creationId xmlns:a16="http://schemas.microsoft.com/office/drawing/2014/main" xmlns="" id="{EDFA5D41-E4BA-4494-96CB-CEAC352CA53C}"/>
+                <a16:creationId xmlns:a16="http://schemas.microsoft.com/office/drawing/2014/main" id="{EDFA5D41-E4BA-4494-96CB-CEAC352CA53C}"/>
               </a:ext>
             </a:extLst>
           </p:cNvPr>
@@ -9011,7 +9262,7 @@
           <p:cNvPr id="121" name="Rectangle 120">
             <a:extLst>
               <a:ext uri="{FF2B5EF4-FFF2-40B4-BE49-F238E27FC236}">
-                <a16:creationId xmlns:a16="http://schemas.microsoft.com/office/drawing/2014/main" xmlns="" id="{E9896A80-7B25-4FE5-8C36-D88A252A47AD}"/>
+                <a16:creationId xmlns:a16="http://schemas.microsoft.com/office/drawing/2014/main" id="{E9896A80-7B25-4FE5-8C36-D88A252A47AD}"/>
               </a:ext>
             </a:extLst>
           </p:cNvPr>
@@ -9070,7 +9321,7 @@
           <p:cNvPr id="122" name="Rectangle 121">
             <a:extLst>
               <a:ext uri="{FF2B5EF4-FFF2-40B4-BE49-F238E27FC236}">
-                <a16:creationId xmlns:a16="http://schemas.microsoft.com/office/drawing/2014/main" xmlns="" id="{8564EB00-961B-42CA-8A79-8ED988784335}"/>
+                <a16:creationId xmlns:a16="http://schemas.microsoft.com/office/drawing/2014/main" id="{8564EB00-961B-42CA-8A79-8ED988784335}"/>
               </a:ext>
             </a:extLst>
           </p:cNvPr>
@@ -9124,7 +9375,7 @@
           <p:cNvPr id="128" name="Rectangle 127">
             <a:extLst>
               <a:ext uri="{FF2B5EF4-FFF2-40B4-BE49-F238E27FC236}">
-                <a16:creationId xmlns:a16="http://schemas.microsoft.com/office/drawing/2014/main" xmlns="" id="{6F4CB3D7-09C5-4B32-9601-5122FA8C1D58}"/>
+                <a16:creationId xmlns:a16="http://schemas.microsoft.com/office/drawing/2014/main" id="{6F4CB3D7-09C5-4B32-9601-5122FA8C1D58}"/>
               </a:ext>
             </a:extLst>
           </p:cNvPr>
@@ -9169,7 +9420,7 @@
           <p:cNvPr id="129" name="Connecteur droit avec flèche 128">
             <a:extLst>
               <a:ext uri="{FF2B5EF4-FFF2-40B4-BE49-F238E27FC236}">
-                <a16:creationId xmlns:a16="http://schemas.microsoft.com/office/drawing/2014/main" xmlns="" id="{5BD5F333-B50F-498E-9466-FB1A765AED58}"/>
+                <a16:creationId xmlns:a16="http://schemas.microsoft.com/office/drawing/2014/main" id="{5BD5F333-B50F-498E-9466-FB1A765AED58}"/>
               </a:ext>
             </a:extLst>
           </p:cNvPr>
@@ -9216,7 +9467,7 @@
           <p:cNvPr id="130" name="Connecteur droit avec flèche 129">
             <a:extLst>
               <a:ext uri="{FF2B5EF4-FFF2-40B4-BE49-F238E27FC236}">
-                <a16:creationId xmlns:a16="http://schemas.microsoft.com/office/drawing/2014/main" xmlns="" id="{9C354AF1-8172-4D1B-8221-F58A3C9AEACB}"/>
+                <a16:creationId xmlns:a16="http://schemas.microsoft.com/office/drawing/2014/main" id="{9C354AF1-8172-4D1B-8221-F58A3C9AEACB}"/>
               </a:ext>
             </a:extLst>
           </p:cNvPr>
@@ -9263,7 +9514,7 @@
           <p:cNvPr id="133" name="Rectangle 132">
             <a:extLst>
               <a:ext uri="{FF2B5EF4-FFF2-40B4-BE49-F238E27FC236}">
-                <a16:creationId xmlns:a16="http://schemas.microsoft.com/office/drawing/2014/main" xmlns="" id="{888A0C59-B712-4D45-B07E-5A4E008584FA}"/>
+                <a16:creationId xmlns:a16="http://schemas.microsoft.com/office/drawing/2014/main" id="{888A0C59-B712-4D45-B07E-5A4E008584FA}"/>
               </a:ext>
             </a:extLst>
           </p:cNvPr>
@@ -9304,7 +9555,7 @@
           <p:cNvPr id="134" name="Ellipse 133">
             <a:extLst>
               <a:ext uri="{FF2B5EF4-FFF2-40B4-BE49-F238E27FC236}">
-                <a16:creationId xmlns:a16="http://schemas.microsoft.com/office/drawing/2014/main" xmlns="" id="{97C680AE-43C5-4789-98DF-D9B241D75A1D}"/>
+                <a16:creationId xmlns:a16="http://schemas.microsoft.com/office/drawing/2014/main" id="{97C680AE-43C5-4789-98DF-D9B241D75A1D}"/>
               </a:ext>
             </a:extLst>
           </p:cNvPr>
@@ -9373,7 +9624,7 @@
           <p:cNvPr id="135" name="Ellipse 134">
             <a:extLst>
               <a:ext uri="{FF2B5EF4-FFF2-40B4-BE49-F238E27FC236}">
-                <a16:creationId xmlns:a16="http://schemas.microsoft.com/office/drawing/2014/main" xmlns="" id="{AF558AC2-E85E-4407-B45C-751F5B360DD5}"/>
+                <a16:creationId xmlns:a16="http://schemas.microsoft.com/office/drawing/2014/main" id="{AF558AC2-E85E-4407-B45C-751F5B360DD5}"/>
               </a:ext>
             </a:extLst>
           </p:cNvPr>
@@ -9442,7 +9693,7 @@
           <p:cNvPr id="143" name="Rectangle 142">
             <a:extLst>
               <a:ext uri="{FF2B5EF4-FFF2-40B4-BE49-F238E27FC236}">
-                <a16:creationId xmlns:a16="http://schemas.microsoft.com/office/drawing/2014/main" xmlns="" id="{ADF99727-0F59-424B-A2D7-92929328D779}"/>
+                <a16:creationId xmlns:a16="http://schemas.microsoft.com/office/drawing/2014/main" id="{ADF99727-0F59-424B-A2D7-92929328D779}"/>
               </a:ext>
             </a:extLst>
           </p:cNvPr>
@@ -9502,7 +9753,7 @@
           <p:cNvPr id="144" name="Rectangle 143">
             <a:extLst>
               <a:ext uri="{FF2B5EF4-FFF2-40B4-BE49-F238E27FC236}">
-                <a16:creationId xmlns:a16="http://schemas.microsoft.com/office/drawing/2014/main" xmlns="" id="{BB3173DF-69A8-4ADE-8B45-1422D734E667}"/>
+                <a16:creationId xmlns:a16="http://schemas.microsoft.com/office/drawing/2014/main" id="{BB3173DF-69A8-4ADE-8B45-1422D734E667}"/>
               </a:ext>
             </a:extLst>
           </p:cNvPr>
@@ -9561,7 +9812,7 @@
           <p:cNvPr id="149" name="Rectangle 148">
             <a:extLst>
               <a:ext uri="{FF2B5EF4-FFF2-40B4-BE49-F238E27FC236}">
-                <a16:creationId xmlns:a16="http://schemas.microsoft.com/office/drawing/2014/main" xmlns="" id="{DEE24CDB-6B60-4C14-BD27-0E292DFD5E1E}"/>
+                <a16:creationId xmlns:a16="http://schemas.microsoft.com/office/drawing/2014/main" id="{DEE24CDB-6B60-4C14-BD27-0E292DFD5E1E}"/>
               </a:ext>
             </a:extLst>
           </p:cNvPr>
@@ -9616,7 +9867,7 @@
           <p:cNvPr id="150" name="ZoneTexte 149">
             <a:extLst>
               <a:ext uri="{FF2B5EF4-FFF2-40B4-BE49-F238E27FC236}">
-                <a16:creationId xmlns:a16="http://schemas.microsoft.com/office/drawing/2014/main" xmlns="" id="{37092DB3-7FB0-4289-BDA7-4675511584C3}"/>
+                <a16:creationId xmlns:a16="http://schemas.microsoft.com/office/drawing/2014/main" id="{37092DB3-7FB0-4289-BDA7-4675511584C3}"/>
               </a:ext>
             </a:extLst>
           </p:cNvPr>
@@ -9658,7 +9909,7 @@
           <p:cNvPr id="62" name="Rectangle 61">
             <a:extLst>
               <a:ext uri="{FF2B5EF4-FFF2-40B4-BE49-F238E27FC236}">
-                <a16:creationId xmlns:a16="http://schemas.microsoft.com/office/drawing/2014/main" xmlns="" id="{71B0C61D-3C33-44AE-994E-9D1DFD3977BE}"/>
+                <a16:creationId xmlns:a16="http://schemas.microsoft.com/office/drawing/2014/main" id="{71B0C61D-3C33-44AE-994E-9D1DFD3977BE}"/>
               </a:ext>
             </a:extLst>
           </p:cNvPr>
@@ -9699,7 +9950,7 @@
           <p:cNvPr id="5" name="Connecteur : en angle 4">
             <a:extLst>
               <a:ext uri="{FF2B5EF4-FFF2-40B4-BE49-F238E27FC236}">
-                <a16:creationId xmlns:a16="http://schemas.microsoft.com/office/drawing/2014/main" xmlns="" id="{5355DACF-D8DB-4160-875D-0B6FB9A32429}"/>
+                <a16:creationId xmlns:a16="http://schemas.microsoft.com/office/drawing/2014/main" id="{5355DACF-D8DB-4160-875D-0B6FB9A32429}"/>
               </a:ext>
             </a:extLst>
           </p:cNvPr>
@@ -9748,7 +9999,7 @@
           <p:cNvPr id="68" name="ZoneTexte 67">
             <a:extLst>
               <a:ext uri="{FF2B5EF4-FFF2-40B4-BE49-F238E27FC236}">
-                <a16:creationId xmlns:a16="http://schemas.microsoft.com/office/drawing/2014/main" xmlns="" id="{2DEEEE45-4CB4-4576-9AB9-3F469C3F05D0}"/>
+                <a16:creationId xmlns:a16="http://schemas.microsoft.com/office/drawing/2014/main" id="{2DEEEE45-4CB4-4576-9AB9-3F469C3F05D0}"/>
               </a:ext>
             </a:extLst>
           </p:cNvPr>
@@ -9786,7 +10037,7 @@
           <p:cNvPr id="69" name="ZoneTexte 68">
             <a:extLst>
               <a:ext uri="{FF2B5EF4-FFF2-40B4-BE49-F238E27FC236}">
-                <a16:creationId xmlns:a16="http://schemas.microsoft.com/office/drawing/2014/main" xmlns="" id="{08AA9B42-6886-4A37-A17C-38A6DACB2656}"/>
+                <a16:creationId xmlns:a16="http://schemas.microsoft.com/office/drawing/2014/main" id="{08AA9B42-6886-4A37-A17C-38A6DACB2656}"/>
               </a:ext>
             </a:extLst>
           </p:cNvPr>
@@ -9824,7 +10075,7 @@
           <p:cNvPr id="65" name="ZoneTexte 64">
             <a:extLst>
               <a:ext uri="{FF2B5EF4-FFF2-40B4-BE49-F238E27FC236}">
-                <a16:creationId xmlns:a16="http://schemas.microsoft.com/office/drawing/2014/main" xmlns="" id="{7CD742EF-B51C-485A-8681-F1A7A57756CD}"/>
+                <a16:creationId xmlns:a16="http://schemas.microsoft.com/office/drawing/2014/main" id="{7CD742EF-B51C-485A-8681-F1A7A57756CD}"/>
               </a:ext>
             </a:extLst>
           </p:cNvPr>
@@ -9862,7 +10113,7 @@
           <p:cNvPr id="66" name="ZoneTexte 65">
             <a:extLst>
               <a:ext uri="{FF2B5EF4-FFF2-40B4-BE49-F238E27FC236}">
-                <a16:creationId xmlns:a16="http://schemas.microsoft.com/office/drawing/2014/main" xmlns="" id="{2FFED979-B420-413C-96C0-F8A0094358C3}"/>
+                <a16:creationId xmlns:a16="http://schemas.microsoft.com/office/drawing/2014/main" id="{2FFED979-B420-413C-96C0-F8A0094358C3}"/>
               </a:ext>
             </a:extLst>
           </p:cNvPr>
@@ -9900,7 +10151,7 @@
           <p:cNvPr id="67" name="Ellipse 66">
             <a:extLst>
               <a:ext uri="{FF2B5EF4-FFF2-40B4-BE49-F238E27FC236}">
-                <a16:creationId xmlns:a16="http://schemas.microsoft.com/office/drawing/2014/main" xmlns="" id="{8FE1DB04-8A7C-4DF6-B7CC-303CADF3B2B8}"/>
+                <a16:creationId xmlns:a16="http://schemas.microsoft.com/office/drawing/2014/main" id="{8FE1DB04-8A7C-4DF6-B7CC-303CADF3B2B8}"/>
               </a:ext>
             </a:extLst>
           </p:cNvPr>
@@ -9958,7 +10209,7 @@
           <p:cNvPr id="77" name="ZoneTexte 76">
             <a:extLst>
               <a:ext uri="{FF2B5EF4-FFF2-40B4-BE49-F238E27FC236}">
-                <a16:creationId xmlns:a16="http://schemas.microsoft.com/office/drawing/2014/main" xmlns="" id="{DD9FA8B0-1E97-4AE1-B2D4-5670CD21D70D}"/>
+                <a16:creationId xmlns:a16="http://schemas.microsoft.com/office/drawing/2014/main" id="{DD9FA8B0-1E97-4AE1-B2D4-5670CD21D70D}"/>
               </a:ext>
             </a:extLst>
           </p:cNvPr>
@@ -9996,7 +10247,7 @@
           <p:cNvPr id="85" name="Ellipse 84">
             <a:extLst>
               <a:ext uri="{FF2B5EF4-FFF2-40B4-BE49-F238E27FC236}">
-                <a16:creationId xmlns:a16="http://schemas.microsoft.com/office/drawing/2014/main" xmlns="" id="{14868AD4-595A-4478-A7B2-81ABAE62EEB5}"/>
+                <a16:creationId xmlns:a16="http://schemas.microsoft.com/office/drawing/2014/main" id="{14868AD4-595A-4478-A7B2-81ABAE62EEB5}"/>
               </a:ext>
             </a:extLst>
           </p:cNvPr>
@@ -10054,7 +10305,7 @@
           <p:cNvPr id="87" name="Ellipse 86">
             <a:extLst>
               <a:ext uri="{FF2B5EF4-FFF2-40B4-BE49-F238E27FC236}">
-                <a16:creationId xmlns:a16="http://schemas.microsoft.com/office/drawing/2014/main" xmlns="" id="{94EDBF9E-FC8D-4967-934C-359E89DDE4D2}"/>
+                <a16:creationId xmlns:a16="http://schemas.microsoft.com/office/drawing/2014/main" id="{94EDBF9E-FC8D-4967-934C-359E89DDE4D2}"/>
               </a:ext>
             </a:extLst>
           </p:cNvPr>
@@ -10112,7 +10363,7 @@
           <p:cNvPr id="116" name="Ellipse 115">
             <a:extLst>
               <a:ext uri="{FF2B5EF4-FFF2-40B4-BE49-F238E27FC236}">
-                <a16:creationId xmlns:a16="http://schemas.microsoft.com/office/drawing/2014/main" xmlns="" id="{C11933AE-2467-4012-9A41-8804A34032AC}"/>
+                <a16:creationId xmlns:a16="http://schemas.microsoft.com/office/drawing/2014/main" id="{C11933AE-2467-4012-9A41-8804A34032AC}"/>
               </a:ext>
             </a:extLst>
           </p:cNvPr>
@@ -10170,7 +10421,7 @@
           <p:cNvPr id="27" name="Connecteur droit avec flèche 26">
             <a:extLst>
               <a:ext uri="{FF2B5EF4-FFF2-40B4-BE49-F238E27FC236}">
-                <a16:creationId xmlns:a16="http://schemas.microsoft.com/office/drawing/2014/main" xmlns="" id="{A50C47A9-3AC5-48E4-8DDB-A1081DB8C971}"/>
+                <a16:creationId xmlns:a16="http://schemas.microsoft.com/office/drawing/2014/main" id="{A50C47A9-3AC5-48E4-8DDB-A1081DB8C971}"/>
               </a:ext>
             </a:extLst>
           </p:cNvPr>
@@ -10211,7 +10462,7 @@
           <p:cNvPr id="117" name="Connecteur droit avec flèche 116">
             <a:extLst>
               <a:ext uri="{FF2B5EF4-FFF2-40B4-BE49-F238E27FC236}">
-                <a16:creationId xmlns:a16="http://schemas.microsoft.com/office/drawing/2014/main" xmlns="" id="{16B5F0AC-7605-4919-92AE-67248AA19FFF}"/>
+                <a16:creationId xmlns:a16="http://schemas.microsoft.com/office/drawing/2014/main" id="{16B5F0AC-7605-4919-92AE-67248AA19FFF}"/>
               </a:ext>
             </a:extLst>
           </p:cNvPr>
@@ -10250,7 +10501,7 @@
           <p:cNvPr id="124" name="Connecteur droit avec flèche 123">
             <a:extLst>
               <a:ext uri="{FF2B5EF4-FFF2-40B4-BE49-F238E27FC236}">
-                <a16:creationId xmlns:a16="http://schemas.microsoft.com/office/drawing/2014/main" xmlns="" id="{ABC5A925-7C63-497A-BB76-C587CE08CACA}"/>
+                <a16:creationId xmlns:a16="http://schemas.microsoft.com/office/drawing/2014/main" id="{ABC5A925-7C63-497A-BB76-C587CE08CACA}"/>
               </a:ext>
             </a:extLst>
           </p:cNvPr>
@@ -10289,7 +10540,7 @@
           <p:cNvPr id="125" name="Connecteur droit avec flèche 124">
             <a:extLst>
               <a:ext uri="{FF2B5EF4-FFF2-40B4-BE49-F238E27FC236}">
-                <a16:creationId xmlns:a16="http://schemas.microsoft.com/office/drawing/2014/main" xmlns="" id="{EE98BCF8-1A62-4845-A133-6B137CABE15D}"/>
+                <a16:creationId xmlns:a16="http://schemas.microsoft.com/office/drawing/2014/main" id="{EE98BCF8-1A62-4845-A133-6B137CABE15D}"/>
               </a:ext>
             </a:extLst>
           </p:cNvPr>
@@ -10328,7 +10579,7 @@
           <p:cNvPr id="126" name="Connecteur : en angle 125">
             <a:extLst>
               <a:ext uri="{FF2B5EF4-FFF2-40B4-BE49-F238E27FC236}">
-                <a16:creationId xmlns:a16="http://schemas.microsoft.com/office/drawing/2014/main" xmlns="" id="{92ABEDFE-05FC-430D-B247-D9FCCD74136D}"/>
+                <a16:creationId xmlns:a16="http://schemas.microsoft.com/office/drawing/2014/main" id="{92ABEDFE-05FC-430D-B247-D9FCCD74136D}"/>
               </a:ext>
             </a:extLst>
           </p:cNvPr>
@@ -10377,7 +10628,7 @@
           <p:cNvPr id="131" name="Connecteur : en angle 130">
             <a:extLst>
               <a:ext uri="{FF2B5EF4-FFF2-40B4-BE49-F238E27FC236}">
-                <a16:creationId xmlns:a16="http://schemas.microsoft.com/office/drawing/2014/main" xmlns="" id="{F1FE6CBB-4B27-4231-90F2-511E35B5FA81}"/>
+                <a16:creationId xmlns:a16="http://schemas.microsoft.com/office/drawing/2014/main" id="{F1FE6CBB-4B27-4231-90F2-511E35B5FA81}"/>
               </a:ext>
             </a:extLst>
           </p:cNvPr>
@@ -10429,7 +10680,7 @@
           <p:cNvPr id="132" name="ZoneTexte 131">
             <a:extLst>
               <a:ext uri="{FF2B5EF4-FFF2-40B4-BE49-F238E27FC236}">
-                <a16:creationId xmlns:a16="http://schemas.microsoft.com/office/drawing/2014/main" xmlns="" id="{E233F5F0-4652-47F8-B2F7-41515FAA3231}"/>
+                <a16:creationId xmlns:a16="http://schemas.microsoft.com/office/drawing/2014/main" id="{E233F5F0-4652-47F8-B2F7-41515FAA3231}"/>
               </a:ext>
             </a:extLst>
           </p:cNvPr>
@@ -10467,7 +10718,7 @@
           <p:cNvPr id="37" name="Connecteur : en angle 36">
             <a:extLst>
               <a:ext uri="{FF2B5EF4-FFF2-40B4-BE49-F238E27FC236}">
-                <a16:creationId xmlns:a16="http://schemas.microsoft.com/office/drawing/2014/main" xmlns="" id="{884F8BA6-5748-43DB-8745-FF8045F69E52}"/>
+                <a16:creationId xmlns:a16="http://schemas.microsoft.com/office/drawing/2014/main" id="{884F8BA6-5748-43DB-8745-FF8045F69E52}"/>
               </a:ext>
             </a:extLst>
           </p:cNvPr>
@@ -10514,7 +10765,7 @@
           <p:cNvPr id="42" name="Connecteur : en angle 41">
             <a:extLst>
               <a:ext uri="{FF2B5EF4-FFF2-40B4-BE49-F238E27FC236}">
-                <a16:creationId xmlns:a16="http://schemas.microsoft.com/office/drawing/2014/main" xmlns="" id="{770955BC-5263-4247-AF9F-659714FCA9C4}"/>
+                <a16:creationId xmlns:a16="http://schemas.microsoft.com/office/drawing/2014/main" id="{770955BC-5263-4247-AF9F-659714FCA9C4}"/>
               </a:ext>
             </a:extLst>
           </p:cNvPr>
@@ -10557,7 +10808,7 @@
           <p:cNvPr id="48" name="Connecteur droit 47">
             <a:extLst>
               <a:ext uri="{FF2B5EF4-FFF2-40B4-BE49-F238E27FC236}">
-                <a16:creationId xmlns:a16="http://schemas.microsoft.com/office/drawing/2014/main" xmlns="" id="{00A4EE35-E4DC-4A5D-89AE-C26974BF34D5}"/>
+                <a16:creationId xmlns:a16="http://schemas.microsoft.com/office/drawing/2014/main" id="{00A4EE35-E4DC-4A5D-89AE-C26974BF34D5}"/>
               </a:ext>
             </a:extLst>
           </p:cNvPr>
@@ -10600,7 +10851,7 @@
           <p:cNvPr id="52" name="ZoneTexte 51">
             <a:extLst>
               <a:ext uri="{FF2B5EF4-FFF2-40B4-BE49-F238E27FC236}">
-                <a16:creationId xmlns:a16="http://schemas.microsoft.com/office/drawing/2014/main" xmlns="" id="{A1B645C9-F428-4094-9D6F-A3D6099D90C9}"/>
+                <a16:creationId xmlns:a16="http://schemas.microsoft.com/office/drawing/2014/main" id="{A1B645C9-F428-4094-9D6F-A3D6099D90C9}"/>
               </a:ext>
             </a:extLst>
           </p:cNvPr>
@@ -10639,7 +10890,7 @@
           <p:cNvPr id="54" name="Connecteur droit 53">
             <a:extLst>
               <a:ext uri="{FF2B5EF4-FFF2-40B4-BE49-F238E27FC236}">
-                <a16:creationId xmlns:a16="http://schemas.microsoft.com/office/drawing/2014/main" xmlns="" id="{794305CD-136F-470A-BA5D-6257DD3EB19C}"/>
+                <a16:creationId xmlns:a16="http://schemas.microsoft.com/office/drawing/2014/main" id="{794305CD-136F-470A-BA5D-6257DD3EB19C}"/>
               </a:ext>
             </a:extLst>
           </p:cNvPr>
@@ -10682,7 +10933,7 @@
           <p:cNvPr id="138" name="Connecteur droit 137">
             <a:extLst>
               <a:ext uri="{FF2B5EF4-FFF2-40B4-BE49-F238E27FC236}">
-                <a16:creationId xmlns:a16="http://schemas.microsoft.com/office/drawing/2014/main" xmlns="" id="{B9E0F775-BBF6-43E0-8951-D0EE9B8C810F}"/>
+                <a16:creationId xmlns:a16="http://schemas.microsoft.com/office/drawing/2014/main" id="{B9E0F775-BBF6-43E0-8951-D0EE9B8C810F}"/>
               </a:ext>
             </a:extLst>
           </p:cNvPr>
@@ -10725,7 +10976,7 @@
           <p:cNvPr id="58" name="Connecteur : en angle 57">
             <a:extLst>
               <a:ext uri="{FF2B5EF4-FFF2-40B4-BE49-F238E27FC236}">
-                <a16:creationId xmlns:a16="http://schemas.microsoft.com/office/drawing/2014/main" xmlns="" id="{723D1BBA-F1D3-482B-8CD8-D138621215BF}"/>
+                <a16:creationId xmlns:a16="http://schemas.microsoft.com/office/drawing/2014/main" id="{723D1BBA-F1D3-482B-8CD8-D138621215BF}"/>
               </a:ext>
             </a:extLst>
           </p:cNvPr>
@@ -10768,7 +11019,7 @@
           <p:cNvPr id="145" name="Connecteur : en angle 144">
             <a:extLst>
               <a:ext uri="{FF2B5EF4-FFF2-40B4-BE49-F238E27FC236}">
-                <a16:creationId xmlns:a16="http://schemas.microsoft.com/office/drawing/2014/main" xmlns="" id="{4AA10393-57AE-4C97-9984-996252DAAFB9}"/>
+                <a16:creationId xmlns:a16="http://schemas.microsoft.com/office/drawing/2014/main" id="{4AA10393-57AE-4C97-9984-996252DAAFB9}"/>
               </a:ext>
             </a:extLst>
           </p:cNvPr>
@@ -10815,7 +11066,7 @@
           <p:cNvPr id="146" name="Connecteur : en angle 145">
             <a:extLst>
               <a:ext uri="{FF2B5EF4-FFF2-40B4-BE49-F238E27FC236}">
-                <a16:creationId xmlns:a16="http://schemas.microsoft.com/office/drawing/2014/main" xmlns="" id="{DA9BCBDD-6011-4340-AA13-8D1B13114BDA}"/>
+                <a16:creationId xmlns:a16="http://schemas.microsoft.com/office/drawing/2014/main" id="{DA9BCBDD-6011-4340-AA13-8D1B13114BDA}"/>
               </a:ext>
             </a:extLst>
           </p:cNvPr>
@@ -10858,7 +11109,7 @@
           <p:cNvPr id="147" name="Connecteur : en angle 146">
             <a:extLst>
               <a:ext uri="{FF2B5EF4-FFF2-40B4-BE49-F238E27FC236}">
-                <a16:creationId xmlns:a16="http://schemas.microsoft.com/office/drawing/2014/main" xmlns="" id="{DA63929A-C6F5-467A-80B6-44209B830BA2}"/>
+                <a16:creationId xmlns:a16="http://schemas.microsoft.com/office/drawing/2014/main" id="{DA63929A-C6F5-467A-80B6-44209B830BA2}"/>
               </a:ext>
             </a:extLst>
           </p:cNvPr>
@@ -10903,7 +11154,7 @@
           <p:cNvPr id="148" name="Connecteur : en angle 147">
             <a:extLst>
               <a:ext uri="{FF2B5EF4-FFF2-40B4-BE49-F238E27FC236}">
-                <a16:creationId xmlns:a16="http://schemas.microsoft.com/office/drawing/2014/main" xmlns="" id="{2AA838AC-7B97-45BD-BBE8-FC01C9F2741B}"/>
+                <a16:creationId xmlns:a16="http://schemas.microsoft.com/office/drawing/2014/main" id="{2AA838AC-7B97-45BD-BBE8-FC01C9F2741B}"/>
               </a:ext>
             </a:extLst>
           </p:cNvPr>
@@ -10948,7 +11199,7 @@
           <p:cNvPr id="151" name="Connecteur : en angle 150">
             <a:extLst>
               <a:ext uri="{FF2B5EF4-FFF2-40B4-BE49-F238E27FC236}">
-                <a16:creationId xmlns:a16="http://schemas.microsoft.com/office/drawing/2014/main" xmlns="" id="{18EB8B81-FE5C-4769-823A-093B22B3ACBE}"/>
+                <a16:creationId xmlns:a16="http://schemas.microsoft.com/office/drawing/2014/main" id="{18EB8B81-FE5C-4769-823A-093B22B3ACBE}"/>
               </a:ext>
             </a:extLst>
           </p:cNvPr>
@@ -10993,7 +11244,7 @@
           <p:cNvPr id="165" name="Connecteur droit 164">
             <a:extLst>
               <a:ext uri="{FF2B5EF4-FFF2-40B4-BE49-F238E27FC236}">
-                <a16:creationId xmlns:a16="http://schemas.microsoft.com/office/drawing/2014/main" xmlns="" id="{498E8255-5918-471C-95B2-454D0D41077B}"/>
+                <a16:creationId xmlns:a16="http://schemas.microsoft.com/office/drawing/2014/main" id="{498E8255-5918-471C-95B2-454D0D41077B}"/>
               </a:ext>
             </a:extLst>
           </p:cNvPr>
@@ -11036,7 +11287,7 @@
           <p:cNvPr id="170" name="ZoneTexte 169">
             <a:extLst>
               <a:ext uri="{FF2B5EF4-FFF2-40B4-BE49-F238E27FC236}">
-                <a16:creationId xmlns:a16="http://schemas.microsoft.com/office/drawing/2014/main" xmlns="" id="{D41E49A1-0558-49C0-9155-5501ABAAF4E6}"/>
+                <a16:creationId xmlns:a16="http://schemas.microsoft.com/office/drawing/2014/main" id="{D41E49A1-0558-49C0-9155-5501ABAAF4E6}"/>
               </a:ext>
             </a:extLst>
           </p:cNvPr>
@@ -11075,7 +11326,7 @@
           <p:cNvPr id="171" name="ZoneTexte 170">
             <a:extLst>
               <a:ext uri="{FF2B5EF4-FFF2-40B4-BE49-F238E27FC236}">
-                <a16:creationId xmlns:a16="http://schemas.microsoft.com/office/drawing/2014/main" xmlns="" id="{B8EA2AF4-77C2-405C-BEC9-B64EF350667E}"/>
+                <a16:creationId xmlns:a16="http://schemas.microsoft.com/office/drawing/2014/main" id="{B8EA2AF4-77C2-405C-BEC9-B64EF350667E}"/>
               </a:ext>
             </a:extLst>
           </p:cNvPr>
@@ -11114,7 +11365,7 @@
           <p:cNvPr id="172" name="Connecteur droit 171">
             <a:extLst>
               <a:ext uri="{FF2B5EF4-FFF2-40B4-BE49-F238E27FC236}">
-                <a16:creationId xmlns:a16="http://schemas.microsoft.com/office/drawing/2014/main" xmlns="" id="{4ECA0ED2-79E0-4D5A-917E-31115CBBF56D}"/>
+                <a16:creationId xmlns:a16="http://schemas.microsoft.com/office/drawing/2014/main" id="{4ECA0ED2-79E0-4D5A-917E-31115CBBF56D}"/>
               </a:ext>
             </a:extLst>
           </p:cNvPr>
@@ -11157,7 +11408,7 @@
           <p:cNvPr id="174" name="Connecteur droit 173">
             <a:extLst>
               <a:ext uri="{FF2B5EF4-FFF2-40B4-BE49-F238E27FC236}">
-                <a16:creationId xmlns:a16="http://schemas.microsoft.com/office/drawing/2014/main" xmlns="" id="{37DF3497-E452-4914-B319-A441B0DEB487}"/>
+                <a16:creationId xmlns:a16="http://schemas.microsoft.com/office/drawing/2014/main" id="{37DF3497-E452-4914-B319-A441B0DEB487}"/>
               </a:ext>
             </a:extLst>
           </p:cNvPr>
@@ -11198,7 +11449,7 @@
           <p:cNvPr id="175" name="Connecteur droit 174">
             <a:extLst>
               <a:ext uri="{FF2B5EF4-FFF2-40B4-BE49-F238E27FC236}">
-                <a16:creationId xmlns:a16="http://schemas.microsoft.com/office/drawing/2014/main" xmlns="" id="{7F3F75EF-227C-4B8C-A4C7-25BE9A9DC7F5}"/>
+                <a16:creationId xmlns:a16="http://schemas.microsoft.com/office/drawing/2014/main" id="{7F3F75EF-227C-4B8C-A4C7-25BE9A9DC7F5}"/>
               </a:ext>
             </a:extLst>
           </p:cNvPr>
@@ -11239,7 +11490,7 @@
           <p:cNvPr id="176" name="Connecteur droit 175">
             <a:extLst>
               <a:ext uri="{FF2B5EF4-FFF2-40B4-BE49-F238E27FC236}">
-                <a16:creationId xmlns:a16="http://schemas.microsoft.com/office/drawing/2014/main" xmlns="" id="{060C03BF-95D6-4A38-B40E-A2400F099E53}"/>
+                <a16:creationId xmlns:a16="http://schemas.microsoft.com/office/drawing/2014/main" id="{060C03BF-95D6-4A38-B40E-A2400F099E53}"/>
               </a:ext>
             </a:extLst>
           </p:cNvPr>
@@ -11280,7 +11531,7 @@
           <p:cNvPr id="177" name="Connecteur droit 176">
             <a:extLst>
               <a:ext uri="{FF2B5EF4-FFF2-40B4-BE49-F238E27FC236}">
-                <a16:creationId xmlns:a16="http://schemas.microsoft.com/office/drawing/2014/main" xmlns="" id="{21EC946E-54DE-4627-B44D-0E3F1BFAE0EE}"/>
+                <a16:creationId xmlns:a16="http://schemas.microsoft.com/office/drawing/2014/main" id="{21EC946E-54DE-4627-B44D-0E3F1BFAE0EE}"/>
               </a:ext>
             </a:extLst>
           </p:cNvPr>
@@ -11323,7 +11574,7 @@
           <p:cNvPr id="180" name="Connecteur droit 179">
             <a:extLst>
               <a:ext uri="{FF2B5EF4-FFF2-40B4-BE49-F238E27FC236}">
-                <a16:creationId xmlns:a16="http://schemas.microsoft.com/office/drawing/2014/main" xmlns="" id="{28A0F310-6E96-4389-B3C9-09E0581A8390}"/>
+                <a16:creationId xmlns:a16="http://schemas.microsoft.com/office/drawing/2014/main" id="{28A0F310-6E96-4389-B3C9-09E0581A8390}"/>
               </a:ext>
             </a:extLst>
           </p:cNvPr>
@@ -11366,7 +11617,7 @@
           <p:cNvPr id="181" name="Connecteur droit 180">
             <a:extLst>
               <a:ext uri="{FF2B5EF4-FFF2-40B4-BE49-F238E27FC236}">
-                <a16:creationId xmlns:a16="http://schemas.microsoft.com/office/drawing/2014/main" xmlns="" id="{6E67D4A9-2442-4176-917A-BEE41F94EF5D}"/>
+                <a16:creationId xmlns:a16="http://schemas.microsoft.com/office/drawing/2014/main" id="{6E67D4A9-2442-4176-917A-BEE41F94EF5D}"/>
               </a:ext>
             </a:extLst>
           </p:cNvPr>
@@ -11409,7 +11660,7 @@
           <p:cNvPr id="184" name="Connecteur droit 183">
             <a:extLst>
               <a:ext uri="{FF2B5EF4-FFF2-40B4-BE49-F238E27FC236}">
-                <a16:creationId xmlns:a16="http://schemas.microsoft.com/office/drawing/2014/main" xmlns="" id="{925E38CE-3F66-4D02-BE9A-AE1BF229C114}"/>
+                <a16:creationId xmlns:a16="http://schemas.microsoft.com/office/drawing/2014/main" id="{925E38CE-3F66-4D02-BE9A-AE1BF229C114}"/>
               </a:ext>
             </a:extLst>
           </p:cNvPr>
@@ -11452,7 +11703,7 @@
           <p:cNvPr id="187" name="Connecteur droit 186">
             <a:extLst>
               <a:ext uri="{FF2B5EF4-FFF2-40B4-BE49-F238E27FC236}">
-                <a16:creationId xmlns:a16="http://schemas.microsoft.com/office/drawing/2014/main" xmlns="" id="{511012FD-6B6E-4D33-A981-FEB99C5F4E2A}"/>
+                <a16:creationId xmlns:a16="http://schemas.microsoft.com/office/drawing/2014/main" id="{511012FD-6B6E-4D33-A981-FEB99C5F4E2A}"/>
               </a:ext>
             </a:extLst>
           </p:cNvPr>
@@ -11493,7 +11744,7 @@
           <p:cNvPr id="188" name="Connecteur droit 187">
             <a:extLst>
               <a:ext uri="{FF2B5EF4-FFF2-40B4-BE49-F238E27FC236}">
-                <a16:creationId xmlns:a16="http://schemas.microsoft.com/office/drawing/2014/main" xmlns="" id="{9289FB43-392C-409B-95C0-72D5627420B1}"/>
+                <a16:creationId xmlns:a16="http://schemas.microsoft.com/office/drawing/2014/main" id="{9289FB43-392C-409B-95C0-72D5627420B1}"/>
               </a:ext>
             </a:extLst>
           </p:cNvPr>
@@ -11536,7 +11787,7 @@
           <p:cNvPr id="193" name="Connecteur droit 192">
             <a:extLst>
               <a:ext uri="{FF2B5EF4-FFF2-40B4-BE49-F238E27FC236}">
-                <a16:creationId xmlns:a16="http://schemas.microsoft.com/office/drawing/2014/main" xmlns="" id="{B7872E8D-F52F-41D9-8D37-851C7F41201F}"/>
+                <a16:creationId xmlns:a16="http://schemas.microsoft.com/office/drawing/2014/main" id="{B7872E8D-F52F-41D9-8D37-851C7F41201F}"/>
               </a:ext>
             </a:extLst>
           </p:cNvPr>
@@ -11579,7 +11830,7 @@
           <p:cNvPr id="195" name="Connecteur droit 194">
             <a:extLst>
               <a:ext uri="{FF2B5EF4-FFF2-40B4-BE49-F238E27FC236}">
-                <a16:creationId xmlns:a16="http://schemas.microsoft.com/office/drawing/2014/main" xmlns="" id="{D90DAFC9-E8F8-489D-AAE4-F37748355BF0}"/>
+                <a16:creationId xmlns:a16="http://schemas.microsoft.com/office/drawing/2014/main" id="{D90DAFC9-E8F8-489D-AAE4-F37748355BF0}"/>
               </a:ext>
             </a:extLst>
           </p:cNvPr>
@@ -11622,7 +11873,7 @@
           <p:cNvPr id="199" name="Rectangle 198">
             <a:extLst>
               <a:ext uri="{FF2B5EF4-FFF2-40B4-BE49-F238E27FC236}">
-                <a16:creationId xmlns:a16="http://schemas.microsoft.com/office/drawing/2014/main" xmlns="" id="{37B61A2E-9820-47BE-9894-95BA491104F6}"/>
+                <a16:creationId xmlns:a16="http://schemas.microsoft.com/office/drawing/2014/main" id="{37B61A2E-9820-47BE-9894-95BA491104F6}"/>
               </a:ext>
             </a:extLst>
           </p:cNvPr>
@@ -11684,7 +11935,7 @@
           <p:cNvPr id="200" name="Ellipse 199">
             <a:extLst>
               <a:ext uri="{FF2B5EF4-FFF2-40B4-BE49-F238E27FC236}">
-                <a16:creationId xmlns:a16="http://schemas.microsoft.com/office/drawing/2014/main" xmlns="" id="{D8092E90-0749-4301-B3E6-DF27A5209E28}"/>
+                <a16:creationId xmlns:a16="http://schemas.microsoft.com/office/drawing/2014/main" id="{D8092E90-0749-4301-B3E6-DF27A5209E28}"/>
               </a:ext>
             </a:extLst>
           </p:cNvPr>
@@ -11742,7 +11993,7 @@
           <p:cNvPr id="201" name="Connecteur : en angle 200">
             <a:extLst>
               <a:ext uri="{FF2B5EF4-FFF2-40B4-BE49-F238E27FC236}">
-                <a16:creationId xmlns:a16="http://schemas.microsoft.com/office/drawing/2014/main" xmlns="" id="{A2B766CD-8A08-4214-98F6-2DC542C7C64C}"/>
+                <a16:creationId xmlns:a16="http://schemas.microsoft.com/office/drawing/2014/main" id="{A2B766CD-8A08-4214-98F6-2DC542C7C64C}"/>
               </a:ext>
             </a:extLst>
           </p:cNvPr>
@@ -11788,7 +12039,7 @@
           <p:cNvPr id="205" name="ZoneTexte 204">
             <a:extLst>
               <a:ext uri="{FF2B5EF4-FFF2-40B4-BE49-F238E27FC236}">
-                <a16:creationId xmlns:a16="http://schemas.microsoft.com/office/drawing/2014/main" xmlns="" id="{ABCE727B-9CB1-431B-98B3-4AAD463BF987}"/>
+                <a16:creationId xmlns:a16="http://schemas.microsoft.com/office/drawing/2014/main" id="{ABCE727B-9CB1-431B-98B3-4AAD463BF987}"/>
               </a:ext>
             </a:extLst>
           </p:cNvPr>
@@ -11827,7 +12078,7 @@
           <p:cNvPr id="206" name="ZoneTexte 205">
             <a:extLst>
               <a:ext uri="{FF2B5EF4-FFF2-40B4-BE49-F238E27FC236}">
-                <a16:creationId xmlns:a16="http://schemas.microsoft.com/office/drawing/2014/main" xmlns="" id="{9E974717-F8F8-46BF-A84C-D188E6499D7F}"/>
+                <a16:creationId xmlns:a16="http://schemas.microsoft.com/office/drawing/2014/main" id="{9E974717-F8F8-46BF-A84C-D188E6499D7F}"/>
               </a:ext>
             </a:extLst>
           </p:cNvPr>
@@ -11866,7 +12117,7 @@
           <p:cNvPr id="208" name="Connecteur droit 207">
             <a:extLst>
               <a:ext uri="{FF2B5EF4-FFF2-40B4-BE49-F238E27FC236}">
-                <a16:creationId xmlns:a16="http://schemas.microsoft.com/office/drawing/2014/main" xmlns="" id="{32F07C00-3CAA-44BE-B160-0BCA7F131D04}"/>
+                <a16:creationId xmlns:a16="http://schemas.microsoft.com/office/drawing/2014/main" id="{32F07C00-3CAA-44BE-B160-0BCA7F131D04}"/>
               </a:ext>
             </a:extLst>
           </p:cNvPr>
@@ -11909,7 +12160,7 @@
           <p:cNvPr id="209" name="Connecteur droit 208">
             <a:extLst>
               <a:ext uri="{FF2B5EF4-FFF2-40B4-BE49-F238E27FC236}">
-                <a16:creationId xmlns:a16="http://schemas.microsoft.com/office/drawing/2014/main" xmlns="" id="{A86DA086-44F7-4125-85E4-D626484ED0E8}"/>
+                <a16:creationId xmlns:a16="http://schemas.microsoft.com/office/drawing/2014/main" id="{A86DA086-44F7-4125-85E4-D626484ED0E8}"/>
               </a:ext>
             </a:extLst>
           </p:cNvPr>
@@ -11952,7 +12203,7 @@
           <p:cNvPr id="213" name="Connecteur droit 212">
             <a:extLst>
               <a:ext uri="{FF2B5EF4-FFF2-40B4-BE49-F238E27FC236}">
-                <a16:creationId xmlns:a16="http://schemas.microsoft.com/office/drawing/2014/main" xmlns="" id="{B6A88422-4190-4E1D-91B4-9817EE4E95B7}"/>
+                <a16:creationId xmlns:a16="http://schemas.microsoft.com/office/drawing/2014/main" id="{B6A88422-4190-4E1D-91B4-9817EE4E95B7}"/>
               </a:ext>
             </a:extLst>
           </p:cNvPr>
@@ -11995,7 +12246,7 @@
           <p:cNvPr id="214" name="Connecteur droit 213">
             <a:extLst>
               <a:ext uri="{FF2B5EF4-FFF2-40B4-BE49-F238E27FC236}">
-                <a16:creationId xmlns:a16="http://schemas.microsoft.com/office/drawing/2014/main" xmlns="" id="{313B2DEF-2A98-4307-8A4A-CEA6BD4A89AC}"/>
+                <a16:creationId xmlns:a16="http://schemas.microsoft.com/office/drawing/2014/main" id="{313B2DEF-2A98-4307-8A4A-CEA6BD4A89AC}"/>
               </a:ext>
             </a:extLst>
           </p:cNvPr>
@@ -12038,7 +12289,7 @@
           <p:cNvPr id="230" name="Ellipse 229">
             <a:extLst>
               <a:ext uri="{FF2B5EF4-FFF2-40B4-BE49-F238E27FC236}">
-                <a16:creationId xmlns:a16="http://schemas.microsoft.com/office/drawing/2014/main" xmlns="" id="{067A03A5-18CC-44D9-9BB9-96B25F0CCA43}"/>
+                <a16:creationId xmlns:a16="http://schemas.microsoft.com/office/drawing/2014/main" id="{067A03A5-18CC-44D9-9BB9-96B25F0CCA43}"/>
               </a:ext>
             </a:extLst>
           </p:cNvPr>
@@ -12096,7 +12347,7 @@
           <p:cNvPr id="231" name="Rectangle 230">
             <a:extLst>
               <a:ext uri="{FF2B5EF4-FFF2-40B4-BE49-F238E27FC236}">
-                <a16:creationId xmlns:a16="http://schemas.microsoft.com/office/drawing/2014/main" xmlns="" id="{7C3B3CB7-453E-4278-BC8B-7728A34E67E5}"/>
+                <a16:creationId xmlns:a16="http://schemas.microsoft.com/office/drawing/2014/main" id="{7C3B3CB7-453E-4278-BC8B-7728A34E67E5}"/>
               </a:ext>
             </a:extLst>
           </p:cNvPr>
@@ -12151,7 +12402,7 @@
           <p:cNvPr id="232" name="Connecteur droit avec flèche 231">
             <a:extLst>
               <a:ext uri="{FF2B5EF4-FFF2-40B4-BE49-F238E27FC236}">
-                <a16:creationId xmlns:a16="http://schemas.microsoft.com/office/drawing/2014/main" xmlns="" id="{50F272C2-5287-4AC4-9DD7-BB873F141236}"/>
+                <a16:creationId xmlns:a16="http://schemas.microsoft.com/office/drawing/2014/main" id="{50F272C2-5287-4AC4-9DD7-BB873F141236}"/>
               </a:ext>
             </a:extLst>
           </p:cNvPr>
@@ -12199,7 +12450,7 @@
           <p:cNvPr id="236" name="Rectangle 235">
             <a:extLst>
               <a:ext uri="{FF2B5EF4-FFF2-40B4-BE49-F238E27FC236}">
-                <a16:creationId xmlns:a16="http://schemas.microsoft.com/office/drawing/2014/main" xmlns="" id="{F7F9F801-1268-4F3E-82B5-1D80C5676705}"/>
+                <a16:creationId xmlns:a16="http://schemas.microsoft.com/office/drawing/2014/main" id="{F7F9F801-1268-4F3E-82B5-1D80C5676705}"/>
               </a:ext>
             </a:extLst>
           </p:cNvPr>
@@ -12255,7 +12506,7 @@
           <p:cNvPr id="237" name="Ellipse 236">
             <a:extLst>
               <a:ext uri="{FF2B5EF4-FFF2-40B4-BE49-F238E27FC236}">
-                <a16:creationId xmlns:a16="http://schemas.microsoft.com/office/drawing/2014/main" xmlns="" id="{FCDA0CF3-A58B-4A67-BA40-FB0C71B882FB}"/>
+                <a16:creationId xmlns:a16="http://schemas.microsoft.com/office/drawing/2014/main" id="{FCDA0CF3-A58B-4A67-BA40-FB0C71B882FB}"/>
               </a:ext>
             </a:extLst>
           </p:cNvPr>
@@ -12313,7 +12564,7 @@
           <p:cNvPr id="238" name="Connecteur : en angle 237">
             <a:extLst>
               <a:ext uri="{FF2B5EF4-FFF2-40B4-BE49-F238E27FC236}">
-                <a16:creationId xmlns:a16="http://schemas.microsoft.com/office/drawing/2014/main" xmlns="" id="{C90BACA0-40FF-4E93-95CB-464B31B6E2EF}"/>
+                <a16:creationId xmlns:a16="http://schemas.microsoft.com/office/drawing/2014/main" id="{C90BACA0-40FF-4E93-95CB-464B31B6E2EF}"/>
               </a:ext>
             </a:extLst>
           </p:cNvPr>
@@ -12361,7 +12612,7 @@
           <p:cNvPr id="239" name="Connecteur droit 238">
             <a:extLst>
               <a:ext uri="{FF2B5EF4-FFF2-40B4-BE49-F238E27FC236}">
-                <a16:creationId xmlns:a16="http://schemas.microsoft.com/office/drawing/2014/main" xmlns="" id="{1829FB8F-0E3F-47CF-A843-735D8175B90E}"/>
+                <a16:creationId xmlns:a16="http://schemas.microsoft.com/office/drawing/2014/main" id="{1829FB8F-0E3F-47CF-A843-735D8175B90E}"/>
               </a:ext>
             </a:extLst>
           </p:cNvPr>
@@ -12404,7 +12655,7 @@
           <p:cNvPr id="240" name="Connecteur droit 239">
             <a:extLst>
               <a:ext uri="{FF2B5EF4-FFF2-40B4-BE49-F238E27FC236}">
-                <a16:creationId xmlns:a16="http://schemas.microsoft.com/office/drawing/2014/main" xmlns="" id="{DEC29F77-29D9-4C03-9D10-1DF829A1C4BA}"/>
+                <a16:creationId xmlns:a16="http://schemas.microsoft.com/office/drawing/2014/main" id="{DEC29F77-29D9-4C03-9D10-1DF829A1C4BA}"/>
               </a:ext>
             </a:extLst>
           </p:cNvPr>
@@ -12447,7 +12698,7 @@
           <p:cNvPr id="242" name="Rectangle 241">
             <a:extLst>
               <a:ext uri="{FF2B5EF4-FFF2-40B4-BE49-F238E27FC236}">
-                <a16:creationId xmlns:a16="http://schemas.microsoft.com/office/drawing/2014/main" xmlns="" id="{B0360F2D-1697-43D5-B3CA-0E49A8BAB095}"/>
+                <a16:creationId xmlns:a16="http://schemas.microsoft.com/office/drawing/2014/main" id="{B0360F2D-1697-43D5-B3CA-0E49A8BAB095}"/>
               </a:ext>
             </a:extLst>
           </p:cNvPr>
@@ -12499,7 +12750,7 @@
           <p:cNvPr id="243" name="Ellipse 242">
             <a:extLst>
               <a:ext uri="{FF2B5EF4-FFF2-40B4-BE49-F238E27FC236}">
-                <a16:creationId xmlns:a16="http://schemas.microsoft.com/office/drawing/2014/main" xmlns="" id="{F4E99CB5-2A95-4DCD-B8D9-527C49399FD4}"/>
+                <a16:creationId xmlns:a16="http://schemas.microsoft.com/office/drawing/2014/main" id="{F4E99CB5-2A95-4DCD-B8D9-527C49399FD4}"/>
               </a:ext>
             </a:extLst>
           </p:cNvPr>
@@ -12557,7 +12808,7 @@
           <p:cNvPr id="244" name="Connecteur : en angle 243">
             <a:extLst>
               <a:ext uri="{FF2B5EF4-FFF2-40B4-BE49-F238E27FC236}">
-                <a16:creationId xmlns:a16="http://schemas.microsoft.com/office/drawing/2014/main" xmlns="" id="{617327C0-D408-4E10-B287-4BFBA573BF89}"/>
+                <a16:creationId xmlns:a16="http://schemas.microsoft.com/office/drawing/2014/main" id="{617327C0-D408-4E10-B287-4BFBA573BF89}"/>
               </a:ext>
             </a:extLst>
           </p:cNvPr>
@@ -12605,7 +12856,7 @@
           <p:cNvPr id="245" name="Connecteur droit 244">
             <a:extLst>
               <a:ext uri="{FF2B5EF4-FFF2-40B4-BE49-F238E27FC236}">
-                <a16:creationId xmlns:a16="http://schemas.microsoft.com/office/drawing/2014/main" xmlns="" id="{3BB9403F-E91B-4C5A-92F8-2F8EF5EA19BF}"/>
+                <a16:creationId xmlns:a16="http://schemas.microsoft.com/office/drawing/2014/main" id="{3BB9403F-E91B-4C5A-92F8-2F8EF5EA19BF}"/>
               </a:ext>
             </a:extLst>
           </p:cNvPr>
@@ -12648,7 +12899,7 @@
           <p:cNvPr id="246" name="Connecteur droit 245">
             <a:extLst>
               <a:ext uri="{FF2B5EF4-FFF2-40B4-BE49-F238E27FC236}">
-                <a16:creationId xmlns:a16="http://schemas.microsoft.com/office/drawing/2014/main" xmlns="" id="{6041F5A0-D461-463D-8608-1296F6D18CB1}"/>
+                <a16:creationId xmlns:a16="http://schemas.microsoft.com/office/drawing/2014/main" id="{6041F5A0-D461-463D-8608-1296F6D18CB1}"/>
               </a:ext>
             </a:extLst>
           </p:cNvPr>
@@ -12691,7 +12942,7 @@
           <p:cNvPr id="137" name="ZoneTexte 136">
             <a:extLst>
               <a:ext uri="{FF2B5EF4-FFF2-40B4-BE49-F238E27FC236}">
-                <a16:creationId xmlns:a16="http://schemas.microsoft.com/office/drawing/2014/main" xmlns="" id="{12D91E48-A88F-41C1-9D32-E03424E9D397}"/>
+                <a16:creationId xmlns:a16="http://schemas.microsoft.com/office/drawing/2014/main" id="{12D91E48-A88F-41C1-9D32-E03424E9D397}"/>
               </a:ext>
             </a:extLst>
           </p:cNvPr>
@@ -12730,7 +12981,7 @@
           <p:cNvPr id="141" name="Connecteur droit 140">
             <a:extLst>
               <a:ext uri="{FF2B5EF4-FFF2-40B4-BE49-F238E27FC236}">
-                <a16:creationId xmlns:a16="http://schemas.microsoft.com/office/drawing/2014/main" xmlns="" id="{01FDF595-170F-4BF1-94F5-665446828982}"/>
+                <a16:creationId xmlns:a16="http://schemas.microsoft.com/office/drawing/2014/main" id="{01FDF595-170F-4BF1-94F5-665446828982}"/>
               </a:ext>
             </a:extLst>
           </p:cNvPr>
@@ -12773,7 +13024,7 @@
           <p:cNvPr id="217" name="Rectangle 216">
             <a:extLst>
               <a:ext uri="{FF2B5EF4-FFF2-40B4-BE49-F238E27FC236}">
-                <a16:creationId xmlns:a16="http://schemas.microsoft.com/office/drawing/2014/main" xmlns="" id="{790B2BAD-34A4-47EA-83F0-A1C292738D00}"/>
+                <a16:creationId xmlns:a16="http://schemas.microsoft.com/office/drawing/2014/main" id="{790B2BAD-34A4-47EA-83F0-A1C292738D00}"/>
               </a:ext>
             </a:extLst>
           </p:cNvPr>
@@ -12818,7 +13069,7 @@
           <p:cNvPr id="258" name="Rectangle 257">
             <a:extLst>
               <a:ext uri="{FF2B5EF4-FFF2-40B4-BE49-F238E27FC236}">
-                <a16:creationId xmlns:a16="http://schemas.microsoft.com/office/drawing/2014/main" xmlns="" id="{A8934948-D353-443C-9494-E94F2247104C}"/>
+                <a16:creationId xmlns:a16="http://schemas.microsoft.com/office/drawing/2014/main" id="{A8934948-D353-443C-9494-E94F2247104C}"/>
               </a:ext>
             </a:extLst>
           </p:cNvPr>
@@ -12874,7 +13125,7 @@
           <p:cNvPr id="259" name="Ellipse 258">
             <a:extLst>
               <a:ext uri="{FF2B5EF4-FFF2-40B4-BE49-F238E27FC236}">
-                <a16:creationId xmlns:a16="http://schemas.microsoft.com/office/drawing/2014/main" xmlns="" id="{1FD6529A-EE59-4678-8D04-8C9E8BFB8C38}"/>
+                <a16:creationId xmlns:a16="http://schemas.microsoft.com/office/drawing/2014/main" id="{1FD6529A-EE59-4678-8D04-8C9E8BFB8C38}"/>
               </a:ext>
             </a:extLst>
           </p:cNvPr>
@@ -12932,7 +13183,7 @@
           <p:cNvPr id="260" name="Connecteur : en angle 259">
             <a:extLst>
               <a:ext uri="{FF2B5EF4-FFF2-40B4-BE49-F238E27FC236}">
-                <a16:creationId xmlns:a16="http://schemas.microsoft.com/office/drawing/2014/main" xmlns="" id="{D1FBA56D-EDAD-46DA-81BF-D4386DC93707}"/>
+                <a16:creationId xmlns:a16="http://schemas.microsoft.com/office/drawing/2014/main" id="{D1FBA56D-EDAD-46DA-81BF-D4386DC93707}"/>
               </a:ext>
             </a:extLst>
           </p:cNvPr>
@@ -12980,7 +13231,7 @@
           <p:cNvPr id="261" name="Connecteur droit 260">
             <a:extLst>
               <a:ext uri="{FF2B5EF4-FFF2-40B4-BE49-F238E27FC236}">
-                <a16:creationId xmlns:a16="http://schemas.microsoft.com/office/drawing/2014/main" xmlns="" id="{6AD23122-D6FF-42D4-AE77-4750C80F3435}"/>
+                <a16:creationId xmlns:a16="http://schemas.microsoft.com/office/drawing/2014/main" id="{6AD23122-D6FF-42D4-AE77-4750C80F3435}"/>
               </a:ext>
             </a:extLst>
           </p:cNvPr>
@@ -13023,7 +13274,7 @@
           <p:cNvPr id="262" name="Connecteur droit 261">
             <a:extLst>
               <a:ext uri="{FF2B5EF4-FFF2-40B4-BE49-F238E27FC236}">
-                <a16:creationId xmlns:a16="http://schemas.microsoft.com/office/drawing/2014/main" xmlns="" id="{23517D7B-A9FF-40CF-A440-E22CB0EF2C14}"/>
+                <a16:creationId xmlns:a16="http://schemas.microsoft.com/office/drawing/2014/main" id="{23517D7B-A9FF-40CF-A440-E22CB0EF2C14}"/>
               </a:ext>
             </a:extLst>
           </p:cNvPr>
@@ -13066,7 +13317,7 @@
           <p:cNvPr id="263" name="Rectangle 262">
             <a:extLst>
               <a:ext uri="{FF2B5EF4-FFF2-40B4-BE49-F238E27FC236}">
-                <a16:creationId xmlns:a16="http://schemas.microsoft.com/office/drawing/2014/main" xmlns="" id="{B132A14A-86D5-413E-A856-E1AEF1777E11}"/>
+                <a16:creationId xmlns:a16="http://schemas.microsoft.com/office/drawing/2014/main" id="{B132A14A-86D5-413E-A856-E1AEF1777E11}"/>
               </a:ext>
             </a:extLst>
           </p:cNvPr>
@@ -13122,7 +13373,7 @@
           <p:cNvPr id="264" name="Ellipse 263">
             <a:extLst>
               <a:ext uri="{FF2B5EF4-FFF2-40B4-BE49-F238E27FC236}">
-                <a16:creationId xmlns:a16="http://schemas.microsoft.com/office/drawing/2014/main" xmlns="" id="{58AF513B-0F85-455A-9428-07DAF80B4E75}"/>
+                <a16:creationId xmlns:a16="http://schemas.microsoft.com/office/drawing/2014/main" id="{58AF513B-0F85-455A-9428-07DAF80B4E75}"/>
               </a:ext>
             </a:extLst>
           </p:cNvPr>
@@ -13180,7 +13431,7 @@
           <p:cNvPr id="265" name="Connecteur : en angle 264">
             <a:extLst>
               <a:ext uri="{FF2B5EF4-FFF2-40B4-BE49-F238E27FC236}">
-                <a16:creationId xmlns:a16="http://schemas.microsoft.com/office/drawing/2014/main" xmlns="" id="{92B8744F-7697-46BA-B9CA-5D992706C398}"/>
+                <a16:creationId xmlns:a16="http://schemas.microsoft.com/office/drawing/2014/main" id="{92B8744F-7697-46BA-B9CA-5D992706C398}"/>
               </a:ext>
             </a:extLst>
           </p:cNvPr>
@@ -13228,7 +13479,7 @@
           <p:cNvPr id="266" name="Connecteur droit 265">
             <a:extLst>
               <a:ext uri="{FF2B5EF4-FFF2-40B4-BE49-F238E27FC236}">
-                <a16:creationId xmlns:a16="http://schemas.microsoft.com/office/drawing/2014/main" xmlns="" id="{F464F8B3-170E-4EE8-B9C7-A75C82DCF8EC}"/>
+                <a16:creationId xmlns:a16="http://schemas.microsoft.com/office/drawing/2014/main" id="{F464F8B3-170E-4EE8-B9C7-A75C82DCF8EC}"/>
               </a:ext>
             </a:extLst>
           </p:cNvPr>
@@ -13271,7 +13522,7 @@
           <p:cNvPr id="267" name="Connecteur droit 266">
             <a:extLst>
               <a:ext uri="{FF2B5EF4-FFF2-40B4-BE49-F238E27FC236}">
-                <a16:creationId xmlns:a16="http://schemas.microsoft.com/office/drawing/2014/main" xmlns="" id="{0DB4D7B6-7117-4F0D-AEE1-1613A5D470A5}"/>
+                <a16:creationId xmlns:a16="http://schemas.microsoft.com/office/drawing/2014/main" id="{0DB4D7B6-7117-4F0D-AEE1-1613A5D470A5}"/>
               </a:ext>
             </a:extLst>
           </p:cNvPr>
@@ -13314,7 +13565,7 @@
           <p:cNvPr id="268" name="Rectangle 267">
             <a:extLst>
               <a:ext uri="{FF2B5EF4-FFF2-40B4-BE49-F238E27FC236}">
-                <a16:creationId xmlns:a16="http://schemas.microsoft.com/office/drawing/2014/main" xmlns="" id="{7897D7A2-5E75-4501-BB3C-92F585BAF648}"/>
+                <a16:creationId xmlns:a16="http://schemas.microsoft.com/office/drawing/2014/main" id="{7897D7A2-5E75-4501-BB3C-92F585BAF648}"/>
               </a:ext>
             </a:extLst>
           </p:cNvPr>
@@ -13361,7 +13612,7 @@
           <p:cNvPr id="269" name="Ellipse 268">
             <a:extLst>
               <a:ext uri="{FF2B5EF4-FFF2-40B4-BE49-F238E27FC236}">
-                <a16:creationId xmlns:a16="http://schemas.microsoft.com/office/drawing/2014/main" xmlns="" id="{482E783A-26A0-493E-9A2B-92068D36FC14}"/>
+                <a16:creationId xmlns:a16="http://schemas.microsoft.com/office/drawing/2014/main" id="{482E783A-26A0-493E-9A2B-92068D36FC14}"/>
               </a:ext>
             </a:extLst>
           </p:cNvPr>
@@ -13419,7 +13670,7 @@
           <p:cNvPr id="270" name="Connecteur : en angle 269">
             <a:extLst>
               <a:ext uri="{FF2B5EF4-FFF2-40B4-BE49-F238E27FC236}">
-                <a16:creationId xmlns:a16="http://schemas.microsoft.com/office/drawing/2014/main" xmlns="" id="{D4CD868F-283C-4E65-9AC4-52DF4F4A5B21}"/>
+                <a16:creationId xmlns:a16="http://schemas.microsoft.com/office/drawing/2014/main" id="{D4CD868F-283C-4E65-9AC4-52DF4F4A5B21}"/>
               </a:ext>
             </a:extLst>
           </p:cNvPr>
@@ -13467,7 +13718,7 @@
           <p:cNvPr id="271" name="Connecteur droit 270">
             <a:extLst>
               <a:ext uri="{FF2B5EF4-FFF2-40B4-BE49-F238E27FC236}">
-                <a16:creationId xmlns:a16="http://schemas.microsoft.com/office/drawing/2014/main" xmlns="" id="{88ADC6DC-198C-427B-8652-6607F84EA21D}"/>
+                <a16:creationId xmlns:a16="http://schemas.microsoft.com/office/drawing/2014/main" id="{88ADC6DC-198C-427B-8652-6607F84EA21D}"/>
               </a:ext>
             </a:extLst>
           </p:cNvPr>
@@ -13510,7 +13761,7 @@
           <p:cNvPr id="272" name="Connecteur droit 271">
             <a:extLst>
               <a:ext uri="{FF2B5EF4-FFF2-40B4-BE49-F238E27FC236}">
-                <a16:creationId xmlns:a16="http://schemas.microsoft.com/office/drawing/2014/main" xmlns="" id="{FF547637-F284-4BBB-A643-3AC1F792ED80}"/>
+                <a16:creationId xmlns:a16="http://schemas.microsoft.com/office/drawing/2014/main" id="{FF547637-F284-4BBB-A643-3AC1F792ED80}"/>
               </a:ext>
             </a:extLst>
           </p:cNvPr>
@@ -13553,7 +13804,7 @@
           <p:cNvPr id="159" name="Connecteur droit avec flèche 158">
             <a:extLst>
               <a:ext uri="{FF2B5EF4-FFF2-40B4-BE49-F238E27FC236}">
-                <a16:creationId xmlns:a16="http://schemas.microsoft.com/office/drawing/2014/main" xmlns="" id="{535E4D86-C1FB-45CC-BCB5-6442636C311C}"/>
+                <a16:creationId xmlns:a16="http://schemas.microsoft.com/office/drawing/2014/main" id="{535E4D86-C1FB-45CC-BCB5-6442636C311C}"/>
               </a:ext>
             </a:extLst>
           </p:cNvPr>
@@ -13601,7 +13852,7 @@
           <p:cNvPr id="160" name="Rectangle 159">
             <a:extLst>
               <a:ext uri="{FF2B5EF4-FFF2-40B4-BE49-F238E27FC236}">
-                <a16:creationId xmlns:a16="http://schemas.microsoft.com/office/drawing/2014/main" xmlns="" id="{4F39589D-FD9C-4C7E-BB04-9CCC1AC7FA32}"/>
+                <a16:creationId xmlns:a16="http://schemas.microsoft.com/office/drawing/2014/main" id="{4F39589D-FD9C-4C7E-BB04-9CCC1AC7FA32}"/>
               </a:ext>
             </a:extLst>
           </p:cNvPr>
@@ -13642,7 +13893,7 @@
           <p:cNvPr id="161" name="Ellipse 160">
             <a:extLst>
               <a:ext uri="{FF2B5EF4-FFF2-40B4-BE49-F238E27FC236}">
-                <a16:creationId xmlns:a16="http://schemas.microsoft.com/office/drawing/2014/main" xmlns="" id="{1AB05B3F-B21F-4CF0-A8A2-D11E6451CBED}"/>
+                <a16:creationId xmlns:a16="http://schemas.microsoft.com/office/drawing/2014/main" id="{1AB05B3F-B21F-4CF0-A8A2-D11E6451CBED}"/>
               </a:ext>
             </a:extLst>
           </p:cNvPr>
@@ -13711,7 +13962,7 @@
           <p:cNvPr id="162" name="Ellipse 161">
             <a:extLst>
               <a:ext uri="{FF2B5EF4-FFF2-40B4-BE49-F238E27FC236}">
-                <a16:creationId xmlns:a16="http://schemas.microsoft.com/office/drawing/2014/main" xmlns="" id="{CC333C84-32FB-4B66-B854-141F1157DBDA}"/>
+                <a16:creationId xmlns:a16="http://schemas.microsoft.com/office/drawing/2014/main" id="{CC333C84-32FB-4B66-B854-141F1157DBDA}"/>
               </a:ext>
             </a:extLst>
           </p:cNvPr>
@@ -13780,7 +14031,7 @@
           <p:cNvPr id="166" name="Connecteur droit avec flèche 165">
             <a:extLst>
               <a:ext uri="{FF2B5EF4-FFF2-40B4-BE49-F238E27FC236}">
-                <a16:creationId xmlns:a16="http://schemas.microsoft.com/office/drawing/2014/main" xmlns="" id="{810B0E8E-19FE-4E6B-94F6-702B13B4E8AA}"/>
+                <a16:creationId xmlns:a16="http://schemas.microsoft.com/office/drawing/2014/main" id="{810B0E8E-19FE-4E6B-94F6-702B13B4E8AA}"/>
               </a:ext>
             </a:extLst>
           </p:cNvPr>
@@ -13827,7 +14078,7 @@
           <p:cNvPr id="167" name="Rectangle 166">
             <a:extLst>
               <a:ext uri="{FF2B5EF4-FFF2-40B4-BE49-F238E27FC236}">
-                <a16:creationId xmlns:a16="http://schemas.microsoft.com/office/drawing/2014/main" xmlns="" id="{77B03670-B5FA-4A36-92C2-2F924C722AF4}"/>
+                <a16:creationId xmlns:a16="http://schemas.microsoft.com/office/drawing/2014/main" id="{77B03670-B5FA-4A36-92C2-2F924C722AF4}"/>
               </a:ext>
             </a:extLst>
           </p:cNvPr>
@@ -13886,7 +14137,7 @@
           <p:cNvPr id="169" name="ZoneTexte 168">
             <a:extLst>
               <a:ext uri="{FF2B5EF4-FFF2-40B4-BE49-F238E27FC236}">
-                <a16:creationId xmlns:a16="http://schemas.microsoft.com/office/drawing/2014/main" xmlns="" id="{54B8D76F-DE9C-4089-BBAE-BD1A8FF2B020}"/>
+                <a16:creationId xmlns:a16="http://schemas.microsoft.com/office/drawing/2014/main" id="{54B8D76F-DE9C-4089-BBAE-BD1A8FF2B020}"/>
               </a:ext>
             </a:extLst>
           </p:cNvPr>
@@ -13925,7 +14176,7 @@
           <p:cNvPr id="173" name="Rectangle 172">
             <a:extLst>
               <a:ext uri="{FF2B5EF4-FFF2-40B4-BE49-F238E27FC236}">
-                <a16:creationId xmlns:a16="http://schemas.microsoft.com/office/drawing/2014/main" xmlns="" id="{00E3B060-22D5-44DE-99AD-4242E6589F3B}"/>
+                <a16:creationId xmlns:a16="http://schemas.microsoft.com/office/drawing/2014/main" id="{00E3B060-22D5-44DE-99AD-4242E6589F3B}"/>
               </a:ext>
             </a:extLst>
           </p:cNvPr>
@@ -13973,7 +14224,7 @@
           <p:cNvPr id="178" name="Ellipse 177">
             <a:extLst>
               <a:ext uri="{FF2B5EF4-FFF2-40B4-BE49-F238E27FC236}">
-                <a16:creationId xmlns:a16="http://schemas.microsoft.com/office/drawing/2014/main" xmlns="" id="{17AFDD0D-9766-4D19-844B-8EBE8BD06F8F}"/>
+                <a16:creationId xmlns:a16="http://schemas.microsoft.com/office/drawing/2014/main" id="{17AFDD0D-9766-4D19-844B-8EBE8BD06F8F}"/>
               </a:ext>
             </a:extLst>
           </p:cNvPr>
@@ -14031,7 +14282,7 @@
           <p:cNvPr id="179" name="Connecteur : en angle 178">
             <a:extLst>
               <a:ext uri="{FF2B5EF4-FFF2-40B4-BE49-F238E27FC236}">
-                <a16:creationId xmlns:a16="http://schemas.microsoft.com/office/drawing/2014/main" xmlns="" id="{DD7498D2-2A01-408D-8300-4D83530BF18D}"/>
+                <a16:creationId xmlns:a16="http://schemas.microsoft.com/office/drawing/2014/main" id="{DD7498D2-2A01-408D-8300-4D83530BF18D}"/>
               </a:ext>
             </a:extLst>
           </p:cNvPr>
@@ -14079,7 +14330,7 @@
           <p:cNvPr id="182" name="Connecteur droit 181">
             <a:extLst>
               <a:ext uri="{FF2B5EF4-FFF2-40B4-BE49-F238E27FC236}">
-                <a16:creationId xmlns:a16="http://schemas.microsoft.com/office/drawing/2014/main" xmlns="" id="{9993923D-F2CC-4064-84C3-2FC49326B4BB}"/>
+                <a16:creationId xmlns:a16="http://schemas.microsoft.com/office/drawing/2014/main" id="{9993923D-F2CC-4064-84C3-2FC49326B4BB}"/>
               </a:ext>
             </a:extLst>
           </p:cNvPr>
@@ -14122,7 +14373,7 @@
           <p:cNvPr id="183" name="Connecteur droit 182">
             <a:extLst>
               <a:ext uri="{FF2B5EF4-FFF2-40B4-BE49-F238E27FC236}">
-                <a16:creationId xmlns:a16="http://schemas.microsoft.com/office/drawing/2014/main" xmlns="" id="{D0781954-AE7E-4115-9A2F-4CD1512055F8}"/>
+                <a16:creationId xmlns:a16="http://schemas.microsoft.com/office/drawing/2014/main" id="{D0781954-AE7E-4115-9A2F-4CD1512055F8}"/>
               </a:ext>
             </a:extLst>
           </p:cNvPr>
@@ -14165,7 +14416,7 @@
           <p:cNvPr id="185" name="ZoneTexte 184">
             <a:extLst>
               <a:ext uri="{FF2B5EF4-FFF2-40B4-BE49-F238E27FC236}">
-                <a16:creationId xmlns:a16="http://schemas.microsoft.com/office/drawing/2014/main" xmlns="" id="{62CA3368-DB00-4BDF-9964-BC8FCF6751B4}"/>
+                <a16:creationId xmlns:a16="http://schemas.microsoft.com/office/drawing/2014/main" id="{62CA3368-DB00-4BDF-9964-BC8FCF6751B4}"/>
               </a:ext>
             </a:extLst>
           </p:cNvPr>
@@ -14200,7 +14451,7 @@
           <p:cNvPr id="186" name="ZoneTexte 185">
             <a:extLst>
               <a:ext uri="{FF2B5EF4-FFF2-40B4-BE49-F238E27FC236}">
-                <a16:creationId xmlns:a16="http://schemas.microsoft.com/office/drawing/2014/main" xmlns="" id="{62BBF7AB-2F2C-44A2-84A6-9B429C441613}"/>
+                <a16:creationId xmlns:a16="http://schemas.microsoft.com/office/drawing/2014/main" id="{62BBF7AB-2F2C-44A2-84A6-9B429C441613}"/>
               </a:ext>
             </a:extLst>
           </p:cNvPr>
@@ -14235,7 +14486,7 @@
           <p:cNvPr id="189" name="ZoneTexte 188">
             <a:extLst>
               <a:ext uri="{FF2B5EF4-FFF2-40B4-BE49-F238E27FC236}">
-                <a16:creationId xmlns:a16="http://schemas.microsoft.com/office/drawing/2014/main" xmlns="" id="{AF3EC4F1-2834-4931-93A6-EF98CFDC303C}"/>
+                <a16:creationId xmlns:a16="http://schemas.microsoft.com/office/drawing/2014/main" id="{AF3EC4F1-2834-4931-93A6-EF98CFDC303C}"/>
               </a:ext>
             </a:extLst>
           </p:cNvPr>
@@ -14270,7 +14521,7 @@
           <p:cNvPr id="190" name="Ellipse 189">
             <a:extLst>
               <a:ext uri="{FF2B5EF4-FFF2-40B4-BE49-F238E27FC236}">
-                <a16:creationId xmlns:a16="http://schemas.microsoft.com/office/drawing/2014/main" xmlns="" id="{7CB799CF-F9B6-4A8A-99A5-62031BA23683}"/>
+                <a16:creationId xmlns:a16="http://schemas.microsoft.com/office/drawing/2014/main" id="{7CB799CF-F9B6-4A8A-99A5-62031BA23683}"/>
               </a:ext>
             </a:extLst>
           </p:cNvPr>
@@ -14328,7 +14579,7 @@
           <p:cNvPr id="191" name="Ellipse 190">
             <a:extLst>
               <a:ext uri="{FF2B5EF4-FFF2-40B4-BE49-F238E27FC236}">
-                <a16:creationId xmlns:a16="http://schemas.microsoft.com/office/drawing/2014/main" xmlns="" id="{8EDDAE58-BEDF-44AE-BA4E-BE96BE126CF9}"/>
+                <a16:creationId xmlns:a16="http://schemas.microsoft.com/office/drawing/2014/main" id="{8EDDAE58-BEDF-44AE-BA4E-BE96BE126CF9}"/>
               </a:ext>
             </a:extLst>
           </p:cNvPr>
@@ -14386,7 +14637,7 @@
           <p:cNvPr id="194" name="Connecteur droit avec flèche 193">
             <a:extLst>
               <a:ext uri="{FF2B5EF4-FFF2-40B4-BE49-F238E27FC236}">
-                <a16:creationId xmlns:a16="http://schemas.microsoft.com/office/drawing/2014/main" xmlns="" id="{B84946B0-A863-470B-916B-8F7E26EAD3BC}"/>
+                <a16:creationId xmlns:a16="http://schemas.microsoft.com/office/drawing/2014/main" id="{B84946B0-A863-470B-916B-8F7E26EAD3BC}"/>
               </a:ext>
             </a:extLst>
           </p:cNvPr>
@@ -14434,7 +14685,7 @@
           <p:cNvPr id="202" name="Rectangle 201">
             <a:extLst>
               <a:ext uri="{FF2B5EF4-FFF2-40B4-BE49-F238E27FC236}">
-                <a16:creationId xmlns:a16="http://schemas.microsoft.com/office/drawing/2014/main" xmlns="" id="{695128D4-DEA0-4499-96A2-401622C9BA92}"/>
+                <a16:creationId xmlns:a16="http://schemas.microsoft.com/office/drawing/2014/main" id="{695128D4-DEA0-4499-96A2-401622C9BA92}"/>
               </a:ext>
             </a:extLst>
           </p:cNvPr>
@@ -14492,7 +14743,7 @@
           <p:cNvPr id="203" name="Connecteur droit avec flèche 202">
             <a:extLst>
               <a:ext uri="{FF2B5EF4-FFF2-40B4-BE49-F238E27FC236}">
-                <a16:creationId xmlns:a16="http://schemas.microsoft.com/office/drawing/2014/main" xmlns="" id="{20A76E23-665E-4E89-A56B-1BF6F02365B5}"/>
+                <a16:creationId xmlns:a16="http://schemas.microsoft.com/office/drawing/2014/main" id="{20A76E23-665E-4E89-A56B-1BF6F02365B5}"/>
               </a:ext>
             </a:extLst>
           </p:cNvPr>
@@ -14539,7 +14790,7 @@
           <p:cNvPr id="204" name="ZoneTexte 203">
             <a:extLst>
               <a:ext uri="{FF2B5EF4-FFF2-40B4-BE49-F238E27FC236}">
-                <a16:creationId xmlns:a16="http://schemas.microsoft.com/office/drawing/2014/main" xmlns="" id="{F26AA089-304E-4D4E-8A3C-1525E7661437}"/>
+                <a16:creationId xmlns:a16="http://schemas.microsoft.com/office/drawing/2014/main" id="{F26AA089-304E-4D4E-8A3C-1525E7661437}"/>
               </a:ext>
             </a:extLst>
           </p:cNvPr>
@@ -14574,7 +14825,7 @@
           <p:cNvPr id="207" name="ZoneTexte 206">
             <a:extLst>
               <a:ext uri="{FF2B5EF4-FFF2-40B4-BE49-F238E27FC236}">
-                <a16:creationId xmlns:a16="http://schemas.microsoft.com/office/drawing/2014/main" xmlns="" id="{AC3F41CA-CE5A-4195-BB4A-A0A7A71DB0BC}"/>
+                <a16:creationId xmlns:a16="http://schemas.microsoft.com/office/drawing/2014/main" id="{AC3F41CA-CE5A-4195-BB4A-A0A7A71DB0BC}"/>
               </a:ext>
             </a:extLst>
           </p:cNvPr>
@@ -14609,7 +14860,7 @@
           <p:cNvPr id="192" name="ZoneTexte 191">
             <a:extLst>
               <a:ext uri="{FF2B5EF4-FFF2-40B4-BE49-F238E27FC236}">
-                <a16:creationId xmlns:a16="http://schemas.microsoft.com/office/drawing/2014/main" xmlns="" id="{F5631320-CDB1-4D41-92D4-168177CC2A48}"/>
+                <a16:creationId xmlns:a16="http://schemas.microsoft.com/office/drawing/2014/main" id="{F5631320-CDB1-4D41-92D4-168177CC2A48}"/>
               </a:ext>
             </a:extLst>
           </p:cNvPr>
@@ -14651,7 +14902,7 @@
           <p:cNvPr id="196" name="ZoneTexte 195">
             <a:extLst>
               <a:ext uri="{FF2B5EF4-FFF2-40B4-BE49-F238E27FC236}">
-                <a16:creationId xmlns:a16="http://schemas.microsoft.com/office/drawing/2014/main" xmlns="" id="{52938325-F99A-47EF-95B0-0AA75A8F758B}"/>
+                <a16:creationId xmlns:a16="http://schemas.microsoft.com/office/drawing/2014/main" id="{52938325-F99A-47EF-95B0-0AA75A8F758B}"/>
               </a:ext>
             </a:extLst>
           </p:cNvPr>
@@ -14693,7 +14944,7 @@
           <p:cNvPr id="197" name="Rectangle 196">
             <a:extLst>
               <a:ext uri="{FF2B5EF4-FFF2-40B4-BE49-F238E27FC236}">
-                <a16:creationId xmlns:a16="http://schemas.microsoft.com/office/drawing/2014/main" xmlns="" id="{39BC33D0-E6BE-4471-A727-3CC4811ABE1A}"/>
+                <a16:creationId xmlns:a16="http://schemas.microsoft.com/office/drawing/2014/main" id="{39BC33D0-E6BE-4471-A727-3CC4811ABE1A}"/>
               </a:ext>
             </a:extLst>
           </p:cNvPr>
@@ -14748,7 +14999,7 @@
           <p:cNvPr id="198" name="ZoneTexte 197">
             <a:extLst>
               <a:ext uri="{FF2B5EF4-FFF2-40B4-BE49-F238E27FC236}">
-                <a16:creationId xmlns:a16="http://schemas.microsoft.com/office/drawing/2014/main" xmlns="" id="{C0302400-9FE1-400A-92E9-44A4E6EB9FF8}"/>
+                <a16:creationId xmlns:a16="http://schemas.microsoft.com/office/drawing/2014/main" id="{C0302400-9FE1-400A-92E9-44A4E6EB9FF8}"/>
               </a:ext>
             </a:extLst>
           </p:cNvPr>
@@ -14790,7 +15041,7 @@
           <p:cNvPr id="210" name="Connecteur : en angle 209">
             <a:extLst>
               <a:ext uri="{FF2B5EF4-FFF2-40B4-BE49-F238E27FC236}">
-                <a16:creationId xmlns:a16="http://schemas.microsoft.com/office/drawing/2014/main" xmlns="" id="{5D825FE8-20FE-4828-A6D0-1DDE12A91141}"/>
+                <a16:creationId xmlns:a16="http://schemas.microsoft.com/office/drawing/2014/main" id="{5D825FE8-20FE-4828-A6D0-1DDE12A91141}"/>
               </a:ext>
             </a:extLst>
           </p:cNvPr>
@@ -14833,7 +15084,7 @@
           <p:cNvPr id="212" name="Connecteur : en angle 211">
             <a:extLst>
               <a:ext uri="{FF2B5EF4-FFF2-40B4-BE49-F238E27FC236}">
-                <a16:creationId xmlns:a16="http://schemas.microsoft.com/office/drawing/2014/main" xmlns="" id="{13FBC4E8-BCDA-40D9-A744-E78D9DC2510A}"/>
+                <a16:creationId xmlns:a16="http://schemas.microsoft.com/office/drawing/2014/main" id="{13FBC4E8-BCDA-40D9-A744-E78D9DC2510A}"/>
               </a:ext>
             </a:extLst>
           </p:cNvPr>
@@ -14878,7 +15129,7 @@
           <p:cNvPr id="215" name="Connecteur droit 214">
             <a:extLst>
               <a:ext uri="{FF2B5EF4-FFF2-40B4-BE49-F238E27FC236}">
-                <a16:creationId xmlns:a16="http://schemas.microsoft.com/office/drawing/2014/main" xmlns="" id="{28F3DF8C-E4A1-40A3-A99D-830C1D7FC4F2}"/>
+                <a16:creationId xmlns:a16="http://schemas.microsoft.com/office/drawing/2014/main" id="{28F3DF8C-E4A1-40A3-A99D-830C1D7FC4F2}"/>
               </a:ext>
             </a:extLst>
           </p:cNvPr>
@@ -14919,7 +15170,7 @@
           <p:cNvPr id="216" name="Connecteur droit 215">
             <a:extLst>
               <a:ext uri="{FF2B5EF4-FFF2-40B4-BE49-F238E27FC236}">
-                <a16:creationId xmlns:a16="http://schemas.microsoft.com/office/drawing/2014/main" xmlns="" id="{5194439E-4C55-40E2-B6F7-2B654FF2A1EB}"/>
+                <a16:creationId xmlns:a16="http://schemas.microsoft.com/office/drawing/2014/main" id="{5194439E-4C55-40E2-B6F7-2B654FF2A1EB}"/>
               </a:ext>
             </a:extLst>
           </p:cNvPr>
@@ -14962,7 +15213,7 @@
           <p:cNvPr id="168" name="Connecteur droit avec flèche 167">
             <a:extLst>
               <a:ext uri="{FF2B5EF4-FFF2-40B4-BE49-F238E27FC236}">
-                <a16:creationId xmlns:a16="http://schemas.microsoft.com/office/drawing/2014/main" xmlns="" id="{C43B6E4F-92BE-47C3-A642-98CC7980C9F9}"/>
+                <a16:creationId xmlns:a16="http://schemas.microsoft.com/office/drawing/2014/main" id="{C43B6E4F-92BE-47C3-A642-98CC7980C9F9}"/>
               </a:ext>
             </a:extLst>
           </p:cNvPr>
@@ -15009,7 +15260,7 @@
           <p:cNvPr id="211" name="Rectangle 210">
             <a:extLst>
               <a:ext uri="{FF2B5EF4-FFF2-40B4-BE49-F238E27FC236}">
-                <a16:creationId xmlns:a16="http://schemas.microsoft.com/office/drawing/2014/main" xmlns="" id="{4528C32F-1FA5-43DF-992B-576426DDC041}"/>
+                <a16:creationId xmlns:a16="http://schemas.microsoft.com/office/drawing/2014/main" id="{4528C32F-1FA5-43DF-992B-576426DDC041}"/>
               </a:ext>
             </a:extLst>
           </p:cNvPr>
@@ -15050,7 +15301,7 @@
           <p:cNvPr id="218" name="Ellipse 217">
             <a:extLst>
               <a:ext uri="{FF2B5EF4-FFF2-40B4-BE49-F238E27FC236}">
-                <a16:creationId xmlns:a16="http://schemas.microsoft.com/office/drawing/2014/main" xmlns="" id="{75B1A509-D7BC-4E8E-899B-A08EE21C22FA}"/>
+                <a16:creationId xmlns:a16="http://schemas.microsoft.com/office/drawing/2014/main" id="{75B1A509-D7BC-4E8E-899B-A08EE21C22FA}"/>
               </a:ext>
             </a:extLst>
           </p:cNvPr>
@@ -15119,7 +15370,7 @@
           <p:cNvPr id="219" name="Rectangle 218">
             <a:extLst>
               <a:ext uri="{FF2B5EF4-FFF2-40B4-BE49-F238E27FC236}">
-                <a16:creationId xmlns:a16="http://schemas.microsoft.com/office/drawing/2014/main" xmlns="" id="{87E757E5-F0C7-467D-907D-4527810FD7E3}"/>
+                <a16:creationId xmlns:a16="http://schemas.microsoft.com/office/drawing/2014/main" id="{87E757E5-F0C7-467D-907D-4527810FD7E3}"/>
               </a:ext>
             </a:extLst>
           </p:cNvPr>
@@ -15174,7 +15425,7 @@
           <p:cNvPr id="220" name="Connecteur droit 219">
             <a:extLst>
               <a:ext uri="{FF2B5EF4-FFF2-40B4-BE49-F238E27FC236}">
-                <a16:creationId xmlns:a16="http://schemas.microsoft.com/office/drawing/2014/main" xmlns="" id="{5C325E3F-F365-4428-B465-3A41B2014821}"/>
+                <a16:creationId xmlns:a16="http://schemas.microsoft.com/office/drawing/2014/main" id="{5C325E3F-F365-4428-B465-3A41B2014821}"/>
               </a:ext>
             </a:extLst>
           </p:cNvPr>
@@ -15217,7 +15468,7 @@
           <p:cNvPr id="221" name="Connecteur droit 220">
             <a:extLst>
               <a:ext uri="{FF2B5EF4-FFF2-40B4-BE49-F238E27FC236}">
-                <a16:creationId xmlns:a16="http://schemas.microsoft.com/office/drawing/2014/main" xmlns="" id="{4C530E5C-D5DA-49FF-BC33-63EAC83BBEC5}"/>
+                <a16:creationId xmlns:a16="http://schemas.microsoft.com/office/drawing/2014/main" id="{4C530E5C-D5DA-49FF-BC33-63EAC83BBEC5}"/>
               </a:ext>
             </a:extLst>
           </p:cNvPr>
@@ -15260,7 +15511,7 @@
           <p:cNvPr id="222" name="Connecteur droit 221">
             <a:extLst>
               <a:ext uri="{FF2B5EF4-FFF2-40B4-BE49-F238E27FC236}">
-                <a16:creationId xmlns:a16="http://schemas.microsoft.com/office/drawing/2014/main" xmlns="" id="{A9B2751E-18F9-4215-BE3B-FDD0DC5C3743}"/>
+                <a16:creationId xmlns:a16="http://schemas.microsoft.com/office/drawing/2014/main" id="{A9B2751E-18F9-4215-BE3B-FDD0DC5C3743}"/>
               </a:ext>
             </a:extLst>
           </p:cNvPr>
@@ -15303,7 +15554,7 @@
           <p:cNvPr id="223" name="Connecteur droit 222">
             <a:extLst>
               <a:ext uri="{FF2B5EF4-FFF2-40B4-BE49-F238E27FC236}">
-                <a16:creationId xmlns:a16="http://schemas.microsoft.com/office/drawing/2014/main" xmlns="" id="{4B67FA3F-1E15-436B-8BCD-7170B497D627}"/>
+                <a16:creationId xmlns:a16="http://schemas.microsoft.com/office/drawing/2014/main" id="{4B67FA3F-1E15-436B-8BCD-7170B497D627}"/>
               </a:ext>
             </a:extLst>
           </p:cNvPr>
@@ -15346,7 +15597,7 @@
           <p:cNvPr id="224" name="Ellipse 223">
             <a:extLst>
               <a:ext uri="{FF2B5EF4-FFF2-40B4-BE49-F238E27FC236}">
-                <a16:creationId xmlns:a16="http://schemas.microsoft.com/office/drawing/2014/main" xmlns="" id="{9E51B75A-75FB-40AC-86CC-C101C9FC18B7}"/>
+                <a16:creationId xmlns:a16="http://schemas.microsoft.com/office/drawing/2014/main" id="{9E51B75A-75FB-40AC-86CC-C101C9FC18B7}"/>
               </a:ext>
             </a:extLst>
           </p:cNvPr>
@@ -15404,7 +15655,7 @@
           <p:cNvPr id="225" name="Connecteur : en angle 224">
             <a:extLst>
               <a:ext uri="{FF2B5EF4-FFF2-40B4-BE49-F238E27FC236}">
-                <a16:creationId xmlns:a16="http://schemas.microsoft.com/office/drawing/2014/main" xmlns="" id="{B89FF9D8-CD62-42D9-90BD-5DB29F288F61}"/>
+                <a16:creationId xmlns:a16="http://schemas.microsoft.com/office/drawing/2014/main" id="{B89FF9D8-CD62-42D9-90BD-5DB29F288F61}"/>
               </a:ext>
             </a:extLst>
           </p:cNvPr>
@@ -15452,7 +15703,7 @@
           <p:cNvPr id="226" name="ZoneTexte 225">
             <a:extLst>
               <a:ext uri="{FF2B5EF4-FFF2-40B4-BE49-F238E27FC236}">
-                <a16:creationId xmlns:a16="http://schemas.microsoft.com/office/drawing/2014/main" xmlns="" id="{78F758B1-F5B0-45CE-AA47-BD07E2A53DF0}"/>
+                <a16:creationId xmlns:a16="http://schemas.microsoft.com/office/drawing/2014/main" id="{78F758B1-F5B0-45CE-AA47-BD07E2A53DF0}"/>
               </a:ext>
             </a:extLst>
           </p:cNvPr>
@@ -15490,7 +15741,7 @@
           <p:cNvPr id="227" name="Ellipse 226">
             <a:extLst>
               <a:ext uri="{FF2B5EF4-FFF2-40B4-BE49-F238E27FC236}">
-                <a16:creationId xmlns:a16="http://schemas.microsoft.com/office/drawing/2014/main" xmlns="" id="{F4E99CB5-2A95-4DCD-B8D9-527C49399FD4}"/>
+                <a16:creationId xmlns:a16="http://schemas.microsoft.com/office/drawing/2014/main" id="{F4E99CB5-2A95-4DCD-B8D9-527C49399FD4}"/>
               </a:ext>
             </a:extLst>
           </p:cNvPr>
@@ -15548,7 +15799,7 @@
           <p:cNvPr id="228" name="Ellipse 227">
             <a:extLst>
               <a:ext uri="{FF2B5EF4-FFF2-40B4-BE49-F238E27FC236}">
-                <a16:creationId xmlns:a16="http://schemas.microsoft.com/office/drawing/2014/main" xmlns="" id="{F4E99CB5-2A95-4DCD-B8D9-527C49399FD4}"/>
+                <a16:creationId xmlns:a16="http://schemas.microsoft.com/office/drawing/2014/main" id="{F4E99CB5-2A95-4DCD-B8D9-527C49399FD4}"/>
               </a:ext>
             </a:extLst>
           </p:cNvPr>
@@ -15606,7 +15857,7 @@
           <p:cNvPr id="229" name="Ellipse 228">
             <a:extLst>
               <a:ext uri="{FF2B5EF4-FFF2-40B4-BE49-F238E27FC236}">
-                <a16:creationId xmlns:a16="http://schemas.microsoft.com/office/drawing/2014/main" xmlns="" id="{F4E99CB5-2A95-4DCD-B8D9-527C49399FD4}"/>
+                <a16:creationId xmlns:a16="http://schemas.microsoft.com/office/drawing/2014/main" id="{F4E99CB5-2A95-4DCD-B8D9-527C49399FD4}"/>
               </a:ext>
             </a:extLst>
           </p:cNvPr>
@@ -15664,7 +15915,7 @@
           <p:cNvPr id="233" name="Connecteur : en angle 144">
             <a:extLst>
               <a:ext uri="{FF2B5EF4-FFF2-40B4-BE49-F238E27FC236}">
-                <a16:creationId xmlns:a16="http://schemas.microsoft.com/office/drawing/2014/main" xmlns="" id="{4AA10393-57AE-4C97-9984-996252DAAFB9}"/>
+                <a16:creationId xmlns:a16="http://schemas.microsoft.com/office/drawing/2014/main" id="{4AA10393-57AE-4C97-9984-996252DAAFB9}"/>
               </a:ext>
             </a:extLst>
           </p:cNvPr>
@@ -15707,7 +15958,7 @@
           <p:cNvPr id="234" name="Connecteur : en angle 144">
             <a:extLst>
               <a:ext uri="{FF2B5EF4-FFF2-40B4-BE49-F238E27FC236}">
-                <a16:creationId xmlns:a16="http://schemas.microsoft.com/office/drawing/2014/main" xmlns="" id="{4AA10393-57AE-4C97-9984-996252DAAFB9}"/>
+                <a16:creationId xmlns:a16="http://schemas.microsoft.com/office/drawing/2014/main" id="{4AA10393-57AE-4C97-9984-996252DAAFB9}"/>
               </a:ext>
             </a:extLst>
           </p:cNvPr>
@@ -15754,7 +16005,7 @@
           <p:cNvPr id="235" name="Connecteur : en angle 144">
             <a:extLst>
               <a:ext uri="{FF2B5EF4-FFF2-40B4-BE49-F238E27FC236}">
-                <a16:creationId xmlns:a16="http://schemas.microsoft.com/office/drawing/2014/main" xmlns="" id="{4AA10393-57AE-4C97-9984-996252DAAFB9}"/>
+                <a16:creationId xmlns:a16="http://schemas.microsoft.com/office/drawing/2014/main" id="{4AA10393-57AE-4C97-9984-996252DAAFB9}"/>
               </a:ext>
             </a:extLst>
           </p:cNvPr>
@@ -15801,7 +16052,7 @@
           <p:cNvPr id="123" name="ZoneTexte 122">
             <a:extLst>
               <a:ext uri="{FF2B5EF4-FFF2-40B4-BE49-F238E27FC236}">
-                <a16:creationId xmlns:a16="http://schemas.microsoft.com/office/drawing/2014/main" xmlns="" id="{187CEC53-DFFE-46DE-9B7E-78BBD73A5556}"/>
+                <a16:creationId xmlns:a16="http://schemas.microsoft.com/office/drawing/2014/main" id="{187CEC53-DFFE-46DE-9B7E-78BBD73A5556}"/>
               </a:ext>
             </a:extLst>
           </p:cNvPr>
@@ -15855,7 +16106,7 @@
           <p:cNvPr id="249" name="ZoneTexte 248">
             <a:extLst>
               <a:ext uri="{FF2B5EF4-FFF2-40B4-BE49-F238E27FC236}">
-                <a16:creationId xmlns:a16="http://schemas.microsoft.com/office/drawing/2014/main" xmlns="" id="{62CA3368-DB00-4BDF-9964-BC8FCF6751B4}"/>
+                <a16:creationId xmlns:a16="http://schemas.microsoft.com/office/drawing/2014/main" id="{62CA3368-DB00-4BDF-9964-BC8FCF6751B4}"/>
               </a:ext>
             </a:extLst>
           </p:cNvPr>
@@ -15890,7 +16141,7 @@
           <p:cNvPr id="47" name="Ellipse 46">
             <a:extLst>
               <a:ext uri="{FF2B5EF4-FFF2-40B4-BE49-F238E27FC236}">
-                <a16:creationId xmlns:a16="http://schemas.microsoft.com/office/drawing/2014/main" xmlns="" id="{9ACF233F-B245-4E2B-8113-4CEFB8D915B7}"/>
+                <a16:creationId xmlns:a16="http://schemas.microsoft.com/office/drawing/2014/main" id="{9ACF233F-B245-4E2B-8113-4CEFB8D915B7}"/>
               </a:ext>
             </a:extLst>
           </p:cNvPr>
@@ -15948,7 +16199,7 @@
           <p:cNvPr id="76" name="Ellipse 75">
             <a:extLst>
               <a:ext uri="{FF2B5EF4-FFF2-40B4-BE49-F238E27FC236}">
-                <a16:creationId xmlns:a16="http://schemas.microsoft.com/office/drawing/2014/main" xmlns="" id="{D88EEAD2-80A8-4CB1-8BE5-95C744744C6B}"/>
+                <a16:creationId xmlns:a16="http://schemas.microsoft.com/office/drawing/2014/main" id="{D88EEAD2-80A8-4CB1-8BE5-95C744744C6B}"/>
               </a:ext>
             </a:extLst>
           </p:cNvPr>
@@ -16006,7 +16257,7 @@
           <p:cNvPr id="79" name="Ellipse 78">
             <a:extLst>
               <a:ext uri="{FF2B5EF4-FFF2-40B4-BE49-F238E27FC236}">
-                <a16:creationId xmlns:a16="http://schemas.microsoft.com/office/drawing/2014/main" xmlns="" id="{E5AA28E9-04BB-483C-B939-339E35670AAD}"/>
+                <a16:creationId xmlns:a16="http://schemas.microsoft.com/office/drawing/2014/main" id="{E5AA28E9-04BB-483C-B939-339E35670AAD}"/>
               </a:ext>
             </a:extLst>
           </p:cNvPr>
@@ -16064,7 +16315,7 @@
           <p:cNvPr id="241" name="Ellipse 240">
             <a:extLst>
               <a:ext uri="{FF2B5EF4-FFF2-40B4-BE49-F238E27FC236}">
-                <a16:creationId xmlns:a16="http://schemas.microsoft.com/office/drawing/2014/main" xmlns="" id="{A148E37A-293F-419A-B171-8DAFF8CD66BB}"/>
+                <a16:creationId xmlns:a16="http://schemas.microsoft.com/office/drawing/2014/main" id="{A148E37A-293F-419A-B171-8DAFF8CD66BB}"/>
               </a:ext>
             </a:extLst>
           </p:cNvPr>
@@ -16133,7 +16384,7 @@
           <p:cNvPr id="247" name="Connecteur droit avec flèche 246">
             <a:extLst>
               <a:ext uri="{FF2B5EF4-FFF2-40B4-BE49-F238E27FC236}">
-                <a16:creationId xmlns:a16="http://schemas.microsoft.com/office/drawing/2014/main" xmlns="" id="{FCA9DD1D-E5FD-4E06-96B4-2084DE00CCD2}"/>
+                <a16:creationId xmlns:a16="http://schemas.microsoft.com/office/drawing/2014/main" id="{FCA9DD1D-E5FD-4E06-96B4-2084DE00CCD2}"/>
               </a:ext>
             </a:extLst>
           </p:cNvPr>
@@ -16169,6 +16420,49 @@
           </a:fillRef>
           <a:effectRef idx="0">
             <a:scrgbClr r="0" g="0" b="0"/>
+          </a:effectRef>
+          <a:fontRef idx="minor">
+            <a:schemeClr val="tx1"/>
+          </a:fontRef>
+        </p:style>
+      </p:cxnSp>
+      <p:cxnSp>
+        <p:nvCxnSpPr>
+          <p:cNvPr id="248" name="Connecteur droit 247">
+            <a:extLst>
+              <a:ext uri="{FF2B5EF4-FFF2-40B4-BE49-F238E27FC236}">
+                <a16:creationId xmlns:a16="http://schemas.microsoft.com/office/drawing/2014/main" id="{3842D876-81A6-4F98-A741-FB86915D0AB3}"/>
+              </a:ext>
+            </a:extLst>
+          </p:cNvPr>
+          <p:cNvCxnSpPr>
+            <a:cxnSpLocks/>
+          </p:cNvCxnSpPr>
+          <p:nvPr/>
+        </p:nvCxnSpPr>
+        <p:spPr>
+          <a:xfrm flipV="1">
+            <a:off x="2854221" y="421157"/>
+            <a:ext cx="0" cy="488154"/>
+          </a:xfrm>
+          <a:prstGeom prst="line">
+            <a:avLst/>
+          </a:prstGeom>
+          <a:ln w="19050">
+            <a:solidFill>
+              <a:schemeClr val="tx1"/>
+            </a:solidFill>
+          </a:ln>
+        </p:spPr>
+        <p:style>
+          <a:lnRef idx="1">
+            <a:schemeClr val="accent1"/>
+          </a:lnRef>
+          <a:fillRef idx="0">
+            <a:schemeClr val="accent1"/>
+          </a:fillRef>
+          <a:effectRef idx="0">
+            <a:schemeClr val="accent1"/>
           </a:effectRef>
           <a:fontRef idx="minor">
             <a:schemeClr val="tx1"/>
@@ -16210,7 +16504,7 @@
           <p:cNvPr id="461" name="Rectangle : coins arrondis 460">
             <a:extLst>
               <a:ext uri="{FF2B5EF4-FFF2-40B4-BE49-F238E27FC236}">
-                <a16:creationId xmlns:a16="http://schemas.microsoft.com/office/drawing/2014/main" xmlns="" id="{22F974BE-8145-4E19-ABA2-26A4C27E9EE9}"/>
+                <a16:creationId xmlns:a16="http://schemas.microsoft.com/office/drawing/2014/main" id="{22F974BE-8145-4E19-ABA2-26A4C27E9EE9}"/>
               </a:ext>
             </a:extLst>
           </p:cNvPr>
@@ -16264,7 +16558,7 @@
           <p:cNvPr id="285" name="Rectangle : coins arrondis 284">
             <a:extLst>
               <a:ext uri="{FF2B5EF4-FFF2-40B4-BE49-F238E27FC236}">
-                <a16:creationId xmlns:a16="http://schemas.microsoft.com/office/drawing/2014/main" xmlns="" id="{A6011926-2FBE-403B-9066-9096836AE6EC}"/>
+                <a16:creationId xmlns:a16="http://schemas.microsoft.com/office/drawing/2014/main" id="{A6011926-2FBE-403B-9066-9096836AE6EC}"/>
               </a:ext>
             </a:extLst>
           </p:cNvPr>
@@ -16342,7 +16636,7 @@
           <p:cNvPr id="383" name="Rectangle : coins arrondis 382">
             <a:extLst>
               <a:ext uri="{FF2B5EF4-FFF2-40B4-BE49-F238E27FC236}">
-                <a16:creationId xmlns:a16="http://schemas.microsoft.com/office/drawing/2014/main" xmlns="" id="{90DD39A4-A182-4030-A4AE-8880862AAD54}"/>
+                <a16:creationId xmlns:a16="http://schemas.microsoft.com/office/drawing/2014/main" id="{90DD39A4-A182-4030-A4AE-8880862AAD54}"/>
               </a:ext>
             </a:extLst>
           </p:cNvPr>
@@ -16415,7 +16709,7 @@
           <p:cNvPr id="4" name="Rectangle 3">
             <a:extLst>
               <a:ext uri="{FF2B5EF4-FFF2-40B4-BE49-F238E27FC236}">
-                <a16:creationId xmlns:a16="http://schemas.microsoft.com/office/drawing/2014/main" xmlns="" id="{D6A19F59-DE5C-47E6-918B-27D303F45183}"/>
+                <a16:creationId xmlns:a16="http://schemas.microsoft.com/office/drawing/2014/main" id="{D6A19F59-DE5C-47E6-918B-27D303F45183}"/>
               </a:ext>
             </a:extLst>
           </p:cNvPr>
@@ -16464,7 +16758,7 @@
           <p:cNvPr id="128" name="Rectangle 127">
             <a:extLst>
               <a:ext uri="{FF2B5EF4-FFF2-40B4-BE49-F238E27FC236}">
-                <a16:creationId xmlns:a16="http://schemas.microsoft.com/office/drawing/2014/main" xmlns="" id="{6F4CB3D7-09C5-4B32-9601-5122FA8C1D58}"/>
+                <a16:creationId xmlns:a16="http://schemas.microsoft.com/office/drawing/2014/main" id="{6F4CB3D7-09C5-4B32-9601-5122FA8C1D58}"/>
               </a:ext>
             </a:extLst>
           </p:cNvPr>
@@ -16572,7 +16866,7 @@
           <p:cNvPr id="62" name="Rectangle 61">
             <a:extLst>
               <a:ext uri="{FF2B5EF4-FFF2-40B4-BE49-F238E27FC236}">
-                <a16:creationId xmlns:a16="http://schemas.microsoft.com/office/drawing/2014/main" xmlns="" id="{71B0C61D-3C33-44AE-994E-9D1DFD3977BE}"/>
+                <a16:creationId xmlns:a16="http://schemas.microsoft.com/office/drawing/2014/main" id="{71B0C61D-3C33-44AE-994E-9D1DFD3977BE}"/>
               </a:ext>
             </a:extLst>
           </p:cNvPr>
@@ -16613,7 +16907,7 @@
           <p:cNvPr id="67" name="Ellipse 66">
             <a:extLst>
               <a:ext uri="{FF2B5EF4-FFF2-40B4-BE49-F238E27FC236}">
-                <a16:creationId xmlns:a16="http://schemas.microsoft.com/office/drawing/2014/main" xmlns="" id="{8FE1DB04-8A7C-4DF6-B7CC-303CADF3B2B8}"/>
+                <a16:creationId xmlns:a16="http://schemas.microsoft.com/office/drawing/2014/main" id="{8FE1DB04-8A7C-4DF6-B7CC-303CADF3B2B8}"/>
               </a:ext>
             </a:extLst>
           </p:cNvPr>
@@ -16671,7 +16965,7 @@
           <p:cNvPr id="116" name="Ellipse 115">
             <a:extLst>
               <a:ext uri="{FF2B5EF4-FFF2-40B4-BE49-F238E27FC236}">
-                <a16:creationId xmlns:a16="http://schemas.microsoft.com/office/drawing/2014/main" xmlns="" id="{C11933AE-2467-4012-9A41-8804A34032AC}"/>
+                <a16:creationId xmlns:a16="http://schemas.microsoft.com/office/drawing/2014/main" id="{C11933AE-2467-4012-9A41-8804A34032AC}"/>
               </a:ext>
             </a:extLst>
           </p:cNvPr>
@@ -16729,7 +17023,7 @@
           <p:cNvPr id="236" name="Rectangle 235">
             <a:extLst>
               <a:ext uri="{FF2B5EF4-FFF2-40B4-BE49-F238E27FC236}">
-                <a16:creationId xmlns:a16="http://schemas.microsoft.com/office/drawing/2014/main" xmlns="" id="{F7F9F801-1268-4F3E-82B5-1D80C5676705}"/>
+                <a16:creationId xmlns:a16="http://schemas.microsoft.com/office/drawing/2014/main" id="{F7F9F801-1268-4F3E-82B5-1D80C5676705}"/>
               </a:ext>
             </a:extLst>
           </p:cNvPr>
@@ -16783,7 +17077,7 @@
           <p:cNvPr id="237" name="Ellipse 236">
             <a:extLst>
               <a:ext uri="{FF2B5EF4-FFF2-40B4-BE49-F238E27FC236}">
-                <a16:creationId xmlns:a16="http://schemas.microsoft.com/office/drawing/2014/main" xmlns="" id="{FCDA0CF3-A58B-4A67-BA40-FB0C71B882FB}"/>
+                <a16:creationId xmlns:a16="http://schemas.microsoft.com/office/drawing/2014/main" id="{FCDA0CF3-A58B-4A67-BA40-FB0C71B882FB}"/>
               </a:ext>
             </a:extLst>
           </p:cNvPr>
@@ -16841,7 +17135,7 @@
           <p:cNvPr id="238" name="Connecteur : en angle 237">
             <a:extLst>
               <a:ext uri="{FF2B5EF4-FFF2-40B4-BE49-F238E27FC236}">
-                <a16:creationId xmlns:a16="http://schemas.microsoft.com/office/drawing/2014/main" xmlns="" id="{C90BACA0-40FF-4E93-95CB-464B31B6E2EF}"/>
+                <a16:creationId xmlns:a16="http://schemas.microsoft.com/office/drawing/2014/main" id="{C90BACA0-40FF-4E93-95CB-464B31B6E2EF}"/>
               </a:ext>
             </a:extLst>
           </p:cNvPr>
@@ -16889,7 +17183,7 @@
           <p:cNvPr id="137" name="ZoneTexte 136">
             <a:extLst>
               <a:ext uri="{FF2B5EF4-FFF2-40B4-BE49-F238E27FC236}">
-                <a16:creationId xmlns:a16="http://schemas.microsoft.com/office/drawing/2014/main" xmlns="" id="{12D91E48-A88F-41C1-9D32-E03424E9D397}"/>
+                <a16:creationId xmlns:a16="http://schemas.microsoft.com/office/drawing/2014/main" id="{12D91E48-A88F-41C1-9D32-E03424E9D397}"/>
               </a:ext>
             </a:extLst>
           </p:cNvPr>
@@ -16925,7 +17219,7 @@
           <p:cNvPr id="155" name="Ellipse 154">
             <a:extLst>
               <a:ext uri="{FF2B5EF4-FFF2-40B4-BE49-F238E27FC236}">
-                <a16:creationId xmlns:a16="http://schemas.microsoft.com/office/drawing/2014/main" xmlns="" id="{54FACFF5-5328-4701-986B-CDC82E5D9967}"/>
+                <a16:creationId xmlns:a16="http://schemas.microsoft.com/office/drawing/2014/main" id="{54FACFF5-5328-4701-986B-CDC82E5D9967}"/>
               </a:ext>
             </a:extLst>
           </p:cNvPr>
@@ -16983,7 +17277,7 @@
           <p:cNvPr id="156" name="Connecteur : en angle 155">
             <a:extLst>
               <a:ext uri="{FF2B5EF4-FFF2-40B4-BE49-F238E27FC236}">
-                <a16:creationId xmlns:a16="http://schemas.microsoft.com/office/drawing/2014/main" xmlns="" id="{8E4AFC10-A635-49CD-BF57-75B4871B0C83}"/>
+                <a16:creationId xmlns:a16="http://schemas.microsoft.com/office/drawing/2014/main" id="{8E4AFC10-A635-49CD-BF57-75B4871B0C83}"/>
               </a:ext>
             </a:extLst>
           </p:cNvPr>
@@ -17030,7 +17324,7 @@
           <p:cNvPr id="158" name="Ellipse 157">
             <a:extLst>
               <a:ext uri="{FF2B5EF4-FFF2-40B4-BE49-F238E27FC236}">
-                <a16:creationId xmlns:a16="http://schemas.microsoft.com/office/drawing/2014/main" xmlns="" id="{AF98CA1B-C3F4-4B1E-9DE1-38EB9139E5F9}"/>
+                <a16:creationId xmlns:a16="http://schemas.microsoft.com/office/drawing/2014/main" id="{AF98CA1B-C3F4-4B1E-9DE1-38EB9139E5F9}"/>
               </a:ext>
             </a:extLst>
           </p:cNvPr>
@@ -17088,7 +17382,7 @@
           <p:cNvPr id="166" name="Ellipse 165">
             <a:extLst>
               <a:ext uri="{FF2B5EF4-FFF2-40B4-BE49-F238E27FC236}">
-                <a16:creationId xmlns:a16="http://schemas.microsoft.com/office/drawing/2014/main" xmlns="" id="{BB517839-10C8-4192-986D-A3EEFE0C01D7}"/>
+                <a16:creationId xmlns:a16="http://schemas.microsoft.com/office/drawing/2014/main" id="{BB517839-10C8-4192-986D-A3EEFE0C01D7}"/>
               </a:ext>
             </a:extLst>
           </p:cNvPr>
@@ -17146,7 +17440,7 @@
           <p:cNvPr id="190" name="Ellipse 189">
             <a:extLst>
               <a:ext uri="{FF2B5EF4-FFF2-40B4-BE49-F238E27FC236}">
-                <a16:creationId xmlns:a16="http://schemas.microsoft.com/office/drawing/2014/main" xmlns="" id="{697B9FF0-5431-4A43-ADEB-EFA05234393D}"/>
+                <a16:creationId xmlns:a16="http://schemas.microsoft.com/office/drawing/2014/main" id="{697B9FF0-5431-4A43-ADEB-EFA05234393D}"/>
               </a:ext>
             </a:extLst>
           </p:cNvPr>
@@ -17204,7 +17498,7 @@
           <p:cNvPr id="191" name="Ellipse 190">
             <a:extLst>
               <a:ext uri="{FF2B5EF4-FFF2-40B4-BE49-F238E27FC236}">
-                <a16:creationId xmlns:a16="http://schemas.microsoft.com/office/drawing/2014/main" xmlns="" id="{0EFED12E-57AE-42F8-8089-B5CEAD9D40AB}"/>
+                <a16:creationId xmlns:a16="http://schemas.microsoft.com/office/drawing/2014/main" id="{0EFED12E-57AE-42F8-8089-B5CEAD9D40AB}"/>
               </a:ext>
             </a:extLst>
           </p:cNvPr>
@@ -17262,7 +17556,7 @@
           <p:cNvPr id="275" name="Rectangle 274">
             <a:extLst>
               <a:ext uri="{FF2B5EF4-FFF2-40B4-BE49-F238E27FC236}">
-                <a16:creationId xmlns:a16="http://schemas.microsoft.com/office/drawing/2014/main" xmlns="" id="{74D6BBB7-1F18-403D-8C60-86D21917073F}"/>
+                <a16:creationId xmlns:a16="http://schemas.microsoft.com/office/drawing/2014/main" id="{74D6BBB7-1F18-403D-8C60-86D21917073F}"/>
               </a:ext>
             </a:extLst>
           </p:cNvPr>
@@ -17316,7 +17610,7 @@
           <p:cNvPr id="281" name="Rectangle 280">
             <a:extLst>
               <a:ext uri="{FF2B5EF4-FFF2-40B4-BE49-F238E27FC236}">
-                <a16:creationId xmlns:a16="http://schemas.microsoft.com/office/drawing/2014/main" xmlns="" id="{8CE8FE63-4450-4EF1-902B-0D815656F8A7}"/>
+                <a16:creationId xmlns:a16="http://schemas.microsoft.com/office/drawing/2014/main" id="{8CE8FE63-4450-4EF1-902B-0D815656F8A7}"/>
               </a:ext>
             </a:extLst>
           </p:cNvPr>
@@ -17370,7 +17664,7 @@
           <p:cNvPr id="282" name="Rectangle 281">
             <a:extLst>
               <a:ext uri="{FF2B5EF4-FFF2-40B4-BE49-F238E27FC236}">
-                <a16:creationId xmlns:a16="http://schemas.microsoft.com/office/drawing/2014/main" xmlns="" id="{0734F398-6A45-4A7D-BB32-97CE81D16D9E}"/>
+                <a16:creationId xmlns:a16="http://schemas.microsoft.com/office/drawing/2014/main" id="{0734F398-6A45-4A7D-BB32-97CE81D16D9E}"/>
               </a:ext>
             </a:extLst>
           </p:cNvPr>
@@ -17424,7 +17718,7 @@
           <p:cNvPr id="283" name="Ellipse 282">
             <a:extLst>
               <a:ext uri="{FF2B5EF4-FFF2-40B4-BE49-F238E27FC236}">
-                <a16:creationId xmlns:a16="http://schemas.microsoft.com/office/drawing/2014/main" xmlns="" id="{8C416B4E-96DF-4EFA-B6DA-28A0B49CDC74}"/>
+                <a16:creationId xmlns:a16="http://schemas.microsoft.com/office/drawing/2014/main" id="{8C416B4E-96DF-4EFA-B6DA-28A0B49CDC74}"/>
               </a:ext>
             </a:extLst>
           </p:cNvPr>
@@ -17480,7 +17774,7 @@
           <p:cNvPr id="284" name="Ellipse 283">
             <a:extLst>
               <a:ext uri="{FF2B5EF4-FFF2-40B4-BE49-F238E27FC236}">
-                <a16:creationId xmlns:a16="http://schemas.microsoft.com/office/drawing/2014/main" xmlns="" id="{A5957B71-8A43-472E-88E9-84A23347F31E}"/>
+                <a16:creationId xmlns:a16="http://schemas.microsoft.com/office/drawing/2014/main" id="{A5957B71-8A43-472E-88E9-84A23347F31E}"/>
               </a:ext>
             </a:extLst>
           </p:cNvPr>
@@ -17536,7 +17830,7 @@
           <p:cNvPr id="287" name="Connecteur : en angle 286">
             <a:extLst>
               <a:ext uri="{FF2B5EF4-FFF2-40B4-BE49-F238E27FC236}">
-                <a16:creationId xmlns:a16="http://schemas.microsoft.com/office/drawing/2014/main" xmlns="" id="{466BA789-C671-4672-8836-B391D8F92D00}"/>
+                <a16:creationId xmlns:a16="http://schemas.microsoft.com/office/drawing/2014/main" id="{466BA789-C671-4672-8836-B391D8F92D00}"/>
               </a:ext>
             </a:extLst>
           </p:cNvPr>
@@ -17585,7 +17879,7 @@
           <p:cNvPr id="288" name="Connecteur : en angle 287">
             <a:extLst>
               <a:ext uri="{FF2B5EF4-FFF2-40B4-BE49-F238E27FC236}">
-                <a16:creationId xmlns:a16="http://schemas.microsoft.com/office/drawing/2014/main" xmlns="" id="{1A548297-2A60-4CA6-BD5E-5C88627AF20E}"/>
+                <a16:creationId xmlns:a16="http://schemas.microsoft.com/office/drawing/2014/main" id="{1A548297-2A60-4CA6-BD5E-5C88627AF20E}"/>
               </a:ext>
             </a:extLst>
           </p:cNvPr>
@@ -17633,7 +17927,7 @@
           <p:cNvPr id="312" name="Rectangle 311">
             <a:extLst>
               <a:ext uri="{FF2B5EF4-FFF2-40B4-BE49-F238E27FC236}">
-                <a16:creationId xmlns:a16="http://schemas.microsoft.com/office/drawing/2014/main" xmlns="" id="{CC60EC9B-C761-4F18-892A-D5BC6E9339F8}"/>
+                <a16:creationId xmlns:a16="http://schemas.microsoft.com/office/drawing/2014/main" id="{CC60EC9B-C761-4F18-892A-D5BC6E9339F8}"/>
               </a:ext>
             </a:extLst>
           </p:cNvPr>
@@ -17677,7 +17971,7 @@
           <p:cNvPr id="316" name="Rectangle 315">
             <a:extLst>
               <a:ext uri="{FF2B5EF4-FFF2-40B4-BE49-F238E27FC236}">
-                <a16:creationId xmlns:a16="http://schemas.microsoft.com/office/drawing/2014/main" xmlns="" id="{46A5A792-FB5A-478D-89F6-BE1D644FCBCD}"/>
+                <a16:creationId xmlns:a16="http://schemas.microsoft.com/office/drawing/2014/main" id="{46A5A792-FB5A-478D-89F6-BE1D644FCBCD}"/>
               </a:ext>
             </a:extLst>
           </p:cNvPr>
@@ -17721,7 +18015,7 @@
           <p:cNvPr id="317" name="Connecteur : en angle 316">
             <a:extLst>
               <a:ext uri="{FF2B5EF4-FFF2-40B4-BE49-F238E27FC236}">
-                <a16:creationId xmlns:a16="http://schemas.microsoft.com/office/drawing/2014/main" xmlns="" id="{C3947508-F6DB-40A1-A418-47243F363727}"/>
+                <a16:creationId xmlns:a16="http://schemas.microsoft.com/office/drawing/2014/main" id="{C3947508-F6DB-40A1-A418-47243F363727}"/>
               </a:ext>
             </a:extLst>
           </p:cNvPr>
@@ -17770,7 +18064,7 @@
           <p:cNvPr id="320" name="Connecteur : en angle 319">
             <a:extLst>
               <a:ext uri="{FF2B5EF4-FFF2-40B4-BE49-F238E27FC236}">
-                <a16:creationId xmlns:a16="http://schemas.microsoft.com/office/drawing/2014/main" xmlns="" id="{D24B843C-55A6-4AE6-B1C7-223E6744B346}"/>
+                <a16:creationId xmlns:a16="http://schemas.microsoft.com/office/drawing/2014/main" id="{D24B843C-55A6-4AE6-B1C7-223E6744B346}"/>
               </a:ext>
             </a:extLst>
           </p:cNvPr>
@@ -17818,7 +18112,7 @@
           <p:cNvPr id="355" name="Connecteur : en angle 354">
             <a:extLst>
               <a:ext uri="{FF2B5EF4-FFF2-40B4-BE49-F238E27FC236}">
-                <a16:creationId xmlns:a16="http://schemas.microsoft.com/office/drawing/2014/main" xmlns="" id="{50028A79-637C-4F67-851F-7D7BCCA70073}"/>
+                <a16:creationId xmlns:a16="http://schemas.microsoft.com/office/drawing/2014/main" id="{50028A79-637C-4F67-851F-7D7BCCA70073}"/>
               </a:ext>
             </a:extLst>
           </p:cNvPr>
@@ -17865,7 +18159,7 @@
           <p:cNvPr id="358" name="Connecteur : en angle 357">
             <a:extLst>
               <a:ext uri="{FF2B5EF4-FFF2-40B4-BE49-F238E27FC236}">
-                <a16:creationId xmlns:a16="http://schemas.microsoft.com/office/drawing/2014/main" xmlns="" id="{BE822842-D05F-420A-A69A-DF949BDC749D}"/>
+                <a16:creationId xmlns:a16="http://schemas.microsoft.com/office/drawing/2014/main" id="{BE822842-D05F-420A-A69A-DF949BDC749D}"/>
               </a:ext>
             </a:extLst>
           </p:cNvPr>
@@ -17915,7 +18209,7 @@
           <p:cNvPr id="373" name="Rectangle 372">
             <a:extLst>
               <a:ext uri="{FF2B5EF4-FFF2-40B4-BE49-F238E27FC236}">
-                <a16:creationId xmlns:a16="http://schemas.microsoft.com/office/drawing/2014/main" xmlns="" id="{420AC9D9-A6F5-4B61-9250-1588A22BD5E8}"/>
+                <a16:creationId xmlns:a16="http://schemas.microsoft.com/office/drawing/2014/main" id="{420AC9D9-A6F5-4B61-9250-1588A22BD5E8}"/>
               </a:ext>
             </a:extLst>
           </p:cNvPr>
@@ -17977,7 +18271,7 @@
           <p:cNvPr id="374" name="Connecteur : en angle 373">
             <a:extLst>
               <a:ext uri="{FF2B5EF4-FFF2-40B4-BE49-F238E27FC236}">
-                <a16:creationId xmlns:a16="http://schemas.microsoft.com/office/drawing/2014/main" xmlns="" id="{57473353-96D1-4378-AB70-5BA4C1AE6235}"/>
+                <a16:creationId xmlns:a16="http://schemas.microsoft.com/office/drawing/2014/main" id="{57473353-96D1-4378-AB70-5BA4C1AE6235}"/>
               </a:ext>
             </a:extLst>
           </p:cNvPr>
@@ -18025,7 +18319,7 @@
           <p:cNvPr id="375" name="Connecteur : en angle 374">
             <a:extLst>
               <a:ext uri="{FF2B5EF4-FFF2-40B4-BE49-F238E27FC236}">
-                <a16:creationId xmlns:a16="http://schemas.microsoft.com/office/drawing/2014/main" xmlns="" id="{2A303C1B-96AB-4B61-925C-27A077B1D4D8}"/>
+                <a16:creationId xmlns:a16="http://schemas.microsoft.com/office/drawing/2014/main" id="{2A303C1B-96AB-4B61-925C-27A077B1D4D8}"/>
               </a:ext>
             </a:extLst>
           </p:cNvPr>
@@ -18072,7 +18366,7 @@
           <p:cNvPr id="378" name="Rectangle 377">
             <a:extLst>
               <a:ext uri="{FF2B5EF4-FFF2-40B4-BE49-F238E27FC236}">
-                <a16:creationId xmlns:a16="http://schemas.microsoft.com/office/drawing/2014/main" xmlns="" id="{2B3D5B27-729F-46F3-9904-0836C3D12FC6}"/>
+                <a16:creationId xmlns:a16="http://schemas.microsoft.com/office/drawing/2014/main" id="{2B3D5B27-729F-46F3-9904-0836C3D12FC6}"/>
               </a:ext>
             </a:extLst>
           </p:cNvPr>
@@ -18134,7 +18428,7 @@
           <p:cNvPr id="379" name="Rectangle 378">
             <a:extLst>
               <a:ext uri="{FF2B5EF4-FFF2-40B4-BE49-F238E27FC236}">
-                <a16:creationId xmlns:a16="http://schemas.microsoft.com/office/drawing/2014/main" xmlns="" id="{F9A21658-CC51-4EF3-A5F1-9ABEA5DAC86D}"/>
+                <a16:creationId xmlns:a16="http://schemas.microsoft.com/office/drawing/2014/main" id="{F9A21658-CC51-4EF3-A5F1-9ABEA5DAC86D}"/>
               </a:ext>
             </a:extLst>
           </p:cNvPr>
@@ -18196,7 +18490,7 @@
           <p:cNvPr id="380" name="Rectangle 379">
             <a:extLst>
               <a:ext uri="{FF2B5EF4-FFF2-40B4-BE49-F238E27FC236}">
-                <a16:creationId xmlns:a16="http://schemas.microsoft.com/office/drawing/2014/main" xmlns="" id="{4FDD1D3C-F954-4F93-97E7-1C573E5686BF}"/>
+                <a16:creationId xmlns:a16="http://schemas.microsoft.com/office/drawing/2014/main" id="{4FDD1D3C-F954-4F93-97E7-1C573E5686BF}"/>
               </a:ext>
             </a:extLst>
           </p:cNvPr>
@@ -18258,7 +18552,7 @@
           <p:cNvPr id="381" name="Ellipse 380">
             <a:extLst>
               <a:ext uri="{FF2B5EF4-FFF2-40B4-BE49-F238E27FC236}">
-                <a16:creationId xmlns:a16="http://schemas.microsoft.com/office/drawing/2014/main" xmlns="" id="{915C7131-4ADF-47A5-AB2F-A2606FFC4771}"/>
+                <a16:creationId xmlns:a16="http://schemas.microsoft.com/office/drawing/2014/main" id="{915C7131-4ADF-47A5-AB2F-A2606FFC4771}"/>
               </a:ext>
             </a:extLst>
           </p:cNvPr>
@@ -18314,7 +18608,7 @@
           <p:cNvPr id="382" name="Ellipse 381">
             <a:extLst>
               <a:ext uri="{FF2B5EF4-FFF2-40B4-BE49-F238E27FC236}">
-                <a16:creationId xmlns:a16="http://schemas.microsoft.com/office/drawing/2014/main" xmlns="" id="{2048F7A5-9C7E-4B79-8A25-96398846C664}"/>
+                <a16:creationId xmlns:a16="http://schemas.microsoft.com/office/drawing/2014/main" id="{2048F7A5-9C7E-4B79-8A25-96398846C664}"/>
               </a:ext>
             </a:extLst>
           </p:cNvPr>
@@ -18363,7 +18657,7 @@
           <p:cNvPr id="384" name="Connecteur : en angle 383">
             <a:extLst>
               <a:ext uri="{FF2B5EF4-FFF2-40B4-BE49-F238E27FC236}">
-                <a16:creationId xmlns:a16="http://schemas.microsoft.com/office/drawing/2014/main" xmlns="" id="{74AE99B0-A73D-4A1A-99B1-E22BA0C9F9C6}"/>
+                <a16:creationId xmlns:a16="http://schemas.microsoft.com/office/drawing/2014/main" id="{74AE99B0-A73D-4A1A-99B1-E22BA0C9F9C6}"/>
               </a:ext>
             </a:extLst>
           </p:cNvPr>
@@ -18412,7 +18706,7 @@
           <p:cNvPr id="385" name="Connecteur : en angle 384">
             <a:extLst>
               <a:ext uri="{FF2B5EF4-FFF2-40B4-BE49-F238E27FC236}">
-                <a16:creationId xmlns:a16="http://schemas.microsoft.com/office/drawing/2014/main" xmlns="" id="{484985E9-23DC-44EF-95C9-1D408612B200}"/>
+                <a16:creationId xmlns:a16="http://schemas.microsoft.com/office/drawing/2014/main" id="{484985E9-23DC-44EF-95C9-1D408612B200}"/>
               </a:ext>
             </a:extLst>
           </p:cNvPr>
@@ -18460,7 +18754,7 @@
           <p:cNvPr id="386" name="Rectangle 385">
             <a:extLst>
               <a:ext uri="{FF2B5EF4-FFF2-40B4-BE49-F238E27FC236}">
-                <a16:creationId xmlns:a16="http://schemas.microsoft.com/office/drawing/2014/main" xmlns="" id="{DDDBFEDC-888C-49DC-9C90-6306A70336FA}"/>
+                <a16:creationId xmlns:a16="http://schemas.microsoft.com/office/drawing/2014/main" id="{DDDBFEDC-888C-49DC-9C90-6306A70336FA}"/>
               </a:ext>
             </a:extLst>
           </p:cNvPr>
@@ -18504,7 +18798,7 @@
           <p:cNvPr id="387" name="Rectangle 386">
             <a:extLst>
               <a:ext uri="{FF2B5EF4-FFF2-40B4-BE49-F238E27FC236}">
-                <a16:creationId xmlns:a16="http://schemas.microsoft.com/office/drawing/2014/main" xmlns="" id="{5A6E39E5-42E5-481A-8F0D-6C225276ABF4}"/>
+                <a16:creationId xmlns:a16="http://schemas.microsoft.com/office/drawing/2014/main" id="{5A6E39E5-42E5-481A-8F0D-6C225276ABF4}"/>
               </a:ext>
             </a:extLst>
           </p:cNvPr>
@@ -18548,7 +18842,7 @@
           <p:cNvPr id="388" name="Connecteur : en angle 387">
             <a:extLst>
               <a:ext uri="{FF2B5EF4-FFF2-40B4-BE49-F238E27FC236}">
-                <a16:creationId xmlns:a16="http://schemas.microsoft.com/office/drawing/2014/main" xmlns="" id="{14E3F705-ECD4-40A4-BAF3-943E7D009605}"/>
+                <a16:creationId xmlns:a16="http://schemas.microsoft.com/office/drawing/2014/main" id="{14E3F705-ECD4-40A4-BAF3-943E7D009605}"/>
               </a:ext>
             </a:extLst>
           </p:cNvPr>
@@ -18597,7 +18891,7 @@
           <p:cNvPr id="389" name="Connecteur : en angle 388">
             <a:extLst>
               <a:ext uri="{FF2B5EF4-FFF2-40B4-BE49-F238E27FC236}">
-                <a16:creationId xmlns:a16="http://schemas.microsoft.com/office/drawing/2014/main" xmlns="" id="{4B0DF1A3-4F22-47B2-A5C7-F43FE13F03EA}"/>
+                <a16:creationId xmlns:a16="http://schemas.microsoft.com/office/drawing/2014/main" id="{4B0DF1A3-4F22-47B2-A5C7-F43FE13F03EA}"/>
               </a:ext>
             </a:extLst>
           </p:cNvPr>
@@ -18643,7 +18937,7 @@
           <p:cNvPr id="392" name="Connecteur : en angle 391">
             <a:extLst>
               <a:ext uri="{FF2B5EF4-FFF2-40B4-BE49-F238E27FC236}">
-                <a16:creationId xmlns:a16="http://schemas.microsoft.com/office/drawing/2014/main" xmlns="" id="{50070C9F-476C-413C-B487-94D7D49FAC3D}"/>
+                <a16:creationId xmlns:a16="http://schemas.microsoft.com/office/drawing/2014/main" id="{50070C9F-476C-413C-B487-94D7D49FAC3D}"/>
               </a:ext>
             </a:extLst>
           </p:cNvPr>
@@ -18692,7 +18986,7 @@
           <p:cNvPr id="398" name="Connecteur : en angle 397">
             <a:extLst>
               <a:ext uri="{FF2B5EF4-FFF2-40B4-BE49-F238E27FC236}">
-                <a16:creationId xmlns:a16="http://schemas.microsoft.com/office/drawing/2014/main" xmlns="" id="{334E7B64-6162-44A3-AD6C-6A6B029BB3BF}"/>
+                <a16:creationId xmlns:a16="http://schemas.microsoft.com/office/drawing/2014/main" id="{334E7B64-6162-44A3-AD6C-6A6B029BB3BF}"/>
               </a:ext>
             </a:extLst>
           </p:cNvPr>
@@ -18742,7 +19036,7 @@
           <p:cNvPr id="408" name="ZoneTexte 407">
             <a:extLst>
               <a:ext uri="{FF2B5EF4-FFF2-40B4-BE49-F238E27FC236}">
-                <a16:creationId xmlns:a16="http://schemas.microsoft.com/office/drawing/2014/main" xmlns="" id="{79787717-57FB-4747-B7B5-1D81B6AF248C}"/>
+                <a16:creationId xmlns:a16="http://schemas.microsoft.com/office/drawing/2014/main" id="{79787717-57FB-4747-B7B5-1D81B6AF248C}"/>
               </a:ext>
             </a:extLst>
           </p:cNvPr>
@@ -18771,9 +19065,17 @@
                   <a:srgbClr val="FF0000"/>
                 </a:solidFill>
               </a:rPr>
-              <a:t>+7.4v</a:t>
-            </a:r>
-            <a:endParaRPr lang="fr-FR" sz="1200" b="1" dirty="0">
+              <a:t>+</a:t>
+            </a:r>
+            <a:r>
+              <a:rPr lang="fr-FR" dirty="0">
+                <a:solidFill>
+                  <a:srgbClr val="FF0000"/>
+                </a:solidFill>
+              </a:rPr>
+              <a:t>11.1v</a:t>
+            </a:r>
+            <a:endParaRPr lang="fr-FR" sz="1200" dirty="0">
               <a:solidFill>
                 <a:srgbClr val="FF0000"/>
               </a:solidFill>
@@ -18786,7 +19088,7 @@
           <p:cNvPr id="410" name="Connecteur : en angle 409">
             <a:extLst>
               <a:ext uri="{FF2B5EF4-FFF2-40B4-BE49-F238E27FC236}">
-                <a16:creationId xmlns:a16="http://schemas.microsoft.com/office/drawing/2014/main" xmlns="" id="{666688CA-8916-4EB2-B637-26090C19E526}"/>
+                <a16:creationId xmlns:a16="http://schemas.microsoft.com/office/drawing/2014/main" id="{666688CA-8916-4EB2-B637-26090C19E526}"/>
               </a:ext>
             </a:extLst>
           </p:cNvPr>
@@ -18831,7 +19133,7 @@
           <p:cNvPr id="412" name="Connecteur : en angle 411">
             <a:extLst>
               <a:ext uri="{FF2B5EF4-FFF2-40B4-BE49-F238E27FC236}">
-                <a16:creationId xmlns:a16="http://schemas.microsoft.com/office/drawing/2014/main" xmlns="" id="{84C84E06-30F4-4A81-956E-94CE05B381A5}"/>
+                <a16:creationId xmlns:a16="http://schemas.microsoft.com/office/drawing/2014/main" id="{84C84E06-30F4-4A81-956E-94CE05B381A5}"/>
               </a:ext>
             </a:extLst>
           </p:cNvPr>
@@ -18876,7 +19178,7 @@
           <p:cNvPr id="433" name="ZoneTexte 432">
             <a:extLst>
               <a:ext uri="{FF2B5EF4-FFF2-40B4-BE49-F238E27FC236}">
-                <a16:creationId xmlns:a16="http://schemas.microsoft.com/office/drawing/2014/main" xmlns="" id="{840EE321-8DD6-4F04-8CC4-A398DE980BB5}"/>
+                <a16:creationId xmlns:a16="http://schemas.microsoft.com/office/drawing/2014/main" id="{840EE321-8DD6-4F04-8CC4-A398DE980BB5}"/>
               </a:ext>
             </a:extLst>
           </p:cNvPr>
@@ -18912,7 +19214,7 @@
           <p:cNvPr id="434" name="Connecteur : en angle 433">
             <a:extLst>
               <a:ext uri="{FF2B5EF4-FFF2-40B4-BE49-F238E27FC236}">
-                <a16:creationId xmlns:a16="http://schemas.microsoft.com/office/drawing/2014/main" xmlns="" id="{9C3DEE59-061C-4F23-9E21-5B3DB2591270}"/>
+                <a16:creationId xmlns:a16="http://schemas.microsoft.com/office/drawing/2014/main" id="{9C3DEE59-061C-4F23-9E21-5B3DB2591270}"/>
               </a:ext>
             </a:extLst>
           </p:cNvPr>
@@ -18957,7 +19259,7 @@
           <p:cNvPr id="439" name="Connecteur : en angle 438">
             <a:extLst>
               <a:ext uri="{FF2B5EF4-FFF2-40B4-BE49-F238E27FC236}">
-                <a16:creationId xmlns:a16="http://schemas.microsoft.com/office/drawing/2014/main" xmlns="" id="{3F1DD5BB-C4D4-44C9-B69D-9BABDB4CAF87}"/>
+                <a16:creationId xmlns:a16="http://schemas.microsoft.com/office/drawing/2014/main" id="{3F1DD5BB-C4D4-44C9-B69D-9BABDB4CAF87}"/>
               </a:ext>
             </a:extLst>
           </p:cNvPr>
@@ -19002,7 +19304,7 @@
           <p:cNvPr id="457" name="Connecteur : en angle 456">
             <a:extLst>
               <a:ext uri="{FF2B5EF4-FFF2-40B4-BE49-F238E27FC236}">
-                <a16:creationId xmlns:a16="http://schemas.microsoft.com/office/drawing/2014/main" xmlns="" id="{DD1FF013-1869-43C9-AF8C-513A388A7994}"/>
+                <a16:creationId xmlns:a16="http://schemas.microsoft.com/office/drawing/2014/main" id="{DD1FF013-1869-43C9-AF8C-513A388A7994}"/>
               </a:ext>
             </a:extLst>
           </p:cNvPr>
@@ -19050,7 +19352,7 @@
           <p:cNvPr id="462" name="ZoneTexte 461">
             <a:extLst>
               <a:ext uri="{FF2B5EF4-FFF2-40B4-BE49-F238E27FC236}">
-                <a16:creationId xmlns:a16="http://schemas.microsoft.com/office/drawing/2014/main" xmlns="" id="{5B2F5E68-3D06-4261-B9DA-17D6ADC912E2}"/>
+                <a16:creationId xmlns:a16="http://schemas.microsoft.com/office/drawing/2014/main" id="{5B2F5E68-3D06-4261-B9DA-17D6ADC912E2}"/>
               </a:ext>
             </a:extLst>
           </p:cNvPr>
@@ -19059,8 +19361,8 @@
         </p:nvSpPr>
         <p:spPr>
           <a:xfrm>
-            <a:off x="8781619" y="3031183"/>
-            <a:ext cx="708848" cy="461665"/>
+            <a:off x="8067614" y="3066695"/>
+            <a:ext cx="2048849" cy="369332"/>
           </a:xfrm>
           <a:prstGeom prst="rect">
             <a:avLst/>
@@ -19068,24 +19370,27 @@
           <a:noFill/>
         </p:spPr>
         <p:txBody>
-          <a:bodyPr wrap="none" rtlCol="0">
+          <a:bodyPr wrap="square" rtlCol="0">
             <a:spAutoFit/>
           </a:bodyPr>
           <a:lstStyle/>
           <a:p>
             <a:r>
-              <a:rPr lang="en-US" sz="2400" dirty="0" err="1">
+              <a:rPr lang="en-US" dirty="0" err="1">
                 <a:solidFill>
                   <a:srgbClr val="FF0000"/>
                 </a:solidFill>
               </a:rPr>
               <a:t>Lipo</a:t>
             </a:r>
-            <a:endParaRPr lang="en-US" sz="2400" dirty="0">
-              <a:solidFill>
-                <a:srgbClr val="FF0000"/>
-              </a:solidFill>
-            </a:endParaRPr>
+            <a:r>
+              <a:rPr lang="en-US" dirty="0">
+                <a:solidFill>
+                  <a:srgbClr val="FF0000"/>
+                </a:solidFill>
+              </a:rPr>
+              <a:t> 2200mAh</a:t>
+            </a:r>
           </a:p>
         </p:txBody>
       </p:sp>
@@ -19094,7 +19399,7 @@
           <p:cNvPr id="470" name="ZoneTexte 469">
             <a:extLst>
               <a:ext uri="{FF2B5EF4-FFF2-40B4-BE49-F238E27FC236}">
-                <a16:creationId xmlns:a16="http://schemas.microsoft.com/office/drawing/2014/main" xmlns="" id="{443371C7-E1C8-4900-AD8B-521C8C9B2DC4}"/>
+                <a16:creationId xmlns:a16="http://schemas.microsoft.com/office/drawing/2014/main" id="{443371C7-E1C8-4900-AD8B-521C8C9B2DC4}"/>
               </a:ext>
             </a:extLst>
           </p:cNvPr>
@@ -19133,7 +19438,7 @@
           <p:cNvPr id="471" name="Rectangle 470">
             <a:extLst>
               <a:ext uri="{FF2B5EF4-FFF2-40B4-BE49-F238E27FC236}">
-                <a16:creationId xmlns:a16="http://schemas.microsoft.com/office/drawing/2014/main" xmlns="" id="{DC26D7C4-6EE8-44A8-AC43-01551523B6D7}"/>
+                <a16:creationId xmlns:a16="http://schemas.microsoft.com/office/drawing/2014/main" id="{DC26D7C4-6EE8-44A8-AC43-01551523B6D7}"/>
               </a:ext>
             </a:extLst>
           </p:cNvPr>
@@ -19171,7 +19476,7 @@
           <p:cNvPr id="473" name="Rectangle 472">
             <a:extLst>
               <a:ext uri="{FF2B5EF4-FFF2-40B4-BE49-F238E27FC236}">
-                <a16:creationId xmlns:a16="http://schemas.microsoft.com/office/drawing/2014/main" xmlns="" id="{4FC0546C-7D49-4197-AD4D-C4422D6C4D48}"/>
+                <a16:creationId xmlns:a16="http://schemas.microsoft.com/office/drawing/2014/main" id="{4FC0546C-7D49-4197-AD4D-C4422D6C4D48}"/>
               </a:ext>
             </a:extLst>
           </p:cNvPr>
@@ -19209,7 +19514,7 @@
           <p:cNvPr id="474" name="Rectangle 473">
             <a:extLst>
               <a:ext uri="{FF2B5EF4-FFF2-40B4-BE49-F238E27FC236}">
-                <a16:creationId xmlns:a16="http://schemas.microsoft.com/office/drawing/2014/main" xmlns="" id="{999DF084-CB0E-4696-8E70-3C60790BC689}"/>
+                <a16:creationId xmlns:a16="http://schemas.microsoft.com/office/drawing/2014/main" id="{999DF084-CB0E-4696-8E70-3C60790BC689}"/>
               </a:ext>
             </a:extLst>
           </p:cNvPr>
@@ -19247,7 +19552,7 @@
           <p:cNvPr id="475" name="Rectangle 474">
             <a:extLst>
               <a:ext uri="{FF2B5EF4-FFF2-40B4-BE49-F238E27FC236}">
-                <a16:creationId xmlns:a16="http://schemas.microsoft.com/office/drawing/2014/main" xmlns="" id="{D7B12063-1C01-47C0-8C09-8DF2CA245586}"/>
+                <a16:creationId xmlns:a16="http://schemas.microsoft.com/office/drawing/2014/main" id="{D7B12063-1C01-47C0-8C09-8DF2CA245586}"/>
               </a:ext>
             </a:extLst>
           </p:cNvPr>
@@ -19281,7 +19586,7 @@
           <p:cNvPr id="476" name="Rectangle 475">
             <a:extLst>
               <a:ext uri="{FF2B5EF4-FFF2-40B4-BE49-F238E27FC236}">
-                <a16:creationId xmlns:a16="http://schemas.microsoft.com/office/drawing/2014/main" xmlns="" id="{BEAFE042-BFBA-4A8F-B55C-A2D90751F2B5}"/>
+                <a16:creationId xmlns:a16="http://schemas.microsoft.com/office/drawing/2014/main" id="{BEAFE042-BFBA-4A8F-B55C-A2D90751F2B5}"/>
               </a:ext>
             </a:extLst>
           </p:cNvPr>
@@ -19315,7 +19620,7 @@
           <p:cNvPr id="477" name="Rectangle 476">
             <a:extLst>
               <a:ext uri="{FF2B5EF4-FFF2-40B4-BE49-F238E27FC236}">
-                <a16:creationId xmlns:a16="http://schemas.microsoft.com/office/drawing/2014/main" xmlns="" id="{5A72ABC9-CCC9-4AD0-A17E-CC4011D45328}"/>
+                <a16:creationId xmlns:a16="http://schemas.microsoft.com/office/drawing/2014/main" id="{5A72ABC9-CCC9-4AD0-A17E-CC4011D45328}"/>
               </a:ext>
             </a:extLst>
           </p:cNvPr>
@@ -19349,7 +19654,7 @@
           <p:cNvPr id="478" name="Rectangle 477">
             <a:extLst>
               <a:ext uri="{FF2B5EF4-FFF2-40B4-BE49-F238E27FC236}">
-                <a16:creationId xmlns:a16="http://schemas.microsoft.com/office/drawing/2014/main" xmlns="" id="{E7064332-48CA-4CF8-B560-93D8A2393BA4}"/>
+                <a16:creationId xmlns:a16="http://schemas.microsoft.com/office/drawing/2014/main" id="{E7064332-48CA-4CF8-B560-93D8A2393BA4}"/>
               </a:ext>
             </a:extLst>
           </p:cNvPr>
@@ -19413,7 +19718,7 @@
           <p:cNvPr id="2" name="Titre 1">
             <a:extLst>
               <a:ext uri="{FF2B5EF4-FFF2-40B4-BE49-F238E27FC236}">
-                <a16:creationId xmlns:a16="http://schemas.microsoft.com/office/drawing/2014/main" xmlns="" id="{8DDCDBDF-D8CC-44B1-A599-F6FD2A53CCC8}"/>
+                <a16:creationId xmlns:a16="http://schemas.microsoft.com/office/drawing/2014/main" id="{8DDCDBDF-D8CC-44B1-A599-F6FD2A53CCC8}"/>
               </a:ext>
             </a:extLst>
           </p:cNvPr>
@@ -19441,7 +19746,7 @@
           <p:cNvPr id="4" name="Espace réservé du contenu 3">
             <a:extLst>
               <a:ext uri="{FF2B5EF4-FFF2-40B4-BE49-F238E27FC236}">
-                <a16:creationId xmlns:a16="http://schemas.microsoft.com/office/drawing/2014/main" xmlns="" id="{003D9151-9798-4FFF-84EB-CA24DBFE390D}"/>
+                <a16:creationId xmlns:a16="http://schemas.microsoft.com/office/drawing/2014/main" id="{003D9151-9798-4FFF-84EB-CA24DBFE390D}"/>
               </a:ext>
             </a:extLst>
           </p:cNvPr>
@@ -19471,29 +19776,35 @@
                 <a:gridCol w="2103458">
                   <a:extLst>
                     <a:ext uri="{9D8B030D-6E8A-4147-A177-3AD203B41FA5}">
-                      <a16:colId xmlns:a16="http://schemas.microsoft.com/office/drawing/2014/main" xmlns="" val="141237979"/>
+                      <a16:colId xmlns:a16="http://schemas.microsoft.com/office/drawing/2014/main" val="141237979"/>
                     </a:ext>
                   </a:extLst>
                 </a:gridCol>
                 <a:gridCol w="2103458">
                   <a:extLst>
                     <a:ext uri="{9D8B030D-6E8A-4147-A177-3AD203B41FA5}">
-                      <a16:colId xmlns:a16="http://schemas.microsoft.com/office/drawing/2014/main" xmlns="" val="2232030455"/>
+                      <a16:colId xmlns:a16="http://schemas.microsoft.com/office/drawing/2014/main" val="2232030455"/>
                     </a:ext>
                   </a:extLst>
                 </a:gridCol>
-                <a:gridCol w="2103458"/>
+                <a:gridCol w="2103458">
+                  <a:extLst>
+                    <a:ext uri="{9D8B030D-6E8A-4147-A177-3AD203B41FA5}">
+                      <a16:colId xmlns:a16="http://schemas.microsoft.com/office/drawing/2014/main" val="20002"/>
+                    </a:ext>
+                  </a:extLst>
+                </a:gridCol>
                 <a:gridCol w="3847873">
                   <a:extLst>
                     <a:ext uri="{9D8B030D-6E8A-4147-A177-3AD203B41FA5}">
-                      <a16:colId xmlns:a16="http://schemas.microsoft.com/office/drawing/2014/main" xmlns="" val="295038499"/>
+                      <a16:colId xmlns:a16="http://schemas.microsoft.com/office/drawing/2014/main" val="295038499"/>
                     </a:ext>
                   </a:extLst>
                 </a:gridCol>
                 <a:gridCol w="365818">
                   <a:extLst>
                     <a:ext uri="{9D8B030D-6E8A-4147-A177-3AD203B41FA5}">
-                      <a16:colId xmlns:a16="http://schemas.microsoft.com/office/drawing/2014/main" xmlns="" val="3592764086"/>
+                      <a16:colId xmlns:a16="http://schemas.microsoft.com/office/drawing/2014/main" val="3592764086"/>
                     </a:ext>
                   </a:extLst>
                 </a:gridCol>
@@ -19533,10 +19844,9 @@
                     <a:lstStyle/>
                     <a:p>
                       <a:r>
-                        <a:rPr lang="fr-FR" dirty="0" smtClean="0"/>
+                        <a:rPr lang="fr-FR" dirty="0"/>
                         <a:t>Reference</a:t>
                       </a:r>
-                      <a:endParaRPr lang="fr-FR" dirty="0"/>
                     </a:p>
                   </a:txBody>
                   <a:tcPr/>
@@ -19547,10 +19857,9 @@
                     <a:lstStyle/>
                     <a:p>
                       <a:r>
-                        <a:rPr lang="fr-FR" dirty="0" smtClean="0"/>
+                        <a:rPr lang="fr-FR" dirty="0"/>
                         <a:t>Interface</a:t>
                       </a:r>
-                      <a:endParaRPr lang="fr-FR" dirty="0"/>
                     </a:p>
                   </a:txBody>
                   <a:tcPr/>
@@ -19567,7 +19876,7 @@
                 </a:tc>
                 <a:extLst>
                   <a:ext uri="{0D108BD9-81ED-4DB2-BD59-A6C34878D82A}">
-                    <a16:rowId xmlns:a16="http://schemas.microsoft.com/office/drawing/2014/main" xmlns="" val="3930063906"/>
+                    <a16:rowId xmlns:a16="http://schemas.microsoft.com/office/drawing/2014/main" val="3930063906"/>
                   </a:ext>
                 </a:extLst>
               </a:tr>
@@ -19749,7 +20058,7 @@
                 </a:tc>
                 <a:extLst>
                   <a:ext uri="{0D108BD9-81ED-4DB2-BD59-A6C34878D82A}">
-                    <a16:rowId xmlns:a16="http://schemas.microsoft.com/office/drawing/2014/main" xmlns="" val="3459295351"/>
+                    <a16:rowId xmlns:a16="http://schemas.microsoft.com/office/drawing/2014/main" val="3459295351"/>
                   </a:ext>
                 </a:extLst>
               </a:tr>
@@ -19987,7 +20296,7 @@
                 </a:tc>
                 <a:extLst>
                   <a:ext uri="{0D108BD9-81ED-4DB2-BD59-A6C34878D82A}">
-                    <a16:rowId xmlns:a16="http://schemas.microsoft.com/office/drawing/2014/main" xmlns="" val="11531206"/>
+                    <a16:rowId xmlns:a16="http://schemas.microsoft.com/office/drawing/2014/main" val="11531206"/>
                   </a:ext>
                 </a:extLst>
               </a:tr>
@@ -20232,7 +20541,7 @@
                 </a:tc>
                 <a:extLst>
                   <a:ext uri="{0D108BD9-81ED-4DB2-BD59-A6C34878D82A}">
-                    <a16:rowId xmlns:a16="http://schemas.microsoft.com/office/drawing/2014/main" xmlns="" val="1140387248"/>
+                    <a16:rowId xmlns:a16="http://schemas.microsoft.com/office/drawing/2014/main" val="1140387248"/>
                   </a:ext>
                 </a:extLst>
               </a:tr>
@@ -20482,7 +20791,7 @@
                 </a:tc>
                 <a:extLst>
                   <a:ext uri="{0D108BD9-81ED-4DB2-BD59-A6C34878D82A}">
-                    <a16:rowId xmlns:a16="http://schemas.microsoft.com/office/drawing/2014/main" xmlns="" val="4031062607"/>
+                    <a16:rowId xmlns:a16="http://schemas.microsoft.com/office/drawing/2014/main" val="4031062607"/>
                   </a:ext>
                 </a:extLst>
               </a:tr>
@@ -20637,7 +20946,7 @@
                 </a:tc>
                 <a:extLst>
                   <a:ext uri="{0D108BD9-81ED-4DB2-BD59-A6C34878D82A}">
-                    <a16:rowId xmlns:a16="http://schemas.microsoft.com/office/drawing/2014/main" xmlns="" val="3810878265"/>
+                    <a16:rowId xmlns:a16="http://schemas.microsoft.com/office/drawing/2014/main" val="3810878265"/>
                   </a:ext>
                 </a:extLst>
               </a:tr>
@@ -20787,7 +21096,7 @@
                 </a:tc>
                 <a:extLst>
                   <a:ext uri="{0D108BD9-81ED-4DB2-BD59-A6C34878D82A}">
-                    <a16:rowId xmlns:a16="http://schemas.microsoft.com/office/drawing/2014/main" xmlns="" val="3452581991"/>
+                    <a16:rowId xmlns:a16="http://schemas.microsoft.com/office/drawing/2014/main" val="3452581991"/>
                   </a:ext>
                 </a:extLst>
               </a:tr>
@@ -20824,10 +21133,9 @@
                     <a:lstStyle/>
                     <a:p>
                       <a:r>
-                        <a:rPr lang="fr-FR" dirty="0" smtClean="0"/>
+                        <a:rPr lang="fr-FR" dirty="0"/>
                         <a:t>GP2Y0A21Y</a:t>
                       </a:r>
-                      <a:endParaRPr lang="fr-FR" dirty="0"/>
                     </a:p>
                   </a:txBody>
                   <a:tcPr/>
@@ -20907,7 +21215,7 @@
                 </a:tc>
                 <a:extLst>
                   <a:ext uri="{0D108BD9-81ED-4DB2-BD59-A6C34878D82A}">
-                    <a16:rowId xmlns:a16="http://schemas.microsoft.com/office/drawing/2014/main" xmlns="" val="2574950784"/>
+                    <a16:rowId xmlns:a16="http://schemas.microsoft.com/office/drawing/2014/main" val="2574950784"/>
                   </a:ext>
                 </a:extLst>
               </a:tr>
@@ -21040,7 +21348,7 @@
                 </a:tc>
                 <a:extLst>
                   <a:ext uri="{0D108BD9-81ED-4DB2-BD59-A6C34878D82A}">
-                    <a16:rowId xmlns:a16="http://schemas.microsoft.com/office/drawing/2014/main" xmlns="" val="330511159"/>
+                    <a16:rowId xmlns:a16="http://schemas.microsoft.com/office/drawing/2014/main" val="330511159"/>
                   </a:ext>
                 </a:extLst>
               </a:tr>
@@ -21123,7 +21431,7 @@
                         <a:defRPr/>
                       </a:pPr>
                       <a:r>
-                        <a:rPr lang="en-US" sz="1800" b="0" i="0" kern="1200" dirty="0" smtClean="0">
+                        <a:rPr lang="en-US" sz="1800" b="0" i="0" kern="1200" dirty="0">
                           <a:solidFill>
                             <a:schemeClr val="dk1"/>
                           </a:solidFill>
@@ -21219,7 +21527,7 @@
                 </a:tc>
                 <a:extLst>
                   <a:ext uri="{0D108BD9-81ED-4DB2-BD59-A6C34878D82A}">
-                    <a16:rowId xmlns:a16="http://schemas.microsoft.com/office/drawing/2014/main" xmlns="" val="1577479907"/>
+                    <a16:rowId xmlns:a16="http://schemas.microsoft.com/office/drawing/2014/main" val="1577479907"/>
                   </a:ext>
                 </a:extLst>
               </a:tr>
@@ -21294,7 +21602,7 @@
                         <a:defRPr/>
                       </a:pPr>
                       <a:r>
-                        <a:rPr lang="en-US" sz="1800" b="0" i="0" kern="1200" dirty="0" smtClean="0">
+                        <a:rPr lang="en-US" sz="1800" b="0" i="0" kern="1200" dirty="0">
                           <a:solidFill>
                             <a:schemeClr val="dk1"/>
                           </a:solidFill>
@@ -21385,7 +21693,7 @@
                 </a:tc>
                 <a:extLst>
                   <a:ext uri="{0D108BD9-81ED-4DB2-BD59-A6C34878D82A}">
-                    <a16:rowId xmlns:a16="http://schemas.microsoft.com/office/drawing/2014/main" xmlns="" val="2498999652"/>
+                    <a16:rowId xmlns:a16="http://schemas.microsoft.com/office/drawing/2014/main" val="2498999652"/>
                   </a:ext>
                 </a:extLst>
               </a:tr>
@@ -21428,7 +21736,7 @@
           <p:cNvPr id="2" name="Titre 1">
             <a:extLst>
               <a:ext uri="{FF2B5EF4-FFF2-40B4-BE49-F238E27FC236}">
-                <a16:creationId xmlns:a16="http://schemas.microsoft.com/office/drawing/2014/main" xmlns="" id="{8DDCDBDF-D8CC-44B1-A599-F6FD2A53CCC8}"/>
+                <a16:creationId xmlns:a16="http://schemas.microsoft.com/office/drawing/2014/main" id="{8DDCDBDF-D8CC-44B1-A599-F6FD2A53CCC8}"/>
               </a:ext>
             </a:extLst>
           </p:cNvPr>
@@ -21456,7 +21764,7 @@
           <p:cNvPr id="4" name="Espace réservé du contenu 3">
             <a:extLst>
               <a:ext uri="{FF2B5EF4-FFF2-40B4-BE49-F238E27FC236}">
-                <a16:creationId xmlns:a16="http://schemas.microsoft.com/office/drawing/2014/main" xmlns="" id="{003D9151-9798-4FFF-84EB-CA24DBFE390D}"/>
+                <a16:creationId xmlns:a16="http://schemas.microsoft.com/office/drawing/2014/main" id="{003D9151-9798-4FFF-84EB-CA24DBFE390D}"/>
               </a:ext>
             </a:extLst>
           </p:cNvPr>
@@ -21486,29 +21794,35 @@
                 <a:gridCol w="2904746">
                   <a:extLst>
                     <a:ext uri="{9D8B030D-6E8A-4147-A177-3AD203B41FA5}">
-                      <a16:colId xmlns:a16="http://schemas.microsoft.com/office/drawing/2014/main" xmlns="" val="141237979"/>
+                      <a16:colId xmlns:a16="http://schemas.microsoft.com/office/drawing/2014/main" val="141237979"/>
                     </a:ext>
                   </a:extLst>
                 </a:gridCol>
                 <a:gridCol w="1569081">
                   <a:extLst>
                     <a:ext uri="{9D8B030D-6E8A-4147-A177-3AD203B41FA5}">
-                      <a16:colId xmlns:a16="http://schemas.microsoft.com/office/drawing/2014/main" xmlns="" val="2232030455"/>
+                      <a16:colId xmlns:a16="http://schemas.microsoft.com/office/drawing/2014/main" val="2232030455"/>
                     </a:ext>
                   </a:extLst>
                 </a:gridCol>
-                <a:gridCol w="1569081"/>
+                <a:gridCol w="1569081">
+                  <a:extLst>
+                    <a:ext uri="{9D8B030D-6E8A-4147-A177-3AD203B41FA5}">
+                      <a16:colId xmlns:a16="http://schemas.microsoft.com/office/drawing/2014/main" val="20002"/>
+                    </a:ext>
+                  </a:extLst>
+                </a:gridCol>
                 <a:gridCol w="4052380">
                   <a:extLst>
                     <a:ext uri="{9D8B030D-6E8A-4147-A177-3AD203B41FA5}">
-                      <a16:colId xmlns:a16="http://schemas.microsoft.com/office/drawing/2014/main" xmlns="" val="295038499"/>
+                      <a16:colId xmlns:a16="http://schemas.microsoft.com/office/drawing/2014/main" val="295038499"/>
                     </a:ext>
                   </a:extLst>
                 </a:gridCol>
                 <a:gridCol w="427931">
                   <a:extLst>
                     <a:ext uri="{9D8B030D-6E8A-4147-A177-3AD203B41FA5}">
-                      <a16:colId xmlns:a16="http://schemas.microsoft.com/office/drawing/2014/main" xmlns="" val="3790619278"/>
+                      <a16:colId xmlns:a16="http://schemas.microsoft.com/office/drawing/2014/main" val="3790619278"/>
                     </a:ext>
                   </a:extLst>
                 </a:gridCol>
@@ -21546,10 +21860,9 @@
                     <a:lstStyle/>
                     <a:p>
                       <a:r>
-                        <a:rPr lang="en-US" noProof="0" dirty="0" smtClean="0"/>
+                        <a:rPr lang="en-US" noProof="0" dirty="0"/>
                         <a:t>Reference</a:t>
                       </a:r>
-                      <a:endParaRPr lang="en-US" noProof="0" dirty="0"/>
                     </a:p>
                   </a:txBody>
                   <a:tcPr/>
@@ -21560,10 +21873,9 @@
                     <a:lstStyle/>
                     <a:p>
                       <a:r>
-                        <a:rPr lang="en-US" noProof="0" dirty="0" smtClean="0"/>
+                        <a:rPr lang="en-US" noProof="0" dirty="0"/>
                         <a:t>Interface</a:t>
                       </a:r>
-                      <a:endParaRPr lang="en-US" noProof="0" dirty="0"/>
                     </a:p>
                   </a:txBody>
                   <a:tcPr/>
@@ -21580,7 +21892,7 @@
                 </a:tc>
                 <a:extLst>
                   <a:ext uri="{0D108BD9-81ED-4DB2-BD59-A6C34878D82A}">
-                    <a16:rowId xmlns:a16="http://schemas.microsoft.com/office/drawing/2014/main" xmlns="" val="3930063906"/>
+                    <a16:rowId xmlns:a16="http://schemas.microsoft.com/office/drawing/2014/main" val="3930063906"/>
                   </a:ext>
                 </a:extLst>
               </a:tr>
@@ -21617,7 +21929,7 @@
                     <a:lstStyle/>
                     <a:p>
                       <a:r>
-                        <a:rPr lang="en-US" sz="1800" b="0" i="0" kern="1200" dirty="0" err="1" smtClean="0">
+                        <a:rPr lang="en-US" sz="1800" b="0" i="0" kern="1200" dirty="0" err="1">
                           <a:solidFill>
                             <a:schemeClr val="dk1"/>
                           </a:solidFill>
@@ -21669,7 +21981,7 @@
                 </a:tc>
                 <a:extLst>
                   <a:ext uri="{0D108BD9-81ED-4DB2-BD59-A6C34878D82A}">
-                    <a16:rowId xmlns:a16="http://schemas.microsoft.com/office/drawing/2014/main" xmlns="" val="3643261065"/>
+                    <a16:rowId xmlns:a16="http://schemas.microsoft.com/office/drawing/2014/main" val="3643261065"/>
                   </a:ext>
                 </a:extLst>
               </a:tr>
@@ -21782,7 +22094,7 @@
                 </a:tc>
                 <a:extLst>
                   <a:ext uri="{0D108BD9-81ED-4DB2-BD59-A6C34878D82A}">
-                    <a16:rowId xmlns:a16="http://schemas.microsoft.com/office/drawing/2014/main" xmlns="" val="2053301941"/>
+                    <a16:rowId xmlns:a16="http://schemas.microsoft.com/office/drawing/2014/main" val="2053301941"/>
                   </a:ext>
                 </a:extLst>
               </a:tr>
@@ -21946,7 +22258,7 @@
                 </a:tc>
                 <a:extLst>
                   <a:ext uri="{0D108BD9-81ED-4DB2-BD59-A6C34878D82A}">
-                    <a16:rowId xmlns:a16="http://schemas.microsoft.com/office/drawing/2014/main" xmlns="" val="589730488"/>
+                    <a16:rowId xmlns:a16="http://schemas.microsoft.com/office/drawing/2014/main" val="589730488"/>
                   </a:ext>
                 </a:extLst>
               </a:tr>
@@ -22076,7 +22388,7 @@
                 </a:tc>
                 <a:extLst>
                   <a:ext uri="{0D108BD9-81ED-4DB2-BD59-A6C34878D82A}">
-                    <a16:rowId xmlns:a16="http://schemas.microsoft.com/office/drawing/2014/main" xmlns="" val="4052959503"/>
+                    <a16:rowId xmlns:a16="http://schemas.microsoft.com/office/drawing/2014/main" val="4052959503"/>
                   </a:ext>
                 </a:extLst>
               </a:tr>
@@ -22206,7 +22518,7 @@
                 </a:tc>
                 <a:extLst>
                   <a:ext uri="{0D108BD9-81ED-4DB2-BD59-A6C34878D82A}">
-                    <a16:rowId xmlns:a16="http://schemas.microsoft.com/office/drawing/2014/main" xmlns="" val="899705798"/>
+                    <a16:rowId xmlns:a16="http://schemas.microsoft.com/office/drawing/2014/main" val="899705798"/>
                   </a:ext>
                 </a:extLst>
               </a:tr>
@@ -22243,10 +22555,9 @@
                     <a:lstStyle/>
                     <a:p>
                       <a:r>
-                        <a:rPr lang="en-US" noProof="0" dirty="0" smtClean="0"/>
+                        <a:rPr lang="en-US" noProof="0" dirty="0"/>
                         <a:t>LSY201</a:t>
                       </a:r>
-                      <a:endParaRPr lang="en-US" noProof="0" dirty="0"/>
                     </a:p>
                   </a:txBody>
                   <a:tcPr/>
@@ -22326,7 +22637,7 @@
                 </a:tc>
                 <a:extLst>
                   <a:ext uri="{0D108BD9-81ED-4DB2-BD59-A6C34878D82A}">
-                    <a16:rowId xmlns:a16="http://schemas.microsoft.com/office/drawing/2014/main" xmlns="" val="1125724145"/>
+                    <a16:rowId xmlns:a16="http://schemas.microsoft.com/office/drawing/2014/main" val="1125724145"/>
                   </a:ext>
                 </a:extLst>
               </a:tr>
@@ -22425,7 +22736,7 @@
                 </a:tc>
                 <a:extLst>
                   <a:ext uri="{0D108BD9-81ED-4DB2-BD59-A6C34878D82A}">
-                    <a16:rowId xmlns:a16="http://schemas.microsoft.com/office/drawing/2014/main" xmlns="" val="1684437897"/>
+                    <a16:rowId xmlns:a16="http://schemas.microsoft.com/office/drawing/2014/main" val="1684437897"/>
                   </a:ext>
                 </a:extLst>
               </a:tr>
@@ -22558,7 +22869,7 @@
                 </a:tc>
                 <a:extLst>
                   <a:ext uri="{0D108BD9-81ED-4DB2-BD59-A6C34878D82A}">
-                    <a16:rowId xmlns:a16="http://schemas.microsoft.com/office/drawing/2014/main" xmlns="" val="1809774577"/>
+                    <a16:rowId xmlns:a16="http://schemas.microsoft.com/office/drawing/2014/main" val="1809774577"/>
                   </a:ext>
                 </a:extLst>
               </a:tr>
@@ -22595,8 +22906,139 @@
                     <a:lstStyle/>
                     <a:p>
                       <a:r>
-                        <a:rPr lang="en-US" noProof="0" dirty="0" smtClean="0"/>
+                        <a:rPr lang="en-US" noProof="0" dirty="0"/>
                         <a:t>DS1307</a:t>
+                      </a:r>
+                    </a:p>
+                  </a:txBody>
+                  <a:tcPr/>
+                </a:tc>
+                <a:tc>
+                  <a:txBody>
+                    <a:bodyPr/>
+                    <a:lstStyle/>
+                    <a:p>
+                      <a:pPr marL="0" marR="0" lvl="0" indent="0" algn="l" defTabSz="914400" rtl="0" eaLnBrk="1" fontAlgn="auto" latinLnBrk="0" hangingPunct="1">
+                        <a:lnSpc>
+                          <a:spcPct val="100000"/>
+                        </a:lnSpc>
+                        <a:spcBef>
+                          <a:spcPts val="0"/>
+                        </a:spcBef>
+                        <a:spcAft>
+                          <a:spcPts val="0"/>
+                        </a:spcAft>
+                        <a:buClrTx/>
+                        <a:buSzTx/>
+                        <a:buFontTx/>
+                        <a:buNone/>
+                        <a:tabLst/>
+                        <a:defRPr/>
+                      </a:pPr>
+                      <a:r>
+                        <a:rPr lang="en-US" noProof="0" dirty="0"/>
+                        <a:t>I2C 0x68</a:t>
+                      </a:r>
+                    </a:p>
+                  </a:txBody>
+                  <a:tcPr/>
+                </a:tc>
+                <a:tc>
+                  <a:txBody>
+                    <a:bodyPr/>
+                    <a:lstStyle/>
+                    <a:p>
+                      <a:pPr marL="285750" marR="0" lvl="0" indent="-285750" algn="l" defTabSz="914400" rtl="0" eaLnBrk="1" fontAlgn="auto" latinLnBrk="0" hangingPunct="1">
+                        <a:lnSpc>
+                          <a:spcPct val="100000"/>
+                        </a:lnSpc>
+                        <a:spcBef>
+                          <a:spcPts val="0"/>
+                        </a:spcBef>
+                        <a:spcAft>
+                          <a:spcPts val="0"/>
+                        </a:spcAft>
+                        <a:buClrTx/>
+                        <a:buSzTx/>
+                        <a:buFont typeface="Wingdings" panose="05000000000000000000" pitchFamily="2" charset="2"/>
+                        <a:buChar char="ü"/>
+                        <a:tabLst/>
+                        <a:defRPr/>
+                      </a:pPr>
+                      <a:r>
+                        <a:rPr kumimoji="0" lang="en-US" sz="1800" b="0" i="0" u="none" strike="noStrike" kern="1200" cap="none" spc="0" normalizeH="0" baseline="0" noProof="0" dirty="0">
+                          <a:ln>
+                            <a:noFill/>
+                          </a:ln>
+                          <a:solidFill>
+                            <a:srgbClr val="00B050"/>
+                          </a:solidFill>
+                          <a:effectLst/>
+                          <a:uLnTx/>
+                          <a:uFillTx/>
+                          <a:latin typeface="+mn-lt"/>
+                          <a:ea typeface="+mn-ea"/>
+                          <a:cs typeface="+mn-cs"/>
+                        </a:rPr>
+                        <a:t> </a:t>
+                      </a:r>
+                    </a:p>
+                  </a:txBody>
+                  <a:tcPr/>
+                </a:tc>
+                <a:extLst>
+                  <a:ext uri="{0D108BD9-81ED-4DB2-BD59-A6C34878D82A}">
+                    <a16:rowId xmlns:a16="http://schemas.microsoft.com/office/drawing/2014/main" val="3987889869"/>
+                  </a:ext>
+                </a:extLst>
+              </a:tr>
+              <a:tr h="370840">
+                <a:tc>
+                  <a:txBody>
+                    <a:bodyPr/>
+                    <a:lstStyle/>
+                    <a:p>
+                      <a:r>
+                        <a:rPr lang="en-US" noProof="0" dirty="0">
+                          <a:solidFill>
+                            <a:schemeClr val="tx1"/>
+                          </a:solidFill>
+                        </a:rPr>
+                        <a:t>Brightness sensor </a:t>
+                      </a:r>
+                    </a:p>
+                  </a:txBody>
+                  <a:tcPr/>
+                </a:tc>
+                <a:tc>
+                  <a:txBody>
+                    <a:bodyPr/>
+                    <a:lstStyle/>
+                    <a:p>
+                      <a:r>
+                        <a:rPr lang="en-US" noProof="0" dirty="0"/>
+                        <a:t>Detect</a:t>
+                      </a:r>
+                    </a:p>
+                  </a:txBody>
+                  <a:tcPr/>
+                </a:tc>
+                <a:tc>
+                  <a:txBody>
+                    <a:bodyPr/>
+                    <a:lstStyle/>
+                    <a:p>
+                      <a:r>
+                        <a:rPr lang="en-US" sz="1800" b="0" i="0" kern="1200" dirty="0">
+                          <a:solidFill>
+                            <a:schemeClr val="dk1"/>
+                          </a:solidFill>
+                          <a:effectLst/>
+                          <a:latin typeface="+mn-lt"/>
+                          <a:ea typeface="+mn-ea"/>
+                          <a:cs typeface="+mn-cs"/>
+                        </a:rPr>
+                        <a:t>BH1720</a:t>
                       </a:r>
                       <a:endParaRPr lang="en-US" noProof="0" dirty="0"/>
                     </a:p>
@@ -22627,7 +23069,7 @@
                       </a:pPr>
                       <a:r>
                         <a:rPr lang="en-US" noProof="0" dirty="0"/>
-                        <a:t>I2C 0x68</a:t>
+                        <a:t>I2C 0x23</a:t>
                       </a:r>
                     </a:p>
                   </a:txBody>
@@ -22678,23 +23120,19 @@
                 </a:tc>
                 <a:extLst>
                   <a:ext uri="{0D108BD9-81ED-4DB2-BD59-A6C34878D82A}">
-                    <a16:rowId xmlns:a16="http://schemas.microsoft.com/office/drawing/2014/main" xmlns="" val="3987889869"/>
+                    <a16:rowId xmlns:a16="http://schemas.microsoft.com/office/drawing/2014/main" val="2702079324"/>
                   </a:ext>
                 </a:extLst>
               </a:tr>
-              <a:tr h="370840">
+              <a:tr h="0">
                 <a:tc>
                   <a:txBody>
                     <a:bodyPr/>
                     <a:lstStyle/>
                     <a:p>
                       <a:r>
-                        <a:rPr lang="en-US" noProof="0" dirty="0">
-                          <a:solidFill>
-                            <a:schemeClr val="tx1"/>
-                          </a:solidFill>
-                        </a:rPr>
-                        <a:t>Brightness sensor </a:t>
+                        <a:rPr lang="en-US" noProof="0" dirty="0"/>
+                        <a:t>Temperature &amp; Humidity sensor </a:t>
                       </a:r>
                     </a:p>
                   </a:txBody>
@@ -22719,7 +23157,7 @@
                     <a:lstStyle/>
                     <a:p>
                       <a:r>
-                        <a:rPr lang="en-US" sz="1800" b="0" i="0" kern="1200" dirty="0" smtClean="0">
+                        <a:rPr lang="en-US" sz="1800" b="0" i="0" kern="1200" dirty="0">
                           <a:solidFill>
                             <a:schemeClr val="dk1"/>
                           </a:solidFill>
@@ -22728,7 +23166,7 @@
                           <a:ea typeface="+mn-ea"/>
                           <a:cs typeface="+mn-cs"/>
                         </a:rPr>
-                        <a:t>BH1720</a:t>
+                        <a:t>DHT22</a:t>
                       </a:r>
                       <a:endParaRPr lang="en-US" noProof="0" dirty="0"/>
                     </a:p>
@@ -22758,8 +23196,8 @@
                         <a:defRPr/>
                       </a:pPr>
                       <a:r>
-                        <a:rPr lang="en-US" noProof="0" dirty="0"/>
-                        <a:t>I2C 0x23</a:t>
+                        <a:rPr lang="fr-FR" dirty="0"/>
+                        <a:t>Digital pin 34</a:t>
                       </a:r>
                     </a:p>
                   </a:txBody>
@@ -22810,135 +23248,7 @@
                 </a:tc>
                 <a:extLst>
                   <a:ext uri="{0D108BD9-81ED-4DB2-BD59-A6C34878D82A}">
-                    <a16:rowId xmlns:a16="http://schemas.microsoft.com/office/drawing/2014/main" xmlns="" val="2702079324"/>
-                  </a:ext>
-                </a:extLst>
-              </a:tr>
-              <a:tr h="0">
-                <a:tc>
-                  <a:txBody>
-                    <a:bodyPr/>
-                    <a:lstStyle/>
-                    <a:p>
-                      <a:r>
-                        <a:rPr lang="en-US" noProof="0" dirty="0"/>
-                        <a:t>Temperature &amp; Humidity sensor </a:t>
-                      </a:r>
-                    </a:p>
-                  </a:txBody>
-                  <a:tcPr/>
-                </a:tc>
-                <a:tc>
-                  <a:txBody>
-                    <a:bodyPr/>
-                    <a:lstStyle/>
-                    <a:p>
-                      <a:r>
-                        <a:rPr lang="en-US" noProof="0" dirty="0"/>
-                        <a:t>Detect</a:t>
-                      </a:r>
-                    </a:p>
-                  </a:txBody>
-                  <a:tcPr/>
-                </a:tc>
-                <a:tc>
-                  <a:txBody>
-                    <a:bodyPr/>
-                    <a:lstStyle/>
-                    <a:p>
-                      <a:r>
-                        <a:rPr lang="en-US" sz="1800" b="0" i="0" kern="1200" dirty="0" smtClean="0">
-                          <a:solidFill>
-                            <a:schemeClr val="dk1"/>
-                          </a:solidFill>
-                          <a:effectLst/>
-                          <a:latin typeface="+mn-lt"/>
-                          <a:ea typeface="+mn-ea"/>
-                          <a:cs typeface="+mn-cs"/>
-                        </a:rPr>
-                        <a:t>DHT22</a:t>
-                      </a:r>
-                      <a:endParaRPr lang="en-US" noProof="0" dirty="0"/>
-                    </a:p>
-                  </a:txBody>
-                  <a:tcPr/>
-                </a:tc>
-                <a:tc>
-                  <a:txBody>
-                    <a:bodyPr/>
-                    <a:lstStyle/>
-                    <a:p>
-                      <a:pPr marL="0" marR="0" lvl="0" indent="0" algn="l" defTabSz="914400" rtl="0" eaLnBrk="1" fontAlgn="auto" latinLnBrk="0" hangingPunct="1">
-                        <a:lnSpc>
-                          <a:spcPct val="100000"/>
-                        </a:lnSpc>
-                        <a:spcBef>
-                          <a:spcPts val="0"/>
-                        </a:spcBef>
-                        <a:spcAft>
-                          <a:spcPts val="0"/>
-                        </a:spcAft>
-                        <a:buClrTx/>
-                        <a:buSzTx/>
-                        <a:buFontTx/>
-                        <a:buNone/>
-                        <a:tabLst/>
-                        <a:defRPr/>
-                      </a:pPr>
-                      <a:r>
-                        <a:rPr lang="fr-FR" dirty="0"/>
-                        <a:t>Digital pin 34</a:t>
-                      </a:r>
-                    </a:p>
-                  </a:txBody>
-                  <a:tcPr/>
-                </a:tc>
-                <a:tc>
-                  <a:txBody>
-                    <a:bodyPr/>
-                    <a:lstStyle/>
-                    <a:p>
-                      <a:pPr marL="285750" marR="0" lvl="0" indent="-285750" algn="l" defTabSz="914400" rtl="0" eaLnBrk="1" fontAlgn="auto" latinLnBrk="0" hangingPunct="1">
-                        <a:lnSpc>
-                          <a:spcPct val="100000"/>
-                        </a:lnSpc>
-                        <a:spcBef>
-                          <a:spcPts val="0"/>
-                        </a:spcBef>
-                        <a:spcAft>
-                          <a:spcPts val="0"/>
-                        </a:spcAft>
-                        <a:buClrTx/>
-                        <a:buSzTx/>
-                        <a:buFont typeface="Wingdings" panose="05000000000000000000" pitchFamily="2" charset="2"/>
-                        <a:buChar char="ü"/>
-                        <a:tabLst/>
-                        <a:defRPr/>
-                      </a:pPr>
-                      <a:r>
-                        <a:rPr kumimoji="0" lang="en-US" sz="1800" b="0" i="0" u="none" strike="noStrike" kern="1200" cap="none" spc="0" normalizeH="0" baseline="0" noProof="0" dirty="0">
-                          <a:ln>
-                            <a:noFill/>
-                          </a:ln>
-                          <a:solidFill>
-                            <a:srgbClr val="00B050"/>
-                          </a:solidFill>
-                          <a:effectLst/>
-                          <a:uLnTx/>
-                          <a:uFillTx/>
-                          <a:latin typeface="+mn-lt"/>
-                          <a:ea typeface="+mn-ea"/>
-                          <a:cs typeface="+mn-cs"/>
-                        </a:rPr>
-                        <a:t> </a:t>
-                      </a:r>
-                    </a:p>
-                  </a:txBody>
-                  <a:tcPr/>
-                </a:tc>
-                <a:extLst>
-                  <a:ext uri="{0D108BD9-81ED-4DB2-BD59-A6C34878D82A}">
-                    <a16:rowId xmlns:a16="http://schemas.microsoft.com/office/drawing/2014/main" xmlns="" val="1703739092"/>
+                    <a16:rowId xmlns:a16="http://schemas.microsoft.com/office/drawing/2014/main" val="1703739092"/>
                   </a:ext>
                 </a:extLst>
               </a:tr>
@@ -23054,7 +23364,7 @@
                 </a:tc>
                 <a:extLst>
                   <a:ext uri="{0D108BD9-81ED-4DB2-BD59-A6C34878D82A}">
-                    <a16:rowId xmlns:a16="http://schemas.microsoft.com/office/drawing/2014/main" xmlns="" val="914964665"/>
+                    <a16:rowId xmlns:a16="http://schemas.microsoft.com/office/drawing/2014/main" val="914964665"/>
                   </a:ext>
                 </a:extLst>
               </a:tr>
@@ -23202,7 +23512,7 @@
                 </a:tc>
                 <a:extLst>
                   <a:ext uri="{0D108BD9-81ED-4DB2-BD59-A6C34878D82A}">
-                    <a16:rowId xmlns:a16="http://schemas.microsoft.com/office/drawing/2014/main" xmlns="" val="802458752"/>
+                    <a16:rowId xmlns:a16="http://schemas.microsoft.com/office/drawing/2014/main" val="802458752"/>
                   </a:ext>
                 </a:extLst>
               </a:tr>
@@ -23245,7 +23555,7 @@
           <p:cNvPr id="2" name="Titre 1">
             <a:extLst>
               <a:ext uri="{FF2B5EF4-FFF2-40B4-BE49-F238E27FC236}">
-                <a16:creationId xmlns:a16="http://schemas.microsoft.com/office/drawing/2014/main" xmlns="" id="{B52BFAC6-4D4C-43D7-98B0-B4FBA0DB4F50}"/>
+                <a16:creationId xmlns:a16="http://schemas.microsoft.com/office/drawing/2014/main" id="{B52BFAC6-4D4C-43D7-98B0-B4FBA0DB4F50}"/>
               </a:ext>
             </a:extLst>
           </p:cNvPr>
@@ -23281,7 +23591,7 @@
           <p:cNvPr id="3" name="Espace réservé du contenu 2">
             <a:extLst>
               <a:ext uri="{FF2B5EF4-FFF2-40B4-BE49-F238E27FC236}">
-                <a16:creationId xmlns:a16="http://schemas.microsoft.com/office/drawing/2014/main" xmlns="" id="{0C329F29-2556-4E07-A011-393CBF17953B}"/>
+                <a16:creationId xmlns:a16="http://schemas.microsoft.com/office/drawing/2014/main" id="{0C329F29-2556-4E07-A011-393CBF17953B}"/>
               </a:ext>
             </a:extLst>
           </p:cNvPr>
@@ -23555,7 +23865,7 @@
           <p:cNvPr id="4" name="Tableau 3">
             <a:extLst>
               <a:ext uri="{FF2B5EF4-FFF2-40B4-BE49-F238E27FC236}">
-                <a16:creationId xmlns:a16="http://schemas.microsoft.com/office/drawing/2014/main" xmlns="" id="{B3D0016E-CDE3-41C4-90CE-864BCAC70311}"/>
+                <a16:creationId xmlns:a16="http://schemas.microsoft.com/office/drawing/2014/main" id="{B3D0016E-CDE3-41C4-90CE-864BCAC70311}"/>
               </a:ext>
             </a:extLst>
           </p:cNvPr>
@@ -23584,35 +23894,35 @@
                 <a:gridCol w="1872391">
                   <a:extLst>
                     <a:ext uri="{9D8B030D-6E8A-4147-A177-3AD203B41FA5}">
-                      <a16:colId xmlns:a16="http://schemas.microsoft.com/office/drawing/2014/main" xmlns="" val="3246951078"/>
+                      <a16:colId xmlns:a16="http://schemas.microsoft.com/office/drawing/2014/main" val="3246951078"/>
                     </a:ext>
                   </a:extLst>
                 </a:gridCol>
                 <a:gridCol w="2309563">
                   <a:extLst>
                     <a:ext uri="{9D8B030D-6E8A-4147-A177-3AD203B41FA5}">
-                      <a16:colId xmlns:a16="http://schemas.microsoft.com/office/drawing/2014/main" xmlns="" val="4211024026"/>
+                      <a16:colId xmlns:a16="http://schemas.microsoft.com/office/drawing/2014/main" val="4211024026"/>
                     </a:ext>
                   </a:extLst>
                 </a:gridCol>
                 <a:gridCol w="1491342">
                   <a:extLst>
                     <a:ext uri="{9D8B030D-6E8A-4147-A177-3AD203B41FA5}">
-                      <a16:colId xmlns:a16="http://schemas.microsoft.com/office/drawing/2014/main" xmlns="" val="2407025767"/>
+                      <a16:colId xmlns:a16="http://schemas.microsoft.com/office/drawing/2014/main" val="2407025767"/>
                     </a:ext>
                   </a:extLst>
                 </a:gridCol>
                 <a:gridCol w="1595362">
                   <a:extLst>
                     <a:ext uri="{9D8B030D-6E8A-4147-A177-3AD203B41FA5}">
-                      <a16:colId xmlns:a16="http://schemas.microsoft.com/office/drawing/2014/main" xmlns="" val="657158528"/>
+                      <a16:colId xmlns:a16="http://schemas.microsoft.com/office/drawing/2014/main" val="657158528"/>
                     </a:ext>
                   </a:extLst>
                 </a:gridCol>
                 <a:gridCol w="1942496">
                   <a:extLst>
                     <a:ext uri="{9D8B030D-6E8A-4147-A177-3AD203B41FA5}">
-                      <a16:colId xmlns:a16="http://schemas.microsoft.com/office/drawing/2014/main" xmlns="" val="1152028134"/>
+                      <a16:colId xmlns:a16="http://schemas.microsoft.com/office/drawing/2014/main" val="1152028134"/>
                     </a:ext>
                   </a:extLst>
                 </a:gridCol>
@@ -23690,7 +24000,7 @@
                 </a:tc>
                 <a:extLst>
                   <a:ext uri="{0D108BD9-81ED-4DB2-BD59-A6C34878D82A}">
-                    <a16:rowId xmlns:a16="http://schemas.microsoft.com/office/drawing/2014/main" xmlns="" val="676936176"/>
+                    <a16:rowId xmlns:a16="http://schemas.microsoft.com/office/drawing/2014/main" val="676936176"/>
                   </a:ext>
                 </a:extLst>
               </a:tr>
@@ -23835,7 +24145,7 @@
                 </a:tc>
                 <a:extLst>
                   <a:ext uri="{0D108BD9-81ED-4DB2-BD59-A6C34878D82A}">
-                    <a16:rowId xmlns:a16="http://schemas.microsoft.com/office/drawing/2014/main" xmlns="" val="519764766"/>
+                    <a16:rowId xmlns:a16="http://schemas.microsoft.com/office/drawing/2014/main" val="519764766"/>
                   </a:ext>
                 </a:extLst>
               </a:tr>
@@ -23907,7 +24217,7 @@
                 </a:tc>
                 <a:extLst>
                   <a:ext uri="{0D108BD9-81ED-4DB2-BD59-A6C34878D82A}">
-                    <a16:rowId xmlns:a16="http://schemas.microsoft.com/office/drawing/2014/main" xmlns="" val="3831278488"/>
+                    <a16:rowId xmlns:a16="http://schemas.microsoft.com/office/drawing/2014/main" val="3831278488"/>
                   </a:ext>
                 </a:extLst>
               </a:tr>
@@ -24109,7 +24419,7 @@
                 </a:tc>
                 <a:extLst>
                   <a:ext uri="{0D108BD9-81ED-4DB2-BD59-A6C34878D82A}">
-                    <a16:rowId xmlns:a16="http://schemas.microsoft.com/office/drawing/2014/main" xmlns="" val="1220700599"/>
+                    <a16:rowId xmlns:a16="http://schemas.microsoft.com/office/drawing/2014/main" val="1220700599"/>
                   </a:ext>
                 </a:extLst>
               </a:tr>
@@ -24152,7 +24462,7 @@
           <p:cNvPr id="5" name="Rectangle 4">
             <a:extLst>
               <a:ext uri="{FF2B5EF4-FFF2-40B4-BE49-F238E27FC236}">
-                <a16:creationId xmlns:a16="http://schemas.microsoft.com/office/drawing/2014/main" xmlns="" id="{0F1268BC-C444-44ED-8A77-4D9E86E97815}"/>
+                <a16:creationId xmlns:a16="http://schemas.microsoft.com/office/drawing/2014/main" id="{0F1268BC-C444-44ED-8A77-4D9E86E97815}"/>
               </a:ext>
             </a:extLst>
           </p:cNvPr>
@@ -24202,7 +24512,7 @@
           <p:cNvPr id="4" name="Rectangle 3">
             <a:extLst>
               <a:ext uri="{FF2B5EF4-FFF2-40B4-BE49-F238E27FC236}">
-                <a16:creationId xmlns:a16="http://schemas.microsoft.com/office/drawing/2014/main" xmlns="" id="{E15AF5CA-93FD-41AD-BF8E-15E7F94493E4}"/>
+                <a16:creationId xmlns:a16="http://schemas.microsoft.com/office/drawing/2014/main" id="{E15AF5CA-93FD-41AD-BF8E-15E7F94493E4}"/>
               </a:ext>
             </a:extLst>
           </p:cNvPr>
@@ -24252,7 +24562,7 @@
           <p:cNvPr id="2" name="Titre 1">
             <a:extLst>
               <a:ext uri="{FF2B5EF4-FFF2-40B4-BE49-F238E27FC236}">
-                <a16:creationId xmlns:a16="http://schemas.microsoft.com/office/drawing/2014/main" xmlns="" id="{B52BFAC6-4D4C-43D7-98B0-B4FBA0DB4F50}"/>
+                <a16:creationId xmlns:a16="http://schemas.microsoft.com/office/drawing/2014/main" id="{B52BFAC6-4D4C-43D7-98B0-B4FBA0DB4F50}"/>
               </a:ext>
             </a:extLst>
           </p:cNvPr>
@@ -24288,7 +24598,7 @@
           <p:cNvPr id="3" name="Espace réservé du contenu 2">
             <a:extLst>
               <a:ext uri="{FF2B5EF4-FFF2-40B4-BE49-F238E27FC236}">
-                <a16:creationId xmlns:a16="http://schemas.microsoft.com/office/drawing/2014/main" xmlns="" id="{0C329F29-2556-4E07-A011-393CBF17953B}"/>
+                <a16:creationId xmlns:a16="http://schemas.microsoft.com/office/drawing/2014/main" id="{0C329F29-2556-4E07-A011-393CBF17953B}"/>
               </a:ext>
             </a:extLst>
           </p:cNvPr>
@@ -24593,7 +24903,7 @@
           <p:cNvPr id="2" name="Titre 1">
             <a:extLst>
               <a:ext uri="{FF2B5EF4-FFF2-40B4-BE49-F238E27FC236}">
-                <a16:creationId xmlns:a16="http://schemas.microsoft.com/office/drawing/2014/main" xmlns="" id="{8DDCDBDF-D8CC-44B1-A599-F6FD2A53CCC8}"/>
+                <a16:creationId xmlns:a16="http://schemas.microsoft.com/office/drawing/2014/main" id="{8DDCDBDF-D8CC-44B1-A599-F6FD2A53CCC8}"/>
               </a:ext>
             </a:extLst>
           </p:cNvPr>
@@ -24630,7 +24940,7 @@
           <p:cNvPr id="4" name="Espace réservé du contenu 3">
             <a:extLst>
               <a:ext uri="{FF2B5EF4-FFF2-40B4-BE49-F238E27FC236}">
-                <a16:creationId xmlns:a16="http://schemas.microsoft.com/office/drawing/2014/main" xmlns="" id="{003D9151-9798-4FFF-84EB-CA24DBFE390D}"/>
+                <a16:creationId xmlns:a16="http://schemas.microsoft.com/office/drawing/2014/main" id="{003D9151-9798-4FFF-84EB-CA24DBFE390D}"/>
               </a:ext>
             </a:extLst>
           </p:cNvPr>
@@ -24660,21 +24970,21 @@
                 <a:gridCol w="1727637">
                   <a:extLst>
                     <a:ext uri="{9D8B030D-6E8A-4147-A177-3AD203B41FA5}">
-                      <a16:colId xmlns:a16="http://schemas.microsoft.com/office/drawing/2014/main" xmlns="" val="141237979"/>
+                      <a16:colId xmlns:a16="http://schemas.microsoft.com/office/drawing/2014/main" val="141237979"/>
                     </a:ext>
                   </a:extLst>
                 </a:gridCol>
                 <a:gridCol w="5320862">
                   <a:extLst>
                     <a:ext uri="{9D8B030D-6E8A-4147-A177-3AD203B41FA5}">
-                      <a16:colId xmlns:a16="http://schemas.microsoft.com/office/drawing/2014/main" xmlns="" val="2232030455"/>
+                      <a16:colId xmlns:a16="http://schemas.microsoft.com/office/drawing/2014/main" val="2232030455"/>
                     </a:ext>
                   </a:extLst>
                 </a:gridCol>
                 <a:gridCol w="3083865">
                   <a:extLst>
                     <a:ext uri="{9D8B030D-6E8A-4147-A177-3AD203B41FA5}">
-                      <a16:colId xmlns:a16="http://schemas.microsoft.com/office/drawing/2014/main" xmlns="" val="20002"/>
+                      <a16:colId xmlns:a16="http://schemas.microsoft.com/office/drawing/2014/main" val="20002"/>
                     </a:ext>
                   </a:extLst>
                 </a:gridCol>
@@ -24722,7 +25032,7 @@
                 </a:tc>
                 <a:extLst>
                   <a:ext uri="{0D108BD9-81ED-4DB2-BD59-A6C34878D82A}">
-                    <a16:rowId xmlns:a16="http://schemas.microsoft.com/office/drawing/2014/main" xmlns="" val="3930063906"/>
+                    <a16:rowId xmlns:a16="http://schemas.microsoft.com/office/drawing/2014/main" val="3930063906"/>
                   </a:ext>
                 </a:extLst>
               </a:tr>
@@ -24812,7 +25122,7 @@
                 </a:tc>
                 <a:extLst>
                   <a:ext uri="{0D108BD9-81ED-4DB2-BD59-A6C34878D82A}">
-                    <a16:rowId xmlns:a16="http://schemas.microsoft.com/office/drawing/2014/main" xmlns="" val="3459295351"/>
+                    <a16:rowId xmlns:a16="http://schemas.microsoft.com/office/drawing/2014/main" val="3459295351"/>
                   </a:ext>
                 </a:extLst>
               </a:tr>
@@ -24905,7 +25215,7 @@
                 </a:tc>
                 <a:extLst>
                   <a:ext uri="{0D108BD9-81ED-4DB2-BD59-A6C34878D82A}">
-                    <a16:rowId xmlns:a16="http://schemas.microsoft.com/office/drawing/2014/main" xmlns="" val="11531206"/>
+                    <a16:rowId xmlns:a16="http://schemas.microsoft.com/office/drawing/2014/main" val="11531206"/>
                   </a:ext>
                 </a:extLst>
               </a:tr>
@@ -24989,7 +25299,7 @@
                 </a:tc>
                 <a:extLst>
                   <a:ext uri="{0D108BD9-81ED-4DB2-BD59-A6C34878D82A}">
-                    <a16:rowId xmlns:a16="http://schemas.microsoft.com/office/drawing/2014/main" xmlns="" val="10003"/>
+                    <a16:rowId xmlns:a16="http://schemas.microsoft.com/office/drawing/2014/main" val="10003"/>
                   </a:ext>
                 </a:extLst>
               </a:tr>
@@ -25069,7 +25379,7 @@
                 </a:tc>
                 <a:extLst>
                   <a:ext uri="{0D108BD9-81ED-4DB2-BD59-A6C34878D82A}">
-                    <a16:rowId xmlns:a16="http://schemas.microsoft.com/office/drawing/2014/main" xmlns="" val="1140387248"/>
+                    <a16:rowId xmlns:a16="http://schemas.microsoft.com/office/drawing/2014/main" val="1140387248"/>
                   </a:ext>
                 </a:extLst>
               </a:tr>
@@ -25162,7 +25472,7 @@
                 </a:tc>
                 <a:extLst>
                   <a:ext uri="{0D108BD9-81ED-4DB2-BD59-A6C34878D82A}">
-                    <a16:rowId xmlns:a16="http://schemas.microsoft.com/office/drawing/2014/main" xmlns="" val="10005"/>
+                    <a16:rowId xmlns:a16="http://schemas.microsoft.com/office/drawing/2014/main" val="10005"/>
                   </a:ext>
                 </a:extLst>
               </a:tr>
@@ -25251,7 +25561,7 @@
                 </a:tc>
                 <a:extLst>
                   <a:ext uri="{0D108BD9-81ED-4DB2-BD59-A6C34878D82A}">
-                    <a16:rowId xmlns:a16="http://schemas.microsoft.com/office/drawing/2014/main" xmlns="" val="4031062607"/>
+                    <a16:rowId xmlns:a16="http://schemas.microsoft.com/office/drawing/2014/main" val="4031062607"/>
                   </a:ext>
                 </a:extLst>
               </a:tr>
@@ -25344,7 +25654,7 @@
                 </a:tc>
                 <a:extLst>
                   <a:ext uri="{0D108BD9-81ED-4DB2-BD59-A6C34878D82A}">
-                    <a16:rowId xmlns:a16="http://schemas.microsoft.com/office/drawing/2014/main" xmlns="" val="3810878265"/>
+                    <a16:rowId xmlns:a16="http://schemas.microsoft.com/office/drawing/2014/main" val="3810878265"/>
                   </a:ext>
                 </a:extLst>
               </a:tr>
@@ -25483,7 +25793,7 @@
                 </a:tc>
                 <a:extLst>
                   <a:ext uri="{0D108BD9-81ED-4DB2-BD59-A6C34878D82A}">
-                    <a16:rowId xmlns:a16="http://schemas.microsoft.com/office/drawing/2014/main" xmlns="" val="10008"/>
+                    <a16:rowId xmlns:a16="http://schemas.microsoft.com/office/drawing/2014/main" val="10008"/>
                   </a:ext>
                 </a:extLst>
               </a:tr>
@@ -25580,7 +25890,7 @@
                 </a:tc>
                 <a:extLst>
                   <a:ext uri="{0D108BD9-81ED-4DB2-BD59-A6C34878D82A}">
-                    <a16:rowId xmlns:a16="http://schemas.microsoft.com/office/drawing/2014/main" xmlns="" val="3452581991"/>
+                    <a16:rowId xmlns:a16="http://schemas.microsoft.com/office/drawing/2014/main" val="3452581991"/>
                   </a:ext>
                 </a:extLst>
               </a:tr>
@@ -25647,7 +25957,7 @@
                 </a:tc>
                 <a:extLst>
                   <a:ext uri="{0D108BD9-81ED-4DB2-BD59-A6C34878D82A}">
-                    <a16:rowId xmlns:a16="http://schemas.microsoft.com/office/drawing/2014/main" xmlns="" val="10010"/>
+                    <a16:rowId xmlns:a16="http://schemas.microsoft.com/office/drawing/2014/main" val="10010"/>
                   </a:ext>
                 </a:extLst>
               </a:tr>
@@ -25690,7 +26000,7 @@
           <p:cNvPr id="2" name="Titre 1">
             <a:extLst>
               <a:ext uri="{FF2B5EF4-FFF2-40B4-BE49-F238E27FC236}">
-                <a16:creationId xmlns:a16="http://schemas.microsoft.com/office/drawing/2014/main" xmlns="" id="{8DDCDBDF-D8CC-44B1-A599-F6FD2A53CCC8}"/>
+                <a16:creationId xmlns:a16="http://schemas.microsoft.com/office/drawing/2014/main" id="{8DDCDBDF-D8CC-44B1-A599-F6FD2A53CCC8}"/>
               </a:ext>
             </a:extLst>
           </p:cNvPr>
@@ -25723,7 +26033,7 @@
           <p:cNvPr id="4" name="Espace réservé du contenu 3">
             <a:extLst>
               <a:ext uri="{FF2B5EF4-FFF2-40B4-BE49-F238E27FC236}">
-                <a16:creationId xmlns:a16="http://schemas.microsoft.com/office/drawing/2014/main" xmlns="" id="{003D9151-9798-4FFF-84EB-CA24DBFE390D}"/>
+                <a16:creationId xmlns:a16="http://schemas.microsoft.com/office/drawing/2014/main" id="{003D9151-9798-4FFF-84EB-CA24DBFE390D}"/>
               </a:ext>
             </a:extLst>
           </p:cNvPr>
@@ -25753,21 +26063,21 @@
                 <a:gridCol w="1885951">
                   <a:extLst>
                     <a:ext uri="{9D8B030D-6E8A-4147-A177-3AD203B41FA5}">
-                      <a16:colId xmlns:a16="http://schemas.microsoft.com/office/drawing/2014/main" xmlns="" val="141237979"/>
+                      <a16:colId xmlns:a16="http://schemas.microsoft.com/office/drawing/2014/main" val="141237979"/>
                     </a:ext>
                   </a:extLst>
                 </a:gridCol>
                 <a:gridCol w="8246413">
                   <a:extLst>
                     <a:ext uri="{9D8B030D-6E8A-4147-A177-3AD203B41FA5}">
-                      <a16:colId xmlns:a16="http://schemas.microsoft.com/office/drawing/2014/main" xmlns="" val="2232030455"/>
+                      <a16:colId xmlns:a16="http://schemas.microsoft.com/office/drawing/2014/main" val="2232030455"/>
                     </a:ext>
                   </a:extLst>
                 </a:gridCol>
                 <a:gridCol w="383235">
                   <a:extLst>
                     <a:ext uri="{9D8B030D-6E8A-4147-A177-3AD203B41FA5}">
-                      <a16:colId xmlns:a16="http://schemas.microsoft.com/office/drawing/2014/main" xmlns="" val="3592764086"/>
+                      <a16:colId xmlns:a16="http://schemas.microsoft.com/office/drawing/2014/main" val="3592764086"/>
                     </a:ext>
                   </a:extLst>
                 </a:gridCol>
@@ -25812,7 +26122,7 @@
                 </a:tc>
                 <a:extLst>
                   <a:ext uri="{0D108BD9-81ED-4DB2-BD59-A6C34878D82A}">
-                    <a16:rowId xmlns:a16="http://schemas.microsoft.com/office/drawing/2014/main" xmlns="" val="3930063906"/>
+                    <a16:rowId xmlns:a16="http://schemas.microsoft.com/office/drawing/2014/main" val="3930063906"/>
                   </a:ext>
                 </a:extLst>
               </a:tr>
@@ -25925,7 +26235,7 @@
                 </a:tc>
                 <a:extLst>
                   <a:ext uri="{0D108BD9-81ED-4DB2-BD59-A6C34878D82A}">
-                    <a16:rowId xmlns:a16="http://schemas.microsoft.com/office/drawing/2014/main" xmlns="" val="3459295351"/>
+                    <a16:rowId xmlns:a16="http://schemas.microsoft.com/office/drawing/2014/main" val="3459295351"/>
                   </a:ext>
                 </a:extLst>
               </a:tr>
@@ -26034,7 +26344,7 @@
                 </a:tc>
                 <a:extLst>
                   <a:ext uri="{0D108BD9-81ED-4DB2-BD59-A6C34878D82A}">
-                    <a16:rowId xmlns:a16="http://schemas.microsoft.com/office/drawing/2014/main" xmlns="" val="11531206"/>
+                    <a16:rowId xmlns:a16="http://schemas.microsoft.com/office/drawing/2014/main" val="11531206"/>
                   </a:ext>
                 </a:extLst>
               </a:tr>
@@ -26160,7 +26470,7 @@
                 </a:tc>
                 <a:extLst>
                   <a:ext uri="{0D108BD9-81ED-4DB2-BD59-A6C34878D82A}">
-                    <a16:rowId xmlns:a16="http://schemas.microsoft.com/office/drawing/2014/main" xmlns="" val="1140387248"/>
+                    <a16:rowId xmlns:a16="http://schemas.microsoft.com/office/drawing/2014/main" val="1140387248"/>
                   </a:ext>
                 </a:extLst>
               </a:tr>
@@ -26311,7 +26621,7 @@
                 </a:tc>
                 <a:extLst>
                   <a:ext uri="{0D108BD9-81ED-4DB2-BD59-A6C34878D82A}">
-                    <a16:rowId xmlns:a16="http://schemas.microsoft.com/office/drawing/2014/main" xmlns="" val="4031062607"/>
+                    <a16:rowId xmlns:a16="http://schemas.microsoft.com/office/drawing/2014/main" val="4031062607"/>
                   </a:ext>
                 </a:extLst>
               </a:tr>
@@ -26446,7 +26756,7 @@
                 </a:tc>
                 <a:extLst>
                   <a:ext uri="{0D108BD9-81ED-4DB2-BD59-A6C34878D82A}">
-                    <a16:rowId xmlns:a16="http://schemas.microsoft.com/office/drawing/2014/main" xmlns="" val="3810878265"/>
+                    <a16:rowId xmlns:a16="http://schemas.microsoft.com/office/drawing/2014/main" val="3810878265"/>
                   </a:ext>
                 </a:extLst>
               </a:tr>
@@ -26598,7 +26908,7 @@
                 </a:tc>
                 <a:extLst>
                   <a:ext uri="{0D108BD9-81ED-4DB2-BD59-A6C34878D82A}">
-                    <a16:rowId xmlns:a16="http://schemas.microsoft.com/office/drawing/2014/main" xmlns="" val="3452581991"/>
+                    <a16:rowId xmlns:a16="http://schemas.microsoft.com/office/drawing/2014/main" val="3452581991"/>
                   </a:ext>
                 </a:extLst>
               </a:tr>
@@ -26701,7 +27011,7 @@
                 </a:tc>
                 <a:extLst>
                   <a:ext uri="{0D108BD9-81ED-4DB2-BD59-A6C34878D82A}">
-                    <a16:rowId xmlns:a16="http://schemas.microsoft.com/office/drawing/2014/main" xmlns="" val="2574950784"/>
+                    <a16:rowId xmlns:a16="http://schemas.microsoft.com/office/drawing/2014/main" val="2574950784"/>
                   </a:ext>
                 </a:extLst>
               </a:tr>
@@ -26904,7 +27214,7 @@
                 </a:tc>
                 <a:extLst>
                   <a:ext uri="{0D108BD9-81ED-4DB2-BD59-A6C34878D82A}">
-                    <a16:rowId xmlns:a16="http://schemas.microsoft.com/office/drawing/2014/main" xmlns="" val="330511159"/>
+                    <a16:rowId xmlns:a16="http://schemas.microsoft.com/office/drawing/2014/main" val="330511159"/>
                   </a:ext>
                 </a:extLst>
               </a:tr>
@@ -27214,7 +27524,7 @@
   <a:extraClrSchemeLst/>
   <a:extLst>
     <a:ext uri="{05A4C25C-085E-4340-85A3-A5531E510DB2}">
-      <thm15:themeFamily xmlns:thm15="http://schemas.microsoft.com/office/thememl/2012/main" xmlns="" name="Office Theme" id="{62F939B6-93AF-4DB8-9C6B-D6C7DFDC589F}" vid="{4A3C46E8-61CC-4603-A589-7422A47A8E4A}"/>
+      <thm15:themeFamily xmlns:thm15="http://schemas.microsoft.com/office/thememl/2012/main" name="Office Theme" id="{62F939B6-93AF-4DB8-9C6B-D6C7DFDC589F}" vid="{4A3C46E8-61CC-4603-A589-7422A47A8E4A}"/>
     </a:ext>
   </a:extLst>
 </a:theme>

--- a/libraries/Diagramm Robot v2.pptx
+++ b/libraries/Diagramm Robot v2.pptx
@@ -279,7 +279,7 @@
           <a:p>
             <a:fld id="{0717AEF8-1597-4679-8926-916E82E12B07}" type="datetimeFigureOut">
               <a:rPr lang="fr-FR" smtClean="0"/>
-              <a:t>26/02/2019</a:t>
+              <a:t>13/03/2019</a:t>
             </a:fld>
             <a:endParaRPr lang="fr-FR"/>
           </a:p>
@@ -477,7 +477,7 @@
           <a:p>
             <a:fld id="{0717AEF8-1597-4679-8926-916E82E12B07}" type="datetimeFigureOut">
               <a:rPr lang="fr-FR" smtClean="0"/>
-              <a:t>26/02/2019</a:t>
+              <a:t>13/03/2019</a:t>
             </a:fld>
             <a:endParaRPr lang="fr-FR"/>
           </a:p>
@@ -685,7 +685,7 @@
           <a:p>
             <a:fld id="{0717AEF8-1597-4679-8926-916E82E12B07}" type="datetimeFigureOut">
               <a:rPr lang="fr-FR" smtClean="0"/>
-              <a:t>26/02/2019</a:t>
+              <a:t>13/03/2019</a:t>
             </a:fld>
             <a:endParaRPr lang="fr-FR"/>
           </a:p>
@@ -883,7 +883,7 @@
           <a:p>
             <a:fld id="{0717AEF8-1597-4679-8926-916E82E12B07}" type="datetimeFigureOut">
               <a:rPr lang="fr-FR" smtClean="0"/>
-              <a:t>26/02/2019</a:t>
+              <a:t>13/03/2019</a:t>
             </a:fld>
             <a:endParaRPr lang="fr-FR"/>
           </a:p>
@@ -1158,7 +1158,7 @@
           <a:p>
             <a:fld id="{0717AEF8-1597-4679-8926-916E82E12B07}" type="datetimeFigureOut">
               <a:rPr lang="fr-FR" smtClean="0"/>
-              <a:t>26/02/2019</a:t>
+              <a:t>13/03/2019</a:t>
             </a:fld>
             <a:endParaRPr lang="fr-FR"/>
           </a:p>
@@ -1423,7 +1423,7 @@
           <a:p>
             <a:fld id="{0717AEF8-1597-4679-8926-916E82E12B07}" type="datetimeFigureOut">
               <a:rPr lang="fr-FR" smtClean="0"/>
-              <a:t>26/02/2019</a:t>
+              <a:t>13/03/2019</a:t>
             </a:fld>
             <a:endParaRPr lang="fr-FR"/>
           </a:p>
@@ -1835,7 +1835,7 @@
           <a:p>
             <a:fld id="{0717AEF8-1597-4679-8926-916E82E12B07}" type="datetimeFigureOut">
               <a:rPr lang="fr-FR" smtClean="0"/>
-              <a:t>26/02/2019</a:t>
+              <a:t>13/03/2019</a:t>
             </a:fld>
             <a:endParaRPr lang="fr-FR"/>
           </a:p>
@@ -1976,7 +1976,7 @@
           <a:p>
             <a:fld id="{0717AEF8-1597-4679-8926-916E82E12B07}" type="datetimeFigureOut">
               <a:rPr lang="fr-FR" smtClean="0"/>
-              <a:t>26/02/2019</a:t>
+              <a:t>13/03/2019</a:t>
             </a:fld>
             <a:endParaRPr lang="fr-FR"/>
           </a:p>
@@ -2089,7 +2089,7 @@
           <a:p>
             <a:fld id="{0717AEF8-1597-4679-8926-916E82E12B07}" type="datetimeFigureOut">
               <a:rPr lang="fr-FR" smtClean="0"/>
-              <a:t>26/02/2019</a:t>
+              <a:t>13/03/2019</a:t>
             </a:fld>
             <a:endParaRPr lang="fr-FR"/>
           </a:p>
@@ -2400,7 +2400,7 @@
           <a:p>
             <a:fld id="{0717AEF8-1597-4679-8926-916E82E12B07}" type="datetimeFigureOut">
               <a:rPr lang="fr-FR" smtClean="0"/>
-              <a:t>26/02/2019</a:t>
+              <a:t>13/03/2019</a:t>
             </a:fld>
             <a:endParaRPr lang="fr-FR"/>
           </a:p>
@@ -2688,7 +2688,7 @@
           <a:p>
             <a:fld id="{0717AEF8-1597-4679-8926-916E82E12B07}" type="datetimeFigureOut">
               <a:rPr lang="fr-FR" smtClean="0"/>
-              <a:t>26/02/2019</a:t>
+              <a:t>13/03/2019</a:t>
             </a:fld>
             <a:endParaRPr lang="fr-FR"/>
           </a:p>
@@ -2929,7 +2929,7 @@
           <a:p>
             <a:fld id="{0717AEF8-1597-4679-8926-916E82E12B07}" type="datetimeFigureOut">
               <a:rPr lang="fr-FR" smtClean="0"/>
-              <a:t>26/02/2019</a:t>
+              <a:t>13/03/2019</a:t>
             </a:fld>
             <a:endParaRPr lang="fr-FR"/>
           </a:p>
@@ -16426,49 +16426,6 @@
           </a:fontRef>
         </p:style>
       </p:cxnSp>
-      <p:cxnSp>
-        <p:nvCxnSpPr>
-          <p:cNvPr id="248" name="Connecteur droit 247">
-            <a:extLst>
-              <a:ext uri="{FF2B5EF4-FFF2-40B4-BE49-F238E27FC236}">
-                <a16:creationId xmlns:a16="http://schemas.microsoft.com/office/drawing/2014/main" id="{3842D876-81A6-4F98-A741-FB86915D0AB3}"/>
-              </a:ext>
-            </a:extLst>
-          </p:cNvPr>
-          <p:cNvCxnSpPr>
-            <a:cxnSpLocks/>
-          </p:cNvCxnSpPr>
-          <p:nvPr/>
-        </p:nvCxnSpPr>
-        <p:spPr>
-          <a:xfrm flipV="1">
-            <a:off x="2854221" y="421157"/>
-            <a:ext cx="0" cy="488154"/>
-          </a:xfrm>
-          <a:prstGeom prst="line">
-            <a:avLst/>
-          </a:prstGeom>
-          <a:ln w="19050">
-            <a:solidFill>
-              <a:schemeClr val="tx1"/>
-            </a:solidFill>
-          </a:ln>
-        </p:spPr>
-        <p:style>
-          <a:lnRef idx="1">
-            <a:schemeClr val="accent1"/>
-          </a:lnRef>
-          <a:fillRef idx="0">
-            <a:schemeClr val="accent1"/>
-          </a:fillRef>
-          <a:effectRef idx="0">
-            <a:schemeClr val="accent1"/>
-          </a:effectRef>
-          <a:fontRef idx="minor">
-            <a:schemeClr val="tx1"/>
-          </a:fontRef>
-        </p:style>
-      </p:cxnSp>
     </p:spTree>
     <p:extLst>
       <p:ext uri="{BB962C8B-B14F-4D97-AF65-F5344CB8AC3E}">

--- a/libraries/Diagramm Robot v2.pptx
+++ b/libraries/Diagramm Robot v2.pptx
@@ -19333,11 +19333,7 @@
           <a:lstStyle/>
           <a:p>
             <a:r>
-              <a:rPr lang="en-US" dirty="0" err="1">
-                <a:solidFill>
-                  <a:srgbClr val="FF0000"/>
-                </a:solidFill>
-              </a:rPr>
+              <a:rPr lang="en-US" dirty="0" err="1"/>
               <a:t>Lipo</a:t>
             </a:r>
             <a:r>
@@ -19346,7 +19342,11 @@
                   <a:srgbClr val="FF0000"/>
                 </a:solidFill>
               </a:rPr>
-              <a:t> 2200mAh</a:t>
+              <a:t> </a:t>
+            </a:r>
+            <a:r>
+              <a:rPr lang="en-US" dirty="0"/>
+              <a:t>2200mAh</a:t>
             </a:r>
           </a:p>
         </p:txBody>
